--- a/ASP_ExtensionPoints/Presentation/WebAPI.pptx
+++ b/ASP_ExtensionPoints/Presentation/WebAPI.pptx
@@ -201,7 +201,7 @@
           <a:p>
             <a:fld id="{C32DDFF6-00E2-4044-B5FA-FDADC32BD187}" type="datetimeFigureOut">
               <a:rPr lang="en-US" smtClean="0"/>
-              <a:t>5/19/2017</a:t>
+              <a:t>5/22/2017</a:t>
             </a:fld>
             <a:endParaRPr lang="en-US"/>
           </a:p>
@@ -960,7 +960,7 @@
           <a:p>
             <a:fld id="{030305CC-77D9-43C1-9487-C134B9231D54}" type="datetimeFigureOut">
               <a:rPr lang="en-US" smtClean="0"/>
-              <a:t>5/19/2017</a:t>
+              <a:t>5/22/2017</a:t>
             </a:fld>
             <a:endParaRPr lang="en-US"/>
           </a:p>
@@ -1138,7 +1138,7 @@
           <a:p>
             <a:fld id="{030305CC-77D9-43C1-9487-C134B9231D54}" type="datetimeFigureOut">
               <a:rPr lang="en-US" smtClean="0"/>
-              <a:t>5/19/2017</a:t>
+              <a:t>5/22/2017</a:t>
             </a:fld>
             <a:endParaRPr lang="en-US"/>
           </a:p>
@@ -1306,7 +1306,7 @@
           <a:p>
             <a:fld id="{030305CC-77D9-43C1-9487-C134B9231D54}" type="datetimeFigureOut">
               <a:rPr lang="en-US" smtClean="0"/>
-              <a:t>5/19/2017</a:t>
+              <a:t>5/22/2017</a:t>
             </a:fld>
             <a:endParaRPr lang="en-US"/>
           </a:p>
@@ -1763,7 +1763,7 @@
           <a:p>
             <a:fld id="{030305CC-77D9-43C1-9487-C134B9231D54}" type="datetimeFigureOut">
               <a:rPr lang="en-US" smtClean="0"/>
-              <a:t>5/19/2017</a:t>
+              <a:t>5/22/2017</a:t>
             </a:fld>
             <a:endParaRPr lang="en-US"/>
           </a:p>
@@ -1992,7 +1992,7 @@
           <a:p>
             <a:fld id="{030305CC-77D9-43C1-9487-C134B9231D54}" type="datetimeFigureOut">
               <a:rPr lang="en-US" smtClean="0"/>
-              <a:t>5/19/2017</a:t>
+              <a:t>5/22/2017</a:t>
             </a:fld>
             <a:endParaRPr lang="en-US"/>
           </a:p>
@@ -2356,7 +2356,7 @@
           <a:p>
             <a:fld id="{030305CC-77D9-43C1-9487-C134B9231D54}" type="datetimeFigureOut">
               <a:rPr lang="en-US" smtClean="0"/>
-              <a:t>5/19/2017</a:t>
+              <a:t>5/22/2017</a:t>
             </a:fld>
             <a:endParaRPr lang="en-US"/>
           </a:p>
@@ -2473,7 +2473,7 @@
           <a:p>
             <a:fld id="{030305CC-77D9-43C1-9487-C134B9231D54}" type="datetimeFigureOut">
               <a:rPr lang="en-US" smtClean="0"/>
-              <a:t>5/19/2017</a:t>
+              <a:t>5/22/2017</a:t>
             </a:fld>
             <a:endParaRPr lang="en-US"/>
           </a:p>
@@ -2568,7 +2568,7 @@
           <a:p>
             <a:fld id="{030305CC-77D9-43C1-9487-C134B9231D54}" type="datetimeFigureOut">
               <a:rPr lang="en-US" smtClean="0"/>
-              <a:t>5/19/2017</a:t>
+              <a:t>5/22/2017</a:t>
             </a:fld>
             <a:endParaRPr lang="en-US"/>
           </a:p>
@@ -2843,7 +2843,7 @@
           <a:p>
             <a:fld id="{030305CC-77D9-43C1-9487-C134B9231D54}" type="datetimeFigureOut">
               <a:rPr lang="en-US" smtClean="0"/>
-              <a:t>5/19/2017</a:t>
+              <a:t>5/22/2017</a:t>
             </a:fld>
             <a:endParaRPr lang="en-US"/>
           </a:p>
@@ -3098,7 +3098,7 @@
           <a:p>
             <a:fld id="{030305CC-77D9-43C1-9487-C134B9231D54}" type="datetimeFigureOut">
               <a:rPr lang="en-US" smtClean="0"/>
-              <a:t>5/19/2017</a:t>
+              <a:t>5/22/2017</a:t>
             </a:fld>
             <a:endParaRPr lang="en-US"/>
           </a:p>
@@ -3310,7 +3310,7 @@
           <a:p>
             <a:fld id="{030305CC-77D9-43C1-9487-C134B9231D54}" type="datetimeFigureOut">
               <a:rPr lang="en-US" smtClean="0"/>
-              <a:t>5/19/2017</a:t>
+              <a:t>5/22/2017</a:t>
             </a:fld>
             <a:endParaRPr lang="en-US"/>
           </a:p>
@@ -3970,8 +3970,379 @@
           <a:p>
             <a:r>
               <a:rPr lang="en-US" dirty="0"/>
-              <a:t>ASP NET MVC Pipeline</a:t>
-            </a:r>
+              <a:t>Media Type Formatters</a:t>
+            </a:r>
+          </a:p>
+        </p:txBody>
+      </p:sp>
+      <p:sp>
+        <p:nvSpPr>
+          <p:cNvPr id="3" name="Rectangle 1"/>
+          <p:cNvSpPr>
+            <a:spLocks noChangeArrowheads="1"/>
+          </p:cNvSpPr>
+          <p:nvPr/>
+        </p:nvSpPr>
+        <p:spPr bwMode="auto">
+          <a:xfrm>
+            <a:off x="1595335" y="891699"/>
+            <a:ext cx="10124317" cy="1400383"/>
+          </a:xfrm>
+          <a:prstGeom prst="rect">
+            <a:avLst/>
+          </a:prstGeom>
+          <a:solidFill>
+            <a:srgbClr val="FFFFFF"/>
+          </a:solidFill>
+          <a:ln>
+            <a:noFill/>
+          </a:ln>
+          <a:effectLst/>
+          <a:extLst>
+            <a:ext uri="{91240B29-F687-4F45-9708-019B960494DF}">
+              <a14:hiddenLine xmlns:a14="http://schemas.microsoft.com/office/drawing/2010/main" w="9525">
+                <a:solidFill>
+                  <a:schemeClr val="tx1"/>
+                </a:solidFill>
+                <a:miter lim="800000"/>
+                <a:headEnd/>
+                <a:tailEnd/>
+              </a14:hiddenLine>
+            </a:ext>
+            <a:ext uri="{AF507438-7753-43E0-B8FC-AC1667EBCBE1}">
+              <a14:hiddenEffects xmlns:a14="http://schemas.microsoft.com/office/drawing/2010/main">
+                <a:effectLst>
+                  <a:outerShdw dist="35921" dir="2700000" algn="ctr" rotWithShape="0">
+                    <a:schemeClr val="bg2"/>
+                  </a:outerShdw>
+                </a:effectLst>
+              </a14:hiddenEffects>
+            </a:ext>
+          </a:extLst>
+        </p:spPr>
+        <p:txBody>
+          <a:bodyPr vert="horz" wrap="square" lIns="0" tIns="0" rIns="0" bIns="0" numCol="1" anchor="ctr" anchorCtr="0" compatLnSpc="1">
+            <a:prstTxWarp prst="textNoShape">
+              <a:avLst/>
+            </a:prstTxWarp>
+            <a:spAutoFit/>
+          </a:bodyPr>
+          <a:lstStyle/>
+          <a:p>
+            <a:pPr marL="0" marR="0" lvl="0" indent="0" algn="l" defTabSz="914400" rtl="0" eaLnBrk="0" fontAlgn="base" latinLnBrk="0" hangingPunct="0">
+              <a:lnSpc>
+                <a:spcPct val="100000"/>
+              </a:lnSpc>
+              <a:spcBef>
+                <a:spcPct val="0"/>
+              </a:spcBef>
+              <a:spcAft>
+                <a:spcPct val="0"/>
+              </a:spcAft>
+              <a:buClrTx/>
+              <a:buSzTx/>
+              <a:buFontTx/>
+              <a:buNone/>
+              <a:tabLst/>
+            </a:pPr>
+            <a:r>
+              <a:rPr kumimoji="0" lang="en-US" altLang="en-US" sz="1100" b="0" i="0" u="none" strike="noStrike" cap="none" normalizeH="0" baseline="0" dirty="0">
+                <a:ln>
+                  <a:noFill/>
+                </a:ln>
+                <a:solidFill>
+                  <a:srgbClr val="242729"/>
+                </a:solidFill>
+                <a:effectLst/>
+                <a:latin typeface="inherit"/>
+                <a:cs typeface="Arial" panose="020B0604020202020204" pitchFamily="34" charset="0"/>
+              </a:rPr>
+              <a:t>There isn't specifically a per-route way of having formatters, but there is a </a:t>
+            </a:r>
+            <a:r>
+              <a:rPr kumimoji="0" lang="en-US" altLang="en-US" sz="900" b="0" i="0" u="none" strike="noStrike" cap="none" normalizeH="0" baseline="0" dirty="0">
+                <a:ln>
+                  <a:noFill/>
+                </a:ln>
+                <a:solidFill>
+                  <a:srgbClr val="242729"/>
+                </a:solidFill>
+                <a:effectLst/>
+                <a:latin typeface="Consolas" panose="020B0609020204030204" pitchFamily="49" charset="0"/>
+                <a:cs typeface="Arial" panose="020B0604020202020204" pitchFamily="34" charset="0"/>
+              </a:rPr>
+              <a:t>per-controller configuration</a:t>
+            </a:r>
+            <a:r>
+              <a:rPr kumimoji="0" lang="en-US" altLang="en-US" sz="1100" b="0" i="0" u="none" strike="noStrike" cap="none" normalizeH="0" baseline="0" dirty="0">
+                <a:ln>
+                  <a:noFill/>
+                </a:ln>
+                <a:solidFill>
+                  <a:srgbClr val="242729"/>
+                </a:solidFill>
+                <a:effectLst/>
+                <a:latin typeface="inherit"/>
+                <a:cs typeface="Arial" panose="020B0604020202020204" pitchFamily="34" charset="0"/>
+              </a:rPr>
+              <a:t> which you can use to have specific formatters. For example, in your scenario you could have a common base controller for certain set of controllers and decorate that base controller with the per-controller configuration attribute.</a:t>
+            </a:r>
+            <a:endParaRPr kumimoji="0" lang="en-US" altLang="en-US" sz="1100" b="0" i="0" u="none" strike="noStrike" cap="none" normalizeH="0" baseline="0" dirty="0">
+              <a:ln>
+                <a:noFill/>
+              </a:ln>
+              <a:solidFill>
+                <a:srgbClr val="242729"/>
+              </a:solidFill>
+              <a:effectLst/>
+              <a:latin typeface="Arial" panose="020B0604020202020204" pitchFamily="34" charset="0"/>
+              <a:cs typeface="Arial" panose="020B0604020202020204" pitchFamily="34" charset="0"/>
+            </a:endParaRPr>
+          </a:p>
+          <a:p>
+            <a:pPr marL="0" marR="0" lvl="0" indent="0" algn="l" defTabSz="914400" rtl="0" eaLnBrk="0" fontAlgn="base" latinLnBrk="0" hangingPunct="0">
+              <a:lnSpc>
+                <a:spcPct val="100000"/>
+              </a:lnSpc>
+              <a:spcBef>
+                <a:spcPct val="0"/>
+              </a:spcBef>
+              <a:spcAft>
+                <a:spcPct val="0"/>
+              </a:spcAft>
+              <a:buClrTx/>
+              <a:buSzTx/>
+              <a:buFontTx/>
+              <a:buNone/>
+              <a:tabLst/>
+            </a:pPr>
+            <a:r>
+              <a:rPr kumimoji="0" lang="en-US" altLang="en-US" sz="1100" b="0" i="0" u="none" strike="noStrike" cap="none" normalizeH="0" baseline="0" dirty="0">
+                <a:ln>
+                  <a:noFill/>
+                </a:ln>
+                <a:solidFill>
+                  <a:srgbClr val="242729"/>
+                </a:solidFill>
+                <a:effectLst/>
+                <a:latin typeface="inherit"/>
+                <a:cs typeface="Arial" panose="020B0604020202020204" pitchFamily="34" charset="0"/>
+              </a:rPr>
+              <a:t>Web API Sample for creating a per-controller </a:t>
+            </a:r>
+            <a:r>
+              <a:rPr kumimoji="0" lang="en-US" altLang="en-US" sz="1100" b="0" i="0" u="none" strike="noStrike" cap="none" normalizeH="0" baseline="0" dirty="0" err="1">
+                <a:ln>
+                  <a:noFill/>
+                </a:ln>
+                <a:solidFill>
+                  <a:srgbClr val="242729"/>
+                </a:solidFill>
+                <a:effectLst/>
+                <a:latin typeface="inherit"/>
+                <a:cs typeface="Arial" panose="020B0604020202020204" pitchFamily="34" charset="0"/>
+              </a:rPr>
+              <a:t>configuration:</a:t>
+            </a:r>
+            <a:r>
+              <a:rPr kumimoji="0" lang="en-US" altLang="en-US" sz="1100" b="0" i="0" u="none" strike="noStrike" cap="none" normalizeH="0" baseline="0" dirty="0" err="1">
+                <a:ln>
+                  <a:noFill/>
+                </a:ln>
+                <a:solidFill>
+                  <a:srgbClr val="005999"/>
+                </a:solidFill>
+                <a:effectLst/>
+                <a:latin typeface="inherit"/>
+                <a:cs typeface="Arial" panose="020B0604020202020204" pitchFamily="34" charset="0"/>
+                <a:hlinkClick r:id="rId2"/>
+              </a:rPr>
+              <a:t>http</a:t>
+            </a:r>
+            <a:r>
+              <a:rPr kumimoji="0" lang="en-US" altLang="en-US" sz="1100" b="0" i="0" u="none" strike="noStrike" cap="none" normalizeH="0" baseline="0" dirty="0">
+                <a:ln>
+                  <a:noFill/>
+                </a:ln>
+                <a:solidFill>
+                  <a:srgbClr val="005999"/>
+                </a:solidFill>
+                <a:effectLst/>
+                <a:latin typeface="inherit"/>
+                <a:cs typeface="Arial" panose="020B0604020202020204" pitchFamily="34" charset="0"/>
+                <a:hlinkClick r:id="rId2"/>
+              </a:rPr>
+              <a:t>://aspnet.codeplex.com/</a:t>
+            </a:r>
+            <a:r>
+              <a:rPr kumimoji="0" lang="en-US" altLang="en-US" sz="1100" b="0" i="0" u="none" strike="noStrike" cap="none" normalizeH="0" baseline="0" dirty="0" err="1">
+                <a:ln>
+                  <a:noFill/>
+                </a:ln>
+                <a:solidFill>
+                  <a:srgbClr val="005999"/>
+                </a:solidFill>
+                <a:effectLst/>
+                <a:latin typeface="inherit"/>
+                <a:cs typeface="Arial" panose="020B0604020202020204" pitchFamily="34" charset="0"/>
+                <a:hlinkClick r:id="rId2"/>
+              </a:rPr>
+              <a:t>SourceControl</a:t>
+            </a:r>
+            <a:r>
+              <a:rPr kumimoji="0" lang="en-US" altLang="en-US" sz="1100" b="0" i="0" u="none" strike="noStrike" cap="none" normalizeH="0" baseline="0" dirty="0">
+                <a:ln>
+                  <a:noFill/>
+                </a:ln>
+                <a:solidFill>
+                  <a:srgbClr val="005999"/>
+                </a:solidFill>
+                <a:effectLst/>
+                <a:latin typeface="inherit"/>
+                <a:cs typeface="Arial" panose="020B0604020202020204" pitchFamily="34" charset="0"/>
+                <a:hlinkClick r:id="rId2"/>
+              </a:rPr>
+              <a:t>/</a:t>
+            </a:r>
+            <a:r>
+              <a:rPr kumimoji="0" lang="en-US" altLang="en-US" sz="1100" b="0" i="0" u="none" strike="noStrike" cap="none" normalizeH="0" baseline="0" dirty="0" err="1">
+                <a:ln>
+                  <a:noFill/>
+                </a:ln>
+                <a:solidFill>
+                  <a:srgbClr val="005999"/>
+                </a:solidFill>
+                <a:effectLst/>
+                <a:latin typeface="inherit"/>
+                <a:cs typeface="Arial" panose="020B0604020202020204" pitchFamily="34" charset="0"/>
+                <a:hlinkClick r:id="rId2"/>
+              </a:rPr>
+              <a:t>latest#Samples</a:t>
+            </a:r>
+            <a:r>
+              <a:rPr kumimoji="0" lang="en-US" altLang="en-US" sz="1100" b="0" i="0" u="none" strike="noStrike" cap="none" normalizeH="0" baseline="0" dirty="0">
+                <a:ln>
+                  <a:noFill/>
+                </a:ln>
+                <a:solidFill>
+                  <a:srgbClr val="005999"/>
+                </a:solidFill>
+                <a:effectLst/>
+                <a:latin typeface="inherit"/>
+                <a:cs typeface="Arial" panose="020B0604020202020204" pitchFamily="34" charset="0"/>
+                <a:hlinkClick r:id="rId2"/>
+              </a:rPr>
+              <a:t>/</a:t>
+            </a:r>
+            <a:r>
+              <a:rPr kumimoji="0" lang="en-US" altLang="en-US" sz="1100" b="0" i="0" u="none" strike="noStrike" cap="none" normalizeH="0" baseline="0" dirty="0" err="1">
+                <a:ln>
+                  <a:noFill/>
+                </a:ln>
+                <a:solidFill>
+                  <a:srgbClr val="005999"/>
+                </a:solidFill>
+                <a:effectLst/>
+                <a:latin typeface="inherit"/>
+                <a:cs typeface="Arial" panose="020B0604020202020204" pitchFamily="34" charset="0"/>
+                <a:hlinkClick r:id="rId2"/>
+              </a:rPr>
+              <a:t>WebApi</a:t>
+            </a:r>
+            <a:r>
+              <a:rPr kumimoji="0" lang="en-US" altLang="en-US" sz="1100" b="0" i="0" u="none" strike="noStrike" cap="none" normalizeH="0" baseline="0" dirty="0">
+                <a:ln>
+                  <a:noFill/>
+                </a:ln>
+                <a:solidFill>
+                  <a:srgbClr val="005999"/>
+                </a:solidFill>
+                <a:effectLst/>
+                <a:latin typeface="inherit"/>
+                <a:cs typeface="Arial" panose="020B0604020202020204" pitchFamily="34" charset="0"/>
+                <a:hlinkClick r:id="rId2"/>
+              </a:rPr>
+              <a:t>/</a:t>
+            </a:r>
+            <a:r>
+              <a:rPr kumimoji="0" lang="en-US" altLang="en-US" sz="1100" b="0" i="0" u="none" strike="noStrike" cap="none" normalizeH="0" baseline="0" dirty="0" err="1">
+                <a:ln>
+                  <a:noFill/>
+                </a:ln>
+                <a:solidFill>
+                  <a:srgbClr val="005999"/>
+                </a:solidFill>
+                <a:effectLst/>
+                <a:latin typeface="inherit"/>
+                <a:cs typeface="Arial" panose="020B0604020202020204" pitchFamily="34" charset="0"/>
+                <a:hlinkClick r:id="rId2"/>
+              </a:rPr>
+              <a:t>ControllerSpecificConfigSample</a:t>
+            </a:r>
+            <a:r>
+              <a:rPr kumimoji="0" lang="en-US" altLang="en-US" sz="1100" b="0" i="0" u="none" strike="noStrike" cap="none" normalizeH="0" baseline="0" dirty="0">
+                <a:ln>
+                  <a:noFill/>
+                </a:ln>
+                <a:solidFill>
+                  <a:srgbClr val="005999"/>
+                </a:solidFill>
+                <a:effectLst/>
+                <a:latin typeface="inherit"/>
+                <a:cs typeface="Arial" panose="020B0604020202020204" pitchFamily="34" charset="0"/>
+                <a:hlinkClick r:id="rId2"/>
+              </a:rPr>
+              <a:t>/ReadMe.txt</a:t>
+            </a:r>
+            <a:endParaRPr kumimoji="0" lang="en-US" altLang="en-US" sz="800" b="0" i="0" u="none" strike="noStrike" cap="none" normalizeH="0" baseline="0" dirty="0">
+              <a:ln>
+                <a:noFill/>
+              </a:ln>
+              <a:solidFill>
+                <a:schemeClr val="tx1"/>
+              </a:solidFill>
+              <a:effectLst/>
+            </a:endParaRPr>
+          </a:p>
+          <a:p>
+            <a:pPr marL="0" marR="0" lvl="0" indent="0" algn="l" defTabSz="914400" rtl="0" eaLnBrk="0" fontAlgn="base" latinLnBrk="0" hangingPunct="0">
+              <a:lnSpc>
+                <a:spcPct val="100000"/>
+              </a:lnSpc>
+              <a:spcBef>
+                <a:spcPct val="0"/>
+              </a:spcBef>
+              <a:spcAft>
+                <a:spcPct val="0"/>
+              </a:spcAft>
+              <a:buClrTx/>
+              <a:buSzTx/>
+              <a:buFontTx/>
+              <a:buNone/>
+              <a:tabLst/>
+            </a:pPr>
+            <a:br>
+              <a:rPr kumimoji="0" lang="en-US" altLang="en-US" sz="1800" b="0" i="0" u="none" strike="noStrike" cap="none" normalizeH="0" baseline="0" dirty="0">
+                <a:ln>
+                  <a:noFill/>
+                </a:ln>
+                <a:solidFill>
+                  <a:schemeClr val="tx1"/>
+                </a:solidFill>
+                <a:effectLst/>
+                <a:latin typeface="Arial" panose="020B0604020202020204" pitchFamily="34" charset="0"/>
+              </a:rPr>
+            </a:br>
+            <a:endParaRPr kumimoji="0" lang="en-US" altLang="en-US" sz="1800" b="0" i="0" u="none" strike="noStrike" cap="none" normalizeH="0" baseline="0" dirty="0">
+              <a:ln>
+                <a:noFill/>
+              </a:ln>
+              <a:solidFill>
+                <a:schemeClr val="tx1"/>
+              </a:solidFill>
+              <a:effectLst/>
+              <a:latin typeface="Arial" panose="020B0604020202020204" pitchFamily="34" charset="0"/>
+            </a:endParaRPr>
           </a:p>
         </p:txBody>
       </p:sp>

--- a/ASP_ExtensionPoints/Presentation/WebAPI.pptx
+++ b/ASP_ExtensionPoints/Presentation/WebAPI.pptx
@@ -5,14 +5,22 @@
     <p:sldMasterId id="2147483660" r:id="rId1"/>
   </p:sldMasterIdLst>
   <p:notesMasterIdLst>
-    <p:notesMasterId r:id="rId7"/>
+    <p:notesMasterId r:id="rId15"/>
   </p:notesMasterIdLst>
   <p:sldIdLst>
     <p:sldId id="256" r:id="rId2"/>
     <p:sldId id="271" r:id="rId3"/>
-    <p:sldId id="272" r:id="rId4"/>
-    <p:sldId id="273" r:id="rId5"/>
-    <p:sldId id="262" r:id="rId6"/>
+    <p:sldId id="274" r:id="rId4"/>
+    <p:sldId id="276" r:id="rId5"/>
+    <p:sldId id="277" r:id="rId6"/>
+    <p:sldId id="278" r:id="rId7"/>
+    <p:sldId id="279" r:id="rId8"/>
+    <p:sldId id="280" r:id="rId9"/>
+    <p:sldId id="281" r:id="rId10"/>
+    <p:sldId id="275" r:id="rId11"/>
+    <p:sldId id="272" r:id="rId12"/>
+    <p:sldId id="273" r:id="rId13"/>
+    <p:sldId id="262" r:id="rId14"/>
   </p:sldIdLst>
   <p:sldSz cx="12192000" cy="6858000"/>
   <p:notesSz cx="6858000" cy="9144000"/>
@@ -201,7 +209,7 @@
           <a:p>
             <a:fld id="{C32DDFF6-00E2-4044-B5FA-FDADC32BD187}" type="datetimeFigureOut">
               <a:rPr lang="en-US" smtClean="0"/>
-              <a:t>5/22/2017</a:t>
+              <a:t>5/23/2017</a:t>
             </a:fld>
             <a:endParaRPr lang="en-US"/>
           </a:p>
@@ -960,7 +968,7 @@
           <a:p>
             <a:fld id="{030305CC-77D9-43C1-9487-C134B9231D54}" type="datetimeFigureOut">
               <a:rPr lang="en-US" smtClean="0"/>
-              <a:t>5/22/2017</a:t>
+              <a:t>5/23/2017</a:t>
             </a:fld>
             <a:endParaRPr lang="en-US"/>
           </a:p>
@@ -1138,7 +1146,7 @@
           <a:p>
             <a:fld id="{030305CC-77D9-43C1-9487-C134B9231D54}" type="datetimeFigureOut">
               <a:rPr lang="en-US" smtClean="0"/>
-              <a:t>5/22/2017</a:t>
+              <a:t>5/23/2017</a:t>
             </a:fld>
             <a:endParaRPr lang="en-US"/>
           </a:p>
@@ -1306,7 +1314,7 @@
           <a:p>
             <a:fld id="{030305CC-77D9-43C1-9487-C134B9231D54}" type="datetimeFigureOut">
               <a:rPr lang="en-US" smtClean="0"/>
-              <a:t>5/22/2017</a:t>
+              <a:t>5/23/2017</a:t>
             </a:fld>
             <a:endParaRPr lang="en-US"/>
           </a:p>
@@ -1763,7 +1771,7 @@
           <a:p>
             <a:fld id="{030305CC-77D9-43C1-9487-C134B9231D54}" type="datetimeFigureOut">
               <a:rPr lang="en-US" smtClean="0"/>
-              <a:t>5/22/2017</a:t>
+              <a:t>5/23/2017</a:t>
             </a:fld>
             <a:endParaRPr lang="en-US"/>
           </a:p>
@@ -1992,7 +2000,7 @@
           <a:p>
             <a:fld id="{030305CC-77D9-43C1-9487-C134B9231D54}" type="datetimeFigureOut">
               <a:rPr lang="en-US" smtClean="0"/>
-              <a:t>5/22/2017</a:t>
+              <a:t>5/23/2017</a:t>
             </a:fld>
             <a:endParaRPr lang="en-US"/>
           </a:p>
@@ -2356,7 +2364,7 @@
           <a:p>
             <a:fld id="{030305CC-77D9-43C1-9487-C134B9231D54}" type="datetimeFigureOut">
               <a:rPr lang="en-US" smtClean="0"/>
-              <a:t>5/22/2017</a:t>
+              <a:t>5/23/2017</a:t>
             </a:fld>
             <a:endParaRPr lang="en-US"/>
           </a:p>
@@ -2473,7 +2481,7 @@
           <a:p>
             <a:fld id="{030305CC-77D9-43C1-9487-C134B9231D54}" type="datetimeFigureOut">
               <a:rPr lang="en-US" smtClean="0"/>
-              <a:t>5/22/2017</a:t>
+              <a:t>5/23/2017</a:t>
             </a:fld>
             <a:endParaRPr lang="en-US"/>
           </a:p>
@@ -2568,7 +2576,7 @@
           <a:p>
             <a:fld id="{030305CC-77D9-43C1-9487-C134B9231D54}" type="datetimeFigureOut">
               <a:rPr lang="en-US" smtClean="0"/>
-              <a:t>5/22/2017</a:t>
+              <a:t>5/23/2017</a:t>
             </a:fld>
             <a:endParaRPr lang="en-US"/>
           </a:p>
@@ -2843,7 +2851,7 @@
           <a:p>
             <a:fld id="{030305CC-77D9-43C1-9487-C134B9231D54}" type="datetimeFigureOut">
               <a:rPr lang="en-US" smtClean="0"/>
-              <a:t>5/22/2017</a:t>
+              <a:t>5/23/2017</a:t>
             </a:fld>
             <a:endParaRPr lang="en-US"/>
           </a:p>
@@ -3098,7 +3106,7 @@
           <a:p>
             <a:fld id="{030305CC-77D9-43C1-9487-C134B9231D54}" type="datetimeFigureOut">
               <a:rPr lang="en-US" smtClean="0"/>
-              <a:t>5/22/2017</a:t>
+              <a:t>5/23/2017</a:t>
             </a:fld>
             <a:endParaRPr lang="en-US"/>
           </a:p>
@@ -3310,7 +3318,7 @@
           <a:p>
             <a:fld id="{030305CC-77D9-43C1-9487-C134B9231D54}" type="datetimeFigureOut">
               <a:rPr lang="en-US" smtClean="0"/>
-              <a:t>5/22/2017</a:t>
+              <a:t>5/23/2017</a:t>
             </a:fld>
             <a:endParaRPr lang="en-US"/>
           </a:p>
@@ -3769,7 +3777,7 @@
 </p:sld>
 </file>
 
-<file path=ppt/slides/slide2.xml><?xml version="1.0" encoding="utf-8"?>
+<file path=ppt/slides/slide10.xml><?xml version="1.0" encoding="utf-8"?>
 <p:sld xmlns:a="http://schemas.openxmlformats.org/drawingml/2006/main" xmlns:r="http://schemas.openxmlformats.org/officeDocument/2006/relationships" xmlns:p="http://schemas.openxmlformats.org/presentationml/2006/main">
   <p:cSld>
     <p:spTree>
@@ -3844,7 +3852,7 @@
     </p:spTree>
     <p:extLst>
       <p:ext uri="{BB962C8B-B14F-4D97-AF65-F5344CB8AC3E}">
-        <p14:creationId xmlns:p14="http://schemas.microsoft.com/office/powerpoint/2010/main" val="870128569"/>
+        <p14:creationId xmlns:p14="http://schemas.microsoft.com/office/powerpoint/2010/main" val="684075879"/>
       </p:ext>
     </p:extLst>
   </p:cSld>
@@ -3854,7 +3862,7 @@
 </p:sld>
 </file>
 
-<file path=ppt/slides/slide3.xml><?xml version="1.0" encoding="utf-8"?>
+<file path=ppt/slides/slide11.xml><?xml version="1.0" encoding="utf-8"?>
 <p:sld xmlns:a="http://schemas.openxmlformats.org/drawingml/2006/main" xmlns:r="http://schemas.openxmlformats.org/officeDocument/2006/relationships" xmlns:p="http://schemas.openxmlformats.org/presentationml/2006/main">
   <p:cSld>
     <p:spTree>
@@ -3936,7 +3944,7 @@
 </p:sld>
 </file>
 
-<file path=ppt/slides/slide4.xml><?xml version="1.0" encoding="utf-8"?>
+<file path=ppt/slides/slide12.xml><?xml version="1.0" encoding="utf-8"?>
 <p:sld xmlns:a="http://schemas.openxmlformats.org/drawingml/2006/main" xmlns:r="http://schemas.openxmlformats.org/officeDocument/2006/relationships" xmlns:p="http://schemas.openxmlformats.org/presentationml/2006/main">
   <p:cSld>
     <p:spTree>
@@ -4359,6 +4367,356 @@
 </p:sld>
 </file>
 
+<file path=ppt/slides/slide13.xml><?xml version="1.0" encoding="utf-8"?>
+<p:sld xmlns:a="http://schemas.openxmlformats.org/drawingml/2006/main" xmlns:r="http://schemas.openxmlformats.org/officeDocument/2006/relationships" xmlns:p="http://schemas.openxmlformats.org/presentationml/2006/main">
+  <p:cSld>
+    <p:spTree>
+      <p:nvGrpSpPr>
+        <p:cNvPr id="1" name=""/>
+        <p:cNvGrpSpPr/>
+        <p:nvPr/>
+      </p:nvGrpSpPr>
+      <p:grpSpPr>
+        <a:xfrm>
+          <a:off x="0" y="0"/>
+          <a:ext cx="0" cy="0"/>
+          <a:chOff x="0" y="0"/>
+          <a:chExt cx="0" cy="0"/>
+        </a:xfrm>
+      </p:grpSpPr>
+      <p:sp>
+        <p:nvSpPr>
+          <p:cNvPr id="2" name="Title 1"/>
+          <p:cNvSpPr>
+            <a:spLocks noGrp="1"/>
+          </p:cNvSpPr>
+          <p:nvPr>
+            <p:ph type="title"/>
+          </p:nvPr>
+        </p:nvSpPr>
+        <p:spPr/>
+        <p:txBody>
+          <a:bodyPr/>
+          <a:lstStyle/>
+          <a:p>
+            <a:r>
+              <a:rPr lang="en-US" dirty="0"/>
+              <a:t>Purpose of this talk</a:t>
+            </a:r>
+          </a:p>
+        </p:txBody>
+      </p:sp>
+      <p:sp>
+        <p:nvSpPr>
+          <p:cNvPr id="4" name="Content Placeholder 3"/>
+          <p:cNvSpPr>
+            <a:spLocks noGrp="1"/>
+          </p:cNvSpPr>
+          <p:nvPr>
+            <p:ph idx="1"/>
+          </p:nvPr>
+        </p:nvSpPr>
+        <p:spPr/>
+        <p:txBody>
+          <a:bodyPr/>
+          <a:lstStyle/>
+          <a:p>
+            <a:r>
+              <a:rPr lang="en-US" dirty="0"/>
+              <a:t>Resources</a:t>
+            </a:r>
+          </a:p>
+          <a:p>
+            <a:r>
+              <a:rPr lang="en-US" dirty="0">
+                <a:hlinkClick r:id="rId2"/>
+              </a:rPr>
+              <a:t>https://www.simple-talk.com/dotnet/net-framework/an-introduction-to-asp-net-mvc-extensibility/</a:t>
+            </a:r>
+            <a:endParaRPr lang="en-US" dirty="0"/>
+          </a:p>
+          <a:p>
+            <a:r>
+              <a:rPr lang="en-US" dirty="0">
+                <a:hlinkClick r:id="rId3"/>
+              </a:rPr>
+              <a:t>https://www.simple-talk.com/wp-content/uploads/imported/1358-ASP.NET%20MVC%20Pipeline.pdf</a:t>
+            </a:r>
+            <a:endParaRPr lang="en-US" dirty="0"/>
+          </a:p>
+          <a:p>
+            <a:endParaRPr lang="en-US" dirty="0"/>
+          </a:p>
+          <a:p>
+            <a:endParaRPr lang="en-US" dirty="0"/>
+          </a:p>
+        </p:txBody>
+      </p:sp>
+    </p:spTree>
+    <p:extLst>
+      <p:ext uri="{BB962C8B-B14F-4D97-AF65-F5344CB8AC3E}">
+        <p14:creationId xmlns:p14="http://schemas.microsoft.com/office/powerpoint/2010/main" val="3073367794"/>
+      </p:ext>
+    </p:extLst>
+  </p:cSld>
+  <p:clrMapOvr>
+    <a:masterClrMapping/>
+  </p:clrMapOvr>
+</p:sld>
+</file>
+
+<file path=ppt/slides/slide2.xml><?xml version="1.0" encoding="utf-8"?>
+<p:sld xmlns:a="http://schemas.openxmlformats.org/drawingml/2006/main" xmlns:r="http://schemas.openxmlformats.org/officeDocument/2006/relationships" xmlns:p="http://schemas.openxmlformats.org/presentationml/2006/main">
+  <p:cSld>
+    <p:spTree>
+      <p:nvGrpSpPr>
+        <p:cNvPr id="1" name=""/>
+        <p:cNvGrpSpPr/>
+        <p:nvPr/>
+      </p:nvGrpSpPr>
+      <p:grpSpPr>
+        <a:xfrm>
+          <a:off x="0" y="0"/>
+          <a:ext cx="0" cy="0"/>
+          <a:chOff x="0" y="0"/>
+          <a:chExt cx="0" cy="0"/>
+        </a:xfrm>
+      </p:grpSpPr>
+      <p:sp>
+        <p:nvSpPr>
+          <p:cNvPr id="4" name="Rectangle 3"/>
+          <p:cNvSpPr/>
+          <p:nvPr/>
+        </p:nvSpPr>
+        <p:spPr>
+          <a:xfrm>
+            <a:off x="2576823" y="2641433"/>
+            <a:ext cx="7305718" cy="923330"/>
+          </a:xfrm>
+          <a:prstGeom prst="rect">
+            <a:avLst/>
+          </a:prstGeom>
+        </p:spPr>
+        <p:txBody>
+          <a:bodyPr wrap="none">
+            <a:spAutoFit/>
+          </a:bodyPr>
+          <a:lstStyle/>
+          <a:p>
+            <a:r>
+              <a:rPr lang="en-US" sz="5400" dirty="0"/>
+              <a:t> HTTP MESSAGE LIFECYLE</a:t>
+            </a:r>
+            <a:endParaRPr lang="en-US" sz="5400" dirty="0"/>
+          </a:p>
+        </p:txBody>
+      </p:sp>
+    </p:spTree>
+    <p:extLst>
+      <p:ext uri="{BB962C8B-B14F-4D97-AF65-F5344CB8AC3E}">
+        <p14:creationId xmlns:p14="http://schemas.microsoft.com/office/powerpoint/2010/main" val="870128569"/>
+      </p:ext>
+    </p:extLst>
+  </p:cSld>
+  <p:clrMapOvr>
+    <a:masterClrMapping/>
+  </p:clrMapOvr>
+</p:sld>
+</file>
+
+<file path=ppt/slides/slide3.xml><?xml version="1.0" encoding="utf-8"?>
+<p:sld xmlns:a="http://schemas.openxmlformats.org/drawingml/2006/main" xmlns:r="http://schemas.openxmlformats.org/officeDocument/2006/relationships" xmlns:p="http://schemas.openxmlformats.org/presentationml/2006/main">
+  <p:cSld>
+    <p:spTree>
+      <p:nvGrpSpPr>
+        <p:cNvPr id="1" name=""/>
+        <p:cNvGrpSpPr/>
+        <p:nvPr/>
+      </p:nvGrpSpPr>
+      <p:grpSpPr>
+        <a:xfrm>
+          <a:off x="0" y="0"/>
+          <a:ext cx="0" cy="0"/>
+          <a:chOff x="0" y="0"/>
+          <a:chExt cx="0" cy="0"/>
+        </a:xfrm>
+      </p:grpSpPr>
+      <p:sp>
+        <p:nvSpPr>
+          <p:cNvPr id="2" name="Title 1"/>
+          <p:cNvSpPr>
+            <a:spLocks noGrp="1"/>
+          </p:cNvSpPr>
+          <p:nvPr>
+            <p:ph type="title"/>
+          </p:nvPr>
+        </p:nvSpPr>
+        <p:spPr/>
+        <p:txBody>
+          <a:bodyPr/>
+          <a:lstStyle/>
+          <a:p>
+            <a:r>
+              <a:rPr lang="en-US" dirty="0"/>
+              <a:t> HTTP MESSAGE LIFECYLE</a:t>
+            </a:r>
+          </a:p>
+        </p:txBody>
+      </p:sp>
+      <p:pic>
+        <p:nvPicPr>
+          <p:cNvPr id="4" name="Picture 3"/>
+          <p:cNvPicPr>
+            <a:picLocks noChangeAspect="1"/>
+          </p:cNvPicPr>
+          <p:nvPr/>
+        </p:nvPicPr>
+        <p:blipFill rotWithShape="1">
+          <a:blip r:embed="rId2"/>
+          <a:srcRect b="4161"/>
+          <a:stretch/>
+        </p:blipFill>
+        <p:spPr>
+          <a:xfrm>
+            <a:off x="2024349" y="699694"/>
+            <a:ext cx="8746201" cy="2978003"/>
+          </a:xfrm>
+          <a:prstGeom prst="rect">
+            <a:avLst/>
+          </a:prstGeom>
+        </p:spPr>
+      </p:pic>
+      <p:sp>
+        <p:nvSpPr>
+          <p:cNvPr id="5" name="TextBox 4"/>
+          <p:cNvSpPr txBox="1"/>
+          <p:nvPr/>
+        </p:nvSpPr>
+        <p:spPr>
+          <a:xfrm>
+            <a:off x="1336431" y="4180114"/>
+            <a:ext cx="10510576" cy="646331"/>
+          </a:xfrm>
+          <a:prstGeom prst="rect">
+            <a:avLst/>
+          </a:prstGeom>
+          <a:noFill/>
+        </p:spPr>
+        <p:txBody>
+          <a:bodyPr wrap="square" rtlCol="0">
+            <a:spAutoFit/>
+          </a:bodyPr>
+          <a:lstStyle/>
+          <a:p>
+            <a:pPr marL="342900" indent="-342900">
+              <a:buAutoNum type="arabicPeriod"/>
+            </a:pPr>
+            <a:r>
+              <a:rPr lang="en-US" dirty="0"/>
+              <a:t>The IIS (Self-Host) passes the request to the </a:t>
+            </a:r>
+            <a:r>
+              <a:rPr lang="en-US" dirty="0" err="1"/>
+              <a:t>HttpServer</a:t>
+            </a:r>
+            <a:r>
+              <a:rPr lang="en-US" dirty="0"/>
+              <a:t> instance.</a:t>
+            </a:r>
+          </a:p>
+          <a:p>
+            <a:pPr marL="342900" indent="-342900">
+              <a:buAutoNum type="arabicPeriod"/>
+            </a:pPr>
+            <a:r>
+              <a:rPr lang="en-US" dirty="0"/>
+              <a:t>The </a:t>
+            </a:r>
+            <a:r>
+              <a:rPr lang="en-US" dirty="0" err="1"/>
+              <a:t>HttpServer</a:t>
+            </a:r>
+            <a:r>
+              <a:rPr lang="en-US" dirty="0"/>
+              <a:t> is responsible for dispatching the </a:t>
+            </a:r>
+            <a:r>
+              <a:rPr lang="en-US" dirty="0" err="1"/>
+              <a:t>HttpRequestMessage</a:t>
+            </a:r>
+            <a:r>
+              <a:rPr lang="en-US"/>
+              <a:t> object</a:t>
+            </a:r>
+            <a:endParaRPr lang="en-US" dirty="0"/>
+          </a:p>
+        </p:txBody>
+      </p:sp>
+    </p:spTree>
+    <p:extLst>
+      <p:ext uri="{BB962C8B-B14F-4D97-AF65-F5344CB8AC3E}">
+        <p14:creationId xmlns:p14="http://schemas.microsoft.com/office/powerpoint/2010/main" val="1944712186"/>
+      </p:ext>
+    </p:extLst>
+  </p:cSld>
+  <p:clrMapOvr>
+    <a:masterClrMapping/>
+  </p:clrMapOvr>
+</p:sld>
+</file>
+
+<file path=ppt/slides/slide4.xml><?xml version="1.0" encoding="utf-8"?>
+<p:sld xmlns:a="http://schemas.openxmlformats.org/drawingml/2006/main" xmlns:r="http://schemas.openxmlformats.org/officeDocument/2006/relationships" xmlns:p="http://schemas.openxmlformats.org/presentationml/2006/main">
+  <p:cSld>
+    <p:spTree>
+      <p:nvGrpSpPr>
+        <p:cNvPr id="1" name=""/>
+        <p:cNvGrpSpPr/>
+        <p:nvPr/>
+      </p:nvGrpSpPr>
+      <p:grpSpPr>
+        <a:xfrm>
+          <a:off x="0" y="0"/>
+          <a:ext cx="0" cy="0"/>
+          <a:chOff x="0" y="0"/>
+          <a:chExt cx="0" cy="0"/>
+        </a:xfrm>
+      </p:grpSpPr>
+      <p:sp>
+        <p:nvSpPr>
+          <p:cNvPr id="2" name="Title 1"/>
+          <p:cNvSpPr>
+            <a:spLocks noGrp="1"/>
+          </p:cNvSpPr>
+          <p:nvPr>
+            <p:ph type="title"/>
+          </p:nvPr>
+        </p:nvSpPr>
+        <p:spPr/>
+        <p:txBody>
+          <a:bodyPr/>
+          <a:lstStyle/>
+          <a:p>
+            <a:r>
+              <a:rPr lang="en-US" dirty="0"/>
+              <a:t> HTTP MESSAGE LIFECYLE</a:t>
+            </a:r>
+          </a:p>
+        </p:txBody>
+      </p:sp>
+    </p:spTree>
+    <p:extLst>
+      <p:ext uri="{BB962C8B-B14F-4D97-AF65-F5344CB8AC3E}">
+        <p14:creationId xmlns:p14="http://schemas.microsoft.com/office/powerpoint/2010/main" val="83929552"/>
+      </p:ext>
+    </p:extLst>
+  </p:cSld>
+  <p:clrMapOvr>
+    <a:masterClrMapping/>
+  </p:clrMapOvr>
+</p:sld>
+</file>
+
 <file path=ppt/slides/slide5.xml><?xml version="1.0" encoding="utf-8"?>
 <p:sld xmlns:a="http://schemas.openxmlformats.org/drawingml/2006/main" xmlns:r="http://schemas.openxmlformats.org/officeDocument/2006/relationships" xmlns:p="http://schemas.openxmlformats.org/presentationml/2006/main">
   <p:cSld>
@@ -4393,61 +4751,223 @@
           <a:p>
             <a:r>
               <a:rPr lang="en-US" dirty="0"/>
-              <a:t>Purpose of this talk</a:t>
-            </a:r>
-          </a:p>
-        </p:txBody>
-      </p:sp>
-      <p:sp>
-        <p:nvSpPr>
-          <p:cNvPr id="4" name="Content Placeholder 3"/>
-          <p:cNvSpPr>
-            <a:spLocks noGrp="1"/>
-          </p:cNvSpPr>
-          <p:nvPr>
-            <p:ph idx="1"/>
-          </p:nvPr>
-        </p:nvSpPr>
-        <p:spPr/>
-        <p:txBody>
-          <a:bodyPr/>
-          <a:lstStyle/>
-          <a:p>
-            <a:r>
-              <a:rPr lang="en-US" dirty="0"/>
-              <a:t>Resources</a:t>
-            </a:r>
-          </a:p>
-          <a:p>
-            <a:r>
-              <a:rPr lang="en-US" dirty="0">
-                <a:hlinkClick r:id="rId2"/>
-              </a:rPr>
-              <a:t>https://www.simple-talk.com/dotnet/net-framework/an-introduction-to-asp-net-mvc-extensibility/</a:t>
-            </a:r>
-            <a:endParaRPr lang="en-US" dirty="0"/>
-          </a:p>
-          <a:p>
-            <a:r>
-              <a:rPr lang="en-US" dirty="0">
-                <a:hlinkClick r:id="rId3"/>
-              </a:rPr>
-              <a:t>https://www.simple-talk.com/wp-content/uploads/imported/1358-ASP.NET%20MVC%20Pipeline.pdf</a:t>
-            </a:r>
-            <a:endParaRPr lang="en-US" dirty="0"/>
-          </a:p>
-          <a:p>
-            <a:endParaRPr lang="en-US" dirty="0"/>
-          </a:p>
-          <a:p>
-            <a:endParaRPr lang="en-US" dirty="0"/>
+              <a:t> HTTP MESSAGE LIFECYLE</a:t>
+            </a:r>
           </a:p>
         </p:txBody>
       </p:sp>
     </p:spTree>
     <p:extLst>
       <p:ext uri="{BB962C8B-B14F-4D97-AF65-F5344CB8AC3E}">
-        <p14:creationId xmlns:p14="http://schemas.microsoft.com/office/powerpoint/2010/main" val="3073367794"/>
+        <p14:creationId xmlns:p14="http://schemas.microsoft.com/office/powerpoint/2010/main" val="1436290697"/>
+      </p:ext>
+    </p:extLst>
+  </p:cSld>
+  <p:clrMapOvr>
+    <a:masterClrMapping/>
+  </p:clrMapOvr>
+</p:sld>
+</file>
+
+<file path=ppt/slides/slide6.xml><?xml version="1.0" encoding="utf-8"?>
+<p:sld xmlns:a="http://schemas.openxmlformats.org/drawingml/2006/main" xmlns:r="http://schemas.openxmlformats.org/officeDocument/2006/relationships" xmlns:p="http://schemas.openxmlformats.org/presentationml/2006/main">
+  <p:cSld>
+    <p:spTree>
+      <p:nvGrpSpPr>
+        <p:cNvPr id="1" name=""/>
+        <p:cNvGrpSpPr/>
+        <p:nvPr/>
+      </p:nvGrpSpPr>
+      <p:grpSpPr>
+        <a:xfrm>
+          <a:off x="0" y="0"/>
+          <a:ext cx="0" cy="0"/>
+          <a:chOff x="0" y="0"/>
+          <a:chExt cx="0" cy="0"/>
+        </a:xfrm>
+      </p:grpSpPr>
+      <p:sp>
+        <p:nvSpPr>
+          <p:cNvPr id="2" name="Title 1"/>
+          <p:cNvSpPr>
+            <a:spLocks noGrp="1"/>
+          </p:cNvSpPr>
+          <p:nvPr>
+            <p:ph type="title"/>
+          </p:nvPr>
+        </p:nvSpPr>
+        <p:spPr/>
+        <p:txBody>
+          <a:bodyPr/>
+          <a:lstStyle/>
+          <a:p>
+            <a:r>
+              <a:rPr lang="en-US" dirty="0"/>
+              <a:t> HTTP MESSAGE LIFECYLE</a:t>
+            </a:r>
+          </a:p>
+        </p:txBody>
+      </p:sp>
+    </p:spTree>
+    <p:extLst>
+      <p:ext uri="{BB962C8B-B14F-4D97-AF65-F5344CB8AC3E}">
+        <p14:creationId xmlns:p14="http://schemas.microsoft.com/office/powerpoint/2010/main" val="862820670"/>
+      </p:ext>
+    </p:extLst>
+  </p:cSld>
+  <p:clrMapOvr>
+    <a:masterClrMapping/>
+  </p:clrMapOvr>
+</p:sld>
+</file>
+
+<file path=ppt/slides/slide7.xml><?xml version="1.0" encoding="utf-8"?>
+<p:sld xmlns:a="http://schemas.openxmlformats.org/drawingml/2006/main" xmlns:r="http://schemas.openxmlformats.org/officeDocument/2006/relationships" xmlns:p="http://schemas.openxmlformats.org/presentationml/2006/main">
+  <p:cSld>
+    <p:spTree>
+      <p:nvGrpSpPr>
+        <p:cNvPr id="1" name=""/>
+        <p:cNvGrpSpPr/>
+        <p:nvPr/>
+      </p:nvGrpSpPr>
+      <p:grpSpPr>
+        <a:xfrm>
+          <a:off x="0" y="0"/>
+          <a:ext cx="0" cy="0"/>
+          <a:chOff x="0" y="0"/>
+          <a:chExt cx="0" cy="0"/>
+        </a:xfrm>
+      </p:grpSpPr>
+      <p:sp>
+        <p:nvSpPr>
+          <p:cNvPr id="2" name="Title 1"/>
+          <p:cNvSpPr>
+            <a:spLocks noGrp="1"/>
+          </p:cNvSpPr>
+          <p:nvPr>
+            <p:ph type="title"/>
+          </p:nvPr>
+        </p:nvSpPr>
+        <p:spPr/>
+        <p:txBody>
+          <a:bodyPr/>
+          <a:lstStyle/>
+          <a:p>
+            <a:r>
+              <a:rPr lang="en-US" dirty="0"/>
+              <a:t> HTTP MESSAGE LIFECYLE</a:t>
+            </a:r>
+          </a:p>
+        </p:txBody>
+      </p:sp>
+    </p:spTree>
+    <p:extLst>
+      <p:ext uri="{BB962C8B-B14F-4D97-AF65-F5344CB8AC3E}">
+        <p14:creationId xmlns:p14="http://schemas.microsoft.com/office/powerpoint/2010/main" val="4106787523"/>
+      </p:ext>
+    </p:extLst>
+  </p:cSld>
+  <p:clrMapOvr>
+    <a:masterClrMapping/>
+  </p:clrMapOvr>
+</p:sld>
+</file>
+
+<file path=ppt/slides/slide8.xml><?xml version="1.0" encoding="utf-8"?>
+<p:sld xmlns:a="http://schemas.openxmlformats.org/drawingml/2006/main" xmlns:r="http://schemas.openxmlformats.org/officeDocument/2006/relationships" xmlns:p="http://schemas.openxmlformats.org/presentationml/2006/main">
+  <p:cSld>
+    <p:spTree>
+      <p:nvGrpSpPr>
+        <p:cNvPr id="1" name=""/>
+        <p:cNvGrpSpPr/>
+        <p:nvPr/>
+      </p:nvGrpSpPr>
+      <p:grpSpPr>
+        <a:xfrm>
+          <a:off x="0" y="0"/>
+          <a:ext cx="0" cy="0"/>
+          <a:chOff x="0" y="0"/>
+          <a:chExt cx="0" cy="0"/>
+        </a:xfrm>
+      </p:grpSpPr>
+      <p:sp>
+        <p:nvSpPr>
+          <p:cNvPr id="2" name="Title 1"/>
+          <p:cNvSpPr>
+            <a:spLocks noGrp="1"/>
+          </p:cNvSpPr>
+          <p:nvPr>
+            <p:ph type="title"/>
+          </p:nvPr>
+        </p:nvSpPr>
+        <p:spPr/>
+        <p:txBody>
+          <a:bodyPr/>
+          <a:lstStyle/>
+          <a:p>
+            <a:r>
+              <a:rPr lang="en-US" dirty="0"/>
+              <a:t> HTTP MESSAGE LIFECYLE</a:t>
+            </a:r>
+          </a:p>
+        </p:txBody>
+      </p:sp>
+    </p:spTree>
+    <p:extLst>
+      <p:ext uri="{BB962C8B-B14F-4D97-AF65-F5344CB8AC3E}">
+        <p14:creationId xmlns:p14="http://schemas.microsoft.com/office/powerpoint/2010/main" val="3107908798"/>
+      </p:ext>
+    </p:extLst>
+  </p:cSld>
+  <p:clrMapOvr>
+    <a:masterClrMapping/>
+  </p:clrMapOvr>
+</p:sld>
+</file>
+
+<file path=ppt/slides/slide9.xml><?xml version="1.0" encoding="utf-8"?>
+<p:sld xmlns:a="http://schemas.openxmlformats.org/drawingml/2006/main" xmlns:r="http://schemas.openxmlformats.org/officeDocument/2006/relationships" xmlns:p="http://schemas.openxmlformats.org/presentationml/2006/main">
+  <p:cSld>
+    <p:spTree>
+      <p:nvGrpSpPr>
+        <p:cNvPr id="1" name=""/>
+        <p:cNvGrpSpPr/>
+        <p:nvPr/>
+      </p:nvGrpSpPr>
+      <p:grpSpPr>
+        <a:xfrm>
+          <a:off x="0" y="0"/>
+          <a:ext cx="0" cy="0"/>
+          <a:chOff x="0" y="0"/>
+          <a:chExt cx="0" cy="0"/>
+        </a:xfrm>
+      </p:grpSpPr>
+      <p:sp>
+        <p:nvSpPr>
+          <p:cNvPr id="2" name="Title 1"/>
+          <p:cNvSpPr>
+            <a:spLocks noGrp="1"/>
+          </p:cNvSpPr>
+          <p:nvPr>
+            <p:ph type="title"/>
+          </p:nvPr>
+        </p:nvSpPr>
+        <p:spPr/>
+        <p:txBody>
+          <a:bodyPr/>
+          <a:lstStyle/>
+          <a:p>
+            <a:r>
+              <a:rPr lang="en-US" dirty="0"/>
+              <a:t> HTTP MESSAGE LIFECYLE</a:t>
+            </a:r>
+          </a:p>
+        </p:txBody>
+      </p:sp>
+    </p:spTree>
+    <p:extLst>
+      <p:ext uri="{BB962C8B-B14F-4D97-AF65-F5344CB8AC3E}">
+        <p14:creationId xmlns:p14="http://schemas.microsoft.com/office/powerpoint/2010/main" val="3549025819"/>
       </p:ext>
     </p:extLst>
   </p:cSld>

--- a/ASP_ExtensionPoints/Presentation/WebAPI.pptx
+++ b/ASP_ExtensionPoints/Presentation/WebAPI.pptx
@@ -5,22 +5,39 @@
     <p:sldMasterId id="2147483660" r:id="rId1"/>
   </p:sldMasterIdLst>
   <p:notesMasterIdLst>
-    <p:notesMasterId r:id="rId15"/>
+    <p:notesMasterId r:id="rId32"/>
   </p:notesMasterIdLst>
   <p:sldIdLst>
     <p:sldId id="256" r:id="rId2"/>
     <p:sldId id="271" r:id="rId3"/>
-    <p:sldId id="274" r:id="rId4"/>
-    <p:sldId id="276" r:id="rId5"/>
-    <p:sldId id="277" r:id="rId6"/>
-    <p:sldId id="278" r:id="rId7"/>
-    <p:sldId id="279" r:id="rId8"/>
-    <p:sldId id="280" r:id="rId9"/>
-    <p:sldId id="281" r:id="rId10"/>
-    <p:sldId id="275" r:id="rId11"/>
-    <p:sldId id="272" r:id="rId12"/>
-    <p:sldId id="273" r:id="rId13"/>
-    <p:sldId id="262" r:id="rId14"/>
+    <p:sldId id="283" r:id="rId4"/>
+    <p:sldId id="282" r:id="rId5"/>
+    <p:sldId id="276" r:id="rId6"/>
+    <p:sldId id="284" r:id="rId7"/>
+    <p:sldId id="285" r:id="rId8"/>
+    <p:sldId id="286" r:id="rId9"/>
+    <p:sldId id="287" r:id="rId10"/>
+    <p:sldId id="288" r:id="rId11"/>
+    <p:sldId id="289" r:id="rId12"/>
+    <p:sldId id="278" r:id="rId13"/>
+    <p:sldId id="297" r:id="rId14"/>
+    <p:sldId id="290" r:id="rId15"/>
+    <p:sldId id="296" r:id="rId16"/>
+    <p:sldId id="277" r:id="rId17"/>
+    <p:sldId id="294" r:id="rId18"/>
+    <p:sldId id="291" r:id="rId19"/>
+    <p:sldId id="295" r:id="rId20"/>
+    <p:sldId id="298" r:id="rId21"/>
+    <p:sldId id="299" r:id="rId22"/>
+    <p:sldId id="279" r:id="rId23"/>
+    <p:sldId id="292" r:id="rId24"/>
+    <p:sldId id="293" r:id="rId25"/>
+    <p:sldId id="280" r:id="rId26"/>
+    <p:sldId id="281" r:id="rId27"/>
+    <p:sldId id="275" r:id="rId28"/>
+    <p:sldId id="272" r:id="rId29"/>
+    <p:sldId id="273" r:id="rId30"/>
+    <p:sldId id="262" r:id="rId31"/>
   </p:sldIdLst>
   <p:sldSz cx="12192000" cy="6858000"/>
   <p:notesSz cx="6858000" cy="9144000"/>
@@ -209,7 +226,7 @@
           <a:p>
             <a:fld id="{C32DDFF6-00E2-4044-B5FA-FDADC32BD187}" type="datetimeFigureOut">
               <a:rPr lang="en-US" smtClean="0"/>
-              <a:t>5/23/2017</a:t>
+              <a:t>5/26/2017</a:t>
             </a:fld>
             <a:endParaRPr lang="en-US"/>
           </a:p>
@@ -560,6 +577,1452 @@
 </p:notes>
 </file>
 
+<file path=ppt/notesSlides/notesSlide10.xml><?xml version="1.0" encoding="utf-8"?>
+<p:notes xmlns:a="http://schemas.openxmlformats.org/drawingml/2006/main" xmlns:r="http://schemas.openxmlformats.org/officeDocument/2006/relationships" xmlns:p="http://schemas.openxmlformats.org/presentationml/2006/main">
+  <p:cSld>
+    <p:spTree>
+      <p:nvGrpSpPr>
+        <p:cNvPr id="1" name=""/>
+        <p:cNvGrpSpPr/>
+        <p:nvPr/>
+      </p:nvGrpSpPr>
+      <p:grpSpPr>
+        <a:xfrm>
+          <a:off x="0" y="0"/>
+          <a:ext cx="0" cy="0"/>
+          <a:chOff x="0" y="0"/>
+          <a:chExt cx="0" cy="0"/>
+        </a:xfrm>
+      </p:grpSpPr>
+      <p:sp>
+        <p:nvSpPr>
+          <p:cNvPr id="2" name="Slide Image Placeholder 1"/>
+          <p:cNvSpPr>
+            <a:spLocks noGrp="1" noRot="1" noChangeAspect="1"/>
+          </p:cNvSpPr>
+          <p:nvPr>
+            <p:ph type="sldImg"/>
+          </p:nvPr>
+        </p:nvSpPr>
+        <p:spPr/>
+      </p:sp>
+      <p:sp>
+        <p:nvSpPr>
+          <p:cNvPr id="3" name="Notes Placeholder 2"/>
+          <p:cNvSpPr>
+            <a:spLocks noGrp="1"/>
+          </p:cNvSpPr>
+          <p:nvPr>
+            <p:ph type="body" idx="1"/>
+          </p:nvPr>
+        </p:nvSpPr>
+        <p:spPr/>
+        <p:txBody>
+          <a:bodyPr/>
+          <a:lstStyle/>
+          <a:p>
+            <a:pPr marL="228600" indent="-228600">
+              <a:buAutoNum type="arabicPeriod"/>
+            </a:pPr>
+            <a:r>
+              <a:rPr lang="en-US" sz="1200" b="0" i="0" kern="1200" dirty="0">
+                <a:solidFill>
+                  <a:schemeClr val="tx1"/>
+                </a:solidFill>
+                <a:effectLst/>
+                <a:latin typeface="+mn-lt"/>
+                <a:ea typeface="+mn-ea"/>
+                <a:cs typeface="+mn-cs"/>
+              </a:rPr>
+              <a:t>The first version of ASP.NET Web API supports 3 types of action results. They are </a:t>
+            </a:r>
+            <a:r>
+              <a:rPr lang="en-US" sz="1200" b="0" i="0" kern="1200" dirty="0" err="1">
+                <a:solidFill>
+                  <a:schemeClr val="tx1"/>
+                </a:solidFill>
+                <a:effectLst/>
+                <a:latin typeface="+mn-lt"/>
+                <a:ea typeface="+mn-ea"/>
+                <a:cs typeface="+mn-cs"/>
+              </a:rPr>
+              <a:t>HttpResponseMessage</a:t>
+            </a:r>
+            <a:r>
+              <a:rPr lang="en-US" sz="1200" b="0" i="0" kern="1200" dirty="0">
+                <a:solidFill>
+                  <a:schemeClr val="tx1"/>
+                </a:solidFill>
+                <a:effectLst/>
+                <a:latin typeface="+mn-lt"/>
+                <a:ea typeface="+mn-ea"/>
+                <a:cs typeface="+mn-cs"/>
+              </a:rPr>
+              <a:t>, Void and Type of Entity or Model. But in WEB API 2, Microsoft had introduced another powerful Action result called </a:t>
+            </a:r>
+            <a:r>
+              <a:rPr lang="en-US" sz="1200" b="0" i="0" kern="1200" dirty="0" err="1">
+                <a:solidFill>
+                  <a:schemeClr val="tx1"/>
+                </a:solidFill>
+                <a:effectLst/>
+                <a:latin typeface="+mn-lt"/>
+                <a:ea typeface="+mn-ea"/>
+                <a:cs typeface="+mn-cs"/>
+              </a:rPr>
+              <a:t>IhttpActionResult</a:t>
+            </a:r>
+            <a:r>
+              <a:rPr lang="en-US" sz="1200" b="0" i="0" kern="1200" dirty="0">
+                <a:solidFill>
+                  <a:schemeClr val="tx1"/>
+                </a:solidFill>
+                <a:effectLst/>
+                <a:latin typeface="+mn-lt"/>
+                <a:ea typeface="+mn-ea"/>
+                <a:cs typeface="+mn-cs"/>
+              </a:rPr>
+              <a:t>.</a:t>
+            </a:r>
+          </a:p>
+          <a:p>
+            <a:pPr marL="228600" indent="-228600">
+              <a:buAutoNum type="arabicPeriod"/>
+            </a:pPr>
+            <a:endParaRPr lang="en-US" sz="1200" b="0" i="0" kern="1200" dirty="0">
+              <a:solidFill>
+                <a:schemeClr val="tx1"/>
+              </a:solidFill>
+              <a:effectLst/>
+              <a:latin typeface="+mn-lt"/>
+              <a:ea typeface="+mn-ea"/>
+              <a:cs typeface="+mn-cs"/>
+            </a:endParaRPr>
+          </a:p>
+          <a:p>
+            <a:r>
+              <a:rPr lang="en-US" dirty="0"/>
+              <a:t> </a:t>
+            </a:r>
+            <a:r>
+              <a:rPr lang="en-US" dirty="0" err="1"/>
+              <a:t>IContentNegotiator</a:t>
+            </a:r>
+            <a:r>
+              <a:rPr lang="en-US" dirty="0"/>
+              <a:t> selects</a:t>
+            </a:r>
+            <a:r>
+              <a:rPr lang="en-US" baseline="0" dirty="0"/>
+              <a:t> the appropriate </a:t>
+            </a:r>
+            <a:r>
+              <a:rPr lang="en-US" baseline="0" dirty="0" err="1"/>
+              <a:t>MediaTypeFormatter</a:t>
+            </a:r>
+            <a:r>
+              <a:rPr lang="en-US" baseline="0" dirty="0"/>
+              <a:t> </a:t>
+            </a:r>
+            <a:r>
+              <a:rPr lang="en-US" sz="1200" b="0" i="0" kern="1200" dirty="0">
+                <a:solidFill>
+                  <a:schemeClr val="tx1"/>
+                </a:solidFill>
+                <a:effectLst/>
+                <a:latin typeface="+mn-lt"/>
+                <a:ea typeface="+mn-ea"/>
+                <a:cs typeface="+mn-cs"/>
+              </a:rPr>
+              <a:t>in compliance with header values in the request.</a:t>
+            </a:r>
+          </a:p>
+          <a:p>
+            <a:br>
+              <a:rPr lang="en-US" sz="1200" b="1" i="0" kern="1200" dirty="0">
+                <a:solidFill>
+                  <a:schemeClr val="tx1"/>
+                </a:solidFill>
+                <a:effectLst/>
+                <a:latin typeface="+mn-lt"/>
+                <a:ea typeface="+mn-ea"/>
+                <a:cs typeface="+mn-cs"/>
+              </a:rPr>
+            </a:br>
+            <a:endParaRPr lang="en-US" dirty="0"/>
+          </a:p>
+        </p:txBody>
+      </p:sp>
+      <p:sp>
+        <p:nvSpPr>
+          <p:cNvPr id="4" name="Slide Number Placeholder 3"/>
+          <p:cNvSpPr>
+            <a:spLocks noGrp="1"/>
+          </p:cNvSpPr>
+          <p:nvPr>
+            <p:ph type="sldNum" sz="quarter" idx="10"/>
+          </p:nvPr>
+        </p:nvSpPr>
+        <p:spPr/>
+        <p:txBody>
+          <a:bodyPr/>
+          <a:lstStyle/>
+          <a:p>
+            <a:fld id="{9650035D-E5EC-4F72-8410-D3F7E0B5F874}" type="slidenum">
+              <a:rPr lang="en-US" smtClean="0"/>
+              <a:t>21</a:t>
+            </a:fld>
+            <a:endParaRPr lang="en-US"/>
+          </a:p>
+        </p:txBody>
+      </p:sp>
+    </p:spTree>
+    <p:extLst>
+      <p:ext uri="{BB962C8B-B14F-4D97-AF65-F5344CB8AC3E}">
+        <p14:creationId xmlns:p14="http://schemas.microsoft.com/office/powerpoint/2010/main" val="2869793647"/>
+      </p:ext>
+    </p:extLst>
+  </p:cSld>
+  <p:clrMapOvr>
+    <a:masterClrMapping/>
+  </p:clrMapOvr>
+</p:notes>
+</file>
+
+<file path=ppt/notesSlides/notesSlide11.xml><?xml version="1.0" encoding="utf-8"?>
+<p:notes xmlns:a="http://schemas.openxmlformats.org/drawingml/2006/main" xmlns:r="http://schemas.openxmlformats.org/officeDocument/2006/relationships" xmlns:p="http://schemas.openxmlformats.org/presentationml/2006/main">
+  <p:cSld>
+    <p:spTree>
+      <p:nvGrpSpPr>
+        <p:cNvPr id="1" name=""/>
+        <p:cNvGrpSpPr/>
+        <p:nvPr/>
+      </p:nvGrpSpPr>
+      <p:grpSpPr>
+        <a:xfrm>
+          <a:off x="0" y="0"/>
+          <a:ext cx="0" cy="0"/>
+          <a:chOff x="0" y="0"/>
+          <a:chExt cx="0" cy="0"/>
+        </a:xfrm>
+      </p:grpSpPr>
+      <p:sp>
+        <p:nvSpPr>
+          <p:cNvPr id="2" name="Slide Image Placeholder 1"/>
+          <p:cNvSpPr>
+            <a:spLocks noGrp="1" noRot="1" noChangeAspect="1"/>
+          </p:cNvSpPr>
+          <p:nvPr>
+            <p:ph type="sldImg"/>
+          </p:nvPr>
+        </p:nvSpPr>
+        <p:spPr/>
+      </p:sp>
+      <p:sp>
+        <p:nvSpPr>
+          <p:cNvPr id="3" name="Notes Placeholder 2"/>
+          <p:cNvSpPr>
+            <a:spLocks noGrp="1"/>
+          </p:cNvSpPr>
+          <p:nvPr>
+            <p:ph type="body" idx="1"/>
+          </p:nvPr>
+        </p:nvSpPr>
+        <p:spPr/>
+        <p:txBody>
+          <a:bodyPr/>
+          <a:lstStyle/>
+          <a:p>
+            <a:endParaRPr lang="en-US" dirty="0"/>
+          </a:p>
+        </p:txBody>
+      </p:sp>
+      <p:sp>
+        <p:nvSpPr>
+          <p:cNvPr id="4" name="Slide Number Placeholder 3"/>
+          <p:cNvSpPr>
+            <a:spLocks noGrp="1"/>
+          </p:cNvSpPr>
+          <p:nvPr>
+            <p:ph type="sldNum" sz="quarter" idx="10"/>
+          </p:nvPr>
+        </p:nvSpPr>
+        <p:spPr/>
+        <p:txBody>
+          <a:bodyPr/>
+          <a:lstStyle/>
+          <a:p>
+            <a:fld id="{9650035D-E5EC-4F72-8410-D3F7E0B5F874}" type="slidenum">
+              <a:rPr lang="en-US" smtClean="0"/>
+              <a:t>23</a:t>
+            </a:fld>
+            <a:endParaRPr lang="en-US"/>
+          </a:p>
+        </p:txBody>
+      </p:sp>
+    </p:spTree>
+    <p:extLst>
+      <p:ext uri="{BB962C8B-B14F-4D97-AF65-F5344CB8AC3E}">
+        <p14:creationId xmlns:p14="http://schemas.microsoft.com/office/powerpoint/2010/main" val="984001669"/>
+      </p:ext>
+    </p:extLst>
+  </p:cSld>
+  <p:clrMapOvr>
+    <a:masterClrMapping/>
+  </p:clrMapOvr>
+</p:notes>
+</file>
+
+<file path=ppt/notesSlides/notesSlide12.xml><?xml version="1.0" encoding="utf-8"?>
+<p:notes xmlns:a="http://schemas.openxmlformats.org/drawingml/2006/main" xmlns:r="http://schemas.openxmlformats.org/officeDocument/2006/relationships" xmlns:p="http://schemas.openxmlformats.org/presentationml/2006/main">
+  <p:cSld>
+    <p:spTree>
+      <p:nvGrpSpPr>
+        <p:cNvPr id="1" name=""/>
+        <p:cNvGrpSpPr/>
+        <p:nvPr/>
+      </p:nvGrpSpPr>
+      <p:grpSpPr>
+        <a:xfrm>
+          <a:off x="0" y="0"/>
+          <a:ext cx="0" cy="0"/>
+          <a:chOff x="0" y="0"/>
+          <a:chExt cx="0" cy="0"/>
+        </a:xfrm>
+      </p:grpSpPr>
+      <p:sp>
+        <p:nvSpPr>
+          <p:cNvPr id="2" name="Slide Image Placeholder 1"/>
+          <p:cNvSpPr>
+            <a:spLocks noGrp="1" noRot="1" noChangeAspect="1"/>
+          </p:cNvSpPr>
+          <p:nvPr>
+            <p:ph type="sldImg"/>
+          </p:nvPr>
+        </p:nvSpPr>
+        <p:spPr/>
+      </p:sp>
+      <p:sp>
+        <p:nvSpPr>
+          <p:cNvPr id="3" name="Notes Placeholder 2"/>
+          <p:cNvSpPr>
+            <a:spLocks noGrp="1"/>
+          </p:cNvSpPr>
+          <p:nvPr>
+            <p:ph type="body" idx="1"/>
+          </p:nvPr>
+        </p:nvSpPr>
+        <p:spPr/>
+        <p:txBody>
+          <a:bodyPr/>
+          <a:lstStyle/>
+          <a:p>
+            <a:endParaRPr lang="en-US" dirty="0"/>
+          </a:p>
+        </p:txBody>
+      </p:sp>
+      <p:sp>
+        <p:nvSpPr>
+          <p:cNvPr id="4" name="Slide Number Placeholder 3"/>
+          <p:cNvSpPr>
+            <a:spLocks noGrp="1"/>
+          </p:cNvSpPr>
+          <p:nvPr>
+            <p:ph type="sldNum" sz="quarter" idx="10"/>
+          </p:nvPr>
+        </p:nvSpPr>
+        <p:spPr/>
+        <p:txBody>
+          <a:bodyPr/>
+          <a:lstStyle/>
+          <a:p>
+            <a:fld id="{9650035D-E5EC-4F72-8410-D3F7E0B5F874}" type="slidenum">
+              <a:rPr lang="en-US" smtClean="0"/>
+              <a:t>24</a:t>
+            </a:fld>
+            <a:endParaRPr lang="en-US"/>
+          </a:p>
+        </p:txBody>
+      </p:sp>
+    </p:spTree>
+    <p:extLst>
+      <p:ext uri="{BB962C8B-B14F-4D97-AF65-F5344CB8AC3E}">
+        <p14:creationId xmlns:p14="http://schemas.microsoft.com/office/powerpoint/2010/main" val="3816094973"/>
+      </p:ext>
+    </p:extLst>
+  </p:cSld>
+  <p:clrMapOvr>
+    <a:masterClrMapping/>
+  </p:clrMapOvr>
+</p:notes>
+</file>
+
+<file path=ppt/notesSlides/notesSlide2.xml><?xml version="1.0" encoding="utf-8"?>
+<p:notes xmlns:a="http://schemas.openxmlformats.org/drawingml/2006/main" xmlns:r="http://schemas.openxmlformats.org/officeDocument/2006/relationships" xmlns:p="http://schemas.openxmlformats.org/presentationml/2006/main">
+  <p:cSld>
+    <p:spTree>
+      <p:nvGrpSpPr>
+        <p:cNvPr id="1" name=""/>
+        <p:cNvGrpSpPr/>
+        <p:nvPr/>
+      </p:nvGrpSpPr>
+      <p:grpSpPr>
+        <a:xfrm>
+          <a:off x="0" y="0"/>
+          <a:ext cx="0" cy="0"/>
+          <a:chOff x="0" y="0"/>
+          <a:chExt cx="0" cy="0"/>
+        </a:xfrm>
+      </p:grpSpPr>
+      <p:sp>
+        <p:nvSpPr>
+          <p:cNvPr id="2" name="Slide Image Placeholder 1"/>
+          <p:cNvSpPr>
+            <a:spLocks noGrp="1" noRot="1" noChangeAspect="1"/>
+          </p:cNvSpPr>
+          <p:nvPr>
+            <p:ph type="sldImg"/>
+          </p:nvPr>
+        </p:nvSpPr>
+        <p:spPr/>
+      </p:sp>
+      <p:sp>
+        <p:nvSpPr>
+          <p:cNvPr id="3" name="Notes Placeholder 2"/>
+          <p:cNvSpPr>
+            <a:spLocks noGrp="1"/>
+          </p:cNvSpPr>
+          <p:nvPr>
+            <p:ph type="body" idx="1"/>
+          </p:nvPr>
+        </p:nvSpPr>
+        <p:spPr/>
+        <p:txBody>
+          <a:bodyPr/>
+          <a:lstStyle/>
+          <a:p>
+            <a:r>
+              <a:rPr lang="en-US" sz="1200" b="0" i="0" kern="1200" dirty="0">
+                <a:solidFill>
+                  <a:schemeClr val="tx1"/>
+                </a:solidFill>
+                <a:effectLst/>
+                <a:latin typeface="+mn-lt"/>
+                <a:ea typeface="+mn-ea"/>
+                <a:cs typeface="+mn-cs"/>
+              </a:rPr>
+              <a:t>lower-level message handler pipeline</a:t>
+            </a:r>
+            <a:endParaRPr lang="en-US" dirty="0"/>
+          </a:p>
+        </p:txBody>
+      </p:sp>
+      <p:sp>
+        <p:nvSpPr>
+          <p:cNvPr id="4" name="Slide Number Placeholder 3"/>
+          <p:cNvSpPr>
+            <a:spLocks noGrp="1"/>
+          </p:cNvSpPr>
+          <p:nvPr>
+            <p:ph type="sldNum" sz="quarter" idx="10"/>
+          </p:nvPr>
+        </p:nvSpPr>
+        <p:spPr/>
+        <p:txBody>
+          <a:bodyPr/>
+          <a:lstStyle/>
+          <a:p>
+            <a:fld id="{9650035D-E5EC-4F72-8410-D3F7E0B5F874}" type="slidenum">
+              <a:rPr lang="en-US" smtClean="0"/>
+              <a:t>2</a:t>
+            </a:fld>
+            <a:endParaRPr lang="en-US"/>
+          </a:p>
+        </p:txBody>
+      </p:sp>
+    </p:spTree>
+    <p:extLst>
+      <p:ext uri="{BB962C8B-B14F-4D97-AF65-F5344CB8AC3E}">
+        <p14:creationId xmlns:p14="http://schemas.microsoft.com/office/powerpoint/2010/main" val="2621470544"/>
+      </p:ext>
+    </p:extLst>
+  </p:cSld>
+  <p:clrMapOvr>
+    <a:masterClrMapping/>
+  </p:clrMapOvr>
+</p:notes>
+</file>
+
+<file path=ppt/notesSlides/notesSlide3.xml><?xml version="1.0" encoding="utf-8"?>
+<p:notes xmlns:a="http://schemas.openxmlformats.org/drawingml/2006/main" xmlns:r="http://schemas.openxmlformats.org/officeDocument/2006/relationships" xmlns:p="http://schemas.openxmlformats.org/presentationml/2006/main">
+  <p:cSld>
+    <p:spTree>
+      <p:nvGrpSpPr>
+        <p:cNvPr id="1" name=""/>
+        <p:cNvGrpSpPr/>
+        <p:nvPr/>
+      </p:nvGrpSpPr>
+      <p:grpSpPr>
+        <a:xfrm>
+          <a:off x="0" y="0"/>
+          <a:ext cx="0" cy="0"/>
+          <a:chOff x="0" y="0"/>
+          <a:chExt cx="0" cy="0"/>
+        </a:xfrm>
+      </p:grpSpPr>
+      <p:sp>
+        <p:nvSpPr>
+          <p:cNvPr id="2" name="Slide Image Placeholder 1"/>
+          <p:cNvSpPr>
+            <a:spLocks noGrp="1" noRot="1" noChangeAspect="1"/>
+          </p:cNvSpPr>
+          <p:nvPr>
+            <p:ph type="sldImg"/>
+          </p:nvPr>
+        </p:nvSpPr>
+        <p:spPr/>
+      </p:sp>
+      <p:sp>
+        <p:nvSpPr>
+          <p:cNvPr id="3" name="Notes Placeholder 2"/>
+          <p:cNvSpPr>
+            <a:spLocks noGrp="1"/>
+          </p:cNvSpPr>
+          <p:nvPr>
+            <p:ph type="body" idx="1"/>
+          </p:nvPr>
+        </p:nvSpPr>
+        <p:spPr/>
+        <p:txBody>
+          <a:bodyPr/>
+          <a:lstStyle/>
+          <a:p>
+            <a:endParaRPr lang="en-US" dirty="0"/>
+          </a:p>
+        </p:txBody>
+      </p:sp>
+      <p:sp>
+        <p:nvSpPr>
+          <p:cNvPr id="4" name="Slide Number Placeholder 3"/>
+          <p:cNvSpPr>
+            <a:spLocks noGrp="1"/>
+          </p:cNvSpPr>
+          <p:nvPr>
+            <p:ph type="sldNum" sz="quarter" idx="10"/>
+          </p:nvPr>
+        </p:nvSpPr>
+        <p:spPr/>
+        <p:txBody>
+          <a:bodyPr/>
+          <a:lstStyle/>
+          <a:p>
+            <a:fld id="{9650035D-E5EC-4F72-8410-D3F7E0B5F874}" type="slidenum">
+              <a:rPr lang="en-US" smtClean="0"/>
+              <a:t>4</a:t>
+            </a:fld>
+            <a:endParaRPr lang="en-US"/>
+          </a:p>
+        </p:txBody>
+      </p:sp>
+    </p:spTree>
+    <p:extLst>
+      <p:ext uri="{BB962C8B-B14F-4D97-AF65-F5344CB8AC3E}">
+        <p14:creationId xmlns:p14="http://schemas.microsoft.com/office/powerpoint/2010/main" val="1542877050"/>
+      </p:ext>
+    </p:extLst>
+  </p:cSld>
+  <p:clrMapOvr>
+    <a:masterClrMapping/>
+  </p:clrMapOvr>
+</p:notes>
+</file>
+
+<file path=ppt/notesSlides/notesSlide4.xml><?xml version="1.0" encoding="utf-8"?>
+<p:notes xmlns:a="http://schemas.openxmlformats.org/drawingml/2006/main" xmlns:r="http://schemas.openxmlformats.org/officeDocument/2006/relationships" xmlns:p="http://schemas.openxmlformats.org/presentationml/2006/main">
+  <p:cSld>
+    <p:spTree>
+      <p:nvGrpSpPr>
+        <p:cNvPr id="1" name=""/>
+        <p:cNvGrpSpPr/>
+        <p:nvPr/>
+      </p:nvGrpSpPr>
+      <p:grpSpPr>
+        <a:xfrm>
+          <a:off x="0" y="0"/>
+          <a:ext cx="0" cy="0"/>
+          <a:chOff x="0" y="0"/>
+          <a:chExt cx="0" cy="0"/>
+        </a:xfrm>
+      </p:grpSpPr>
+      <p:sp>
+        <p:nvSpPr>
+          <p:cNvPr id="2" name="Slide Image Placeholder 1"/>
+          <p:cNvSpPr>
+            <a:spLocks noGrp="1" noRot="1" noChangeAspect="1"/>
+          </p:cNvSpPr>
+          <p:nvPr>
+            <p:ph type="sldImg"/>
+          </p:nvPr>
+        </p:nvSpPr>
+        <p:spPr/>
+      </p:sp>
+      <p:sp>
+        <p:nvSpPr>
+          <p:cNvPr id="3" name="Notes Placeholder 2"/>
+          <p:cNvSpPr>
+            <a:spLocks noGrp="1"/>
+          </p:cNvSpPr>
+          <p:nvPr>
+            <p:ph type="body" idx="1"/>
+          </p:nvPr>
+        </p:nvSpPr>
+        <p:spPr/>
+        <p:txBody>
+          <a:bodyPr/>
+          <a:lstStyle/>
+          <a:p>
+            <a:endParaRPr lang="en-US" dirty="0"/>
+          </a:p>
+        </p:txBody>
+      </p:sp>
+      <p:sp>
+        <p:nvSpPr>
+          <p:cNvPr id="4" name="Slide Number Placeholder 3"/>
+          <p:cNvSpPr>
+            <a:spLocks noGrp="1"/>
+          </p:cNvSpPr>
+          <p:nvPr>
+            <p:ph type="sldNum" sz="quarter" idx="10"/>
+          </p:nvPr>
+        </p:nvSpPr>
+        <p:spPr/>
+        <p:txBody>
+          <a:bodyPr/>
+          <a:lstStyle/>
+          <a:p>
+            <a:fld id="{9650035D-E5EC-4F72-8410-D3F7E0B5F874}" type="slidenum">
+              <a:rPr lang="en-US" smtClean="0"/>
+              <a:t>5</a:t>
+            </a:fld>
+            <a:endParaRPr lang="en-US"/>
+          </a:p>
+        </p:txBody>
+      </p:sp>
+    </p:spTree>
+    <p:extLst>
+      <p:ext uri="{BB962C8B-B14F-4D97-AF65-F5344CB8AC3E}">
+        <p14:creationId xmlns:p14="http://schemas.microsoft.com/office/powerpoint/2010/main" val="3547422838"/>
+      </p:ext>
+    </p:extLst>
+  </p:cSld>
+  <p:clrMapOvr>
+    <a:masterClrMapping/>
+  </p:clrMapOvr>
+</p:notes>
+</file>
+
+<file path=ppt/notesSlides/notesSlide5.xml><?xml version="1.0" encoding="utf-8"?>
+<p:notes xmlns:a="http://schemas.openxmlformats.org/drawingml/2006/main" xmlns:r="http://schemas.openxmlformats.org/officeDocument/2006/relationships" xmlns:p="http://schemas.openxmlformats.org/presentationml/2006/main">
+  <p:cSld>
+    <p:spTree>
+      <p:nvGrpSpPr>
+        <p:cNvPr id="1" name=""/>
+        <p:cNvGrpSpPr/>
+        <p:nvPr/>
+      </p:nvGrpSpPr>
+      <p:grpSpPr>
+        <a:xfrm>
+          <a:off x="0" y="0"/>
+          <a:ext cx="0" cy="0"/>
+          <a:chOff x="0" y="0"/>
+          <a:chExt cx="0" cy="0"/>
+        </a:xfrm>
+      </p:grpSpPr>
+      <p:sp>
+        <p:nvSpPr>
+          <p:cNvPr id="2" name="Slide Image Placeholder 1"/>
+          <p:cNvSpPr>
+            <a:spLocks noGrp="1" noRot="1" noChangeAspect="1"/>
+          </p:cNvSpPr>
+          <p:nvPr>
+            <p:ph type="sldImg"/>
+          </p:nvPr>
+        </p:nvSpPr>
+        <p:spPr/>
+      </p:sp>
+      <p:sp>
+        <p:nvSpPr>
+          <p:cNvPr id="3" name="Notes Placeholder 2"/>
+          <p:cNvSpPr>
+            <a:spLocks noGrp="1"/>
+          </p:cNvSpPr>
+          <p:nvPr>
+            <p:ph type="body" idx="1"/>
+          </p:nvPr>
+        </p:nvSpPr>
+        <p:spPr/>
+        <p:txBody>
+          <a:bodyPr/>
+          <a:lstStyle/>
+          <a:p>
+            <a:pPr marL="342900" indent="-342900">
+              <a:buAutoNum type="arabicPeriod"/>
+            </a:pPr>
+            <a:r>
+              <a:rPr lang="en-US" dirty="0"/>
+              <a:t>3. </a:t>
+            </a:r>
+            <a:r>
+              <a:rPr lang="en-US" sz="1200" dirty="0"/>
+              <a:t>Use the </a:t>
+            </a:r>
+            <a:r>
+              <a:rPr lang="en-US" sz="1200" dirty="0" err="1"/>
+              <a:t>config.Routes.MapHttpRoute</a:t>
+            </a:r>
+            <a:r>
+              <a:rPr lang="en-US" sz="1200" dirty="0"/>
+              <a:t> extension method if possible.</a:t>
+            </a:r>
+          </a:p>
+          <a:p>
+            <a:r>
+              <a:rPr lang="en-US" sz="1200" dirty="0"/>
+              <a:t>	This will reuse the default web </a:t>
+            </a:r>
+            <a:r>
+              <a:rPr lang="en-US" sz="1200" dirty="0" err="1"/>
+              <a:t>api</a:t>
+            </a:r>
+            <a:r>
+              <a:rPr lang="en-US" sz="1200" dirty="0"/>
+              <a:t> validation logic. </a:t>
+            </a:r>
+          </a:p>
+          <a:p>
+            <a:r>
+              <a:rPr lang="en-US" sz="1200" dirty="0"/>
+              <a:t>	For example the</a:t>
+            </a:r>
+            <a:r>
+              <a:rPr lang="en-US" sz="1200" baseline="0" dirty="0"/>
+              <a:t> route template check for mapping is in internal sealed class and cannot be seen and eventually used from outside.</a:t>
+            </a:r>
+          </a:p>
+          <a:p>
+            <a:r>
+              <a:rPr lang="en-US" sz="1200" baseline="0" dirty="0"/>
+              <a:t>	If the </a:t>
+            </a:r>
+            <a:r>
+              <a:rPr lang="en-US" sz="1200" kern="1200" dirty="0" err="1">
+                <a:solidFill>
+                  <a:schemeClr val="tx1"/>
+                </a:solidFill>
+                <a:effectLst/>
+                <a:latin typeface="+mn-lt"/>
+                <a:ea typeface="+mn-ea"/>
+                <a:cs typeface="+mn-cs"/>
+              </a:rPr>
+              <a:t>config.Routes.Add</a:t>
+            </a:r>
+            <a:r>
+              <a:rPr lang="en-US" sz="1200" kern="1200" dirty="0">
+                <a:solidFill>
+                  <a:schemeClr val="tx1"/>
+                </a:solidFill>
+                <a:effectLst/>
+                <a:latin typeface="+mn-lt"/>
+                <a:ea typeface="+mn-ea"/>
+                <a:cs typeface="+mn-cs"/>
+              </a:rPr>
+              <a:t>(…) method is used</a:t>
+            </a:r>
+            <a:r>
+              <a:rPr lang="en-US" sz="1200" kern="1200" baseline="0" dirty="0">
+                <a:solidFill>
+                  <a:schemeClr val="tx1"/>
+                </a:solidFill>
+                <a:effectLst/>
+                <a:latin typeface="+mn-lt"/>
+                <a:ea typeface="+mn-ea"/>
+                <a:cs typeface="+mn-cs"/>
+              </a:rPr>
+              <a:t> an entirely custom </a:t>
+            </a:r>
+            <a:r>
+              <a:rPr lang="en-US" sz="1200" kern="1200" baseline="0" dirty="0" err="1">
+                <a:solidFill>
+                  <a:schemeClr val="tx1"/>
+                </a:solidFill>
+                <a:effectLst/>
+                <a:latin typeface="+mn-lt"/>
+                <a:ea typeface="+mn-ea"/>
+                <a:cs typeface="+mn-cs"/>
+              </a:rPr>
+              <a:t>IHttpRoute</a:t>
+            </a:r>
+            <a:r>
+              <a:rPr lang="en-US" sz="1200" kern="1200" baseline="0" dirty="0">
+                <a:solidFill>
+                  <a:schemeClr val="tx1"/>
+                </a:solidFill>
+                <a:effectLst/>
+                <a:latin typeface="+mn-lt"/>
+                <a:ea typeface="+mn-ea"/>
+                <a:cs typeface="+mn-cs"/>
+              </a:rPr>
+              <a:t> instance should be provided. In this case the route matching needs to be verified manually inside the 	</a:t>
+            </a:r>
+            <a:r>
+              <a:rPr lang="en-US" sz="1200" kern="1200" dirty="0" err="1">
+                <a:solidFill>
+                  <a:schemeClr val="tx1"/>
+                </a:solidFill>
+                <a:effectLst/>
+                <a:latin typeface="+mn-lt"/>
+                <a:ea typeface="+mn-ea"/>
+                <a:cs typeface="+mn-cs"/>
+              </a:rPr>
+              <a:t>GetRouteData</a:t>
+            </a:r>
+            <a:r>
+              <a:rPr lang="en-US" sz="1200" kern="1200" dirty="0">
+                <a:solidFill>
+                  <a:schemeClr val="tx1"/>
+                </a:solidFill>
+                <a:effectLst/>
+                <a:latin typeface="+mn-lt"/>
+                <a:ea typeface="+mn-ea"/>
+                <a:cs typeface="+mn-cs"/>
+              </a:rPr>
+              <a:t>(string </a:t>
+            </a:r>
+            <a:r>
+              <a:rPr lang="en-US" sz="1200" kern="1200" dirty="0" err="1">
+                <a:solidFill>
+                  <a:schemeClr val="tx1"/>
+                </a:solidFill>
+                <a:effectLst/>
+                <a:latin typeface="+mn-lt"/>
+                <a:ea typeface="+mn-ea"/>
+                <a:cs typeface="+mn-cs"/>
+              </a:rPr>
+              <a:t>virtualPathRoot</a:t>
+            </a:r>
+            <a:r>
+              <a:rPr lang="en-US" sz="1200" kern="1200" dirty="0">
+                <a:solidFill>
+                  <a:schemeClr val="tx1"/>
+                </a:solidFill>
+                <a:effectLst/>
+                <a:latin typeface="+mn-lt"/>
+                <a:ea typeface="+mn-ea"/>
+                <a:cs typeface="+mn-cs"/>
+              </a:rPr>
+              <a:t>, </a:t>
+            </a:r>
+            <a:r>
+              <a:rPr lang="en-US" sz="1200" kern="1200" dirty="0" err="1">
+                <a:solidFill>
+                  <a:schemeClr val="tx1"/>
+                </a:solidFill>
+                <a:effectLst/>
+                <a:latin typeface="+mn-lt"/>
+                <a:ea typeface="+mn-ea"/>
+                <a:cs typeface="+mn-cs"/>
+              </a:rPr>
+              <a:t>HttpRequestMessage</a:t>
+            </a:r>
+            <a:r>
+              <a:rPr lang="en-US" sz="1200" kern="1200" dirty="0">
+                <a:solidFill>
+                  <a:schemeClr val="tx1"/>
+                </a:solidFill>
+                <a:effectLst/>
+                <a:latin typeface="+mn-lt"/>
+                <a:ea typeface="+mn-ea"/>
+                <a:cs typeface="+mn-cs"/>
+              </a:rPr>
+              <a:t> request)</a:t>
+            </a:r>
+            <a:r>
+              <a:rPr lang="en-US" sz="1200" kern="1200" baseline="0" dirty="0">
+                <a:solidFill>
+                  <a:schemeClr val="tx1"/>
+                </a:solidFill>
+                <a:effectLst/>
+                <a:latin typeface="+mn-lt"/>
+                <a:ea typeface="+mn-ea"/>
+                <a:cs typeface="+mn-cs"/>
+              </a:rPr>
+              <a:t> method. If no match null value should be returned. This will instruct the dispatcher to check the request against 	the next route in the </a:t>
+            </a:r>
+            <a:r>
+              <a:rPr lang="en-US" sz="1200" kern="1200" baseline="0" dirty="0" err="1">
+                <a:solidFill>
+                  <a:schemeClr val="tx1"/>
+                </a:solidFill>
+                <a:effectLst/>
+                <a:latin typeface="+mn-lt"/>
+                <a:ea typeface="+mn-ea"/>
+                <a:cs typeface="+mn-cs"/>
+              </a:rPr>
+              <a:t>HttpRouteCollection</a:t>
+            </a:r>
+            <a:r>
+              <a:rPr lang="en-US" sz="1200" kern="1200" baseline="0" dirty="0">
+                <a:solidFill>
+                  <a:schemeClr val="tx1"/>
+                </a:solidFill>
+                <a:effectLst/>
+                <a:latin typeface="+mn-lt"/>
+                <a:ea typeface="+mn-ea"/>
+                <a:cs typeface="+mn-cs"/>
+              </a:rPr>
+              <a:t>.</a:t>
+            </a:r>
+            <a:endParaRPr lang="en-US" sz="1200" dirty="0"/>
+          </a:p>
+          <a:p>
+            <a:endParaRPr lang="en-US" dirty="0"/>
+          </a:p>
+        </p:txBody>
+      </p:sp>
+      <p:sp>
+        <p:nvSpPr>
+          <p:cNvPr id="4" name="Slide Number Placeholder 3"/>
+          <p:cNvSpPr>
+            <a:spLocks noGrp="1"/>
+          </p:cNvSpPr>
+          <p:nvPr>
+            <p:ph type="sldNum" sz="quarter" idx="10"/>
+          </p:nvPr>
+        </p:nvSpPr>
+        <p:spPr/>
+        <p:txBody>
+          <a:bodyPr/>
+          <a:lstStyle/>
+          <a:p>
+            <a:fld id="{9650035D-E5EC-4F72-8410-D3F7E0B5F874}" type="slidenum">
+              <a:rPr lang="en-US" smtClean="0"/>
+              <a:t>7</a:t>
+            </a:fld>
+            <a:endParaRPr lang="en-US"/>
+          </a:p>
+        </p:txBody>
+      </p:sp>
+    </p:spTree>
+    <p:extLst>
+      <p:ext uri="{BB962C8B-B14F-4D97-AF65-F5344CB8AC3E}">
+        <p14:creationId xmlns:p14="http://schemas.microsoft.com/office/powerpoint/2010/main" val="1143560006"/>
+      </p:ext>
+    </p:extLst>
+  </p:cSld>
+  <p:clrMapOvr>
+    <a:masterClrMapping/>
+  </p:clrMapOvr>
+</p:notes>
+</file>
+
+<file path=ppt/notesSlides/notesSlide6.xml><?xml version="1.0" encoding="utf-8"?>
+<p:notes xmlns:a="http://schemas.openxmlformats.org/drawingml/2006/main" xmlns:r="http://schemas.openxmlformats.org/officeDocument/2006/relationships" xmlns:p="http://schemas.openxmlformats.org/presentationml/2006/main">
+  <p:cSld>
+    <p:spTree>
+      <p:nvGrpSpPr>
+        <p:cNvPr id="1" name=""/>
+        <p:cNvGrpSpPr/>
+        <p:nvPr/>
+      </p:nvGrpSpPr>
+      <p:grpSpPr>
+        <a:xfrm>
+          <a:off x="0" y="0"/>
+          <a:ext cx="0" cy="0"/>
+          <a:chOff x="0" y="0"/>
+          <a:chExt cx="0" cy="0"/>
+        </a:xfrm>
+      </p:grpSpPr>
+      <p:sp>
+        <p:nvSpPr>
+          <p:cNvPr id="2" name="Slide Image Placeholder 1"/>
+          <p:cNvSpPr>
+            <a:spLocks noGrp="1" noRot="1" noChangeAspect="1"/>
+          </p:cNvSpPr>
+          <p:nvPr>
+            <p:ph type="sldImg"/>
+          </p:nvPr>
+        </p:nvSpPr>
+        <p:spPr/>
+      </p:sp>
+      <p:sp>
+        <p:nvSpPr>
+          <p:cNvPr id="3" name="Notes Placeholder 2"/>
+          <p:cNvSpPr>
+            <a:spLocks noGrp="1"/>
+          </p:cNvSpPr>
+          <p:nvPr>
+            <p:ph type="body" idx="1"/>
+          </p:nvPr>
+        </p:nvSpPr>
+        <p:spPr/>
+        <p:txBody>
+          <a:bodyPr/>
+          <a:lstStyle/>
+          <a:p>
+            <a:endParaRPr lang="en-US" dirty="0"/>
+          </a:p>
+        </p:txBody>
+      </p:sp>
+      <p:sp>
+        <p:nvSpPr>
+          <p:cNvPr id="4" name="Slide Number Placeholder 3"/>
+          <p:cNvSpPr>
+            <a:spLocks noGrp="1"/>
+          </p:cNvSpPr>
+          <p:nvPr>
+            <p:ph type="sldNum" sz="quarter" idx="10"/>
+          </p:nvPr>
+        </p:nvSpPr>
+        <p:spPr/>
+        <p:txBody>
+          <a:bodyPr/>
+          <a:lstStyle/>
+          <a:p>
+            <a:fld id="{9650035D-E5EC-4F72-8410-D3F7E0B5F874}" type="slidenum">
+              <a:rPr lang="en-US" smtClean="0"/>
+              <a:t>9</a:t>
+            </a:fld>
+            <a:endParaRPr lang="en-US"/>
+          </a:p>
+        </p:txBody>
+      </p:sp>
+    </p:spTree>
+    <p:extLst>
+      <p:ext uri="{BB962C8B-B14F-4D97-AF65-F5344CB8AC3E}">
+        <p14:creationId xmlns:p14="http://schemas.microsoft.com/office/powerpoint/2010/main" val="2434406322"/>
+      </p:ext>
+    </p:extLst>
+  </p:cSld>
+  <p:clrMapOvr>
+    <a:masterClrMapping/>
+  </p:clrMapOvr>
+</p:notes>
+</file>
+
+<file path=ppt/notesSlides/notesSlide7.xml><?xml version="1.0" encoding="utf-8"?>
+<p:notes xmlns:a="http://schemas.openxmlformats.org/drawingml/2006/main" xmlns:r="http://schemas.openxmlformats.org/officeDocument/2006/relationships" xmlns:p="http://schemas.openxmlformats.org/presentationml/2006/main">
+  <p:cSld>
+    <p:spTree>
+      <p:nvGrpSpPr>
+        <p:cNvPr id="1" name=""/>
+        <p:cNvGrpSpPr/>
+        <p:nvPr/>
+      </p:nvGrpSpPr>
+      <p:grpSpPr>
+        <a:xfrm>
+          <a:off x="0" y="0"/>
+          <a:ext cx="0" cy="0"/>
+          <a:chOff x="0" y="0"/>
+          <a:chExt cx="0" cy="0"/>
+        </a:xfrm>
+      </p:grpSpPr>
+      <p:sp>
+        <p:nvSpPr>
+          <p:cNvPr id="2" name="Slide Image Placeholder 1"/>
+          <p:cNvSpPr>
+            <a:spLocks noGrp="1" noRot="1" noChangeAspect="1"/>
+          </p:cNvSpPr>
+          <p:nvPr>
+            <p:ph type="sldImg"/>
+          </p:nvPr>
+        </p:nvSpPr>
+        <p:spPr/>
+      </p:sp>
+      <p:sp>
+        <p:nvSpPr>
+          <p:cNvPr id="3" name="Notes Placeholder 2"/>
+          <p:cNvSpPr>
+            <a:spLocks noGrp="1"/>
+          </p:cNvSpPr>
+          <p:nvPr>
+            <p:ph type="body" idx="1"/>
+          </p:nvPr>
+        </p:nvSpPr>
+        <p:spPr/>
+        <p:txBody>
+          <a:bodyPr/>
+          <a:lstStyle/>
+          <a:p>
+            <a:endParaRPr lang="en-US" dirty="0"/>
+          </a:p>
+        </p:txBody>
+      </p:sp>
+      <p:sp>
+        <p:nvSpPr>
+          <p:cNvPr id="4" name="Slide Number Placeholder 3"/>
+          <p:cNvSpPr>
+            <a:spLocks noGrp="1"/>
+          </p:cNvSpPr>
+          <p:nvPr>
+            <p:ph type="sldNum" sz="quarter" idx="10"/>
+          </p:nvPr>
+        </p:nvSpPr>
+        <p:spPr/>
+        <p:txBody>
+          <a:bodyPr/>
+          <a:lstStyle/>
+          <a:p>
+            <a:fld id="{9650035D-E5EC-4F72-8410-D3F7E0B5F874}" type="slidenum">
+              <a:rPr lang="en-US" smtClean="0"/>
+              <a:t>11</a:t>
+            </a:fld>
+            <a:endParaRPr lang="en-US"/>
+          </a:p>
+        </p:txBody>
+      </p:sp>
+    </p:spTree>
+    <p:extLst>
+      <p:ext uri="{BB962C8B-B14F-4D97-AF65-F5344CB8AC3E}">
+        <p14:creationId xmlns:p14="http://schemas.microsoft.com/office/powerpoint/2010/main" val="3092261519"/>
+      </p:ext>
+    </p:extLst>
+  </p:cSld>
+  <p:clrMapOvr>
+    <a:masterClrMapping/>
+  </p:clrMapOvr>
+</p:notes>
+</file>
+
+<file path=ppt/notesSlides/notesSlide8.xml><?xml version="1.0" encoding="utf-8"?>
+<p:notes xmlns:a="http://schemas.openxmlformats.org/drawingml/2006/main" xmlns:r="http://schemas.openxmlformats.org/officeDocument/2006/relationships" xmlns:p="http://schemas.openxmlformats.org/presentationml/2006/main">
+  <p:cSld>
+    <p:spTree>
+      <p:nvGrpSpPr>
+        <p:cNvPr id="1" name=""/>
+        <p:cNvGrpSpPr/>
+        <p:nvPr/>
+      </p:nvGrpSpPr>
+      <p:grpSpPr>
+        <a:xfrm>
+          <a:off x="0" y="0"/>
+          <a:ext cx="0" cy="0"/>
+          <a:chOff x="0" y="0"/>
+          <a:chExt cx="0" cy="0"/>
+        </a:xfrm>
+      </p:grpSpPr>
+      <p:sp>
+        <p:nvSpPr>
+          <p:cNvPr id="2" name="Slide Image Placeholder 1"/>
+          <p:cNvSpPr>
+            <a:spLocks noGrp="1" noRot="1" noChangeAspect="1"/>
+          </p:cNvSpPr>
+          <p:nvPr>
+            <p:ph type="sldImg"/>
+          </p:nvPr>
+        </p:nvSpPr>
+        <p:spPr/>
+      </p:sp>
+      <p:sp>
+        <p:nvSpPr>
+          <p:cNvPr id="3" name="Notes Placeholder 2"/>
+          <p:cNvSpPr>
+            <a:spLocks noGrp="1"/>
+          </p:cNvSpPr>
+          <p:nvPr>
+            <p:ph type="body" idx="1"/>
+          </p:nvPr>
+        </p:nvSpPr>
+        <p:spPr/>
+        <p:txBody>
+          <a:bodyPr/>
+          <a:lstStyle/>
+          <a:p>
+            <a:pPr marL="228600" indent="-228600">
+              <a:buAutoNum type="arabicPeriod"/>
+            </a:pPr>
+            <a:r>
+              <a:rPr lang="en-US" sz="1200" b="0" i="0" kern="1200" dirty="0">
+                <a:solidFill>
+                  <a:schemeClr val="tx1"/>
+                </a:solidFill>
+                <a:effectLst/>
+                <a:latin typeface="+mn-lt"/>
+                <a:ea typeface="+mn-ea"/>
+                <a:cs typeface="+mn-cs"/>
+              </a:rPr>
+              <a:t> it means that the model state is available to action filters. So instead to write in every action the </a:t>
+            </a:r>
+            <a:r>
+              <a:rPr lang="en-US" sz="1200" b="0" i="0" kern="1200" dirty="0" err="1">
+                <a:solidFill>
+                  <a:schemeClr val="tx1"/>
+                </a:solidFill>
+                <a:effectLst/>
+                <a:latin typeface="+mn-lt"/>
+                <a:ea typeface="+mn-ea"/>
+                <a:cs typeface="+mn-cs"/>
+              </a:rPr>
+              <a:t>modelstate</a:t>
+            </a:r>
+            <a:r>
+              <a:rPr lang="en-US" sz="1200" b="0" i="0" kern="1200" dirty="0">
+                <a:solidFill>
+                  <a:schemeClr val="tx1"/>
+                </a:solidFill>
+                <a:effectLst/>
+                <a:latin typeface="+mn-lt"/>
+                <a:ea typeface="+mn-ea"/>
+                <a:cs typeface="+mn-cs"/>
+              </a:rPr>
+              <a:t> check it can be done in an</a:t>
+            </a:r>
+            <a:r>
+              <a:rPr lang="en-US" sz="1200" b="0" i="0" kern="1200" baseline="0" dirty="0">
+                <a:solidFill>
+                  <a:schemeClr val="tx1"/>
+                </a:solidFill>
+                <a:effectLst/>
+                <a:latin typeface="+mn-lt"/>
+                <a:ea typeface="+mn-ea"/>
+                <a:cs typeface="+mn-cs"/>
+              </a:rPr>
+              <a:t> action filter.</a:t>
+            </a:r>
+          </a:p>
+          <a:p>
+            <a:pPr marL="228600" indent="-228600">
+              <a:buAutoNum type="arabicPeriod"/>
+            </a:pPr>
+            <a:r>
+              <a:rPr lang="en-US" sz="1200" b="0" i="0" kern="1200" dirty="0">
+                <a:solidFill>
+                  <a:schemeClr val="tx1"/>
+                </a:solidFill>
+                <a:effectLst/>
+                <a:latin typeface="+mn-lt"/>
+                <a:ea typeface="+mn-ea"/>
+                <a:cs typeface="+mn-cs"/>
+              </a:rPr>
+              <a:t>Model binding is the process of creating .NET objects using the data sent by the browser in an HTTP request.</a:t>
+            </a:r>
+          </a:p>
+          <a:p>
+            <a:pPr marL="228600" indent="-228600">
+              <a:buAutoNum type="arabicPeriod"/>
+            </a:pPr>
+            <a:r>
+              <a:rPr lang="en-US" sz="1200" b="0" i="0" kern="1200" dirty="0">
+                <a:solidFill>
+                  <a:schemeClr val="tx1"/>
+                </a:solidFill>
+                <a:effectLst/>
+                <a:latin typeface="+mn-lt"/>
+                <a:ea typeface="+mn-ea"/>
+                <a:cs typeface="+mn-cs"/>
+              </a:rPr>
+              <a:t> </a:t>
+            </a:r>
+          </a:p>
+          <a:p>
+            <a:pPr marL="228600" indent="-228600">
+              <a:buAutoNum type="arabicPeriod"/>
+            </a:pPr>
+            <a:r>
+              <a:rPr lang="en-US" sz="1200" b="0" i="0" kern="1200" dirty="0">
+                <a:solidFill>
+                  <a:schemeClr val="tx1"/>
+                </a:solidFill>
+                <a:effectLst/>
+                <a:latin typeface="+mn-lt"/>
+                <a:ea typeface="+mn-ea"/>
+                <a:cs typeface="+mn-cs"/>
+              </a:rPr>
+              <a:t>At most one parameter is allowed to read from the message body.</a:t>
+            </a:r>
+          </a:p>
+          <a:p>
+            <a:pPr marL="914400" lvl="2" indent="0">
+              <a:buNone/>
+            </a:pPr>
+            <a:r>
+              <a:rPr lang="en-US" dirty="0"/>
+              <a:t>// Caution: Will not work!    </a:t>
+            </a:r>
+          </a:p>
+          <a:p>
+            <a:pPr marL="0" indent="0">
+              <a:buNone/>
+            </a:pPr>
+            <a:r>
+              <a:rPr lang="en-US" dirty="0"/>
+              <a:t>	public </a:t>
+            </a:r>
+            <a:r>
+              <a:rPr lang="en-US" dirty="0" err="1"/>
+              <a:t>HttpResponseMessage</a:t>
+            </a:r>
+            <a:r>
+              <a:rPr lang="en-US" dirty="0"/>
+              <a:t> Post([</a:t>
+            </a:r>
+            <a:r>
+              <a:rPr lang="en-US" dirty="0" err="1"/>
+              <a:t>FromBody</a:t>
+            </a:r>
+            <a:r>
+              <a:rPr lang="en-US" dirty="0"/>
+              <a:t>] </a:t>
+            </a:r>
+            <a:r>
+              <a:rPr lang="en-US" dirty="0" err="1"/>
+              <a:t>int</a:t>
+            </a:r>
+            <a:r>
+              <a:rPr lang="en-US" dirty="0"/>
+              <a:t> id, [</a:t>
+            </a:r>
+            <a:r>
+              <a:rPr lang="en-US" dirty="0" err="1"/>
+              <a:t>FromBody</a:t>
+            </a:r>
+            <a:r>
+              <a:rPr lang="en-US" dirty="0"/>
+              <a:t>] string name) { ... }</a:t>
+            </a:r>
+          </a:p>
+          <a:p>
+            <a:pPr marL="228600" indent="-228600">
+              <a:buFont typeface="+mj-lt"/>
+              <a:buAutoNum type="arabicPeriod"/>
+            </a:pPr>
+            <a:r>
+              <a:rPr lang="en-US" dirty="0"/>
+              <a:t>	</a:t>
+            </a:r>
+            <a:endParaRPr lang="en-US" dirty="0"/>
+          </a:p>
+        </p:txBody>
+      </p:sp>
+      <p:sp>
+        <p:nvSpPr>
+          <p:cNvPr id="4" name="Slide Number Placeholder 3"/>
+          <p:cNvSpPr>
+            <a:spLocks noGrp="1"/>
+          </p:cNvSpPr>
+          <p:nvPr>
+            <p:ph type="sldNum" sz="quarter" idx="10"/>
+          </p:nvPr>
+        </p:nvSpPr>
+        <p:spPr/>
+        <p:txBody>
+          <a:bodyPr/>
+          <a:lstStyle/>
+          <a:p>
+            <a:fld id="{9650035D-E5EC-4F72-8410-D3F7E0B5F874}" type="slidenum">
+              <a:rPr lang="en-US" smtClean="0"/>
+              <a:t>15</a:t>
+            </a:fld>
+            <a:endParaRPr lang="en-US"/>
+          </a:p>
+        </p:txBody>
+      </p:sp>
+    </p:spTree>
+    <p:extLst>
+      <p:ext uri="{BB962C8B-B14F-4D97-AF65-F5344CB8AC3E}">
+        <p14:creationId xmlns:p14="http://schemas.microsoft.com/office/powerpoint/2010/main" val="997226818"/>
+      </p:ext>
+    </p:extLst>
+  </p:cSld>
+  <p:clrMapOvr>
+    <a:masterClrMapping/>
+  </p:clrMapOvr>
+</p:notes>
+</file>
+
+<file path=ppt/notesSlides/notesSlide9.xml><?xml version="1.0" encoding="utf-8"?>
+<p:notes xmlns:a="http://schemas.openxmlformats.org/drawingml/2006/main" xmlns:r="http://schemas.openxmlformats.org/officeDocument/2006/relationships" xmlns:p="http://schemas.openxmlformats.org/presentationml/2006/main">
+  <p:cSld>
+    <p:spTree>
+      <p:nvGrpSpPr>
+        <p:cNvPr id="1" name=""/>
+        <p:cNvGrpSpPr/>
+        <p:nvPr/>
+      </p:nvGrpSpPr>
+      <p:grpSpPr>
+        <a:xfrm>
+          <a:off x="0" y="0"/>
+          <a:ext cx="0" cy="0"/>
+          <a:chOff x="0" y="0"/>
+          <a:chExt cx="0" cy="0"/>
+        </a:xfrm>
+      </p:grpSpPr>
+      <p:sp>
+        <p:nvSpPr>
+          <p:cNvPr id="2" name="Slide Image Placeholder 1"/>
+          <p:cNvSpPr>
+            <a:spLocks noGrp="1" noRot="1" noChangeAspect="1"/>
+          </p:cNvSpPr>
+          <p:nvPr>
+            <p:ph type="sldImg"/>
+          </p:nvPr>
+        </p:nvSpPr>
+        <p:spPr/>
+      </p:sp>
+      <p:sp>
+        <p:nvSpPr>
+          <p:cNvPr id="3" name="Notes Placeholder 2"/>
+          <p:cNvSpPr>
+            <a:spLocks noGrp="1"/>
+          </p:cNvSpPr>
+          <p:nvPr>
+            <p:ph type="body" idx="1"/>
+          </p:nvPr>
+        </p:nvSpPr>
+        <p:spPr/>
+        <p:txBody>
+          <a:bodyPr/>
+          <a:lstStyle/>
+          <a:p>
+            <a:endParaRPr lang="en-US" dirty="0"/>
+          </a:p>
+        </p:txBody>
+      </p:sp>
+      <p:sp>
+        <p:nvSpPr>
+          <p:cNvPr id="4" name="Slide Number Placeholder 3"/>
+          <p:cNvSpPr>
+            <a:spLocks noGrp="1"/>
+          </p:cNvSpPr>
+          <p:nvPr>
+            <p:ph type="sldNum" sz="quarter" idx="10"/>
+          </p:nvPr>
+        </p:nvSpPr>
+        <p:spPr/>
+        <p:txBody>
+          <a:bodyPr/>
+          <a:lstStyle/>
+          <a:p>
+            <a:fld id="{9650035D-E5EC-4F72-8410-D3F7E0B5F874}" type="slidenum">
+              <a:rPr lang="en-US" smtClean="0"/>
+              <a:t>18</a:t>
+            </a:fld>
+            <a:endParaRPr lang="en-US"/>
+          </a:p>
+        </p:txBody>
+      </p:sp>
+    </p:spTree>
+    <p:extLst>
+      <p:ext uri="{BB962C8B-B14F-4D97-AF65-F5344CB8AC3E}">
+        <p14:creationId xmlns:p14="http://schemas.microsoft.com/office/powerpoint/2010/main" val="4011454932"/>
+      </p:ext>
+    </p:extLst>
+  </p:cSld>
+  <p:clrMapOvr>
+    <a:masterClrMapping/>
+  </p:clrMapOvr>
+</p:notes>
+</file>
+
 <file path=ppt/slideLayouts/slideLayout1.xml><?xml version="1.0" encoding="utf-8"?>
 <p:sldLayout xmlns:a="http://schemas.openxmlformats.org/drawingml/2006/main" xmlns:r="http://schemas.openxmlformats.org/officeDocument/2006/relationships" xmlns:p="http://schemas.openxmlformats.org/presentationml/2006/main" preserve="1">
   <p:cSld name="Title Slide">
@@ -968,7 +2431,7 @@
           <a:p>
             <a:fld id="{030305CC-77D9-43C1-9487-C134B9231D54}" type="datetimeFigureOut">
               <a:rPr lang="en-US" smtClean="0"/>
-              <a:t>5/23/2017</a:t>
+              <a:t>5/26/2017</a:t>
             </a:fld>
             <a:endParaRPr lang="en-US"/>
           </a:p>
@@ -1146,7 +2609,7 @@
           <a:p>
             <a:fld id="{030305CC-77D9-43C1-9487-C134B9231D54}" type="datetimeFigureOut">
               <a:rPr lang="en-US" smtClean="0"/>
-              <a:t>5/23/2017</a:t>
+              <a:t>5/26/2017</a:t>
             </a:fld>
             <a:endParaRPr lang="en-US"/>
           </a:p>
@@ -1314,7 +2777,7 @@
           <a:p>
             <a:fld id="{030305CC-77D9-43C1-9487-C134B9231D54}" type="datetimeFigureOut">
               <a:rPr lang="en-US" smtClean="0"/>
-              <a:t>5/23/2017</a:t>
+              <a:t>5/26/2017</a:t>
             </a:fld>
             <a:endParaRPr lang="en-US"/>
           </a:p>
@@ -1771,7 +3234,7 @@
           <a:p>
             <a:fld id="{030305CC-77D9-43C1-9487-C134B9231D54}" type="datetimeFigureOut">
               <a:rPr lang="en-US" smtClean="0"/>
-              <a:t>5/23/2017</a:t>
+              <a:t>5/26/2017</a:t>
             </a:fld>
             <a:endParaRPr lang="en-US"/>
           </a:p>
@@ -2000,7 +3463,7 @@
           <a:p>
             <a:fld id="{030305CC-77D9-43C1-9487-C134B9231D54}" type="datetimeFigureOut">
               <a:rPr lang="en-US" smtClean="0"/>
-              <a:t>5/23/2017</a:t>
+              <a:t>5/26/2017</a:t>
             </a:fld>
             <a:endParaRPr lang="en-US"/>
           </a:p>
@@ -2364,7 +3827,7 @@
           <a:p>
             <a:fld id="{030305CC-77D9-43C1-9487-C134B9231D54}" type="datetimeFigureOut">
               <a:rPr lang="en-US" smtClean="0"/>
-              <a:t>5/23/2017</a:t>
+              <a:t>5/26/2017</a:t>
             </a:fld>
             <a:endParaRPr lang="en-US"/>
           </a:p>
@@ -2481,7 +3944,7 @@
           <a:p>
             <a:fld id="{030305CC-77D9-43C1-9487-C134B9231D54}" type="datetimeFigureOut">
               <a:rPr lang="en-US" smtClean="0"/>
-              <a:t>5/23/2017</a:t>
+              <a:t>5/26/2017</a:t>
             </a:fld>
             <a:endParaRPr lang="en-US"/>
           </a:p>
@@ -2576,7 +4039,7 @@
           <a:p>
             <a:fld id="{030305CC-77D9-43C1-9487-C134B9231D54}" type="datetimeFigureOut">
               <a:rPr lang="en-US" smtClean="0"/>
-              <a:t>5/23/2017</a:t>
+              <a:t>5/26/2017</a:t>
             </a:fld>
             <a:endParaRPr lang="en-US"/>
           </a:p>
@@ -2851,7 +4314,7 @@
           <a:p>
             <a:fld id="{030305CC-77D9-43C1-9487-C134B9231D54}" type="datetimeFigureOut">
               <a:rPr lang="en-US" smtClean="0"/>
-              <a:t>5/23/2017</a:t>
+              <a:t>5/26/2017</a:t>
             </a:fld>
             <a:endParaRPr lang="en-US"/>
           </a:p>
@@ -3106,7 +4569,7 @@
           <a:p>
             <a:fld id="{030305CC-77D9-43C1-9487-C134B9231D54}" type="datetimeFigureOut">
               <a:rPr lang="en-US" smtClean="0"/>
-              <a:t>5/23/2017</a:t>
+              <a:t>5/26/2017</a:t>
             </a:fld>
             <a:endParaRPr lang="en-US"/>
           </a:p>
@@ -3318,7 +4781,7 @@
           <a:p>
             <a:fld id="{030305CC-77D9-43C1-9487-C134B9231D54}" type="datetimeFigureOut">
               <a:rPr lang="en-US" smtClean="0"/>
-              <a:t>5/23/2017</a:t>
+              <a:t>5/26/2017</a:t>
             </a:fld>
             <a:endParaRPr lang="en-US"/>
           </a:p>
@@ -3733,6 +5196,35 @@
             <p:ph type="ctrTitle"/>
           </p:nvPr>
         </p:nvSpPr>
+        <p:spPr>
+          <a:xfrm>
+            <a:off x="101600" y="5559490"/>
+            <a:ext cx="9911080" cy="668590"/>
+          </a:xfrm>
+        </p:spPr>
+        <p:txBody>
+          <a:bodyPr>
+            <a:normAutofit fontScale="90000"/>
+          </a:bodyPr>
+          <a:lstStyle/>
+          <a:p>
+            <a:r>
+              <a:rPr lang="en-US" dirty="0"/>
+              <a:t>ASP.NET WEB API EXTENSIBILITY POINTS</a:t>
+            </a:r>
+          </a:p>
+        </p:txBody>
+      </p:sp>
+      <p:sp>
+        <p:nvSpPr>
+          <p:cNvPr id="3" name="Subtitle 2"/>
+          <p:cNvSpPr>
+            <a:spLocks noGrp="1"/>
+          </p:cNvSpPr>
+          <p:nvPr>
+            <p:ph type="subTitle" idx="1"/>
+          </p:nvPr>
+        </p:nvSpPr>
         <p:spPr/>
         <p:txBody>
           <a:bodyPr/>
@@ -3740,27 +5232,8 @@
           <a:p>
             <a:r>
               <a:rPr lang="en-US" dirty="0"/>
-              <a:t>Incredibles Engineering Practices</a:t>
-            </a:r>
-          </a:p>
-        </p:txBody>
-      </p:sp>
-      <p:sp>
-        <p:nvSpPr>
-          <p:cNvPr id="3" name="Subtitle 2"/>
-          <p:cNvSpPr>
-            <a:spLocks noGrp="1"/>
-          </p:cNvSpPr>
-          <p:nvPr>
-            <p:ph type="subTitle" idx="1"/>
-          </p:nvPr>
-        </p:nvSpPr>
-        <p:spPr/>
-        <p:txBody>
-          <a:bodyPr/>
-          <a:lstStyle/>
-          <a:p>
-            <a:endParaRPr lang="en-US" dirty="0"/>
+              <a:t>Vladimir Dimov</a:t>
+            </a:r>
           </a:p>
         </p:txBody>
       </p:sp>
@@ -3796,63 +5269,37 @@
       </p:grpSpPr>
       <p:sp>
         <p:nvSpPr>
-          <p:cNvPr id="2" name="Title 1"/>
-          <p:cNvSpPr>
-            <a:spLocks noGrp="1"/>
-          </p:cNvSpPr>
-          <p:nvPr>
-            <p:ph type="title"/>
-          </p:nvPr>
-        </p:nvSpPr>
-        <p:spPr/>
-        <p:txBody>
-          <a:bodyPr/>
-          <a:lstStyle/>
-          <a:p>
-            <a:r>
-              <a:rPr lang="en-US" dirty="0"/>
-              <a:t>Filter Provider</a:t>
-            </a:r>
-          </a:p>
-        </p:txBody>
-      </p:sp>
-      <p:sp>
-        <p:nvSpPr>
-          <p:cNvPr id="3" name="TextBox 2"/>
-          <p:cNvSpPr txBox="1"/>
+          <p:cNvPr id="4" name="Rectangle 3"/>
+          <p:cNvSpPr/>
           <p:nvPr/>
         </p:nvSpPr>
         <p:spPr>
           <a:xfrm>
-            <a:off x="1609725" y="762000"/>
-            <a:ext cx="10109927" cy="369332"/>
+            <a:off x="1659611" y="2641433"/>
+            <a:ext cx="10108665" cy="923330"/>
           </a:xfrm>
           <a:prstGeom prst="rect">
             <a:avLst/>
           </a:prstGeom>
-          <a:noFill/>
         </p:spPr>
         <p:txBody>
-          <a:bodyPr wrap="square" rtlCol="0">
+          <a:bodyPr wrap="none">
             <a:spAutoFit/>
           </a:bodyPr>
           <a:lstStyle/>
           <a:p>
-            <a:pPr marL="285750" indent="-285750">
-              <a:buFont typeface="Arial" panose="020B0604020202020204" pitchFamily="34" charset="0"/>
-              <a:buChar char="•"/>
-            </a:pPr>
-            <a:r>
-              <a:rPr lang="en-US" dirty="0"/>
-              <a:t>Only selects the filters to be executed. The execution order will still depend on the Scope</a:t>
-            </a:r>
+            <a:r>
+              <a:rPr lang="en-US" sz="5400" b="1" dirty="0"/>
+              <a:t>Action Selector and Action Invoker</a:t>
+            </a:r>
+            <a:endParaRPr lang="en-US" sz="5400" dirty="0"/>
           </a:p>
         </p:txBody>
       </p:sp>
     </p:spTree>
     <p:extLst>
       <p:ext uri="{BB962C8B-B14F-4D97-AF65-F5344CB8AC3E}">
-        <p14:creationId xmlns:p14="http://schemas.microsoft.com/office/powerpoint/2010/main" val="684075879"/>
+        <p14:creationId xmlns:p14="http://schemas.microsoft.com/office/powerpoint/2010/main" val="2949057467"/>
       </p:ext>
     </p:extLst>
   </p:cSld>
@@ -3895,8 +5342,12 @@
           <a:lstStyle/>
           <a:p>
             <a:r>
-              <a:rPr lang="en-US" dirty="0" err="1"/>
-              <a:t>ActionFilter</a:t>
+              <a:rPr lang="en-US" dirty="0"/>
+              <a:t> </a:t>
+            </a:r>
+            <a:r>
+              <a:rPr lang="en-US" dirty="0"/>
+              <a:t>HTTP MESSAGE HANDLERS</a:t>
             </a:r>
             <a:endParaRPr lang="en-US" dirty="0"/>
           </a:p>
@@ -3904,14 +5355,14 @@
       </p:sp>
       <p:sp>
         <p:nvSpPr>
-          <p:cNvPr id="3" name="TextBox 2"/>
+          <p:cNvPr id="5" name="TextBox 4"/>
           <p:cNvSpPr txBox="1"/>
           <p:nvPr/>
         </p:nvSpPr>
         <p:spPr>
           <a:xfrm>
-            <a:off x="1701800" y="884255"/>
-            <a:ext cx="10017852" cy="369332"/>
+            <a:off x="1455438" y="694159"/>
+            <a:ext cx="10510576" cy="4585871"/>
           </a:xfrm>
           <a:prstGeom prst="rect">
             <a:avLst/>
@@ -3925,16 +5376,130 @@
           <a:lstStyle/>
           <a:p>
             <a:r>
-              <a:rPr lang="en-US" dirty="0"/>
-              <a:t>If a response is create inside a filter the controller action is not executed.</a:t>
-            </a:r>
+              <a:rPr lang="en-US" sz="2800" b="1" dirty="0"/>
+              <a:t>What we have to know?</a:t>
+            </a:r>
+          </a:p>
+          <a:p>
+            <a:pPr marL="342900" indent="-342900">
+              <a:buAutoNum type="arabicPeriod"/>
+            </a:pPr>
+            <a:endParaRPr lang="en-US" sz="2400" dirty="0"/>
+          </a:p>
+          <a:p>
+            <a:pPr marL="342900" indent="-342900">
+              <a:buAutoNum type="arabicPeriod"/>
+            </a:pPr>
+            <a:r>
+              <a:rPr lang="en-US" sz="2400" dirty="0"/>
+              <a:t>Once the controller instance is created the Controller Dispatcher calls the </a:t>
+            </a:r>
+            <a:r>
+              <a:rPr lang="en-US" sz="2400" dirty="0" err="1"/>
+              <a:t>ExecuteAsync</a:t>
+            </a:r>
+            <a:r>
+              <a:rPr lang="en-US" sz="2400" dirty="0"/>
+              <a:t>() method of the </a:t>
+            </a:r>
+            <a:r>
+              <a:rPr lang="en-US" sz="2400" dirty="0" err="1"/>
+              <a:t>IHttpController</a:t>
+            </a:r>
+            <a:r>
+              <a:rPr lang="en-US" sz="2400" dirty="0"/>
+              <a:t> instance. The following events occur inside the method:</a:t>
+            </a:r>
+          </a:p>
+          <a:p>
+            <a:pPr marL="800100" lvl="1" indent="-342900">
+              <a:buFont typeface="Arial" panose="020B0604020202020204" pitchFamily="34" charset="0"/>
+              <a:buChar char="•"/>
+            </a:pPr>
+            <a:r>
+              <a:rPr lang="en-US" sz="2400" dirty="0"/>
+              <a:t>The configured </a:t>
+            </a:r>
+            <a:r>
+              <a:rPr lang="en-US" sz="2400" dirty="0" err="1"/>
+              <a:t>IHttpActionSelector</a:t>
+            </a:r>
+            <a:r>
+              <a:rPr lang="en-US" sz="2400" dirty="0"/>
+              <a:t> is asked to return the </a:t>
+            </a:r>
+            <a:r>
+              <a:rPr lang="en-US" sz="2400" dirty="0" err="1"/>
+              <a:t>HttpActionDescriptor</a:t>
+            </a:r>
+            <a:r>
+              <a:rPr lang="en-US" sz="2400" dirty="0"/>
+              <a:t>.</a:t>
+            </a:r>
+          </a:p>
+          <a:p>
+            <a:pPr marL="800100" lvl="1" indent="-342900">
+              <a:buFont typeface="Arial" panose="020B0604020202020204" pitchFamily="34" charset="0"/>
+              <a:buChar char="•"/>
+            </a:pPr>
+            <a:r>
+              <a:rPr lang="en-US" sz="2400" dirty="0"/>
+              <a:t>The </a:t>
+            </a:r>
+            <a:r>
+              <a:rPr lang="en-US" sz="2400" dirty="0" err="1"/>
+              <a:t>HttpActionDescriptor</a:t>
+            </a:r>
+            <a:r>
+              <a:rPr lang="en-US" sz="2400" dirty="0"/>
+              <a:t> holds information about the action as the filters and binding for example;</a:t>
+            </a:r>
+          </a:p>
+          <a:p>
+            <a:pPr marL="800100" lvl="1" indent="-342900">
+              <a:buFont typeface="Arial" panose="020B0604020202020204" pitchFamily="34" charset="0"/>
+              <a:buChar char="•"/>
+            </a:pPr>
+            <a:r>
+              <a:rPr lang="en-US" sz="2400" dirty="0"/>
+              <a:t>The filter are executed.</a:t>
+            </a:r>
+          </a:p>
+          <a:p>
+            <a:pPr marL="800100" lvl="1" indent="-342900">
+              <a:buFont typeface="Arial" panose="020B0604020202020204" pitchFamily="34" charset="0"/>
+              <a:buChar char="•"/>
+            </a:pPr>
+            <a:r>
+              <a:rPr lang="en-US" sz="2400" dirty="0"/>
+              <a:t>The binding is executed.</a:t>
+            </a:r>
+          </a:p>
+          <a:p>
+            <a:pPr marL="800100" lvl="1" indent="-342900">
+              <a:buFont typeface="Arial" panose="020B0604020202020204" pitchFamily="34" charset="0"/>
+              <a:buChar char="•"/>
+            </a:pPr>
+            <a:r>
+              <a:rPr lang="en-US" sz="2400" dirty="0"/>
+              <a:t>Finally the configured </a:t>
+            </a:r>
+            <a:r>
+              <a:rPr lang="en-US" sz="2400" dirty="0" err="1"/>
+              <a:t>IHttpActionInvoker</a:t>
+            </a:r>
+            <a:r>
+              <a:rPr lang="en-US" sz="2400" dirty="0"/>
+              <a:t> is called to invoke the action.</a:t>
+            </a:r>
+            <a:endParaRPr lang="en-US" sz="2400" dirty="0"/>
           </a:p>
         </p:txBody>
       </p:sp>
     </p:spTree>
     <p:extLst>
       <p:ext uri="{BB962C8B-B14F-4D97-AF65-F5344CB8AC3E}">
-        <p14:creationId xmlns:p14="http://schemas.microsoft.com/office/powerpoint/2010/main" val="4283269876"/>
+        <p14:creationId xmlns:p14="http://schemas.microsoft.com/office/powerpoint/2010/main" val="998714027"/>
       </p:ext>
     </p:extLst>
   </p:cSld>
@@ -3978,386 +5543,119 @@
           <a:p>
             <a:r>
               <a:rPr lang="en-US" dirty="0"/>
-              <a:t>Media Type Formatters</a:t>
-            </a:r>
-          </a:p>
-        </p:txBody>
-      </p:sp>
-      <p:sp>
-        <p:nvSpPr>
-          <p:cNvPr id="3" name="Rectangle 1"/>
-          <p:cNvSpPr>
-            <a:spLocks noChangeArrowheads="1"/>
-          </p:cNvSpPr>
+              <a:t> HTTP MESSAGE LIFECYLE</a:t>
+            </a:r>
+          </a:p>
+        </p:txBody>
+      </p:sp>
+      <p:sp>
+        <p:nvSpPr>
+          <p:cNvPr id="3" name="TextBox 2"/>
+          <p:cNvSpPr txBox="1"/>
           <p:nvPr/>
         </p:nvSpPr>
-        <p:spPr bwMode="auto">
+        <p:spPr>
           <a:xfrm>
-            <a:off x="1595335" y="891699"/>
-            <a:ext cx="10124317" cy="1400383"/>
+            <a:off x="1455438" y="694159"/>
+            <a:ext cx="10510576" cy="3477875"/>
           </a:xfrm>
           <a:prstGeom prst="rect">
             <a:avLst/>
           </a:prstGeom>
-          <a:solidFill>
-            <a:srgbClr val="FFFFFF"/>
-          </a:solidFill>
-          <a:ln>
-            <a:noFill/>
-          </a:ln>
-          <a:effectLst/>
-          <a:extLst>
-            <a:ext uri="{91240B29-F687-4F45-9708-019B960494DF}">
-              <a14:hiddenLine xmlns:a14="http://schemas.microsoft.com/office/drawing/2010/main" w="9525">
-                <a:solidFill>
-                  <a:schemeClr val="tx1"/>
-                </a:solidFill>
-                <a:miter lim="800000"/>
-                <a:headEnd/>
-                <a:tailEnd/>
-              </a14:hiddenLine>
-            </a:ext>
-            <a:ext uri="{AF507438-7753-43E0-B8FC-AC1667EBCBE1}">
-              <a14:hiddenEffects xmlns:a14="http://schemas.microsoft.com/office/drawing/2010/main">
-                <a:effectLst>
-                  <a:outerShdw dist="35921" dir="2700000" algn="ctr" rotWithShape="0">
-                    <a:schemeClr val="bg2"/>
-                  </a:outerShdw>
-                </a:effectLst>
-              </a14:hiddenEffects>
-            </a:ext>
-          </a:extLst>
+          <a:noFill/>
         </p:spPr>
         <p:txBody>
-          <a:bodyPr vert="horz" wrap="square" lIns="0" tIns="0" rIns="0" bIns="0" numCol="1" anchor="ctr" anchorCtr="0" compatLnSpc="1">
-            <a:prstTxWarp prst="textNoShape">
-              <a:avLst/>
-            </a:prstTxWarp>
+          <a:bodyPr wrap="square" rtlCol="0">
             <a:spAutoFit/>
           </a:bodyPr>
           <a:lstStyle/>
           <a:p>
-            <a:pPr marL="0" marR="0" lvl="0" indent="0" algn="l" defTabSz="914400" rtl="0" eaLnBrk="0" fontAlgn="base" latinLnBrk="0" hangingPunct="0">
-              <a:lnSpc>
-                <a:spcPct val="100000"/>
-              </a:lnSpc>
-              <a:spcBef>
-                <a:spcPct val="0"/>
-              </a:spcBef>
-              <a:spcAft>
-                <a:spcPct val="0"/>
-              </a:spcAft>
-              <a:buClrTx/>
-              <a:buSzTx/>
-              <a:buFontTx/>
-              <a:buNone/>
-              <a:tabLst/>
+            <a:r>
+              <a:rPr lang="en-US" sz="2800" b="1" dirty="0"/>
+              <a:t>Action Selector</a:t>
+            </a:r>
+          </a:p>
+          <a:p>
+            <a:pPr marL="342900" indent="-342900">
+              <a:buAutoNum type="arabicPeriod"/>
             </a:pPr>
-            <a:r>
-              <a:rPr kumimoji="0" lang="en-US" altLang="en-US" sz="1100" b="0" i="0" u="none" strike="noStrike" cap="none" normalizeH="0" baseline="0" dirty="0">
-                <a:ln>
-                  <a:noFill/>
-                </a:ln>
-                <a:solidFill>
-                  <a:srgbClr val="242729"/>
-                </a:solidFill>
-                <a:effectLst/>
-                <a:latin typeface="inherit"/>
-                <a:cs typeface="Arial" panose="020B0604020202020204" pitchFamily="34" charset="0"/>
-              </a:rPr>
-              <a:t>There isn't specifically a per-route way of having formatters, but there is a </a:t>
-            </a:r>
-            <a:r>
-              <a:rPr kumimoji="0" lang="en-US" altLang="en-US" sz="900" b="0" i="0" u="none" strike="noStrike" cap="none" normalizeH="0" baseline="0" dirty="0">
-                <a:ln>
-                  <a:noFill/>
-                </a:ln>
-                <a:solidFill>
-                  <a:srgbClr val="242729"/>
-                </a:solidFill>
-                <a:effectLst/>
-                <a:latin typeface="Consolas" panose="020B0609020204030204" pitchFamily="49" charset="0"/>
-                <a:cs typeface="Arial" panose="020B0604020202020204" pitchFamily="34" charset="0"/>
-              </a:rPr>
-              <a:t>per-controller configuration</a:t>
-            </a:r>
-            <a:r>
-              <a:rPr kumimoji="0" lang="en-US" altLang="en-US" sz="1100" b="0" i="0" u="none" strike="noStrike" cap="none" normalizeH="0" baseline="0" dirty="0">
-                <a:ln>
-                  <a:noFill/>
-                </a:ln>
-                <a:solidFill>
-                  <a:srgbClr val="242729"/>
-                </a:solidFill>
-                <a:effectLst/>
-                <a:latin typeface="inherit"/>
-                <a:cs typeface="Arial" panose="020B0604020202020204" pitchFamily="34" charset="0"/>
-              </a:rPr>
-              <a:t> which you can use to have specific formatters. For example, in your scenario you could have a common base controller for certain set of controllers and decorate that base controller with the per-controller configuration attribute.</a:t>
-            </a:r>
-            <a:endParaRPr kumimoji="0" lang="en-US" altLang="en-US" sz="1100" b="0" i="0" u="none" strike="noStrike" cap="none" normalizeH="0" baseline="0" dirty="0">
-              <a:ln>
-                <a:noFill/>
-              </a:ln>
-              <a:solidFill>
-                <a:srgbClr val="242729"/>
-              </a:solidFill>
-              <a:effectLst/>
-              <a:latin typeface="Arial" panose="020B0604020202020204" pitchFamily="34" charset="0"/>
-              <a:cs typeface="Arial" panose="020B0604020202020204" pitchFamily="34" charset="0"/>
-            </a:endParaRPr>
-          </a:p>
-          <a:p>
-            <a:pPr marL="0" marR="0" lvl="0" indent="0" algn="l" defTabSz="914400" rtl="0" eaLnBrk="0" fontAlgn="base" latinLnBrk="0" hangingPunct="0">
-              <a:lnSpc>
-                <a:spcPct val="100000"/>
-              </a:lnSpc>
-              <a:spcBef>
-                <a:spcPct val="0"/>
-              </a:spcBef>
-              <a:spcAft>
-                <a:spcPct val="0"/>
-              </a:spcAft>
-              <a:buClrTx/>
-              <a:buSzTx/>
-              <a:buFontTx/>
-              <a:buNone/>
-              <a:tabLst/>
+            <a:endParaRPr lang="en-US" sz="2400" dirty="0"/>
+          </a:p>
+          <a:p>
+            <a:pPr marL="342900" indent="-342900">
+              <a:buAutoNum type="arabicPeriod"/>
             </a:pPr>
             <a:r>
-              <a:rPr kumimoji="0" lang="en-US" altLang="en-US" sz="1100" b="0" i="0" u="none" strike="noStrike" cap="none" normalizeH="0" baseline="0" dirty="0">
-                <a:ln>
-                  <a:noFill/>
-                </a:ln>
-                <a:solidFill>
-                  <a:srgbClr val="242729"/>
-                </a:solidFill>
-                <a:effectLst/>
-                <a:latin typeface="inherit"/>
-                <a:cs typeface="Arial" panose="020B0604020202020204" pitchFamily="34" charset="0"/>
-              </a:rPr>
-              <a:t>Web API Sample for creating a per-controller </a:t>
-            </a:r>
-            <a:r>
-              <a:rPr kumimoji="0" lang="en-US" altLang="en-US" sz="1100" b="0" i="0" u="none" strike="noStrike" cap="none" normalizeH="0" baseline="0" dirty="0" err="1">
-                <a:ln>
-                  <a:noFill/>
-                </a:ln>
-                <a:solidFill>
-                  <a:srgbClr val="242729"/>
-                </a:solidFill>
-                <a:effectLst/>
-                <a:latin typeface="inherit"/>
-                <a:cs typeface="Arial" panose="020B0604020202020204" pitchFamily="34" charset="0"/>
-              </a:rPr>
-              <a:t>configuration:</a:t>
-            </a:r>
-            <a:r>
-              <a:rPr kumimoji="0" lang="en-US" altLang="en-US" sz="1100" b="0" i="0" u="none" strike="noStrike" cap="none" normalizeH="0" baseline="0" dirty="0" err="1">
-                <a:ln>
-                  <a:noFill/>
-                </a:ln>
-                <a:solidFill>
-                  <a:srgbClr val="005999"/>
-                </a:solidFill>
-                <a:effectLst/>
-                <a:latin typeface="inherit"/>
-                <a:cs typeface="Arial" panose="020B0604020202020204" pitchFamily="34" charset="0"/>
-                <a:hlinkClick r:id="rId2"/>
-              </a:rPr>
-              <a:t>http</a:t>
-            </a:r>
-            <a:r>
-              <a:rPr kumimoji="0" lang="en-US" altLang="en-US" sz="1100" b="0" i="0" u="none" strike="noStrike" cap="none" normalizeH="0" baseline="0" dirty="0">
-                <a:ln>
-                  <a:noFill/>
-                </a:ln>
-                <a:solidFill>
-                  <a:srgbClr val="005999"/>
-                </a:solidFill>
-                <a:effectLst/>
-                <a:latin typeface="inherit"/>
-                <a:cs typeface="Arial" panose="020B0604020202020204" pitchFamily="34" charset="0"/>
-                <a:hlinkClick r:id="rId2"/>
-              </a:rPr>
-              <a:t>://aspnet.codeplex.com/</a:t>
-            </a:r>
-            <a:r>
-              <a:rPr kumimoji="0" lang="en-US" altLang="en-US" sz="1100" b="0" i="0" u="none" strike="noStrike" cap="none" normalizeH="0" baseline="0" dirty="0" err="1">
-                <a:ln>
-                  <a:noFill/>
-                </a:ln>
-                <a:solidFill>
-                  <a:srgbClr val="005999"/>
-                </a:solidFill>
-                <a:effectLst/>
-                <a:latin typeface="inherit"/>
-                <a:cs typeface="Arial" panose="020B0604020202020204" pitchFamily="34" charset="0"/>
-                <a:hlinkClick r:id="rId2"/>
-              </a:rPr>
-              <a:t>SourceControl</a:t>
-            </a:r>
-            <a:r>
-              <a:rPr kumimoji="0" lang="en-US" altLang="en-US" sz="1100" b="0" i="0" u="none" strike="noStrike" cap="none" normalizeH="0" baseline="0" dirty="0">
-                <a:ln>
-                  <a:noFill/>
-                </a:ln>
-                <a:solidFill>
-                  <a:srgbClr val="005999"/>
-                </a:solidFill>
-                <a:effectLst/>
-                <a:latin typeface="inherit"/>
-                <a:cs typeface="Arial" panose="020B0604020202020204" pitchFamily="34" charset="0"/>
-                <a:hlinkClick r:id="rId2"/>
-              </a:rPr>
-              <a:t>/</a:t>
-            </a:r>
-            <a:r>
-              <a:rPr kumimoji="0" lang="en-US" altLang="en-US" sz="1100" b="0" i="0" u="none" strike="noStrike" cap="none" normalizeH="0" baseline="0" dirty="0" err="1">
-                <a:ln>
-                  <a:noFill/>
-                </a:ln>
-                <a:solidFill>
-                  <a:srgbClr val="005999"/>
-                </a:solidFill>
-                <a:effectLst/>
-                <a:latin typeface="inherit"/>
-                <a:cs typeface="Arial" panose="020B0604020202020204" pitchFamily="34" charset="0"/>
-                <a:hlinkClick r:id="rId2"/>
-              </a:rPr>
-              <a:t>latest#Samples</a:t>
-            </a:r>
-            <a:r>
-              <a:rPr kumimoji="0" lang="en-US" altLang="en-US" sz="1100" b="0" i="0" u="none" strike="noStrike" cap="none" normalizeH="0" baseline="0" dirty="0">
-                <a:ln>
-                  <a:noFill/>
-                </a:ln>
-                <a:solidFill>
-                  <a:srgbClr val="005999"/>
-                </a:solidFill>
-                <a:effectLst/>
-                <a:latin typeface="inherit"/>
-                <a:cs typeface="Arial" panose="020B0604020202020204" pitchFamily="34" charset="0"/>
-                <a:hlinkClick r:id="rId2"/>
-              </a:rPr>
-              <a:t>/</a:t>
-            </a:r>
-            <a:r>
-              <a:rPr kumimoji="0" lang="en-US" altLang="en-US" sz="1100" b="0" i="0" u="none" strike="noStrike" cap="none" normalizeH="0" baseline="0" dirty="0" err="1">
-                <a:ln>
-                  <a:noFill/>
-                </a:ln>
-                <a:solidFill>
-                  <a:srgbClr val="005999"/>
-                </a:solidFill>
-                <a:effectLst/>
-                <a:latin typeface="inherit"/>
-                <a:cs typeface="Arial" panose="020B0604020202020204" pitchFamily="34" charset="0"/>
-                <a:hlinkClick r:id="rId2"/>
-              </a:rPr>
-              <a:t>WebApi</a:t>
-            </a:r>
-            <a:r>
-              <a:rPr kumimoji="0" lang="en-US" altLang="en-US" sz="1100" b="0" i="0" u="none" strike="noStrike" cap="none" normalizeH="0" baseline="0" dirty="0">
-                <a:ln>
-                  <a:noFill/>
-                </a:ln>
-                <a:solidFill>
-                  <a:srgbClr val="005999"/>
-                </a:solidFill>
-                <a:effectLst/>
-                <a:latin typeface="inherit"/>
-                <a:cs typeface="Arial" panose="020B0604020202020204" pitchFamily="34" charset="0"/>
-                <a:hlinkClick r:id="rId2"/>
-              </a:rPr>
-              <a:t>/</a:t>
-            </a:r>
-            <a:r>
-              <a:rPr kumimoji="0" lang="en-US" altLang="en-US" sz="1100" b="0" i="0" u="none" strike="noStrike" cap="none" normalizeH="0" baseline="0" dirty="0" err="1">
-                <a:ln>
-                  <a:noFill/>
-                </a:ln>
-                <a:solidFill>
-                  <a:srgbClr val="005999"/>
-                </a:solidFill>
-                <a:effectLst/>
-                <a:latin typeface="inherit"/>
-                <a:cs typeface="Arial" panose="020B0604020202020204" pitchFamily="34" charset="0"/>
-                <a:hlinkClick r:id="rId2"/>
-              </a:rPr>
-              <a:t>ControllerSpecificConfigSample</a:t>
-            </a:r>
-            <a:r>
-              <a:rPr kumimoji="0" lang="en-US" altLang="en-US" sz="1100" b="0" i="0" u="none" strike="noStrike" cap="none" normalizeH="0" baseline="0" dirty="0">
-                <a:ln>
-                  <a:noFill/>
-                </a:ln>
-                <a:solidFill>
-                  <a:srgbClr val="005999"/>
-                </a:solidFill>
-                <a:effectLst/>
-                <a:latin typeface="inherit"/>
-                <a:cs typeface="Arial" panose="020B0604020202020204" pitchFamily="34" charset="0"/>
-                <a:hlinkClick r:id="rId2"/>
-              </a:rPr>
-              <a:t>/ReadMe.txt</a:t>
-            </a:r>
-            <a:endParaRPr kumimoji="0" lang="en-US" altLang="en-US" sz="800" b="0" i="0" u="none" strike="noStrike" cap="none" normalizeH="0" baseline="0" dirty="0">
-              <a:ln>
-                <a:noFill/>
-              </a:ln>
-              <a:solidFill>
-                <a:schemeClr val="tx1"/>
-              </a:solidFill>
-              <a:effectLst/>
-            </a:endParaRPr>
-          </a:p>
-          <a:p>
-            <a:pPr marL="0" marR="0" lvl="0" indent="0" algn="l" defTabSz="914400" rtl="0" eaLnBrk="0" fontAlgn="base" latinLnBrk="0" hangingPunct="0">
-              <a:lnSpc>
-                <a:spcPct val="100000"/>
-              </a:lnSpc>
-              <a:spcBef>
-                <a:spcPct val="0"/>
-              </a:spcBef>
-              <a:spcAft>
-                <a:spcPct val="0"/>
-              </a:spcAft>
-              <a:buClrTx/>
-              <a:buSzTx/>
-              <a:buFontTx/>
-              <a:buNone/>
-              <a:tabLst/>
+              <a:rPr lang="en-US" sz="2400" dirty="0"/>
+              <a:t>The default implementation is provided by the </a:t>
+            </a:r>
+            <a:r>
+              <a:rPr lang="en-US" sz="2400" b="1" dirty="0" err="1">
+                <a:solidFill>
+                  <a:schemeClr val="accent1">
+                    <a:lumMod val="75000"/>
+                  </a:schemeClr>
+                </a:solidFill>
+              </a:rPr>
+              <a:t>ApiControllerActionSelector</a:t>
+            </a:r>
+            <a:r>
+              <a:rPr lang="en-US" sz="2400" dirty="0"/>
+              <a:t> class.</a:t>
+            </a:r>
+          </a:p>
+          <a:p>
+            <a:pPr marL="342900" indent="-342900">
+              <a:buAutoNum type="arabicPeriod"/>
             </a:pPr>
-            <a:br>
-              <a:rPr kumimoji="0" lang="en-US" altLang="en-US" sz="1800" b="0" i="0" u="none" strike="noStrike" cap="none" normalizeH="0" baseline="0" dirty="0">
-                <a:ln>
-                  <a:noFill/>
-                </a:ln>
-                <a:solidFill>
-                  <a:schemeClr val="tx1"/>
-                </a:solidFill>
-                <a:effectLst/>
-                <a:latin typeface="Arial" panose="020B0604020202020204" pitchFamily="34" charset="0"/>
-              </a:rPr>
-            </a:br>
-            <a:endParaRPr kumimoji="0" lang="en-US" altLang="en-US" sz="1800" b="0" i="0" u="none" strike="noStrike" cap="none" normalizeH="0" baseline="0" dirty="0">
-              <a:ln>
-                <a:noFill/>
-              </a:ln>
-              <a:solidFill>
-                <a:schemeClr val="tx1"/>
-              </a:solidFill>
-              <a:effectLst/>
-              <a:latin typeface="Arial" panose="020B0604020202020204" pitchFamily="34" charset="0"/>
-            </a:endParaRPr>
+            <a:endParaRPr lang="en-US" sz="2400" dirty="0"/>
+          </a:p>
+          <a:p>
+            <a:pPr marL="342900" indent="-342900">
+              <a:buAutoNum type="arabicPeriod"/>
+            </a:pPr>
+            <a:r>
+              <a:rPr lang="en-US" sz="2400" dirty="0"/>
+              <a:t>To select an action, it looks at the following:</a:t>
+            </a:r>
+          </a:p>
+          <a:p>
+            <a:pPr marL="800100" lvl="1" indent="-342900">
+              <a:buFont typeface="Arial" panose="020B0604020202020204" pitchFamily="34" charset="0"/>
+              <a:buChar char="•"/>
+            </a:pPr>
+            <a:r>
+              <a:rPr lang="en-US" sz="2400" dirty="0"/>
+              <a:t>The HTTP method of the request.</a:t>
+            </a:r>
+          </a:p>
+          <a:p>
+            <a:pPr marL="800100" lvl="1" indent="-342900">
+              <a:buFont typeface="Arial" panose="020B0604020202020204" pitchFamily="34" charset="0"/>
+              <a:buChar char="•"/>
+            </a:pPr>
+            <a:r>
+              <a:rPr lang="en-US" sz="2400" dirty="0"/>
+              <a:t>The "{action}" placeholder in the route template, if present.</a:t>
+            </a:r>
+          </a:p>
+          <a:p>
+            <a:pPr marL="800100" lvl="1" indent="-342900">
+              <a:buFont typeface="Arial" panose="020B0604020202020204" pitchFamily="34" charset="0"/>
+              <a:buChar char="•"/>
+            </a:pPr>
+            <a:r>
+              <a:rPr lang="en-US" sz="2400" dirty="0"/>
+              <a:t>The parameters of the actions on the controller.</a:t>
+            </a:r>
+            <a:endParaRPr lang="en-US" sz="2400" dirty="0"/>
           </a:p>
         </p:txBody>
       </p:sp>
     </p:spTree>
     <p:extLst>
       <p:ext uri="{BB962C8B-B14F-4D97-AF65-F5344CB8AC3E}">
-        <p14:creationId xmlns:p14="http://schemas.microsoft.com/office/powerpoint/2010/main" val="1773433"/>
+        <p14:creationId xmlns:p14="http://schemas.microsoft.com/office/powerpoint/2010/main" val="862820670"/>
       </p:ext>
     </p:extLst>
   </p:cSld>
@@ -4401,61 +5699,792 @@
           <a:p>
             <a:r>
               <a:rPr lang="en-US" dirty="0"/>
-              <a:t>Purpose of this talk</a:t>
-            </a:r>
-          </a:p>
-        </p:txBody>
-      </p:sp>
-      <p:sp>
-        <p:nvSpPr>
-          <p:cNvPr id="4" name="Content Placeholder 3"/>
-          <p:cNvSpPr>
-            <a:spLocks noGrp="1"/>
-          </p:cNvSpPr>
-          <p:nvPr>
-            <p:ph idx="1"/>
-          </p:nvPr>
-        </p:nvSpPr>
-        <p:spPr/>
-        <p:txBody>
-          <a:bodyPr/>
-          <a:lstStyle/>
-          <a:p>
-            <a:r>
-              <a:rPr lang="en-US" dirty="0"/>
-              <a:t>Resources</a:t>
-            </a:r>
-          </a:p>
-          <a:p>
-            <a:r>
-              <a:rPr lang="en-US" dirty="0">
-                <a:hlinkClick r:id="rId2"/>
-              </a:rPr>
-              <a:t>https://www.simple-talk.com/dotnet/net-framework/an-introduction-to-asp-net-mvc-extensibility/</a:t>
-            </a:r>
-            <a:endParaRPr lang="en-US" dirty="0"/>
-          </a:p>
-          <a:p>
-            <a:r>
-              <a:rPr lang="en-US" dirty="0">
-                <a:hlinkClick r:id="rId3"/>
-              </a:rPr>
-              <a:t>https://www.simple-talk.com/wp-content/uploads/imported/1358-ASP.NET%20MVC%20Pipeline.pdf</a:t>
-            </a:r>
-            <a:endParaRPr lang="en-US" dirty="0"/>
-          </a:p>
-          <a:p>
-            <a:endParaRPr lang="en-US" dirty="0"/>
-          </a:p>
-          <a:p>
-            <a:endParaRPr lang="en-US" dirty="0"/>
+              <a:t> HTTP MESSAGE LIFECYLE</a:t>
+            </a:r>
+          </a:p>
+        </p:txBody>
+      </p:sp>
+      <p:sp>
+        <p:nvSpPr>
+          <p:cNvPr id="3" name="TextBox 2"/>
+          <p:cNvSpPr txBox="1"/>
+          <p:nvPr/>
+        </p:nvSpPr>
+        <p:spPr>
+          <a:xfrm>
+            <a:off x="1455438" y="694159"/>
+            <a:ext cx="10510576" cy="892552"/>
+          </a:xfrm>
+          <a:prstGeom prst="rect">
+            <a:avLst/>
+          </a:prstGeom>
+          <a:noFill/>
+        </p:spPr>
+        <p:txBody>
+          <a:bodyPr wrap="square" rtlCol="0">
+            <a:spAutoFit/>
+          </a:bodyPr>
+          <a:lstStyle/>
+          <a:p>
+            <a:r>
+              <a:rPr lang="en-US" sz="2800" b="1" dirty="0"/>
+              <a:t>Action Invoker</a:t>
+            </a:r>
+          </a:p>
+          <a:p>
+            <a:pPr marL="342900" indent="-342900">
+              <a:buAutoNum type="arabicPeriod"/>
+            </a:pPr>
+            <a:endParaRPr lang="en-US" sz="2400" dirty="0"/>
           </a:p>
         </p:txBody>
       </p:sp>
     </p:spTree>
     <p:extLst>
       <p:ext uri="{BB962C8B-B14F-4D97-AF65-F5344CB8AC3E}">
-        <p14:creationId xmlns:p14="http://schemas.microsoft.com/office/powerpoint/2010/main" val="3073367794"/>
+        <p14:creationId xmlns:p14="http://schemas.microsoft.com/office/powerpoint/2010/main" val="1540880519"/>
+      </p:ext>
+    </p:extLst>
+  </p:cSld>
+  <p:clrMapOvr>
+    <a:masterClrMapping/>
+  </p:clrMapOvr>
+</p:sld>
+</file>
+
+<file path=ppt/slides/slide14.xml><?xml version="1.0" encoding="utf-8"?>
+<p:sld xmlns:a="http://schemas.openxmlformats.org/drawingml/2006/main" xmlns:r="http://schemas.openxmlformats.org/officeDocument/2006/relationships" xmlns:p="http://schemas.openxmlformats.org/presentationml/2006/main">
+  <p:cSld>
+    <p:spTree>
+      <p:nvGrpSpPr>
+        <p:cNvPr id="1" name=""/>
+        <p:cNvGrpSpPr/>
+        <p:nvPr/>
+      </p:nvGrpSpPr>
+      <p:grpSpPr>
+        <a:xfrm>
+          <a:off x="0" y="0"/>
+          <a:ext cx="0" cy="0"/>
+          <a:chOff x="0" y="0"/>
+          <a:chExt cx="0" cy="0"/>
+        </a:xfrm>
+      </p:grpSpPr>
+      <p:sp>
+        <p:nvSpPr>
+          <p:cNvPr id="4" name="Rectangle 3"/>
+          <p:cNvSpPr/>
+          <p:nvPr/>
+        </p:nvSpPr>
+        <p:spPr>
+          <a:xfrm>
+            <a:off x="1356360" y="2641433"/>
+            <a:ext cx="10347960" cy="923330"/>
+          </a:xfrm>
+          <a:prstGeom prst="rect">
+            <a:avLst/>
+          </a:prstGeom>
+        </p:spPr>
+        <p:txBody>
+          <a:bodyPr wrap="square">
+            <a:spAutoFit/>
+          </a:bodyPr>
+          <a:lstStyle/>
+          <a:p>
+            <a:pPr algn="ctr"/>
+            <a:r>
+              <a:rPr lang="en-US" sz="5400" b="1" dirty="0"/>
+              <a:t>Model Binding</a:t>
+            </a:r>
+            <a:endParaRPr lang="en-US" sz="5400" dirty="0"/>
+          </a:p>
+        </p:txBody>
+      </p:sp>
+    </p:spTree>
+    <p:extLst>
+      <p:ext uri="{BB962C8B-B14F-4D97-AF65-F5344CB8AC3E}">
+        <p14:creationId xmlns:p14="http://schemas.microsoft.com/office/powerpoint/2010/main" val="1164928332"/>
+      </p:ext>
+    </p:extLst>
+  </p:cSld>
+  <p:clrMapOvr>
+    <a:masterClrMapping/>
+  </p:clrMapOvr>
+</p:sld>
+</file>
+
+<file path=ppt/slides/slide15.xml><?xml version="1.0" encoding="utf-8"?>
+<p:sld xmlns:a="http://schemas.openxmlformats.org/drawingml/2006/main" xmlns:r="http://schemas.openxmlformats.org/officeDocument/2006/relationships" xmlns:p="http://schemas.openxmlformats.org/presentationml/2006/main">
+  <p:cSld>
+    <p:spTree>
+      <p:nvGrpSpPr>
+        <p:cNvPr id="1" name=""/>
+        <p:cNvGrpSpPr/>
+        <p:nvPr/>
+      </p:nvGrpSpPr>
+      <p:grpSpPr>
+        <a:xfrm>
+          <a:off x="0" y="0"/>
+          <a:ext cx="0" cy="0"/>
+          <a:chOff x="0" y="0"/>
+          <a:chExt cx="0" cy="0"/>
+        </a:xfrm>
+      </p:grpSpPr>
+      <p:sp>
+        <p:nvSpPr>
+          <p:cNvPr id="2" name="Title 1"/>
+          <p:cNvSpPr>
+            <a:spLocks noGrp="1"/>
+          </p:cNvSpPr>
+          <p:nvPr>
+            <p:ph type="title"/>
+          </p:nvPr>
+        </p:nvSpPr>
+        <p:spPr/>
+        <p:txBody>
+          <a:bodyPr/>
+          <a:lstStyle/>
+          <a:p>
+            <a:r>
+              <a:rPr lang="en-US" dirty="0"/>
+              <a:t> </a:t>
+            </a:r>
+            <a:r>
+              <a:rPr lang="en-US" dirty="0"/>
+              <a:t>Filters</a:t>
+            </a:r>
+            <a:endParaRPr lang="en-US" dirty="0"/>
+          </a:p>
+        </p:txBody>
+      </p:sp>
+      <p:sp>
+        <p:nvSpPr>
+          <p:cNvPr id="5" name="TextBox 4"/>
+          <p:cNvSpPr txBox="1"/>
+          <p:nvPr/>
+        </p:nvSpPr>
+        <p:spPr>
+          <a:xfrm>
+            <a:off x="1455438" y="694159"/>
+            <a:ext cx="10510576" cy="5324535"/>
+          </a:xfrm>
+          <a:prstGeom prst="rect">
+            <a:avLst/>
+          </a:prstGeom>
+          <a:noFill/>
+        </p:spPr>
+        <p:txBody>
+          <a:bodyPr wrap="square" rtlCol="0">
+            <a:spAutoFit/>
+          </a:bodyPr>
+          <a:lstStyle/>
+          <a:p>
+            <a:r>
+              <a:rPr lang="en-US" sz="2800" b="1" dirty="0"/>
+              <a:t>What we have to know?</a:t>
+            </a:r>
+          </a:p>
+          <a:p>
+            <a:pPr marL="342900" indent="-342900">
+              <a:buAutoNum type="arabicPeriod"/>
+            </a:pPr>
+            <a:endParaRPr lang="en-US" sz="2400" dirty="0"/>
+          </a:p>
+          <a:p>
+            <a:pPr marL="342900" indent="-342900">
+              <a:buAutoNum type="arabicPeriod"/>
+            </a:pPr>
+            <a:r>
+              <a:rPr lang="en-US" sz="2400" dirty="0"/>
+              <a:t>Model binding occurs just before the execution of the action filters.</a:t>
+            </a:r>
+          </a:p>
+          <a:p>
+            <a:pPr marL="342900" indent="-342900">
+              <a:buAutoNum type="arabicPeriod"/>
+            </a:pPr>
+            <a:endParaRPr lang="en-US" sz="2400" dirty="0"/>
+          </a:p>
+          <a:p>
+            <a:pPr marL="342900" indent="-342900">
+              <a:buAutoNum type="arabicPeriod"/>
+            </a:pPr>
+            <a:r>
+              <a:rPr lang="en-US" sz="2400" dirty="0"/>
+              <a:t>Model binding uses the request to create values for the parameters of the action.</a:t>
+            </a:r>
+          </a:p>
+          <a:p>
+            <a:pPr marL="342900" indent="-342900">
+              <a:buAutoNum type="arabicPeriod"/>
+            </a:pPr>
+            <a:endParaRPr lang="en-US" sz="2400" dirty="0"/>
+          </a:p>
+          <a:p>
+            <a:pPr marL="342900" indent="-342900">
+              <a:buFontTx/>
+              <a:buAutoNum type="arabicPeriod"/>
+            </a:pPr>
+            <a:r>
+              <a:rPr lang="en-US" sz="2400" dirty="0"/>
+              <a:t>Web </a:t>
+            </a:r>
+            <a:r>
+              <a:rPr lang="en-US" sz="2400" dirty="0" err="1"/>
+              <a:t>Api</a:t>
+            </a:r>
+            <a:r>
+              <a:rPr lang="en-US" sz="2400" dirty="0"/>
+              <a:t> uses 2 techniques for binding parameters: Model Binding and Formatters. </a:t>
+            </a:r>
+          </a:p>
+          <a:p>
+            <a:pPr marL="342900" indent="-342900">
+              <a:buAutoNum type="arabicPeriod"/>
+            </a:pPr>
+            <a:endParaRPr lang="en-US" sz="2400" dirty="0"/>
+          </a:p>
+          <a:p>
+            <a:pPr marL="342900" indent="-342900">
+              <a:buAutoNum type="arabicPeriod"/>
+            </a:pPr>
+            <a:r>
+              <a:rPr lang="en-US" sz="2400" dirty="0"/>
+              <a:t>By default the “simple” types are read from the URI and “complex” types from the body. This </a:t>
+            </a:r>
+            <a:r>
+              <a:rPr lang="en-US" sz="2400" dirty="0" err="1"/>
+              <a:t>behaveour</a:t>
+            </a:r>
+            <a:r>
+              <a:rPr lang="en-US" sz="2400" dirty="0"/>
+              <a:t> can be override by attributes [</a:t>
+            </a:r>
+            <a:r>
+              <a:rPr lang="en-US" sz="2400" dirty="0" err="1"/>
+              <a:t>FromUri</a:t>
+            </a:r>
+            <a:r>
+              <a:rPr lang="en-US" sz="2400" dirty="0"/>
+              <a:t>], [</a:t>
+            </a:r>
+            <a:r>
+              <a:rPr lang="en-US" sz="2400" dirty="0" err="1"/>
+              <a:t>FromBody</a:t>
+            </a:r>
+            <a:r>
+              <a:rPr lang="en-US" sz="2400" dirty="0"/>
+              <a:t>], [</a:t>
+            </a:r>
+            <a:r>
+              <a:rPr lang="en-US" sz="2400" dirty="0" err="1"/>
+              <a:t>ModelBinder</a:t>
+            </a:r>
+            <a:r>
+              <a:rPr lang="en-US" sz="2400" dirty="0"/>
+              <a:t>].</a:t>
+            </a:r>
+          </a:p>
+          <a:p>
+            <a:pPr marL="342900" indent="-342900">
+              <a:buAutoNum type="arabicPeriod"/>
+            </a:pPr>
+            <a:endParaRPr lang="en-US" sz="2400" dirty="0"/>
+          </a:p>
+        </p:txBody>
+      </p:sp>
+    </p:spTree>
+    <p:extLst>
+      <p:ext uri="{BB962C8B-B14F-4D97-AF65-F5344CB8AC3E}">
+        <p14:creationId xmlns:p14="http://schemas.microsoft.com/office/powerpoint/2010/main" val="1605307253"/>
+      </p:ext>
+    </p:extLst>
+  </p:cSld>
+  <p:clrMapOvr>
+    <a:masterClrMapping/>
+  </p:clrMapOvr>
+</p:sld>
+</file>
+
+<file path=ppt/slides/slide16.xml><?xml version="1.0" encoding="utf-8"?>
+<p:sld xmlns:a="http://schemas.openxmlformats.org/drawingml/2006/main" xmlns:r="http://schemas.openxmlformats.org/officeDocument/2006/relationships" xmlns:p="http://schemas.openxmlformats.org/presentationml/2006/main">
+  <p:cSld>
+    <p:spTree>
+      <p:nvGrpSpPr>
+        <p:cNvPr id="1" name=""/>
+        <p:cNvGrpSpPr/>
+        <p:nvPr/>
+      </p:nvGrpSpPr>
+      <p:grpSpPr>
+        <a:xfrm>
+          <a:off x="0" y="0"/>
+          <a:ext cx="0" cy="0"/>
+          <a:chOff x="0" y="0"/>
+          <a:chExt cx="0" cy="0"/>
+        </a:xfrm>
+      </p:grpSpPr>
+      <p:sp>
+        <p:nvSpPr>
+          <p:cNvPr id="2" name="Title 1"/>
+          <p:cNvSpPr>
+            <a:spLocks noGrp="1"/>
+          </p:cNvSpPr>
+          <p:nvPr>
+            <p:ph type="title"/>
+          </p:nvPr>
+        </p:nvSpPr>
+        <p:spPr/>
+        <p:txBody>
+          <a:bodyPr/>
+          <a:lstStyle/>
+          <a:p>
+            <a:r>
+              <a:rPr lang="en-US" dirty="0"/>
+              <a:t>Filters</a:t>
+            </a:r>
+          </a:p>
+        </p:txBody>
+      </p:sp>
+    </p:spTree>
+    <p:extLst>
+      <p:ext uri="{BB962C8B-B14F-4D97-AF65-F5344CB8AC3E}">
+        <p14:creationId xmlns:p14="http://schemas.microsoft.com/office/powerpoint/2010/main" val="1436290697"/>
+      </p:ext>
+    </p:extLst>
+  </p:cSld>
+  <p:clrMapOvr>
+    <a:masterClrMapping/>
+  </p:clrMapOvr>
+</p:sld>
+</file>
+
+<file path=ppt/slides/slide17.xml><?xml version="1.0" encoding="utf-8"?>
+<p:sld xmlns:a="http://schemas.openxmlformats.org/drawingml/2006/main" xmlns:r="http://schemas.openxmlformats.org/officeDocument/2006/relationships" xmlns:p="http://schemas.openxmlformats.org/presentationml/2006/main">
+  <p:cSld>
+    <p:spTree>
+      <p:nvGrpSpPr>
+        <p:cNvPr id="1" name=""/>
+        <p:cNvGrpSpPr/>
+        <p:nvPr/>
+      </p:nvGrpSpPr>
+      <p:grpSpPr>
+        <a:xfrm>
+          <a:off x="0" y="0"/>
+          <a:ext cx="0" cy="0"/>
+          <a:chOff x="0" y="0"/>
+          <a:chExt cx="0" cy="0"/>
+        </a:xfrm>
+      </p:grpSpPr>
+      <p:sp>
+        <p:nvSpPr>
+          <p:cNvPr id="4" name="Rectangle 3"/>
+          <p:cNvSpPr/>
+          <p:nvPr/>
+        </p:nvSpPr>
+        <p:spPr>
+          <a:xfrm>
+            <a:off x="5242259" y="2641433"/>
+            <a:ext cx="1935851" cy="923330"/>
+          </a:xfrm>
+          <a:prstGeom prst="rect">
+            <a:avLst/>
+          </a:prstGeom>
+        </p:spPr>
+        <p:txBody>
+          <a:bodyPr wrap="none">
+            <a:spAutoFit/>
+          </a:bodyPr>
+          <a:lstStyle/>
+          <a:p>
+            <a:r>
+              <a:rPr lang="en-US" sz="5400" b="1" dirty="0"/>
+              <a:t>Filters</a:t>
+            </a:r>
+            <a:endParaRPr lang="en-US" sz="5400" dirty="0"/>
+          </a:p>
+        </p:txBody>
+      </p:sp>
+    </p:spTree>
+    <p:extLst>
+      <p:ext uri="{BB962C8B-B14F-4D97-AF65-F5344CB8AC3E}">
+        <p14:creationId xmlns:p14="http://schemas.microsoft.com/office/powerpoint/2010/main" val="3962183423"/>
+      </p:ext>
+    </p:extLst>
+  </p:cSld>
+  <p:clrMapOvr>
+    <a:masterClrMapping/>
+  </p:clrMapOvr>
+</p:sld>
+</file>
+
+<file path=ppt/slides/slide18.xml><?xml version="1.0" encoding="utf-8"?>
+<p:sld xmlns:a="http://schemas.openxmlformats.org/drawingml/2006/main" xmlns:r="http://schemas.openxmlformats.org/officeDocument/2006/relationships" xmlns:p="http://schemas.openxmlformats.org/presentationml/2006/main">
+  <p:cSld>
+    <p:spTree>
+      <p:nvGrpSpPr>
+        <p:cNvPr id="1" name=""/>
+        <p:cNvGrpSpPr/>
+        <p:nvPr/>
+      </p:nvGrpSpPr>
+      <p:grpSpPr>
+        <a:xfrm>
+          <a:off x="0" y="0"/>
+          <a:ext cx="0" cy="0"/>
+          <a:chOff x="0" y="0"/>
+          <a:chExt cx="0" cy="0"/>
+        </a:xfrm>
+      </p:grpSpPr>
+      <p:sp>
+        <p:nvSpPr>
+          <p:cNvPr id="2" name="Title 1"/>
+          <p:cNvSpPr>
+            <a:spLocks noGrp="1"/>
+          </p:cNvSpPr>
+          <p:nvPr>
+            <p:ph type="title"/>
+          </p:nvPr>
+        </p:nvSpPr>
+        <p:spPr/>
+        <p:txBody>
+          <a:bodyPr/>
+          <a:lstStyle/>
+          <a:p>
+            <a:r>
+              <a:rPr lang="en-US" dirty="0"/>
+              <a:t> </a:t>
+            </a:r>
+            <a:r>
+              <a:rPr lang="en-US" dirty="0"/>
+              <a:t>Filters</a:t>
+            </a:r>
+            <a:endParaRPr lang="en-US" dirty="0"/>
+          </a:p>
+        </p:txBody>
+      </p:sp>
+      <p:sp>
+        <p:nvSpPr>
+          <p:cNvPr id="5" name="TextBox 4"/>
+          <p:cNvSpPr txBox="1"/>
+          <p:nvPr/>
+        </p:nvSpPr>
+        <p:spPr>
+          <a:xfrm>
+            <a:off x="1455438" y="694159"/>
+            <a:ext cx="10510576" cy="2739211"/>
+          </a:xfrm>
+          <a:prstGeom prst="rect">
+            <a:avLst/>
+          </a:prstGeom>
+          <a:noFill/>
+        </p:spPr>
+        <p:txBody>
+          <a:bodyPr wrap="square" rtlCol="0">
+            <a:spAutoFit/>
+          </a:bodyPr>
+          <a:lstStyle/>
+          <a:p>
+            <a:r>
+              <a:rPr lang="en-US" sz="2800" b="1" dirty="0"/>
+              <a:t>What we have to know?</a:t>
+            </a:r>
+          </a:p>
+          <a:p>
+            <a:pPr marL="342900" indent="-342900">
+              <a:buAutoNum type="arabicPeriod"/>
+            </a:pPr>
+            <a:endParaRPr lang="en-US" sz="2400" dirty="0"/>
+          </a:p>
+          <a:p>
+            <a:pPr marL="342900" indent="-342900">
+              <a:buAutoNum type="arabicPeriod"/>
+            </a:pPr>
+            <a:r>
+              <a:rPr lang="en-US" sz="2400" dirty="0"/>
+              <a:t>Filters add extra logic before or after action method executes.</a:t>
+            </a:r>
+          </a:p>
+          <a:p>
+            <a:pPr marL="342900" indent="-342900">
+              <a:buAutoNum type="arabicPeriod"/>
+            </a:pPr>
+            <a:endParaRPr lang="en-US" sz="2400" dirty="0"/>
+          </a:p>
+          <a:p>
+            <a:pPr marL="342900" indent="-342900">
+              <a:buAutoNum type="arabicPeriod"/>
+            </a:pPr>
+            <a:r>
+              <a:rPr lang="en-US" sz="2400" dirty="0"/>
+              <a:t>There are four groups of filters Authentication, Authorization, Action and Exception filters.</a:t>
+            </a:r>
+          </a:p>
+          <a:p>
+            <a:pPr marL="342900" indent="-342900">
+              <a:buAutoNum type="arabicPeriod"/>
+            </a:pPr>
+            <a:endParaRPr lang="en-US" sz="2400" dirty="0"/>
+          </a:p>
+        </p:txBody>
+      </p:sp>
+      <p:pic>
+        <p:nvPicPr>
+          <p:cNvPr id="6" name="Picture 5"/>
+          <p:cNvPicPr>
+            <a:picLocks noChangeAspect="1"/>
+          </p:cNvPicPr>
+          <p:nvPr/>
+        </p:nvPicPr>
+        <p:blipFill>
+          <a:blip r:embed="rId3"/>
+          <a:stretch>
+            <a:fillRect/>
+          </a:stretch>
+        </p:blipFill>
+        <p:spPr>
+          <a:xfrm>
+            <a:off x="1374682" y="3604820"/>
+            <a:ext cx="10591332" cy="2114141"/>
+          </a:xfrm>
+          <a:prstGeom prst="rect">
+            <a:avLst/>
+          </a:prstGeom>
+        </p:spPr>
+      </p:pic>
+    </p:spTree>
+    <p:extLst>
+      <p:ext uri="{BB962C8B-B14F-4D97-AF65-F5344CB8AC3E}">
+        <p14:creationId xmlns:p14="http://schemas.microsoft.com/office/powerpoint/2010/main" val="123416760"/>
+      </p:ext>
+    </p:extLst>
+  </p:cSld>
+  <p:clrMapOvr>
+    <a:masterClrMapping/>
+  </p:clrMapOvr>
+</p:sld>
+</file>
+
+<file path=ppt/slides/slide19.xml><?xml version="1.0" encoding="utf-8"?>
+<p:sld xmlns:a="http://schemas.openxmlformats.org/drawingml/2006/main" xmlns:r="http://schemas.openxmlformats.org/officeDocument/2006/relationships" xmlns:p="http://schemas.openxmlformats.org/presentationml/2006/main">
+  <p:cSld>
+    <p:spTree>
+      <p:nvGrpSpPr>
+        <p:cNvPr id="1" name=""/>
+        <p:cNvGrpSpPr/>
+        <p:nvPr/>
+      </p:nvGrpSpPr>
+      <p:grpSpPr>
+        <a:xfrm>
+          <a:off x="0" y="0"/>
+          <a:ext cx="0" cy="0"/>
+          <a:chOff x="0" y="0"/>
+          <a:chExt cx="0" cy="0"/>
+        </a:xfrm>
+      </p:grpSpPr>
+      <p:sp>
+        <p:nvSpPr>
+          <p:cNvPr id="2" name="Title 1"/>
+          <p:cNvSpPr>
+            <a:spLocks noGrp="1"/>
+          </p:cNvSpPr>
+          <p:nvPr>
+            <p:ph type="title"/>
+          </p:nvPr>
+        </p:nvSpPr>
+        <p:spPr/>
+        <p:txBody>
+          <a:bodyPr/>
+          <a:lstStyle/>
+          <a:p>
+            <a:r>
+              <a:rPr lang="en-US" dirty="0"/>
+              <a:t>Filters</a:t>
+            </a:r>
+          </a:p>
+        </p:txBody>
+      </p:sp>
+      <p:sp>
+        <p:nvSpPr>
+          <p:cNvPr id="5" name="Rectangle 4"/>
+          <p:cNvSpPr/>
+          <p:nvPr/>
+        </p:nvSpPr>
+        <p:spPr>
+          <a:xfrm>
+            <a:off x="1524000" y="744271"/>
+            <a:ext cx="10195652" cy="5262979"/>
+          </a:xfrm>
+          <a:prstGeom prst="rect">
+            <a:avLst/>
+          </a:prstGeom>
+        </p:spPr>
+        <p:txBody>
+          <a:bodyPr wrap="square">
+            <a:spAutoFit/>
+          </a:bodyPr>
+          <a:lstStyle/>
+          <a:p>
+            <a:pPr marL="457200" indent="-457200">
+              <a:buFont typeface="+mj-lt"/>
+              <a:buAutoNum type="arabicPeriod" startAt="3"/>
+            </a:pPr>
+            <a:r>
+              <a:rPr lang="en-US" sz="2400" dirty="0"/>
+              <a:t>Can be created by inheriting the appropriate interface (</a:t>
+            </a:r>
+            <a:r>
+              <a:rPr lang="en-US" sz="2400" dirty="0" err="1"/>
+              <a:t>IAuthenticationFilter</a:t>
+            </a:r>
+            <a:r>
+              <a:rPr lang="en-US" sz="2400" dirty="0"/>
+              <a:t>, </a:t>
+            </a:r>
+            <a:r>
+              <a:rPr lang="en-US" sz="2400" dirty="0" err="1"/>
+              <a:t>IAuthorizationFilter</a:t>
+            </a:r>
+            <a:r>
+              <a:rPr lang="en-US" sz="2400" dirty="0"/>
+              <a:t>, </a:t>
+            </a:r>
+            <a:r>
+              <a:rPr lang="en-US" sz="2400" dirty="0" err="1"/>
+              <a:t>IActionFilter</a:t>
+            </a:r>
+            <a:r>
+              <a:rPr lang="en-US" sz="2400" dirty="0"/>
+              <a:t>, </a:t>
+            </a:r>
+            <a:r>
+              <a:rPr lang="en-US" sz="2400" dirty="0" err="1"/>
+              <a:t>IExceptionFilter</a:t>
+            </a:r>
+            <a:r>
+              <a:rPr lang="en-US" sz="2400" dirty="0"/>
+              <a:t>) or the default implementation (</a:t>
+            </a:r>
+            <a:r>
+              <a:rPr lang="en-US" sz="2400" dirty="0" err="1"/>
+              <a:t>AuthorizationFilterAttribute</a:t>
+            </a:r>
+            <a:r>
+              <a:rPr lang="en-US" sz="2400" dirty="0"/>
+              <a:t>, </a:t>
+            </a:r>
+            <a:r>
+              <a:rPr lang="en-US" sz="2400" dirty="0" err="1"/>
+              <a:t>ActionFilterAttribute</a:t>
+            </a:r>
+            <a:r>
+              <a:rPr lang="en-US" sz="2400" dirty="0"/>
+              <a:t>, </a:t>
+            </a:r>
+            <a:r>
+              <a:rPr lang="en-US" sz="2400" dirty="0" err="1"/>
+              <a:t>ExceptionFilterAttribute</a:t>
+            </a:r>
+            <a:r>
+              <a:rPr lang="en-US" sz="2400" dirty="0"/>
+              <a:t>)</a:t>
+            </a:r>
+          </a:p>
+          <a:p>
+            <a:pPr marL="342900" indent="-342900">
+              <a:buAutoNum type="arabicPeriod" startAt="3"/>
+            </a:pPr>
+            <a:endParaRPr lang="en-US" sz="2400" dirty="0"/>
+          </a:p>
+          <a:p>
+            <a:pPr marL="342900" indent="-342900">
+              <a:buAutoNum type="arabicPeriod" startAt="3"/>
+            </a:pPr>
+            <a:r>
+              <a:rPr lang="en-US" sz="2400" dirty="0"/>
+              <a:t>Can be applied globally, at the controller level or at the action level.</a:t>
+            </a:r>
+          </a:p>
+          <a:p>
+            <a:pPr marL="342900" indent="-342900">
+              <a:buAutoNum type="arabicPeriod" startAt="3"/>
+            </a:pPr>
+            <a:endParaRPr lang="en-US" sz="2400" dirty="0"/>
+          </a:p>
+          <a:p>
+            <a:pPr marL="342900" indent="-342900">
+              <a:buAutoNum type="arabicPeriod" startAt="3"/>
+            </a:pPr>
+            <a:r>
+              <a:rPr lang="en-US" sz="2400" dirty="0"/>
+              <a:t>Filters are executed in the following order:</a:t>
+            </a:r>
+          </a:p>
+          <a:p>
+            <a:pPr marL="800100" lvl="1" indent="-342900">
+              <a:buFont typeface="Arial" panose="020B0604020202020204" pitchFamily="34" charset="0"/>
+              <a:buChar char="•"/>
+            </a:pPr>
+            <a:r>
+              <a:rPr lang="en-US" sz="2400" dirty="0"/>
+              <a:t>Authentication -&gt; Authorization -&gt; Action -&gt; (Exception)</a:t>
+            </a:r>
+          </a:p>
+          <a:p>
+            <a:pPr marL="800100" lvl="1" indent="-342900">
+              <a:buFont typeface="Arial" panose="020B0604020202020204" pitchFamily="34" charset="0"/>
+              <a:buChar char="•"/>
+            </a:pPr>
+            <a:r>
+              <a:rPr lang="en-US" sz="2400" dirty="0"/>
+              <a:t>Global -&gt; Controller -&gt; Action</a:t>
+            </a:r>
+          </a:p>
+          <a:p>
+            <a:pPr marL="800100" lvl="1" indent="-342900">
+              <a:buFont typeface="Arial" panose="020B0604020202020204" pitchFamily="34" charset="0"/>
+              <a:buChar char="•"/>
+            </a:pPr>
+            <a:r>
+              <a:rPr lang="en-US" sz="2400" dirty="0"/>
+              <a:t>The order of registration</a:t>
+            </a:r>
+          </a:p>
+          <a:p>
+            <a:pPr marL="800100" lvl="1" indent="-342900">
+              <a:buFont typeface="Arial" panose="020B0604020202020204" pitchFamily="34" charset="0"/>
+              <a:buChar char="•"/>
+            </a:pPr>
+            <a:endParaRPr lang="en-US" sz="2400" dirty="0"/>
+          </a:p>
+          <a:p>
+            <a:pPr marL="457200" indent="-457200">
+              <a:buFont typeface="+mj-lt"/>
+              <a:buAutoNum type="arabicPeriod" startAt="3"/>
+            </a:pPr>
+            <a:r>
+              <a:rPr lang="en-US" sz="2400" dirty="0"/>
+              <a:t>The </a:t>
+            </a:r>
+            <a:r>
+              <a:rPr lang="en-US" sz="2400" dirty="0" err="1"/>
+              <a:t>IFilterProvider</a:t>
+            </a:r>
+            <a:r>
+              <a:rPr lang="en-US" sz="2400" dirty="0"/>
+              <a:t> is responsible for executing the appropriate filters.</a:t>
+            </a:r>
+          </a:p>
+          <a:p>
+            <a:pPr marL="457200" indent="-457200">
+              <a:buFont typeface="+mj-lt"/>
+              <a:buAutoNum type="arabicPeriod" startAt="3"/>
+            </a:pPr>
+            <a:endParaRPr lang="en-US" sz="2400" dirty="0"/>
+          </a:p>
+        </p:txBody>
+      </p:sp>
+    </p:spTree>
+    <p:extLst>
+      <p:ext uri="{BB962C8B-B14F-4D97-AF65-F5344CB8AC3E}">
+        <p14:creationId xmlns:p14="http://schemas.microsoft.com/office/powerpoint/2010/main" val="2506317761"/>
       </p:ext>
     </p:extLst>
   </p:cSld>
@@ -4507,7 +6536,6 @@
               <a:rPr lang="en-US" sz="5400" dirty="0"/>
               <a:t> HTTP MESSAGE LIFECYLE</a:t>
             </a:r>
-            <a:endParaRPr lang="en-US" sz="5400" dirty="0"/>
           </a:p>
         </p:txBody>
       </p:sp>
@@ -4515,6 +6543,1264 @@
     <p:extLst>
       <p:ext uri="{BB962C8B-B14F-4D97-AF65-F5344CB8AC3E}">
         <p14:creationId xmlns:p14="http://schemas.microsoft.com/office/powerpoint/2010/main" val="870128569"/>
+      </p:ext>
+    </p:extLst>
+  </p:cSld>
+  <p:clrMapOvr>
+    <a:masterClrMapping/>
+  </p:clrMapOvr>
+</p:sld>
+</file>
+
+<file path=ppt/slides/slide20.xml><?xml version="1.0" encoding="utf-8"?>
+<p:sld xmlns:a="http://schemas.openxmlformats.org/drawingml/2006/main" xmlns:r="http://schemas.openxmlformats.org/officeDocument/2006/relationships" xmlns:p="http://schemas.openxmlformats.org/presentationml/2006/main">
+  <p:cSld>
+    <p:spTree>
+      <p:nvGrpSpPr>
+        <p:cNvPr id="1" name=""/>
+        <p:cNvGrpSpPr/>
+        <p:nvPr/>
+      </p:nvGrpSpPr>
+      <p:grpSpPr>
+        <a:xfrm>
+          <a:off x="0" y="0"/>
+          <a:ext cx="0" cy="0"/>
+          <a:chOff x="0" y="0"/>
+          <a:chExt cx="0" cy="0"/>
+        </a:xfrm>
+      </p:grpSpPr>
+      <p:sp>
+        <p:nvSpPr>
+          <p:cNvPr id="4" name="Rectangle 3"/>
+          <p:cNvSpPr/>
+          <p:nvPr/>
+        </p:nvSpPr>
+        <p:spPr>
+          <a:xfrm>
+            <a:off x="1512711" y="2641433"/>
+            <a:ext cx="10295467" cy="923330"/>
+          </a:xfrm>
+          <a:prstGeom prst="rect">
+            <a:avLst/>
+          </a:prstGeom>
+        </p:spPr>
+        <p:txBody>
+          <a:bodyPr wrap="square">
+            <a:spAutoFit/>
+          </a:bodyPr>
+          <a:lstStyle/>
+          <a:p>
+            <a:pPr algn="ctr"/>
+            <a:r>
+              <a:rPr lang="en-US" sz="5400" b="1" dirty="0"/>
+              <a:t>Action Result</a:t>
+            </a:r>
+            <a:endParaRPr lang="en-US" sz="5400" dirty="0"/>
+          </a:p>
+        </p:txBody>
+      </p:sp>
+    </p:spTree>
+    <p:extLst>
+      <p:ext uri="{BB962C8B-B14F-4D97-AF65-F5344CB8AC3E}">
+        <p14:creationId xmlns:p14="http://schemas.microsoft.com/office/powerpoint/2010/main" val="3766461906"/>
+      </p:ext>
+    </p:extLst>
+  </p:cSld>
+  <p:clrMapOvr>
+    <a:masterClrMapping/>
+  </p:clrMapOvr>
+</p:sld>
+</file>
+
+<file path=ppt/slides/slide21.xml><?xml version="1.0" encoding="utf-8"?>
+<p:sld xmlns:a="http://schemas.openxmlformats.org/drawingml/2006/main" xmlns:r="http://schemas.openxmlformats.org/officeDocument/2006/relationships" xmlns:p="http://schemas.openxmlformats.org/presentationml/2006/main">
+  <p:cSld>
+    <p:spTree>
+      <p:nvGrpSpPr>
+        <p:cNvPr id="1" name=""/>
+        <p:cNvGrpSpPr/>
+        <p:nvPr/>
+      </p:nvGrpSpPr>
+      <p:grpSpPr>
+        <a:xfrm>
+          <a:off x="0" y="0"/>
+          <a:ext cx="0" cy="0"/>
+          <a:chOff x="0" y="0"/>
+          <a:chExt cx="0" cy="0"/>
+        </a:xfrm>
+      </p:grpSpPr>
+      <p:sp>
+        <p:nvSpPr>
+          <p:cNvPr id="2" name="Title 1"/>
+          <p:cNvSpPr>
+            <a:spLocks noGrp="1"/>
+          </p:cNvSpPr>
+          <p:nvPr>
+            <p:ph type="title"/>
+          </p:nvPr>
+        </p:nvSpPr>
+        <p:spPr/>
+        <p:txBody>
+          <a:bodyPr/>
+          <a:lstStyle/>
+          <a:p>
+            <a:r>
+              <a:rPr lang="en-US" dirty="0"/>
+              <a:t> </a:t>
+            </a:r>
+            <a:r>
+              <a:rPr lang="en-US" dirty="0"/>
+              <a:t>Filters</a:t>
+            </a:r>
+            <a:endParaRPr lang="en-US" dirty="0"/>
+          </a:p>
+        </p:txBody>
+      </p:sp>
+      <p:sp>
+        <p:nvSpPr>
+          <p:cNvPr id="5" name="TextBox 4"/>
+          <p:cNvSpPr txBox="1"/>
+          <p:nvPr/>
+        </p:nvSpPr>
+        <p:spPr>
+          <a:xfrm>
+            <a:off x="1455438" y="694159"/>
+            <a:ext cx="10510576" cy="3847207"/>
+          </a:xfrm>
+          <a:prstGeom prst="rect">
+            <a:avLst/>
+          </a:prstGeom>
+          <a:noFill/>
+        </p:spPr>
+        <p:txBody>
+          <a:bodyPr wrap="square" rtlCol="0">
+            <a:spAutoFit/>
+          </a:bodyPr>
+          <a:lstStyle/>
+          <a:p>
+            <a:r>
+              <a:rPr lang="en-US" sz="2800" b="1" dirty="0"/>
+              <a:t>What we have to know?</a:t>
+            </a:r>
+          </a:p>
+          <a:p>
+            <a:pPr marL="342900" indent="-342900">
+              <a:buAutoNum type="arabicPeriod"/>
+            </a:pPr>
+            <a:endParaRPr lang="en-US" sz="2400" dirty="0"/>
+          </a:p>
+          <a:p>
+            <a:pPr marL="342900" indent="-342900">
+              <a:buAutoNum type="arabicPeriod"/>
+            </a:pPr>
+            <a:r>
+              <a:rPr lang="en-US" sz="2400" dirty="0" err="1"/>
+              <a:t>IHttpActionResult</a:t>
+            </a:r>
+            <a:r>
+              <a:rPr lang="en-US" sz="2400" dirty="0"/>
+              <a:t> interface acts as a factory for </a:t>
+            </a:r>
+            <a:r>
+              <a:rPr lang="en-US" sz="2400" dirty="0" err="1"/>
+              <a:t>HttpResponseMessage</a:t>
+            </a:r>
+            <a:r>
+              <a:rPr lang="en-US" sz="2400" dirty="0"/>
+              <a:t>.</a:t>
+            </a:r>
+          </a:p>
+          <a:p>
+            <a:pPr marL="342900" indent="-342900">
+              <a:buAutoNum type="arabicPeriod"/>
+            </a:pPr>
+            <a:endParaRPr lang="en-US" sz="2400" dirty="0"/>
+          </a:p>
+          <a:p>
+            <a:pPr marL="342900" indent="-342900">
+              <a:buAutoNum type="arabicPeriod"/>
+            </a:pPr>
+            <a:r>
+              <a:rPr lang="en-US" sz="2400" dirty="0"/>
+              <a:t>The result conversion strategy is selected based on the return type of the Action.</a:t>
+            </a:r>
+          </a:p>
+          <a:p>
+            <a:pPr marL="342900" indent="-342900">
+              <a:buAutoNum type="arabicPeriod"/>
+            </a:pPr>
+            <a:endParaRPr lang="en-US" sz="2400" dirty="0"/>
+          </a:p>
+          <a:p>
+            <a:pPr marL="342900" indent="-342900">
+              <a:buAutoNum type="arabicPeriod"/>
+            </a:pPr>
+            <a:r>
+              <a:rPr lang="en-US" sz="2400" dirty="0"/>
+              <a:t>There are some predefined </a:t>
+            </a:r>
+            <a:r>
+              <a:rPr lang="en-US" sz="2400" dirty="0" err="1"/>
+              <a:t>IHttpActionResult</a:t>
+            </a:r>
+            <a:r>
+              <a:rPr lang="en-US" sz="2400" dirty="0"/>
+              <a:t> classes: </a:t>
+            </a:r>
+            <a:r>
+              <a:rPr lang="en-US" sz="2400" dirty="0" err="1"/>
+              <a:t>OkResult</a:t>
+            </a:r>
+            <a:r>
+              <a:rPr lang="en-US" sz="2400" dirty="0"/>
+              <a:t>, </a:t>
+            </a:r>
+            <a:r>
+              <a:rPr lang="en-US" sz="2400" dirty="0" err="1"/>
+              <a:t>BadRequestResult</a:t>
+            </a:r>
+            <a:r>
+              <a:rPr lang="en-US" sz="2400" dirty="0"/>
+              <a:t>, </a:t>
+            </a:r>
+            <a:r>
+              <a:rPr lang="en-US" sz="2400" dirty="0" err="1"/>
+              <a:t>JsonResult</a:t>
+            </a:r>
+            <a:r>
+              <a:rPr lang="en-US" sz="2400" dirty="0"/>
+              <a:t>&lt;T&gt;</a:t>
+            </a:r>
+          </a:p>
+          <a:p>
+            <a:pPr marL="342900" indent="-342900">
+              <a:buAutoNum type="arabicPeriod"/>
+            </a:pPr>
+            <a:endParaRPr lang="en-US" sz="2400" dirty="0"/>
+          </a:p>
+          <a:p>
+            <a:pPr marL="342900" indent="-342900">
+              <a:buAutoNum type="arabicPeriod"/>
+            </a:pPr>
+            <a:r>
+              <a:rPr lang="en-US" sz="2400" dirty="0"/>
+              <a:t>Custom implementations of the </a:t>
+            </a:r>
+            <a:r>
+              <a:rPr lang="en-US" sz="2400" dirty="0" err="1"/>
+              <a:t>IHttpActionResult</a:t>
+            </a:r>
+            <a:r>
+              <a:rPr lang="en-US" sz="2400" dirty="0"/>
+              <a:t> may be used.</a:t>
+            </a:r>
+          </a:p>
+        </p:txBody>
+      </p:sp>
+    </p:spTree>
+    <p:extLst>
+      <p:ext uri="{BB962C8B-B14F-4D97-AF65-F5344CB8AC3E}">
+        <p14:creationId xmlns:p14="http://schemas.microsoft.com/office/powerpoint/2010/main" val="3560141662"/>
+      </p:ext>
+    </p:extLst>
+  </p:cSld>
+  <p:clrMapOvr>
+    <a:masterClrMapping/>
+  </p:clrMapOvr>
+</p:sld>
+</file>
+
+<file path=ppt/slides/slide22.xml><?xml version="1.0" encoding="utf-8"?>
+<p:sld xmlns:a="http://schemas.openxmlformats.org/drawingml/2006/main" xmlns:r="http://schemas.openxmlformats.org/officeDocument/2006/relationships" xmlns:p="http://schemas.openxmlformats.org/presentationml/2006/main">
+  <p:cSld>
+    <p:spTree>
+      <p:nvGrpSpPr>
+        <p:cNvPr id="1" name=""/>
+        <p:cNvGrpSpPr/>
+        <p:nvPr/>
+      </p:nvGrpSpPr>
+      <p:grpSpPr>
+        <a:xfrm>
+          <a:off x="0" y="0"/>
+          <a:ext cx="0" cy="0"/>
+          <a:chOff x="0" y="0"/>
+          <a:chExt cx="0" cy="0"/>
+        </a:xfrm>
+      </p:grpSpPr>
+      <p:sp>
+        <p:nvSpPr>
+          <p:cNvPr id="2" name="Title 1"/>
+          <p:cNvSpPr>
+            <a:spLocks noGrp="1"/>
+          </p:cNvSpPr>
+          <p:nvPr>
+            <p:ph type="title"/>
+          </p:nvPr>
+        </p:nvSpPr>
+        <p:spPr/>
+        <p:txBody>
+          <a:bodyPr/>
+          <a:lstStyle/>
+          <a:p>
+            <a:r>
+              <a:rPr lang="en-US" dirty="0"/>
+              <a:t> HTTP MESSAGE LIFECYLE</a:t>
+            </a:r>
+          </a:p>
+        </p:txBody>
+      </p:sp>
+    </p:spTree>
+    <p:extLst>
+      <p:ext uri="{BB962C8B-B14F-4D97-AF65-F5344CB8AC3E}">
+        <p14:creationId xmlns:p14="http://schemas.microsoft.com/office/powerpoint/2010/main" val="4106787523"/>
+      </p:ext>
+    </p:extLst>
+  </p:cSld>
+  <p:clrMapOvr>
+    <a:masterClrMapping/>
+  </p:clrMapOvr>
+</p:sld>
+</file>
+
+<file path=ppt/slides/slide23.xml><?xml version="1.0" encoding="utf-8"?>
+<p:sld xmlns:a="http://schemas.openxmlformats.org/drawingml/2006/main" xmlns:r="http://schemas.openxmlformats.org/officeDocument/2006/relationships" xmlns:p="http://schemas.openxmlformats.org/presentationml/2006/main">
+  <p:cSld>
+    <p:spTree>
+      <p:nvGrpSpPr>
+        <p:cNvPr id="1" name=""/>
+        <p:cNvGrpSpPr/>
+        <p:nvPr/>
+      </p:nvGrpSpPr>
+      <p:grpSpPr>
+        <a:xfrm>
+          <a:off x="0" y="0"/>
+          <a:ext cx="0" cy="0"/>
+          <a:chOff x="0" y="0"/>
+          <a:chExt cx="0" cy="0"/>
+        </a:xfrm>
+      </p:grpSpPr>
+      <p:sp>
+        <p:nvSpPr>
+          <p:cNvPr id="2" name="Title 1"/>
+          <p:cNvSpPr>
+            <a:spLocks noGrp="1"/>
+          </p:cNvSpPr>
+          <p:nvPr>
+            <p:ph type="title"/>
+          </p:nvPr>
+        </p:nvSpPr>
+        <p:spPr/>
+        <p:txBody>
+          <a:bodyPr/>
+          <a:lstStyle/>
+          <a:p>
+            <a:r>
+              <a:rPr lang="en-US" dirty="0"/>
+              <a:t> </a:t>
+            </a:r>
+            <a:r>
+              <a:rPr lang="en-US" dirty="0"/>
+              <a:t>HTTP MESSAGE HANDLERS</a:t>
+            </a:r>
+            <a:endParaRPr lang="en-US" dirty="0"/>
+          </a:p>
+        </p:txBody>
+      </p:sp>
+      <p:sp>
+        <p:nvSpPr>
+          <p:cNvPr id="5" name="TextBox 4"/>
+          <p:cNvSpPr txBox="1"/>
+          <p:nvPr/>
+        </p:nvSpPr>
+        <p:spPr>
+          <a:xfrm>
+            <a:off x="1455438" y="694159"/>
+            <a:ext cx="10510576" cy="892552"/>
+          </a:xfrm>
+          <a:prstGeom prst="rect">
+            <a:avLst/>
+          </a:prstGeom>
+          <a:noFill/>
+        </p:spPr>
+        <p:txBody>
+          <a:bodyPr wrap="square" rtlCol="0">
+            <a:spAutoFit/>
+          </a:bodyPr>
+          <a:lstStyle/>
+          <a:p>
+            <a:r>
+              <a:rPr lang="en-US" sz="2800" b="1" dirty="0"/>
+              <a:t>References</a:t>
+            </a:r>
+          </a:p>
+          <a:p>
+            <a:pPr marL="342900" indent="-342900">
+              <a:buAutoNum type="arabicPeriod"/>
+            </a:pPr>
+            <a:endParaRPr lang="en-US" sz="2400" dirty="0"/>
+          </a:p>
+        </p:txBody>
+      </p:sp>
+    </p:spTree>
+    <p:extLst>
+      <p:ext uri="{BB962C8B-B14F-4D97-AF65-F5344CB8AC3E}">
+        <p14:creationId xmlns:p14="http://schemas.microsoft.com/office/powerpoint/2010/main" val="3427512919"/>
+      </p:ext>
+    </p:extLst>
+  </p:cSld>
+  <p:clrMapOvr>
+    <a:masterClrMapping/>
+  </p:clrMapOvr>
+</p:sld>
+</file>
+
+<file path=ppt/slides/slide24.xml><?xml version="1.0" encoding="utf-8"?>
+<p:sld xmlns:a="http://schemas.openxmlformats.org/drawingml/2006/main" xmlns:r="http://schemas.openxmlformats.org/officeDocument/2006/relationships" xmlns:p="http://schemas.openxmlformats.org/presentationml/2006/main">
+  <p:cSld>
+    <p:spTree>
+      <p:nvGrpSpPr>
+        <p:cNvPr id="1" name=""/>
+        <p:cNvGrpSpPr/>
+        <p:nvPr/>
+      </p:nvGrpSpPr>
+      <p:grpSpPr>
+        <a:xfrm>
+          <a:off x="0" y="0"/>
+          <a:ext cx="0" cy="0"/>
+          <a:chOff x="0" y="0"/>
+          <a:chExt cx="0" cy="0"/>
+        </a:xfrm>
+      </p:grpSpPr>
+      <p:sp>
+        <p:nvSpPr>
+          <p:cNvPr id="2" name="Title 1"/>
+          <p:cNvSpPr>
+            <a:spLocks noGrp="1"/>
+          </p:cNvSpPr>
+          <p:nvPr>
+            <p:ph type="title"/>
+          </p:nvPr>
+        </p:nvSpPr>
+        <p:spPr/>
+        <p:txBody>
+          <a:bodyPr/>
+          <a:lstStyle/>
+          <a:p>
+            <a:r>
+              <a:rPr lang="en-US" dirty="0"/>
+              <a:t> </a:t>
+            </a:r>
+            <a:r>
+              <a:rPr lang="en-US" dirty="0"/>
+              <a:t>HTTP MESSAGE HANDLERS</a:t>
+            </a:r>
+            <a:endParaRPr lang="en-US" dirty="0"/>
+          </a:p>
+        </p:txBody>
+      </p:sp>
+      <p:sp>
+        <p:nvSpPr>
+          <p:cNvPr id="5" name="TextBox 4"/>
+          <p:cNvSpPr txBox="1"/>
+          <p:nvPr/>
+        </p:nvSpPr>
+        <p:spPr>
+          <a:xfrm>
+            <a:off x="1455438" y="694159"/>
+            <a:ext cx="10510576" cy="4524315"/>
+          </a:xfrm>
+          <a:prstGeom prst="rect">
+            <a:avLst/>
+          </a:prstGeom>
+          <a:noFill/>
+        </p:spPr>
+        <p:txBody>
+          <a:bodyPr wrap="square" rtlCol="0">
+            <a:spAutoFit/>
+          </a:bodyPr>
+          <a:lstStyle/>
+          <a:p>
+            <a:r>
+              <a:rPr lang="en-US" sz="2400" b="1" dirty="0"/>
+              <a:t>References</a:t>
+            </a:r>
+          </a:p>
+          <a:p>
+            <a:endParaRPr lang="en-US" sz="2400" b="1" dirty="0"/>
+          </a:p>
+          <a:p>
+            <a:pPr marL="514350" indent="-514350">
+              <a:buFontTx/>
+              <a:buAutoNum type="arabicPeriod"/>
+            </a:pPr>
+            <a:r>
+              <a:rPr lang="en-US" sz="2400" dirty="0">
+                <a:hlinkClick r:id="rId3"/>
+              </a:rPr>
+              <a:t>https://github.com/OData/WebApi/blob/v3.2-rtm</a:t>
+            </a:r>
+            <a:endParaRPr lang="en-US" sz="2400" b="1" dirty="0"/>
+          </a:p>
+          <a:p>
+            <a:pPr marL="514350" indent="-514350">
+              <a:buAutoNum type="arabicPeriod"/>
+            </a:pPr>
+            <a:r>
+              <a:rPr lang="en-US" sz="2400" dirty="0">
+                <a:hlinkClick r:id="rId4"/>
+              </a:rPr>
+              <a:t>https://www.exceptionnotfound.net/the-asp-net-web-api-2-http-message-lifecycle-in-43-easy-steps-2/</a:t>
+            </a:r>
+            <a:endParaRPr lang="en-US" sz="2400" dirty="0"/>
+          </a:p>
+          <a:p>
+            <a:pPr marL="514350" indent="-514350">
+              <a:buAutoNum type="arabicPeriod"/>
+            </a:pPr>
+            <a:r>
+              <a:rPr lang="en-US" sz="2400" dirty="0">
+                <a:hlinkClick r:id="rId5"/>
+              </a:rPr>
+              <a:t>https://www.asp.net/media/4071077/aspnet-web-api-poster.pdf</a:t>
+            </a:r>
+            <a:endParaRPr lang="en-US" sz="2400" dirty="0"/>
+          </a:p>
+          <a:p>
+            <a:pPr marL="514350" indent="-514350">
+              <a:buAutoNum type="arabicPeriod"/>
+            </a:pPr>
+            <a:r>
+              <a:rPr lang="en-US" sz="2400" dirty="0">
+                <a:hlinkClick r:id="rId6"/>
+              </a:rPr>
+              <a:t>http://chimera.labs.oreilly.com/books/1234000001708/ch12.html#_apicontroller_processing_model</a:t>
+            </a:r>
+            <a:endParaRPr lang="en-US" sz="2400" dirty="0"/>
+          </a:p>
+          <a:p>
+            <a:pPr marL="514350" indent="-514350">
+              <a:buAutoNum type="arabicPeriod"/>
+            </a:pPr>
+            <a:endParaRPr lang="en-US" sz="2400" dirty="0"/>
+          </a:p>
+          <a:p>
+            <a:pPr marL="514350" indent="-514350">
+              <a:buAutoNum type="arabicPeriod"/>
+            </a:pPr>
+            <a:endParaRPr lang="en-US" sz="2400" dirty="0"/>
+          </a:p>
+          <a:p>
+            <a:pPr marL="514350" indent="-514350">
+              <a:buAutoNum type="arabicPeriod"/>
+            </a:pPr>
+            <a:endParaRPr lang="en-US" sz="2400" dirty="0"/>
+          </a:p>
+          <a:p>
+            <a:pPr marL="514350" indent="-514350">
+              <a:buAutoNum type="arabicPeriod"/>
+            </a:pPr>
+            <a:endParaRPr lang="en-US" sz="2400" b="1" dirty="0"/>
+          </a:p>
+        </p:txBody>
+      </p:sp>
+    </p:spTree>
+    <p:extLst>
+      <p:ext uri="{BB962C8B-B14F-4D97-AF65-F5344CB8AC3E}">
+        <p14:creationId xmlns:p14="http://schemas.microsoft.com/office/powerpoint/2010/main" val="483422304"/>
+      </p:ext>
+    </p:extLst>
+  </p:cSld>
+  <p:clrMapOvr>
+    <a:masterClrMapping/>
+  </p:clrMapOvr>
+</p:sld>
+</file>
+
+<file path=ppt/slides/slide25.xml><?xml version="1.0" encoding="utf-8"?>
+<p:sld xmlns:a="http://schemas.openxmlformats.org/drawingml/2006/main" xmlns:r="http://schemas.openxmlformats.org/officeDocument/2006/relationships" xmlns:p="http://schemas.openxmlformats.org/presentationml/2006/main">
+  <p:cSld>
+    <p:spTree>
+      <p:nvGrpSpPr>
+        <p:cNvPr id="1" name=""/>
+        <p:cNvGrpSpPr/>
+        <p:nvPr/>
+      </p:nvGrpSpPr>
+      <p:grpSpPr>
+        <a:xfrm>
+          <a:off x="0" y="0"/>
+          <a:ext cx="0" cy="0"/>
+          <a:chOff x="0" y="0"/>
+          <a:chExt cx="0" cy="0"/>
+        </a:xfrm>
+      </p:grpSpPr>
+      <p:sp>
+        <p:nvSpPr>
+          <p:cNvPr id="2" name="Title 1"/>
+          <p:cNvSpPr>
+            <a:spLocks noGrp="1"/>
+          </p:cNvSpPr>
+          <p:nvPr>
+            <p:ph type="title"/>
+          </p:nvPr>
+        </p:nvSpPr>
+        <p:spPr/>
+        <p:txBody>
+          <a:bodyPr/>
+          <a:lstStyle/>
+          <a:p>
+            <a:r>
+              <a:rPr lang="en-US" dirty="0"/>
+              <a:t> HTTP MESSAGE LIFECYLE</a:t>
+            </a:r>
+          </a:p>
+        </p:txBody>
+      </p:sp>
+    </p:spTree>
+    <p:extLst>
+      <p:ext uri="{BB962C8B-B14F-4D97-AF65-F5344CB8AC3E}">
+        <p14:creationId xmlns:p14="http://schemas.microsoft.com/office/powerpoint/2010/main" val="3107908798"/>
+      </p:ext>
+    </p:extLst>
+  </p:cSld>
+  <p:clrMapOvr>
+    <a:masterClrMapping/>
+  </p:clrMapOvr>
+</p:sld>
+</file>
+
+<file path=ppt/slides/slide26.xml><?xml version="1.0" encoding="utf-8"?>
+<p:sld xmlns:a="http://schemas.openxmlformats.org/drawingml/2006/main" xmlns:r="http://schemas.openxmlformats.org/officeDocument/2006/relationships" xmlns:p="http://schemas.openxmlformats.org/presentationml/2006/main">
+  <p:cSld>
+    <p:spTree>
+      <p:nvGrpSpPr>
+        <p:cNvPr id="1" name=""/>
+        <p:cNvGrpSpPr/>
+        <p:nvPr/>
+      </p:nvGrpSpPr>
+      <p:grpSpPr>
+        <a:xfrm>
+          <a:off x="0" y="0"/>
+          <a:ext cx="0" cy="0"/>
+          <a:chOff x="0" y="0"/>
+          <a:chExt cx="0" cy="0"/>
+        </a:xfrm>
+      </p:grpSpPr>
+      <p:sp>
+        <p:nvSpPr>
+          <p:cNvPr id="2" name="Title 1"/>
+          <p:cNvSpPr>
+            <a:spLocks noGrp="1"/>
+          </p:cNvSpPr>
+          <p:nvPr>
+            <p:ph type="title"/>
+          </p:nvPr>
+        </p:nvSpPr>
+        <p:spPr/>
+        <p:txBody>
+          <a:bodyPr/>
+          <a:lstStyle/>
+          <a:p>
+            <a:r>
+              <a:rPr lang="en-US" dirty="0"/>
+              <a:t> HTTP MESSAGE LIFECYLE</a:t>
+            </a:r>
+          </a:p>
+        </p:txBody>
+      </p:sp>
+    </p:spTree>
+    <p:extLst>
+      <p:ext uri="{BB962C8B-B14F-4D97-AF65-F5344CB8AC3E}">
+        <p14:creationId xmlns:p14="http://schemas.microsoft.com/office/powerpoint/2010/main" val="3549025819"/>
+      </p:ext>
+    </p:extLst>
+  </p:cSld>
+  <p:clrMapOvr>
+    <a:masterClrMapping/>
+  </p:clrMapOvr>
+</p:sld>
+</file>
+
+<file path=ppt/slides/slide27.xml><?xml version="1.0" encoding="utf-8"?>
+<p:sld xmlns:a="http://schemas.openxmlformats.org/drawingml/2006/main" xmlns:r="http://schemas.openxmlformats.org/officeDocument/2006/relationships" xmlns:p="http://schemas.openxmlformats.org/presentationml/2006/main">
+  <p:cSld>
+    <p:spTree>
+      <p:nvGrpSpPr>
+        <p:cNvPr id="1" name=""/>
+        <p:cNvGrpSpPr/>
+        <p:nvPr/>
+      </p:nvGrpSpPr>
+      <p:grpSpPr>
+        <a:xfrm>
+          <a:off x="0" y="0"/>
+          <a:ext cx="0" cy="0"/>
+          <a:chOff x="0" y="0"/>
+          <a:chExt cx="0" cy="0"/>
+        </a:xfrm>
+      </p:grpSpPr>
+      <p:sp>
+        <p:nvSpPr>
+          <p:cNvPr id="2" name="Title 1"/>
+          <p:cNvSpPr>
+            <a:spLocks noGrp="1"/>
+          </p:cNvSpPr>
+          <p:nvPr>
+            <p:ph type="title"/>
+          </p:nvPr>
+        </p:nvSpPr>
+        <p:spPr/>
+        <p:txBody>
+          <a:bodyPr/>
+          <a:lstStyle/>
+          <a:p>
+            <a:r>
+              <a:rPr lang="en-US" dirty="0"/>
+              <a:t>Filter Provider</a:t>
+            </a:r>
+          </a:p>
+        </p:txBody>
+      </p:sp>
+      <p:sp>
+        <p:nvSpPr>
+          <p:cNvPr id="3" name="TextBox 2"/>
+          <p:cNvSpPr txBox="1"/>
+          <p:nvPr/>
+        </p:nvSpPr>
+        <p:spPr>
+          <a:xfrm>
+            <a:off x="1609725" y="762000"/>
+            <a:ext cx="10109927" cy="369332"/>
+          </a:xfrm>
+          <a:prstGeom prst="rect">
+            <a:avLst/>
+          </a:prstGeom>
+          <a:noFill/>
+        </p:spPr>
+        <p:txBody>
+          <a:bodyPr wrap="square" rtlCol="0">
+            <a:spAutoFit/>
+          </a:bodyPr>
+          <a:lstStyle/>
+          <a:p>
+            <a:pPr marL="285750" indent="-285750">
+              <a:buFont typeface="Arial" panose="020B0604020202020204" pitchFamily="34" charset="0"/>
+              <a:buChar char="•"/>
+            </a:pPr>
+            <a:r>
+              <a:rPr lang="en-US" dirty="0"/>
+              <a:t>Only selects the filters to be executed. The execution order will still depend on the Scope</a:t>
+            </a:r>
+          </a:p>
+        </p:txBody>
+      </p:sp>
+    </p:spTree>
+    <p:extLst>
+      <p:ext uri="{BB962C8B-B14F-4D97-AF65-F5344CB8AC3E}">
+        <p14:creationId xmlns:p14="http://schemas.microsoft.com/office/powerpoint/2010/main" val="684075879"/>
+      </p:ext>
+    </p:extLst>
+  </p:cSld>
+  <p:clrMapOvr>
+    <a:masterClrMapping/>
+  </p:clrMapOvr>
+</p:sld>
+</file>
+
+<file path=ppt/slides/slide28.xml><?xml version="1.0" encoding="utf-8"?>
+<p:sld xmlns:a="http://schemas.openxmlformats.org/drawingml/2006/main" xmlns:r="http://schemas.openxmlformats.org/officeDocument/2006/relationships" xmlns:p="http://schemas.openxmlformats.org/presentationml/2006/main">
+  <p:cSld>
+    <p:spTree>
+      <p:nvGrpSpPr>
+        <p:cNvPr id="1" name=""/>
+        <p:cNvGrpSpPr/>
+        <p:nvPr/>
+      </p:nvGrpSpPr>
+      <p:grpSpPr>
+        <a:xfrm>
+          <a:off x="0" y="0"/>
+          <a:ext cx="0" cy="0"/>
+          <a:chOff x="0" y="0"/>
+          <a:chExt cx="0" cy="0"/>
+        </a:xfrm>
+      </p:grpSpPr>
+      <p:sp>
+        <p:nvSpPr>
+          <p:cNvPr id="2" name="Title 1"/>
+          <p:cNvSpPr>
+            <a:spLocks noGrp="1"/>
+          </p:cNvSpPr>
+          <p:nvPr>
+            <p:ph type="title"/>
+          </p:nvPr>
+        </p:nvSpPr>
+        <p:spPr/>
+        <p:txBody>
+          <a:bodyPr/>
+          <a:lstStyle/>
+          <a:p>
+            <a:r>
+              <a:rPr lang="en-US" dirty="0" err="1"/>
+              <a:t>ActionFilter</a:t>
+            </a:r>
+            <a:endParaRPr lang="en-US" dirty="0"/>
+          </a:p>
+        </p:txBody>
+      </p:sp>
+      <p:sp>
+        <p:nvSpPr>
+          <p:cNvPr id="3" name="TextBox 2"/>
+          <p:cNvSpPr txBox="1"/>
+          <p:nvPr/>
+        </p:nvSpPr>
+        <p:spPr>
+          <a:xfrm>
+            <a:off x="1701800" y="884255"/>
+            <a:ext cx="10017852" cy="369332"/>
+          </a:xfrm>
+          <a:prstGeom prst="rect">
+            <a:avLst/>
+          </a:prstGeom>
+          <a:noFill/>
+        </p:spPr>
+        <p:txBody>
+          <a:bodyPr wrap="square" rtlCol="0">
+            <a:spAutoFit/>
+          </a:bodyPr>
+          <a:lstStyle/>
+          <a:p>
+            <a:r>
+              <a:rPr lang="en-US" dirty="0"/>
+              <a:t>If a response is create inside a filter the controller action is not executed.</a:t>
+            </a:r>
+          </a:p>
+        </p:txBody>
+      </p:sp>
+    </p:spTree>
+    <p:extLst>
+      <p:ext uri="{BB962C8B-B14F-4D97-AF65-F5344CB8AC3E}">
+        <p14:creationId xmlns:p14="http://schemas.microsoft.com/office/powerpoint/2010/main" val="4283269876"/>
+      </p:ext>
+    </p:extLst>
+  </p:cSld>
+  <p:clrMapOvr>
+    <a:masterClrMapping/>
+  </p:clrMapOvr>
+</p:sld>
+</file>
+
+<file path=ppt/slides/slide29.xml><?xml version="1.0" encoding="utf-8"?>
+<p:sld xmlns:a="http://schemas.openxmlformats.org/drawingml/2006/main" xmlns:r="http://schemas.openxmlformats.org/officeDocument/2006/relationships" xmlns:p="http://schemas.openxmlformats.org/presentationml/2006/main">
+  <p:cSld>
+    <p:spTree>
+      <p:nvGrpSpPr>
+        <p:cNvPr id="1" name=""/>
+        <p:cNvGrpSpPr/>
+        <p:nvPr/>
+      </p:nvGrpSpPr>
+      <p:grpSpPr>
+        <a:xfrm>
+          <a:off x="0" y="0"/>
+          <a:ext cx="0" cy="0"/>
+          <a:chOff x="0" y="0"/>
+          <a:chExt cx="0" cy="0"/>
+        </a:xfrm>
+      </p:grpSpPr>
+      <p:sp>
+        <p:nvSpPr>
+          <p:cNvPr id="2" name="Title 1"/>
+          <p:cNvSpPr>
+            <a:spLocks noGrp="1"/>
+          </p:cNvSpPr>
+          <p:nvPr>
+            <p:ph type="title"/>
+          </p:nvPr>
+        </p:nvSpPr>
+        <p:spPr/>
+        <p:txBody>
+          <a:bodyPr/>
+          <a:lstStyle/>
+          <a:p>
+            <a:r>
+              <a:rPr lang="en-US" dirty="0"/>
+              <a:t>Media Type Formatters</a:t>
+            </a:r>
+          </a:p>
+        </p:txBody>
+      </p:sp>
+      <p:sp>
+        <p:nvSpPr>
+          <p:cNvPr id="3" name="Rectangle 1"/>
+          <p:cNvSpPr>
+            <a:spLocks noChangeArrowheads="1"/>
+          </p:cNvSpPr>
+          <p:nvPr/>
+        </p:nvSpPr>
+        <p:spPr bwMode="auto">
+          <a:xfrm>
+            <a:off x="1595335" y="891699"/>
+            <a:ext cx="10124317" cy="1400383"/>
+          </a:xfrm>
+          <a:prstGeom prst="rect">
+            <a:avLst/>
+          </a:prstGeom>
+          <a:solidFill>
+            <a:srgbClr val="FFFFFF"/>
+          </a:solidFill>
+          <a:ln>
+            <a:noFill/>
+          </a:ln>
+          <a:effectLst/>
+          <a:extLst>
+            <a:ext uri="{91240B29-F687-4F45-9708-019B960494DF}">
+              <a14:hiddenLine xmlns:a14="http://schemas.microsoft.com/office/drawing/2010/main" w="9525">
+                <a:solidFill>
+                  <a:schemeClr val="tx1"/>
+                </a:solidFill>
+                <a:miter lim="800000"/>
+                <a:headEnd/>
+                <a:tailEnd/>
+              </a14:hiddenLine>
+            </a:ext>
+            <a:ext uri="{AF507438-7753-43E0-B8FC-AC1667EBCBE1}">
+              <a14:hiddenEffects xmlns:a14="http://schemas.microsoft.com/office/drawing/2010/main">
+                <a:effectLst>
+                  <a:outerShdw dist="35921" dir="2700000" algn="ctr" rotWithShape="0">
+                    <a:schemeClr val="bg2"/>
+                  </a:outerShdw>
+                </a:effectLst>
+              </a14:hiddenEffects>
+            </a:ext>
+          </a:extLst>
+        </p:spPr>
+        <p:txBody>
+          <a:bodyPr vert="horz" wrap="square" lIns="0" tIns="0" rIns="0" bIns="0" numCol="1" anchor="ctr" anchorCtr="0" compatLnSpc="1">
+            <a:prstTxWarp prst="textNoShape">
+              <a:avLst/>
+            </a:prstTxWarp>
+            <a:spAutoFit/>
+          </a:bodyPr>
+          <a:lstStyle/>
+          <a:p>
+            <a:pPr marL="0" marR="0" lvl="0" indent="0" algn="l" defTabSz="914400" rtl="0" eaLnBrk="0" fontAlgn="base" latinLnBrk="0" hangingPunct="0">
+              <a:lnSpc>
+                <a:spcPct val="100000"/>
+              </a:lnSpc>
+              <a:spcBef>
+                <a:spcPct val="0"/>
+              </a:spcBef>
+              <a:spcAft>
+                <a:spcPct val="0"/>
+              </a:spcAft>
+              <a:buClrTx/>
+              <a:buSzTx/>
+              <a:buFontTx/>
+              <a:buNone/>
+              <a:tabLst/>
+            </a:pPr>
+            <a:r>
+              <a:rPr kumimoji="0" lang="en-US" altLang="en-US" sz="1100" b="0" i="0" u="none" strike="noStrike" cap="none" normalizeH="0" baseline="0" dirty="0">
+                <a:ln>
+                  <a:noFill/>
+                </a:ln>
+                <a:solidFill>
+                  <a:srgbClr val="242729"/>
+                </a:solidFill>
+                <a:effectLst/>
+                <a:latin typeface="inherit"/>
+                <a:cs typeface="Arial" panose="020B0604020202020204" pitchFamily="34" charset="0"/>
+              </a:rPr>
+              <a:t>There isn't specifically a per-route way of having formatters, but there is a </a:t>
+            </a:r>
+            <a:r>
+              <a:rPr kumimoji="0" lang="en-US" altLang="en-US" sz="900" b="0" i="0" u="none" strike="noStrike" cap="none" normalizeH="0" baseline="0" dirty="0">
+                <a:ln>
+                  <a:noFill/>
+                </a:ln>
+                <a:solidFill>
+                  <a:srgbClr val="242729"/>
+                </a:solidFill>
+                <a:effectLst/>
+                <a:latin typeface="Consolas" panose="020B0609020204030204" pitchFamily="49" charset="0"/>
+                <a:cs typeface="Arial" panose="020B0604020202020204" pitchFamily="34" charset="0"/>
+              </a:rPr>
+              <a:t>per-controller configuration</a:t>
+            </a:r>
+            <a:r>
+              <a:rPr kumimoji="0" lang="en-US" altLang="en-US" sz="1100" b="0" i="0" u="none" strike="noStrike" cap="none" normalizeH="0" baseline="0" dirty="0">
+                <a:ln>
+                  <a:noFill/>
+                </a:ln>
+                <a:solidFill>
+                  <a:srgbClr val="242729"/>
+                </a:solidFill>
+                <a:effectLst/>
+                <a:latin typeface="inherit"/>
+                <a:cs typeface="Arial" panose="020B0604020202020204" pitchFamily="34" charset="0"/>
+              </a:rPr>
+              <a:t> which you can use to have specific formatters. For example, in your scenario you could have a common base controller for certain set of controllers and decorate that base controller with the per-controller configuration attribute.</a:t>
+            </a:r>
+            <a:endParaRPr kumimoji="0" lang="en-US" altLang="en-US" sz="1100" b="0" i="0" u="none" strike="noStrike" cap="none" normalizeH="0" baseline="0" dirty="0">
+              <a:ln>
+                <a:noFill/>
+              </a:ln>
+              <a:solidFill>
+                <a:srgbClr val="242729"/>
+              </a:solidFill>
+              <a:effectLst/>
+              <a:latin typeface="Arial" panose="020B0604020202020204" pitchFamily="34" charset="0"/>
+              <a:cs typeface="Arial" panose="020B0604020202020204" pitchFamily="34" charset="0"/>
+            </a:endParaRPr>
+          </a:p>
+          <a:p>
+            <a:pPr marL="0" marR="0" lvl="0" indent="0" algn="l" defTabSz="914400" rtl="0" eaLnBrk="0" fontAlgn="base" latinLnBrk="0" hangingPunct="0">
+              <a:lnSpc>
+                <a:spcPct val="100000"/>
+              </a:lnSpc>
+              <a:spcBef>
+                <a:spcPct val="0"/>
+              </a:spcBef>
+              <a:spcAft>
+                <a:spcPct val="0"/>
+              </a:spcAft>
+              <a:buClrTx/>
+              <a:buSzTx/>
+              <a:buFontTx/>
+              <a:buNone/>
+              <a:tabLst/>
+            </a:pPr>
+            <a:r>
+              <a:rPr kumimoji="0" lang="en-US" altLang="en-US" sz="1100" b="0" i="0" u="none" strike="noStrike" cap="none" normalizeH="0" baseline="0" dirty="0">
+                <a:ln>
+                  <a:noFill/>
+                </a:ln>
+                <a:solidFill>
+                  <a:srgbClr val="242729"/>
+                </a:solidFill>
+                <a:effectLst/>
+                <a:latin typeface="inherit"/>
+                <a:cs typeface="Arial" panose="020B0604020202020204" pitchFamily="34" charset="0"/>
+              </a:rPr>
+              <a:t>Web API Sample for creating a per-controller </a:t>
+            </a:r>
+            <a:r>
+              <a:rPr kumimoji="0" lang="en-US" altLang="en-US" sz="1100" b="0" i="0" u="none" strike="noStrike" cap="none" normalizeH="0" baseline="0" dirty="0" err="1">
+                <a:ln>
+                  <a:noFill/>
+                </a:ln>
+                <a:solidFill>
+                  <a:srgbClr val="242729"/>
+                </a:solidFill>
+                <a:effectLst/>
+                <a:latin typeface="inherit"/>
+                <a:cs typeface="Arial" panose="020B0604020202020204" pitchFamily="34" charset="0"/>
+              </a:rPr>
+              <a:t>configuration:</a:t>
+            </a:r>
+            <a:r>
+              <a:rPr kumimoji="0" lang="en-US" altLang="en-US" sz="1100" b="0" i="0" u="none" strike="noStrike" cap="none" normalizeH="0" baseline="0" dirty="0" err="1">
+                <a:ln>
+                  <a:noFill/>
+                </a:ln>
+                <a:solidFill>
+                  <a:srgbClr val="005999"/>
+                </a:solidFill>
+                <a:effectLst/>
+                <a:latin typeface="inherit"/>
+                <a:cs typeface="Arial" panose="020B0604020202020204" pitchFamily="34" charset="0"/>
+                <a:hlinkClick r:id="rId2"/>
+              </a:rPr>
+              <a:t>http</a:t>
+            </a:r>
+            <a:r>
+              <a:rPr kumimoji="0" lang="en-US" altLang="en-US" sz="1100" b="0" i="0" u="none" strike="noStrike" cap="none" normalizeH="0" baseline="0" dirty="0">
+                <a:ln>
+                  <a:noFill/>
+                </a:ln>
+                <a:solidFill>
+                  <a:srgbClr val="005999"/>
+                </a:solidFill>
+                <a:effectLst/>
+                <a:latin typeface="inherit"/>
+                <a:cs typeface="Arial" panose="020B0604020202020204" pitchFamily="34" charset="0"/>
+                <a:hlinkClick r:id="rId2"/>
+              </a:rPr>
+              <a:t>://aspnet.codeplex.com/</a:t>
+            </a:r>
+            <a:r>
+              <a:rPr kumimoji="0" lang="en-US" altLang="en-US" sz="1100" b="0" i="0" u="none" strike="noStrike" cap="none" normalizeH="0" baseline="0" dirty="0" err="1">
+                <a:ln>
+                  <a:noFill/>
+                </a:ln>
+                <a:solidFill>
+                  <a:srgbClr val="005999"/>
+                </a:solidFill>
+                <a:effectLst/>
+                <a:latin typeface="inherit"/>
+                <a:cs typeface="Arial" panose="020B0604020202020204" pitchFamily="34" charset="0"/>
+                <a:hlinkClick r:id="rId2"/>
+              </a:rPr>
+              <a:t>SourceControl</a:t>
+            </a:r>
+            <a:r>
+              <a:rPr kumimoji="0" lang="en-US" altLang="en-US" sz="1100" b="0" i="0" u="none" strike="noStrike" cap="none" normalizeH="0" baseline="0" dirty="0">
+                <a:ln>
+                  <a:noFill/>
+                </a:ln>
+                <a:solidFill>
+                  <a:srgbClr val="005999"/>
+                </a:solidFill>
+                <a:effectLst/>
+                <a:latin typeface="inherit"/>
+                <a:cs typeface="Arial" panose="020B0604020202020204" pitchFamily="34" charset="0"/>
+                <a:hlinkClick r:id="rId2"/>
+              </a:rPr>
+              <a:t>/</a:t>
+            </a:r>
+            <a:r>
+              <a:rPr kumimoji="0" lang="en-US" altLang="en-US" sz="1100" b="0" i="0" u="none" strike="noStrike" cap="none" normalizeH="0" baseline="0" dirty="0" err="1">
+                <a:ln>
+                  <a:noFill/>
+                </a:ln>
+                <a:solidFill>
+                  <a:srgbClr val="005999"/>
+                </a:solidFill>
+                <a:effectLst/>
+                <a:latin typeface="inherit"/>
+                <a:cs typeface="Arial" panose="020B0604020202020204" pitchFamily="34" charset="0"/>
+                <a:hlinkClick r:id="rId2"/>
+              </a:rPr>
+              <a:t>latest#Samples</a:t>
+            </a:r>
+            <a:r>
+              <a:rPr kumimoji="0" lang="en-US" altLang="en-US" sz="1100" b="0" i="0" u="none" strike="noStrike" cap="none" normalizeH="0" baseline="0" dirty="0">
+                <a:ln>
+                  <a:noFill/>
+                </a:ln>
+                <a:solidFill>
+                  <a:srgbClr val="005999"/>
+                </a:solidFill>
+                <a:effectLst/>
+                <a:latin typeface="inherit"/>
+                <a:cs typeface="Arial" panose="020B0604020202020204" pitchFamily="34" charset="0"/>
+                <a:hlinkClick r:id="rId2"/>
+              </a:rPr>
+              <a:t>/</a:t>
+            </a:r>
+            <a:r>
+              <a:rPr kumimoji="0" lang="en-US" altLang="en-US" sz="1100" b="0" i="0" u="none" strike="noStrike" cap="none" normalizeH="0" baseline="0" dirty="0" err="1">
+                <a:ln>
+                  <a:noFill/>
+                </a:ln>
+                <a:solidFill>
+                  <a:srgbClr val="005999"/>
+                </a:solidFill>
+                <a:effectLst/>
+                <a:latin typeface="inherit"/>
+                <a:cs typeface="Arial" panose="020B0604020202020204" pitchFamily="34" charset="0"/>
+                <a:hlinkClick r:id="rId2"/>
+              </a:rPr>
+              <a:t>WebApi</a:t>
+            </a:r>
+            <a:r>
+              <a:rPr kumimoji="0" lang="en-US" altLang="en-US" sz="1100" b="0" i="0" u="none" strike="noStrike" cap="none" normalizeH="0" baseline="0" dirty="0">
+                <a:ln>
+                  <a:noFill/>
+                </a:ln>
+                <a:solidFill>
+                  <a:srgbClr val="005999"/>
+                </a:solidFill>
+                <a:effectLst/>
+                <a:latin typeface="inherit"/>
+                <a:cs typeface="Arial" panose="020B0604020202020204" pitchFamily="34" charset="0"/>
+                <a:hlinkClick r:id="rId2"/>
+              </a:rPr>
+              <a:t>/</a:t>
+            </a:r>
+            <a:r>
+              <a:rPr kumimoji="0" lang="en-US" altLang="en-US" sz="1100" b="0" i="0" u="none" strike="noStrike" cap="none" normalizeH="0" baseline="0" dirty="0" err="1">
+                <a:ln>
+                  <a:noFill/>
+                </a:ln>
+                <a:solidFill>
+                  <a:srgbClr val="005999"/>
+                </a:solidFill>
+                <a:effectLst/>
+                <a:latin typeface="inherit"/>
+                <a:cs typeface="Arial" panose="020B0604020202020204" pitchFamily="34" charset="0"/>
+                <a:hlinkClick r:id="rId2"/>
+              </a:rPr>
+              <a:t>ControllerSpecificConfigSample</a:t>
+            </a:r>
+            <a:r>
+              <a:rPr kumimoji="0" lang="en-US" altLang="en-US" sz="1100" b="0" i="0" u="none" strike="noStrike" cap="none" normalizeH="0" baseline="0" dirty="0">
+                <a:ln>
+                  <a:noFill/>
+                </a:ln>
+                <a:solidFill>
+                  <a:srgbClr val="005999"/>
+                </a:solidFill>
+                <a:effectLst/>
+                <a:latin typeface="inherit"/>
+                <a:cs typeface="Arial" panose="020B0604020202020204" pitchFamily="34" charset="0"/>
+                <a:hlinkClick r:id="rId2"/>
+              </a:rPr>
+              <a:t>/ReadMe.txt</a:t>
+            </a:r>
+            <a:endParaRPr kumimoji="0" lang="en-US" altLang="en-US" sz="800" b="0" i="0" u="none" strike="noStrike" cap="none" normalizeH="0" baseline="0" dirty="0">
+              <a:ln>
+                <a:noFill/>
+              </a:ln>
+              <a:solidFill>
+                <a:schemeClr val="tx1"/>
+              </a:solidFill>
+              <a:effectLst/>
+            </a:endParaRPr>
+          </a:p>
+          <a:p>
+            <a:pPr marL="0" marR="0" lvl="0" indent="0" algn="l" defTabSz="914400" rtl="0" eaLnBrk="0" fontAlgn="base" latinLnBrk="0" hangingPunct="0">
+              <a:lnSpc>
+                <a:spcPct val="100000"/>
+              </a:lnSpc>
+              <a:spcBef>
+                <a:spcPct val="0"/>
+              </a:spcBef>
+              <a:spcAft>
+                <a:spcPct val="0"/>
+              </a:spcAft>
+              <a:buClrTx/>
+              <a:buSzTx/>
+              <a:buFontTx/>
+              <a:buNone/>
+              <a:tabLst/>
+            </a:pPr>
+            <a:br>
+              <a:rPr kumimoji="0" lang="en-US" altLang="en-US" sz="1800" b="0" i="0" u="none" strike="noStrike" cap="none" normalizeH="0" baseline="0" dirty="0">
+                <a:ln>
+                  <a:noFill/>
+                </a:ln>
+                <a:solidFill>
+                  <a:schemeClr val="tx1"/>
+                </a:solidFill>
+                <a:effectLst/>
+                <a:latin typeface="Arial" panose="020B0604020202020204" pitchFamily="34" charset="0"/>
+              </a:rPr>
+            </a:br>
+            <a:endParaRPr kumimoji="0" lang="en-US" altLang="en-US" sz="1800" b="0" i="0" u="none" strike="noStrike" cap="none" normalizeH="0" baseline="0" dirty="0">
+              <a:ln>
+                <a:noFill/>
+              </a:ln>
+              <a:solidFill>
+                <a:schemeClr val="tx1"/>
+              </a:solidFill>
+              <a:effectLst/>
+              <a:latin typeface="Arial" panose="020B0604020202020204" pitchFamily="34" charset="0"/>
+            </a:endParaRPr>
+          </a:p>
+        </p:txBody>
+      </p:sp>
+    </p:spTree>
+    <p:extLst>
+      <p:ext uri="{BB962C8B-B14F-4D97-AF65-F5344CB8AC3E}">
+        <p14:creationId xmlns:p14="http://schemas.microsoft.com/office/powerpoint/2010/main" val="1773433"/>
       </p:ext>
     </p:extLst>
   </p:cSld>
@@ -4543,119 +7829,135 @@
       </p:grpSpPr>
       <p:sp>
         <p:nvSpPr>
-          <p:cNvPr id="2" name="Title 1"/>
-          <p:cNvSpPr>
-            <a:spLocks noGrp="1"/>
-          </p:cNvSpPr>
-          <p:nvPr>
-            <p:ph type="title"/>
-          </p:nvPr>
-        </p:nvSpPr>
-        <p:spPr/>
-        <p:txBody>
-          <a:bodyPr/>
-          <a:lstStyle/>
-          <a:p>
-            <a:r>
-              <a:rPr lang="en-US" dirty="0"/>
-              <a:t> HTTP MESSAGE LIFECYLE</a:t>
-            </a:r>
-          </a:p>
-        </p:txBody>
-      </p:sp>
-      <p:pic>
-        <p:nvPicPr>
-          <p:cNvPr id="4" name="Picture 3"/>
-          <p:cNvPicPr>
-            <a:picLocks noChangeAspect="1"/>
-          </p:cNvPicPr>
+          <p:cNvPr id="4" name="Rectangle 3"/>
+          <p:cNvSpPr/>
           <p:nvPr/>
-        </p:nvPicPr>
-        <p:blipFill rotWithShape="1">
-          <a:blip r:embed="rId2"/>
-          <a:srcRect b="4161"/>
-          <a:stretch/>
-        </p:blipFill>
+        </p:nvSpPr>
         <p:spPr>
           <a:xfrm>
-            <a:off x="2024349" y="699694"/>
-            <a:ext cx="8746201" cy="2978003"/>
+            <a:off x="2633973" y="2641433"/>
+            <a:ext cx="7865166" cy="923330"/>
           </a:xfrm>
           <a:prstGeom prst="rect">
             <a:avLst/>
           </a:prstGeom>
         </p:spPr>
-      </p:pic>
-      <p:sp>
-        <p:nvSpPr>
-          <p:cNvPr id="5" name="TextBox 4"/>
-          <p:cNvSpPr txBox="1"/>
-          <p:nvPr/>
-        </p:nvSpPr>
-        <p:spPr>
-          <a:xfrm>
-            <a:off x="1336431" y="4180114"/>
-            <a:ext cx="10510576" cy="646331"/>
-          </a:xfrm>
-          <a:prstGeom prst="rect">
-            <a:avLst/>
-          </a:prstGeom>
-          <a:noFill/>
-        </p:spPr>
-        <p:txBody>
-          <a:bodyPr wrap="square" rtlCol="0">
+        <p:txBody>
+          <a:bodyPr wrap="none">
             <a:spAutoFit/>
           </a:bodyPr>
           <a:lstStyle/>
           <a:p>
-            <a:pPr marL="342900" indent="-342900">
-              <a:buAutoNum type="arabicPeriod"/>
-            </a:pPr>
-            <a:r>
-              <a:rPr lang="en-US" dirty="0"/>
-              <a:t>The IIS (Self-Host) passes the request to the </a:t>
-            </a:r>
-            <a:r>
-              <a:rPr lang="en-US" dirty="0" err="1"/>
-              <a:t>HttpServer</a:t>
-            </a:r>
-            <a:r>
-              <a:rPr lang="en-US" dirty="0"/>
-              <a:t> instance.</a:t>
-            </a:r>
-          </a:p>
-          <a:p>
-            <a:pPr marL="342900" indent="-342900">
-              <a:buAutoNum type="arabicPeriod"/>
-            </a:pPr>
-            <a:r>
-              <a:rPr lang="en-US" dirty="0"/>
-              <a:t>The </a:t>
-            </a:r>
-            <a:r>
-              <a:rPr lang="en-US" dirty="0" err="1"/>
-              <a:t>HttpServer</a:t>
-            </a:r>
-            <a:r>
-              <a:rPr lang="en-US" dirty="0"/>
-              <a:t> is responsible for dispatching the </a:t>
-            </a:r>
-            <a:r>
-              <a:rPr lang="en-US" dirty="0" err="1"/>
-              <a:t>HttpRequestMessage</a:t>
-            </a:r>
-            <a:r>
-              <a:rPr lang="en-US"/>
-              <a:t> object</a:t>
-            </a:r>
-            <a:endParaRPr lang="en-US" dirty="0"/>
+            <a:r>
+              <a:rPr lang="en-US" sz="5400" b="1" dirty="0"/>
+              <a:t>HTTP MESSAGE HANDLERS</a:t>
+            </a:r>
+            <a:endParaRPr lang="en-US" sz="5400" dirty="0"/>
           </a:p>
         </p:txBody>
       </p:sp>
     </p:spTree>
     <p:extLst>
       <p:ext uri="{BB962C8B-B14F-4D97-AF65-F5344CB8AC3E}">
-        <p14:creationId xmlns:p14="http://schemas.microsoft.com/office/powerpoint/2010/main" val="1944712186"/>
+        <p14:creationId xmlns:p14="http://schemas.microsoft.com/office/powerpoint/2010/main" val="1180037650"/>
+      </p:ext>
+    </p:extLst>
+  </p:cSld>
+  <p:clrMapOvr>
+    <a:masterClrMapping/>
+  </p:clrMapOvr>
+</p:sld>
+</file>
+
+<file path=ppt/slides/slide30.xml><?xml version="1.0" encoding="utf-8"?>
+<p:sld xmlns:a="http://schemas.openxmlformats.org/drawingml/2006/main" xmlns:r="http://schemas.openxmlformats.org/officeDocument/2006/relationships" xmlns:p="http://schemas.openxmlformats.org/presentationml/2006/main">
+  <p:cSld>
+    <p:spTree>
+      <p:nvGrpSpPr>
+        <p:cNvPr id="1" name=""/>
+        <p:cNvGrpSpPr/>
+        <p:nvPr/>
+      </p:nvGrpSpPr>
+      <p:grpSpPr>
+        <a:xfrm>
+          <a:off x="0" y="0"/>
+          <a:ext cx="0" cy="0"/>
+          <a:chOff x="0" y="0"/>
+          <a:chExt cx="0" cy="0"/>
+        </a:xfrm>
+      </p:grpSpPr>
+      <p:sp>
+        <p:nvSpPr>
+          <p:cNvPr id="2" name="Title 1"/>
+          <p:cNvSpPr>
+            <a:spLocks noGrp="1"/>
+          </p:cNvSpPr>
+          <p:nvPr>
+            <p:ph type="title"/>
+          </p:nvPr>
+        </p:nvSpPr>
+        <p:spPr/>
+        <p:txBody>
+          <a:bodyPr/>
+          <a:lstStyle/>
+          <a:p>
+            <a:r>
+              <a:rPr lang="en-US" dirty="0"/>
+              <a:t>Purpose of this talk</a:t>
+            </a:r>
+          </a:p>
+        </p:txBody>
+      </p:sp>
+      <p:sp>
+        <p:nvSpPr>
+          <p:cNvPr id="4" name="Content Placeholder 3"/>
+          <p:cNvSpPr>
+            <a:spLocks noGrp="1"/>
+          </p:cNvSpPr>
+          <p:nvPr>
+            <p:ph idx="1"/>
+          </p:nvPr>
+        </p:nvSpPr>
+        <p:spPr/>
+        <p:txBody>
+          <a:bodyPr/>
+          <a:lstStyle/>
+          <a:p>
+            <a:r>
+              <a:rPr lang="en-US" dirty="0"/>
+              <a:t>Resources</a:t>
+            </a:r>
+          </a:p>
+          <a:p>
+            <a:r>
+              <a:rPr lang="en-US" dirty="0">
+                <a:hlinkClick r:id="rId2"/>
+              </a:rPr>
+              <a:t>https://www.simple-talk.com/dotnet/net-framework/an-introduction-to-asp-net-mvc-extensibility/</a:t>
+            </a:r>
+            <a:endParaRPr lang="en-US" dirty="0"/>
+          </a:p>
+          <a:p>
+            <a:r>
+              <a:rPr lang="en-US" dirty="0">
+                <a:hlinkClick r:id="rId3"/>
+              </a:rPr>
+              <a:t>https://www.simple-talk.com/wp-content/uploads/imported/1358-ASP.NET%20MVC%20Pipeline.pdf</a:t>
+            </a:r>
+            <a:endParaRPr lang="en-US" dirty="0"/>
+          </a:p>
+          <a:p>
+            <a:endParaRPr lang="en-US" dirty="0"/>
+          </a:p>
+          <a:p>
+            <a:endParaRPr lang="en-US" dirty="0"/>
+          </a:p>
+        </p:txBody>
+      </p:sp>
+    </p:spTree>
+    <p:extLst>
+      <p:ext uri="{BB962C8B-B14F-4D97-AF65-F5344CB8AC3E}">
+        <p14:creationId xmlns:p14="http://schemas.microsoft.com/office/powerpoint/2010/main" val="3073367794"/>
       </p:ext>
     </p:extLst>
   </p:cSld>
@@ -4699,7 +8001,250 @@
           <a:p>
             <a:r>
               <a:rPr lang="en-US" dirty="0"/>
-              <a:t> HTTP MESSAGE LIFECYLE</a:t>
+              <a:t> </a:t>
+            </a:r>
+            <a:r>
+              <a:rPr lang="en-US" dirty="0"/>
+              <a:t>HTTP MESSAGE HANDLERS</a:t>
+            </a:r>
+            <a:endParaRPr lang="en-US" dirty="0"/>
+          </a:p>
+        </p:txBody>
+      </p:sp>
+      <p:sp>
+        <p:nvSpPr>
+          <p:cNvPr id="5" name="TextBox 4"/>
+          <p:cNvSpPr txBox="1"/>
+          <p:nvPr/>
+        </p:nvSpPr>
+        <p:spPr>
+          <a:xfrm>
+            <a:off x="1455438" y="694159"/>
+            <a:ext cx="10510576" cy="6124754"/>
+          </a:xfrm>
+          <a:prstGeom prst="rect">
+            <a:avLst/>
+          </a:prstGeom>
+          <a:noFill/>
+        </p:spPr>
+        <p:txBody>
+          <a:bodyPr wrap="square" rtlCol="0">
+            <a:spAutoFit/>
+          </a:bodyPr>
+          <a:lstStyle/>
+          <a:p>
+            <a:r>
+              <a:rPr lang="en-US" sz="2800" b="1" dirty="0"/>
+              <a:t>What we have to know?</a:t>
+            </a:r>
+          </a:p>
+          <a:p>
+            <a:pPr marL="342900" indent="-342900">
+              <a:buAutoNum type="arabicPeriod"/>
+            </a:pPr>
+            <a:endParaRPr lang="en-US" sz="2400" dirty="0"/>
+          </a:p>
+          <a:p>
+            <a:pPr marL="342900" indent="-342900">
+              <a:buAutoNum type="arabicPeriod"/>
+            </a:pPr>
+            <a:endParaRPr lang="en-US" sz="2400" dirty="0"/>
+          </a:p>
+          <a:p>
+            <a:pPr marL="342900" indent="-342900">
+              <a:buAutoNum type="arabicPeriod"/>
+            </a:pPr>
+            <a:r>
+              <a:rPr lang="en-US" sz="2400" dirty="0"/>
+              <a:t>They are the first stage in the process </a:t>
+            </a:r>
+            <a:r>
+              <a:rPr lang="en-US" sz="2400" dirty="0" err="1"/>
+              <a:t>pipline</a:t>
+            </a:r>
+            <a:r>
+              <a:rPr lang="en-US" sz="2400" dirty="0"/>
+              <a:t>.</a:t>
+            </a:r>
+          </a:p>
+          <a:p>
+            <a:pPr marL="342900" indent="-342900">
+              <a:buAutoNum type="arabicPeriod"/>
+            </a:pPr>
+            <a:endParaRPr lang="en-US" sz="2400" dirty="0"/>
+          </a:p>
+          <a:p>
+            <a:pPr marL="342900" indent="-342900">
+              <a:buAutoNum type="arabicPeriod"/>
+            </a:pPr>
+            <a:r>
+              <a:rPr lang="en-US" sz="2400" dirty="0"/>
+              <a:t>They process the HTTP Request Message and return HTTP Response Message. </a:t>
+            </a:r>
+          </a:p>
+          <a:p>
+            <a:pPr marL="342900" indent="-342900">
+              <a:buAutoNum type="arabicPeriod"/>
+            </a:pPr>
+            <a:endParaRPr lang="en-US" sz="2400" dirty="0"/>
+          </a:p>
+          <a:p>
+            <a:pPr marL="342900" indent="-342900">
+              <a:buAutoNum type="arabicPeriod"/>
+            </a:pPr>
+            <a:r>
+              <a:rPr lang="en-US" sz="2400" dirty="0"/>
+              <a:t>To create </a:t>
+            </a:r>
+            <a:r>
+              <a:rPr lang="en-US" sz="2400" dirty="0">
+                <a:solidFill>
+                  <a:schemeClr val="accent1">
+                    <a:lumMod val="60000"/>
+                    <a:lumOff val="40000"/>
+                  </a:schemeClr>
+                </a:solidFill>
+              </a:rPr>
+              <a:t>Custom Message Handler</a:t>
+            </a:r>
+            <a:r>
+              <a:rPr lang="en-US" sz="2400" dirty="0"/>
+              <a:t> derive from </a:t>
+            </a:r>
+            <a:r>
+              <a:rPr lang="en-US" sz="2400" dirty="0" err="1">
+                <a:solidFill>
+                  <a:schemeClr val="accent1">
+                    <a:lumMod val="60000"/>
+                    <a:lumOff val="40000"/>
+                  </a:schemeClr>
+                </a:solidFill>
+                <a:latin typeface="Consolas" panose="020B0609020204030204" pitchFamily="49" charset="0"/>
+              </a:rPr>
+              <a:t>DelegatingHandler</a:t>
+            </a:r>
+            <a:r>
+              <a:rPr lang="en-US" sz="2400" dirty="0"/>
+              <a:t> or </a:t>
+            </a:r>
+            <a:r>
+              <a:rPr lang="en-US" sz="2400" dirty="0" err="1">
+                <a:solidFill>
+                  <a:schemeClr val="accent1">
+                    <a:lumMod val="60000"/>
+                    <a:lumOff val="40000"/>
+                  </a:schemeClr>
+                </a:solidFill>
+                <a:latin typeface="Consolas" panose="020B0609020204030204" pitchFamily="49" charset="0"/>
+              </a:rPr>
+              <a:t>HttpMessageHandler</a:t>
+            </a:r>
+            <a:r>
+              <a:rPr lang="en-US" sz="2400" dirty="0">
+                <a:solidFill>
+                  <a:schemeClr val="accent1">
+                    <a:lumMod val="60000"/>
+                    <a:lumOff val="40000"/>
+                  </a:schemeClr>
+                </a:solidFill>
+                <a:latin typeface="Consolas" panose="020B0609020204030204" pitchFamily="49" charset="0"/>
+              </a:rPr>
+              <a:t> </a:t>
+            </a:r>
+            <a:r>
+              <a:rPr lang="en-US" sz="2400" dirty="0">
+                <a:latin typeface="Consolas" panose="020B0609020204030204" pitchFamily="49" charset="0"/>
+              </a:rPr>
+              <a:t>and register it in </a:t>
+            </a:r>
+            <a:r>
+              <a:rPr lang="en-US" sz="2400" dirty="0" err="1">
+                <a:solidFill>
+                  <a:schemeClr val="accent1">
+                    <a:lumMod val="60000"/>
+                    <a:lumOff val="40000"/>
+                  </a:schemeClr>
+                </a:solidFill>
+                <a:latin typeface="Consolas" panose="020B0609020204030204" pitchFamily="49" charset="0"/>
+              </a:rPr>
+              <a:t>HttpConfiguration</a:t>
+            </a:r>
+            <a:r>
+              <a:rPr lang="en-US" sz="2400" dirty="0">
+                <a:latin typeface="Consolas" panose="020B0609020204030204" pitchFamily="49" charset="0"/>
+              </a:rPr>
+              <a:t>.</a:t>
+            </a:r>
+          </a:p>
+          <a:p>
+            <a:pPr marL="342900" indent="-342900">
+              <a:buAutoNum type="arabicPeriod"/>
+            </a:pPr>
+            <a:endParaRPr lang="en-US" sz="2400" dirty="0">
+              <a:solidFill>
+                <a:schemeClr val="accent1">
+                  <a:lumMod val="60000"/>
+                  <a:lumOff val="40000"/>
+                </a:schemeClr>
+              </a:solidFill>
+              <a:latin typeface="Consolas" panose="020B0609020204030204" pitchFamily="49" charset="0"/>
+            </a:endParaRPr>
+          </a:p>
+          <a:p>
+            <a:pPr marL="342900" indent="-342900">
+              <a:buAutoNum type="arabicPeriod"/>
+            </a:pPr>
+            <a:r>
+              <a:rPr lang="en-US" sz="2400" dirty="0"/>
+              <a:t>Can be global or per route.</a:t>
+            </a:r>
+          </a:p>
+          <a:p>
+            <a:pPr marL="342900" indent="-342900">
+              <a:buAutoNum type="arabicPeriod"/>
+            </a:pPr>
+            <a:endParaRPr lang="en-US" sz="2400" dirty="0"/>
+          </a:p>
+          <a:p>
+            <a:pPr marL="342900" indent="-342900">
+              <a:buAutoNum type="arabicPeriod"/>
+            </a:pPr>
+            <a:r>
+              <a:rPr lang="en-US" sz="2400" dirty="0"/>
+              <a:t>Can dispatch the request to the next handler or return a response and skip the rest of the pipeline.</a:t>
+            </a:r>
+          </a:p>
+          <a:p>
+            <a:pPr marL="342900" indent="-342900">
+              <a:buAutoNum type="arabicPeriod"/>
+            </a:pPr>
+            <a:endParaRPr lang="en-US" sz="2400" dirty="0"/>
+          </a:p>
+          <a:p>
+            <a:pPr algn="r"/>
+            <a:r>
+              <a:rPr lang="en-US" sz="2400" dirty="0">
+                <a:solidFill>
+                  <a:schemeClr val="accent5"/>
+                </a:solidFill>
+              </a:rPr>
+              <a:t>Demo “02. </a:t>
+            </a:r>
+            <a:r>
+              <a:rPr lang="en-US" sz="2400" dirty="0" err="1">
+                <a:solidFill>
+                  <a:schemeClr val="accent5"/>
+                </a:solidFill>
+              </a:rPr>
+              <a:t>DelegatingHandlers</a:t>
+            </a:r>
+            <a:r>
+              <a:rPr lang="en-US" sz="2400" dirty="0">
+                <a:solidFill>
+                  <a:schemeClr val="accent5"/>
+                </a:solidFill>
+              </a:rPr>
+              <a:t>”</a:t>
             </a:r>
           </a:p>
         </p:txBody>
@@ -4707,7 +8252,7 @@
     </p:spTree>
     <p:extLst>
       <p:ext uri="{BB962C8B-B14F-4D97-AF65-F5344CB8AC3E}">
-        <p14:creationId xmlns:p14="http://schemas.microsoft.com/office/powerpoint/2010/main" val="83929552"/>
+        <p14:creationId xmlns:p14="http://schemas.microsoft.com/office/powerpoint/2010/main" val="1524299299"/>
       </p:ext>
     </p:extLst>
   </p:cSld>
@@ -4751,7 +8296,1165 @@
           <a:p>
             <a:r>
               <a:rPr lang="en-US" dirty="0"/>
-              <a:t> HTTP MESSAGE LIFECYLE</a:t>
+              <a:t> </a:t>
+            </a:r>
+            <a:r>
+              <a:rPr lang="en-US" dirty="0"/>
+              <a:t>HTTP MESSAGE HANDLERS</a:t>
+            </a:r>
+            <a:endParaRPr lang="en-US" dirty="0"/>
+          </a:p>
+        </p:txBody>
+      </p:sp>
+      <p:sp>
+        <p:nvSpPr>
+          <p:cNvPr id="6" name="Rectangle 5"/>
+          <p:cNvSpPr/>
+          <p:nvPr/>
+        </p:nvSpPr>
+        <p:spPr>
+          <a:xfrm>
+            <a:off x="2914649" y="1262093"/>
+            <a:ext cx="7477126" cy="2800767"/>
+          </a:xfrm>
+          <a:prstGeom prst="rect">
+            <a:avLst/>
+          </a:prstGeom>
+          <a:solidFill>
+            <a:schemeClr val="tx1"/>
+          </a:solidFill>
+        </p:spPr>
+        <p:txBody>
+          <a:bodyPr wrap="square">
+            <a:spAutoFit/>
+          </a:bodyPr>
+          <a:lstStyle/>
+          <a:p>
+            <a:r>
+              <a:rPr lang="en-US" sz="1600" dirty="0">
+                <a:solidFill>
+                  <a:srgbClr val="569CD6"/>
+                </a:solidFill>
+                <a:latin typeface="Consolas" panose="020B0609020204030204" pitchFamily="49" charset="0"/>
+              </a:rPr>
+              <a:t>public</a:t>
+            </a:r>
+            <a:r>
+              <a:rPr lang="en-US" sz="1600" dirty="0">
+                <a:solidFill>
+                  <a:srgbClr val="D4D4D4"/>
+                </a:solidFill>
+                <a:latin typeface="Consolas" panose="020B0609020204030204" pitchFamily="49" charset="0"/>
+              </a:rPr>
+              <a:t> </a:t>
+            </a:r>
+            <a:r>
+              <a:rPr lang="en-US" sz="1600" dirty="0">
+                <a:solidFill>
+                  <a:srgbClr val="569CD6"/>
+                </a:solidFill>
+                <a:latin typeface="Consolas" panose="020B0609020204030204" pitchFamily="49" charset="0"/>
+              </a:rPr>
+              <a:t>abstract</a:t>
+            </a:r>
+            <a:r>
+              <a:rPr lang="en-US" sz="1600" dirty="0">
+                <a:solidFill>
+                  <a:srgbClr val="D4D4D4"/>
+                </a:solidFill>
+                <a:latin typeface="Consolas" panose="020B0609020204030204" pitchFamily="49" charset="0"/>
+              </a:rPr>
+              <a:t> </a:t>
+            </a:r>
+            <a:r>
+              <a:rPr lang="en-US" sz="1600" dirty="0">
+                <a:solidFill>
+                  <a:srgbClr val="569CD6"/>
+                </a:solidFill>
+                <a:latin typeface="Consolas" panose="020B0609020204030204" pitchFamily="49" charset="0"/>
+              </a:rPr>
+              <a:t>class</a:t>
+            </a:r>
+            <a:r>
+              <a:rPr lang="en-US" sz="1600" dirty="0">
+                <a:solidFill>
+                  <a:srgbClr val="D4D4D4"/>
+                </a:solidFill>
+                <a:latin typeface="Consolas" panose="020B0609020204030204" pitchFamily="49" charset="0"/>
+              </a:rPr>
+              <a:t> </a:t>
+            </a:r>
+            <a:r>
+              <a:rPr lang="en-US" sz="1600" dirty="0" err="1">
+                <a:solidFill>
+                  <a:srgbClr val="4EC9B0"/>
+                </a:solidFill>
+                <a:latin typeface="Consolas" panose="020B0609020204030204" pitchFamily="49" charset="0"/>
+              </a:rPr>
+              <a:t>DelegatingHandler</a:t>
+            </a:r>
+            <a:r>
+              <a:rPr lang="en-US" sz="1600" dirty="0">
+                <a:solidFill>
+                  <a:srgbClr val="D4D4D4"/>
+                </a:solidFill>
+                <a:latin typeface="Consolas" panose="020B0609020204030204" pitchFamily="49" charset="0"/>
+              </a:rPr>
+              <a:t> : </a:t>
+            </a:r>
+            <a:r>
+              <a:rPr lang="en-US" sz="1600" dirty="0" err="1">
+                <a:solidFill>
+                  <a:srgbClr val="4EC9B0"/>
+                </a:solidFill>
+                <a:latin typeface="Consolas" panose="020B0609020204030204" pitchFamily="49" charset="0"/>
+              </a:rPr>
+              <a:t>HttpMessageHandler</a:t>
+            </a:r>
+            <a:endParaRPr lang="en-US" sz="1600" dirty="0">
+              <a:solidFill>
+                <a:srgbClr val="D4D4D4"/>
+              </a:solidFill>
+              <a:latin typeface="Consolas" panose="020B0609020204030204" pitchFamily="49" charset="0"/>
+            </a:endParaRPr>
+          </a:p>
+          <a:p>
+            <a:r>
+              <a:rPr lang="en-US" sz="1600" dirty="0">
+                <a:solidFill>
+                  <a:srgbClr val="D4D4D4"/>
+                </a:solidFill>
+                <a:latin typeface="Consolas" panose="020B0609020204030204" pitchFamily="49" charset="0"/>
+              </a:rPr>
+              <a:t>{</a:t>
+            </a:r>
+          </a:p>
+          <a:p>
+            <a:r>
+              <a:rPr lang="en-US" sz="1600" dirty="0">
+                <a:solidFill>
+                  <a:srgbClr val="569CD6"/>
+                </a:solidFill>
+                <a:latin typeface="Consolas" panose="020B0609020204030204" pitchFamily="49" charset="0"/>
+              </a:rPr>
+              <a:t>protected</a:t>
+            </a:r>
+            <a:r>
+              <a:rPr lang="en-US" sz="1600" dirty="0">
+                <a:solidFill>
+                  <a:srgbClr val="D4D4D4"/>
+                </a:solidFill>
+                <a:latin typeface="Consolas" panose="020B0609020204030204" pitchFamily="49" charset="0"/>
+              </a:rPr>
+              <a:t> </a:t>
+            </a:r>
+            <a:r>
+              <a:rPr lang="en-US" sz="1600" dirty="0" err="1">
+                <a:solidFill>
+                  <a:srgbClr val="DCDCAA"/>
+                </a:solidFill>
+                <a:latin typeface="Consolas" panose="020B0609020204030204" pitchFamily="49" charset="0"/>
+              </a:rPr>
+              <a:t>DelegatingHandler</a:t>
+            </a:r>
+            <a:r>
+              <a:rPr lang="en-US" sz="1600" dirty="0">
+                <a:solidFill>
+                  <a:srgbClr val="D4D4D4"/>
+                </a:solidFill>
+                <a:latin typeface="Consolas" panose="020B0609020204030204" pitchFamily="49" charset="0"/>
+              </a:rPr>
+              <a:t>();</a:t>
+            </a:r>
+          </a:p>
+          <a:p>
+            <a:r>
+              <a:rPr lang="en-US" sz="1600" dirty="0">
+                <a:solidFill>
+                  <a:srgbClr val="569CD6"/>
+                </a:solidFill>
+                <a:latin typeface="Consolas" panose="020B0609020204030204" pitchFamily="49" charset="0"/>
+              </a:rPr>
+              <a:t>protected</a:t>
+            </a:r>
+            <a:r>
+              <a:rPr lang="en-US" sz="1600" dirty="0">
+                <a:solidFill>
+                  <a:srgbClr val="D4D4D4"/>
+                </a:solidFill>
+                <a:latin typeface="Consolas" panose="020B0609020204030204" pitchFamily="49" charset="0"/>
+              </a:rPr>
+              <a:t> </a:t>
+            </a:r>
+            <a:r>
+              <a:rPr lang="en-US" sz="1600" dirty="0" err="1">
+                <a:solidFill>
+                  <a:srgbClr val="DCDCAA"/>
+                </a:solidFill>
+                <a:latin typeface="Consolas" panose="020B0609020204030204" pitchFamily="49" charset="0"/>
+              </a:rPr>
+              <a:t>DelegatingHandler</a:t>
+            </a:r>
+            <a:r>
+              <a:rPr lang="en-US" sz="1600" dirty="0">
+                <a:solidFill>
+                  <a:srgbClr val="D4D4D4"/>
+                </a:solidFill>
+                <a:latin typeface="Consolas" panose="020B0609020204030204" pitchFamily="49" charset="0"/>
+              </a:rPr>
+              <a:t>(</a:t>
+            </a:r>
+            <a:r>
+              <a:rPr lang="en-US" sz="1600" dirty="0" err="1">
+                <a:solidFill>
+                  <a:srgbClr val="4EC9B0"/>
+                </a:solidFill>
+                <a:latin typeface="Consolas" panose="020B0609020204030204" pitchFamily="49" charset="0"/>
+              </a:rPr>
+              <a:t>HttpMessageHandler</a:t>
+            </a:r>
+            <a:r>
+              <a:rPr lang="en-US" sz="1600" dirty="0">
+                <a:solidFill>
+                  <a:srgbClr val="D4D4D4"/>
+                </a:solidFill>
+                <a:latin typeface="Consolas" panose="020B0609020204030204" pitchFamily="49" charset="0"/>
+              </a:rPr>
+              <a:t> </a:t>
+            </a:r>
+            <a:r>
+              <a:rPr lang="en-US" sz="1600" dirty="0" err="1">
+                <a:solidFill>
+                  <a:srgbClr val="D4D4D4"/>
+                </a:solidFill>
+                <a:latin typeface="Consolas" panose="020B0609020204030204" pitchFamily="49" charset="0"/>
+              </a:rPr>
+              <a:t>innerHandler</a:t>
+            </a:r>
+            <a:r>
+              <a:rPr lang="en-US" sz="1600" dirty="0">
+                <a:solidFill>
+                  <a:srgbClr val="D4D4D4"/>
+                </a:solidFill>
+                <a:latin typeface="Consolas" panose="020B0609020204030204" pitchFamily="49" charset="0"/>
+              </a:rPr>
+              <a:t>); </a:t>
+            </a:r>
+          </a:p>
+          <a:p>
+            <a:r>
+              <a:rPr lang="en-US" sz="1600" dirty="0">
+                <a:solidFill>
+                  <a:srgbClr val="569CD6"/>
+                </a:solidFill>
+                <a:latin typeface="Consolas" panose="020B0609020204030204" pitchFamily="49" charset="0"/>
+              </a:rPr>
+              <a:t>public</a:t>
+            </a:r>
+            <a:r>
+              <a:rPr lang="en-US" sz="1600" dirty="0">
+                <a:solidFill>
+                  <a:srgbClr val="D4D4D4"/>
+                </a:solidFill>
+                <a:latin typeface="Consolas" panose="020B0609020204030204" pitchFamily="49" charset="0"/>
+              </a:rPr>
+              <a:t> </a:t>
+            </a:r>
+            <a:r>
+              <a:rPr lang="en-US" sz="1600" dirty="0" err="1">
+                <a:solidFill>
+                  <a:srgbClr val="4EC9B0"/>
+                </a:solidFill>
+                <a:latin typeface="Consolas" panose="020B0609020204030204" pitchFamily="49" charset="0"/>
+              </a:rPr>
+              <a:t>HttpMessageHandler</a:t>
+            </a:r>
+            <a:r>
+              <a:rPr lang="en-US" sz="1600" dirty="0">
+                <a:solidFill>
+                  <a:srgbClr val="D4D4D4"/>
+                </a:solidFill>
+                <a:latin typeface="Consolas" panose="020B0609020204030204" pitchFamily="49" charset="0"/>
+              </a:rPr>
+              <a:t> </a:t>
+            </a:r>
+            <a:r>
+              <a:rPr lang="en-US" sz="1600" dirty="0" err="1">
+                <a:solidFill>
+                  <a:srgbClr val="D4D4D4"/>
+                </a:solidFill>
+                <a:latin typeface="Consolas" panose="020B0609020204030204" pitchFamily="49" charset="0"/>
+              </a:rPr>
+              <a:t>InnerHandler</a:t>
+            </a:r>
+            <a:r>
+              <a:rPr lang="en-US" sz="1600" dirty="0">
+                <a:solidFill>
+                  <a:srgbClr val="D4D4D4"/>
+                </a:solidFill>
+                <a:latin typeface="Consolas" panose="020B0609020204030204" pitchFamily="49" charset="0"/>
+              </a:rPr>
+              <a:t> { </a:t>
+            </a:r>
+            <a:r>
+              <a:rPr lang="en-US" sz="1600" dirty="0">
+                <a:solidFill>
+                  <a:srgbClr val="569CD6"/>
+                </a:solidFill>
+                <a:latin typeface="Consolas" panose="020B0609020204030204" pitchFamily="49" charset="0"/>
+              </a:rPr>
+              <a:t>get</a:t>
+            </a:r>
+            <a:r>
+              <a:rPr lang="en-US" sz="1600" dirty="0">
+                <a:solidFill>
+                  <a:srgbClr val="D4D4D4"/>
+                </a:solidFill>
+                <a:latin typeface="Consolas" panose="020B0609020204030204" pitchFamily="49" charset="0"/>
+              </a:rPr>
+              <a:t>; </a:t>
+            </a:r>
+            <a:r>
+              <a:rPr lang="en-US" sz="1600" dirty="0">
+                <a:solidFill>
+                  <a:srgbClr val="569CD6"/>
+                </a:solidFill>
+                <a:latin typeface="Consolas" panose="020B0609020204030204" pitchFamily="49" charset="0"/>
+              </a:rPr>
+              <a:t>set</a:t>
+            </a:r>
+            <a:r>
+              <a:rPr lang="en-US" sz="1600" dirty="0">
+                <a:solidFill>
+                  <a:srgbClr val="D4D4D4"/>
+                </a:solidFill>
+                <a:latin typeface="Consolas" panose="020B0609020204030204" pitchFamily="49" charset="0"/>
+              </a:rPr>
+              <a:t>; } </a:t>
+            </a:r>
+          </a:p>
+          <a:p>
+            <a:r>
+              <a:rPr lang="en-US" sz="1600" dirty="0">
+                <a:solidFill>
+                  <a:srgbClr val="569CD6"/>
+                </a:solidFill>
+                <a:latin typeface="Consolas" panose="020B0609020204030204" pitchFamily="49" charset="0"/>
+              </a:rPr>
+              <a:t>protected</a:t>
+            </a:r>
+            <a:r>
+              <a:rPr lang="en-US" sz="1600" dirty="0">
+                <a:solidFill>
+                  <a:srgbClr val="D4D4D4"/>
+                </a:solidFill>
+                <a:latin typeface="Consolas" panose="020B0609020204030204" pitchFamily="49" charset="0"/>
+              </a:rPr>
+              <a:t> </a:t>
+            </a:r>
+            <a:r>
+              <a:rPr lang="en-US" sz="1600" dirty="0">
+                <a:solidFill>
+                  <a:srgbClr val="569CD6"/>
+                </a:solidFill>
+                <a:latin typeface="Consolas" panose="020B0609020204030204" pitchFamily="49" charset="0"/>
+              </a:rPr>
+              <a:t>override</a:t>
+            </a:r>
+            <a:r>
+              <a:rPr lang="en-US" sz="1600" dirty="0">
+                <a:solidFill>
+                  <a:srgbClr val="D4D4D4"/>
+                </a:solidFill>
+                <a:latin typeface="Consolas" panose="020B0609020204030204" pitchFamily="49" charset="0"/>
+              </a:rPr>
+              <a:t> </a:t>
+            </a:r>
+            <a:r>
+              <a:rPr lang="en-US" sz="1600" dirty="0">
+                <a:solidFill>
+                  <a:srgbClr val="569CD6"/>
+                </a:solidFill>
+                <a:latin typeface="Consolas" panose="020B0609020204030204" pitchFamily="49" charset="0"/>
+              </a:rPr>
+              <a:t>void</a:t>
+            </a:r>
+            <a:r>
+              <a:rPr lang="en-US" sz="1600" dirty="0">
+                <a:solidFill>
+                  <a:srgbClr val="D4D4D4"/>
+                </a:solidFill>
+                <a:latin typeface="Consolas" panose="020B0609020204030204" pitchFamily="49" charset="0"/>
+              </a:rPr>
+              <a:t> </a:t>
+            </a:r>
+            <a:r>
+              <a:rPr lang="en-US" sz="1600" dirty="0">
+                <a:solidFill>
+                  <a:srgbClr val="DCDCAA"/>
+                </a:solidFill>
+                <a:latin typeface="Consolas" panose="020B0609020204030204" pitchFamily="49" charset="0"/>
+              </a:rPr>
+              <a:t>Dispose</a:t>
+            </a:r>
+            <a:r>
+              <a:rPr lang="en-US" sz="1600" dirty="0">
+                <a:solidFill>
+                  <a:srgbClr val="D4D4D4"/>
+                </a:solidFill>
+                <a:latin typeface="Consolas" panose="020B0609020204030204" pitchFamily="49" charset="0"/>
+              </a:rPr>
+              <a:t>(</a:t>
+            </a:r>
+            <a:r>
+              <a:rPr lang="en-US" sz="1600" dirty="0">
+                <a:solidFill>
+                  <a:srgbClr val="569CD6"/>
+                </a:solidFill>
+                <a:latin typeface="Consolas" panose="020B0609020204030204" pitchFamily="49" charset="0"/>
+              </a:rPr>
+              <a:t>bool</a:t>
+            </a:r>
+            <a:r>
+              <a:rPr lang="en-US" sz="1600" dirty="0">
+                <a:solidFill>
+                  <a:srgbClr val="D4D4D4"/>
+                </a:solidFill>
+                <a:latin typeface="Consolas" panose="020B0609020204030204" pitchFamily="49" charset="0"/>
+              </a:rPr>
+              <a:t> disposing); </a:t>
+            </a:r>
+          </a:p>
+          <a:p>
+            <a:r>
+              <a:rPr lang="en-US" sz="1600" dirty="0">
+                <a:solidFill>
+                  <a:srgbClr val="569CD6"/>
+                </a:solidFill>
+                <a:latin typeface="Consolas" panose="020B0609020204030204" pitchFamily="49" charset="0"/>
+              </a:rPr>
+              <a:t>protected</a:t>
+            </a:r>
+            <a:r>
+              <a:rPr lang="en-US" sz="1600" dirty="0">
+                <a:solidFill>
+                  <a:srgbClr val="D4D4D4"/>
+                </a:solidFill>
+                <a:latin typeface="Consolas" panose="020B0609020204030204" pitchFamily="49" charset="0"/>
+              </a:rPr>
+              <a:t> </a:t>
+            </a:r>
+            <a:r>
+              <a:rPr lang="en-US" sz="1600" dirty="0">
+                <a:solidFill>
+                  <a:srgbClr val="569CD6"/>
+                </a:solidFill>
+                <a:latin typeface="Consolas" panose="020B0609020204030204" pitchFamily="49" charset="0"/>
+              </a:rPr>
+              <a:t>internal</a:t>
+            </a:r>
+            <a:r>
+              <a:rPr lang="en-US" sz="1600" dirty="0">
+                <a:solidFill>
+                  <a:srgbClr val="D4D4D4"/>
+                </a:solidFill>
+                <a:latin typeface="Consolas" panose="020B0609020204030204" pitchFamily="49" charset="0"/>
+              </a:rPr>
+              <a:t> </a:t>
+            </a:r>
+            <a:r>
+              <a:rPr lang="en-US" sz="1600" dirty="0">
+                <a:solidFill>
+                  <a:srgbClr val="569CD6"/>
+                </a:solidFill>
+                <a:latin typeface="Consolas" panose="020B0609020204030204" pitchFamily="49" charset="0"/>
+              </a:rPr>
+              <a:t>override</a:t>
+            </a:r>
+            <a:r>
+              <a:rPr lang="en-US" sz="1600" dirty="0">
+                <a:solidFill>
+                  <a:srgbClr val="D4D4D4"/>
+                </a:solidFill>
+                <a:latin typeface="Consolas" panose="020B0609020204030204" pitchFamily="49" charset="0"/>
+              </a:rPr>
+              <a:t> </a:t>
+            </a:r>
+            <a:r>
+              <a:rPr lang="en-US" sz="1600" dirty="0">
+                <a:solidFill>
+                  <a:srgbClr val="4EC9B0"/>
+                </a:solidFill>
+                <a:latin typeface="Consolas" panose="020B0609020204030204" pitchFamily="49" charset="0"/>
+              </a:rPr>
+              <a:t>Task</a:t>
+            </a:r>
+            <a:r>
+              <a:rPr lang="en-US" sz="1600" dirty="0">
+                <a:solidFill>
+                  <a:srgbClr val="D4D4D4"/>
+                </a:solidFill>
+                <a:latin typeface="Consolas" panose="020B0609020204030204" pitchFamily="49" charset="0"/>
+              </a:rPr>
+              <a:t>&lt;</a:t>
+            </a:r>
+            <a:r>
+              <a:rPr lang="en-US" sz="1600" dirty="0" err="1">
+                <a:solidFill>
+                  <a:srgbClr val="4EC9B0"/>
+                </a:solidFill>
+                <a:latin typeface="Consolas" panose="020B0609020204030204" pitchFamily="49" charset="0"/>
+              </a:rPr>
+              <a:t>HttpResponseMessage</a:t>
+            </a:r>
+            <a:r>
+              <a:rPr lang="en-US" sz="1600" dirty="0">
+                <a:solidFill>
+                  <a:srgbClr val="D4D4D4"/>
+                </a:solidFill>
+                <a:latin typeface="Consolas" panose="020B0609020204030204" pitchFamily="49" charset="0"/>
+              </a:rPr>
+              <a:t>&gt; </a:t>
+            </a:r>
+            <a:r>
+              <a:rPr lang="en-US" sz="1600" dirty="0" err="1">
+                <a:solidFill>
+                  <a:srgbClr val="DCDCAA"/>
+                </a:solidFill>
+                <a:latin typeface="Consolas" panose="020B0609020204030204" pitchFamily="49" charset="0"/>
+              </a:rPr>
+              <a:t>SendAsync</a:t>
+            </a:r>
+            <a:r>
+              <a:rPr lang="en-US" sz="1600" dirty="0">
+                <a:solidFill>
+                  <a:srgbClr val="D4D4D4"/>
+                </a:solidFill>
+                <a:latin typeface="Consolas" panose="020B0609020204030204" pitchFamily="49" charset="0"/>
+              </a:rPr>
+              <a:t>(</a:t>
+            </a:r>
+          </a:p>
+          <a:p>
+            <a:r>
+              <a:rPr lang="en-US" sz="1600" dirty="0" err="1">
+                <a:solidFill>
+                  <a:srgbClr val="4EC9B0"/>
+                </a:solidFill>
+                <a:latin typeface="Consolas" panose="020B0609020204030204" pitchFamily="49" charset="0"/>
+              </a:rPr>
+              <a:t>HttpRequestMessage</a:t>
+            </a:r>
+            <a:r>
+              <a:rPr lang="en-US" sz="1600" dirty="0">
+                <a:solidFill>
+                  <a:srgbClr val="D4D4D4"/>
+                </a:solidFill>
+                <a:latin typeface="Consolas" panose="020B0609020204030204" pitchFamily="49" charset="0"/>
+              </a:rPr>
+              <a:t> request, </a:t>
+            </a:r>
+          </a:p>
+          <a:p>
+            <a:r>
+              <a:rPr lang="en-US" sz="1600" dirty="0" err="1">
+                <a:solidFill>
+                  <a:srgbClr val="4EC9B0"/>
+                </a:solidFill>
+                <a:latin typeface="Consolas" panose="020B0609020204030204" pitchFamily="49" charset="0"/>
+              </a:rPr>
+              <a:t>CancellationToken</a:t>
+            </a:r>
+            <a:r>
+              <a:rPr lang="en-US" sz="1600" dirty="0">
+                <a:solidFill>
+                  <a:srgbClr val="D4D4D4"/>
+                </a:solidFill>
+                <a:latin typeface="Consolas" panose="020B0609020204030204" pitchFamily="49" charset="0"/>
+              </a:rPr>
+              <a:t> </a:t>
+            </a:r>
+            <a:r>
+              <a:rPr lang="en-US" sz="1600" dirty="0" err="1">
+                <a:solidFill>
+                  <a:srgbClr val="D4D4D4"/>
+                </a:solidFill>
+                <a:latin typeface="Consolas" panose="020B0609020204030204" pitchFamily="49" charset="0"/>
+              </a:rPr>
+              <a:t>cancellationToken</a:t>
+            </a:r>
+            <a:r>
+              <a:rPr lang="en-US" sz="1600" dirty="0">
+                <a:solidFill>
+                  <a:srgbClr val="D4D4D4"/>
+                </a:solidFill>
+                <a:latin typeface="Consolas" panose="020B0609020204030204" pitchFamily="49" charset="0"/>
+              </a:rPr>
+              <a:t>);</a:t>
+            </a:r>
+          </a:p>
+          <a:p>
+            <a:r>
+              <a:rPr lang="en-US" sz="1600" dirty="0">
+                <a:solidFill>
+                  <a:srgbClr val="D4D4D4"/>
+                </a:solidFill>
+                <a:latin typeface="Consolas" panose="020B0609020204030204" pitchFamily="49" charset="0"/>
+              </a:rPr>
+              <a:t>}</a:t>
+            </a:r>
+          </a:p>
+          <a:p>
+            <a:endParaRPr lang="en-US" sz="1600" dirty="0">
+              <a:solidFill>
+                <a:srgbClr val="569CD6"/>
+              </a:solidFill>
+              <a:latin typeface="Consolas" panose="020B0609020204030204" pitchFamily="49" charset="0"/>
+            </a:endParaRPr>
+          </a:p>
+        </p:txBody>
+      </p:sp>
+      <p:sp>
+        <p:nvSpPr>
+          <p:cNvPr id="7" name="Rectangle 6"/>
+          <p:cNvSpPr/>
+          <p:nvPr/>
+        </p:nvSpPr>
+        <p:spPr>
+          <a:xfrm>
+            <a:off x="2914649" y="4155341"/>
+            <a:ext cx="7477126" cy="2554545"/>
+          </a:xfrm>
+          <a:prstGeom prst="rect">
+            <a:avLst/>
+          </a:prstGeom>
+          <a:solidFill>
+            <a:schemeClr val="tx1"/>
+          </a:solidFill>
+        </p:spPr>
+        <p:txBody>
+          <a:bodyPr wrap="square">
+            <a:spAutoFit/>
+          </a:bodyPr>
+          <a:lstStyle/>
+          <a:p>
+            <a:r>
+              <a:rPr lang="en-US" sz="1600" dirty="0">
+                <a:solidFill>
+                  <a:srgbClr val="569CD6"/>
+                </a:solidFill>
+                <a:latin typeface="Consolas" panose="020B0609020204030204" pitchFamily="49" charset="0"/>
+              </a:rPr>
+              <a:t>public</a:t>
+            </a:r>
+            <a:r>
+              <a:rPr lang="en-US" sz="1600" dirty="0">
+                <a:solidFill>
+                  <a:srgbClr val="D4D4D4"/>
+                </a:solidFill>
+                <a:latin typeface="Consolas" panose="020B0609020204030204" pitchFamily="49" charset="0"/>
+              </a:rPr>
+              <a:t> </a:t>
+            </a:r>
+            <a:r>
+              <a:rPr lang="en-US" sz="1600" dirty="0">
+                <a:solidFill>
+                  <a:srgbClr val="569CD6"/>
+                </a:solidFill>
+                <a:latin typeface="Consolas" panose="020B0609020204030204" pitchFamily="49" charset="0"/>
+              </a:rPr>
+              <a:t>abstract</a:t>
+            </a:r>
+            <a:r>
+              <a:rPr lang="en-US" sz="1600" dirty="0">
+                <a:solidFill>
+                  <a:srgbClr val="D4D4D4"/>
+                </a:solidFill>
+                <a:latin typeface="Consolas" panose="020B0609020204030204" pitchFamily="49" charset="0"/>
+              </a:rPr>
+              <a:t> </a:t>
+            </a:r>
+            <a:r>
+              <a:rPr lang="en-US" sz="1600" dirty="0">
+                <a:solidFill>
+                  <a:srgbClr val="569CD6"/>
+                </a:solidFill>
+                <a:latin typeface="Consolas" panose="020B0609020204030204" pitchFamily="49" charset="0"/>
+              </a:rPr>
+              <a:t>class</a:t>
+            </a:r>
+            <a:r>
+              <a:rPr lang="en-US" sz="1600" dirty="0">
+                <a:solidFill>
+                  <a:srgbClr val="D4D4D4"/>
+                </a:solidFill>
+                <a:latin typeface="Consolas" panose="020B0609020204030204" pitchFamily="49" charset="0"/>
+              </a:rPr>
+              <a:t> </a:t>
+            </a:r>
+            <a:r>
+              <a:rPr lang="en-US" sz="1600" dirty="0" err="1">
+                <a:solidFill>
+                  <a:srgbClr val="4EC9B0"/>
+                </a:solidFill>
+                <a:latin typeface="Consolas" panose="020B0609020204030204" pitchFamily="49" charset="0"/>
+              </a:rPr>
+              <a:t>HttpMessageHandler</a:t>
+            </a:r>
+            <a:r>
+              <a:rPr lang="en-US" sz="1600" dirty="0">
+                <a:solidFill>
+                  <a:srgbClr val="D4D4D4"/>
+                </a:solidFill>
+                <a:latin typeface="Consolas" panose="020B0609020204030204" pitchFamily="49" charset="0"/>
+              </a:rPr>
+              <a:t> : </a:t>
+            </a:r>
+            <a:r>
+              <a:rPr lang="en-US" sz="1600" dirty="0" err="1">
+                <a:solidFill>
+                  <a:srgbClr val="4EC9B0"/>
+                </a:solidFill>
+                <a:latin typeface="Consolas" panose="020B0609020204030204" pitchFamily="49" charset="0"/>
+              </a:rPr>
+              <a:t>IDisposable</a:t>
+            </a:r>
+            <a:endParaRPr lang="en-US" sz="1600" dirty="0">
+              <a:solidFill>
+                <a:srgbClr val="D4D4D4"/>
+              </a:solidFill>
+              <a:latin typeface="Consolas" panose="020B0609020204030204" pitchFamily="49" charset="0"/>
+            </a:endParaRPr>
+          </a:p>
+          <a:p>
+            <a:r>
+              <a:rPr lang="en-US" sz="1600" dirty="0">
+                <a:solidFill>
+                  <a:srgbClr val="D4D4D4"/>
+                </a:solidFill>
+                <a:latin typeface="Consolas" panose="020B0609020204030204" pitchFamily="49" charset="0"/>
+              </a:rPr>
+              <a:t>{</a:t>
+            </a:r>
+          </a:p>
+          <a:p>
+            <a:r>
+              <a:rPr lang="en-US" sz="1600" dirty="0">
+                <a:solidFill>
+                  <a:srgbClr val="569CD6"/>
+                </a:solidFill>
+                <a:latin typeface="Consolas" panose="020B0609020204030204" pitchFamily="49" charset="0"/>
+              </a:rPr>
+              <a:t>protected</a:t>
+            </a:r>
+            <a:r>
+              <a:rPr lang="en-US" sz="1600" dirty="0">
+                <a:solidFill>
+                  <a:srgbClr val="D4D4D4"/>
+                </a:solidFill>
+                <a:latin typeface="Consolas" panose="020B0609020204030204" pitchFamily="49" charset="0"/>
+              </a:rPr>
+              <a:t> </a:t>
+            </a:r>
+            <a:r>
+              <a:rPr lang="en-US" sz="1600" dirty="0" err="1">
+                <a:solidFill>
+                  <a:srgbClr val="DCDCAA"/>
+                </a:solidFill>
+                <a:latin typeface="Consolas" panose="020B0609020204030204" pitchFamily="49" charset="0"/>
+              </a:rPr>
+              <a:t>HttpMessageHandler</a:t>
+            </a:r>
+            <a:r>
+              <a:rPr lang="en-US" sz="1600" dirty="0">
+                <a:solidFill>
+                  <a:srgbClr val="D4D4D4"/>
+                </a:solidFill>
+                <a:latin typeface="Consolas" panose="020B0609020204030204" pitchFamily="49" charset="0"/>
+              </a:rPr>
+              <a:t>();</a:t>
+            </a:r>
+            <a:br>
+              <a:rPr lang="en-US" sz="1600" dirty="0">
+                <a:solidFill>
+                  <a:srgbClr val="D4D4D4"/>
+                </a:solidFill>
+                <a:latin typeface="Consolas" panose="020B0609020204030204" pitchFamily="49" charset="0"/>
+              </a:rPr>
+            </a:br>
+            <a:r>
+              <a:rPr lang="en-US" sz="1600" dirty="0">
+                <a:solidFill>
+                  <a:srgbClr val="569CD6"/>
+                </a:solidFill>
+                <a:latin typeface="Consolas" panose="020B0609020204030204" pitchFamily="49" charset="0"/>
+              </a:rPr>
+              <a:t>public</a:t>
+            </a:r>
+            <a:r>
+              <a:rPr lang="en-US" sz="1600" dirty="0">
+                <a:solidFill>
+                  <a:srgbClr val="D4D4D4"/>
+                </a:solidFill>
+                <a:latin typeface="Consolas" panose="020B0609020204030204" pitchFamily="49" charset="0"/>
+              </a:rPr>
+              <a:t> </a:t>
+            </a:r>
+            <a:r>
+              <a:rPr lang="en-US" sz="1600" dirty="0">
+                <a:solidFill>
+                  <a:srgbClr val="569CD6"/>
+                </a:solidFill>
+                <a:latin typeface="Consolas" panose="020B0609020204030204" pitchFamily="49" charset="0"/>
+              </a:rPr>
+              <a:t>void</a:t>
+            </a:r>
+            <a:r>
+              <a:rPr lang="en-US" sz="1600" dirty="0">
+                <a:solidFill>
+                  <a:srgbClr val="D4D4D4"/>
+                </a:solidFill>
+                <a:latin typeface="Consolas" panose="020B0609020204030204" pitchFamily="49" charset="0"/>
+              </a:rPr>
+              <a:t> </a:t>
+            </a:r>
+            <a:r>
+              <a:rPr lang="en-US" sz="1600" dirty="0">
+                <a:solidFill>
+                  <a:srgbClr val="DCDCAA"/>
+                </a:solidFill>
+                <a:latin typeface="Consolas" panose="020B0609020204030204" pitchFamily="49" charset="0"/>
+              </a:rPr>
+              <a:t>Dispose</a:t>
+            </a:r>
+            <a:r>
+              <a:rPr lang="en-US" sz="1600" dirty="0">
+                <a:solidFill>
+                  <a:srgbClr val="D4D4D4"/>
+                </a:solidFill>
+                <a:latin typeface="Consolas" panose="020B0609020204030204" pitchFamily="49" charset="0"/>
+              </a:rPr>
+              <a:t>();</a:t>
+            </a:r>
+            <a:br>
+              <a:rPr lang="en-US" sz="1600" dirty="0">
+                <a:solidFill>
+                  <a:srgbClr val="D4D4D4"/>
+                </a:solidFill>
+                <a:latin typeface="Consolas" panose="020B0609020204030204" pitchFamily="49" charset="0"/>
+              </a:rPr>
+            </a:br>
+            <a:r>
+              <a:rPr lang="en-US" sz="1600" dirty="0">
+                <a:solidFill>
+                  <a:srgbClr val="569CD6"/>
+                </a:solidFill>
+                <a:latin typeface="Consolas" panose="020B0609020204030204" pitchFamily="49" charset="0"/>
+              </a:rPr>
+              <a:t>protected</a:t>
+            </a:r>
+            <a:r>
+              <a:rPr lang="en-US" sz="1600" dirty="0">
+                <a:solidFill>
+                  <a:srgbClr val="D4D4D4"/>
+                </a:solidFill>
+                <a:latin typeface="Consolas" panose="020B0609020204030204" pitchFamily="49" charset="0"/>
+              </a:rPr>
+              <a:t> </a:t>
+            </a:r>
+            <a:r>
+              <a:rPr lang="en-US" sz="1600" dirty="0">
+                <a:solidFill>
+                  <a:srgbClr val="569CD6"/>
+                </a:solidFill>
+                <a:latin typeface="Consolas" panose="020B0609020204030204" pitchFamily="49" charset="0"/>
+              </a:rPr>
+              <a:t>virtual</a:t>
+            </a:r>
+            <a:r>
+              <a:rPr lang="en-US" sz="1600" dirty="0">
+                <a:solidFill>
+                  <a:srgbClr val="D4D4D4"/>
+                </a:solidFill>
+                <a:latin typeface="Consolas" panose="020B0609020204030204" pitchFamily="49" charset="0"/>
+              </a:rPr>
+              <a:t> </a:t>
+            </a:r>
+            <a:r>
+              <a:rPr lang="en-US" sz="1600" dirty="0">
+                <a:solidFill>
+                  <a:srgbClr val="569CD6"/>
+                </a:solidFill>
+                <a:latin typeface="Consolas" panose="020B0609020204030204" pitchFamily="49" charset="0"/>
+              </a:rPr>
+              <a:t>void</a:t>
+            </a:r>
+            <a:r>
+              <a:rPr lang="en-US" sz="1600" dirty="0">
+                <a:solidFill>
+                  <a:srgbClr val="D4D4D4"/>
+                </a:solidFill>
+                <a:latin typeface="Consolas" panose="020B0609020204030204" pitchFamily="49" charset="0"/>
+              </a:rPr>
+              <a:t> </a:t>
+            </a:r>
+            <a:r>
+              <a:rPr lang="en-US" sz="1600" dirty="0">
+                <a:solidFill>
+                  <a:srgbClr val="DCDCAA"/>
+                </a:solidFill>
+                <a:latin typeface="Consolas" panose="020B0609020204030204" pitchFamily="49" charset="0"/>
+              </a:rPr>
+              <a:t>Dispose</a:t>
+            </a:r>
+            <a:r>
+              <a:rPr lang="en-US" sz="1600" dirty="0">
+                <a:solidFill>
+                  <a:srgbClr val="D4D4D4"/>
+                </a:solidFill>
+                <a:latin typeface="Consolas" panose="020B0609020204030204" pitchFamily="49" charset="0"/>
+              </a:rPr>
+              <a:t>(</a:t>
+            </a:r>
+            <a:r>
+              <a:rPr lang="en-US" sz="1600" dirty="0">
+                <a:solidFill>
+                  <a:srgbClr val="569CD6"/>
+                </a:solidFill>
+                <a:latin typeface="Consolas" panose="020B0609020204030204" pitchFamily="49" charset="0"/>
+              </a:rPr>
+              <a:t>bool</a:t>
+            </a:r>
+            <a:r>
+              <a:rPr lang="en-US" sz="1600" dirty="0">
+                <a:solidFill>
+                  <a:srgbClr val="D4D4D4"/>
+                </a:solidFill>
+                <a:latin typeface="Consolas" panose="020B0609020204030204" pitchFamily="49" charset="0"/>
+              </a:rPr>
+              <a:t> disposing);</a:t>
+            </a:r>
+          </a:p>
+          <a:p>
+            <a:br>
+              <a:rPr lang="en-US" sz="1600" dirty="0">
+                <a:solidFill>
+                  <a:srgbClr val="D4D4D4"/>
+                </a:solidFill>
+                <a:latin typeface="Consolas" panose="020B0609020204030204" pitchFamily="49" charset="0"/>
+              </a:rPr>
+            </a:br>
+            <a:r>
+              <a:rPr lang="en-US" sz="1600" dirty="0">
+                <a:solidFill>
+                  <a:srgbClr val="569CD6"/>
+                </a:solidFill>
+                <a:latin typeface="Consolas" panose="020B0609020204030204" pitchFamily="49" charset="0"/>
+              </a:rPr>
+              <a:t>protected</a:t>
+            </a:r>
+            <a:r>
+              <a:rPr lang="en-US" sz="1600" dirty="0">
+                <a:solidFill>
+                  <a:srgbClr val="D4D4D4"/>
+                </a:solidFill>
+                <a:latin typeface="Consolas" panose="020B0609020204030204" pitchFamily="49" charset="0"/>
+              </a:rPr>
+              <a:t> </a:t>
+            </a:r>
+            <a:r>
+              <a:rPr lang="en-US" sz="1600" dirty="0">
+                <a:solidFill>
+                  <a:srgbClr val="569CD6"/>
+                </a:solidFill>
+                <a:latin typeface="Consolas" panose="020B0609020204030204" pitchFamily="49" charset="0"/>
+              </a:rPr>
+              <a:t>internal</a:t>
+            </a:r>
+            <a:r>
+              <a:rPr lang="en-US" sz="1600" dirty="0">
+                <a:solidFill>
+                  <a:srgbClr val="D4D4D4"/>
+                </a:solidFill>
+                <a:latin typeface="Consolas" panose="020B0609020204030204" pitchFamily="49" charset="0"/>
+              </a:rPr>
+              <a:t> </a:t>
+            </a:r>
+            <a:r>
+              <a:rPr lang="en-US" sz="1600" dirty="0">
+                <a:solidFill>
+                  <a:srgbClr val="569CD6"/>
+                </a:solidFill>
+                <a:latin typeface="Consolas" panose="020B0609020204030204" pitchFamily="49" charset="0"/>
+              </a:rPr>
+              <a:t>abstract</a:t>
+            </a:r>
+            <a:r>
+              <a:rPr lang="en-US" sz="1600" dirty="0">
+                <a:solidFill>
+                  <a:srgbClr val="D4D4D4"/>
+                </a:solidFill>
+                <a:latin typeface="Consolas" panose="020B0609020204030204" pitchFamily="49" charset="0"/>
+              </a:rPr>
+              <a:t> </a:t>
+            </a:r>
+            <a:r>
+              <a:rPr lang="en-US" sz="1600" dirty="0">
+                <a:solidFill>
+                  <a:srgbClr val="4EC9B0"/>
+                </a:solidFill>
+                <a:latin typeface="Consolas" panose="020B0609020204030204" pitchFamily="49" charset="0"/>
+              </a:rPr>
+              <a:t>Task</a:t>
+            </a:r>
+            <a:r>
+              <a:rPr lang="en-US" sz="1600" dirty="0">
+                <a:solidFill>
+                  <a:srgbClr val="D4D4D4"/>
+                </a:solidFill>
+                <a:latin typeface="Consolas" panose="020B0609020204030204" pitchFamily="49" charset="0"/>
+              </a:rPr>
+              <a:t>&lt;</a:t>
+            </a:r>
+            <a:r>
+              <a:rPr lang="en-US" sz="1600" dirty="0" err="1">
+                <a:solidFill>
+                  <a:srgbClr val="4EC9B0"/>
+                </a:solidFill>
+                <a:latin typeface="Consolas" panose="020B0609020204030204" pitchFamily="49" charset="0"/>
+              </a:rPr>
+              <a:t>HttpResponseMessage</a:t>
+            </a:r>
+            <a:r>
+              <a:rPr lang="en-US" sz="1600" dirty="0">
+                <a:solidFill>
+                  <a:srgbClr val="D4D4D4"/>
+                </a:solidFill>
+                <a:latin typeface="Consolas" panose="020B0609020204030204" pitchFamily="49" charset="0"/>
+              </a:rPr>
+              <a:t>&gt; </a:t>
+            </a:r>
+            <a:r>
+              <a:rPr lang="en-US" sz="1600" dirty="0" err="1">
+                <a:solidFill>
+                  <a:srgbClr val="DCDCAA"/>
+                </a:solidFill>
+                <a:latin typeface="Consolas" panose="020B0609020204030204" pitchFamily="49" charset="0"/>
+              </a:rPr>
+              <a:t>SendAsync</a:t>
+            </a:r>
+            <a:r>
+              <a:rPr lang="en-US" sz="1600" dirty="0">
+                <a:solidFill>
+                  <a:srgbClr val="D4D4D4"/>
+                </a:solidFill>
+                <a:latin typeface="Consolas" panose="020B0609020204030204" pitchFamily="49" charset="0"/>
+              </a:rPr>
+              <a:t>(</a:t>
+            </a:r>
+          </a:p>
+          <a:p>
+            <a:r>
+              <a:rPr lang="en-US" sz="1600" dirty="0" err="1">
+                <a:solidFill>
+                  <a:srgbClr val="4EC9B0"/>
+                </a:solidFill>
+                <a:latin typeface="Consolas" panose="020B0609020204030204" pitchFamily="49" charset="0"/>
+              </a:rPr>
+              <a:t>HttpRequestMessage</a:t>
+            </a:r>
+            <a:r>
+              <a:rPr lang="en-US" sz="1600" dirty="0">
+                <a:solidFill>
+                  <a:srgbClr val="D4D4D4"/>
+                </a:solidFill>
+                <a:latin typeface="Consolas" panose="020B0609020204030204" pitchFamily="49" charset="0"/>
+              </a:rPr>
+              <a:t> request, </a:t>
+            </a:r>
+          </a:p>
+          <a:p>
+            <a:r>
+              <a:rPr lang="en-US" sz="1600" dirty="0" err="1">
+                <a:solidFill>
+                  <a:srgbClr val="4EC9B0"/>
+                </a:solidFill>
+                <a:latin typeface="Consolas" panose="020B0609020204030204" pitchFamily="49" charset="0"/>
+              </a:rPr>
+              <a:t>CancellationToken</a:t>
+            </a:r>
+            <a:r>
+              <a:rPr lang="en-US" sz="1600" dirty="0">
+                <a:solidFill>
+                  <a:srgbClr val="D4D4D4"/>
+                </a:solidFill>
+                <a:latin typeface="Consolas" panose="020B0609020204030204" pitchFamily="49" charset="0"/>
+              </a:rPr>
+              <a:t> </a:t>
+            </a:r>
+            <a:r>
+              <a:rPr lang="en-US" sz="1600" dirty="0" err="1">
+                <a:solidFill>
+                  <a:srgbClr val="D4D4D4"/>
+                </a:solidFill>
+                <a:latin typeface="Consolas" panose="020B0609020204030204" pitchFamily="49" charset="0"/>
+              </a:rPr>
+              <a:t>cancellationToken</a:t>
+            </a:r>
+            <a:r>
+              <a:rPr lang="en-US" sz="1600" dirty="0">
+                <a:solidFill>
+                  <a:srgbClr val="D4D4D4"/>
+                </a:solidFill>
+                <a:latin typeface="Consolas" panose="020B0609020204030204" pitchFamily="49" charset="0"/>
+              </a:rPr>
+              <a:t>);</a:t>
+            </a:r>
+          </a:p>
+          <a:p>
+            <a:r>
+              <a:rPr lang="en-US" sz="1600" dirty="0">
+                <a:solidFill>
+                  <a:srgbClr val="D4D4D4"/>
+                </a:solidFill>
+                <a:latin typeface="Consolas" panose="020B0609020204030204" pitchFamily="49" charset="0"/>
+              </a:rPr>
+              <a:t>}</a:t>
+            </a:r>
+            <a:endParaRPr lang="en-US" sz="1600" b="0" dirty="0">
+              <a:solidFill>
+                <a:srgbClr val="D4D4D4"/>
+              </a:solidFill>
+              <a:effectLst/>
+              <a:latin typeface="Consolas" panose="020B0609020204030204" pitchFamily="49" charset="0"/>
+            </a:endParaRPr>
+          </a:p>
+        </p:txBody>
+      </p:sp>
+      <p:sp>
+        <p:nvSpPr>
+          <p:cNvPr id="3" name="Rectangle 2"/>
+          <p:cNvSpPr/>
+          <p:nvPr/>
+        </p:nvSpPr>
+        <p:spPr>
+          <a:xfrm>
+            <a:off x="1521656" y="707735"/>
+            <a:ext cx="5564943" cy="523220"/>
+          </a:xfrm>
+          <a:prstGeom prst="rect">
+            <a:avLst/>
+          </a:prstGeom>
+        </p:spPr>
+        <p:txBody>
+          <a:bodyPr wrap="square">
+            <a:spAutoFit/>
+          </a:bodyPr>
+          <a:lstStyle/>
+          <a:p>
+            <a:r>
+              <a:rPr lang="en-US" sz="2800" b="1" dirty="0"/>
+              <a:t>A look inside.</a:t>
             </a:r>
           </a:p>
         </p:txBody>
@@ -4759,7 +9462,7 @@
     </p:spTree>
     <p:extLst>
       <p:ext uri="{BB962C8B-B14F-4D97-AF65-F5344CB8AC3E}">
-        <p14:creationId xmlns:p14="http://schemas.microsoft.com/office/powerpoint/2010/main" val="1436290697"/>
+        <p14:creationId xmlns:p14="http://schemas.microsoft.com/office/powerpoint/2010/main" val="83929552"/>
       </p:ext>
     </p:extLst>
   </p:cSld>
@@ -4788,30 +9491,37 @@
       </p:grpSpPr>
       <p:sp>
         <p:nvSpPr>
-          <p:cNvPr id="2" name="Title 1"/>
-          <p:cNvSpPr>
-            <a:spLocks noGrp="1"/>
-          </p:cNvSpPr>
-          <p:nvPr>
-            <p:ph type="title"/>
-          </p:nvPr>
-        </p:nvSpPr>
-        <p:spPr/>
-        <p:txBody>
-          <a:bodyPr/>
-          <a:lstStyle/>
-          <a:p>
-            <a:r>
-              <a:rPr lang="en-US" dirty="0"/>
-              <a:t> HTTP MESSAGE LIFECYLE</a:t>
-            </a:r>
+          <p:cNvPr id="4" name="Rectangle 3"/>
+          <p:cNvSpPr/>
+          <p:nvPr/>
+        </p:nvSpPr>
+        <p:spPr>
+          <a:xfrm>
+            <a:off x="2633973" y="2641433"/>
+            <a:ext cx="8222957" cy="923330"/>
+          </a:xfrm>
+          <a:prstGeom prst="rect">
+            <a:avLst/>
+          </a:prstGeom>
+        </p:spPr>
+        <p:txBody>
+          <a:bodyPr wrap="none">
+            <a:spAutoFit/>
+          </a:bodyPr>
+          <a:lstStyle/>
+          <a:p>
+            <a:r>
+              <a:rPr lang="en-US" sz="5400" b="1" dirty="0"/>
+              <a:t>HTTP ROUTING DISPATCHER</a:t>
+            </a:r>
+            <a:endParaRPr lang="en-US" sz="5400" dirty="0"/>
           </a:p>
         </p:txBody>
       </p:sp>
     </p:spTree>
     <p:extLst>
       <p:ext uri="{BB962C8B-B14F-4D97-AF65-F5344CB8AC3E}">
-        <p14:creationId xmlns:p14="http://schemas.microsoft.com/office/powerpoint/2010/main" val="862820670"/>
+        <p14:creationId xmlns:p14="http://schemas.microsoft.com/office/powerpoint/2010/main" val="1838976627"/>
       </p:ext>
     </p:extLst>
   </p:cSld>
@@ -4855,7 +9565,163 @@
           <a:p>
             <a:r>
               <a:rPr lang="en-US" dirty="0"/>
-              <a:t> HTTP MESSAGE LIFECYLE</a:t>
+              <a:t> </a:t>
+            </a:r>
+            <a:r>
+              <a:rPr lang="en-US" dirty="0"/>
+              <a:t>HTTP MESSAGE HANDLERS</a:t>
+            </a:r>
+            <a:endParaRPr lang="en-US" dirty="0"/>
+          </a:p>
+        </p:txBody>
+      </p:sp>
+      <p:sp>
+        <p:nvSpPr>
+          <p:cNvPr id="5" name="TextBox 4"/>
+          <p:cNvSpPr txBox="1"/>
+          <p:nvPr/>
+        </p:nvSpPr>
+        <p:spPr>
+          <a:xfrm>
+            <a:off x="1455438" y="694159"/>
+            <a:ext cx="10510576" cy="4585871"/>
+          </a:xfrm>
+          <a:prstGeom prst="rect">
+            <a:avLst/>
+          </a:prstGeom>
+          <a:noFill/>
+        </p:spPr>
+        <p:txBody>
+          <a:bodyPr wrap="square" rtlCol="0">
+            <a:spAutoFit/>
+          </a:bodyPr>
+          <a:lstStyle/>
+          <a:p>
+            <a:r>
+              <a:rPr lang="en-US" sz="2800" b="1" dirty="0"/>
+              <a:t>What we have to know?</a:t>
+            </a:r>
+          </a:p>
+          <a:p>
+            <a:pPr marL="342900" indent="-342900">
+              <a:buAutoNum type="arabicPeriod"/>
+            </a:pPr>
+            <a:endParaRPr lang="en-US" sz="2400" dirty="0"/>
+          </a:p>
+          <a:p>
+            <a:pPr marL="342900" indent="-342900">
+              <a:buAutoNum type="arabicPeriod"/>
+            </a:pPr>
+            <a:endParaRPr lang="en-US" sz="2400" dirty="0"/>
+          </a:p>
+          <a:p>
+            <a:pPr marL="342900" indent="-342900">
+              <a:buAutoNum type="arabicPeriod"/>
+            </a:pPr>
+            <a:r>
+              <a:rPr lang="en-US" sz="2400" dirty="0"/>
+              <a:t>It is a </a:t>
+            </a:r>
+            <a:r>
+              <a:rPr lang="en-US" sz="2400" dirty="0" err="1"/>
+              <a:t>MessageHandler</a:t>
+            </a:r>
+            <a:r>
+              <a:rPr lang="en-US" sz="2400" dirty="0"/>
+              <a:t>.</a:t>
+            </a:r>
+          </a:p>
+          <a:p>
+            <a:pPr marL="342900" indent="-342900">
+              <a:buAutoNum type="arabicPeriod"/>
+            </a:pPr>
+            <a:endParaRPr lang="en-US" sz="2400" dirty="0"/>
+          </a:p>
+          <a:p>
+            <a:pPr marL="342900" indent="-342900">
+              <a:buAutoNum type="arabicPeriod"/>
+            </a:pPr>
+            <a:r>
+              <a:rPr lang="en-US" sz="2400" dirty="0"/>
+              <a:t>It loops through all </a:t>
+            </a:r>
+            <a:r>
+              <a:rPr lang="en-US" sz="2400" dirty="0" err="1"/>
+              <a:t>IHttpRoute</a:t>
+            </a:r>
+            <a:r>
+              <a:rPr lang="en-US" sz="2400" dirty="0"/>
+              <a:t> instances and attaches to the </a:t>
+            </a:r>
+            <a:r>
+              <a:rPr lang="en-US" sz="2400" dirty="0" err="1"/>
+              <a:t>HttpRequestMessage.Properties</a:t>
+            </a:r>
+            <a:r>
+              <a:rPr lang="en-US" sz="2400" dirty="0"/>
+              <a:t> Dictionary the first matching </a:t>
+            </a:r>
+            <a:r>
+              <a:rPr lang="en-US" sz="2400" dirty="0" err="1"/>
+              <a:t>IHttpRoute</a:t>
+            </a:r>
+            <a:r>
+              <a:rPr lang="en-US" sz="2400" dirty="0"/>
+              <a:t>.</a:t>
+            </a:r>
+          </a:p>
+          <a:p>
+            <a:pPr marL="342900" indent="-342900">
+              <a:buAutoNum type="arabicPeriod"/>
+            </a:pPr>
+            <a:endParaRPr lang="en-US" sz="2400" dirty="0"/>
+          </a:p>
+          <a:p>
+            <a:pPr marL="342900" indent="-342900">
+              <a:buAutoNum type="arabicPeriod"/>
+            </a:pPr>
+            <a:r>
+              <a:rPr lang="en-US" sz="2400" dirty="0"/>
+              <a:t>Use the </a:t>
+            </a:r>
+            <a:r>
+              <a:rPr lang="en-US" sz="2400" dirty="0" err="1"/>
+              <a:t>config.Routes.MapHttpRoute</a:t>
+            </a:r>
+            <a:r>
+              <a:rPr lang="en-US" sz="2400" dirty="0"/>
+              <a:t> extension method if possible.</a:t>
+            </a:r>
+          </a:p>
+          <a:p>
+            <a:pPr marL="342900" indent="-342900">
+              <a:buAutoNum type="arabicPeriod"/>
+            </a:pPr>
+            <a:endParaRPr lang="en-US" sz="2400" dirty="0"/>
+          </a:p>
+          <a:p>
+            <a:pPr marL="342900" indent="-342900">
+              <a:buAutoNum type="arabicPeriod"/>
+            </a:pPr>
+            <a:r>
+              <a:rPr lang="en-US" sz="2400" dirty="0"/>
+              <a:t>It calls the message handler of the </a:t>
+            </a:r>
+            <a:r>
+              <a:rPr lang="en-US" sz="2400" dirty="0" err="1"/>
+              <a:t>IHttpRoute</a:t>
+            </a:r>
+            <a:r>
+              <a:rPr lang="en-US" sz="2400" dirty="0"/>
+              <a:t>. If the handler is null it calls the </a:t>
+            </a:r>
+            <a:r>
+              <a:rPr lang="en-US" sz="2400" dirty="0" err="1"/>
+              <a:t>HttpControllerDispatcher</a:t>
+            </a:r>
+            <a:r>
+              <a:rPr lang="en-US" sz="2400" dirty="0"/>
+              <a:t>.</a:t>
             </a:r>
           </a:p>
         </p:txBody>
@@ -4863,7 +9729,7 @@
     </p:spTree>
     <p:extLst>
       <p:ext uri="{BB962C8B-B14F-4D97-AF65-F5344CB8AC3E}">
-        <p14:creationId xmlns:p14="http://schemas.microsoft.com/office/powerpoint/2010/main" val="4106787523"/>
+        <p14:creationId xmlns:p14="http://schemas.microsoft.com/office/powerpoint/2010/main" val="4003318264"/>
       </p:ext>
     </p:extLst>
   </p:cSld>
@@ -4892,30 +9758,37 @@
       </p:grpSpPr>
       <p:sp>
         <p:nvSpPr>
-          <p:cNvPr id="2" name="Title 1"/>
-          <p:cNvSpPr>
-            <a:spLocks noGrp="1"/>
-          </p:cNvSpPr>
-          <p:nvPr>
-            <p:ph type="title"/>
-          </p:nvPr>
-        </p:nvSpPr>
-        <p:spPr/>
-        <p:txBody>
-          <a:bodyPr/>
-          <a:lstStyle/>
-          <a:p>
-            <a:r>
-              <a:rPr lang="en-US" dirty="0"/>
-              <a:t> HTTP MESSAGE LIFECYLE</a:t>
-            </a:r>
+          <p:cNvPr id="4" name="Rectangle 3"/>
+          <p:cNvSpPr/>
+          <p:nvPr/>
+        </p:nvSpPr>
+        <p:spPr>
+          <a:xfrm>
+            <a:off x="2633973" y="2641433"/>
+            <a:ext cx="7433382" cy="923330"/>
+          </a:xfrm>
+          <a:prstGeom prst="rect">
+            <a:avLst/>
+          </a:prstGeom>
+        </p:spPr>
+        <p:txBody>
+          <a:bodyPr wrap="none">
+            <a:spAutoFit/>
+          </a:bodyPr>
+          <a:lstStyle/>
+          <a:p>
+            <a:r>
+              <a:rPr lang="en-US" sz="5400" b="1" dirty="0" err="1"/>
+              <a:t>HttpControllerDispatcher</a:t>
+            </a:r>
+            <a:endParaRPr lang="en-US" sz="5400" dirty="0"/>
           </a:p>
         </p:txBody>
       </p:sp>
     </p:spTree>
     <p:extLst>
       <p:ext uri="{BB962C8B-B14F-4D97-AF65-F5344CB8AC3E}">
-        <p14:creationId xmlns:p14="http://schemas.microsoft.com/office/powerpoint/2010/main" val="3107908798"/>
+        <p14:creationId xmlns:p14="http://schemas.microsoft.com/office/powerpoint/2010/main" val="3223094567"/>
       </p:ext>
     </p:extLst>
   </p:cSld>
@@ -4959,7 +9832,273 @@
           <a:p>
             <a:r>
               <a:rPr lang="en-US" dirty="0"/>
-              <a:t> HTTP MESSAGE LIFECYLE</a:t>
+              <a:t> </a:t>
+            </a:r>
+            <a:r>
+              <a:rPr lang="en-US" dirty="0"/>
+              <a:t>HTTP MESSAGE HANDLERS</a:t>
+            </a:r>
+            <a:endParaRPr lang="en-US" dirty="0"/>
+          </a:p>
+        </p:txBody>
+      </p:sp>
+      <p:sp>
+        <p:nvSpPr>
+          <p:cNvPr id="5" name="TextBox 4"/>
+          <p:cNvSpPr txBox="1"/>
+          <p:nvPr/>
+        </p:nvSpPr>
+        <p:spPr>
+          <a:xfrm>
+            <a:off x="1455438" y="694159"/>
+            <a:ext cx="10510576" cy="6063198"/>
+          </a:xfrm>
+          <a:prstGeom prst="rect">
+            <a:avLst/>
+          </a:prstGeom>
+          <a:noFill/>
+        </p:spPr>
+        <p:txBody>
+          <a:bodyPr wrap="square" rtlCol="0">
+            <a:spAutoFit/>
+          </a:bodyPr>
+          <a:lstStyle/>
+          <a:p>
+            <a:r>
+              <a:rPr lang="en-US" sz="2800" b="1" dirty="0"/>
+              <a:t>What we have to know?</a:t>
+            </a:r>
+          </a:p>
+          <a:p>
+            <a:pPr marL="342900" indent="-342900">
+              <a:buAutoNum type="arabicPeriod"/>
+            </a:pPr>
+            <a:endParaRPr lang="en-US" sz="2400" dirty="0"/>
+          </a:p>
+          <a:p>
+            <a:pPr marL="342900" indent="-342900">
+              <a:buAutoNum type="arabicPeriod"/>
+            </a:pPr>
+            <a:r>
+              <a:rPr lang="en-US" sz="2400" dirty="0"/>
+              <a:t>It is a message handler.</a:t>
+            </a:r>
+          </a:p>
+          <a:p>
+            <a:pPr marL="342900" indent="-342900">
+              <a:buAutoNum type="arabicPeriod"/>
+            </a:pPr>
+            <a:endParaRPr lang="en-US" sz="2400" dirty="0"/>
+          </a:p>
+          <a:p>
+            <a:pPr marL="342900" indent="-342900">
+              <a:buFontTx/>
+              <a:buAutoNum type="arabicPeriod"/>
+            </a:pPr>
+            <a:r>
+              <a:rPr lang="en-US" sz="2400" dirty="0"/>
+              <a:t>It selects the appropriate controller based on the request.</a:t>
+            </a:r>
+          </a:p>
+          <a:p>
+            <a:pPr marL="342900" indent="-342900">
+              <a:buFontTx/>
+              <a:buAutoNum type="arabicPeriod"/>
+            </a:pPr>
+            <a:endParaRPr lang="en-US" sz="2400" dirty="0"/>
+          </a:p>
+          <a:p>
+            <a:pPr marL="342900" indent="-342900">
+              <a:buFontTx/>
+              <a:buAutoNum type="arabicPeriod"/>
+            </a:pPr>
+            <a:r>
+              <a:rPr lang="en-US" sz="2400" dirty="0"/>
+              <a:t>How the </a:t>
+            </a:r>
+            <a:r>
+              <a:rPr lang="en-US" sz="2400" dirty="0" err="1"/>
+              <a:t>ControllerDispatcher</a:t>
+            </a:r>
+            <a:r>
+              <a:rPr lang="en-US" sz="2400" dirty="0"/>
+              <a:t> modules are connected?</a:t>
+            </a:r>
+          </a:p>
+          <a:p>
+            <a:pPr marL="800100" lvl="1" indent="-342900">
+              <a:buFont typeface="Arial" panose="020B0604020202020204" pitchFamily="34" charset="0"/>
+              <a:buChar char="•"/>
+            </a:pPr>
+            <a:r>
+              <a:rPr lang="en-US" sz="2400" dirty="0"/>
+              <a:t>It uses the configured </a:t>
+            </a:r>
+            <a:r>
+              <a:rPr lang="en-US" sz="2400" dirty="0" err="1"/>
+              <a:t>ControllerSelector</a:t>
+            </a:r>
+            <a:r>
+              <a:rPr lang="en-US" sz="2400" dirty="0"/>
+              <a:t> to get </a:t>
+            </a:r>
+            <a:r>
+              <a:rPr lang="en-US" sz="2400" dirty="0" err="1"/>
+              <a:t>HttpControllerDesriptor</a:t>
+            </a:r>
+            <a:r>
+              <a:rPr lang="en-US" sz="2400" dirty="0"/>
+              <a:t>. </a:t>
+            </a:r>
+          </a:p>
+          <a:p>
+            <a:pPr marL="800100" lvl="1" indent="-342900">
+              <a:buFont typeface="Arial" panose="020B0604020202020204" pitchFamily="34" charset="0"/>
+              <a:buChar char="•"/>
+            </a:pPr>
+            <a:r>
+              <a:rPr lang="en-US" sz="2400" dirty="0"/>
+              <a:t>The </a:t>
+            </a:r>
+            <a:r>
+              <a:rPr lang="en-US" sz="2400" dirty="0" err="1"/>
+              <a:t>ControllerSelector</a:t>
+            </a:r>
+            <a:r>
+              <a:rPr lang="en-US" sz="2400" dirty="0"/>
+              <a:t> selects the controller using the </a:t>
+            </a:r>
+            <a:r>
+              <a:rPr lang="en-US" sz="2400" dirty="0" err="1"/>
+              <a:t>HttpControllerTypeCache</a:t>
+            </a:r>
+            <a:r>
+              <a:rPr lang="en-US" sz="2400" dirty="0"/>
+              <a:t>. </a:t>
+            </a:r>
+          </a:p>
+          <a:p>
+            <a:pPr marL="800100" lvl="1" indent="-342900">
+              <a:buFont typeface="Arial" panose="020B0604020202020204" pitchFamily="34" charset="0"/>
+              <a:buChar char="•"/>
+            </a:pPr>
+            <a:r>
+              <a:rPr lang="en-US" sz="2400" dirty="0"/>
+              <a:t>The </a:t>
+            </a:r>
+            <a:r>
+              <a:rPr lang="en-US" sz="2400" dirty="0" err="1"/>
+              <a:t>HttpControllerTypeCache</a:t>
+            </a:r>
+            <a:r>
+              <a:rPr lang="en-US" sz="2400" dirty="0"/>
+              <a:t> uses the </a:t>
+            </a:r>
+            <a:r>
+              <a:rPr lang="en-US" sz="2400" dirty="0" err="1"/>
+              <a:t>IAssembliesResolver</a:t>
+            </a:r>
+            <a:r>
+              <a:rPr lang="en-US" sz="2400" dirty="0"/>
+              <a:t>  and the </a:t>
+            </a:r>
+            <a:r>
+              <a:rPr lang="en-US" sz="2400" dirty="0" err="1"/>
+              <a:t>IHttpControllerTypeResolver</a:t>
+            </a:r>
+            <a:r>
+              <a:rPr lang="en-US" sz="2400" dirty="0"/>
+              <a:t> to get the appropriate controller Type.</a:t>
+            </a:r>
+          </a:p>
+          <a:p>
+            <a:pPr marL="800100" lvl="1" indent="-342900">
+              <a:buFont typeface="Arial" panose="020B0604020202020204" pitchFamily="34" charset="0"/>
+              <a:buChar char="•"/>
+            </a:pPr>
+            <a:r>
+              <a:rPr lang="en-US" sz="2400" dirty="0"/>
+              <a:t>Once the </a:t>
+            </a:r>
+            <a:r>
+              <a:rPr lang="en-US" sz="2400" dirty="0" err="1"/>
+              <a:t>ControllerDescriptor</a:t>
+            </a:r>
+            <a:r>
+              <a:rPr lang="en-US" sz="2400" dirty="0"/>
+              <a:t> is built, it (the </a:t>
+            </a:r>
+            <a:r>
+              <a:rPr lang="en-US" sz="2400" dirty="0" err="1"/>
+              <a:t>ControllerDescriptor</a:t>
+            </a:r>
+            <a:r>
+              <a:rPr lang="en-US" sz="2400" dirty="0"/>
+              <a:t>) calls the Create() method of the configured </a:t>
+            </a:r>
+            <a:r>
+              <a:rPr lang="en-US" sz="2400" dirty="0" err="1"/>
+              <a:t>IHttpControllerActivator</a:t>
+            </a:r>
+            <a:r>
+              <a:rPr lang="en-US" sz="2400" dirty="0"/>
+              <a:t>.</a:t>
+            </a:r>
+          </a:p>
+          <a:p>
+            <a:pPr marL="800100" lvl="1" indent="-342900">
+              <a:buFont typeface="Arial" panose="020B0604020202020204" pitchFamily="34" charset="0"/>
+              <a:buChar char="•"/>
+            </a:pPr>
+            <a:r>
+              <a:rPr lang="en-US" sz="2400" dirty="0"/>
+              <a:t>As a result the </a:t>
+            </a:r>
+            <a:r>
+              <a:rPr lang="en-US" sz="2400" dirty="0" err="1"/>
+              <a:t>ControllerDispatcher</a:t>
+            </a:r>
+            <a:r>
+              <a:rPr lang="en-US" sz="2400" dirty="0"/>
+              <a:t> gets an </a:t>
+            </a:r>
+            <a:r>
+              <a:rPr lang="en-US" sz="2400" dirty="0" err="1"/>
+              <a:t>istance</a:t>
+            </a:r>
+            <a:r>
+              <a:rPr lang="en-US" sz="2400" dirty="0"/>
+              <a:t> of the </a:t>
+            </a:r>
+            <a:r>
+              <a:rPr lang="en-US" sz="2400" dirty="0" err="1"/>
+              <a:t>IHttpController</a:t>
+            </a:r>
+            <a:r>
+              <a:rPr lang="en-US" sz="2400" dirty="0"/>
+              <a:t>.</a:t>
+            </a:r>
+          </a:p>
+          <a:p>
+            <a:r>
+              <a:rPr lang="en-US" sz="2400" dirty="0"/>
+              <a:t>4. The Dispatcher calls the </a:t>
+            </a:r>
+            <a:r>
+              <a:rPr lang="en-US" sz="2400" dirty="0" err="1"/>
+              <a:t>ExecuteAsync</a:t>
+            </a:r>
+            <a:r>
+              <a:rPr lang="en-US" sz="2400" dirty="0"/>
+              <a:t>() method of the </a:t>
+            </a:r>
+            <a:r>
+              <a:rPr lang="en-US" sz="2400" dirty="0" err="1"/>
+              <a:t>IHttpController</a:t>
+            </a:r>
+            <a:r>
+              <a:rPr lang="en-US" sz="2400" dirty="0"/>
+              <a:t> instance.</a:t>
             </a:r>
           </a:p>
         </p:txBody>
@@ -4967,7 +10106,7 @@
     </p:spTree>
     <p:extLst>
       <p:ext uri="{BB962C8B-B14F-4D97-AF65-F5344CB8AC3E}">
-        <p14:creationId xmlns:p14="http://schemas.microsoft.com/office/powerpoint/2010/main" val="3549025819"/>
+        <p14:creationId xmlns:p14="http://schemas.microsoft.com/office/powerpoint/2010/main" val="1580367739"/>
       </p:ext>
     </p:extLst>
   </p:cSld>

--- a/ASP_ExtensionPoints/Presentation/WebAPI.pptx
+++ b/ASP_ExtensionPoints/Presentation/WebAPI.pptx
@@ -5,39 +5,40 @@
     <p:sldMasterId id="2147483660" r:id="rId1"/>
   </p:sldMasterIdLst>
   <p:notesMasterIdLst>
-    <p:notesMasterId r:id="rId32"/>
+    <p:notesMasterId r:id="rId33"/>
   </p:notesMasterIdLst>
   <p:sldIdLst>
     <p:sldId id="256" r:id="rId2"/>
-    <p:sldId id="271" r:id="rId3"/>
-    <p:sldId id="283" r:id="rId4"/>
-    <p:sldId id="282" r:id="rId5"/>
-    <p:sldId id="276" r:id="rId6"/>
-    <p:sldId id="284" r:id="rId7"/>
-    <p:sldId id="285" r:id="rId8"/>
-    <p:sldId id="286" r:id="rId9"/>
-    <p:sldId id="287" r:id="rId10"/>
-    <p:sldId id="288" r:id="rId11"/>
-    <p:sldId id="289" r:id="rId12"/>
-    <p:sldId id="278" r:id="rId13"/>
-    <p:sldId id="297" r:id="rId14"/>
-    <p:sldId id="290" r:id="rId15"/>
-    <p:sldId id="296" r:id="rId16"/>
-    <p:sldId id="277" r:id="rId17"/>
-    <p:sldId id="294" r:id="rId18"/>
-    <p:sldId id="291" r:id="rId19"/>
-    <p:sldId id="295" r:id="rId20"/>
-    <p:sldId id="298" r:id="rId21"/>
-    <p:sldId id="299" r:id="rId22"/>
-    <p:sldId id="279" r:id="rId23"/>
-    <p:sldId id="292" r:id="rId24"/>
-    <p:sldId id="293" r:id="rId25"/>
-    <p:sldId id="280" r:id="rId26"/>
-    <p:sldId id="281" r:id="rId27"/>
-    <p:sldId id="275" r:id="rId28"/>
-    <p:sldId id="272" r:id="rId29"/>
-    <p:sldId id="273" r:id="rId30"/>
-    <p:sldId id="262" r:id="rId31"/>
+    <p:sldId id="282" r:id="rId3"/>
+    <p:sldId id="271" r:id="rId4"/>
+    <p:sldId id="300" r:id="rId5"/>
+    <p:sldId id="301" r:id="rId6"/>
+    <p:sldId id="276" r:id="rId7"/>
+    <p:sldId id="284" r:id="rId8"/>
+    <p:sldId id="285" r:id="rId9"/>
+    <p:sldId id="286" r:id="rId10"/>
+    <p:sldId id="287" r:id="rId11"/>
+    <p:sldId id="288" r:id="rId12"/>
+    <p:sldId id="289" r:id="rId13"/>
+    <p:sldId id="278" r:id="rId14"/>
+    <p:sldId id="297" r:id="rId15"/>
+    <p:sldId id="290" r:id="rId16"/>
+    <p:sldId id="296" r:id="rId17"/>
+    <p:sldId id="277" r:id="rId18"/>
+    <p:sldId id="294" r:id="rId19"/>
+    <p:sldId id="291" r:id="rId20"/>
+    <p:sldId id="295" r:id="rId21"/>
+    <p:sldId id="298" r:id="rId22"/>
+    <p:sldId id="299" r:id="rId23"/>
+    <p:sldId id="279" r:id="rId24"/>
+    <p:sldId id="292" r:id="rId25"/>
+    <p:sldId id="293" r:id="rId26"/>
+    <p:sldId id="280" r:id="rId27"/>
+    <p:sldId id="281" r:id="rId28"/>
+    <p:sldId id="275" r:id="rId29"/>
+    <p:sldId id="272" r:id="rId30"/>
+    <p:sldId id="273" r:id="rId31"/>
+    <p:sldId id="262" r:id="rId32"/>
   </p:sldIdLst>
   <p:sldSz cx="12192000" cy="6858000"/>
   <p:notesSz cx="6858000" cy="9144000"/>
@@ -226,7 +227,7 @@
           <a:p>
             <a:fld id="{C32DDFF6-00E2-4044-B5FA-FDADC32BD187}" type="datetimeFigureOut">
               <a:rPr lang="en-US" smtClean="0"/>
-              <a:t>5/26/2017</a:t>
+              <a:t>6/3/2017</a:t>
             </a:fld>
             <a:endParaRPr lang="en-US"/>
           </a:p>
@@ -621,134 +622,6 @@
           <a:bodyPr/>
           <a:lstStyle/>
           <a:p>
-            <a:pPr marL="228600" indent="-228600">
-              <a:buAutoNum type="arabicPeriod"/>
-            </a:pPr>
-            <a:r>
-              <a:rPr lang="en-US" sz="1200" b="0" i="0" kern="1200" dirty="0">
-                <a:solidFill>
-                  <a:schemeClr val="tx1"/>
-                </a:solidFill>
-                <a:effectLst/>
-                <a:latin typeface="+mn-lt"/>
-                <a:ea typeface="+mn-ea"/>
-                <a:cs typeface="+mn-cs"/>
-              </a:rPr>
-              <a:t>The first version of ASP.NET Web API supports 3 types of action results. They are </a:t>
-            </a:r>
-            <a:r>
-              <a:rPr lang="en-US" sz="1200" b="0" i="0" kern="1200" dirty="0" err="1">
-                <a:solidFill>
-                  <a:schemeClr val="tx1"/>
-                </a:solidFill>
-                <a:effectLst/>
-                <a:latin typeface="+mn-lt"/>
-                <a:ea typeface="+mn-ea"/>
-                <a:cs typeface="+mn-cs"/>
-              </a:rPr>
-              <a:t>HttpResponseMessage</a:t>
-            </a:r>
-            <a:r>
-              <a:rPr lang="en-US" sz="1200" b="0" i="0" kern="1200" dirty="0">
-                <a:solidFill>
-                  <a:schemeClr val="tx1"/>
-                </a:solidFill>
-                <a:effectLst/>
-                <a:latin typeface="+mn-lt"/>
-                <a:ea typeface="+mn-ea"/>
-                <a:cs typeface="+mn-cs"/>
-              </a:rPr>
-              <a:t>, Void and Type of Entity or Model. But in WEB API 2, Microsoft had introduced another powerful Action result called </a:t>
-            </a:r>
-            <a:r>
-              <a:rPr lang="en-US" sz="1200" b="0" i="0" kern="1200" dirty="0" err="1">
-                <a:solidFill>
-                  <a:schemeClr val="tx1"/>
-                </a:solidFill>
-                <a:effectLst/>
-                <a:latin typeface="+mn-lt"/>
-                <a:ea typeface="+mn-ea"/>
-                <a:cs typeface="+mn-cs"/>
-              </a:rPr>
-              <a:t>IhttpActionResult</a:t>
-            </a:r>
-            <a:r>
-              <a:rPr lang="en-US" sz="1200" b="0" i="0" kern="1200" dirty="0">
-                <a:solidFill>
-                  <a:schemeClr val="tx1"/>
-                </a:solidFill>
-                <a:effectLst/>
-                <a:latin typeface="+mn-lt"/>
-                <a:ea typeface="+mn-ea"/>
-                <a:cs typeface="+mn-cs"/>
-              </a:rPr>
-              <a:t>.</a:t>
-            </a:r>
-          </a:p>
-          <a:p>
-            <a:pPr marL="228600" indent="-228600">
-              <a:buAutoNum type="arabicPeriod"/>
-            </a:pPr>
-            <a:endParaRPr lang="en-US" sz="1200" b="0" i="0" kern="1200" dirty="0">
-              <a:solidFill>
-                <a:schemeClr val="tx1"/>
-              </a:solidFill>
-              <a:effectLst/>
-              <a:latin typeface="+mn-lt"/>
-              <a:ea typeface="+mn-ea"/>
-              <a:cs typeface="+mn-cs"/>
-            </a:endParaRPr>
-          </a:p>
-          <a:p>
-            <a:r>
-              <a:rPr lang="en-US" dirty="0"/>
-              <a:t> </a:t>
-            </a:r>
-            <a:r>
-              <a:rPr lang="en-US" dirty="0" err="1"/>
-              <a:t>IContentNegotiator</a:t>
-            </a:r>
-            <a:r>
-              <a:rPr lang="en-US" dirty="0"/>
-              <a:t> selects</a:t>
-            </a:r>
-            <a:r>
-              <a:rPr lang="en-US" baseline="0" dirty="0"/>
-              <a:t> the appropriate </a:t>
-            </a:r>
-            <a:r>
-              <a:rPr lang="en-US" baseline="0" dirty="0" err="1"/>
-              <a:t>MediaTypeFormatter</a:t>
-            </a:r>
-            <a:r>
-              <a:rPr lang="en-US" baseline="0" dirty="0"/>
-              <a:t> </a:t>
-            </a:r>
-            <a:r>
-              <a:rPr lang="en-US" sz="1200" b="0" i="0" kern="1200" dirty="0">
-                <a:solidFill>
-                  <a:schemeClr val="tx1"/>
-                </a:solidFill>
-                <a:effectLst/>
-                <a:latin typeface="+mn-lt"/>
-                <a:ea typeface="+mn-ea"/>
-                <a:cs typeface="+mn-cs"/>
-              </a:rPr>
-              <a:t>in compliance with header values in the request.</a:t>
-            </a:r>
-          </a:p>
-          <a:p>
-            <a:br>
-              <a:rPr lang="en-US" sz="1200" b="1" i="0" kern="1200" dirty="0">
-                <a:solidFill>
-                  <a:schemeClr val="tx1"/>
-                </a:solidFill>
-                <a:effectLst/>
-                <a:latin typeface="+mn-lt"/>
-                <a:ea typeface="+mn-ea"/>
-                <a:cs typeface="+mn-cs"/>
-              </a:rPr>
-            </a:br>
             <a:endParaRPr lang="en-US" dirty="0"/>
           </a:p>
         </p:txBody>
@@ -770,7 +643,7 @@
           <a:p>
             <a:fld id="{9650035D-E5EC-4F72-8410-D3F7E0B5F874}" type="slidenum">
               <a:rPr lang="en-US" smtClean="0"/>
-              <a:t>21</a:t>
+              <a:t>19</a:t>
             </a:fld>
             <a:endParaRPr lang="en-US"/>
           </a:p>
@@ -779,7 +652,7 @@
     </p:spTree>
     <p:extLst>
       <p:ext uri="{BB962C8B-B14F-4D97-AF65-F5344CB8AC3E}">
-        <p14:creationId xmlns:p14="http://schemas.microsoft.com/office/powerpoint/2010/main" val="2869793647"/>
+        <p14:creationId xmlns:p14="http://schemas.microsoft.com/office/powerpoint/2010/main" val="4011454932"/>
       </p:ext>
     </p:extLst>
   </p:cSld>
@@ -833,6 +706,134 @@
           <a:bodyPr/>
           <a:lstStyle/>
           <a:p>
+            <a:pPr marL="228600" indent="-228600">
+              <a:buAutoNum type="arabicPeriod"/>
+            </a:pPr>
+            <a:r>
+              <a:rPr lang="en-US" sz="1200" b="0" i="0" kern="1200" dirty="0">
+                <a:solidFill>
+                  <a:schemeClr val="tx1"/>
+                </a:solidFill>
+                <a:effectLst/>
+                <a:latin typeface="+mn-lt"/>
+                <a:ea typeface="+mn-ea"/>
+                <a:cs typeface="+mn-cs"/>
+              </a:rPr>
+              <a:t>The first version of ASP.NET Web API supports 3 types of action results. They are </a:t>
+            </a:r>
+            <a:r>
+              <a:rPr lang="en-US" sz="1200" b="0" i="0" kern="1200" dirty="0" err="1">
+                <a:solidFill>
+                  <a:schemeClr val="tx1"/>
+                </a:solidFill>
+                <a:effectLst/>
+                <a:latin typeface="+mn-lt"/>
+                <a:ea typeface="+mn-ea"/>
+                <a:cs typeface="+mn-cs"/>
+              </a:rPr>
+              <a:t>HttpResponseMessage</a:t>
+            </a:r>
+            <a:r>
+              <a:rPr lang="en-US" sz="1200" b="0" i="0" kern="1200" dirty="0">
+                <a:solidFill>
+                  <a:schemeClr val="tx1"/>
+                </a:solidFill>
+                <a:effectLst/>
+                <a:latin typeface="+mn-lt"/>
+                <a:ea typeface="+mn-ea"/>
+                <a:cs typeface="+mn-cs"/>
+              </a:rPr>
+              <a:t>, Void and Type of Entity or Model. But in WEB API 2, Microsoft had introduced another powerful Action result called </a:t>
+            </a:r>
+            <a:r>
+              <a:rPr lang="en-US" sz="1200" b="0" i="0" kern="1200" dirty="0" err="1">
+                <a:solidFill>
+                  <a:schemeClr val="tx1"/>
+                </a:solidFill>
+                <a:effectLst/>
+                <a:latin typeface="+mn-lt"/>
+                <a:ea typeface="+mn-ea"/>
+                <a:cs typeface="+mn-cs"/>
+              </a:rPr>
+              <a:t>IhttpActionResult</a:t>
+            </a:r>
+            <a:r>
+              <a:rPr lang="en-US" sz="1200" b="0" i="0" kern="1200" dirty="0">
+                <a:solidFill>
+                  <a:schemeClr val="tx1"/>
+                </a:solidFill>
+                <a:effectLst/>
+                <a:latin typeface="+mn-lt"/>
+                <a:ea typeface="+mn-ea"/>
+                <a:cs typeface="+mn-cs"/>
+              </a:rPr>
+              <a:t>.</a:t>
+            </a:r>
+          </a:p>
+          <a:p>
+            <a:pPr marL="228600" indent="-228600">
+              <a:buAutoNum type="arabicPeriod"/>
+            </a:pPr>
+            <a:endParaRPr lang="en-US" sz="1200" b="0" i="0" kern="1200" dirty="0">
+              <a:solidFill>
+                <a:schemeClr val="tx1"/>
+              </a:solidFill>
+              <a:effectLst/>
+              <a:latin typeface="+mn-lt"/>
+              <a:ea typeface="+mn-ea"/>
+              <a:cs typeface="+mn-cs"/>
+            </a:endParaRPr>
+          </a:p>
+          <a:p>
+            <a:r>
+              <a:rPr lang="en-US" dirty="0"/>
+              <a:t> </a:t>
+            </a:r>
+            <a:r>
+              <a:rPr lang="en-US" dirty="0" err="1"/>
+              <a:t>IContentNegotiator</a:t>
+            </a:r>
+            <a:r>
+              <a:rPr lang="en-US" dirty="0"/>
+              <a:t> selects</a:t>
+            </a:r>
+            <a:r>
+              <a:rPr lang="en-US" baseline="0" dirty="0"/>
+              <a:t> the appropriate </a:t>
+            </a:r>
+            <a:r>
+              <a:rPr lang="en-US" baseline="0" dirty="0" err="1"/>
+              <a:t>MediaTypeFormatter</a:t>
+            </a:r>
+            <a:r>
+              <a:rPr lang="en-US" baseline="0" dirty="0"/>
+              <a:t> </a:t>
+            </a:r>
+            <a:r>
+              <a:rPr lang="en-US" sz="1200" b="0" i="0" kern="1200" dirty="0">
+                <a:solidFill>
+                  <a:schemeClr val="tx1"/>
+                </a:solidFill>
+                <a:effectLst/>
+                <a:latin typeface="+mn-lt"/>
+                <a:ea typeface="+mn-ea"/>
+                <a:cs typeface="+mn-cs"/>
+              </a:rPr>
+              <a:t>in compliance with header values in the request.</a:t>
+            </a:r>
+          </a:p>
+          <a:p>
+            <a:br>
+              <a:rPr lang="en-US" sz="1200" b="1" i="0" kern="1200" dirty="0">
+                <a:solidFill>
+                  <a:schemeClr val="tx1"/>
+                </a:solidFill>
+                <a:effectLst/>
+                <a:latin typeface="+mn-lt"/>
+                <a:ea typeface="+mn-ea"/>
+                <a:cs typeface="+mn-cs"/>
+              </a:rPr>
+            </a:br>
             <a:endParaRPr lang="en-US" dirty="0"/>
           </a:p>
         </p:txBody>
@@ -854,7 +855,7 @@
           <a:p>
             <a:fld id="{9650035D-E5EC-4F72-8410-D3F7E0B5F874}" type="slidenum">
               <a:rPr lang="en-US" smtClean="0"/>
-              <a:t>23</a:t>
+              <a:t>22</a:t>
             </a:fld>
             <a:endParaRPr lang="en-US"/>
           </a:p>
@@ -863,7 +864,7 @@
     </p:spTree>
     <p:extLst>
       <p:ext uri="{BB962C8B-B14F-4D97-AF65-F5344CB8AC3E}">
-        <p14:creationId xmlns:p14="http://schemas.microsoft.com/office/powerpoint/2010/main" val="984001669"/>
+        <p14:creationId xmlns:p14="http://schemas.microsoft.com/office/powerpoint/2010/main" val="2869793647"/>
       </p:ext>
     </p:extLst>
   </p:cSld>
@@ -939,6 +940,90 @@
             <a:fld id="{9650035D-E5EC-4F72-8410-D3F7E0B5F874}" type="slidenum">
               <a:rPr lang="en-US" smtClean="0"/>
               <a:t>24</a:t>
+            </a:fld>
+            <a:endParaRPr lang="en-US"/>
+          </a:p>
+        </p:txBody>
+      </p:sp>
+    </p:spTree>
+    <p:extLst>
+      <p:ext uri="{BB962C8B-B14F-4D97-AF65-F5344CB8AC3E}">
+        <p14:creationId xmlns:p14="http://schemas.microsoft.com/office/powerpoint/2010/main" val="984001669"/>
+      </p:ext>
+    </p:extLst>
+  </p:cSld>
+  <p:clrMapOvr>
+    <a:masterClrMapping/>
+  </p:clrMapOvr>
+</p:notes>
+</file>
+
+<file path=ppt/notesSlides/notesSlide13.xml><?xml version="1.0" encoding="utf-8"?>
+<p:notes xmlns:a="http://schemas.openxmlformats.org/drawingml/2006/main" xmlns:r="http://schemas.openxmlformats.org/officeDocument/2006/relationships" xmlns:p="http://schemas.openxmlformats.org/presentationml/2006/main">
+  <p:cSld>
+    <p:spTree>
+      <p:nvGrpSpPr>
+        <p:cNvPr id="1" name=""/>
+        <p:cNvGrpSpPr/>
+        <p:nvPr/>
+      </p:nvGrpSpPr>
+      <p:grpSpPr>
+        <a:xfrm>
+          <a:off x="0" y="0"/>
+          <a:ext cx="0" cy="0"/>
+          <a:chOff x="0" y="0"/>
+          <a:chExt cx="0" cy="0"/>
+        </a:xfrm>
+      </p:grpSpPr>
+      <p:sp>
+        <p:nvSpPr>
+          <p:cNvPr id="2" name="Slide Image Placeholder 1"/>
+          <p:cNvSpPr>
+            <a:spLocks noGrp="1" noRot="1" noChangeAspect="1"/>
+          </p:cNvSpPr>
+          <p:nvPr>
+            <p:ph type="sldImg"/>
+          </p:nvPr>
+        </p:nvSpPr>
+        <p:spPr/>
+      </p:sp>
+      <p:sp>
+        <p:nvSpPr>
+          <p:cNvPr id="3" name="Notes Placeholder 2"/>
+          <p:cNvSpPr>
+            <a:spLocks noGrp="1"/>
+          </p:cNvSpPr>
+          <p:nvPr>
+            <p:ph type="body" idx="1"/>
+          </p:nvPr>
+        </p:nvSpPr>
+        <p:spPr/>
+        <p:txBody>
+          <a:bodyPr/>
+          <a:lstStyle/>
+          <a:p>
+            <a:endParaRPr lang="en-US" dirty="0"/>
+          </a:p>
+        </p:txBody>
+      </p:sp>
+      <p:sp>
+        <p:nvSpPr>
+          <p:cNvPr id="4" name="Slide Number Placeholder 3"/>
+          <p:cNvSpPr>
+            <a:spLocks noGrp="1"/>
+          </p:cNvSpPr>
+          <p:nvPr>
+            <p:ph type="sldNum" sz="quarter" idx="10"/>
+          </p:nvPr>
+        </p:nvSpPr>
+        <p:spPr/>
+        <p:txBody>
+          <a:bodyPr/>
+          <a:lstStyle/>
+          <a:p>
+            <a:fld id="{9650035D-E5EC-4F72-8410-D3F7E0B5F874}" type="slidenum">
+              <a:rPr lang="en-US" smtClean="0"/>
+              <a:t>25</a:t>
             </a:fld>
             <a:endParaRPr lang="en-US"/>
           </a:p>
@@ -1002,16 +1087,12 @@
           <a:lstStyle/>
           <a:p>
             <a:r>
-              <a:rPr lang="en-US" sz="1200" b="0" i="0" kern="1200" dirty="0">
-                <a:solidFill>
-                  <a:schemeClr val="tx1"/>
-                </a:solidFill>
-                <a:effectLst/>
-                <a:latin typeface="+mn-lt"/>
-                <a:ea typeface="+mn-ea"/>
-                <a:cs typeface="+mn-cs"/>
-              </a:rPr>
-              <a:t>lower-level message handler pipeline</a:t>
+              <a:rPr lang="en-US" dirty="0"/>
+              <a:t>Think</a:t>
+            </a:r>
+            <a:r>
+              <a:rPr lang="en-US" baseline="0" dirty="0"/>
+              <a:t> of an example for entire new logic?</a:t>
             </a:r>
             <a:endParaRPr lang="en-US" dirty="0"/>
           </a:p>
@@ -1043,7 +1124,7 @@
     </p:spTree>
     <p:extLst>
       <p:ext uri="{BB962C8B-B14F-4D97-AF65-F5344CB8AC3E}">
-        <p14:creationId xmlns:p14="http://schemas.microsoft.com/office/powerpoint/2010/main" val="2621470544"/>
+        <p14:creationId xmlns:p14="http://schemas.microsoft.com/office/powerpoint/2010/main" val="1542877050"/>
       </p:ext>
     </p:extLst>
   </p:cSld>
@@ -1097,6 +1178,18 @@
           <a:bodyPr/>
           <a:lstStyle/>
           <a:p>
+            <a:r>
+              <a:rPr lang="en-US" sz="1200" b="0" i="0" kern="1200" dirty="0">
+                <a:solidFill>
+                  <a:schemeClr val="tx1"/>
+                </a:solidFill>
+                <a:effectLst/>
+                <a:latin typeface="+mn-lt"/>
+                <a:ea typeface="+mn-ea"/>
+                <a:cs typeface="+mn-cs"/>
+              </a:rPr>
+              <a:t>lower-level message handler pipeline</a:t>
+            </a:r>
             <a:endParaRPr lang="en-US" dirty="0"/>
           </a:p>
         </p:txBody>
@@ -1118,7 +1211,7 @@
           <a:p>
             <a:fld id="{9650035D-E5EC-4F72-8410-D3F7E0B5F874}" type="slidenum">
               <a:rPr lang="en-US" smtClean="0"/>
-              <a:t>4</a:t>
+              <a:t>3</a:t>
             </a:fld>
             <a:endParaRPr lang="en-US"/>
           </a:p>
@@ -1127,7 +1220,7 @@
     </p:spTree>
     <p:extLst>
       <p:ext uri="{BB962C8B-B14F-4D97-AF65-F5344CB8AC3E}">
-        <p14:creationId xmlns:p14="http://schemas.microsoft.com/office/powerpoint/2010/main" val="1542877050"/>
+        <p14:creationId xmlns:p14="http://schemas.microsoft.com/office/powerpoint/2010/main" val="2621470544"/>
       </p:ext>
     </p:extLst>
   </p:cSld>
@@ -1211,7 +1304,7 @@
     </p:spTree>
     <p:extLst>
       <p:ext uri="{BB962C8B-B14F-4D97-AF65-F5344CB8AC3E}">
-        <p14:creationId xmlns:p14="http://schemas.microsoft.com/office/powerpoint/2010/main" val="3547422838"/>
+        <p14:creationId xmlns:p14="http://schemas.microsoft.com/office/powerpoint/2010/main" val="2118562423"/>
       </p:ext>
     </p:extLst>
   </p:cSld>
@@ -1265,226 +1358,6 @@
           <a:bodyPr/>
           <a:lstStyle/>
           <a:p>
-            <a:pPr marL="342900" indent="-342900">
-              <a:buAutoNum type="arabicPeriod"/>
-            </a:pPr>
-            <a:r>
-              <a:rPr lang="en-US" dirty="0"/>
-              <a:t>3. </a:t>
-            </a:r>
-            <a:r>
-              <a:rPr lang="en-US" sz="1200" dirty="0"/>
-              <a:t>Use the </a:t>
-            </a:r>
-            <a:r>
-              <a:rPr lang="en-US" sz="1200" dirty="0" err="1"/>
-              <a:t>config.Routes.MapHttpRoute</a:t>
-            </a:r>
-            <a:r>
-              <a:rPr lang="en-US" sz="1200" dirty="0"/>
-              <a:t> extension method if possible.</a:t>
-            </a:r>
-          </a:p>
-          <a:p>
-            <a:r>
-              <a:rPr lang="en-US" sz="1200" dirty="0"/>
-              <a:t>	This will reuse the default web </a:t>
-            </a:r>
-            <a:r>
-              <a:rPr lang="en-US" sz="1200" dirty="0" err="1"/>
-              <a:t>api</a:t>
-            </a:r>
-            <a:r>
-              <a:rPr lang="en-US" sz="1200" dirty="0"/>
-              <a:t> validation logic. </a:t>
-            </a:r>
-          </a:p>
-          <a:p>
-            <a:r>
-              <a:rPr lang="en-US" sz="1200" dirty="0"/>
-              <a:t>	For example the</a:t>
-            </a:r>
-            <a:r>
-              <a:rPr lang="en-US" sz="1200" baseline="0" dirty="0"/>
-              <a:t> route template check for mapping is in internal sealed class and cannot be seen and eventually used from outside.</a:t>
-            </a:r>
-          </a:p>
-          <a:p>
-            <a:r>
-              <a:rPr lang="en-US" sz="1200" baseline="0" dirty="0"/>
-              <a:t>	If the </a:t>
-            </a:r>
-            <a:r>
-              <a:rPr lang="en-US" sz="1200" kern="1200" dirty="0" err="1">
-                <a:solidFill>
-                  <a:schemeClr val="tx1"/>
-                </a:solidFill>
-                <a:effectLst/>
-                <a:latin typeface="+mn-lt"/>
-                <a:ea typeface="+mn-ea"/>
-                <a:cs typeface="+mn-cs"/>
-              </a:rPr>
-              <a:t>config.Routes.Add</a:t>
-            </a:r>
-            <a:r>
-              <a:rPr lang="en-US" sz="1200" kern="1200" dirty="0">
-                <a:solidFill>
-                  <a:schemeClr val="tx1"/>
-                </a:solidFill>
-                <a:effectLst/>
-                <a:latin typeface="+mn-lt"/>
-                <a:ea typeface="+mn-ea"/>
-                <a:cs typeface="+mn-cs"/>
-              </a:rPr>
-              <a:t>(…) method is used</a:t>
-            </a:r>
-            <a:r>
-              <a:rPr lang="en-US" sz="1200" kern="1200" baseline="0" dirty="0">
-                <a:solidFill>
-                  <a:schemeClr val="tx1"/>
-                </a:solidFill>
-                <a:effectLst/>
-                <a:latin typeface="+mn-lt"/>
-                <a:ea typeface="+mn-ea"/>
-                <a:cs typeface="+mn-cs"/>
-              </a:rPr>
-              <a:t> an entirely custom </a:t>
-            </a:r>
-            <a:r>
-              <a:rPr lang="en-US" sz="1200" kern="1200" baseline="0" dirty="0" err="1">
-                <a:solidFill>
-                  <a:schemeClr val="tx1"/>
-                </a:solidFill>
-                <a:effectLst/>
-                <a:latin typeface="+mn-lt"/>
-                <a:ea typeface="+mn-ea"/>
-                <a:cs typeface="+mn-cs"/>
-              </a:rPr>
-              <a:t>IHttpRoute</a:t>
-            </a:r>
-            <a:r>
-              <a:rPr lang="en-US" sz="1200" kern="1200" baseline="0" dirty="0">
-                <a:solidFill>
-                  <a:schemeClr val="tx1"/>
-                </a:solidFill>
-                <a:effectLst/>
-                <a:latin typeface="+mn-lt"/>
-                <a:ea typeface="+mn-ea"/>
-                <a:cs typeface="+mn-cs"/>
-              </a:rPr>
-              <a:t> instance should be provided. In this case the route matching needs to be verified manually inside the 	</a:t>
-            </a:r>
-            <a:r>
-              <a:rPr lang="en-US" sz="1200" kern="1200" dirty="0" err="1">
-                <a:solidFill>
-                  <a:schemeClr val="tx1"/>
-                </a:solidFill>
-                <a:effectLst/>
-                <a:latin typeface="+mn-lt"/>
-                <a:ea typeface="+mn-ea"/>
-                <a:cs typeface="+mn-cs"/>
-              </a:rPr>
-              <a:t>GetRouteData</a:t>
-            </a:r>
-            <a:r>
-              <a:rPr lang="en-US" sz="1200" kern="1200" dirty="0">
-                <a:solidFill>
-                  <a:schemeClr val="tx1"/>
-                </a:solidFill>
-                <a:effectLst/>
-                <a:latin typeface="+mn-lt"/>
-                <a:ea typeface="+mn-ea"/>
-                <a:cs typeface="+mn-cs"/>
-              </a:rPr>
-              <a:t>(string </a:t>
-            </a:r>
-            <a:r>
-              <a:rPr lang="en-US" sz="1200" kern="1200" dirty="0" err="1">
-                <a:solidFill>
-                  <a:schemeClr val="tx1"/>
-                </a:solidFill>
-                <a:effectLst/>
-                <a:latin typeface="+mn-lt"/>
-                <a:ea typeface="+mn-ea"/>
-                <a:cs typeface="+mn-cs"/>
-              </a:rPr>
-              <a:t>virtualPathRoot</a:t>
-            </a:r>
-            <a:r>
-              <a:rPr lang="en-US" sz="1200" kern="1200" dirty="0">
-                <a:solidFill>
-                  <a:schemeClr val="tx1"/>
-                </a:solidFill>
-                <a:effectLst/>
-                <a:latin typeface="+mn-lt"/>
-                <a:ea typeface="+mn-ea"/>
-                <a:cs typeface="+mn-cs"/>
-              </a:rPr>
-              <a:t>, </a:t>
-            </a:r>
-            <a:r>
-              <a:rPr lang="en-US" sz="1200" kern="1200" dirty="0" err="1">
-                <a:solidFill>
-                  <a:schemeClr val="tx1"/>
-                </a:solidFill>
-                <a:effectLst/>
-                <a:latin typeface="+mn-lt"/>
-                <a:ea typeface="+mn-ea"/>
-                <a:cs typeface="+mn-cs"/>
-              </a:rPr>
-              <a:t>HttpRequestMessage</a:t>
-            </a:r>
-            <a:r>
-              <a:rPr lang="en-US" sz="1200" kern="1200" dirty="0">
-                <a:solidFill>
-                  <a:schemeClr val="tx1"/>
-                </a:solidFill>
-                <a:effectLst/>
-                <a:latin typeface="+mn-lt"/>
-                <a:ea typeface="+mn-ea"/>
-                <a:cs typeface="+mn-cs"/>
-              </a:rPr>
-              <a:t> request)</a:t>
-            </a:r>
-            <a:r>
-              <a:rPr lang="en-US" sz="1200" kern="1200" baseline="0" dirty="0">
-                <a:solidFill>
-                  <a:schemeClr val="tx1"/>
-                </a:solidFill>
-                <a:effectLst/>
-                <a:latin typeface="+mn-lt"/>
-                <a:ea typeface="+mn-ea"/>
-                <a:cs typeface="+mn-cs"/>
-              </a:rPr>
-              <a:t> method. If no match null value should be returned. This will instruct the dispatcher to check the request against 	the next route in the </a:t>
-            </a:r>
-            <a:r>
-              <a:rPr lang="en-US" sz="1200" kern="1200" baseline="0" dirty="0" err="1">
-                <a:solidFill>
-                  <a:schemeClr val="tx1"/>
-                </a:solidFill>
-                <a:effectLst/>
-                <a:latin typeface="+mn-lt"/>
-                <a:ea typeface="+mn-ea"/>
-                <a:cs typeface="+mn-cs"/>
-              </a:rPr>
-              <a:t>HttpRouteCollection</a:t>
-            </a:r>
-            <a:r>
-              <a:rPr lang="en-US" sz="1200" kern="1200" baseline="0" dirty="0">
-                <a:solidFill>
-                  <a:schemeClr val="tx1"/>
-                </a:solidFill>
-                <a:effectLst/>
-                <a:latin typeface="+mn-lt"/>
-                <a:ea typeface="+mn-ea"/>
-                <a:cs typeface="+mn-cs"/>
-              </a:rPr>
-              <a:t>.</a:t>
-            </a:r>
-            <a:endParaRPr lang="en-US" sz="1200" dirty="0"/>
-          </a:p>
-          <a:p>
             <a:endParaRPr lang="en-US" dirty="0"/>
           </a:p>
         </p:txBody>
@@ -1506,7 +1379,7 @@
           <a:p>
             <a:fld id="{9650035D-E5EC-4F72-8410-D3F7E0B5F874}" type="slidenum">
               <a:rPr lang="en-US" smtClean="0"/>
-              <a:t>7</a:t>
+              <a:t>6</a:t>
             </a:fld>
             <a:endParaRPr lang="en-US"/>
           </a:p>
@@ -1515,7 +1388,7 @@
     </p:spTree>
     <p:extLst>
       <p:ext uri="{BB962C8B-B14F-4D97-AF65-F5344CB8AC3E}">
-        <p14:creationId xmlns:p14="http://schemas.microsoft.com/office/powerpoint/2010/main" val="1143560006"/>
+        <p14:creationId xmlns:p14="http://schemas.microsoft.com/office/powerpoint/2010/main" val="3547422838"/>
       </p:ext>
     </p:extLst>
   </p:cSld>
@@ -1569,6 +1442,226 @@
           <a:bodyPr/>
           <a:lstStyle/>
           <a:p>
+            <a:pPr marL="342900" indent="-342900">
+              <a:buAutoNum type="arabicPeriod"/>
+            </a:pPr>
+            <a:r>
+              <a:rPr lang="en-US" dirty="0"/>
+              <a:t>3. </a:t>
+            </a:r>
+            <a:r>
+              <a:rPr lang="en-US" sz="1200" dirty="0"/>
+              <a:t>Use the </a:t>
+            </a:r>
+            <a:r>
+              <a:rPr lang="en-US" sz="1200" dirty="0" err="1"/>
+              <a:t>config.Routes.MapHttpRoute</a:t>
+            </a:r>
+            <a:r>
+              <a:rPr lang="en-US" sz="1200" dirty="0"/>
+              <a:t> extension method if possible.</a:t>
+            </a:r>
+          </a:p>
+          <a:p>
+            <a:r>
+              <a:rPr lang="en-US" sz="1200" dirty="0"/>
+              <a:t>	This will reuse the default web </a:t>
+            </a:r>
+            <a:r>
+              <a:rPr lang="en-US" sz="1200" dirty="0" err="1"/>
+              <a:t>api</a:t>
+            </a:r>
+            <a:r>
+              <a:rPr lang="en-US" sz="1200" dirty="0"/>
+              <a:t> validation logic. </a:t>
+            </a:r>
+          </a:p>
+          <a:p>
+            <a:r>
+              <a:rPr lang="en-US" sz="1200" dirty="0"/>
+              <a:t>	For example the</a:t>
+            </a:r>
+            <a:r>
+              <a:rPr lang="en-US" sz="1200" baseline="0" dirty="0"/>
+              <a:t> route template check for mapping is in internal sealed class and cannot be seen and eventually used from outside.</a:t>
+            </a:r>
+          </a:p>
+          <a:p>
+            <a:r>
+              <a:rPr lang="en-US" sz="1200" baseline="0" dirty="0"/>
+              <a:t>	If the </a:t>
+            </a:r>
+            <a:r>
+              <a:rPr lang="en-US" sz="1200" kern="1200" dirty="0" err="1">
+                <a:solidFill>
+                  <a:schemeClr val="tx1"/>
+                </a:solidFill>
+                <a:effectLst/>
+                <a:latin typeface="+mn-lt"/>
+                <a:ea typeface="+mn-ea"/>
+                <a:cs typeface="+mn-cs"/>
+              </a:rPr>
+              <a:t>config.Routes.Add</a:t>
+            </a:r>
+            <a:r>
+              <a:rPr lang="en-US" sz="1200" kern="1200" dirty="0">
+                <a:solidFill>
+                  <a:schemeClr val="tx1"/>
+                </a:solidFill>
+                <a:effectLst/>
+                <a:latin typeface="+mn-lt"/>
+                <a:ea typeface="+mn-ea"/>
+                <a:cs typeface="+mn-cs"/>
+              </a:rPr>
+              <a:t>(…) method is used</a:t>
+            </a:r>
+            <a:r>
+              <a:rPr lang="en-US" sz="1200" kern="1200" baseline="0" dirty="0">
+                <a:solidFill>
+                  <a:schemeClr val="tx1"/>
+                </a:solidFill>
+                <a:effectLst/>
+                <a:latin typeface="+mn-lt"/>
+                <a:ea typeface="+mn-ea"/>
+                <a:cs typeface="+mn-cs"/>
+              </a:rPr>
+              <a:t> an entirely custom </a:t>
+            </a:r>
+            <a:r>
+              <a:rPr lang="en-US" sz="1200" kern="1200" baseline="0" dirty="0" err="1">
+                <a:solidFill>
+                  <a:schemeClr val="tx1"/>
+                </a:solidFill>
+                <a:effectLst/>
+                <a:latin typeface="+mn-lt"/>
+                <a:ea typeface="+mn-ea"/>
+                <a:cs typeface="+mn-cs"/>
+              </a:rPr>
+              <a:t>IHttpRoute</a:t>
+            </a:r>
+            <a:r>
+              <a:rPr lang="en-US" sz="1200" kern="1200" baseline="0" dirty="0">
+                <a:solidFill>
+                  <a:schemeClr val="tx1"/>
+                </a:solidFill>
+                <a:effectLst/>
+                <a:latin typeface="+mn-lt"/>
+                <a:ea typeface="+mn-ea"/>
+                <a:cs typeface="+mn-cs"/>
+              </a:rPr>
+              <a:t> instance should be provided. In this case the route matching needs to be verified manually inside the 	</a:t>
+            </a:r>
+            <a:r>
+              <a:rPr lang="en-US" sz="1200" kern="1200" dirty="0" err="1">
+                <a:solidFill>
+                  <a:schemeClr val="tx1"/>
+                </a:solidFill>
+                <a:effectLst/>
+                <a:latin typeface="+mn-lt"/>
+                <a:ea typeface="+mn-ea"/>
+                <a:cs typeface="+mn-cs"/>
+              </a:rPr>
+              <a:t>GetRouteData</a:t>
+            </a:r>
+            <a:r>
+              <a:rPr lang="en-US" sz="1200" kern="1200" dirty="0">
+                <a:solidFill>
+                  <a:schemeClr val="tx1"/>
+                </a:solidFill>
+                <a:effectLst/>
+                <a:latin typeface="+mn-lt"/>
+                <a:ea typeface="+mn-ea"/>
+                <a:cs typeface="+mn-cs"/>
+              </a:rPr>
+              <a:t>(string </a:t>
+            </a:r>
+            <a:r>
+              <a:rPr lang="en-US" sz="1200" kern="1200" dirty="0" err="1">
+                <a:solidFill>
+                  <a:schemeClr val="tx1"/>
+                </a:solidFill>
+                <a:effectLst/>
+                <a:latin typeface="+mn-lt"/>
+                <a:ea typeface="+mn-ea"/>
+                <a:cs typeface="+mn-cs"/>
+              </a:rPr>
+              <a:t>virtualPathRoot</a:t>
+            </a:r>
+            <a:r>
+              <a:rPr lang="en-US" sz="1200" kern="1200" dirty="0">
+                <a:solidFill>
+                  <a:schemeClr val="tx1"/>
+                </a:solidFill>
+                <a:effectLst/>
+                <a:latin typeface="+mn-lt"/>
+                <a:ea typeface="+mn-ea"/>
+                <a:cs typeface="+mn-cs"/>
+              </a:rPr>
+              <a:t>, </a:t>
+            </a:r>
+            <a:r>
+              <a:rPr lang="en-US" sz="1200" kern="1200" dirty="0" err="1">
+                <a:solidFill>
+                  <a:schemeClr val="tx1"/>
+                </a:solidFill>
+                <a:effectLst/>
+                <a:latin typeface="+mn-lt"/>
+                <a:ea typeface="+mn-ea"/>
+                <a:cs typeface="+mn-cs"/>
+              </a:rPr>
+              <a:t>HttpRequestMessage</a:t>
+            </a:r>
+            <a:r>
+              <a:rPr lang="en-US" sz="1200" kern="1200" dirty="0">
+                <a:solidFill>
+                  <a:schemeClr val="tx1"/>
+                </a:solidFill>
+                <a:effectLst/>
+                <a:latin typeface="+mn-lt"/>
+                <a:ea typeface="+mn-ea"/>
+                <a:cs typeface="+mn-cs"/>
+              </a:rPr>
+              <a:t> request)</a:t>
+            </a:r>
+            <a:r>
+              <a:rPr lang="en-US" sz="1200" kern="1200" baseline="0" dirty="0">
+                <a:solidFill>
+                  <a:schemeClr val="tx1"/>
+                </a:solidFill>
+                <a:effectLst/>
+                <a:latin typeface="+mn-lt"/>
+                <a:ea typeface="+mn-ea"/>
+                <a:cs typeface="+mn-cs"/>
+              </a:rPr>
+              <a:t> method. If no match null value should be returned. This will instruct the dispatcher to check the request against 	the next route in the </a:t>
+            </a:r>
+            <a:r>
+              <a:rPr lang="en-US" sz="1200" kern="1200" baseline="0" dirty="0" err="1">
+                <a:solidFill>
+                  <a:schemeClr val="tx1"/>
+                </a:solidFill>
+                <a:effectLst/>
+                <a:latin typeface="+mn-lt"/>
+                <a:ea typeface="+mn-ea"/>
+                <a:cs typeface="+mn-cs"/>
+              </a:rPr>
+              <a:t>HttpRouteCollection</a:t>
+            </a:r>
+            <a:r>
+              <a:rPr lang="en-US" sz="1200" kern="1200" baseline="0" dirty="0">
+                <a:solidFill>
+                  <a:schemeClr val="tx1"/>
+                </a:solidFill>
+                <a:effectLst/>
+                <a:latin typeface="+mn-lt"/>
+                <a:ea typeface="+mn-ea"/>
+                <a:cs typeface="+mn-cs"/>
+              </a:rPr>
+              <a:t>.</a:t>
+            </a:r>
+            <a:endParaRPr lang="en-US" sz="1200" dirty="0"/>
+          </a:p>
+          <a:p>
             <a:endParaRPr lang="en-US" dirty="0"/>
           </a:p>
         </p:txBody>
@@ -1590,7 +1683,7 @@
           <a:p>
             <a:fld id="{9650035D-E5EC-4F72-8410-D3F7E0B5F874}" type="slidenum">
               <a:rPr lang="en-US" smtClean="0"/>
-              <a:t>9</a:t>
+              <a:t>8</a:t>
             </a:fld>
             <a:endParaRPr lang="en-US"/>
           </a:p>
@@ -1599,7 +1692,7 @@
     </p:spTree>
     <p:extLst>
       <p:ext uri="{BB962C8B-B14F-4D97-AF65-F5344CB8AC3E}">
-        <p14:creationId xmlns:p14="http://schemas.microsoft.com/office/powerpoint/2010/main" val="2434406322"/>
+        <p14:creationId xmlns:p14="http://schemas.microsoft.com/office/powerpoint/2010/main" val="1143560006"/>
       </p:ext>
     </p:extLst>
   </p:cSld>
@@ -1653,6 +1746,18 @@
           <a:bodyPr/>
           <a:lstStyle/>
           <a:p>
+            <a:r>
+              <a:rPr lang="en-US" dirty="0"/>
+              <a:t>1. Show</a:t>
+            </a:r>
+            <a:r>
+              <a:rPr lang="en-US" baseline="0" dirty="0"/>
+              <a:t> in source code the </a:t>
+            </a:r>
+            <a:r>
+              <a:rPr lang="en-US" baseline="0"/>
+              <a:t>try/catch block</a:t>
+            </a:r>
             <a:endParaRPr lang="en-US" dirty="0"/>
           </a:p>
         </p:txBody>
@@ -1674,7 +1779,7 @@
           <a:p>
             <a:fld id="{9650035D-E5EC-4F72-8410-D3F7E0B5F874}" type="slidenum">
               <a:rPr lang="en-US" smtClean="0"/>
-              <a:t>11</a:t>
+              <a:t>10</a:t>
             </a:fld>
             <a:endParaRPr lang="en-US"/>
           </a:p>
@@ -1683,7 +1788,7 @@
     </p:spTree>
     <p:extLst>
       <p:ext uri="{BB962C8B-B14F-4D97-AF65-F5344CB8AC3E}">
-        <p14:creationId xmlns:p14="http://schemas.microsoft.com/office/powerpoint/2010/main" val="3092261519"/>
+        <p14:creationId xmlns:p14="http://schemas.microsoft.com/office/powerpoint/2010/main" val="2434406322"/>
       </p:ext>
     </p:extLst>
   </p:cSld>
@@ -1737,168 +1842,6 @@
           <a:bodyPr/>
           <a:lstStyle/>
           <a:p>
-            <a:pPr marL="228600" indent="-228600">
-              <a:buAutoNum type="arabicPeriod"/>
-            </a:pPr>
-            <a:r>
-              <a:rPr lang="en-US" sz="1200" b="0" i="0" kern="1200" dirty="0">
-                <a:solidFill>
-                  <a:schemeClr val="tx1"/>
-                </a:solidFill>
-                <a:effectLst/>
-                <a:latin typeface="+mn-lt"/>
-                <a:ea typeface="+mn-ea"/>
-                <a:cs typeface="+mn-cs"/>
-              </a:rPr>
-              <a:t> it means that the model state is available to action filters. So instead to write in every action the </a:t>
-            </a:r>
-            <a:r>
-              <a:rPr lang="en-US" sz="1200" b="0" i="0" kern="1200" dirty="0" err="1">
-                <a:solidFill>
-                  <a:schemeClr val="tx1"/>
-                </a:solidFill>
-                <a:effectLst/>
-                <a:latin typeface="+mn-lt"/>
-                <a:ea typeface="+mn-ea"/>
-                <a:cs typeface="+mn-cs"/>
-              </a:rPr>
-              <a:t>modelstate</a:t>
-            </a:r>
-            <a:r>
-              <a:rPr lang="en-US" sz="1200" b="0" i="0" kern="1200" dirty="0">
-                <a:solidFill>
-                  <a:schemeClr val="tx1"/>
-                </a:solidFill>
-                <a:effectLst/>
-                <a:latin typeface="+mn-lt"/>
-                <a:ea typeface="+mn-ea"/>
-                <a:cs typeface="+mn-cs"/>
-              </a:rPr>
-              <a:t> check it can be done in an</a:t>
-            </a:r>
-            <a:r>
-              <a:rPr lang="en-US" sz="1200" b="0" i="0" kern="1200" baseline="0" dirty="0">
-                <a:solidFill>
-                  <a:schemeClr val="tx1"/>
-                </a:solidFill>
-                <a:effectLst/>
-                <a:latin typeface="+mn-lt"/>
-                <a:ea typeface="+mn-ea"/>
-                <a:cs typeface="+mn-cs"/>
-              </a:rPr>
-              <a:t> action filter.</a:t>
-            </a:r>
-          </a:p>
-          <a:p>
-            <a:pPr marL="228600" indent="-228600">
-              <a:buAutoNum type="arabicPeriod"/>
-            </a:pPr>
-            <a:r>
-              <a:rPr lang="en-US" sz="1200" b="0" i="0" kern="1200" dirty="0">
-                <a:solidFill>
-                  <a:schemeClr val="tx1"/>
-                </a:solidFill>
-                <a:effectLst/>
-                <a:latin typeface="+mn-lt"/>
-                <a:ea typeface="+mn-ea"/>
-                <a:cs typeface="+mn-cs"/>
-              </a:rPr>
-              <a:t>Model binding is the process of creating .NET objects using the data sent by the browser in an HTTP request.</a:t>
-            </a:r>
-          </a:p>
-          <a:p>
-            <a:pPr marL="228600" indent="-228600">
-              <a:buAutoNum type="arabicPeriod"/>
-            </a:pPr>
-            <a:r>
-              <a:rPr lang="en-US" sz="1200" b="0" i="0" kern="1200" dirty="0">
-                <a:solidFill>
-                  <a:schemeClr val="tx1"/>
-                </a:solidFill>
-                <a:effectLst/>
-                <a:latin typeface="+mn-lt"/>
-                <a:ea typeface="+mn-ea"/>
-                <a:cs typeface="+mn-cs"/>
-              </a:rPr>
-              <a:t> </a:t>
-            </a:r>
-          </a:p>
-          <a:p>
-            <a:pPr marL="228600" indent="-228600">
-              <a:buAutoNum type="arabicPeriod"/>
-            </a:pPr>
-            <a:r>
-              <a:rPr lang="en-US" sz="1200" b="0" i="0" kern="1200" dirty="0">
-                <a:solidFill>
-                  <a:schemeClr val="tx1"/>
-                </a:solidFill>
-                <a:effectLst/>
-                <a:latin typeface="+mn-lt"/>
-                <a:ea typeface="+mn-ea"/>
-                <a:cs typeface="+mn-cs"/>
-              </a:rPr>
-              <a:t>At most one parameter is allowed to read from the message body.</a:t>
-            </a:r>
-          </a:p>
-          <a:p>
-            <a:pPr marL="914400" lvl="2" indent="0">
-              <a:buNone/>
-            </a:pPr>
-            <a:r>
-              <a:rPr lang="en-US" dirty="0"/>
-              <a:t>// Caution: Will not work!    </a:t>
-            </a:r>
-          </a:p>
-          <a:p>
-            <a:pPr marL="0" indent="0">
-              <a:buNone/>
-            </a:pPr>
-            <a:r>
-              <a:rPr lang="en-US" dirty="0"/>
-              <a:t>	public </a:t>
-            </a:r>
-            <a:r>
-              <a:rPr lang="en-US" dirty="0" err="1"/>
-              <a:t>HttpResponseMessage</a:t>
-            </a:r>
-            <a:r>
-              <a:rPr lang="en-US" dirty="0"/>
-              <a:t> Post([</a:t>
-            </a:r>
-            <a:r>
-              <a:rPr lang="en-US" dirty="0" err="1"/>
-              <a:t>FromBody</a:t>
-            </a:r>
-            <a:r>
-              <a:rPr lang="en-US" dirty="0"/>
-              <a:t>] </a:t>
-            </a:r>
-            <a:r>
-              <a:rPr lang="en-US" dirty="0" err="1"/>
-              <a:t>int</a:t>
-            </a:r>
-            <a:r>
-              <a:rPr lang="en-US" dirty="0"/>
-              <a:t> id, [</a:t>
-            </a:r>
-            <a:r>
-              <a:rPr lang="en-US" dirty="0" err="1"/>
-              <a:t>FromBody</a:t>
-            </a:r>
-            <a:r>
-              <a:rPr lang="en-US" dirty="0"/>
-              <a:t>] string name) { ... }</a:t>
-            </a:r>
-          </a:p>
-          <a:p>
-            <a:pPr marL="228600" indent="-228600">
-              <a:buFont typeface="+mj-lt"/>
-              <a:buAutoNum type="arabicPeriod"/>
-            </a:pPr>
-            <a:r>
-              <a:rPr lang="en-US" dirty="0"/>
-              <a:t>	</a:t>
-            </a:r>
             <a:endParaRPr lang="en-US" dirty="0"/>
           </a:p>
         </p:txBody>
@@ -1920,7 +1863,7 @@
           <a:p>
             <a:fld id="{9650035D-E5EC-4F72-8410-D3F7E0B5F874}" type="slidenum">
               <a:rPr lang="en-US" smtClean="0"/>
-              <a:t>15</a:t>
+              <a:t>12</a:t>
             </a:fld>
             <a:endParaRPr lang="en-US"/>
           </a:p>
@@ -1929,7 +1872,7 @@
     </p:spTree>
     <p:extLst>
       <p:ext uri="{BB962C8B-B14F-4D97-AF65-F5344CB8AC3E}">
-        <p14:creationId xmlns:p14="http://schemas.microsoft.com/office/powerpoint/2010/main" val="997226818"/>
+        <p14:creationId xmlns:p14="http://schemas.microsoft.com/office/powerpoint/2010/main" val="3092261519"/>
       </p:ext>
     </p:extLst>
   </p:cSld>
@@ -1983,7 +1926,168 @@
           <a:bodyPr/>
           <a:lstStyle/>
           <a:p>
-            <a:endParaRPr lang="en-US" dirty="0"/>
+            <a:pPr marL="228600" indent="-228600">
+              <a:buAutoNum type="arabicPeriod"/>
+            </a:pPr>
+            <a:r>
+              <a:rPr lang="en-US" sz="1200" b="0" i="0" kern="1200" dirty="0">
+                <a:solidFill>
+                  <a:schemeClr val="tx1"/>
+                </a:solidFill>
+                <a:effectLst/>
+                <a:latin typeface="+mn-lt"/>
+                <a:ea typeface="+mn-ea"/>
+                <a:cs typeface="+mn-cs"/>
+              </a:rPr>
+              <a:t> it means that the model state is available to action filters. So instead to write in every action the </a:t>
+            </a:r>
+            <a:r>
+              <a:rPr lang="en-US" sz="1200" b="0" i="0" kern="1200" dirty="0" err="1">
+                <a:solidFill>
+                  <a:schemeClr val="tx1"/>
+                </a:solidFill>
+                <a:effectLst/>
+                <a:latin typeface="+mn-lt"/>
+                <a:ea typeface="+mn-ea"/>
+                <a:cs typeface="+mn-cs"/>
+              </a:rPr>
+              <a:t>modelstate</a:t>
+            </a:r>
+            <a:r>
+              <a:rPr lang="en-US" sz="1200" b="0" i="0" kern="1200" dirty="0">
+                <a:solidFill>
+                  <a:schemeClr val="tx1"/>
+                </a:solidFill>
+                <a:effectLst/>
+                <a:latin typeface="+mn-lt"/>
+                <a:ea typeface="+mn-ea"/>
+                <a:cs typeface="+mn-cs"/>
+              </a:rPr>
+              <a:t> check it can be done in an</a:t>
+            </a:r>
+            <a:r>
+              <a:rPr lang="en-US" sz="1200" b="0" i="0" kern="1200" baseline="0" dirty="0">
+                <a:solidFill>
+                  <a:schemeClr val="tx1"/>
+                </a:solidFill>
+                <a:effectLst/>
+                <a:latin typeface="+mn-lt"/>
+                <a:ea typeface="+mn-ea"/>
+                <a:cs typeface="+mn-cs"/>
+              </a:rPr>
+              <a:t> action filter.</a:t>
+            </a:r>
+          </a:p>
+          <a:p>
+            <a:pPr marL="228600" indent="-228600">
+              <a:buAutoNum type="arabicPeriod"/>
+            </a:pPr>
+            <a:r>
+              <a:rPr lang="en-US" sz="1200" b="0" i="0" kern="1200" dirty="0">
+                <a:solidFill>
+                  <a:schemeClr val="tx1"/>
+                </a:solidFill>
+                <a:effectLst/>
+                <a:latin typeface="+mn-lt"/>
+                <a:ea typeface="+mn-ea"/>
+                <a:cs typeface="+mn-cs"/>
+              </a:rPr>
+              <a:t>Model binding is the process of creating .NET objects using the data sent by the browser in an HTTP request.</a:t>
+            </a:r>
+          </a:p>
+          <a:p>
+            <a:pPr marL="228600" indent="-228600">
+              <a:buAutoNum type="arabicPeriod"/>
+            </a:pPr>
+            <a:r>
+              <a:rPr lang="en-US" sz="1200" b="0" i="0" kern="1200" dirty="0">
+                <a:solidFill>
+                  <a:schemeClr val="tx1"/>
+                </a:solidFill>
+                <a:effectLst/>
+                <a:latin typeface="+mn-lt"/>
+                <a:ea typeface="+mn-ea"/>
+                <a:cs typeface="+mn-cs"/>
+              </a:rPr>
+              <a:t> </a:t>
+            </a:r>
+          </a:p>
+          <a:p>
+            <a:pPr marL="228600" indent="-228600">
+              <a:buAutoNum type="arabicPeriod"/>
+            </a:pPr>
+            <a:r>
+              <a:rPr lang="en-US" sz="1200" b="0" i="0" kern="1200" dirty="0">
+                <a:solidFill>
+                  <a:schemeClr val="tx1"/>
+                </a:solidFill>
+                <a:effectLst/>
+                <a:latin typeface="+mn-lt"/>
+                <a:ea typeface="+mn-ea"/>
+                <a:cs typeface="+mn-cs"/>
+              </a:rPr>
+              <a:t>At most one parameter is allowed to read from the message body.</a:t>
+            </a:r>
+          </a:p>
+          <a:p>
+            <a:pPr marL="914400" lvl="2" indent="0">
+              <a:buNone/>
+            </a:pPr>
+            <a:r>
+              <a:rPr lang="en-US" dirty="0"/>
+              <a:t>// Caution: Will not work!    </a:t>
+            </a:r>
+          </a:p>
+          <a:p>
+            <a:pPr marL="0" indent="0">
+              <a:buNone/>
+            </a:pPr>
+            <a:r>
+              <a:rPr lang="en-US" dirty="0"/>
+              <a:t>	public </a:t>
+            </a:r>
+            <a:r>
+              <a:rPr lang="en-US" dirty="0" err="1"/>
+              <a:t>HttpResponseMessage</a:t>
+            </a:r>
+            <a:r>
+              <a:rPr lang="en-US" dirty="0"/>
+              <a:t> Post([</a:t>
+            </a:r>
+            <a:r>
+              <a:rPr lang="en-US" dirty="0" err="1"/>
+              <a:t>FromBody</a:t>
+            </a:r>
+            <a:r>
+              <a:rPr lang="en-US" dirty="0"/>
+              <a:t>] </a:t>
+            </a:r>
+            <a:r>
+              <a:rPr lang="en-US" dirty="0" err="1"/>
+              <a:t>int</a:t>
+            </a:r>
+            <a:r>
+              <a:rPr lang="en-US" dirty="0"/>
+              <a:t> id, [</a:t>
+            </a:r>
+            <a:r>
+              <a:rPr lang="en-US" dirty="0" err="1"/>
+              <a:t>FromBody</a:t>
+            </a:r>
+            <a:r>
+              <a:rPr lang="en-US" dirty="0"/>
+              <a:t>] string name) { ... }</a:t>
+            </a:r>
+          </a:p>
+          <a:p>
+            <a:pPr marL="228600" indent="-228600">
+              <a:buFont typeface="+mj-lt"/>
+              <a:buAutoNum type="arabicPeriod"/>
+            </a:pPr>
+            <a:r>
+              <a:rPr lang="en-US" dirty="0"/>
+              <a:t>	</a:t>
+            </a:r>
           </a:p>
         </p:txBody>
       </p:sp>
@@ -2004,7 +2108,7 @@
           <a:p>
             <a:fld id="{9650035D-E5EC-4F72-8410-D3F7E0B5F874}" type="slidenum">
               <a:rPr lang="en-US" smtClean="0"/>
-              <a:t>18</a:t>
+              <a:t>16</a:t>
             </a:fld>
             <a:endParaRPr lang="en-US"/>
           </a:p>
@@ -2013,7 +2117,7 @@
     </p:spTree>
     <p:extLst>
       <p:ext uri="{BB962C8B-B14F-4D97-AF65-F5344CB8AC3E}">
-        <p14:creationId xmlns:p14="http://schemas.microsoft.com/office/powerpoint/2010/main" val="4011454932"/>
+        <p14:creationId xmlns:p14="http://schemas.microsoft.com/office/powerpoint/2010/main" val="997226818"/>
       </p:ext>
     </p:extLst>
   </p:cSld>
@@ -2431,7 +2535,7 @@
           <a:p>
             <a:fld id="{030305CC-77D9-43C1-9487-C134B9231D54}" type="datetimeFigureOut">
               <a:rPr lang="en-US" smtClean="0"/>
-              <a:t>5/26/2017</a:t>
+              <a:t>6/3/2017</a:t>
             </a:fld>
             <a:endParaRPr lang="en-US"/>
           </a:p>
@@ -2609,7 +2713,7 @@
           <a:p>
             <a:fld id="{030305CC-77D9-43C1-9487-C134B9231D54}" type="datetimeFigureOut">
               <a:rPr lang="en-US" smtClean="0"/>
-              <a:t>5/26/2017</a:t>
+              <a:t>6/3/2017</a:t>
             </a:fld>
             <a:endParaRPr lang="en-US"/>
           </a:p>
@@ -2777,7 +2881,7 @@
           <a:p>
             <a:fld id="{030305CC-77D9-43C1-9487-C134B9231D54}" type="datetimeFigureOut">
               <a:rPr lang="en-US" smtClean="0"/>
-              <a:t>5/26/2017</a:t>
+              <a:t>6/3/2017</a:t>
             </a:fld>
             <a:endParaRPr lang="en-US"/>
           </a:p>
@@ -3234,7 +3338,7 @@
           <a:p>
             <a:fld id="{030305CC-77D9-43C1-9487-C134B9231D54}" type="datetimeFigureOut">
               <a:rPr lang="en-US" smtClean="0"/>
-              <a:t>5/26/2017</a:t>
+              <a:t>6/3/2017</a:t>
             </a:fld>
             <a:endParaRPr lang="en-US"/>
           </a:p>
@@ -3463,7 +3567,7 @@
           <a:p>
             <a:fld id="{030305CC-77D9-43C1-9487-C134B9231D54}" type="datetimeFigureOut">
               <a:rPr lang="en-US" smtClean="0"/>
-              <a:t>5/26/2017</a:t>
+              <a:t>6/3/2017</a:t>
             </a:fld>
             <a:endParaRPr lang="en-US"/>
           </a:p>
@@ -3827,7 +3931,7 @@
           <a:p>
             <a:fld id="{030305CC-77D9-43C1-9487-C134B9231D54}" type="datetimeFigureOut">
               <a:rPr lang="en-US" smtClean="0"/>
-              <a:t>5/26/2017</a:t>
+              <a:t>6/3/2017</a:t>
             </a:fld>
             <a:endParaRPr lang="en-US"/>
           </a:p>
@@ -3944,7 +4048,7 @@
           <a:p>
             <a:fld id="{030305CC-77D9-43C1-9487-C134B9231D54}" type="datetimeFigureOut">
               <a:rPr lang="en-US" smtClean="0"/>
-              <a:t>5/26/2017</a:t>
+              <a:t>6/3/2017</a:t>
             </a:fld>
             <a:endParaRPr lang="en-US"/>
           </a:p>
@@ -4039,7 +4143,7 @@
           <a:p>
             <a:fld id="{030305CC-77D9-43C1-9487-C134B9231D54}" type="datetimeFigureOut">
               <a:rPr lang="en-US" smtClean="0"/>
-              <a:t>5/26/2017</a:t>
+              <a:t>6/3/2017</a:t>
             </a:fld>
             <a:endParaRPr lang="en-US"/>
           </a:p>
@@ -4314,7 +4418,7 @@
           <a:p>
             <a:fld id="{030305CC-77D9-43C1-9487-C134B9231D54}" type="datetimeFigureOut">
               <a:rPr lang="en-US" smtClean="0"/>
-              <a:t>5/26/2017</a:t>
+              <a:t>6/3/2017</a:t>
             </a:fld>
             <a:endParaRPr lang="en-US"/>
           </a:p>
@@ -4569,7 +4673,7 @@
           <a:p>
             <a:fld id="{030305CC-77D9-43C1-9487-C134B9231D54}" type="datetimeFigureOut">
               <a:rPr lang="en-US" smtClean="0"/>
-              <a:t>5/26/2017</a:t>
+              <a:t>6/3/2017</a:t>
             </a:fld>
             <a:endParaRPr lang="en-US"/>
           </a:p>
@@ -4781,7 +4885,7 @@
           <a:p>
             <a:fld id="{030305CC-77D9-43C1-9487-C134B9231D54}" type="datetimeFigureOut">
               <a:rPr lang="en-US" smtClean="0"/>
-              <a:t>5/26/2017</a:t>
+              <a:t>6/3/2017</a:t>
             </a:fld>
             <a:endParaRPr lang="en-US"/>
           </a:p>
@@ -5269,37 +5373,291 @@
       </p:grpSpPr>
       <p:sp>
         <p:nvSpPr>
-          <p:cNvPr id="4" name="Rectangle 3"/>
-          <p:cNvSpPr/>
+          <p:cNvPr id="2" name="Title 1"/>
+          <p:cNvSpPr>
+            <a:spLocks noGrp="1"/>
+          </p:cNvSpPr>
+          <p:nvPr>
+            <p:ph type="title"/>
+          </p:nvPr>
+        </p:nvSpPr>
+        <p:spPr/>
+        <p:txBody>
+          <a:bodyPr/>
+          <a:lstStyle/>
+          <a:p>
+            <a:r>
+              <a:rPr lang="en-US" dirty="0"/>
+              <a:t> HTTP MESSAGE HANDLERS</a:t>
+            </a:r>
+          </a:p>
+        </p:txBody>
+      </p:sp>
+      <p:sp>
+        <p:nvSpPr>
+          <p:cNvPr id="5" name="TextBox 4"/>
+          <p:cNvSpPr txBox="1"/>
           <p:nvPr/>
         </p:nvSpPr>
         <p:spPr>
           <a:xfrm>
-            <a:off x="1659611" y="2641433"/>
-            <a:ext cx="10108665" cy="923330"/>
+            <a:off x="1455438" y="694159"/>
+            <a:ext cx="10510576" cy="6063198"/>
           </a:xfrm>
           <a:prstGeom prst="rect">
             <a:avLst/>
           </a:prstGeom>
+          <a:noFill/>
         </p:spPr>
         <p:txBody>
-          <a:bodyPr wrap="none">
+          <a:bodyPr wrap="square" rtlCol="0">
             <a:spAutoFit/>
           </a:bodyPr>
           <a:lstStyle/>
           <a:p>
             <a:r>
-              <a:rPr lang="en-US" sz="5400" b="1" dirty="0"/>
-              <a:t>Action Selector and Action Invoker</a:t>
-            </a:r>
-            <a:endParaRPr lang="en-US" sz="5400" dirty="0"/>
+              <a:rPr lang="en-US" sz="2800" b="1" dirty="0"/>
+              <a:t>What we have to know?</a:t>
+            </a:r>
+          </a:p>
+          <a:p>
+            <a:pPr marL="342900" indent="-342900">
+              <a:buAutoNum type="arabicPeriod"/>
+            </a:pPr>
+            <a:endParaRPr lang="en-US" sz="2400" dirty="0"/>
+          </a:p>
+          <a:p>
+            <a:pPr marL="342900" indent="-342900">
+              <a:buAutoNum type="arabicPeriod"/>
+            </a:pPr>
+            <a:r>
+              <a:rPr lang="en-US" sz="2400" dirty="0"/>
+              <a:t>It is a message handler.</a:t>
+            </a:r>
+          </a:p>
+          <a:p>
+            <a:pPr marL="342900" indent="-342900">
+              <a:buAutoNum type="arabicPeriod"/>
+            </a:pPr>
+            <a:endParaRPr lang="en-US" sz="2400" dirty="0"/>
+          </a:p>
+          <a:p>
+            <a:pPr marL="342900" indent="-342900">
+              <a:buFontTx/>
+              <a:buAutoNum type="arabicPeriod"/>
+            </a:pPr>
+            <a:r>
+              <a:rPr lang="en-US" sz="2400" dirty="0"/>
+              <a:t>It selects the appropriate controller based on the request.</a:t>
+            </a:r>
+          </a:p>
+          <a:p>
+            <a:pPr marL="342900" indent="-342900">
+              <a:buFontTx/>
+              <a:buAutoNum type="arabicPeriod"/>
+            </a:pPr>
+            <a:endParaRPr lang="en-US" sz="2400" dirty="0"/>
+          </a:p>
+          <a:p>
+            <a:pPr marL="342900" indent="-342900">
+              <a:buFontTx/>
+              <a:buAutoNum type="arabicPeriod"/>
+            </a:pPr>
+            <a:r>
+              <a:rPr lang="en-US" sz="2400" dirty="0"/>
+              <a:t>How the </a:t>
+            </a:r>
+            <a:r>
+              <a:rPr lang="en-US" sz="2400" dirty="0" err="1"/>
+              <a:t>ControllerDispatcher</a:t>
+            </a:r>
+            <a:r>
+              <a:rPr lang="en-US" sz="2400" dirty="0"/>
+              <a:t> modules are connected?</a:t>
+            </a:r>
+          </a:p>
+          <a:p>
+            <a:pPr marL="800100" lvl="1" indent="-342900">
+              <a:buFont typeface="Arial" panose="020B0604020202020204" pitchFamily="34" charset="0"/>
+              <a:buChar char="•"/>
+            </a:pPr>
+            <a:r>
+              <a:rPr lang="en-US" sz="2400" dirty="0"/>
+              <a:t>It uses the configured </a:t>
+            </a:r>
+            <a:r>
+              <a:rPr lang="en-US" sz="2400" dirty="0" err="1"/>
+              <a:t>ControllerSelector</a:t>
+            </a:r>
+            <a:r>
+              <a:rPr lang="en-US" sz="2400" dirty="0"/>
+              <a:t> to get </a:t>
+            </a:r>
+            <a:r>
+              <a:rPr lang="en-US" sz="2400" dirty="0" err="1"/>
+              <a:t>HttpControllerDesriptor</a:t>
+            </a:r>
+            <a:r>
+              <a:rPr lang="en-US" sz="2400" dirty="0"/>
+              <a:t>. </a:t>
+            </a:r>
+          </a:p>
+          <a:p>
+            <a:pPr marL="800100" lvl="1" indent="-342900">
+              <a:buFont typeface="Arial" panose="020B0604020202020204" pitchFamily="34" charset="0"/>
+              <a:buChar char="•"/>
+            </a:pPr>
+            <a:r>
+              <a:rPr lang="en-US" sz="2400" dirty="0"/>
+              <a:t>The </a:t>
+            </a:r>
+            <a:r>
+              <a:rPr lang="en-US" sz="2400" dirty="0" err="1"/>
+              <a:t>ControllerSelector</a:t>
+            </a:r>
+            <a:r>
+              <a:rPr lang="en-US" sz="2400" dirty="0"/>
+              <a:t> selects the controller using the </a:t>
+            </a:r>
+            <a:r>
+              <a:rPr lang="en-US" sz="2400" dirty="0" err="1"/>
+              <a:t>HttpControllerTypeCache</a:t>
+            </a:r>
+            <a:r>
+              <a:rPr lang="en-US" sz="2400" dirty="0"/>
+              <a:t>. </a:t>
+            </a:r>
+          </a:p>
+          <a:p>
+            <a:pPr marL="800100" lvl="1" indent="-342900">
+              <a:buFont typeface="Arial" panose="020B0604020202020204" pitchFamily="34" charset="0"/>
+              <a:buChar char="•"/>
+            </a:pPr>
+            <a:r>
+              <a:rPr lang="en-US" sz="2400" dirty="0"/>
+              <a:t>The </a:t>
+            </a:r>
+            <a:r>
+              <a:rPr lang="en-US" sz="2400" dirty="0" err="1"/>
+              <a:t>HttpControllerTypeCache</a:t>
+            </a:r>
+            <a:r>
+              <a:rPr lang="en-US" sz="2400" dirty="0"/>
+              <a:t> uses the </a:t>
+            </a:r>
+            <a:r>
+              <a:rPr lang="en-US" sz="2400" dirty="0" err="1"/>
+              <a:t>IAssembliesResolver</a:t>
+            </a:r>
+            <a:r>
+              <a:rPr lang="en-US" sz="2400" dirty="0"/>
+              <a:t>  and the </a:t>
+            </a:r>
+            <a:r>
+              <a:rPr lang="en-US" sz="2400" dirty="0" err="1"/>
+              <a:t>IHttpControllerTypeResolver</a:t>
+            </a:r>
+            <a:r>
+              <a:rPr lang="en-US" sz="2400" dirty="0"/>
+              <a:t> to get the appropriate controller Type.</a:t>
+            </a:r>
+          </a:p>
+          <a:p>
+            <a:pPr marL="800100" lvl="1" indent="-342900">
+              <a:buFont typeface="Arial" panose="020B0604020202020204" pitchFamily="34" charset="0"/>
+              <a:buChar char="•"/>
+            </a:pPr>
+            <a:r>
+              <a:rPr lang="en-US" sz="2400" dirty="0"/>
+              <a:t>Once the </a:t>
+            </a:r>
+            <a:r>
+              <a:rPr lang="en-US" sz="2400" dirty="0" err="1"/>
+              <a:t>ControllerDescriptor</a:t>
+            </a:r>
+            <a:r>
+              <a:rPr lang="en-US" sz="2400" dirty="0"/>
+              <a:t> is built, it (the </a:t>
+            </a:r>
+            <a:r>
+              <a:rPr lang="en-US" sz="2400" dirty="0" err="1"/>
+              <a:t>ControllerDescriptor</a:t>
+            </a:r>
+            <a:r>
+              <a:rPr lang="en-US" sz="2400" dirty="0"/>
+              <a:t>) calls the Create() method of the configured </a:t>
+            </a:r>
+            <a:r>
+              <a:rPr lang="en-US" sz="2400" dirty="0" err="1"/>
+              <a:t>IHttpControllerActivator</a:t>
+            </a:r>
+            <a:r>
+              <a:rPr lang="en-US" sz="2400" dirty="0"/>
+              <a:t>.</a:t>
+            </a:r>
+          </a:p>
+          <a:p>
+            <a:pPr marL="800100" lvl="1" indent="-342900">
+              <a:buFont typeface="Arial" panose="020B0604020202020204" pitchFamily="34" charset="0"/>
+              <a:buChar char="•"/>
+            </a:pPr>
+            <a:r>
+              <a:rPr lang="en-US" sz="2400" dirty="0"/>
+              <a:t>As a result the </a:t>
+            </a:r>
+            <a:r>
+              <a:rPr lang="en-US" sz="2400" dirty="0" err="1"/>
+              <a:t>ControllerDispatcher</a:t>
+            </a:r>
+            <a:r>
+              <a:rPr lang="en-US" sz="2400" dirty="0"/>
+              <a:t> gets an </a:t>
+            </a:r>
+            <a:r>
+              <a:rPr lang="en-US" sz="2400" dirty="0" err="1"/>
+              <a:t>istance</a:t>
+            </a:r>
+            <a:r>
+              <a:rPr lang="en-US" sz="2400" dirty="0"/>
+              <a:t> of the </a:t>
+            </a:r>
+            <a:r>
+              <a:rPr lang="en-US" sz="2400" dirty="0" err="1"/>
+              <a:t>IHttpController</a:t>
+            </a:r>
+            <a:r>
+              <a:rPr lang="en-US" sz="2400" dirty="0"/>
+              <a:t>.</a:t>
+            </a:r>
+          </a:p>
+          <a:p>
+            <a:r>
+              <a:rPr lang="en-US" sz="2400" dirty="0"/>
+              <a:t>4. The Dispatcher calls the </a:t>
+            </a:r>
+            <a:r>
+              <a:rPr lang="en-US" sz="2400" dirty="0" err="1"/>
+              <a:t>ExecuteAsync</a:t>
+            </a:r>
+            <a:r>
+              <a:rPr lang="en-US" sz="2400" dirty="0"/>
+              <a:t>() method of the </a:t>
+            </a:r>
+            <a:r>
+              <a:rPr lang="en-US" sz="2400" dirty="0" err="1"/>
+              <a:t>IHttpController</a:t>
+            </a:r>
+            <a:r>
+              <a:rPr lang="en-US" sz="2400" dirty="0"/>
+              <a:t> instance.</a:t>
+            </a:r>
           </a:p>
         </p:txBody>
       </p:sp>
     </p:spTree>
     <p:extLst>
       <p:ext uri="{BB962C8B-B14F-4D97-AF65-F5344CB8AC3E}">
-        <p14:creationId xmlns:p14="http://schemas.microsoft.com/office/powerpoint/2010/main" val="2949057467"/>
+        <p14:creationId xmlns:p14="http://schemas.microsoft.com/office/powerpoint/2010/main" val="1580367739"/>
       </p:ext>
     </p:extLst>
   </p:cSld>
@@ -5328,178 +5686,37 @@
       </p:grpSpPr>
       <p:sp>
         <p:nvSpPr>
-          <p:cNvPr id="2" name="Title 1"/>
-          <p:cNvSpPr>
-            <a:spLocks noGrp="1"/>
-          </p:cNvSpPr>
-          <p:nvPr>
-            <p:ph type="title"/>
-          </p:nvPr>
-        </p:nvSpPr>
-        <p:spPr/>
-        <p:txBody>
-          <a:bodyPr/>
-          <a:lstStyle/>
-          <a:p>
-            <a:r>
-              <a:rPr lang="en-US" dirty="0"/>
-              <a:t> </a:t>
-            </a:r>
-            <a:r>
-              <a:rPr lang="en-US" dirty="0"/>
-              <a:t>HTTP MESSAGE HANDLERS</a:t>
-            </a:r>
-            <a:endParaRPr lang="en-US" dirty="0"/>
-          </a:p>
-        </p:txBody>
-      </p:sp>
-      <p:sp>
-        <p:nvSpPr>
-          <p:cNvPr id="5" name="TextBox 4"/>
-          <p:cNvSpPr txBox="1"/>
+          <p:cNvPr id="4" name="Rectangle 3"/>
+          <p:cNvSpPr/>
           <p:nvPr/>
         </p:nvSpPr>
         <p:spPr>
           <a:xfrm>
-            <a:off x="1455438" y="694159"/>
-            <a:ext cx="10510576" cy="4585871"/>
+            <a:off x="1659611" y="2641433"/>
+            <a:ext cx="10108665" cy="923330"/>
           </a:xfrm>
           <a:prstGeom prst="rect">
             <a:avLst/>
           </a:prstGeom>
-          <a:noFill/>
         </p:spPr>
         <p:txBody>
-          <a:bodyPr wrap="square" rtlCol="0">
+          <a:bodyPr wrap="none">
             <a:spAutoFit/>
           </a:bodyPr>
           <a:lstStyle/>
           <a:p>
             <a:r>
-              <a:rPr lang="en-US" sz="2800" b="1" dirty="0"/>
-              <a:t>What we have to know?</a:t>
-            </a:r>
-          </a:p>
-          <a:p>
-            <a:pPr marL="342900" indent="-342900">
-              <a:buAutoNum type="arabicPeriod"/>
-            </a:pPr>
-            <a:endParaRPr lang="en-US" sz="2400" dirty="0"/>
-          </a:p>
-          <a:p>
-            <a:pPr marL="342900" indent="-342900">
-              <a:buAutoNum type="arabicPeriod"/>
-            </a:pPr>
-            <a:r>
-              <a:rPr lang="en-US" sz="2400" dirty="0"/>
-              <a:t>Once the controller instance is created the Controller Dispatcher calls the </a:t>
-            </a:r>
-            <a:r>
-              <a:rPr lang="en-US" sz="2400" dirty="0" err="1"/>
-              <a:t>ExecuteAsync</a:t>
-            </a:r>
-            <a:r>
-              <a:rPr lang="en-US" sz="2400" dirty="0"/>
-              <a:t>() method of the </a:t>
-            </a:r>
-            <a:r>
-              <a:rPr lang="en-US" sz="2400" dirty="0" err="1"/>
-              <a:t>IHttpController</a:t>
-            </a:r>
-            <a:r>
-              <a:rPr lang="en-US" sz="2400" dirty="0"/>
-              <a:t> instance. The following events occur inside the method:</a:t>
-            </a:r>
-          </a:p>
-          <a:p>
-            <a:pPr marL="800100" lvl="1" indent="-342900">
-              <a:buFont typeface="Arial" panose="020B0604020202020204" pitchFamily="34" charset="0"/>
-              <a:buChar char="•"/>
-            </a:pPr>
-            <a:r>
-              <a:rPr lang="en-US" sz="2400" dirty="0"/>
-              <a:t>The configured </a:t>
-            </a:r>
-            <a:r>
-              <a:rPr lang="en-US" sz="2400" dirty="0" err="1"/>
-              <a:t>IHttpActionSelector</a:t>
-            </a:r>
-            <a:r>
-              <a:rPr lang="en-US" sz="2400" dirty="0"/>
-              <a:t> is asked to return the </a:t>
-            </a:r>
-            <a:r>
-              <a:rPr lang="en-US" sz="2400" dirty="0" err="1"/>
-              <a:t>HttpActionDescriptor</a:t>
-            </a:r>
-            <a:r>
-              <a:rPr lang="en-US" sz="2400" dirty="0"/>
-              <a:t>.</a:t>
-            </a:r>
-          </a:p>
-          <a:p>
-            <a:pPr marL="800100" lvl="1" indent="-342900">
-              <a:buFont typeface="Arial" panose="020B0604020202020204" pitchFamily="34" charset="0"/>
-              <a:buChar char="•"/>
-            </a:pPr>
-            <a:r>
-              <a:rPr lang="en-US" sz="2400" dirty="0"/>
-              <a:t>The </a:t>
-            </a:r>
-            <a:r>
-              <a:rPr lang="en-US" sz="2400" dirty="0" err="1"/>
-              <a:t>HttpActionDescriptor</a:t>
-            </a:r>
-            <a:r>
-              <a:rPr lang="en-US" sz="2400" dirty="0"/>
-              <a:t> holds information about the action as the filters and binding for example;</a:t>
-            </a:r>
-          </a:p>
-          <a:p>
-            <a:pPr marL="800100" lvl="1" indent="-342900">
-              <a:buFont typeface="Arial" panose="020B0604020202020204" pitchFamily="34" charset="0"/>
-              <a:buChar char="•"/>
-            </a:pPr>
-            <a:r>
-              <a:rPr lang="en-US" sz="2400" dirty="0"/>
-              <a:t>The filter are executed.</a:t>
-            </a:r>
-          </a:p>
-          <a:p>
-            <a:pPr marL="800100" lvl="1" indent="-342900">
-              <a:buFont typeface="Arial" panose="020B0604020202020204" pitchFamily="34" charset="0"/>
-              <a:buChar char="•"/>
-            </a:pPr>
-            <a:r>
-              <a:rPr lang="en-US" sz="2400" dirty="0"/>
-              <a:t>The binding is executed.</a:t>
-            </a:r>
-          </a:p>
-          <a:p>
-            <a:pPr marL="800100" lvl="1" indent="-342900">
-              <a:buFont typeface="Arial" panose="020B0604020202020204" pitchFamily="34" charset="0"/>
-              <a:buChar char="•"/>
-            </a:pPr>
-            <a:r>
-              <a:rPr lang="en-US" sz="2400" dirty="0"/>
-              <a:t>Finally the configured </a:t>
-            </a:r>
-            <a:r>
-              <a:rPr lang="en-US" sz="2400" dirty="0" err="1"/>
-              <a:t>IHttpActionInvoker</a:t>
-            </a:r>
-            <a:r>
-              <a:rPr lang="en-US" sz="2400" dirty="0"/>
-              <a:t> is called to invoke the action.</a:t>
-            </a:r>
-            <a:endParaRPr lang="en-US" sz="2400" dirty="0"/>
+              <a:rPr lang="en-US" sz="5400" b="1" dirty="0"/>
+              <a:t>Action Selector and Action Invoker</a:t>
+            </a:r>
+            <a:endParaRPr lang="en-US" sz="5400" dirty="0"/>
           </a:p>
         </p:txBody>
       </p:sp>
     </p:spTree>
     <p:extLst>
       <p:ext uri="{BB962C8B-B14F-4D97-AF65-F5344CB8AC3E}">
-        <p14:creationId xmlns:p14="http://schemas.microsoft.com/office/powerpoint/2010/main" val="998714027"/>
+        <p14:creationId xmlns:p14="http://schemas.microsoft.com/office/powerpoint/2010/main" val="2949057467"/>
       </p:ext>
     </p:extLst>
   </p:cSld>
@@ -5543,21 +5760,21 @@
           <a:p>
             <a:r>
               <a:rPr lang="en-US" dirty="0"/>
-              <a:t> HTTP MESSAGE LIFECYLE</a:t>
-            </a:r>
-          </a:p>
-        </p:txBody>
-      </p:sp>
-      <p:sp>
-        <p:nvSpPr>
-          <p:cNvPr id="3" name="TextBox 2"/>
+              <a:t> HTTP MESSAGE HANDLERS</a:t>
+            </a:r>
+          </a:p>
+        </p:txBody>
+      </p:sp>
+      <p:sp>
+        <p:nvSpPr>
+          <p:cNvPr id="5" name="TextBox 4"/>
           <p:cNvSpPr txBox="1"/>
           <p:nvPr/>
         </p:nvSpPr>
         <p:spPr>
           <a:xfrm>
             <a:off x="1455438" y="694159"/>
-            <a:ext cx="10510576" cy="3477875"/>
+            <a:ext cx="10510576" cy="4585871"/>
           </a:xfrm>
           <a:prstGeom prst="rect">
             <a:avLst/>
@@ -5572,7 +5789,7 @@
           <a:p>
             <a:r>
               <a:rPr lang="en-US" sz="2800" b="1" dirty="0"/>
-              <a:t>Action Selector</a:t>
+              <a:t>What we have to know?</a:t>
             </a:r>
           </a:p>
           <a:p>
@@ -5587,36 +5804,23 @@
             </a:pPr>
             <a:r>
               <a:rPr lang="en-US" sz="2400" dirty="0"/>
-              <a:t>The default implementation is provided by the </a:t>
-            </a:r>
-            <a:r>
-              <a:rPr lang="en-US" sz="2400" b="1" dirty="0" err="1">
-                <a:solidFill>
-                  <a:schemeClr val="accent1">
-                    <a:lumMod val="75000"/>
-                  </a:schemeClr>
-                </a:solidFill>
-              </a:rPr>
-              <a:t>ApiControllerActionSelector</a:t>
+              <a:t>Once the controller instance is created the Controller Dispatcher calls the </a:t>
+            </a:r>
+            <a:r>
+              <a:rPr lang="en-US" sz="2400" dirty="0" err="1"/>
+              <a:t>ExecuteAsync</a:t>
             </a:r>
             <a:r>
               <a:rPr lang="en-US" sz="2400" dirty="0"/>
-              <a:t> class.</a:t>
-            </a:r>
-          </a:p>
-          <a:p>
-            <a:pPr marL="342900" indent="-342900">
-              <a:buAutoNum type="arabicPeriod"/>
-            </a:pPr>
-            <a:endParaRPr lang="en-US" sz="2400" dirty="0"/>
-          </a:p>
-          <a:p>
-            <a:pPr marL="342900" indent="-342900">
-              <a:buAutoNum type="arabicPeriod"/>
-            </a:pPr>
+              <a:t>() method of the </a:t>
+            </a:r>
+            <a:r>
+              <a:rPr lang="en-US" sz="2400" dirty="0" err="1"/>
+              <a:t>IHttpController</a:t>
+            </a:r>
             <a:r>
               <a:rPr lang="en-US" sz="2400" dirty="0"/>
-              <a:t>To select an action, it looks at the following:</a:t>
+              <a:t> instance. The following events occur inside the method:</a:t>
             </a:r>
           </a:p>
           <a:p>
@@ -5626,7 +5830,23 @@
             </a:pPr>
             <a:r>
               <a:rPr lang="en-US" sz="2400" dirty="0"/>
-              <a:t>The HTTP method of the request.</a:t>
+              <a:t>The configured </a:t>
+            </a:r>
+            <a:r>
+              <a:rPr lang="en-US" sz="2400" dirty="0" err="1"/>
+              <a:t>IHttpActionSelector</a:t>
+            </a:r>
+            <a:r>
+              <a:rPr lang="en-US" sz="2400" dirty="0"/>
+              <a:t> is asked to return the </a:t>
+            </a:r>
+            <a:r>
+              <a:rPr lang="en-US" sz="2400" dirty="0" err="1"/>
+              <a:t>HttpActionDescriptor</a:t>
+            </a:r>
+            <a:r>
+              <a:rPr lang="en-US" sz="2400" dirty="0"/>
+              <a:t>.</a:t>
             </a:r>
           </a:p>
           <a:p>
@@ -5636,7 +5856,15 @@
             </a:pPr>
             <a:r>
               <a:rPr lang="en-US" sz="2400" dirty="0"/>
-              <a:t>The "{action}" placeholder in the route template, if present.</a:t>
+              <a:t>The </a:t>
+            </a:r>
+            <a:r>
+              <a:rPr lang="en-US" sz="2400" dirty="0" err="1"/>
+              <a:t>HttpActionDescriptor</a:t>
+            </a:r>
+            <a:r>
+              <a:rPr lang="en-US" sz="2400" dirty="0"/>
+              <a:t> holds information about the action as the filters and binding for example;</a:t>
             </a:r>
           </a:p>
           <a:p>
@@ -5646,16 +5874,43 @@
             </a:pPr>
             <a:r>
               <a:rPr lang="en-US" sz="2400" dirty="0"/>
-              <a:t>The parameters of the actions on the controller.</a:t>
-            </a:r>
-            <a:endParaRPr lang="en-US" sz="2400" dirty="0"/>
+              <a:t>The filter are executed.</a:t>
+            </a:r>
+          </a:p>
+          <a:p>
+            <a:pPr marL="800100" lvl="1" indent="-342900">
+              <a:buFont typeface="Arial" panose="020B0604020202020204" pitchFamily="34" charset="0"/>
+              <a:buChar char="•"/>
+            </a:pPr>
+            <a:r>
+              <a:rPr lang="en-US" sz="2400" dirty="0"/>
+              <a:t>The binding is executed.</a:t>
+            </a:r>
+          </a:p>
+          <a:p>
+            <a:pPr marL="800100" lvl="1" indent="-342900">
+              <a:buFont typeface="Arial" panose="020B0604020202020204" pitchFamily="34" charset="0"/>
+              <a:buChar char="•"/>
+            </a:pPr>
+            <a:r>
+              <a:rPr lang="en-US" sz="2400" dirty="0"/>
+              <a:t>Finally the configured </a:t>
+            </a:r>
+            <a:r>
+              <a:rPr lang="en-US" sz="2400" dirty="0" err="1"/>
+              <a:t>IHttpActionInvoker</a:t>
+            </a:r>
+            <a:r>
+              <a:rPr lang="en-US" sz="2400" dirty="0"/>
+              <a:t> is called to invoke the action.</a:t>
+            </a:r>
           </a:p>
         </p:txBody>
       </p:sp>
     </p:spTree>
     <p:extLst>
       <p:ext uri="{BB962C8B-B14F-4D97-AF65-F5344CB8AC3E}">
-        <p14:creationId xmlns:p14="http://schemas.microsoft.com/office/powerpoint/2010/main" val="862820670"/>
+        <p14:creationId xmlns:p14="http://schemas.microsoft.com/office/powerpoint/2010/main" val="998714027"/>
       </p:ext>
     </p:extLst>
   </p:cSld>
@@ -5713,7 +5968,7 @@
         <p:spPr>
           <a:xfrm>
             <a:off x="1455438" y="694159"/>
-            <a:ext cx="10510576" cy="892552"/>
+            <a:ext cx="10510576" cy="3477875"/>
           </a:xfrm>
           <a:prstGeom prst="rect">
             <a:avLst/>
@@ -5728,7 +5983,7 @@
           <a:p>
             <a:r>
               <a:rPr lang="en-US" sz="2800" b="1" dirty="0"/>
-              <a:t>Action Invoker</a:t>
+              <a:t>Action Selector</a:t>
             </a:r>
           </a:p>
           <a:p>
@@ -5737,12 +5992,80 @@
             </a:pPr>
             <a:endParaRPr lang="en-US" sz="2400" dirty="0"/>
           </a:p>
+          <a:p>
+            <a:pPr marL="342900" indent="-342900">
+              <a:buAutoNum type="arabicPeriod"/>
+            </a:pPr>
+            <a:r>
+              <a:rPr lang="en-US" sz="2400" dirty="0"/>
+              <a:t>The default implementation is provided by the </a:t>
+            </a:r>
+            <a:r>
+              <a:rPr lang="en-US" sz="2400" b="1" dirty="0" err="1">
+                <a:solidFill>
+                  <a:schemeClr val="accent1">
+                    <a:lumMod val="75000"/>
+                  </a:schemeClr>
+                </a:solidFill>
+              </a:rPr>
+              <a:t>ApiControllerActionSelector</a:t>
+            </a:r>
+            <a:r>
+              <a:rPr lang="en-US" sz="2400" dirty="0"/>
+              <a:t> class.</a:t>
+            </a:r>
+          </a:p>
+          <a:p>
+            <a:pPr marL="342900" indent="-342900">
+              <a:buAutoNum type="arabicPeriod"/>
+            </a:pPr>
+            <a:endParaRPr lang="en-US" sz="2400" dirty="0"/>
+          </a:p>
+          <a:p>
+            <a:pPr marL="342900" indent="-342900">
+              <a:buAutoNum type="arabicPeriod"/>
+            </a:pPr>
+            <a:r>
+              <a:rPr lang="en-US" sz="2400" dirty="0"/>
+              <a:t>To select an action, it looks at the following:</a:t>
+            </a:r>
+          </a:p>
+          <a:p>
+            <a:pPr marL="800100" lvl="1" indent="-342900">
+              <a:buFont typeface="Arial" panose="020B0604020202020204" pitchFamily="34" charset="0"/>
+              <a:buChar char="•"/>
+            </a:pPr>
+            <a:r>
+              <a:rPr lang="en-US" sz="2400" dirty="0"/>
+              <a:t>The HTTP method of the request.</a:t>
+            </a:r>
+          </a:p>
+          <a:p>
+            <a:pPr marL="800100" lvl="1" indent="-342900">
+              <a:buFont typeface="Arial" panose="020B0604020202020204" pitchFamily="34" charset="0"/>
+              <a:buChar char="•"/>
+            </a:pPr>
+            <a:r>
+              <a:rPr lang="en-US" sz="2400" dirty="0"/>
+              <a:t>The "{action}" placeholder in the route template, if present.</a:t>
+            </a:r>
+          </a:p>
+          <a:p>
+            <a:pPr marL="800100" lvl="1" indent="-342900">
+              <a:buFont typeface="Arial" panose="020B0604020202020204" pitchFamily="34" charset="0"/>
+              <a:buChar char="•"/>
+            </a:pPr>
+            <a:r>
+              <a:rPr lang="en-US" sz="2400" dirty="0"/>
+              <a:t>The parameters of the actions on the controller.</a:t>
+            </a:r>
+          </a:p>
         </p:txBody>
       </p:sp>
     </p:spTree>
     <p:extLst>
       <p:ext uri="{BB962C8B-B14F-4D97-AF65-F5344CB8AC3E}">
-        <p14:creationId xmlns:p14="http://schemas.microsoft.com/office/powerpoint/2010/main" val="1540880519"/>
+        <p14:creationId xmlns:p14="http://schemas.microsoft.com/office/powerpoint/2010/main" val="862820670"/>
       </p:ext>
     </p:extLst>
   </p:cSld>
@@ -5771,38 +6094,65 @@
       </p:grpSpPr>
       <p:sp>
         <p:nvSpPr>
-          <p:cNvPr id="4" name="Rectangle 3"/>
-          <p:cNvSpPr/>
+          <p:cNvPr id="2" name="Title 1"/>
+          <p:cNvSpPr>
+            <a:spLocks noGrp="1"/>
+          </p:cNvSpPr>
+          <p:nvPr>
+            <p:ph type="title"/>
+          </p:nvPr>
+        </p:nvSpPr>
+        <p:spPr/>
+        <p:txBody>
+          <a:bodyPr/>
+          <a:lstStyle/>
+          <a:p>
+            <a:r>
+              <a:rPr lang="en-US" dirty="0"/>
+              <a:t> HTTP MESSAGE LIFECYLE</a:t>
+            </a:r>
+          </a:p>
+        </p:txBody>
+      </p:sp>
+      <p:sp>
+        <p:nvSpPr>
+          <p:cNvPr id="3" name="TextBox 2"/>
+          <p:cNvSpPr txBox="1"/>
           <p:nvPr/>
         </p:nvSpPr>
         <p:spPr>
           <a:xfrm>
-            <a:off x="1356360" y="2641433"/>
-            <a:ext cx="10347960" cy="923330"/>
+            <a:off x="1455438" y="694159"/>
+            <a:ext cx="10510576" cy="892552"/>
           </a:xfrm>
           <a:prstGeom prst="rect">
             <a:avLst/>
           </a:prstGeom>
+          <a:noFill/>
         </p:spPr>
         <p:txBody>
-          <a:bodyPr wrap="square">
+          <a:bodyPr wrap="square" rtlCol="0">
             <a:spAutoFit/>
           </a:bodyPr>
           <a:lstStyle/>
           <a:p>
-            <a:pPr algn="ctr"/>
-            <a:r>
-              <a:rPr lang="en-US" sz="5400" b="1" dirty="0"/>
-              <a:t>Model Binding</a:t>
-            </a:r>
-            <a:endParaRPr lang="en-US" sz="5400" dirty="0"/>
+            <a:r>
+              <a:rPr lang="en-US" sz="2800" b="1" dirty="0"/>
+              <a:t>Action Invoker</a:t>
+            </a:r>
+          </a:p>
+          <a:p>
+            <a:pPr marL="342900" indent="-342900">
+              <a:buAutoNum type="arabicPeriod"/>
+            </a:pPr>
+            <a:endParaRPr lang="en-US" sz="2400" dirty="0"/>
           </a:p>
         </p:txBody>
       </p:sp>
     </p:spTree>
     <p:extLst>
       <p:ext uri="{BB962C8B-B14F-4D97-AF65-F5344CB8AC3E}">
-        <p14:creationId xmlns:p14="http://schemas.microsoft.com/office/powerpoint/2010/main" val="1164928332"/>
+        <p14:creationId xmlns:p14="http://schemas.microsoft.com/office/powerpoint/2010/main" val="1540880519"/>
       </p:ext>
     </p:extLst>
   </p:cSld>
@@ -5831,171 +6181,38 @@
       </p:grpSpPr>
       <p:sp>
         <p:nvSpPr>
-          <p:cNvPr id="2" name="Title 1"/>
-          <p:cNvSpPr>
-            <a:spLocks noGrp="1"/>
-          </p:cNvSpPr>
-          <p:nvPr>
-            <p:ph type="title"/>
-          </p:nvPr>
-        </p:nvSpPr>
-        <p:spPr/>
-        <p:txBody>
-          <a:bodyPr/>
-          <a:lstStyle/>
-          <a:p>
-            <a:r>
-              <a:rPr lang="en-US" dirty="0"/>
-              <a:t> </a:t>
-            </a:r>
-            <a:r>
-              <a:rPr lang="en-US" dirty="0"/>
-              <a:t>Filters</a:t>
-            </a:r>
-            <a:endParaRPr lang="en-US" dirty="0"/>
-          </a:p>
-        </p:txBody>
-      </p:sp>
-      <p:sp>
-        <p:nvSpPr>
-          <p:cNvPr id="5" name="TextBox 4"/>
-          <p:cNvSpPr txBox="1"/>
+          <p:cNvPr id="4" name="Rectangle 3"/>
+          <p:cNvSpPr/>
           <p:nvPr/>
         </p:nvSpPr>
         <p:spPr>
           <a:xfrm>
-            <a:off x="1455438" y="694159"/>
-            <a:ext cx="10510576" cy="5324535"/>
+            <a:off x="1356360" y="2641433"/>
+            <a:ext cx="10347960" cy="923330"/>
           </a:xfrm>
           <a:prstGeom prst="rect">
             <a:avLst/>
           </a:prstGeom>
-          <a:noFill/>
         </p:spPr>
         <p:txBody>
-          <a:bodyPr wrap="square" rtlCol="0">
+          <a:bodyPr wrap="square">
             <a:spAutoFit/>
           </a:bodyPr>
           <a:lstStyle/>
           <a:p>
-            <a:r>
-              <a:rPr lang="en-US" sz="2800" b="1" dirty="0"/>
-              <a:t>What we have to know?</a:t>
-            </a:r>
-          </a:p>
-          <a:p>
-            <a:pPr marL="342900" indent="-342900">
-              <a:buAutoNum type="arabicPeriod"/>
-            </a:pPr>
-            <a:endParaRPr lang="en-US" sz="2400" dirty="0"/>
-          </a:p>
-          <a:p>
-            <a:pPr marL="342900" indent="-342900">
-              <a:buAutoNum type="arabicPeriod"/>
-            </a:pPr>
-            <a:r>
-              <a:rPr lang="en-US" sz="2400" dirty="0"/>
-              <a:t>Model binding occurs just before the execution of the action filters.</a:t>
-            </a:r>
-          </a:p>
-          <a:p>
-            <a:pPr marL="342900" indent="-342900">
-              <a:buAutoNum type="arabicPeriod"/>
-            </a:pPr>
-            <a:endParaRPr lang="en-US" sz="2400" dirty="0"/>
-          </a:p>
-          <a:p>
-            <a:pPr marL="342900" indent="-342900">
-              <a:buAutoNum type="arabicPeriod"/>
-            </a:pPr>
-            <a:r>
-              <a:rPr lang="en-US" sz="2400" dirty="0"/>
-              <a:t>Model binding uses the request to create values for the parameters of the action.</a:t>
-            </a:r>
-          </a:p>
-          <a:p>
-            <a:pPr marL="342900" indent="-342900">
-              <a:buAutoNum type="arabicPeriod"/>
-            </a:pPr>
-            <a:endParaRPr lang="en-US" sz="2400" dirty="0"/>
-          </a:p>
-          <a:p>
-            <a:pPr marL="342900" indent="-342900">
-              <a:buFontTx/>
-              <a:buAutoNum type="arabicPeriod"/>
-            </a:pPr>
-            <a:r>
-              <a:rPr lang="en-US" sz="2400" dirty="0"/>
-              <a:t>Web </a:t>
-            </a:r>
-            <a:r>
-              <a:rPr lang="en-US" sz="2400" dirty="0" err="1"/>
-              <a:t>Api</a:t>
-            </a:r>
-            <a:r>
-              <a:rPr lang="en-US" sz="2400" dirty="0"/>
-              <a:t> uses 2 techniques for binding parameters: Model Binding and Formatters. </a:t>
-            </a:r>
-          </a:p>
-          <a:p>
-            <a:pPr marL="342900" indent="-342900">
-              <a:buAutoNum type="arabicPeriod"/>
-            </a:pPr>
-            <a:endParaRPr lang="en-US" sz="2400" dirty="0"/>
-          </a:p>
-          <a:p>
-            <a:pPr marL="342900" indent="-342900">
-              <a:buAutoNum type="arabicPeriod"/>
-            </a:pPr>
-            <a:r>
-              <a:rPr lang="en-US" sz="2400" dirty="0"/>
-              <a:t>By default the “simple” types are read from the URI and “complex” types from the body. This </a:t>
-            </a:r>
-            <a:r>
-              <a:rPr lang="en-US" sz="2400" dirty="0" err="1"/>
-              <a:t>behaveour</a:t>
-            </a:r>
-            <a:r>
-              <a:rPr lang="en-US" sz="2400" dirty="0"/>
-              <a:t> can be override by attributes [</a:t>
-            </a:r>
-            <a:r>
-              <a:rPr lang="en-US" sz="2400" dirty="0" err="1"/>
-              <a:t>FromUri</a:t>
-            </a:r>
-            <a:r>
-              <a:rPr lang="en-US" sz="2400" dirty="0"/>
-              <a:t>], [</a:t>
-            </a:r>
-            <a:r>
-              <a:rPr lang="en-US" sz="2400" dirty="0" err="1"/>
-              <a:t>FromBody</a:t>
-            </a:r>
-            <a:r>
-              <a:rPr lang="en-US" sz="2400" dirty="0"/>
-              <a:t>], [</a:t>
-            </a:r>
-            <a:r>
-              <a:rPr lang="en-US" sz="2400" dirty="0" err="1"/>
-              <a:t>ModelBinder</a:t>
-            </a:r>
-            <a:r>
-              <a:rPr lang="en-US" sz="2400" dirty="0"/>
-              <a:t>].</a:t>
-            </a:r>
-          </a:p>
-          <a:p>
-            <a:pPr marL="342900" indent="-342900">
-              <a:buAutoNum type="arabicPeriod"/>
-            </a:pPr>
-            <a:endParaRPr lang="en-US" sz="2400" dirty="0"/>
+            <a:pPr algn="ctr"/>
+            <a:r>
+              <a:rPr lang="en-US" sz="5400" b="1" dirty="0"/>
+              <a:t>Model Binding</a:t>
+            </a:r>
+            <a:endParaRPr lang="en-US" sz="5400" dirty="0"/>
           </a:p>
         </p:txBody>
       </p:sp>
     </p:spTree>
     <p:extLst>
       <p:ext uri="{BB962C8B-B14F-4D97-AF65-F5344CB8AC3E}">
-        <p14:creationId xmlns:p14="http://schemas.microsoft.com/office/powerpoint/2010/main" val="1605307253"/>
+        <p14:creationId xmlns:p14="http://schemas.microsoft.com/office/powerpoint/2010/main" val="1164928332"/>
       </p:ext>
     </p:extLst>
   </p:cSld>
@@ -6039,15 +6256,151 @@
           <a:p>
             <a:r>
               <a:rPr lang="en-US" dirty="0"/>
-              <a:t>Filters</a:t>
-            </a:r>
+              <a:t> Filters</a:t>
+            </a:r>
+          </a:p>
+        </p:txBody>
+      </p:sp>
+      <p:sp>
+        <p:nvSpPr>
+          <p:cNvPr id="5" name="TextBox 4"/>
+          <p:cNvSpPr txBox="1"/>
+          <p:nvPr/>
+        </p:nvSpPr>
+        <p:spPr>
+          <a:xfrm>
+            <a:off x="1455438" y="694159"/>
+            <a:ext cx="10510576" cy="5324535"/>
+          </a:xfrm>
+          <a:prstGeom prst="rect">
+            <a:avLst/>
+          </a:prstGeom>
+          <a:noFill/>
+        </p:spPr>
+        <p:txBody>
+          <a:bodyPr wrap="square" rtlCol="0">
+            <a:spAutoFit/>
+          </a:bodyPr>
+          <a:lstStyle/>
+          <a:p>
+            <a:r>
+              <a:rPr lang="en-US" sz="2800" b="1" dirty="0"/>
+              <a:t>What we have to know?</a:t>
+            </a:r>
+          </a:p>
+          <a:p>
+            <a:pPr marL="342900" indent="-342900">
+              <a:buAutoNum type="arabicPeriod"/>
+            </a:pPr>
+            <a:endParaRPr lang="en-US" sz="2400" dirty="0"/>
+          </a:p>
+          <a:p>
+            <a:pPr marL="342900" indent="-342900">
+              <a:buAutoNum type="arabicPeriod"/>
+            </a:pPr>
+            <a:r>
+              <a:rPr lang="en-US" sz="2400" dirty="0"/>
+              <a:t>Model binding occurs just before the execution of the action filters.</a:t>
+            </a:r>
+          </a:p>
+          <a:p>
+            <a:pPr marL="342900" indent="-342900">
+              <a:buAutoNum type="arabicPeriod"/>
+            </a:pPr>
+            <a:endParaRPr lang="en-US" sz="2400" dirty="0"/>
+          </a:p>
+          <a:p>
+            <a:pPr marL="342900" indent="-342900">
+              <a:buAutoNum type="arabicPeriod"/>
+            </a:pPr>
+            <a:r>
+              <a:rPr lang="en-US" sz="2400" dirty="0"/>
+              <a:t>Model binding uses the request to create values for the parameters of the action.</a:t>
+            </a:r>
+          </a:p>
+          <a:p>
+            <a:pPr marL="342900" indent="-342900">
+              <a:buAutoNum type="arabicPeriod"/>
+            </a:pPr>
+            <a:endParaRPr lang="en-US" sz="2400" dirty="0"/>
+          </a:p>
+          <a:p>
+            <a:pPr marL="342900" indent="-342900">
+              <a:buFontTx/>
+              <a:buAutoNum type="arabicPeriod"/>
+            </a:pPr>
+            <a:r>
+              <a:rPr lang="en-US" sz="2400" dirty="0"/>
+              <a:t>Web </a:t>
+            </a:r>
+            <a:r>
+              <a:rPr lang="en-US" sz="2400" dirty="0" err="1"/>
+              <a:t>Api</a:t>
+            </a:r>
+            <a:r>
+              <a:rPr lang="en-US" sz="2400" dirty="0"/>
+              <a:t> uses 2 techniques for binding parameters: Model Binding and Formatters. </a:t>
+            </a:r>
+          </a:p>
+          <a:p>
+            <a:pPr marL="342900" indent="-342900">
+              <a:buAutoNum type="arabicPeriod"/>
+            </a:pPr>
+            <a:endParaRPr lang="en-US" sz="2400" dirty="0"/>
+          </a:p>
+          <a:p>
+            <a:pPr marL="342900" indent="-342900">
+              <a:buAutoNum type="arabicPeriod"/>
+            </a:pPr>
+            <a:r>
+              <a:rPr lang="en-US" sz="2400" dirty="0"/>
+              <a:t>By default the “simple” types are read from the URI and “complex” types from the body. This </a:t>
+            </a:r>
+            <a:r>
+              <a:rPr lang="en-US" sz="2400" dirty="0" err="1"/>
+              <a:t>behaveour</a:t>
+            </a:r>
+            <a:r>
+              <a:rPr lang="en-US" sz="2400" dirty="0"/>
+              <a:t> can be override by attributes [</a:t>
+            </a:r>
+            <a:r>
+              <a:rPr lang="en-US" sz="2400" dirty="0" err="1"/>
+              <a:t>FromUri</a:t>
+            </a:r>
+            <a:r>
+              <a:rPr lang="en-US" sz="2400" dirty="0"/>
+              <a:t>], [</a:t>
+            </a:r>
+            <a:r>
+              <a:rPr lang="en-US" sz="2400" dirty="0" err="1"/>
+              <a:t>FromBody</a:t>
+            </a:r>
+            <a:r>
+              <a:rPr lang="en-US" sz="2400" dirty="0"/>
+              <a:t>], [</a:t>
+            </a:r>
+            <a:r>
+              <a:rPr lang="en-US" sz="2400" dirty="0" err="1"/>
+              <a:t>ModelBinder</a:t>
+            </a:r>
+            <a:r>
+              <a:rPr lang="en-US" sz="2400" dirty="0"/>
+              <a:t>].</a:t>
+            </a:r>
+          </a:p>
+          <a:p>
+            <a:pPr marL="342900" indent="-342900">
+              <a:buAutoNum type="arabicPeriod"/>
+            </a:pPr>
+            <a:endParaRPr lang="en-US" sz="2400" dirty="0"/>
           </a:p>
         </p:txBody>
       </p:sp>
     </p:spTree>
     <p:extLst>
       <p:ext uri="{BB962C8B-B14F-4D97-AF65-F5344CB8AC3E}">
-        <p14:creationId xmlns:p14="http://schemas.microsoft.com/office/powerpoint/2010/main" val="1436290697"/>
+        <p14:creationId xmlns:p14="http://schemas.microsoft.com/office/powerpoint/2010/main" val="1605307253"/>
       </p:ext>
     </p:extLst>
   </p:cSld>
@@ -6076,37 +6429,30 @@
       </p:grpSpPr>
       <p:sp>
         <p:nvSpPr>
-          <p:cNvPr id="4" name="Rectangle 3"/>
-          <p:cNvSpPr/>
-          <p:nvPr/>
-        </p:nvSpPr>
-        <p:spPr>
-          <a:xfrm>
-            <a:off x="5242259" y="2641433"/>
-            <a:ext cx="1935851" cy="923330"/>
-          </a:xfrm>
-          <a:prstGeom prst="rect">
-            <a:avLst/>
-          </a:prstGeom>
-        </p:spPr>
-        <p:txBody>
-          <a:bodyPr wrap="none">
-            <a:spAutoFit/>
-          </a:bodyPr>
-          <a:lstStyle/>
-          <a:p>
-            <a:r>
-              <a:rPr lang="en-US" sz="5400" b="1" dirty="0"/>
+          <p:cNvPr id="2" name="Title 1"/>
+          <p:cNvSpPr>
+            <a:spLocks noGrp="1"/>
+          </p:cNvSpPr>
+          <p:nvPr>
+            <p:ph type="title"/>
+          </p:nvPr>
+        </p:nvSpPr>
+        <p:spPr/>
+        <p:txBody>
+          <a:bodyPr/>
+          <a:lstStyle/>
+          <a:p>
+            <a:r>
+              <a:rPr lang="en-US" dirty="0"/>
               <a:t>Filters</a:t>
             </a:r>
-            <a:endParaRPr lang="en-US" sz="5400" dirty="0"/>
           </a:p>
         </p:txBody>
       </p:sp>
     </p:spTree>
     <p:extLst>
       <p:ext uri="{BB962C8B-B14F-4D97-AF65-F5344CB8AC3E}">
-        <p14:creationId xmlns:p14="http://schemas.microsoft.com/office/powerpoint/2010/main" val="3962183423"/>
+        <p14:creationId xmlns:p14="http://schemas.microsoft.com/office/powerpoint/2010/main" val="1436290697"/>
       </p:ext>
     </p:extLst>
   </p:cSld>
@@ -6135,6 +6481,65 @@
       </p:grpSpPr>
       <p:sp>
         <p:nvSpPr>
+          <p:cNvPr id="4" name="Rectangle 3"/>
+          <p:cNvSpPr/>
+          <p:nvPr/>
+        </p:nvSpPr>
+        <p:spPr>
+          <a:xfrm>
+            <a:off x="5242259" y="2641433"/>
+            <a:ext cx="1935851" cy="923330"/>
+          </a:xfrm>
+          <a:prstGeom prst="rect">
+            <a:avLst/>
+          </a:prstGeom>
+        </p:spPr>
+        <p:txBody>
+          <a:bodyPr wrap="none">
+            <a:spAutoFit/>
+          </a:bodyPr>
+          <a:lstStyle/>
+          <a:p>
+            <a:r>
+              <a:rPr lang="en-US" sz="5400" b="1" dirty="0"/>
+              <a:t>Filters</a:t>
+            </a:r>
+            <a:endParaRPr lang="en-US" sz="5400" dirty="0"/>
+          </a:p>
+        </p:txBody>
+      </p:sp>
+    </p:spTree>
+    <p:extLst>
+      <p:ext uri="{BB962C8B-B14F-4D97-AF65-F5344CB8AC3E}">
+        <p14:creationId xmlns:p14="http://schemas.microsoft.com/office/powerpoint/2010/main" val="3962183423"/>
+      </p:ext>
+    </p:extLst>
+  </p:cSld>
+  <p:clrMapOvr>
+    <a:masterClrMapping/>
+  </p:clrMapOvr>
+</p:sld>
+</file>
+
+<file path=ppt/slides/slide19.xml><?xml version="1.0" encoding="utf-8"?>
+<p:sld xmlns:a="http://schemas.openxmlformats.org/drawingml/2006/main" xmlns:r="http://schemas.openxmlformats.org/officeDocument/2006/relationships" xmlns:p="http://schemas.openxmlformats.org/presentationml/2006/main">
+  <p:cSld>
+    <p:spTree>
+      <p:nvGrpSpPr>
+        <p:cNvPr id="1" name=""/>
+        <p:cNvGrpSpPr/>
+        <p:nvPr/>
+      </p:nvGrpSpPr>
+      <p:grpSpPr>
+        <a:xfrm>
+          <a:off x="0" y="0"/>
+          <a:ext cx="0" cy="0"/>
+          <a:chOff x="0" y="0"/>
+          <a:chExt cx="0" cy="0"/>
+        </a:xfrm>
+      </p:grpSpPr>
+      <p:sp>
+        <p:nvSpPr>
           <p:cNvPr id="2" name="Title 1"/>
           <p:cNvSpPr>
             <a:spLocks noGrp="1"/>
@@ -6150,13 +6555,8 @@
           <a:p>
             <a:r>
               <a:rPr lang="en-US" dirty="0"/>
-              <a:t> </a:t>
-            </a:r>
-            <a:r>
-              <a:rPr lang="en-US" dirty="0"/>
-              <a:t>Filters</a:t>
-            </a:r>
-            <a:endParaRPr lang="en-US" dirty="0"/>
+              <a:t> Filters</a:t>
+            </a:r>
           </a:p>
         </p:txBody>
       </p:sp>
@@ -6262,238 +6662,6 @@
 </p:sld>
 </file>
 
-<file path=ppt/slides/slide19.xml><?xml version="1.0" encoding="utf-8"?>
-<p:sld xmlns:a="http://schemas.openxmlformats.org/drawingml/2006/main" xmlns:r="http://schemas.openxmlformats.org/officeDocument/2006/relationships" xmlns:p="http://schemas.openxmlformats.org/presentationml/2006/main">
-  <p:cSld>
-    <p:spTree>
-      <p:nvGrpSpPr>
-        <p:cNvPr id="1" name=""/>
-        <p:cNvGrpSpPr/>
-        <p:nvPr/>
-      </p:nvGrpSpPr>
-      <p:grpSpPr>
-        <a:xfrm>
-          <a:off x="0" y="0"/>
-          <a:ext cx="0" cy="0"/>
-          <a:chOff x="0" y="0"/>
-          <a:chExt cx="0" cy="0"/>
-        </a:xfrm>
-      </p:grpSpPr>
-      <p:sp>
-        <p:nvSpPr>
-          <p:cNvPr id="2" name="Title 1"/>
-          <p:cNvSpPr>
-            <a:spLocks noGrp="1"/>
-          </p:cNvSpPr>
-          <p:nvPr>
-            <p:ph type="title"/>
-          </p:nvPr>
-        </p:nvSpPr>
-        <p:spPr/>
-        <p:txBody>
-          <a:bodyPr/>
-          <a:lstStyle/>
-          <a:p>
-            <a:r>
-              <a:rPr lang="en-US" dirty="0"/>
-              <a:t>Filters</a:t>
-            </a:r>
-          </a:p>
-        </p:txBody>
-      </p:sp>
-      <p:sp>
-        <p:nvSpPr>
-          <p:cNvPr id="5" name="Rectangle 4"/>
-          <p:cNvSpPr/>
-          <p:nvPr/>
-        </p:nvSpPr>
-        <p:spPr>
-          <a:xfrm>
-            <a:off x="1524000" y="744271"/>
-            <a:ext cx="10195652" cy="5262979"/>
-          </a:xfrm>
-          <a:prstGeom prst="rect">
-            <a:avLst/>
-          </a:prstGeom>
-        </p:spPr>
-        <p:txBody>
-          <a:bodyPr wrap="square">
-            <a:spAutoFit/>
-          </a:bodyPr>
-          <a:lstStyle/>
-          <a:p>
-            <a:pPr marL="457200" indent="-457200">
-              <a:buFont typeface="+mj-lt"/>
-              <a:buAutoNum type="arabicPeriod" startAt="3"/>
-            </a:pPr>
-            <a:r>
-              <a:rPr lang="en-US" sz="2400" dirty="0"/>
-              <a:t>Can be created by inheriting the appropriate interface (</a:t>
-            </a:r>
-            <a:r>
-              <a:rPr lang="en-US" sz="2400" dirty="0" err="1"/>
-              <a:t>IAuthenticationFilter</a:t>
-            </a:r>
-            <a:r>
-              <a:rPr lang="en-US" sz="2400" dirty="0"/>
-              <a:t>, </a:t>
-            </a:r>
-            <a:r>
-              <a:rPr lang="en-US" sz="2400" dirty="0" err="1"/>
-              <a:t>IAuthorizationFilter</a:t>
-            </a:r>
-            <a:r>
-              <a:rPr lang="en-US" sz="2400" dirty="0"/>
-              <a:t>, </a:t>
-            </a:r>
-            <a:r>
-              <a:rPr lang="en-US" sz="2400" dirty="0" err="1"/>
-              <a:t>IActionFilter</a:t>
-            </a:r>
-            <a:r>
-              <a:rPr lang="en-US" sz="2400" dirty="0"/>
-              <a:t>, </a:t>
-            </a:r>
-            <a:r>
-              <a:rPr lang="en-US" sz="2400" dirty="0" err="1"/>
-              <a:t>IExceptionFilter</a:t>
-            </a:r>
-            <a:r>
-              <a:rPr lang="en-US" sz="2400" dirty="0"/>
-              <a:t>) or the default implementation (</a:t>
-            </a:r>
-            <a:r>
-              <a:rPr lang="en-US" sz="2400" dirty="0" err="1"/>
-              <a:t>AuthorizationFilterAttribute</a:t>
-            </a:r>
-            <a:r>
-              <a:rPr lang="en-US" sz="2400" dirty="0"/>
-              <a:t>, </a:t>
-            </a:r>
-            <a:r>
-              <a:rPr lang="en-US" sz="2400" dirty="0" err="1"/>
-              <a:t>ActionFilterAttribute</a:t>
-            </a:r>
-            <a:r>
-              <a:rPr lang="en-US" sz="2400" dirty="0"/>
-              <a:t>, </a:t>
-            </a:r>
-            <a:r>
-              <a:rPr lang="en-US" sz="2400" dirty="0" err="1"/>
-              <a:t>ExceptionFilterAttribute</a:t>
-            </a:r>
-            <a:r>
-              <a:rPr lang="en-US" sz="2400" dirty="0"/>
-              <a:t>)</a:t>
-            </a:r>
-          </a:p>
-          <a:p>
-            <a:pPr marL="342900" indent="-342900">
-              <a:buAutoNum type="arabicPeriod" startAt="3"/>
-            </a:pPr>
-            <a:endParaRPr lang="en-US" sz="2400" dirty="0"/>
-          </a:p>
-          <a:p>
-            <a:pPr marL="342900" indent="-342900">
-              <a:buAutoNum type="arabicPeriod" startAt="3"/>
-            </a:pPr>
-            <a:r>
-              <a:rPr lang="en-US" sz="2400" dirty="0"/>
-              <a:t>Can be applied globally, at the controller level or at the action level.</a:t>
-            </a:r>
-          </a:p>
-          <a:p>
-            <a:pPr marL="342900" indent="-342900">
-              <a:buAutoNum type="arabicPeriod" startAt="3"/>
-            </a:pPr>
-            <a:endParaRPr lang="en-US" sz="2400" dirty="0"/>
-          </a:p>
-          <a:p>
-            <a:pPr marL="342900" indent="-342900">
-              <a:buAutoNum type="arabicPeriod" startAt="3"/>
-            </a:pPr>
-            <a:r>
-              <a:rPr lang="en-US" sz="2400" dirty="0"/>
-              <a:t>Filters are executed in the following order:</a:t>
-            </a:r>
-          </a:p>
-          <a:p>
-            <a:pPr marL="800100" lvl="1" indent="-342900">
-              <a:buFont typeface="Arial" panose="020B0604020202020204" pitchFamily="34" charset="0"/>
-              <a:buChar char="•"/>
-            </a:pPr>
-            <a:r>
-              <a:rPr lang="en-US" sz="2400" dirty="0"/>
-              <a:t>Authentication -&gt; Authorization -&gt; Action -&gt; (Exception)</a:t>
-            </a:r>
-          </a:p>
-          <a:p>
-            <a:pPr marL="800100" lvl="1" indent="-342900">
-              <a:buFont typeface="Arial" panose="020B0604020202020204" pitchFamily="34" charset="0"/>
-              <a:buChar char="•"/>
-            </a:pPr>
-            <a:r>
-              <a:rPr lang="en-US" sz="2400" dirty="0"/>
-              <a:t>Global -&gt; Controller -&gt; Action</a:t>
-            </a:r>
-          </a:p>
-          <a:p>
-            <a:pPr marL="800100" lvl="1" indent="-342900">
-              <a:buFont typeface="Arial" panose="020B0604020202020204" pitchFamily="34" charset="0"/>
-              <a:buChar char="•"/>
-            </a:pPr>
-            <a:r>
-              <a:rPr lang="en-US" sz="2400" dirty="0"/>
-              <a:t>The order of registration</a:t>
-            </a:r>
-          </a:p>
-          <a:p>
-            <a:pPr marL="800100" lvl="1" indent="-342900">
-              <a:buFont typeface="Arial" panose="020B0604020202020204" pitchFamily="34" charset="0"/>
-              <a:buChar char="•"/>
-            </a:pPr>
-            <a:endParaRPr lang="en-US" sz="2400" dirty="0"/>
-          </a:p>
-          <a:p>
-            <a:pPr marL="457200" indent="-457200">
-              <a:buFont typeface="+mj-lt"/>
-              <a:buAutoNum type="arabicPeriod" startAt="3"/>
-            </a:pPr>
-            <a:r>
-              <a:rPr lang="en-US" sz="2400" dirty="0"/>
-              <a:t>The </a:t>
-            </a:r>
-            <a:r>
-              <a:rPr lang="en-US" sz="2400" dirty="0" err="1"/>
-              <a:t>IFilterProvider</a:t>
-            </a:r>
-            <a:r>
-              <a:rPr lang="en-US" sz="2400" dirty="0"/>
-              <a:t> is responsible for executing the appropriate filters.</a:t>
-            </a:r>
-          </a:p>
-          <a:p>
-            <a:pPr marL="457200" indent="-457200">
-              <a:buFont typeface="+mj-lt"/>
-              <a:buAutoNum type="arabicPeriod" startAt="3"/>
-            </a:pPr>
-            <a:endParaRPr lang="en-US" sz="2400" dirty="0"/>
-          </a:p>
-        </p:txBody>
-      </p:sp>
-    </p:spTree>
-    <p:extLst>
-      <p:ext uri="{BB962C8B-B14F-4D97-AF65-F5344CB8AC3E}">
-        <p14:creationId xmlns:p14="http://schemas.microsoft.com/office/powerpoint/2010/main" val="2506317761"/>
-      </p:ext>
-    </p:extLst>
-  </p:cSld>
-  <p:clrMapOvr>
-    <a:masterClrMapping/>
-  </p:clrMapOvr>
-</p:sld>
-</file>
-
 <file path=ppt/slides/slide2.xml><?xml version="1.0" encoding="utf-8"?>
 <p:sld xmlns:a="http://schemas.openxmlformats.org/drawingml/2006/main" xmlns:r="http://schemas.openxmlformats.org/officeDocument/2006/relationships" xmlns:p="http://schemas.openxmlformats.org/presentationml/2006/main">
   <p:cSld>
@@ -6513,28 +6681,87 @@
       </p:grpSpPr>
       <p:sp>
         <p:nvSpPr>
-          <p:cNvPr id="4" name="Rectangle 3"/>
-          <p:cNvSpPr/>
+          <p:cNvPr id="2" name="Title 1"/>
+          <p:cNvSpPr>
+            <a:spLocks noGrp="1"/>
+          </p:cNvSpPr>
+          <p:nvPr>
+            <p:ph type="title"/>
+          </p:nvPr>
+        </p:nvSpPr>
+        <p:spPr/>
+        <p:txBody>
+          <a:bodyPr/>
+          <a:lstStyle/>
+          <a:p>
+            <a:r>
+              <a:rPr lang="en-US" dirty="0"/>
+              <a:t> HTTP MESSAGE HANDLERS</a:t>
+            </a:r>
+          </a:p>
+        </p:txBody>
+      </p:sp>
+      <p:sp>
+        <p:nvSpPr>
+          <p:cNvPr id="5" name="TextBox 4"/>
+          <p:cNvSpPr txBox="1"/>
           <p:nvPr/>
         </p:nvSpPr>
         <p:spPr>
           <a:xfrm>
-            <a:off x="2576823" y="2641433"/>
-            <a:ext cx="7305718" cy="923330"/>
+            <a:off x="1455438" y="694159"/>
+            <a:ext cx="10510576" cy="3847207"/>
           </a:xfrm>
           <a:prstGeom prst="rect">
             <a:avLst/>
           </a:prstGeom>
+          <a:noFill/>
         </p:spPr>
         <p:txBody>
-          <a:bodyPr wrap="none">
+          <a:bodyPr wrap="square" rtlCol="0">
             <a:spAutoFit/>
           </a:bodyPr>
           <a:lstStyle/>
           <a:p>
             <a:r>
-              <a:rPr lang="en-US" sz="5400" dirty="0"/>
-              <a:t> HTTP MESSAGE LIFECYLE</a:t>
+              <a:rPr lang="en-US" sz="2800" b="1" dirty="0"/>
+              <a:t>What is extensibility point?</a:t>
+            </a:r>
+          </a:p>
+          <a:p>
+            <a:pPr marL="342900" indent="-342900" algn="just">
+              <a:buAutoNum type="arabicPeriod"/>
+            </a:pPr>
+            <a:endParaRPr lang="en-US" sz="2400" dirty="0"/>
+          </a:p>
+          <a:p>
+            <a:pPr algn="just"/>
+            <a:r>
+              <a:rPr lang="en-US" sz="2400" dirty="0"/>
+              <a:t>This is a point in the request lifecycle where the developer can add extra logic or replace or extend the default logic. Commonly used extensibility points are the filters. However, the ASP Web API framework provides many other extensibility points.</a:t>
+            </a:r>
+            <a:r>
+              <a:rPr lang="en-US" sz="2400" dirty="0">
+                <a:solidFill>
+                  <a:schemeClr val="accent5"/>
+                </a:solidFill>
+              </a:rPr>
+              <a:t> </a:t>
+            </a:r>
+          </a:p>
+          <a:p>
+            <a:pPr algn="just"/>
+            <a:endParaRPr lang="en-US" sz="2400" dirty="0">
+              <a:solidFill>
+                <a:schemeClr val="accent5"/>
+              </a:solidFill>
+            </a:endParaRPr>
+          </a:p>
+          <a:p>
+            <a:pPr algn="just"/>
+            <a:r>
+              <a:rPr lang="en-US" sz="2400" dirty="0"/>
+              <a:t>To chose the extensibility strategy the developer should answer the questions: Where in the request pipeline should I hook? Do I actually need to entirely rewrite the default behavior?</a:t>
             </a:r>
           </a:p>
         </p:txBody>
@@ -6542,7 +6769,7 @@
     </p:spTree>
     <p:extLst>
       <p:ext uri="{BB962C8B-B14F-4D97-AF65-F5344CB8AC3E}">
-        <p14:creationId xmlns:p14="http://schemas.microsoft.com/office/powerpoint/2010/main" val="870128569"/>
+        <p14:creationId xmlns:p14="http://schemas.microsoft.com/office/powerpoint/2010/main" val="1524299299"/>
       </p:ext>
     </p:extLst>
   </p:cSld>
@@ -6571,14 +6798,36 @@
       </p:grpSpPr>
       <p:sp>
         <p:nvSpPr>
-          <p:cNvPr id="4" name="Rectangle 3"/>
+          <p:cNvPr id="2" name="Title 1"/>
+          <p:cNvSpPr>
+            <a:spLocks noGrp="1"/>
+          </p:cNvSpPr>
+          <p:nvPr>
+            <p:ph type="title"/>
+          </p:nvPr>
+        </p:nvSpPr>
+        <p:spPr/>
+        <p:txBody>
+          <a:bodyPr/>
+          <a:lstStyle/>
+          <a:p>
+            <a:r>
+              <a:rPr lang="en-US" dirty="0"/>
+              <a:t>Filters</a:t>
+            </a:r>
+          </a:p>
+        </p:txBody>
+      </p:sp>
+      <p:sp>
+        <p:nvSpPr>
+          <p:cNvPr id="5" name="Rectangle 4"/>
           <p:cNvSpPr/>
           <p:nvPr/>
         </p:nvSpPr>
         <p:spPr>
           <a:xfrm>
-            <a:off x="1512711" y="2641433"/>
-            <a:ext cx="10295467" cy="923330"/>
+            <a:off x="1524000" y="744271"/>
+            <a:ext cx="10195652" cy="5262979"/>
           </a:xfrm>
           <a:prstGeom prst="rect">
             <a:avLst/>
@@ -6590,19 +6839,169 @@
           </a:bodyPr>
           <a:lstStyle/>
           <a:p>
-            <a:pPr algn="ctr"/>
-            <a:r>
-              <a:rPr lang="en-US" sz="5400" b="1" dirty="0"/>
-              <a:t>Action Result</a:t>
-            </a:r>
-            <a:endParaRPr lang="en-US" sz="5400" dirty="0"/>
+            <a:pPr marL="457200" indent="-457200">
+              <a:buFont typeface="+mj-lt"/>
+              <a:buAutoNum type="arabicPeriod" startAt="3"/>
+            </a:pPr>
+            <a:r>
+              <a:rPr lang="en-US" sz="2400" dirty="0"/>
+              <a:t>Can be created by inheriting the appropriate interface (</a:t>
+            </a:r>
+            <a:r>
+              <a:rPr lang="en-US" sz="2400" dirty="0" err="1"/>
+              <a:t>IAuthenticationFilter</a:t>
+            </a:r>
+            <a:r>
+              <a:rPr lang="en-US" sz="2400" dirty="0"/>
+              <a:t>, </a:t>
+            </a:r>
+            <a:r>
+              <a:rPr lang="en-US" sz="2400" dirty="0" err="1"/>
+              <a:t>IAuthorizationFilter</a:t>
+            </a:r>
+            <a:r>
+              <a:rPr lang="en-US" sz="2400" dirty="0"/>
+              <a:t>, </a:t>
+            </a:r>
+            <a:r>
+              <a:rPr lang="en-US" sz="2400" dirty="0" err="1"/>
+              <a:t>IActionFilter</a:t>
+            </a:r>
+            <a:r>
+              <a:rPr lang="en-US" sz="2400" dirty="0"/>
+              <a:t>, </a:t>
+            </a:r>
+            <a:r>
+              <a:rPr lang="en-US" sz="2400" dirty="0" err="1"/>
+              <a:t>IExceptionFilter</a:t>
+            </a:r>
+            <a:r>
+              <a:rPr lang="en-US" sz="2400" dirty="0"/>
+              <a:t>) or the default implementation (</a:t>
+            </a:r>
+            <a:r>
+              <a:rPr lang="en-US" sz="2400" dirty="0" err="1"/>
+              <a:t>AuthorizationFilterAttribute</a:t>
+            </a:r>
+            <a:r>
+              <a:rPr lang="en-US" sz="2400" dirty="0"/>
+              <a:t>, </a:t>
+            </a:r>
+            <a:r>
+              <a:rPr lang="en-US" sz="2400" dirty="0" err="1"/>
+              <a:t>ActionFilterAttribute</a:t>
+            </a:r>
+            <a:r>
+              <a:rPr lang="en-US" sz="2400" dirty="0"/>
+              <a:t>, </a:t>
+            </a:r>
+            <a:r>
+              <a:rPr lang="en-US" sz="2400" dirty="0" err="1"/>
+              <a:t>ExceptionFilterAttribute</a:t>
+            </a:r>
+            <a:r>
+              <a:rPr lang="en-US" sz="2400" dirty="0"/>
+              <a:t>)</a:t>
+            </a:r>
+          </a:p>
+          <a:p>
+            <a:pPr marL="342900" indent="-342900">
+              <a:buAutoNum type="arabicPeriod" startAt="3"/>
+            </a:pPr>
+            <a:endParaRPr lang="en-US" sz="2400" dirty="0"/>
+          </a:p>
+          <a:p>
+            <a:pPr marL="342900" indent="-342900">
+              <a:buAutoNum type="arabicPeriod" startAt="3"/>
+            </a:pPr>
+            <a:r>
+              <a:rPr lang="en-US" sz="2400" dirty="0"/>
+              <a:t>Can be applied globally, at the controller level or at the action level.</a:t>
+            </a:r>
+          </a:p>
+          <a:p>
+            <a:pPr marL="342900" indent="-342900">
+              <a:buAutoNum type="arabicPeriod" startAt="3"/>
+            </a:pPr>
+            <a:endParaRPr lang="en-US" sz="2400" dirty="0"/>
+          </a:p>
+          <a:p>
+            <a:pPr marL="342900" indent="-342900">
+              <a:buAutoNum type="arabicPeriod" startAt="3"/>
+            </a:pPr>
+            <a:r>
+              <a:rPr lang="en-US" sz="2400" dirty="0"/>
+              <a:t>Filters are executed in the following order:</a:t>
+            </a:r>
+          </a:p>
+          <a:p>
+            <a:pPr marL="800100" lvl="1" indent="-342900">
+              <a:buFont typeface="Arial" panose="020B0604020202020204" pitchFamily="34" charset="0"/>
+              <a:buChar char="•"/>
+            </a:pPr>
+            <a:r>
+              <a:rPr lang="en-US" sz="2400" dirty="0"/>
+              <a:t>Authentication -&gt; Authorization -&gt; Action -&gt; (Exception)</a:t>
+            </a:r>
+          </a:p>
+          <a:p>
+            <a:pPr marL="800100" lvl="1" indent="-342900">
+              <a:buFont typeface="Arial" panose="020B0604020202020204" pitchFamily="34" charset="0"/>
+              <a:buChar char="•"/>
+            </a:pPr>
+            <a:r>
+              <a:rPr lang="en-US" sz="2400" dirty="0"/>
+              <a:t>Global -&gt; Controller -&gt; Action</a:t>
+            </a:r>
+          </a:p>
+          <a:p>
+            <a:pPr marL="800100" lvl="1" indent="-342900">
+              <a:buFont typeface="Arial" panose="020B0604020202020204" pitchFamily="34" charset="0"/>
+              <a:buChar char="•"/>
+            </a:pPr>
+            <a:r>
+              <a:rPr lang="en-US" sz="2400" dirty="0"/>
+              <a:t>The order of registration</a:t>
+            </a:r>
+          </a:p>
+          <a:p>
+            <a:pPr marL="800100" lvl="1" indent="-342900">
+              <a:buFont typeface="Arial" panose="020B0604020202020204" pitchFamily="34" charset="0"/>
+              <a:buChar char="•"/>
+            </a:pPr>
+            <a:endParaRPr lang="en-US" sz="2400" dirty="0"/>
+          </a:p>
+          <a:p>
+            <a:pPr marL="457200" indent="-457200">
+              <a:buFont typeface="+mj-lt"/>
+              <a:buAutoNum type="arabicPeriod" startAt="3"/>
+            </a:pPr>
+            <a:r>
+              <a:rPr lang="en-US" sz="2400" dirty="0"/>
+              <a:t>The </a:t>
+            </a:r>
+            <a:r>
+              <a:rPr lang="en-US" sz="2400" dirty="0" err="1"/>
+              <a:t>IFilterProvider</a:t>
+            </a:r>
+            <a:r>
+              <a:rPr lang="en-US" sz="2400" dirty="0"/>
+              <a:t> is responsible for executing the appropriate filters.</a:t>
+            </a:r>
+          </a:p>
+          <a:p>
+            <a:pPr marL="457200" indent="-457200">
+              <a:buFont typeface="+mj-lt"/>
+              <a:buAutoNum type="arabicPeriod" startAt="3"/>
+            </a:pPr>
+            <a:endParaRPr lang="en-US" sz="2400" dirty="0"/>
           </a:p>
         </p:txBody>
       </p:sp>
     </p:spTree>
     <p:extLst>
       <p:ext uri="{BB962C8B-B14F-4D97-AF65-F5344CB8AC3E}">
-        <p14:creationId xmlns:p14="http://schemas.microsoft.com/office/powerpoint/2010/main" val="3766461906"/>
+        <p14:creationId xmlns:p14="http://schemas.microsoft.com/office/powerpoint/2010/main" val="2506317761"/>
       </p:ext>
     </p:extLst>
   </p:cSld>
@@ -6631,176 +7030,38 @@
       </p:grpSpPr>
       <p:sp>
         <p:nvSpPr>
-          <p:cNvPr id="2" name="Title 1"/>
-          <p:cNvSpPr>
-            <a:spLocks noGrp="1"/>
-          </p:cNvSpPr>
-          <p:nvPr>
-            <p:ph type="title"/>
-          </p:nvPr>
-        </p:nvSpPr>
-        <p:spPr/>
-        <p:txBody>
-          <a:bodyPr/>
-          <a:lstStyle/>
-          <a:p>
-            <a:r>
-              <a:rPr lang="en-US" dirty="0"/>
-              <a:t> </a:t>
-            </a:r>
-            <a:r>
-              <a:rPr lang="en-US" dirty="0"/>
-              <a:t>Filters</a:t>
-            </a:r>
-            <a:endParaRPr lang="en-US" dirty="0"/>
-          </a:p>
-        </p:txBody>
-      </p:sp>
-      <p:sp>
-        <p:nvSpPr>
-          <p:cNvPr id="5" name="TextBox 4"/>
-          <p:cNvSpPr txBox="1"/>
+          <p:cNvPr id="4" name="Rectangle 3"/>
+          <p:cNvSpPr/>
           <p:nvPr/>
         </p:nvSpPr>
         <p:spPr>
           <a:xfrm>
-            <a:off x="1455438" y="694159"/>
-            <a:ext cx="10510576" cy="3847207"/>
+            <a:off x="1512711" y="2641433"/>
+            <a:ext cx="10295467" cy="923330"/>
           </a:xfrm>
           <a:prstGeom prst="rect">
             <a:avLst/>
           </a:prstGeom>
-          <a:noFill/>
         </p:spPr>
         <p:txBody>
-          <a:bodyPr wrap="square" rtlCol="0">
+          <a:bodyPr wrap="square">
             <a:spAutoFit/>
           </a:bodyPr>
           <a:lstStyle/>
           <a:p>
-            <a:r>
-              <a:rPr lang="en-US" sz="2800" b="1" dirty="0"/>
-              <a:t>What we have to know?</a:t>
-            </a:r>
-          </a:p>
-          <a:p>
-            <a:pPr marL="342900" indent="-342900">
-              <a:buAutoNum type="arabicPeriod"/>
-            </a:pPr>
-            <a:endParaRPr lang="en-US" sz="2400" dirty="0"/>
-          </a:p>
-          <a:p>
-            <a:pPr marL="342900" indent="-342900">
-              <a:buAutoNum type="arabicPeriod"/>
-            </a:pPr>
-            <a:r>
-              <a:rPr lang="en-US" sz="2400" dirty="0" err="1"/>
-              <a:t>IHttpActionResult</a:t>
-            </a:r>
-            <a:r>
-              <a:rPr lang="en-US" sz="2400" dirty="0"/>
-              <a:t> interface acts as a factory for </a:t>
-            </a:r>
-            <a:r>
-              <a:rPr lang="en-US" sz="2400" dirty="0" err="1"/>
-              <a:t>HttpResponseMessage</a:t>
-            </a:r>
-            <a:r>
-              <a:rPr lang="en-US" sz="2400" dirty="0"/>
-              <a:t>.</a:t>
-            </a:r>
-          </a:p>
-          <a:p>
-            <a:pPr marL="342900" indent="-342900">
-              <a:buAutoNum type="arabicPeriod"/>
-            </a:pPr>
-            <a:endParaRPr lang="en-US" sz="2400" dirty="0"/>
-          </a:p>
-          <a:p>
-            <a:pPr marL="342900" indent="-342900">
-              <a:buAutoNum type="arabicPeriod"/>
-            </a:pPr>
-            <a:r>
-              <a:rPr lang="en-US" sz="2400" dirty="0"/>
-              <a:t>The result conversion strategy is selected based on the return type of the Action.</a:t>
-            </a:r>
-          </a:p>
-          <a:p>
-            <a:pPr marL="342900" indent="-342900">
-              <a:buAutoNum type="arabicPeriod"/>
-            </a:pPr>
-            <a:endParaRPr lang="en-US" sz="2400" dirty="0"/>
-          </a:p>
-          <a:p>
-            <a:pPr marL="342900" indent="-342900">
-              <a:buAutoNum type="arabicPeriod"/>
-            </a:pPr>
-            <a:r>
-              <a:rPr lang="en-US" sz="2400" dirty="0"/>
-              <a:t>There are some predefined </a:t>
-            </a:r>
-            <a:r>
-              <a:rPr lang="en-US" sz="2400" dirty="0" err="1"/>
-              <a:t>IHttpActionResult</a:t>
-            </a:r>
-            <a:r>
-              <a:rPr lang="en-US" sz="2400" dirty="0"/>
-              <a:t> classes: </a:t>
-            </a:r>
-            <a:r>
-              <a:rPr lang="en-US" sz="2400" dirty="0" err="1"/>
-              <a:t>OkResult</a:t>
-            </a:r>
-            <a:r>
-              <a:rPr lang="en-US" sz="2400" dirty="0"/>
-              <a:t>, </a:t>
-            </a:r>
-            <a:r>
-              <a:rPr lang="en-US" sz="2400" dirty="0" err="1"/>
-              <a:t>BadRequestResult</a:t>
-            </a:r>
-            <a:r>
-              <a:rPr lang="en-US" sz="2400" dirty="0"/>
-              <a:t>, </a:t>
-            </a:r>
-            <a:r>
-              <a:rPr lang="en-US" sz="2400" dirty="0" err="1"/>
-              <a:t>JsonResult</a:t>
-            </a:r>
-            <a:r>
-              <a:rPr lang="en-US" sz="2400" dirty="0"/>
-              <a:t>&lt;T&gt;</a:t>
-            </a:r>
-          </a:p>
-          <a:p>
-            <a:pPr marL="342900" indent="-342900">
-              <a:buAutoNum type="arabicPeriod"/>
-            </a:pPr>
-            <a:endParaRPr lang="en-US" sz="2400" dirty="0"/>
-          </a:p>
-          <a:p>
-            <a:pPr marL="342900" indent="-342900">
-              <a:buAutoNum type="arabicPeriod"/>
-            </a:pPr>
-            <a:r>
-              <a:rPr lang="en-US" sz="2400" dirty="0"/>
-              <a:t>Custom implementations of the </a:t>
-            </a:r>
-            <a:r>
-              <a:rPr lang="en-US" sz="2400" dirty="0" err="1"/>
-              <a:t>IHttpActionResult</a:t>
-            </a:r>
-            <a:r>
-              <a:rPr lang="en-US" sz="2400" dirty="0"/>
-              <a:t> may be used.</a:t>
-            </a:r>
+            <a:pPr algn="ctr"/>
+            <a:r>
+              <a:rPr lang="en-US" sz="5400" b="1" dirty="0"/>
+              <a:t>Action Result</a:t>
+            </a:r>
+            <a:endParaRPr lang="en-US" sz="5400" dirty="0"/>
           </a:p>
         </p:txBody>
       </p:sp>
     </p:spTree>
     <p:extLst>
       <p:ext uri="{BB962C8B-B14F-4D97-AF65-F5344CB8AC3E}">
-        <p14:creationId xmlns:p14="http://schemas.microsoft.com/office/powerpoint/2010/main" val="3560141662"/>
+        <p14:creationId xmlns:p14="http://schemas.microsoft.com/office/powerpoint/2010/main" val="3766461906"/>
       </p:ext>
     </p:extLst>
   </p:cSld>
@@ -6844,7 +7105,148 @@
           <a:p>
             <a:r>
               <a:rPr lang="en-US" dirty="0"/>
-              <a:t> HTTP MESSAGE LIFECYLE</a:t>
+              <a:t> Filters</a:t>
+            </a:r>
+          </a:p>
+        </p:txBody>
+      </p:sp>
+      <p:sp>
+        <p:nvSpPr>
+          <p:cNvPr id="5" name="TextBox 4"/>
+          <p:cNvSpPr txBox="1"/>
+          <p:nvPr/>
+        </p:nvSpPr>
+        <p:spPr>
+          <a:xfrm>
+            <a:off x="1455438" y="694159"/>
+            <a:ext cx="10510576" cy="3847207"/>
+          </a:xfrm>
+          <a:prstGeom prst="rect">
+            <a:avLst/>
+          </a:prstGeom>
+          <a:noFill/>
+        </p:spPr>
+        <p:txBody>
+          <a:bodyPr wrap="square" rtlCol="0">
+            <a:spAutoFit/>
+          </a:bodyPr>
+          <a:lstStyle/>
+          <a:p>
+            <a:r>
+              <a:rPr lang="en-US" sz="2800" b="1" dirty="0"/>
+              <a:t>What we have to know?</a:t>
+            </a:r>
+          </a:p>
+          <a:p>
+            <a:pPr marL="342900" indent="-342900">
+              <a:buAutoNum type="arabicPeriod"/>
+            </a:pPr>
+            <a:endParaRPr lang="en-US" sz="2400" dirty="0"/>
+          </a:p>
+          <a:p>
+            <a:pPr marL="342900" indent="-342900">
+              <a:buAutoNum type="arabicPeriod"/>
+            </a:pPr>
+            <a:r>
+              <a:rPr lang="en-US" sz="2400" dirty="0" err="1"/>
+              <a:t>IHttpActionResult</a:t>
+            </a:r>
+            <a:r>
+              <a:rPr lang="en-US" sz="2400" dirty="0"/>
+              <a:t> interface acts as a factory for </a:t>
+            </a:r>
+            <a:r>
+              <a:rPr lang="en-US" sz="2400" dirty="0" err="1"/>
+              <a:t>HttpResponseMessage</a:t>
+            </a:r>
+            <a:r>
+              <a:rPr lang="en-US" sz="2400" dirty="0"/>
+              <a:t>.</a:t>
+            </a:r>
+          </a:p>
+          <a:p>
+            <a:pPr marL="342900" indent="-342900">
+              <a:buAutoNum type="arabicPeriod"/>
+            </a:pPr>
+            <a:endParaRPr lang="en-US" sz="2400" dirty="0"/>
+          </a:p>
+          <a:p>
+            <a:pPr marL="342900" indent="-342900">
+              <a:buAutoNum type="arabicPeriod"/>
+            </a:pPr>
+            <a:r>
+              <a:rPr lang="en-US" sz="2400" dirty="0"/>
+              <a:t>The result conversion strategy is selected based on the return type of the Action.</a:t>
+            </a:r>
+          </a:p>
+          <a:p>
+            <a:pPr marL="342900" indent="-342900">
+              <a:buAutoNum type="arabicPeriod"/>
+            </a:pPr>
+            <a:endParaRPr lang="en-US" sz="2400" dirty="0"/>
+          </a:p>
+          <a:p>
+            <a:pPr marL="342900" indent="-342900">
+              <a:buAutoNum type="arabicPeriod"/>
+            </a:pPr>
+            <a:r>
+              <a:rPr lang="en-US" sz="2400" dirty="0"/>
+              <a:t>There are some predefined </a:t>
+            </a:r>
+            <a:r>
+              <a:rPr lang="en-US" sz="2400" dirty="0" err="1"/>
+              <a:t>IHttpActionResult</a:t>
+            </a:r>
+            <a:r>
+              <a:rPr lang="en-US" sz="2400" dirty="0"/>
+              <a:t> classes: </a:t>
+            </a:r>
+            <a:r>
+              <a:rPr lang="en-US" sz="2400" dirty="0" err="1"/>
+              <a:t>OkResult</a:t>
+            </a:r>
+            <a:r>
+              <a:rPr lang="en-US" sz="2400" dirty="0"/>
+              <a:t>, </a:t>
+            </a:r>
+            <a:r>
+              <a:rPr lang="en-US" sz="2400" dirty="0" err="1"/>
+              <a:t>BadRequestResult</a:t>
+            </a:r>
+            <a:r>
+              <a:rPr lang="en-US" sz="2400" dirty="0"/>
+              <a:t>, </a:t>
+            </a:r>
+            <a:r>
+              <a:rPr lang="en-US" sz="2400" dirty="0" err="1"/>
+              <a:t>JsonResult</a:t>
+            </a:r>
+            <a:r>
+              <a:rPr lang="en-US" sz="2400" dirty="0"/>
+              <a:t>&lt;T&gt;</a:t>
+            </a:r>
+          </a:p>
+          <a:p>
+            <a:pPr marL="342900" indent="-342900">
+              <a:buAutoNum type="arabicPeriod"/>
+            </a:pPr>
+            <a:endParaRPr lang="en-US" sz="2400" dirty="0"/>
+          </a:p>
+          <a:p>
+            <a:pPr marL="342900" indent="-342900">
+              <a:buAutoNum type="arabicPeriod"/>
+            </a:pPr>
+            <a:r>
+              <a:rPr lang="en-US" sz="2400" dirty="0"/>
+              <a:t>Custom implementations of the </a:t>
+            </a:r>
+            <a:r>
+              <a:rPr lang="en-US" sz="2400" dirty="0" err="1"/>
+              <a:t>IHttpActionResult</a:t>
+            </a:r>
+            <a:r>
+              <a:rPr lang="en-US" sz="2400" dirty="0"/>
+              <a:t> may be used.</a:t>
             </a:r>
           </a:p>
         </p:txBody>
@@ -6852,7 +7254,7 @@
     </p:spTree>
     <p:extLst>
       <p:ext uri="{BB962C8B-B14F-4D97-AF65-F5344CB8AC3E}">
-        <p14:creationId xmlns:p14="http://schemas.microsoft.com/office/powerpoint/2010/main" val="4106787523"/>
+        <p14:creationId xmlns:p14="http://schemas.microsoft.com/office/powerpoint/2010/main" val="3560141662"/>
       </p:ext>
     </p:extLst>
   </p:cSld>
@@ -6896,55 +7298,15 @@
           <a:p>
             <a:r>
               <a:rPr lang="en-US" dirty="0"/>
-              <a:t> </a:t>
-            </a:r>
-            <a:r>
-              <a:rPr lang="en-US" dirty="0"/>
-              <a:t>HTTP MESSAGE HANDLERS</a:t>
-            </a:r>
-            <a:endParaRPr lang="en-US" dirty="0"/>
-          </a:p>
-        </p:txBody>
-      </p:sp>
-      <p:sp>
-        <p:nvSpPr>
-          <p:cNvPr id="5" name="TextBox 4"/>
-          <p:cNvSpPr txBox="1"/>
-          <p:nvPr/>
-        </p:nvSpPr>
-        <p:spPr>
-          <a:xfrm>
-            <a:off x="1455438" y="694159"/>
-            <a:ext cx="10510576" cy="892552"/>
-          </a:xfrm>
-          <a:prstGeom prst="rect">
-            <a:avLst/>
-          </a:prstGeom>
-          <a:noFill/>
-        </p:spPr>
-        <p:txBody>
-          <a:bodyPr wrap="square" rtlCol="0">
-            <a:spAutoFit/>
-          </a:bodyPr>
-          <a:lstStyle/>
-          <a:p>
-            <a:r>
-              <a:rPr lang="en-US" sz="2800" b="1" dirty="0"/>
-              <a:t>References</a:t>
-            </a:r>
-          </a:p>
-          <a:p>
-            <a:pPr marL="342900" indent="-342900">
-              <a:buAutoNum type="arabicPeriod"/>
-            </a:pPr>
-            <a:endParaRPr lang="en-US" sz="2400" dirty="0"/>
+              <a:t> HTTP MESSAGE LIFECYLE</a:t>
+            </a:r>
           </a:p>
         </p:txBody>
       </p:sp>
     </p:spTree>
     <p:extLst>
       <p:ext uri="{BB962C8B-B14F-4D97-AF65-F5344CB8AC3E}">
-        <p14:creationId xmlns:p14="http://schemas.microsoft.com/office/powerpoint/2010/main" val="3427512919"/>
+        <p14:creationId xmlns:p14="http://schemas.microsoft.com/office/powerpoint/2010/main" val="4106787523"/>
       </p:ext>
     </p:extLst>
   </p:cSld>
@@ -6988,13 +7350,8 @@
           <a:p>
             <a:r>
               <a:rPr lang="en-US" dirty="0"/>
-              <a:t> </a:t>
-            </a:r>
-            <a:r>
-              <a:rPr lang="en-US" dirty="0"/>
-              <a:t>HTTP MESSAGE HANDLERS</a:t>
-            </a:r>
-            <a:endParaRPr lang="en-US" dirty="0"/>
+              <a:t> HTTP MESSAGE HANDLERS</a:t>
+            </a:r>
           </a:p>
         </p:txBody>
       </p:sp>
@@ -7007,7 +7364,7 @@
         <p:spPr>
           <a:xfrm>
             <a:off x="1455438" y="694159"/>
-            <a:ext cx="10510576" cy="4524315"/>
+            <a:ext cx="10510576" cy="892552"/>
           </a:xfrm>
           <a:prstGeom prst="rect">
             <a:avLst/>
@@ -7021,92 +7378,22 @@
           <a:lstStyle/>
           <a:p>
             <a:r>
-              <a:rPr lang="en-US" sz="2400" b="1" dirty="0"/>
+              <a:rPr lang="en-US" sz="2800" b="1" dirty="0"/>
               <a:t>References</a:t>
             </a:r>
           </a:p>
           <a:p>
-            <a:endParaRPr lang="en-US" sz="2400" b="1" dirty="0"/>
-          </a:p>
-          <a:p>
-            <a:pPr marL="514350" indent="-514350">
-              <a:buFontTx/>
-              <a:buAutoNum type="arabicPeriod"/>
-            </a:pPr>
-            <a:r>
-              <a:rPr lang="en-US" sz="2400" dirty="0">
-                <a:hlinkClick r:id="rId3"/>
-              </a:rPr>
-              <a:t>https://github.com/OData/WebApi/blob/v3.2-rtm</a:t>
-            </a:r>
-            <a:endParaRPr lang="en-US" sz="2400" b="1" dirty="0"/>
-          </a:p>
-          <a:p>
-            <a:pPr marL="514350" indent="-514350">
-              <a:buAutoNum type="arabicPeriod"/>
-            </a:pPr>
-            <a:r>
-              <a:rPr lang="en-US" sz="2400" dirty="0">
-                <a:hlinkClick r:id="rId4"/>
-              </a:rPr>
-              <a:t>https://www.exceptionnotfound.net/the-asp-net-web-api-2-http-message-lifecycle-in-43-easy-steps-2/</a:t>
-            </a:r>
-            <a:endParaRPr lang="en-US" sz="2400" dirty="0"/>
-          </a:p>
-          <a:p>
-            <a:pPr marL="514350" indent="-514350">
-              <a:buAutoNum type="arabicPeriod"/>
-            </a:pPr>
-            <a:r>
-              <a:rPr lang="en-US" sz="2400" dirty="0">
-                <a:hlinkClick r:id="rId5"/>
-              </a:rPr>
-              <a:t>https://www.asp.net/media/4071077/aspnet-web-api-poster.pdf</a:t>
-            </a:r>
-            <a:endParaRPr lang="en-US" sz="2400" dirty="0"/>
-          </a:p>
-          <a:p>
-            <a:pPr marL="514350" indent="-514350">
-              <a:buAutoNum type="arabicPeriod"/>
-            </a:pPr>
-            <a:r>
-              <a:rPr lang="en-US" sz="2400" dirty="0">
-                <a:hlinkClick r:id="rId6"/>
-              </a:rPr>
-              <a:t>http://chimera.labs.oreilly.com/books/1234000001708/ch12.html#_apicontroller_processing_model</a:t>
-            </a:r>
-            <a:endParaRPr lang="en-US" sz="2400" dirty="0"/>
-          </a:p>
-          <a:p>
-            <a:pPr marL="514350" indent="-514350">
+            <a:pPr marL="342900" indent="-342900">
               <a:buAutoNum type="arabicPeriod"/>
             </a:pPr>
             <a:endParaRPr lang="en-US" sz="2400" dirty="0"/>
           </a:p>
-          <a:p>
-            <a:pPr marL="514350" indent="-514350">
-              <a:buAutoNum type="arabicPeriod"/>
-            </a:pPr>
-            <a:endParaRPr lang="en-US" sz="2400" dirty="0"/>
-          </a:p>
-          <a:p>
-            <a:pPr marL="514350" indent="-514350">
-              <a:buAutoNum type="arabicPeriod"/>
-            </a:pPr>
-            <a:endParaRPr lang="en-US" sz="2400" dirty="0"/>
-          </a:p>
-          <a:p>
-            <a:pPr marL="514350" indent="-514350">
-              <a:buAutoNum type="arabicPeriod"/>
-            </a:pPr>
-            <a:endParaRPr lang="en-US" sz="2400" b="1" dirty="0"/>
-          </a:p>
         </p:txBody>
       </p:sp>
     </p:spTree>
     <p:extLst>
       <p:ext uri="{BB962C8B-B14F-4D97-AF65-F5344CB8AC3E}">
-        <p14:creationId xmlns:p14="http://schemas.microsoft.com/office/powerpoint/2010/main" val="483422304"/>
+        <p14:creationId xmlns:p14="http://schemas.microsoft.com/office/powerpoint/2010/main" val="3427512919"/>
       </p:ext>
     </p:extLst>
   </p:cSld>
@@ -7150,15 +7437,120 @@
           <a:p>
             <a:r>
               <a:rPr lang="en-US" dirty="0"/>
-              <a:t> HTTP MESSAGE LIFECYLE</a:t>
-            </a:r>
+              <a:t> HTTP MESSAGE HANDLERS</a:t>
+            </a:r>
+          </a:p>
+        </p:txBody>
+      </p:sp>
+      <p:sp>
+        <p:nvSpPr>
+          <p:cNvPr id="5" name="TextBox 4"/>
+          <p:cNvSpPr txBox="1"/>
+          <p:nvPr/>
+        </p:nvSpPr>
+        <p:spPr>
+          <a:xfrm>
+            <a:off x="1455438" y="694159"/>
+            <a:ext cx="10510576" cy="4524315"/>
+          </a:xfrm>
+          <a:prstGeom prst="rect">
+            <a:avLst/>
+          </a:prstGeom>
+          <a:noFill/>
+        </p:spPr>
+        <p:txBody>
+          <a:bodyPr wrap="square" rtlCol="0">
+            <a:spAutoFit/>
+          </a:bodyPr>
+          <a:lstStyle/>
+          <a:p>
+            <a:r>
+              <a:rPr lang="en-US" sz="2400" b="1" dirty="0"/>
+              <a:t>References</a:t>
+            </a:r>
+          </a:p>
+          <a:p>
+            <a:endParaRPr lang="en-US" sz="2400" b="1" dirty="0"/>
+          </a:p>
+          <a:p>
+            <a:pPr marL="514350" indent="-514350">
+              <a:buFontTx/>
+              <a:buAutoNum type="arabicPeriod"/>
+            </a:pPr>
+            <a:r>
+              <a:rPr lang="en-US" sz="2400" dirty="0">
+                <a:hlinkClick r:id="rId3"/>
+              </a:rPr>
+              <a:t>https://github.com/OData/WebApi/blob/v3.2-rtm</a:t>
+            </a:r>
+            <a:endParaRPr lang="en-US" sz="2400" b="1" dirty="0"/>
+          </a:p>
+          <a:p>
+            <a:pPr marL="514350" indent="-514350">
+              <a:buAutoNum type="arabicPeriod"/>
+            </a:pPr>
+            <a:r>
+              <a:rPr lang="en-US" sz="2400" dirty="0">
+                <a:hlinkClick r:id="rId4"/>
+              </a:rPr>
+              <a:t>https://www.exceptionnotfound.net/the-asp-net-web-api-2-http-message-lifecycle-in-43-easy-steps-2/</a:t>
+            </a:r>
+            <a:endParaRPr lang="en-US" sz="2400" dirty="0"/>
+          </a:p>
+          <a:p>
+            <a:pPr marL="514350" indent="-514350">
+              <a:buAutoNum type="arabicPeriod"/>
+            </a:pPr>
+            <a:r>
+              <a:rPr lang="en-US" sz="2400" dirty="0">
+                <a:hlinkClick r:id="rId5"/>
+              </a:rPr>
+              <a:t>https://www.asp.net/media/4071077/aspnet-web-api-poster.pdf</a:t>
+            </a:r>
+            <a:endParaRPr lang="en-US" sz="2400" dirty="0"/>
+          </a:p>
+          <a:p>
+            <a:pPr marL="514350" indent="-514350">
+              <a:buAutoNum type="arabicPeriod"/>
+            </a:pPr>
+            <a:r>
+              <a:rPr lang="en-US" sz="2400" dirty="0">
+                <a:hlinkClick r:id="rId6"/>
+              </a:rPr>
+              <a:t>http://chimera.labs.oreilly.com/books/1234000001708/ch12.html#_apicontroller_processing_model</a:t>
+            </a:r>
+            <a:endParaRPr lang="en-US" sz="2400" dirty="0"/>
+          </a:p>
+          <a:p>
+            <a:pPr marL="514350" indent="-514350">
+              <a:buAutoNum type="arabicPeriod"/>
+            </a:pPr>
+            <a:endParaRPr lang="en-US" sz="2400" dirty="0"/>
+          </a:p>
+          <a:p>
+            <a:pPr marL="514350" indent="-514350">
+              <a:buAutoNum type="arabicPeriod"/>
+            </a:pPr>
+            <a:endParaRPr lang="en-US" sz="2400" dirty="0"/>
+          </a:p>
+          <a:p>
+            <a:pPr marL="514350" indent="-514350">
+              <a:buAutoNum type="arabicPeriod"/>
+            </a:pPr>
+            <a:endParaRPr lang="en-US" sz="2400" dirty="0"/>
+          </a:p>
+          <a:p>
+            <a:pPr marL="514350" indent="-514350">
+              <a:buAutoNum type="arabicPeriod"/>
+            </a:pPr>
+            <a:endParaRPr lang="en-US" sz="2400" b="1" dirty="0"/>
           </a:p>
         </p:txBody>
       </p:sp>
     </p:spTree>
     <p:extLst>
       <p:ext uri="{BB962C8B-B14F-4D97-AF65-F5344CB8AC3E}">
-        <p14:creationId xmlns:p14="http://schemas.microsoft.com/office/powerpoint/2010/main" val="3107908798"/>
+        <p14:creationId xmlns:p14="http://schemas.microsoft.com/office/powerpoint/2010/main" val="483422304"/>
       </p:ext>
     </p:extLst>
   </p:cSld>
@@ -7210,7 +7602,7 @@
     </p:spTree>
     <p:extLst>
       <p:ext uri="{BB962C8B-B14F-4D97-AF65-F5344CB8AC3E}">
-        <p14:creationId xmlns:p14="http://schemas.microsoft.com/office/powerpoint/2010/main" val="3549025819"/>
+        <p14:creationId xmlns:p14="http://schemas.microsoft.com/office/powerpoint/2010/main" val="3107908798"/>
       </p:ext>
     </p:extLst>
   </p:cSld>
@@ -7254,40 +7646,7 @@
           <a:p>
             <a:r>
               <a:rPr lang="en-US" dirty="0"/>
-              <a:t>Filter Provider</a:t>
-            </a:r>
-          </a:p>
-        </p:txBody>
-      </p:sp>
-      <p:sp>
-        <p:nvSpPr>
-          <p:cNvPr id="3" name="TextBox 2"/>
-          <p:cNvSpPr txBox="1"/>
-          <p:nvPr/>
-        </p:nvSpPr>
-        <p:spPr>
-          <a:xfrm>
-            <a:off x="1609725" y="762000"/>
-            <a:ext cx="10109927" cy="369332"/>
-          </a:xfrm>
-          <a:prstGeom prst="rect">
-            <a:avLst/>
-          </a:prstGeom>
-          <a:noFill/>
-        </p:spPr>
-        <p:txBody>
-          <a:bodyPr wrap="square" rtlCol="0">
-            <a:spAutoFit/>
-          </a:bodyPr>
-          <a:lstStyle/>
-          <a:p>
-            <a:pPr marL="285750" indent="-285750">
-              <a:buFont typeface="Arial" panose="020B0604020202020204" pitchFamily="34" charset="0"/>
-              <a:buChar char="•"/>
-            </a:pPr>
-            <a:r>
-              <a:rPr lang="en-US" dirty="0"/>
-              <a:t>Only selects the filters to be executed. The execution order will still depend on the Scope</a:t>
+              <a:t> HTTP MESSAGE LIFECYLE</a:t>
             </a:r>
           </a:p>
         </p:txBody>
@@ -7295,7 +7654,7 @@
     </p:spTree>
     <p:extLst>
       <p:ext uri="{BB962C8B-B14F-4D97-AF65-F5344CB8AC3E}">
-        <p14:creationId xmlns:p14="http://schemas.microsoft.com/office/powerpoint/2010/main" val="684075879"/>
+        <p14:creationId xmlns:p14="http://schemas.microsoft.com/office/powerpoint/2010/main" val="3549025819"/>
       </p:ext>
     </p:extLst>
   </p:cSld>
@@ -7338,10 +7697,9 @@
           <a:lstStyle/>
           <a:p>
             <a:r>
-              <a:rPr lang="en-US" dirty="0" err="1"/>
-              <a:t>ActionFilter</a:t>
-            </a:r>
-            <a:endParaRPr lang="en-US" dirty="0"/>
+              <a:rPr lang="en-US" dirty="0"/>
+              <a:t>Filter Provider</a:t>
+            </a:r>
           </a:p>
         </p:txBody>
       </p:sp>
@@ -7353,8 +7711,8 @@
         </p:nvSpPr>
         <p:spPr>
           <a:xfrm>
-            <a:off x="1701800" y="884255"/>
-            <a:ext cx="10017852" cy="369332"/>
+            <a:off x="1609725" y="762000"/>
+            <a:ext cx="10109927" cy="369332"/>
           </a:xfrm>
           <a:prstGeom prst="rect">
             <a:avLst/>
@@ -7367,9 +7725,13 @@
           </a:bodyPr>
           <a:lstStyle/>
           <a:p>
+            <a:pPr marL="285750" indent="-285750">
+              <a:buFont typeface="Arial" panose="020B0604020202020204" pitchFamily="34" charset="0"/>
+              <a:buChar char="•"/>
+            </a:pPr>
             <a:r>
               <a:rPr lang="en-US" dirty="0"/>
-              <a:t>If a response is create inside a filter the controller action is not executed.</a:t>
+              <a:t>Only selects the filters to be executed. The execution order will still depend on the Scope</a:t>
             </a:r>
           </a:p>
         </p:txBody>
@@ -7377,7 +7739,7 @@
     </p:spTree>
     <p:extLst>
       <p:ext uri="{BB962C8B-B14F-4D97-AF65-F5344CB8AC3E}">
-        <p14:creationId xmlns:p14="http://schemas.microsoft.com/office/powerpoint/2010/main" val="4283269876"/>
+        <p14:creationId xmlns:p14="http://schemas.microsoft.com/office/powerpoint/2010/main" val="684075879"/>
       </p:ext>
     </p:extLst>
   </p:cSld>
@@ -7420,387 +7782,46 @@
           <a:lstStyle/>
           <a:p>
             <a:r>
-              <a:rPr lang="en-US" dirty="0"/>
-              <a:t>Media Type Formatters</a:t>
-            </a:r>
-          </a:p>
-        </p:txBody>
-      </p:sp>
-      <p:sp>
-        <p:nvSpPr>
-          <p:cNvPr id="3" name="Rectangle 1"/>
-          <p:cNvSpPr>
-            <a:spLocks noChangeArrowheads="1"/>
-          </p:cNvSpPr>
+              <a:rPr lang="en-US" dirty="0" err="1"/>
+              <a:t>ActionFilter</a:t>
+            </a:r>
+            <a:endParaRPr lang="en-US" dirty="0"/>
+          </a:p>
+        </p:txBody>
+      </p:sp>
+      <p:sp>
+        <p:nvSpPr>
+          <p:cNvPr id="3" name="TextBox 2"/>
+          <p:cNvSpPr txBox="1"/>
           <p:nvPr/>
         </p:nvSpPr>
-        <p:spPr bwMode="auto">
+        <p:spPr>
           <a:xfrm>
-            <a:off x="1595335" y="891699"/>
-            <a:ext cx="10124317" cy="1400383"/>
+            <a:off x="1701800" y="884255"/>
+            <a:ext cx="10017852" cy="369332"/>
           </a:xfrm>
           <a:prstGeom prst="rect">
             <a:avLst/>
           </a:prstGeom>
-          <a:solidFill>
-            <a:srgbClr val="FFFFFF"/>
-          </a:solidFill>
-          <a:ln>
-            <a:noFill/>
-          </a:ln>
-          <a:effectLst/>
-          <a:extLst>
-            <a:ext uri="{91240B29-F687-4F45-9708-019B960494DF}">
-              <a14:hiddenLine xmlns:a14="http://schemas.microsoft.com/office/drawing/2010/main" w="9525">
-                <a:solidFill>
-                  <a:schemeClr val="tx1"/>
-                </a:solidFill>
-                <a:miter lim="800000"/>
-                <a:headEnd/>
-                <a:tailEnd/>
-              </a14:hiddenLine>
-            </a:ext>
-            <a:ext uri="{AF507438-7753-43E0-B8FC-AC1667EBCBE1}">
-              <a14:hiddenEffects xmlns:a14="http://schemas.microsoft.com/office/drawing/2010/main">
-                <a:effectLst>
-                  <a:outerShdw dist="35921" dir="2700000" algn="ctr" rotWithShape="0">
-                    <a:schemeClr val="bg2"/>
-                  </a:outerShdw>
-                </a:effectLst>
-              </a14:hiddenEffects>
-            </a:ext>
-          </a:extLst>
+          <a:noFill/>
         </p:spPr>
         <p:txBody>
-          <a:bodyPr vert="horz" wrap="square" lIns="0" tIns="0" rIns="0" bIns="0" numCol="1" anchor="ctr" anchorCtr="0" compatLnSpc="1">
-            <a:prstTxWarp prst="textNoShape">
-              <a:avLst/>
-            </a:prstTxWarp>
+          <a:bodyPr wrap="square" rtlCol="0">
             <a:spAutoFit/>
           </a:bodyPr>
           <a:lstStyle/>
           <a:p>
-            <a:pPr marL="0" marR="0" lvl="0" indent="0" algn="l" defTabSz="914400" rtl="0" eaLnBrk="0" fontAlgn="base" latinLnBrk="0" hangingPunct="0">
-              <a:lnSpc>
-                <a:spcPct val="100000"/>
-              </a:lnSpc>
-              <a:spcBef>
-                <a:spcPct val="0"/>
-              </a:spcBef>
-              <a:spcAft>
-                <a:spcPct val="0"/>
-              </a:spcAft>
-              <a:buClrTx/>
-              <a:buSzTx/>
-              <a:buFontTx/>
-              <a:buNone/>
-              <a:tabLst/>
-            </a:pPr>
-            <a:r>
-              <a:rPr kumimoji="0" lang="en-US" altLang="en-US" sz="1100" b="0" i="0" u="none" strike="noStrike" cap="none" normalizeH="0" baseline="0" dirty="0">
-                <a:ln>
-                  <a:noFill/>
-                </a:ln>
-                <a:solidFill>
-                  <a:srgbClr val="242729"/>
-                </a:solidFill>
-                <a:effectLst/>
-                <a:latin typeface="inherit"/>
-                <a:cs typeface="Arial" panose="020B0604020202020204" pitchFamily="34" charset="0"/>
-              </a:rPr>
-              <a:t>There isn't specifically a per-route way of having formatters, but there is a </a:t>
-            </a:r>
-            <a:r>
-              <a:rPr kumimoji="0" lang="en-US" altLang="en-US" sz="900" b="0" i="0" u="none" strike="noStrike" cap="none" normalizeH="0" baseline="0" dirty="0">
-                <a:ln>
-                  <a:noFill/>
-                </a:ln>
-                <a:solidFill>
-                  <a:srgbClr val="242729"/>
-                </a:solidFill>
-                <a:effectLst/>
-                <a:latin typeface="Consolas" panose="020B0609020204030204" pitchFamily="49" charset="0"/>
-                <a:cs typeface="Arial" panose="020B0604020202020204" pitchFamily="34" charset="0"/>
-              </a:rPr>
-              <a:t>per-controller configuration</a:t>
-            </a:r>
-            <a:r>
-              <a:rPr kumimoji="0" lang="en-US" altLang="en-US" sz="1100" b="0" i="0" u="none" strike="noStrike" cap="none" normalizeH="0" baseline="0" dirty="0">
-                <a:ln>
-                  <a:noFill/>
-                </a:ln>
-                <a:solidFill>
-                  <a:srgbClr val="242729"/>
-                </a:solidFill>
-                <a:effectLst/>
-                <a:latin typeface="inherit"/>
-                <a:cs typeface="Arial" panose="020B0604020202020204" pitchFamily="34" charset="0"/>
-              </a:rPr>
-              <a:t> which you can use to have specific formatters. For example, in your scenario you could have a common base controller for certain set of controllers and decorate that base controller with the per-controller configuration attribute.</a:t>
-            </a:r>
-            <a:endParaRPr kumimoji="0" lang="en-US" altLang="en-US" sz="1100" b="0" i="0" u="none" strike="noStrike" cap="none" normalizeH="0" baseline="0" dirty="0">
-              <a:ln>
-                <a:noFill/>
-              </a:ln>
-              <a:solidFill>
-                <a:srgbClr val="242729"/>
-              </a:solidFill>
-              <a:effectLst/>
-              <a:latin typeface="Arial" panose="020B0604020202020204" pitchFamily="34" charset="0"/>
-              <a:cs typeface="Arial" panose="020B0604020202020204" pitchFamily="34" charset="0"/>
-            </a:endParaRPr>
-          </a:p>
-          <a:p>
-            <a:pPr marL="0" marR="0" lvl="0" indent="0" algn="l" defTabSz="914400" rtl="0" eaLnBrk="0" fontAlgn="base" latinLnBrk="0" hangingPunct="0">
-              <a:lnSpc>
-                <a:spcPct val="100000"/>
-              </a:lnSpc>
-              <a:spcBef>
-                <a:spcPct val="0"/>
-              </a:spcBef>
-              <a:spcAft>
-                <a:spcPct val="0"/>
-              </a:spcAft>
-              <a:buClrTx/>
-              <a:buSzTx/>
-              <a:buFontTx/>
-              <a:buNone/>
-              <a:tabLst/>
-            </a:pPr>
-            <a:r>
-              <a:rPr kumimoji="0" lang="en-US" altLang="en-US" sz="1100" b="0" i="0" u="none" strike="noStrike" cap="none" normalizeH="0" baseline="0" dirty="0">
-                <a:ln>
-                  <a:noFill/>
-                </a:ln>
-                <a:solidFill>
-                  <a:srgbClr val="242729"/>
-                </a:solidFill>
-                <a:effectLst/>
-                <a:latin typeface="inherit"/>
-                <a:cs typeface="Arial" panose="020B0604020202020204" pitchFamily="34" charset="0"/>
-              </a:rPr>
-              <a:t>Web API Sample for creating a per-controller </a:t>
-            </a:r>
-            <a:r>
-              <a:rPr kumimoji="0" lang="en-US" altLang="en-US" sz="1100" b="0" i="0" u="none" strike="noStrike" cap="none" normalizeH="0" baseline="0" dirty="0" err="1">
-                <a:ln>
-                  <a:noFill/>
-                </a:ln>
-                <a:solidFill>
-                  <a:srgbClr val="242729"/>
-                </a:solidFill>
-                <a:effectLst/>
-                <a:latin typeface="inherit"/>
-                <a:cs typeface="Arial" panose="020B0604020202020204" pitchFamily="34" charset="0"/>
-              </a:rPr>
-              <a:t>configuration:</a:t>
-            </a:r>
-            <a:r>
-              <a:rPr kumimoji="0" lang="en-US" altLang="en-US" sz="1100" b="0" i="0" u="none" strike="noStrike" cap="none" normalizeH="0" baseline="0" dirty="0" err="1">
-                <a:ln>
-                  <a:noFill/>
-                </a:ln>
-                <a:solidFill>
-                  <a:srgbClr val="005999"/>
-                </a:solidFill>
-                <a:effectLst/>
-                <a:latin typeface="inherit"/>
-                <a:cs typeface="Arial" panose="020B0604020202020204" pitchFamily="34" charset="0"/>
-                <a:hlinkClick r:id="rId2"/>
-              </a:rPr>
-              <a:t>http</a:t>
-            </a:r>
-            <a:r>
-              <a:rPr kumimoji="0" lang="en-US" altLang="en-US" sz="1100" b="0" i="0" u="none" strike="noStrike" cap="none" normalizeH="0" baseline="0" dirty="0">
-                <a:ln>
-                  <a:noFill/>
-                </a:ln>
-                <a:solidFill>
-                  <a:srgbClr val="005999"/>
-                </a:solidFill>
-                <a:effectLst/>
-                <a:latin typeface="inherit"/>
-                <a:cs typeface="Arial" panose="020B0604020202020204" pitchFamily="34" charset="0"/>
-                <a:hlinkClick r:id="rId2"/>
-              </a:rPr>
-              <a:t>://aspnet.codeplex.com/</a:t>
-            </a:r>
-            <a:r>
-              <a:rPr kumimoji="0" lang="en-US" altLang="en-US" sz="1100" b="0" i="0" u="none" strike="noStrike" cap="none" normalizeH="0" baseline="0" dirty="0" err="1">
-                <a:ln>
-                  <a:noFill/>
-                </a:ln>
-                <a:solidFill>
-                  <a:srgbClr val="005999"/>
-                </a:solidFill>
-                <a:effectLst/>
-                <a:latin typeface="inherit"/>
-                <a:cs typeface="Arial" panose="020B0604020202020204" pitchFamily="34" charset="0"/>
-                <a:hlinkClick r:id="rId2"/>
-              </a:rPr>
-              <a:t>SourceControl</a:t>
-            </a:r>
-            <a:r>
-              <a:rPr kumimoji="0" lang="en-US" altLang="en-US" sz="1100" b="0" i="0" u="none" strike="noStrike" cap="none" normalizeH="0" baseline="0" dirty="0">
-                <a:ln>
-                  <a:noFill/>
-                </a:ln>
-                <a:solidFill>
-                  <a:srgbClr val="005999"/>
-                </a:solidFill>
-                <a:effectLst/>
-                <a:latin typeface="inherit"/>
-                <a:cs typeface="Arial" panose="020B0604020202020204" pitchFamily="34" charset="0"/>
-                <a:hlinkClick r:id="rId2"/>
-              </a:rPr>
-              <a:t>/</a:t>
-            </a:r>
-            <a:r>
-              <a:rPr kumimoji="0" lang="en-US" altLang="en-US" sz="1100" b="0" i="0" u="none" strike="noStrike" cap="none" normalizeH="0" baseline="0" dirty="0" err="1">
-                <a:ln>
-                  <a:noFill/>
-                </a:ln>
-                <a:solidFill>
-                  <a:srgbClr val="005999"/>
-                </a:solidFill>
-                <a:effectLst/>
-                <a:latin typeface="inherit"/>
-                <a:cs typeface="Arial" panose="020B0604020202020204" pitchFamily="34" charset="0"/>
-                <a:hlinkClick r:id="rId2"/>
-              </a:rPr>
-              <a:t>latest#Samples</a:t>
-            </a:r>
-            <a:r>
-              <a:rPr kumimoji="0" lang="en-US" altLang="en-US" sz="1100" b="0" i="0" u="none" strike="noStrike" cap="none" normalizeH="0" baseline="0" dirty="0">
-                <a:ln>
-                  <a:noFill/>
-                </a:ln>
-                <a:solidFill>
-                  <a:srgbClr val="005999"/>
-                </a:solidFill>
-                <a:effectLst/>
-                <a:latin typeface="inherit"/>
-                <a:cs typeface="Arial" panose="020B0604020202020204" pitchFamily="34" charset="0"/>
-                <a:hlinkClick r:id="rId2"/>
-              </a:rPr>
-              <a:t>/</a:t>
-            </a:r>
-            <a:r>
-              <a:rPr kumimoji="0" lang="en-US" altLang="en-US" sz="1100" b="0" i="0" u="none" strike="noStrike" cap="none" normalizeH="0" baseline="0" dirty="0" err="1">
-                <a:ln>
-                  <a:noFill/>
-                </a:ln>
-                <a:solidFill>
-                  <a:srgbClr val="005999"/>
-                </a:solidFill>
-                <a:effectLst/>
-                <a:latin typeface="inherit"/>
-                <a:cs typeface="Arial" panose="020B0604020202020204" pitchFamily="34" charset="0"/>
-                <a:hlinkClick r:id="rId2"/>
-              </a:rPr>
-              <a:t>WebApi</a:t>
-            </a:r>
-            <a:r>
-              <a:rPr kumimoji="0" lang="en-US" altLang="en-US" sz="1100" b="0" i="0" u="none" strike="noStrike" cap="none" normalizeH="0" baseline="0" dirty="0">
-                <a:ln>
-                  <a:noFill/>
-                </a:ln>
-                <a:solidFill>
-                  <a:srgbClr val="005999"/>
-                </a:solidFill>
-                <a:effectLst/>
-                <a:latin typeface="inherit"/>
-                <a:cs typeface="Arial" panose="020B0604020202020204" pitchFamily="34" charset="0"/>
-                <a:hlinkClick r:id="rId2"/>
-              </a:rPr>
-              <a:t>/</a:t>
-            </a:r>
-            <a:r>
-              <a:rPr kumimoji="0" lang="en-US" altLang="en-US" sz="1100" b="0" i="0" u="none" strike="noStrike" cap="none" normalizeH="0" baseline="0" dirty="0" err="1">
-                <a:ln>
-                  <a:noFill/>
-                </a:ln>
-                <a:solidFill>
-                  <a:srgbClr val="005999"/>
-                </a:solidFill>
-                <a:effectLst/>
-                <a:latin typeface="inherit"/>
-                <a:cs typeface="Arial" panose="020B0604020202020204" pitchFamily="34" charset="0"/>
-                <a:hlinkClick r:id="rId2"/>
-              </a:rPr>
-              <a:t>ControllerSpecificConfigSample</a:t>
-            </a:r>
-            <a:r>
-              <a:rPr kumimoji="0" lang="en-US" altLang="en-US" sz="1100" b="0" i="0" u="none" strike="noStrike" cap="none" normalizeH="0" baseline="0" dirty="0">
-                <a:ln>
-                  <a:noFill/>
-                </a:ln>
-                <a:solidFill>
-                  <a:srgbClr val="005999"/>
-                </a:solidFill>
-                <a:effectLst/>
-                <a:latin typeface="inherit"/>
-                <a:cs typeface="Arial" panose="020B0604020202020204" pitchFamily="34" charset="0"/>
-                <a:hlinkClick r:id="rId2"/>
-              </a:rPr>
-              <a:t>/ReadMe.txt</a:t>
-            </a:r>
-            <a:endParaRPr kumimoji="0" lang="en-US" altLang="en-US" sz="800" b="0" i="0" u="none" strike="noStrike" cap="none" normalizeH="0" baseline="0" dirty="0">
-              <a:ln>
-                <a:noFill/>
-              </a:ln>
-              <a:solidFill>
-                <a:schemeClr val="tx1"/>
-              </a:solidFill>
-              <a:effectLst/>
-            </a:endParaRPr>
-          </a:p>
-          <a:p>
-            <a:pPr marL="0" marR="0" lvl="0" indent="0" algn="l" defTabSz="914400" rtl="0" eaLnBrk="0" fontAlgn="base" latinLnBrk="0" hangingPunct="0">
-              <a:lnSpc>
-                <a:spcPct val="100000"/>
-              </a:lnSpc>
-              <a:spcBef>
-                <a:spcPct val="0"/>
-              </a:spcBef>
-              <a:spcAft>
-                <a:spcPct val="0"/>
-              </a:spcAft>
-              <a:buClrTx/>
-              <a:buSzTx/>
-              <a:buFontTx/>
-              <a:buNone/>
-              <a:tabLst/>
-            </a:pPr>
-            <a:br>
-              <a:rPr kumimoji="0" lang="en-US" altLang="en-US" sz="1800" b="0" i="0" u="none" strike="noStrike" cap="none" normalizeH="0" baseline="0" dirty="0">
-                <a:ln>
-                  <a:noFill/>
-                </a:ln>
-                <a:solidFill>
-                  <a:schemeClr val="tx1"/>
-                </a:solidFill>
-                <a:effectLst/>
-                <a:latin typeface="Arial" panose="020B0604020202020204" pitchFamily="34" charset="0"/>
-              </a:rPr>
-            </a:br>
-            <a:endParaRPr kumimoji="0" lang="en-US" altLang="en-US" sz="1800" b="0" i="0" u="none" strike="noStrike" cap="none" normalizeH="0" baseline="0" dirty="0">
-              <a:ln>
-                <a:noFill/>
-              </a:ln>
-              <a:solidFill>
-                <a:schemeClr val="tx1"/>
-              </a:solidFill>
-              <a:effectLst/>
-              <a:latin typeface="Arial" panose="020B0604020202020204" pitchFamily="34" charset="0"/>
-            </a:endParaRPr>
+            <a:r>
+              <a:rPr lang="en-US" dirty="0"/>
+              <a:t>If a response is create inside a filter the controller action is not executed.</a:t>
+            </a:r>
           </a:p>
         </p:txBody>
       </p:sp>
     </p:spTree>
     <p:extLst>
       <p:ext uri="{BB962C8B-B14F-4D97-AF65-F5344CB8AC3E}">
-        <p14:creationId xmlns:p14="http://schemas.microsoft.com/office/powerpoint/2010/main" val="1773433"/>
+        <p14:creationId xmlns:p14="http://schemas.microsoft.com/office/powerpoint/2010/main" val="4283269876"/>
       </p:ext>
     </p:extLst>
   </p:cSld>
@@ -7827,6 +7848,80 @@
           <a:chExt cx="0" cy="0"/>
         </a:xfrm>
       </p:grpSpPr>
+      <p:pic>
+        <p:nvPicPr>
+          <p:cNvPr id="11266" name="Picture 2" descr="Резултат с изображение за webapi request lifecycle"/>
+          <p:cNvPicPr>
+            <a:picLocks noChangeAspect="1" noChangeArrowheads="1"/>
+          </p:cNvPicPr>
+          <p:nvPr/>
+        </p:nvPicPr>
+        <p:blipFill>
+          <a:blip r:embed="rId3">
+            <a:clrChange>
+              <a:clrFrom>
+                <a:srgbClr val="FFFFFF"/>
+              </a:clrFrom>
+              <a:clrTo>
+                <a:srgbClr val="FFFFFF">
+                  <a:alpha val="0"/>
+                </a:srgbClr>
+              </a:clrTo>
+            </a:clrChange>
+            <a:extLst>
+              <a:ext uri="{28A0092B-C50C-407E-A947-70E740481C1C}">
+                <a14:useLocalDpi xmlns:a14="http://schemas.microsoft.com/office/drawing/2010/main" val="0"/>
+              </a:ext>
+            </a:extLst>
+          </a:blip>
+          <a:srcRect/>
+          <a:stretch>
+            <a:fillRect/>
+          </a:stretch>
+        </p:blipFill>
+        <p:spPr bwMode="auto">
+          <a:xfrm>
+            <a:off x="2197513" y="891894"/>
+            <a:ext cx="9244208" cy="6157835"/>
+          </a:xfrm>
+          <a:prstGeom prst="rect">
+            <a:avLst/>
+          </a:prstGeom>
+          <a:solidFill>
+            <a:srgbClr val="FFFFFF">
+              <a:shade val="85000"/>
+            </a:srgbClr>
+          </a:solidFill>
+          <a:ln w="101600" cap="sq">
+            <a:solidFill>
+              <a:srgbClr val="FDFDFD"/>
+            </a:solidFill>
+            <a:miter lim="800000"/>
+          </a:ln>
+          <a:effectLst>
+            <a:outerShdw blurRad="57150" dist="37500" dir="7560000" sy="98000" kx="110000" ky="200000" algn="tl" rotWithShape="0">
+              <a:srgbClr val="000000">
+                <a:alpha val="20000"/>
+              </a:srgbClr>
+            </a:outerShdw>
+          </a:effectLst>
+          <a:scene3d>
+            <a:camera prst="perspectiveRelaxed">
+              <a:rot lat="18960000" lon="0" rev="0"/>
+            </a:camera>
+            <a:lightRig rig="twoPt" dir="t">
+              <a:rot lat="0" lon="0" rev="7200000"/>
+            </a:lightRig>
+          </a:scene3d>
+          <a:sp3d prstMaterial="matte">
+            <a:bevelT w="22860" h="12700"/>
+            <a:contourClr>
+              <a:srgbClr val="FFFFFF"/>
+            </a:contourClr>
+          </a:sp3d>
+          <a:extLst/>
+        </p:spPr>
+      </p:pic>
       <p:sp>
         <p:nvSpPr>
           <p:cNvPr id="4" name="Rectangle 3"/>
@@ -7835,8 +7930,8 @@
         </p:nvSpPr>
         <p:spPr>
           <a:xfrm>
-            <a:off x="2633973" y="2641433"/>
-            <a:ext cx="7865166" cy="923330"/>
+            <a:off x="3166758" y="2626685"/>
+            <a:ext cx="7305718" cy="923330"/>
           </a:xfrm>
           <a:prstGeom prst="rect">
             <a:avLst/>
@@ -7849,17 +7944,16 @@
           <a:lstStyle/>
           <a:p>
             <a:r>
-              <a:rPr lang="en-US" sz="5400" b="1" dirty="0"/>
-              <a:t>HTTP MESSAGE HANDLERS</a:t>
-            </a:r>
-            <a:endParaRPr lang="en-US" sz="5400" dirty="0"/>
+              <a:rPr lang="en-US" sz="5400" dirty="0"/>
+              <a:t> HTTP MESSAGE LIFECYLE</a:t>
+            </a:r>
           </a:p>
         </p:txBody>
       </p:sp>
     </p:spTree>
     <p:extLst>
       <p:ext uri="{BB962C8B-B14F-4D97-AF65-F5344CB8AC3E}">
-        <p14:creationId xmlns:p14="http://schemas.microsoft.com/office/powerpoint/2010/main" val="1180037650"/>
+        <p14:creationId xmlns:p14="http://schemas.microsoft.com/office/powerpoint/2010/main" val="870128569"/>
       </p:ext>
     </p:extLst>
   </p:cSld>
@@ -7870,6 +7964,429 @@
 </file>
 
 <file path=ppt/slides/slide30.xml><?xml version="1.0" encoding="utf-8"?>
+<p:sld xmlns:a="http://schemas.openxmlformats.org/drawingml/2006/main" xmlns:r="http://schemas.openxmlformats.org/officeDocument/2006/relationships" xmlns:p="http://schemas.openxmlformats.org/presentationml/2006/main">
+  <p:cSld>
+    <p:spTree>
+      <p:nvGrpSpPr>
+        <p:cNvPr id="1" name=""/>
+        <p:cNvGrpSpPr/>
+        <p:nvPr/>
+      </p:nvGrpSpPr>
+      <p:grpSpPr>
+        <a:xfrm>
+          <a:off x="0" y="0"/>
+          <a:ext cx="0" cy="0"/>
+          <a:chOff x="0" y="0"/>
+          <a:chExt cx="0" cy="0"/>
+        </a:xfrm>
+      </p:grpSpPr>
+      <p:sp>
+        <p:nvSpPr>
+          <p:cNvPr id="2" name="Title 1"/>
+          <p:cNvSpPr>
+            <a:spLocks noGrp="1"/>
+          </p:cNvSpPr>
+          <p:nvPr>
+            <p:ph type="title"/>
+          </p:nvPr>
+        </p:nvSpPr>
+        <p:spPr/>
+        <p:txBody>
+          <a:bodyPr/>
+          <a:lstStyle/>
+          <a:p>
+            <a:r>
+              <a:rPr lang="en-US" dirty="0"/>
+              <a:t>Media Type Formatters</a:t>
+            </a:r>
+          </a:p>
+        </p:txBody>
+      </p:sp>
+      <p:sp>
+        <p:nvSpPr>
+          <p:cNvPr id="3" name="Rectangle 1"/>
+          <p:cNvSpPr>
+            <a:spLocks noChangeArrowheads="1"/>
+          </p:cNvSpPr>
+          <p:nvPr/>
+        </p:nvSpPr>
+        <p:spPr bwMode="auto">
+          <a:xfrm>
+            <a:off x="1595335" y="891699"/>
+            <a:ext cx="10124317" cy="1400383"/>
+          </a:xfrm>
+          <a:prstGeom prst="rect">
+            <a:avLst/>
+          </a:prstGeom>
+          <a:solidFill>
+            <a:srgbClr val="FFFFFF"/>
+          </a:solidFill>
+          <a:ln>
+            <a:noFill/>
+          </a:ln>
+          <a:effectLst/>
+          <a:extLst>
+            <a:ext uri="{91240B29-F687-4F45-9708-019B960494DF}">
+              <a14:hiddenLine xmlns:a14="http://schemas.microsoft.com/office/drawing/2010/main" w="9525">
+                <a:solidFill>
+                  <a:schemeClr val="tx1"/>
+                </a:solidFill>
+                <a:miter lim="800000"/>
+                <a:headEnd/>
+                <a:tailEnd/>
+              </a14:hiddenLine>
+            </a:ext>
+            <a:ext uri="{AF507438-7753-43E0-B8FC-AC1667EBCBE1}">
+              <a14:hiddenEffects xmlns:a14="http://schemas.microsoft.com/office/drawing/2010/main">
+                <a:effectLst>
+                  <a:outerShdw dist="35921" dir="2700000" algn="ctr" rotWithShape="0">
+                    <a:schemeClr val="bg2"/>
+                  </a:outerShdw>
+                </a:effectLst>
+              </a14:hiddenEffects>
+            </a:ext>
+          </a:extLst>
+        </p:spPr>
+        <p:txBody>
+          <a:bodyPr vert="horz" wrap="square" lIns="0" tIns="0" rIns="0" bIns="0" numCol="1" anchor="ctr" anchorCtr="0" compatLnSpc="1">
+            <a:prstTxWarp prst="textNoShape">
+              <a:avLst/>
+            </a:prstTxWarp>
+            <a:spAutoFit/>
+          </a:bodyPr>
+          <a:lstStyle/>
+          <a:p>
+            <a:pPr marL="0" marR="0" lvl="0" indent="0" algn="l" defTabSz="914400" rtl="0" eaLnBrk="0" fontAlgn="base" latinLnBrk="0" hangingPunct="0">
+              <a:lnSpc>
+                <a:spcPct val="100000"/>
+              </a:lnSpc>
+              <a:spcBef>
+                <a:spcPct val="0"/>
+              </a:spcBef>
+              <a:spcAft>
+                <a:spcPct val="0"/>
+              </a:spcAft>
+              <a:buClrTx/>
+              <a:buSzTx/>
+              <a:buFontTx/>
+              <a:buNone/>
+              <a:tabLst/>
+            </a:pPr>
+            <a:r>
+              <a:rPr kumimoji="0" lang="en-US" altLang="en-US" sz="1100" b="0" i="0" u="none" strike="noStrike" cap="none" normalizeH="0" baseline="0" dirty="0">
+                <a:ln>
+                  <a:noFill/>
+                </a:ln>
+                <a:solidFill>
+                  <a:srgbClr val="242729"/>
+                </a:solidFill>
+                <a:effectLst/>
+                <a:latin typeface="inherit"/>
+                <a:cs typeface="Arial" panose="020B0604020202020204" pitchFamily="34" charset="0"/>
+              </a:rPr>
+              <a:t>There isn't specifically a per-route way of having formatters, but there is a </a:t>
+            </a:r>
+            <a:r>
+              <a:rPr kumimoji="0" lang="en-US" altLang="en-US" sz="900" b="0" i="0" u="none" strike="noStrike" cap="none" normalizeH="0" baseline="0" dirty="0">
+                <a:ln>
+                  <a:noFill/>
+                </a:ln>
+                <a:solidFill>
+                  <a:srgbClr val="242729"/>
+                </a:solidFill>
+                <a:effectLst/>
+                <a:latin typeface="Consolas" panose="020B0609020204030204" pitchFamily="49" charset="0"/>
+                <a:cs typeface="Arial" panose="020B0604020202020204" pitchFamily="34" charset="0"/>
+              </a:rPr>
+              <a:t>per-controller configuration</a:t>
+            </a:r>
+            <a:r>
+              <a:rPr kumimoji="0" lang="en-US" altLang="en-US" sz="1100" b="0" i="0" u="none" strike="noStrike" cap="none" normalizeH="0" baseline="0" dirty="0">
+                <a:ln>
+                  <a:noFill/>
+                </a:ln>
+                <a:solidFill>
+                  <a:srgbClr val="242729"/>
+                </a:solidFill>
+                <a:effectLst/>
+                <a:latin typeface="inherit"/>
+                <a:cs typeface="Arial" panose="020B0604020202020204" pitchFamily="34" charset="0"/>
+              </a:rPr>
+              <a:t> which you can use to have specific formatters. For example, in your scenario you could have a common base controller for certain set of controllers and decorate that base controller with the per-controller configuration attribute.</a:t>
+            </a:r>
+            <a:endParaRPr kumimoji="0" lang="en-US" altLang="en-US" sz="1100" b="0" i="0" u="none" strike="noStrike" cap="none" normalizeH="0" baseline="0" dirty="0">
+              <a:ln>
+                <a:noFill/>
+              </a:ln>
+              <a:solidFill>
+                <a:srgbClr val="242729"/>
+              </a:solidFill>
+              <a:effectLst/>
+              <a:latin typeface="Arial" panose="020B0604020202020204" pitchFamily="34" charset="0"/>
+              <a:cs typeface="Arial" panose="020B0604020202020204" pitchFamily="34" charset="0"/>
+            </a:endParaRPr>
+          </a:p>
+          <a:p>
+            <a:pPr marL="0" marR="0" lvl="0" indent="0" algn="l" defTabSz="914400" rtl="0" eaLnBrk="0" fontAlgn="base" latinLnBrk="0" hangingPunct="0">
+              <a:lnSpc>
+                <a:spcPct val="100000"/>
+              </a:lnSpc>
+              <a:spcBef>
+                <a:spcPct val="0"/>
+              </a:spcBef>
+              <a:spcAft>
+                <a:spcPct val="0"/>
+              </a:spcAft>
+              <a:buClrTx/>
+              <a:buSzTx/>
+              <a:buFontTx/>
+              <a:buNone/>
+              <a:tabLst/>
+            </a:pPr>
+            <a:r>
+              <a:rPr kumimoji="0" lang="en-US" altLang="en-US" sz="1100" b="0" i="0" u="none" strike="noStrike" cap="none" normalizeH="0" baseline="0" dirty="0">
+                <a:ln>
+                  <a:noFill/>
+                </a:ln>
+                <a:solidFill>
+                  <a:srgbClr val="242729"/>
+                </a:solidFill>
+                <a:effectLst/>
+                <a:latin typeface="inherit"/>
+                <a:cs typeface="Arial" panose="020B0604020202020204" pitchFamily="34" charset="0"/>
+              </a:rPr>
+              <a:t>Web API Sample for creating a per-controller </a:t>
+            </a:r>
+            <a:r>
+              <a:rPr kumimoji="0" lang="en-US" altLang="en-US" sz="1100" b="0" i="0" u="none" strike="noStrike" cap="none" normalizeH="0" baseline="0" dirty="0" err="1">
+                <a:ln>
+                  <a:noFill/>
+                </a:ln>
+                <a:solidFill>
+                  <a:srgbClr val="242729"/>
+                </a:solidFill>
+                <a:effectLst/>
+                <a:latin typeface="inherit"/>
+                <a:cs typeface="Arial" panose="020B0604020202020204" pitchFamily="34" charset="0"/>
+              </a:rPr>
+              <a:t>configuration:</a:t>
+            </a:r>
+            <a:r>
+              <a:rPr kumimoji="0" lang="en-US" altLang="en-US" sz="1100" b="0" i="0" u="none" strike="noStrike" cap="none" normalizeH="0" baseline="0" dirty="0" err="1">
+                <a:ln>
+                  <a:noFill/>
+                </a:ln>
+                <a:solidFill>
+                  <a:srgbClr val="005999"/>
+                </a:solidFill>
+                <a:effectLst/>
+                <a:latin typeface="inherit"/>
+                <a:cs typeface="Arial" panose="020B0604020202020204" pitchFamily="34" charset="0"/>
+                <a:hlinkClick r:id="rId2"/>
+              </a:rPr>
+              <a:t>http</a:t>
+            </a:r>
+            <a:r>
+              <a:rPr kumimoji="0" lang="en-US" altLang="en-US" sz="1100" b="0" i="0" u="none" strike="noStrike" cap="none" normalizeH="0" baseline="0" dirty="0">
+                <a:ln>
+                  <a:noFill/>
+                </a:ln>
+                <a:solidFill>
+                  <a:srgbClr val="005999"/>
+                </a:solidFill>
+                <a:effectLst/>
+                <a:latin typeface="inherit"/>
+                <a:cs typeface="Arial" panose="020B0604020202020204" pitchFamily="34" charset="0"/>
+                <a:hlinkClick r:id="rId2"/>
+              </a:rPr>
+              <a:t>://aspnet.codeplex.com/</a:t>
+            </a:r>
+            <a:r>
+              <a:rPr kumimoji="0" lang="en-US" altLang="en-US" sz="1100" b="0" i="0" u="none" strike="noStrike" cap="none" normalizeH="0" baseline="0" dirty="0" err="1">
+                <a:ln>
+                  <a:noFill/>
+                </a:ln>
+                <a:solidFill>
+                  <a:srgbClr val="005999"/>
+                </a:solidFill>
+                <a:effectLst/>
+                <a:latin typeface="inherit"/>
+                <a:cs typeface="Arial" panose="020B0604020202020204" pitchFamily="34" charset="0"/>
+                <a:hlinkClick r:id="rId2"/>
+              </a:rPr>
+              <a:t>SourceControl</a:t>
+            </a:r>
+            <a:r>
+              <a:rPr kumimoji="0" lang="en-US" altLang="en-US" sz="1100" b="0" i="0" u="none" strike="noStrike" cap="none" normalizeH="0" baseline="0" dirty="0">
+                <a:ln>
+                  <a:noFill/>
+                </a:ln>
+                <a:solidFill>
+                  <a:srgbClr val="005999"/>
+                </a:solidFill>
+                <a:effectLst/>
+                <a:latin typeface="inherit"/>
+                <a:cs typeface="Arial" panose="020B0604020202020204" pitchFamily="34" charset="0"/>
+                <a:hlinkClick r:id="rId2"/>
+              </a:rPr>
+              <a:t>/</a:t>
+            </a:r>
+            <a:r>
+              <a:rPr kumimoji="0" lang="en-US" altLang="en-US" sz="1100" b="0" i="0" u="none" strike="noStrike" cap="none" normalizeH="0" baseline="0" dirty="0" err="1">
+                <a:ln>
+                  <a:noFill/>
+                </a:ln>
+                <a:solidFill>
+                  <a:srgbClr val="005999"/>
+                </a:solidFill>
+                <a:effectLst/>
+                <a:latin typeface="inherit"/>
+                <a:cs typeface="Arial" panose="020B0604020202020204" pitchFamily="34" charset="0"/>
+                <a:hlinkClick r:id="rId2"/>
+              </a:rPr>
+              <a:t>latest#Samples</a:t>
+            </a:r>
+            <a:r>
+              <a:rPr kumimoji="0" lang="en-US" altLang="en-US" sz="1100" b="0" i="0" u="none" strike="noStrike" cap="none" normalizeH="0" baseline="0" dirty="0">
+                <a:ln>
+                  <a:noFill/>
+                </a:ln>
+                <a:solidFill>
+                  <a:srgbClr val="005999"/>
+                </a:solidFill>
+                <a:effectLst/>
+                <a:latin typeface="inherit"/>
+                <a:cs typeface="Arial" panose="020B0604020202020204" pitchFamily="34" charset="0"/>
+                <a:hlinkClick r:id="rId2"/>
+              </a:rPr>
+              <a:t>/</a:t>
+            </a:r>
+            <a:r>
+              <a:rPr kumimoji="0" lang="en-US" altLang="en-US" sz="1100" b="0" i="0" u="none" strike="noStrike" cap="none" normalizeH="0" baseline="0" dirty="0" err="1">
+                <a:ln>
+                  <a:noFill/>
+                </a:ln>
+                <a:solidFill>
+                  <a:srgbClr val="005999"/>
+                </a:solidFill>
+                <a:effectLst/>
+                <a:latin typeface="inherit"/>
+                <a:cs typeface="Arial" panose="020B0604020202020204" pitchFamily="34" charset="0"/>
+                <a:hlinkClick r:id="rId2"/>
+              </a:rPr>
+              <a:t>WebApi</a:t>
+            </a:r>
+            <a:r>
+              <a:rPr kumimoji="0" lang="en-US" altLang="en-US" sz="1100" b="0" i="0" u="none" strike="noStrike" cap="none" normalizeH="0" baseline="0" dirty="0">
+                <a:ln>
+                  <a:noFill/>
+                </a:ln>
+                <a:solidFill>
+                  <a:srgbClr val="005999"/>
+                </a:solidFill>
+                <a:effectLst/>
+                <a:latin typeface="inherit"/>
+                <a:cs typeface="Arial" panose="020B0604020202020204" pitchFamily="34" charset="0"/>
+                <a:hlinkClick r:id="rId2"/>
+              </a:rPr>
+              <a:t>/</a:t>
+            </a:r>
+            <a:r>
+              <a:rPr kumimoji="0" lang="en-US" altLang="en-US" sz="1100" b="0" i="0" u="none" strike="noStrike" cap="none" normalizeH="0" baseline="0" dirty="0" err="1">
+                <a:ln>
+                  <a:noFill/>
+                </a:ln>
+                <a:solidFill>
+                  <a:srgbClr val="005999"/>
+                </a:solidFill>
+                <a:effectLst/>
+                <a:latin typeface="inherit"/>
+                <a:cs typeface="Arial" panose="020B0604020202020204" pitchFamily="34" charset="0"/>
+                <a:hlinkClick r:id="rId2"/>
+              </a:rPr>
+              <a:t>ControllerSpecificConfigSample</a:t>
+            </a:r>
+            <a:r>
+              <a:rPr kumimoji="0" lang="en-US" altLang="en-US" sz="1100" b="0" i="0" u="none" strike="noStrike" cap="none" normalizeH="0" baseline="0" dirty="0">
+                <a:ln>
+                  <a:noFill/>
+                </a:ln>
+                <a:solidFill>
+                  <a:srgbClr val="005999"/>
+                </a:solidFill>
+                <a:effectLst/>
+                <a:latin typeface="inherit"/>
+                <a:cs typeface="Arial" panose="020B0604020202020204" pitchFamily="34" charset="0"/>
+                <a:hlinkClick r:id="rId2"/>
+              </a:rPr>
+              <a:t>/ReadMe.txt</a:t>
+            </a:r>
+            <a:endParaRPr kumimoji="0" lang="en-US" altLang="en-US" sz="800" b="0" i="0" u="none" strike="noStrike" cap="none" normalizeH="0" baseline="0" dirty="0">
+              <a:ln>
+                <a:noFill/>
+              </a:ln>
+              <a:solidFill>
+                <a:schemeClr val="tx1"/>
+              </a:solidFill>
+              <a:effectLst/>
+            </a:endParaRPr>
+          </a:p>
+          <a:p>
+            <a:pPr marL="0" marR="0" lvl="0" indent="0" algn="l" defTabSz="914400" rtl="0" eaLnBrk="0" fontAlgn="base" latinLnBrk="0" hangingPunct="0">
+              <a:lnSpc>
+                <a:spcPct val="100000"/>
+              </a:lnSpc>
+              <a:spcBef>
+                <a:spcPct val="0"/>
+              </a:spcBef>
+              <a:spcAft>
+                <a:spcPct val="0"/>
+              </a:spcAft>
+              <a:buClrTx/>
+              <a:buSzTx/>
+              <a:buFontTx/>
+              <a:buNone/>
+              <a:tabLst/>
+            </a:pPr>
+            <a:br>
+              <a:rPr kumimoji="0" lang="en-US" altLang="en-US" sz="1800" b="0" i="0" u="none" strike="noStrike" cap="none" normalizeH="0" baseline="0" dirty="0">
+                <a:ln>
+                  <a:noFill/>
+                </a:ln>
+                <a:solidFill>
+                  <a:schemeClr val="tx1"/>
+                </a:solidFill>
+                <a:effectLst/>
+                <a:latin typeface="Arial" panose="020B0604020202020204" pitchFamily="34" charset="0"/>
+              </a:rPr>
+            </a:br>
+            <a:endParaRPr kumimoji="0" lang="en-US" altLang="en-US" sz="1800" b="0" i="0" u="none" strike="noStrike" cap="none" normalizeH="0" baseline="0" dirty="0">
+              <a:ln>
+                <a:noFill/>
+              </a:ln>
+              <a:solidFill>
+                <a:schemeClr val="tx1"/>
+              </a:solidFill>
+              <a:effectLst/>
+              <a:latin typeface="Arial" panose="020B0604020202020204" pitchFamily="34" charset="0"/>
+            </a:endParaRPr>
+          </a:p>
+        </p:txBody>
+      </p:sp>
+    </p:spTree>
+    <p:extLst>
+      <p:ext uri="{BB962C8B-B14F-4D97-AF65-F5344CB8AC3E}">
+        <p14:creationId xmlns:p14="http://schemas.microsoft.com/office/powerpoint/2010/main" val="1773433"/>
+      </p:ext>
+    </p:extLst>
+  </p:cSld>
+  <p:clrMapOvr>
+    <a:masterClrMapping/>
+  </p:clrMapOvr>
+</p:sld>
+</file>
+
+<file path=ppt/slides/slide31.xml><?xml version="1.0" encoding="utf-8"?>
 <p:sld xmlns:a="http://schemas.openxmlformats.org/drawingml/2006/main" xmlns:r="http://schemas.openxmlformats.org/officeDocument/2006/relationships" xmlns:p="http://schemas.openxmlformats.org/presentationml/2006/main">
   <p:cSld>
     <p:spTree>
@@ -7986,273 +8503,37 @@
       </p:grpSpPr>
       <p:sp>
         <p:nvSpPr>
-          <p:cNvPr id="2" name="Title 1"/>
-          <p:cNvSpPr>
-            <a:spLocks noGrp="1"/>
-          </p:cNvSpPr>
-          <p:nvPr>
-            <p:ph type="title"/>
-          </p:nvPr>
-        </p:nvSpPr>
-        <p:spPr/>
-        <p:txBody>
-          <a:bodyPr/>
-          <a:lstStyle/>
-          <a:p>
-            <a:r>
-              <a:rPr lang="en-US" dirty="0"/>
-              <a:t> </a:t>
-            </a:r>
-            <a:r>
-              <a:rPr lang="en-US" dirty="0"/>
-              <a:t>HTTP MESSAGE HANDLERS</a:t>
-            </a:r>
-            <a:endParaRPr lang="en-US" dirty="0"/>
-          </a:p>
-        </p:txBody>
-      </p:sp>
-      <p:sp>
-        <p:nvSpPr>
-          <p:cNvPr id="5" name="TextBox 4"/>
-          <p:cNvSpPr txBox="1"/>
+          <p:cNvPr id="4" name="Rectangle 3"/>
+          <p:cNvSpPr/>
           <p:nvPr/>
         </p:nvSpPr>
         <p:spPr>
           <a:xfrm>
-            <a:off x="1455438" y="694159"/>
-            <a:ext cx="10510576" cy="6124754"/>
+            <a:off x="2633973" y="2641433"/>
+            <a:ext cx="7865166" cy="923330"/>
           </a:xfrm>
           <a:prstGeom prst="rect">
             <a:avLst/>
           </a:prstGeom>
-          <a:noFill/>
         </p:spPr>
         <p:txBody>
-          <a:bodyPr wrap="square" rtlCol="0">
+          <a:bodyPr wrap="none">
             <a:spAutoFit/>
           </a:bodyPr>
           <a:lstStyle/>
           <a:p>
             <a:r>
-              <a:rPr lang="en-US" sz="2800" b="1" dirty="0"/>
-              <a:t>What we have to know?</a:t>
-            </a:r>
-          </a:p>
-          <a:p>
-            <a:pPr marL="342900" indent="-342900">
-              <a:buAutoNum type="arabicPeriod"/>
-            </a:pPr>
-            <a:endParaRPr lang="en-US" sz="2400" dirty="0"/>
-          </a:p>
-          <a:p>
-            <a:pPr marL="342900" indent="-342900">
-              <a:buAutoNum type="arabicPeriod"/>
-            </a:pPr>
-            <a:endParaRPr lang="en-US" sz="2400" dirty="0"/>
-          </a:p>
-          <a:p>
-            <a:pPr marL="342900" indent="-342900">
-              <a:buAutoNum type="arabicPeriod"/>
-            </a:pPr>
-            <a:r>
-              <a:rPr lang="en-US" sz="2400" dirty="0"/>
-              <a:t>They are the first stage in the process </a:t>
-            </a:r>
-            <a:r>
-              <a:rPr lang="en-US" sz="2400" dirty="0" err="1"/>
-              <a:t>pipline</a:t>
-            </a:r>
-            <a:r>
-              <a:rPr lang="en-US" sz="2400" dirty="0"/>
-              <a:t>.</a:t>
-            </a:r>
-          </a:p>
-          <a:p>
-            <a:pPr marL="342900" indent="-342900">
-              <a:buAutoNum type="arabicPeriod"/>
-            </a:pPr>
-            <a:endParaRPr lang="en-US" sz="2400" dirty="0"/>
-          </a:p>
-          <a:p>
-            <a:pPr marL="342900" indent="-342900">
-              <a:buAutoNum type="arabicPeriod"/>
-            </a:pPr>
-            <a:r>
-              <a:rPr lang="en-US" sz="2400" dirty="0"/>
-              <a:t>They process the HTTP Request Message and return HTTP Response Message. </a:t>
-            </a:r>
-          </a:p>
-          <a:p>
-            <a:pPr marL="342900" indent="-342900">
-              <a:buAutoNum type="arabicPeriod"/>
-            </a:pPr>
-            <a:endParaRPr lang="en-US" sz="2400" dirty="0"/>
-          </a:p>
-          <a:p>
-            <a:pPr marL="342900" indent="-342900">
-              <a:buAutoNum type="arabicPeriod"/>
-            </a:pPr>
-            <a:r>
-              <a:rPr lang="en-US" sz="2400" dirty="0"/>
-              <a:t>To create </a:t>
-            </a:r>
-            <a:r>
-              <a:rPr lang="en-US" sz="2400" dirty="0">
-                <a:solidFill>
-                  <a:schemeClr val="accent1">
-                    <a:lumMod val="60000"/>
-                    <a:lumOff val="40000"/>
-                  </a:schemeClr>
-                </a:solidFill>
-              </a:rPr>
-              <a:t>Custom Message Handler</a:t>
-            </a:r>
-            <a:r>
-              <a:rPr lang="en-US" sz="2400" dirty="0"/>
-              <a:t> derive from </a:t>
-            </a:r>
-            <a:r>
-              <a:rPr lang="en-US" sz="2400" dirty="0" err="1">
-                <a:solidFill>
-                  <a:schemeClr val="accent1">
-                    <a:lumMod val="60000"/>
-                    <a:lumOff val="40000"/>
-                  </a:schemeClr>
-                </a:solidFill>
-                <a:latin typeface="Consolas" panose="020B0609020204030204" pitchFamily="49" charset="0"/>
-              </a:rPr>
-              <a:t>DelegatingHandler</a:t>
-            </a:r>
-            <a:r>
-              <a:rPr lang="en-US" sz="2400" dirty="0"/>
-              <a:t> or </a:t>
-            </a:r>
-            <a:r>
-              <a:rPr lang="en-US" sz="2400" dirty="0" err="1">
-                <a:solidFill>
-                  <a:schemeClr val="accent1">
-                    <a:lumMod val="60000"/>
-                    <a:lumOff val="40000"/>
-                  </a:schemeClr>
-                </a:solidFill>
-                <a:latin typeface="Consolas" panose="020B0609020204030204" pitchFamily="49" charset="0"/>
-              </a:rPr>
-              <a:t>HttpMessageHandler</a:t>
-            </a:r>
-            <a:r>
-              <a:rPr lang="en-US" sz="2400" dirty="0">
-                <a:solidFill>
-                  <a:schemeClr val="accent1">
-                    <a:lumMod val="60000"/>
-                    <a:lumOff val="40000"/>
-                  </a:schemeClr>
-                </a:solidFill>
-                <a:latin typeface="Consolas" panose="020B0609020204030204" pitchFamily="49" charset="0"/>
-              </a:rPr>
-              <a:t> </a:t>
-            </a:r>
-            <a:r>
-              <a:rPr lang="en-US" sz="2400" dirty="0">
-                <a:latin typeface="Consolas" panose="020B0609020204030204" pitchFamily="49" charset="0"/>
-              </a:rPr>
-              <a:t>and register it in </a:t>
-            </a:r>
-            <a:r>
-              <a:rPr lang="en-US" sz="2400" dirty="0" err="1">
-                <a:solidFill>
-                  <a:schemeClr val="accent1">
-                    <a:lumMod val="60000"/>
-                    <a:lumOff val="40000"/>
-                  </a:schemeClr>
-                </a:solidFill>
-                <a:latin typeface="Consolas" panose="020B0609020204030204" pitchFamily="49" charset="0"/>
-              </a:rPr>
-              <a:t>HttpConfiguration</a:t>
-            </a:r>
-            <a:r>
-              <a:rPr lang="en-US" sz="2400" dirty="0">
-                <a:latin typeface="Consolas" panose="020B0609020204030204" pitchFamily="49" charset="0"/>
-              </a:rPr>
-              <a:t>.</a:t>
-            </a:r>
-          </a:p>
-          <a:p>
-            <a:pPr marL="342900" indent="-342900">
-              <a:buAutoNum type="arabicPeriod"/>
-            </a:pPr>
-            <a:endParaRPr lang="en-US" sz="2400" dirty="0">
-              <a:solidFill>
-                <a:schemeClr val="accent1">
-                  <a:lumMod val="60000"/>
-                  <a:lumOff val="40000"/>
-                </a:schemeClr>
-              </a:solidFill>
-              <a:latin typeface="Consolas" panose="020B0609020204030204" pitchFamily="49" charset="0"/>
-            </a:endParaRPr>
-          </a:p>
-          <a:p>
-            <a:pPr marL="342900" indent="-342900">
-              <a:buAutoNum type="arabicPeriod"/>
-            </a:pPr>
-            <a:r>
-              <a:rPr lang="en-US" sz="2400" dirty="0"/>
-              <a:t>Can be global or per route.</a:t>
-            </a:r>
-          </a:p>
-          <a:p>
-            <a:pPr marL="342900" indent="-342900">
-              <a:buAutoNum type="arabicPeriod"/>
-            </a:pPr>
-            <a:endParaRPr lang="en-US" sz="2400" dirty="0"/>
-          </a:p>
-          <a:p>
-            <a:pPr marL="342900" indent="-342900">
-              <a:buAutoNum type="arabicPeriod"/>
-            </a:pPr>
-            <a:r>
-              <a:rPr lang="en-US" sz="2400" dirty="0"/>
-              <a:t>Can dispatch the request to the next handler or return a response and skip the rest of the pipeline.</a:t>
-            </a:r>
-          </a:p>
-          <a:p>
-            <a:pPr marL="342900" indent="-342900">
-              <a:buAutoNum type="arabicPeriod"/>
-            </a:pPr>
-            <a:endParaRPr lang="en-US" sz="2400" dirty="0"/>
-          </a:p>
-          <a:p>
-            <a:pPr algn="r"/>
-            <a:r>
-              <a:rPr lang="en-US" sz="2400" dirty="0">
-                <a:solidFill>
-                  <a:schemeClr val="accent5"/>
-                </a:solidFill>
-              </a:rPr>
-              <a:t>Demo “02. </a:t>
-            </a:r>
-            <a:r>
-              <a:rPr lang="en-US" sz="2400" dirty="0" err="1">
-                <a:solidFill>
-                  <a:schemeClr val="accent5"/>
-                </a:solidFill>
-              </a:rPr>
-              <a:t>DelegatingHandlers</a:t>
-            </a:r>
-            <a:r>
-              <a:rPr lang="en-US" sz="2400" dirty="0">
-                <a:solidFill>
-                  <a:schemeClr val="accent5"/>
-                </a:solidFill>
-              </a:rPr>
-              <a:t>”</a:t>
-            </a:r>
+              <a:rPr lang="en-US" sz="5400" b="1" dirty="0"/>
+              <a:t>HTTP MESSAGE HANDLERS</a:t>
+            </a:r>
+            <a:endParaRPr lang="en-US" sz="5400" dirty="0"/>
           </a:p>
         </p:txBody>
       </p:sp>
     </p:spTree>
     <p:extLst>
       <p:ext uri="{BB962C8B-B14F-4D97-AF65-F5344CB8AC3E}">
-        <p14:creationId xmlns:p14="http://schemas.microsoft.com/office/powerpoint/2010/main" val="1524299299"/>
+        <p14:creationId xmlns:p14="http://schemas.microsoft.com/office/powerpoint/2010/main" val="1386884726"/>
       </p:ext>
     </p:extLst>
   </p:cSld>
@@ -8296,1173 +8577,191 @@
           <a:p>
             <a:r>
               <a:rPr lang="en-US" dirty="0"/>
-              <a:t> </a:t>
-            </a:r>
-            <a:r>
-              <a:rPr lang="en-US" dirty="0"/>
-              <a:t>HTTP MESSAGE HANDLERS</a:t>
-            </a:r>
-            <a:endParaRPr lang="en-US" dirty="0"/>
-          </a:p>
-        </p:txBody>
-      </p:sp>
-      <p:sp>
-        <p:nvSpPr>
-          <p:cNvPr id="6" name="Rectangle 5"/>
-          <p:cNvSpPr/>
+              <a:t> HTTP MESSAGE HANDLERS</a:t>
+            </a:r>
+          </a:p>
+        </p:txBody>
+      </p:sp>
+      <p:sp>
+        <p:nvSpPr>
+          <p:cNvPr id="5" name="TextBox 4"/>
+          <p:cNvSpPr txBox="1"/>
           <p:nvPr/>
         </p:nvSpPr>
         <p:spPr>
           <a:xfrm>
-            <a:off x="2914649" y="1262093"/>
-            <a:ext cx="7477126" cy="2800767"/>
+            <a:off x="1455438" y="694159"/>
+            <a:ext cx="10510576" cy="5693866"/>
           </a:xfrm>
           <a:prstGeom prst="rect">
             <a:avLst/>
           </a:prstGeom>
-          <a:solidFill>
-            <a:schemeClr val="tx1"/>
-          </a:solidFill>
+          <a:noFill/>
         </p:spPr>
         <p:txBody>
-          <a:bodyPr wrap="square">
+          <a:bodyPr wrap="square" rtlCol="0">
             <a:spAutoFit/>
           </a:bodyPr>
           <a:lstStyle/>
           <a:p>
             <a:r>
-              <a:rPr lang="en-US" sz="1600" dirty="0">
-                <a:solidFill>
-                  <a:srgbClr val="569CD6"/>
-                </a:solidFill>
-                <a:latin typeface="Consolas" panose="020B0609020204030204" pitchFamily="49" charset="0"/>
-              </a:rPr>
-              <a:t>public</a:t>
-            </a:r>
-            <a:r>
-              <a:rPr lang="en-US" sz="1600" dirty="0">
-                <a:solidFill>
-                  <a:srgbClr val="D4D4D4"/>
-                </a:solidFill>
-                <a:latin typeface="Consolas" panose="020B0609020204030204" pitchFamily="49" charset="0"/>
-              </a:rPr>
+              <a:rPr lang="en-US" sz="2800" b="1" dirty="0"/>
+              <a:t>What we have to know?</a:t>
+            </a:r>
+          </a:p>
+          <a:p>
+            <a:pPr marL="342900" indent="-342900">
+              <a:buAutoNum type="arabicPeriod"/>
+            </a:pPr>
+            <a:endParaRPr lang="en-US" sz="2400" dirty="0"/>
+          </a:p>
+          <a:p>
+            <a:pPr marL="342900" indent="-342900">
+              <a:buAutoNum type="arabicPeriod"/>
+            </a:pPr>
+            <a:endParaRPr lang="en-US" sz="2400" dirty="0"/>
+          </a:p>
+          <a:p>
+            <a:pPr marL="342900" indent="-342900">
+              <a:buAutoNum type="arabicPeriod"/>
+            </a:pPr>
+            <a:r>
+              <a:rPr lang="en-US" sz="2400" dirty="0"/>
+              <a:t>They are the first stage in the process pipeline.</a:t>
+            </a:r>
+          </a:p>
+          <a:p>
+            <a:pPr marL="342900" indent="-342900">
+              <a:buAutoNum type="arabicPeriod"/>
+            </a:pPr>
+            <a:endParaRPr lang="en-US" sz="2400" dirty="0"/>
+          </a:p>
+          <a:p>
+            <a:pPr marL="342900" indent="-342900">
+              <a:buAutoNum type="arabicPeriod"/>
+            </a:pPr>
+            <a:r>
+              <a:rPr lang="en-US" sz="2400" dirty="0"/>
+              <a:t>They process the HTTP Request Message and return HTTP Response Message. </a:t>
+            </a:r>
+          </a:p>
+          <a:p>
+            <a:pPr marL="342900" indent="-342900">
+              <a:buAutoNum type="arabicPeriod"/>
+            </a:pPr>
+            <a:endParaRPr lang="en-US" sz="2400" dirty="0"/>
+          </a:p>
+          <a:p>
+            <a:pPr marL="342900" indent="-342900">
+              <a:buAutoNum type="arabicPeriod"/>
+            </a:pPr>
+            <a:r>
+              <a:rPr lang="en-US" sz="2400" dirty="0"/>
+              <a:t>To create </a:t>
+            </a:r>
+            <a:r>
+              <a:rPr lang="en-US" sz="2400" dirty="0">
+                <a:solidFill>
+                  <a:schemeClr val="accent1">
+                    <a:lumMod val="60000"/>
+                    <a:lumOff val="40000"/>
+                  </a:schemeClr>
+                </a:solidFill>
+              </a:rPr>
+              <a:t>Custom Message Handler</a:t>
+            </a:r>
+            <a:r>
+              <a:rPr lang="en-US" sz="2400" dirty="0"/>
+              <a:t> derive from </a:t>
+            </a:r>
+            <a:r>
+              <a:rPr lang="en-US" sz="2400" dirty="0" err="1">
+                <a:solidFill>
+                  <a:schemeClr val="accent1">
+                    <a:lumMod val="60000"/>
+                    <a:lumOff val="40000"/>
+                  </a:schemeClr>
+                </a:solidFill>
+                <a:latin typeface="Consolas" panose="020B0609020204030204" pitchFamily="49" charset="0"/>
+              </a:rPr>
+              <a:t>DelegatingHandler</a:t>
+            </a:r>
+            <a:r>
+              <a:rPr lang="en-US" sz="2400" dirty="0"/>
               <a:t> </a:t>
             </a:r>
             <a:r>
-              <a:rPr lang="en-US" sz="1600" dirty="0">
-                <a:solidFill>
-                  <a:srgbClr val="569CD6"/>
-                </a:solidFill>
-                <a:latin typeface="Consolas" panose="020B0609020204030204" pitchFamily="49" charset="0"/>
-              </a:rPr>
-              <a:t>abstract</a:t>
-            </a:r>
-            <a:r>
-              <a:rPr lang="en-US" sz="1600" dirty="0">
-                <a:solidFill>
-                  <a:srgbClr val="D4D4D4"/>
-                </a:solidFill>
-                <a:latin typeface="Consolas" panose="020B0609020204030204" pitchFamily="49" charset="0"/>
-              </a:rPr>
-              <a:t> </a:t>
-            </a:r>
-            <a:r>
-              <a:rPr lang="en-US" sz="1600" dirty="0">
-                <a:solidFill>
-                  <a:srgbClr val="569CD6"/>
-                </a:solidFill>
-                <a:latin typeface="Consolas" panose="020B0609020204030204" pitchFamily="49" charset="0"/>
-              </a:rPr>
-              <a:t>class</a:t>
-            </a:r>
-            <a:r>
-              <a:rPr lang="en-US" sz="1600" dirty="0">
-                <a:solidFill>
-                  <a:srgbClr val="D4D4D4"/>
-                </a:solidFill>
-                <a:latin typeface="Consolas" panose="020B0609020204030204" pitchFamily="49" charset="0"/>
-              </a:rPr>
-              <a:t> </a:t>
-            </a:r>
-            <a:r>
-              <a:rPr lang="en-US" sz="1600" dirty="0" err="1">
-                <a:solidFill>
-                  <a:srgbClr val="4EC9B0"/>
-                </a:solidFill>
-                <a:latin typeface="Consolas" panose="020B0609020204030204" pitchFamily="49" charset="0"/>
-              </a:rPr>
-              <a:t>DelegatingHandler</a:t>
-            </a:r>
-            <a:r>
-              <a:rPr lang="en-US" sz="1600" dirty="0">
-                <a:solidFill>
-                  <a:srgbClr val="D4D4D4"/>
-                </a:solidFill>
-                <a:latin typeface="Consolas" panose="020B0609020204030204" pitchFamily="49" charset="0"/>
-              </a:rPr>
-              <a:t> : </a:t>
-            </a:r>
-            <a:r>
-              <a:rPr lang="en-US" sz="1600" dirty="0" err="1">
-                <a:solidFill>
-                  <a:srgbClr val="4EC9B0"/>
-                </a:solidFill>
-                <a:latin typeface="Consolas" panose="020B0609020204030204" pitchFamily="49" charset="0"/>
-              </a:rPr>
-              <a:t>HttpMessageHandler</a:t>
-            </a:r>
-            <a:endParaRPr lang="en-US" sz="1600" dirty="0">
+              <a:rPr lang="en-US" sz="2400" dirty="0">
+                <a:latin typeface="Consolas" panose="020B0609020204030204" pitchFamily="49" charset="0"/>
+              </a:rPr>
+              <a:t>and register it in </a:t>
+            </a:r>
+            <a:r>
+              <a:rPr lang="en-US" sz="2400" dirty="0" err="1">
+                <a:solidFill>
+                  <a:schemeClr val="accent1">
+                    <a:lumMod val="60000"/>
+                    <a:lumOff val="40000"/>
+                  </a:schemeClr>
+                </a:solidFill>
+                <a:latin typeface="Consolas" panose="020B0609020204030204" pitchFamily="49" charset="0"/>
+              </a:rPr>
+              <a:t>HttpConfiguration</a:t>
+            </a:r>
+            <a:r>
+              <a:rPr lang="en-US" sz="2400" dirty="0">
+                <a:latin typeface="Consolas" panose="020B0609020204030204" pitchFamily="49" charset="0"/>
+              </a:rPr>
+              <a:t>.</a:t>
+            </a:r>
+          </a:p>
+          <a:p>
+            <a:pPr marL="342900" indent="-342900">
+              <a:buAutoNum type="arabicPeriod"/>
+            </a:pPr>
+            <a:endParaRPr lang="en-US" sz="2400" dirty="0">
               <a:solidFill>
-                <a:srgbClr val="D4D4D4"/>
+                <a:schemeClr val="accent1">
+                  <a:lumMod val="60000"/>
+                  <a:lumOff val="40000"/>
+                </a:schemeClr>
               </a:solidFill>
               <a:latin typeface="Consolas" panose="020B0609020204030204" pitchFamily="49" charset="0"/>
             </a:endParaRPr>
           </a:p>
           <a:p>
-            <a:r>
-              <a:rPr lang="en-US" sz="1600" dirty="0">
-                <a:solidFill>
-                  <a:srgbClr val="D4D4D4"/>
-                </a:solidFill>
-                <a:latin typeface="Consolas" panose="020B0609020204030204" pitchFamily="49" charset="0"/>
-              </a:rPr>
-              <a:t>{</a:t>
-            </a:r>
-          </a:p>
-          <a:p>
-            <a:r>
-              <a:rPr lang="en-US" sz="1600" dirty="0">
-                <a:solidFill>
-                  <a:srgbClr val="569CD6"/>
-                </a:solidFill>
-                <a:latin typeface="Consolas" panose="020B0609020204030204" pitchFamily="49" charset="0"/>
-              </a:rPr>
-              <a:t>protected</a:t>
-            </a:r>
-            <a:r>
-              <a:rPr lang="en-US" sz="1600" dirty="0">
-                <a:solidFill>
-                  <a:srgbClr val="D4D4D4"/>
-                </a:solidFill>
-                <a:latin typeface="Consolas" panose="020B0609020204030204" pitchFamily="49" charset="0"/>
-              </a:rPr>
-              <a:t> </a:t>
-            </a:r>
-            <a:r>
-              <a:rPr lang="en-US" sz="1600" dirty="0" err="1">
-                <a:solidFill>
-                  <a:srgbClr val="DCDCAA"/>
-                </a:solidFill>
-                <a:latin typeface="Consolas" panose="020B0609020204030204" pitchFamily="49" charset="0"/>
-              </a:rPr>
-              <a:t>DelegatingHandler</a:t>
-            </a:r>
-            <a:r>
-              <a:rPr lang="en-US" sz="1600" dirty="0">
-                <a:solidFill>
-                  <a:srgbClr val="D4D4D4"/>
-                </a:solidFill>
-                <a:latin typeface="Consolas" panose="020B0609020204030204" pitchFamily="49" charset="0"/>
-              </a:rPr>
-              <a:t>();</a:t>
-            </a:r>
-          </a:p>
-          <a:p>
-            <a:r>
-              <a:rPr lang="en-US" sz="1600" dirty="0">
-                <a:solidFill>
-                  <a:srgbClr val="569CD6"/>
-                </a:solidFill>
-                <a:latin typeface="Consolas" panose="020B0609020204030204" pitchFamily="49" charset="0"/>
-              </a:rPr>
-              <a:t>protected</a:t>
-            </a:r>
-            <a:r>
-              <a:rPr lang="en-US" sz="1600" dirty="0">
-                <a:solidFill>
-                  <a:srgbClr val="D4D4D4"/>
-                </a:solidFill>
-                <a:latin typeface="Consolas" panose="020B0609020204030204" pitchFamily="49" charset="0"/>
-              </a:rPr>
-              <a:t> </a:t>
-            </a:r>
-            <a:r>
-              <a:rPr lang="en-US" sz="1600" dirty="0" err="1">
-                <a:solidFill>
-                  <a:srgbClr val="DCDCAA"/>
-                </a:solidFill>
-                <a:latin typeface="Consolas" panose="020B0609020204030204" pitchFamily="49" charset="0"/>
-              </a:rPr>
-              <a:t>DelegatingHandler</a:t>
-            </a:r>
-            <a:r>
-              <a:rPr lang="en-US" sz="1600" dirty="0">
-                <a:solidFill>
-                  <a:srgbClr val="D4D4D4"/>
-                </a:solidFill>
-                <a:latin typeface="Consolas" panose="020B0609020204030204" pitchFamily="49" charset="0"/>
-              </a:rPr>
-              <a:t>(</a:t>
-            </a:r>
-            <a:r>
-              <a:rPr lang="en-US" sz="1600" dirty="0" err="1">
-                <a:solidFill>
-                  <a:srgbClr val="4EC9B0"/>
-                </a:solidFill>
-                <a:latin typeface="Consolas" panose="020B0609020204030204" pitchFamily="49" charset="0"/>
-              </a:rPr>
-              <a:t>HttpMessageHandler</a:t>
-            </a:r>
-            <a:r>
-              <a:rPr lang="en-US" sz="1600" dirty="0">
-                <a:solidFill>
-                  <a:srgbClr val="D4D4D4"/>
-                </a:solidFill>
-                <a:latin typeface="Consolas" panose="020B0609020204030204" pitchFamily="49" charset="0"/>
-              </a:rPr>
-              <a:t> </a:t>
-            </a:r>
-            <a:r>
-              <a:rPr lang="en-US" sz="1600" dirty="0" err="1">
-                <a:solidFill>
-                  <a:srgbClr val="D4D4D4"/>
-                </a:solidFill>
-                <a:latin typeface="Consolas" panose="020B0609020204030204" pitchFamily="49" charset="0"/>
-              </a:rPr>
-              <a:t>innerHandler</a:t>
-            </a:r>
-            <a:r>
-              <a:rPr lang="en-US" sz="1600" dirty="0">
-                <a:solidFill>
-                  <a:srgbClr val="D4D4D4"/>
-                </a:solidFill>
-                <a:latin typeface="Consolas" panose="020B0609020204030204" pitchFamily="49" charset="0"/>
-              </a:rPr>
-              <a:t>); </a:t>
-            </a:r>
-          </a:p>
-          <a:p>
-            <a:r>
-              <a:rPr lang="en-US" sz="1600" dirty="0">
-                <a:solidFill>
-                  <a:srgbClr val="569CD6"/>
-                </a:solidFill>
-                <a:latin typeface="Consolas" panose="020B0609020204030204" pitchFamily="49" charset="0"/>
-              </a:rPr>
-              <a:t>public</a:t>
-            </a:r>
-            <a:r>
-              <a:rPr lang="en-US" sz="1600" dirty="0">
-                <a:solidFill>
-                  <a:srgbClr val="D4D4D4"/>
-                </a:solidFill>
-                <a:latin typeface="Consolas" panose="020B0609020204030204" pitchFamily="49" charset="0"/>
-              </a:rPr>
-              <a:t> </a:t>
-            </a:r>
-            <a:r>
-              <a:rPr lang="en-US" sz="1600" dirty="0" err="1">
-                <a:solidFill>
-                  <a:srgbClr val="4EC9B0"/>
-                </a:solidFill>
-                <a:latin typeface="Consolas" panose="020B0609020204030204" pitchFamily="49" charset="0"/>
-              </a:rPr>
-              <a:t>HttpMessageHandler</a:t>
-            </a:r>
-            <a:r>
-              <a:rPr lang="en-US" sz="1600" dirty="0">
-                <a:solidFill>
-                  <a:srgbClr val="D4D4D4"/>
-                </a:solidFill>
-                <a:latin typeface="Consolas" panose="020B0609020204030204" pitchFamily="49" charset="0"/>
-              </a:rPr>
-              <a:t> </a:t>
-            </a:r>
-            <a:r>
-              <a:rPr lang="en-US" sz="1600" dirty="0" err="1">
-                <a:solidFill>
-                  <a:srgbClr val="D4D4D4"/>
-                </a:solidFill>
-                <a:latin typeface="Consolas" panose="020B0609020204030204" pitchFamily="49" charset="0"/>
-              </a:rPr>
-              <a:t>InnerHandler</a:t>
-            </a:r>
-            <a:r>
-              <a:rPr lang="en-US" sz="1600" dirty="0">
-                <a:solidFill>
-                  <a:srgbClr val="D4D4D4"/>
-                </a:solidFill>
-                <a:latin typeface="Consolas" panose="020B0609020204030204" pitchFamily="49" charset="0"/>
-              </a:rPr>
-              <a:t> { </a:t>
-            </a:r>
-            <a:r>
-              <a:rPr lang="en-US" sz="1600" dirty="0">
-                <a:solidFill>
-                  <a:srgbClr val="569CD6"/>
-                </a:solidFill>
-                <a:latin typeface="Consolas" panose="020B0609020204030204" pitchFamily="49" charset="0"/>
-              </a:rPr>
-              <a:t>get</a:t>
-            </a:r>
-            <a:r>
-              <a:rPr lang="en-US" sz="1600" dirty="0">
-                <a:solidFill>
-                  <a:srgbClr val="D4D4D4"/>
-                </a:solidFill>
-                <a:latin typeface="Consolas" panose="020B0609020204030204" pitchFamily="49" charset="0"/>
-              </a:rPr>
-              <a:t>; </a:t>
-            </a:r>
-            <a:r>
-              <a:rPr lang="en-US" sz="1600" dirty="0">
-                <a:solidFill>
-                  <a:srgbClr val="569CD6"/>
-                </a:solidFill>
-                <a:latin typeface="Consolas" panose="020B0609020204030204" pitchFamily="49" charset="0"/>
-              </a:rPr>
-              <a:t>set</a:t>
-            </a:r>
-            <a:r>
-              <a:rPr lang="en-US" sz="1600" dirty="0">
-                <a:solidFill>
-                  <a:srgbClr val="D4D4D4"/>
-                </a:solidFill>
-                <a:latin typeface="Consolas" panose="020B0609020204030204" pitchFamily="49" charset="0"/>
-              </a:rPr>
-              <a:t>; } </a:t>
-            </a:r>
-          </a:p>
-          <a:p>
-            <a:r>
-              <a:rPr lang="en-US" sz="1600" dirty="0">
-                <a:solidFill>
-                  <a:srgbClr val="569CD6"/>
-                </a:solidFill>
-                <a:latin typeface="Consolas" panose="020B0609020204030204" pitchFamily="49" charset="0"/>
-              </a:rPr>
-              <a:t>protected</a:t>
-            </a:r>
-            <a:r>
-              <a:rPr lang="en-US" sz="1600" dirty="0">
-                <a:solidFill>
-                  <a:srgbClr val="D4D4D4"/>
-                </a:solidFill>
-                <a:latin typeface="Consolas" panose="020B0609020204030204" pitchFamily="49" charset="0"/>
-              </a:rPr>
-              <a:t> </a:t>
-            </a:r>
-            <a:r>
-              <a:rPr lang="en-US" sz="1600" dirty="0">
-                <a:solidFill>
-                  <a:srgbClr val="569CD6"/>
-                </a:solidFill>
-                <a:latin typeface="Consolas" panose="020B0609020204030204" pitchFamily="49" charset="0"/>
-              </a:rPr>
-              <a:t>override</a:t>
-            </a:r>
-            <a:r>
-              <a:rPr lang="en-US" sz="1600" dirty="0">
-                <a:solidFill>
-                  <a:srgbClr val="D4D4D4"/>
-                </a:solidFill>
-                <a:latin typeface="Consolas" panose="020B0609020204030204" pitchFamily="49" charset="0"/>
-              </a:rPr>
-              <a:t> </a:t>
-            </a:r>
-            <a:r>
-              <a:rPr lang="en-US" sz="1600" dirty="0">
-                <a:solidFill>
-                  <a:srgbClr val="569CD6"/>
-                </a:solidFill>
-                <a:latin typeface="Consolas" panose="020B0609020204030204" pitchFamily="49" charset="0"/>
-              </a:rPr>
-              <a:t>void</a:t>
-            </a:r>
-            <a:r>
-              <a:rPr lang="en-US" sz="1600" dirty="0">
-                <a:solidFill>
-                  <a:srgbClr val="D4D4D4"/>
-                </a:solidFill>
-                <a:latin typeface="Consolas" panose="020B0609020204030204" pitchFamily="49" charset="0"/>
-              </a:rPr>
-              <a:t> </a:t>
-            </a:r>
-            <a:r>
-              <a:rPr lang="en-US" sz="1600" dirty="0">
-                <a:solidFill>
-                  <a:srgbClr val="DCDCAA"/>
-                </a:solidFill>
-                <a:latin typeface="Consolas" panose="020B0609020204030204" pitchFamily="49" charset="0"/>
-              </a:rPr>
-              <a:t>Dispose</a:t>
-            </a:r>
-            <a:r>
-              <a:rPr lang="en-US" sz="1600" dirty="0">
-                <a:solidFill>
-                  <a:srgbClr val="D4D4D4"/>
-                </a:solidFill>
-                <a:latin typeface="Consolas" panose="020B0609020204030204" pitchFamily="49" charset="0"/>
-              </a:rPr>
-              <a:t>(</a:t>
-            </a:r>
-            <a:r>
-              <a:rPr lang="en-US" sz="1600" dirty="0">
-                <a:solidFill>
-                  <a:srgbClr val="569CD6"/>
-                </a:solidFill>
-                <a:latin typeface="Consolas" panose="020B0609020204030204" pitchFamily="49" charset="0"/>
-              </a:rPr>
-              <a:t>bool</a:t>
-            </a:r>
-            <a:r>
-              <a:rPr lang="en-US" sz="1600" dirty="0">
-                <a:solidFill>
-                  <a:srgbClr val="D4D4D4"/>
-                </a:solidFill>
-                <a:latin typeface="Consolas" panose="020B0609020204030204" pitchFamily="49" charset="0"/>
-              </a:rPr>
-              <a:t> disposing); </a:t>
-            </a:r>
-          </a:p>
-          <a:p>
-            <a:r>
-              <a:rPr lang="en-US" sz="1600" dirty="0">
-                <a:solidFill>
-                  <a:srgbClr val="569CD6"/>
-                </a:solidFill>
-                <a:latin typeface="Consolas" panose="020B0609020204030204" pitchFamily="49" charset="0"/>
-              </a:rPr>
-              <a:t>protected</a:t>
-            </a:r>
-            <a:r>
-              <a:rPr lang="en-US" sz="1600" dirty="0">
-                <a:solidFill>
-                  <a:srgbClr val="D4D4D4"/>
-                </a:solidFill>
-                <a:latin typeface="Consolas" panose="020B0609020204030204" pitchFamily="49" charset="0"/>
-              </a:rPr>
-              <a:t> </a:t>
-            </a:r>
-            <a:r>
-              <a:rPr lang="en-US" sz="1600" dirty="0">
-                <a:solidFill>
-                  <a:srgbClr val="569CD6"/>
-                </a:solidFill>
-                <a:latin typeface="Consolas" panose="020B0609020204030204" pitchFamily="49" charset="0"/>
-              </a:rPr>
-              <a:t>internal</a:t>
-            </a:r>
-            <a:r>
-              <a:rPr lang="en-US" sz="1600" dirty="0">
-                <a:solidFill>
-                  <a:srgbClr val="D4D4D4"/>
-                </a:solidFill>
-                <a:latin typeface="Consolas" panose="020B0609020204030204" pitchFamily="49" charset="0"/>
-              </a:rPr>
-              <a:t> </a:t>
-            </a:r>
-            <a:r>
-              <a:rPr lang="en-US" sz="1600" dirty="0">
-                <a:solidFill>
-                  <a:srgbClr val="569CD6"/>
-                </a:solidFill>
-                <a:latin typeface="Consolas" panose="020B0609020204030204" pitchFamily="49" charset="0"/>
-              </a:rPr>
-              <a:t>override</a:t>
-            </a:r>
-            <a:r>
-              <a:rPr lang="en-US" sz="1600" dirty="0">
-                <a:solidFill>
-                  <a:srgbClr val="D4D4D4"/>
-                </a:solidFill>
-                <a:latin typeface="Consolas" panose="020B0609020204030204" pitchFamily="49" charset="0"/>
-              </a:rPr>
-              <a:t> </a:t>
-            </a:r>
-            <a:r>
-              <a:rPr lang="en-US" sz="1600" dirty="0">
-                <a:solidFill>
-                  <a:srgbClr val="4EC9B0"/>
-                </a:solidFill>
-                <a:latin typeface="Consolas" panose="020B0609020204030204" pitchFamily="49" charset="0"/>
-              </a:rPr>
-              <a:t>Task</a:t>
-            </a:r>
-            <a:r>
-              <a:rPr lang="en-US" sz="1600" dirty="0">
-                <a:solidFill>
-                  <a:srgbClr val="D4D4D4"/>
-                </a:solidFill>
-                <a:latin typeface="Consolas" panose="020B0609020204030204" pitchFamily="49" charset="0"/>
-              </a:rPr>
-              <a:t>&lt;</a:t>
-            </a:r>
-            <a:r>
-              <a:rPr lang="en-US" sz="1600" dirty="0" err="1">
-                <a:solidFill>
-                  <a:srgbClr val="4EC9B0"/>
-                </a:solidFill>
-                <a:latin typeface="Consolas" panose="020B0609020204030204" pitchFamily="49" charset="0"/>
-              </a:rPr>
-              <a:t>HttpResponseMessage</a:t>
-            </a:r>
-            <a:r>
-              <a:rPr lang="en-US" sz="1600" dirty="0">
-                <a:solidFill>
-                  <a:srgbClr val="D4D4D4"/>
-                </a:solidFill>
-                <a:latin typeface="Consolas" panose="020B0609020204030204" pitchFamily="49" charset="0"/>
-              </a:rPr>
-              <a:t>&gt; </a:t>
-            </a:r>
-            <a:r>
-              <a:rPr lang="en-US" sz="1600" dirty="0" err="1">
-                <a:solidFill>
-                  <a:srgbClr val="DCDCAA"/>
-                </a:solidFill>
-                <a:latin typeface="Consolas" panose="020B0609020204030204" pitchFamily="49" charset="0"/>
-              </a:rPr>
-              <a:t>SendAsync</a:t>
-            </a:r>
-            <a:r>
-              <a:rPr lang="en-US" sz="1600" dirty="0">
-                <a:solidFill>
-                  <a:srgbClr val="D4D4D4"/>
-                </a:solidFill>
-                <a:latin typeface="Consolas" panose="020B0609020204030204" pitchFamily="49" charset="0"/>
-              </a:rPr>
-              <a:t>(</a:t>
-            </a:r>
-          </a:p>
-          <a:p>
-            <a:r>
-              <a:rPr lang="en-US" sz="1600" dirty="0" err="1">
-                <a:solidFill>
-                  <a:srgbClr val="4EC9B0"/>
-                </a:solidFill>
-                <a:latin typeface="Consolas" panose="020B0609020204030204" pitchFamily="49" charset="0"/>
-              </a:rPr>
-              <a:t>HttpRequestMessage</a:t>
-            </a:r>
-            <a:r>
-              <a:rPr lang="en-US" sz="1600" dirty="0">
-                <a:solidFill>
-                  <a:srgbClr val="D4D4D4"/>
-                </a:solidFill>
-                <a:latin typeface="Consolas" panose="020B0609020204030204" pitchFamily="49" charset="0"/>
-              </a:rPr>
-              <a:t> request, </a:t>
-            </a:r>
-          </a:p>
-          <a:p>
-            <a:r>
-              <a:rPr lang="en-US" sz="1600" dirty="0" err="1">
-                <a:solidFill>
-                  <a:srgbClr val="4EC9B0"/>
-                </a:solidFill>
-                <a:latin typeface="Consolas" panose="020B0609020204030204" pitchFamily="49" charset="0"/>
-              </a:rPr>
-              <a:t>CancellationToken</a:t>
-            </a:r>
-            <a:r>
-              <a:rPr lang="en-US" sz="1600" dirty="0">
-                <a:solidFill>
-                  <a:srgbClr val="D4D4D4"/>
-                </a:solidFill>
-                <a:latin typeface="Consolas" panose="020B0609020204030204" pitchFamily="49" charset="0"/>
-              </a:rPr>
-              <a:t> </a:t>
-            </a:r>
-            <a:r>
-              <a:rPr lang="en-US" sz="1600" dirty="0" err="1">
-                <a:solidFill>
-                  <a:srgbClr val="D4D4D4"/>
-                </a:solidFill>
-                <a:latin typeface="Consolas" panose="020B0609020204030204" pitchFamily="49" charset="0"/>
-              </a:rPr>
-              <a:t>cancellationToken</a:t>
-            </a:r>
-            <a:r>
-              <a:rPr lang="en-US" sz="1600" dirty="0">
-                <a:solidFill>
-                  <a:srgbClr val="D4D4D4"/>
-                </a:solidFill>
-                <a:latin typeface="Consolas" panose="020B0609020204030204" pitchFamily="49" charset="0"/>
-              </a:rPr>
-              <a:t>);</a:t>
-            </a:r>
-          </a:p>
-          <a:p>
-            <a:r>
-              <a:rPr lang="en-US" sz="1600" dirty="0">
-                <a:solidFill>
-                  <a:srgbClr val="D4D4D4"/>
-                </a:solidFill>
-                <a:latin typeface="Consolas" panose="020B0609020204030204" pitchFamily="49" charset="0"/>
-              </a:rPr>
-              <a:t>}</a:t>
-            </a:r>
-          </a:p>
-          <a:p>
-            <a:endParaRPr lang="en-US" sz="1600" dirty="0">
-              <a:solidFill>
-                <a:srgbClr val="569CD6"/>
-              </a:solidFill>
-              <a:latin typeface="Consolas" panose="020B0609020204030204" pitchFamily="49" charset="0"/>
-            </a:endParaRPr>
-          </a:p>
-        </p:txBody>
-      </p:sp>
-      <p:sp>
-        <p:nvSpPr>
-          <p:cNvPr id="7" name="Rectangle 6"/>
-          <p:cNvSpPr/>
-          <p:nvPr/>
-        </p:nvSpPr>
-        <p:spPr>
-          <a:xfrm>
-            <a:off x="2914649" y="4155341"/>
-            <a:ext cx="7477126" cy="2554545"/>
-          </a:xfrm>
-          <a:prstGeom prst="rect">
-            <a:avLst/>
-          </a:prstGeom>
-          <a:solidFill>
-            <a:schemeClr val="tx1"/>
-          </a:solidFill>
-        </p:spPr>
-        <p:txBody>
-          <a:bodyPr wrap="square">
-            <a:spAutoFit/>
-          </a:bodyPr>
-          <a:lstStyle/>
-          <a:p>
-            <a:r>
-              <a:rPr lang="en-US" sz="1600" dirty="0">
-                <a:solidFill>
-                  <a:srgbClr val="569CD6"/>
-                </a:solidFill>
-                <a:latin typeface="Consolas" panose="020B0609020204030204" pitchFamily="49" charset="0"/>
-              </a:rPr>
-              <a:t>public</a:t>
-            </a:r>
-            <a:r>
-              <a:rPr lang="en-US" sz="1600" dirty="0">
-                <a:solidFill>
-                  <a:srgbClr val="D4D4D4"/>
-                </a:solidFill>
-                <a:latin typeface="Consolas" panose="020B0609020204030204" pitchFamily="49" charset="0"/>
-              </a:rPr>
-              <a:t> </a:t>
-            </a:r>
-            <a:r>
-              <a:rPr lang="en-US" sz="1600" dirty="0">
-                <a:solidFill>
-                  <a:srgbClr val="569CD6"/>
-                </a:solidFill>
-                <a:latin typeface="Consolas" panose="020B0609020204030204" pitchFamily="49" charset="0"/>
-              </a:rPr>
-              <a:t>abstract</a:t>
-            </a:r>
-            <a:r>
-              <a:rPr lang="en-US" sz="1600" dirty="0">
-                <a:solidFill>
-                  <a:srgbClr val="D4D4D4"/>
-                </a:solidFill>
-                <a:latin typeface="Consolas" panose="020B0609020204030204" pitchFamily="49" charset="0"/>
-              </a:rPr>
-              <a:t> </a:t>
-            </a:r>
-            <a:r>
-              <a:rPr lang="en-US" sz="1600" dirty="0">
-                <a:solidFill>
-                  <a:srgbClr val="569CD6"/>
-                </a:solidFill>
-                <a:latin typeface="Consolas" panose="020B0609020204030204" pitchFamily="49" charset="0"/>
-              </a:rPr>
-              <a:t>class</a:t>
-            </a:r>
-            <a:r>
-              <a:rPr lang="en-US" sz="1600" dirty="0">
-                <a:solidFill>
-                  <a:srgbClr val="D4D4D4"/>
-                </a:solidFill>
-                <a:latin typeface="Consolas" panose="020B0609020204030204" pitchFamily="49" charset="0"/>
-              </a:rPr>
-              <a:t> </a:t>
-            </a:r>
-            <a:r>
-              <a:rPr lang="en-US" sz="1600" dirty="0" err="1">
-                <a:solidFill>
-                  <a:srgbClr val="4EC9B0"/>
-                </a:solidFill>
-                <a:latin typeface="Consolas" panose="020B0609020204030204" pitchFamily="49" charset="0"/>
-              </a:rPr>
-              <a:t>HttpMessageHandler</a:t>
-            </a:r>
-            <a:r>
-              <a:rPr lang="en-US" sz="1600" dirty="0">
-                <a:solidFill>
-                  <a:srgbClr val="D4D4D4"/>
-                </a:solidFill>
-                <a:latin typeface="Consolas" panose="020B0609020204030204" pitchFamily="49" charset="0"/>
-              </a:rPr>
-              <a:t> : </a:t>
-            </a:r>
-            <a:r>
-              <a:rPr lang="en-US" sz="1600" dirty="0" err="1">
-                <a:solidFill>
-                  <a:srgbClr val="4EC9B0"/>
-                </a:solidFill>
-                <a:latin typeface="Consolas" panose="020B0609020204030204" pitchFamily="49" charset="0"/>
-              </a:rPr>
-              <a:t>IDisposable</a:t>
-            </a:r>
-            <a:endParaRPr lang="en-US" sz="1600" dirty="0">
-              <a:solidFill>
-                <a:srgbClr val="D4D4D4"/>
-              </a:solidFill>
-              <a:latin typeface="Consolas" panose="020B0609020204030204" pitchFamily="49" charset="0"/>
-            </a:endParaRPr>
-          </a:p>
-          <a:p>
-            <a:r>
-              <a:rPr lang="en-US" sz="1600" dirty="0">
-                <a:solidFill>
-                  <a:srgbClr val="D4D4D4"/>
-                </a:solidFill>
-                <a:latin typeface="Consolas" panose="020B0609020204030204" pitchFamily="49" charset="0"/>
-              </a:rPr>
-              <a:t>{</a:t>
-            </a:r>
-          </a:p>
-          <a:p>
-            <a:r>
-              <a:rPr lang="en-US" sz="1600" dirty="0">
-                <a:solidFill>
-                  <a:srgbClr val="569CD6"/>
-                </a:solidFill>
-                <a:latin typeface="Consolas" panose="020B0609020204030204" pitchFamily="49" charset="0"/>
-              </a:rPr>
-              <a:t>protected</a:t>
-            </a:r>
-            <a:r>
-              <a:rPr lang="en-US" sz="1600" dirty="0">
-                <a:solidFill>
-                  <a:srgbClr val="D4D4D4"/>
-                </a:solidFill>
-                <a:latin typeface="Consolas" panose="020B0609020204030204" pitchFamily="49" charset="0"/>
-              </a:rPr>
-              <a:t> </a:t>
-            </a:r>
-            <a:r>
-              <a:rPr lang="en-US" sz="1600" dirty="0" err="1">
-                <a:solidFill>
-                  <a:srgbClr val="DCDCAA"/>
-                </a:solidFill>
-                <a:latin typeface="Consolas" panose="020B0609020204030204" pitchFamily="49" charset="0"/>
-              </a:rPr>
-              <a:t>HttpMessageHandler</a:t>
-            </a:r>
-            <a:r>
-              <a:rPr lang="en-US" sz="1600" dirty="0">
-                <a:solidFill>
-                  <a:srgbClr val="D4D4D4"/>
-                </a:solidFill>
-                <a:latin typeface="Consolas" panose="020B0609020204030204" pitchFamily="49" charset="0"/>
-              </a:rPr>
-              <a:t>();</a:t>
-            </a:r>
-            <a:br>
-              <a:rPr lang="en-US" sz="1600" dirty="0">
-                <a:solidFill>
-                  <a:srgbClr val="D4D4D4"/>
-                </a:solidFill>
-                <a:latin typeface="Consolas" panose="020B0609020204030204" pitchFamily="49" charset="0"/>
-              </a:rPr>
-            </a:br>
-            <a:r>
-              <a:rPr lang="en-US" sz="1600" dirty="0">
-                <a:solidFill>
-                  <a:srgbClr val="569CD6"/>
-                </a:solidFill>
-                <a:latin typeface="Consolas" panose="020B0609020204030204" pitchFamily="49" charset="0"/>
-              </a:rPr>
-              <a:t>public</a:t>
-            </a:r>
-            <a:r>
-              <a:rPr lang="en-US" sz="1600" dirty="0">
-                <a:solidFill>
-                  <a:srgbClr val="D4D4D4"/>
-                </a:solidFill>
-                <a:latin typeface="Consolas" panose="020B0609020204030204" pitchFamily="49" charset="0"/>
-              </a:rPr>
-              <a:t> </a:t>
-            </a:r>
-            <a:r>
-              <a:rPr lang="en-US" sz="1600" dirty="0">
-                <a:solidFill>
-                  <a:srgbClr val="569CD6"/>
-                </a:solidFill>
-                <a:latin typeface="Consolas" panose="020B0609020204030204" pitchFamily="49" charset="0"/>
-              </a:rPr>
-              <a:t>void</a:t>
-            </a:r>
-            <a:r>
-              <a:rPr lang="en-US" sz="1600" dirty="0">
-                <a:solidFill>
-                  <a:srgbClr val="D4D4D4"/>
-                </a:solidFill>
-                <a:latin typeface="Consolas" panose="020B0609020204030204" pitchFamily="49" charset="0"/>
-              </a:rPr>
-              <a:t> </a:t>
-            </a:r>
-            <a:r>
-              <a:rPr lang="en-US" sz="1600" dirty="0">
-                <a:solidFill>
-                  <a:srgbClr val="DCDCAA"/>
-                </a:solidFill>
-                <a:latin typeface="Consolas" panose="020B0609020204030204" pitchFamily="49" charset="0"/>
-              </a:rPr>
-              <a:t>Dispose</a:t>
-            </a:r>
-            <a:r>
-              <a:rPr lang="en-US" sz="1600" dirty="0">
-                <a:solidFill>
-                  <a:srgbClr val="D4D4D4"/>
-                </a:solidFill>
-                <a:latin typeface="Consolas" panose="020B0609020204030204" pitchFamily="49" charset="0"/>
-              </a:rPr>
-              <a:t>();</a:t>
-            </a:r>
-            <a:br>
-              <a:rPr lang="en-US" sz="1600" dirty="0">
-                <a:solidFill>
-                  <a:srgbClr val="D4D4D4"/>
-                </a:solidFill>
-                <a:latin typeface="Consolas" panose="020B0609020204030204" pitchFamily="49" charset="0"/>
-              </a:rPr>
-            </a:br>
-            <a:r>
-              <a:rPr lang="en-US" sz="1600" dirty="0">
-                <a:solidFill>
-                  <a:srgbClr val="569CD6"/>
-                </a:solidFill>
-                <a:latin typeface="Consolas" panose="020B0609020204030204" pitchFamily="49" charset="0"/>
-              </a:rPr>
-              <a:t>protected</a:t>
-            </a:r>
-            <a:r>
-              <a:rPr lang="en-US" sz="1600" dirty="0">
-                <a:solidFill>
-                  <a:srgbClr val="D4D4D4"/>
-                </a:solidFill>
-                <a:latin typeface="Consolas" panose="020B0609020204030204" pitchFamily="49" charset="0"/>
-              </a:rPr>
-              <a:t> </a:t>
-            </a:r>
-            <a:r>
-              <a:rPr lang="en-US" sz="1600" dirty="0">
-                <a:solidFill>
-                  <a:srgbClr val="569CD6"/>
-                </a:solidFill>
-                <a:latin typeface="Consolas" panose="020B0609020204030204" pitchFamily="49" charset="0"/>
-              </a:rPr>
-              <a:t>virtual</a:t>
-            </a:r>
-            <a:r>
-              <a:rPr lang="en-US" sz="1600" dirty="0">
-                <a:solidFill>
-                  <a:srgbClr val="D4D4D4"/>
-                </a:solidFill>
-                <a:latin typeface="Consolas" panose="020B0609020204030204" pitchFamily="49" charset="0"/>
-              </a:rPr>
-              <a:t> </a:t>
-            </a:r>
-            <a:r>
-              <a:rPr lang="en-US" sz="1600" dirty="0">
-                <a:solidFill>
-                  <a:srgbClr val="569CD6"/>
-                </a:solidFill>
-                <a:latin typeface="Consolas" panose="020B0609020204030204" pitchFamily="49" charset="0"/>
-              </a:rPr>
-              <a:t>void</a:t>
-            </a:r>
-            <a:r>
-              <a:rPr lang="en-US" sz="1600" dirty="0">
-                <a:solidFill>
-                  <a:srgbClr val="D4D4D4"/>
-                </a:solidFill>
-                <a:latin typeface="Consolas" panose="020B0609020204030204" pitchFamily="49" charset="0"/>
-              </a:rPr>
-              <a:t> </a:t>
-            </a:r>
-            <a:r>
-              <a:rPr lang="en-US" sz="1600" dirty="0">
-                <a:solidFill>
-                  <a:srgbClr val="DCDCAA"/>
-                </a:solidFill>
-                <a:latin typeface="Consolas" panose="020B0609020204030204" pitchFamily="49" charset="0"/>
-              </a:rPr>
-              <a:t>Dispose</a:t>
-            </a:r>
-            <a:r>
-              <a:rPr lang="en-US" sz="1600" dirty="0">
-                <a:solidFill>
-                  <a:srgbClr val="D4D4D4"/>
-                </a:solidFill>
-                <a:latin typeface="Consolas" panose="020B0609020204030204" pitchFamily="49" charset="0"/>
-              </a:rPr>
-              <a:t>(</a:t>
-            </a:r>
-            <a:r>
-              <a:rPr lang="en-US" sz="1600" dirty="0">
-                <a:solidFill>
-                  <a:srgbClr val="569CD6"/>
-                </a:solidFill>
-                <a:latin typeface="Consolas" panose="020B0609020204030204" pitchFamily="49" charset="0"/>
-              </a:rPr>
-              <a:t>bool</a:t>
-            </a:r>
-            <a:r>
-              <a:rPr lang="en-US" sz="1600" dirty="0">
-                <a:solidFill>
-                  <a:srgbClr val="D4D4D4"/>
-                </a:solidFill>
-                <a:latin typeface="Consolas" panose="020B0609020204030204" pitchFamily="49" charset="0"/>
-              </a:rPr>
-              <a:t> disposing);</a:t>
-            </a:r>
-          </a:p>
-          <a:p>
-            <a:br>
-              <a:rPr lang="en-US" sz="1600" dirty="0">
-                <a:solidFill>
-                  <a:srgbClr val="D4D4D4"/>
-                </a:solidFill>
-                <a:latin typeface="Consolas" panose="020B0609020204030204" pitchFamily="49" charset="0"/>
-              </a:rPr>
-            </a:br>
-            <a:r>
-              <a:rPr lang="en-US" sz="1600" dirty="0">
-                <a:solidFill>
-                  <a:srgbClr val="569CD6"/>
-                </a:solidFill>
-                <a:latin typeface="Consolas" panose="020B0609020204030204" pitchFamily="49" charset="0"/>
-              </a:rPr>
-              <a:t>protected</a:t>
-            </a:r>
-            <a:r>
-              <a:rPr lang="en-US" sz="1600" dirty="0">
-                <a:solidFill>
-                  <a:srgbClr val="D4D4D4"/>
-                </a:solidFill>
-                <a:latin typeface="Consolas" panose="020B0609020204030204" pitchFamily="49" charset="0"/>
-              </a:rPr>
-              <a:t> </a:t>
-            </a:r>
-            <a:r>
-              <a:rPr lang="en-US" sz="1600" dirty="0">
-                <a:solidFill>
-                  <a:srgbClr val="569CD6"/>
-                </a:solidFill>
-                <a:latin typeface="Consolas" panose="020B0609020204030204" pitchFamily="49" charset="0"/>
-              </a:rPr>
-              <a:t>internal</a:t>
-            </a:r>
-            <a:r>
-              <a:rPr lang="en-US" sz="1600" dirty="0">
-                <a:solidFill>
-                  <a:srgbClr val="D4D4D4"/>
-                </a:solidFill>
-                <a:latin typeface="Consolas" panose="020B0609020204030204" pitchFamily="49" charset="0"/>
-              </a:rPr>
-              <a:t> </a:t>
-            </a:r>
-            <a:r>
-              <a:rPr lang="en-US" sz="1600" dirty="0">
-                <a:solidFill>
-                  <a:srgbClr val="569CD6"/>
-                </a:solidFill>
-                <a:latin typeface="Consolas" panose="020B0609020204030204" pitchFamily="49" charset="0"/>
-              </a:rPr>
-              <a:t>abstract</a:t>
-            </a:r>
-            <a:r>
-              <a:rPr lang="en-US" sz="1600" dirty="0">
-                <a:solidFill>
-                  <a:srgbClr val="D4D4D4"/>
-                </a:solidFill>
-                <a:latin typeface="Consolas" panose="020B0609020204030204" pitchFamily="49" charset="0"/>
-              </a:rPr>
-              <a:t> </a:t>
-            </a:r>
-            <a:r>
-              <a:rPr lang="en-US" sz="1600" dirty="0">
-                <a:solidFill>
-                  <a:srgbClr val="4EC9B0"/>
-                </a:solidFill>
-                <a:latin typeface="Consolas" panose="020B0609020204030204" pitchFamily="49" charset="0"/>
-              </a:rPr>
-              <a:t>Task</a:t>
-            </a:r>
-            <a:r>
-              <a:rPr lang="en-US" sz="1600" dirty="0">
-                <a:solidFill>
-                  <a:srgbClr val="D4D4D4"/>
-                </a:solidFill>
-                <a:latin typeface="Consolas" panose="020B0609020204030204" pitchFamily="49" charset="0"/>
-              </a:rPr>
-              <a:t>&lt;</a:t>
-            </a:r>
-            <a:r>
-              <a:rPr lang="en-US" sz="1600" dirty="0" err="1">
-                <a:solidFill>
-                  <a:srgbClr val="4EC9B0"/>
-                </a:solidFill>
-                <a:latin typeface="Consolas" panose="020B0609020204030204" pitchFamily="49" charset="0"/>
-              </a:rPr>
-              <a:t>HttpResponseMessage</a:t>
-            </a:r>
-            <a:r>
-              <a:rPr lang="en-US" sz="1600" dirty="0">
-                <a:solidFill>
-                  <a:srgbClr val="D4D4D4"/>
-                </a:solidFill>
-                <a:latin typeface="Consolas" panose="020B0609020204030204" pitchFamily="49" charset="0"/>
-              </a:rPr>
-              <a:t>&gt; </a:t>
-            </a:r>
-            <a:r>
-              <a:rPr lang="en-US" sz="1600" dirty="0" err="1">
-                <a:solidFill>
-                  <a:srgbClr val="DCDCAA"/>
-                </a:solidFill>
-                <a:latin typeface="Consolas" panose="020B0609020204030204" pitchFamily="49" charset="0"/>
-              </a:rPr>
-              <a:t>SendAsync</a:t>
-            </a:r>
-            <a:r>
-              <a:rPr lang="en-US" sz="1600" dirty="0">
-                <a:solidFill>
-                  <a:srgbClr val="D4D4D4"/>
-                </a:solidFill>
-                <a:latin typeface="Consolas" panose="020B0609020204030204" pitchFamily="49" charset="0"/>
-              </a:rPr>
-              <a:t>(</a:t>
-            </a:r>
-          </a:p>
-          <a:p>
-            <a:r>
-              <a:rPr lang="en-US" sz="1600" dirty="0" err="1">
-                <a:solidFill>
-                  <a:srgbClr val="4EC9B0"/>
-                </a:solidFill>
-                <a:latin typeface="Consolas" panose="020B0609020204030204" pitchFamily="49" charset="0"/>
-              </a:rPr>
-              <a:t>HttpRequestMessage</a:t>
-            </a:r>
-            <a:r>
-              <a:rPr lang="en-US" sz="1600" dirty="0">
-                <a:solidFill>
-                  <a:srgbClr val="D4D4D4"/>
-                </a:solidFill>
-                <a:latin typeface="Consolas" panose="020B0609020204030204" pitchFamily="49" charset="0"/>
-              </a:rPr>
-              <a:t> request, </a:t>
-            </a:r>
-          </a:p>
-          <a:p>
-            <a:r>
-              <a:rPr lang="en-US" sz="1600" dirty="0" err="1">
-                <a:solidFill>
-                  <a:srgbClr val="4EC9B0"/>
-                </a:solidFill>
-                <a:latin typeface="Consolas" panose="020B0609020204030204" pitchFamily="49" charset="0"/>
-              </a:rPr>
-              <a:t>CancellationToken</a:t>
-            </a:r>
-            <a:r>
-              <a:rPr lang="en-US" sz="1600" dirty="0">
-                <a:solidFill>
-                  <a:srgbClr val="D4D4D4"/>
-                </a:solidFill>
-                <a:latin typeface="Consolas" panose="020B0609020204030204" pitchFamily="49" charset="0"/>
-              </a:rPr>
-              <a:t> </a:t>
-            </a:r>
-            <a:r>
-              <a:rPr lang="en-US" sz="1600" dirty="0" err="1">
-                <a:solidFill>
-                  <a:srgbClr val="D4D4D4"/>
-                </a:solidFill>
-                <a:latin typeface="Consolas" panose="020B0609020204030204" pitchFamily="49" charset="0"/>
-              </a:rPr>
-              <a:t>cancellationToken</a:t>
-            </a:r>
-            <a:r>
-              <a:rPr lang="en-US" sz="1600" dirty="0">
-                <a:solidFill>
-                  <a:srgbClr val="D4D4D4"/>
-                </a:solidFill>
-                <a:latin typeface="Consolas" panose="020B0609020204030204" pitchFamily="49" charset="0"/>
-              </a:rPr>
-              <a:t>);</a:t>
-            </a:r>
-          </a:p>
-          <a:p>
-            <a:r>
-              <a:rPr lang="en-US" sz="1600" dirty="0">
-                <a:solidFill>
-                  <a:srgbClr val="D4D4D4"/>
-                </a:solidFill>
-                <a:latin typeface="Consolas" panose="020B0609020204030204" pitchFamily="49" charset="0"/>
-              </a:rPr>
-              <a:t>}</a:t>
-            </a:r>
-            <a:endParaRPr lang="en-US" sz="1600" b="0" dirty="0">
-              <a:solidFill>
-                <a:srgbClr val="D4D4D4"/>
-              </a:solidFill>
-              <a:effectLst/>
-              <a:latin typeface="Consolas" panose="020B0609020204030204" pitchFamily="49" charset="0"/>
-            </a:endParaRPr>
-          </a:p>
-        </p:txBody>
-      </p:sp>
-      <p:sp>
-        <p:nvSpPr>
-          <p:cNvPr id="3" name="Rectangle 2"/>
-          <p:cNvSpPr/>
-          <p:nvPr/>
-        </p:nvSpPr>
-        <p:spPr>
-          <a:xfrm>
-            <a:off x="1521656" y="707735"/>
-            <a:ext cx="5564943" cy="523220"/>
-          </a:xfrm>
-          <a:prstGeom prst="rect">
-            <a:avLst/>
-          </a:prstGeom>
-        </p:spPr>
-        <p:txBody>
-          <a:bodyPr wrap="square">
-            <a:spAutoFit/>
-          </a:bodyPr>
-          <a:lstStyle/>
-          <a:p>
-            <a:r>
-              <a:rPr lang="en-US" sz="2800" b="1" dirty="0"/>
-              <a:t>A look inside.</a:t>
-            </a:r>
+            <a:pPr marL="342900" indent="-342900">
+              <a:buAutoNum type="arabicPeriod"/>
+            </a:pPr>
+            <a:r>
+              <a:rPr lang="en-US" sz="2400" dirty="0"/>
+              <a:t>Can be global or per route.</a:t>
+            </a:r>
+          </a:p>
+          <a:p>
+            <a:pPr marL="342900" indent="-342900">
+              <a:buAutoNum type="arabicPeriod"/>
+            </a:pPr>
+            <a:endParaRPr lang="en-US" sz="2400" dirty="0"/>
+          </a:p>
+          <a:p>
+            <a:pPr marL="342900" indent="-342900">
+              <a:buAutoNum type="arabicPeriod"/>
+            </a:pPr>
+            <a:r>
+              <a:rPr lang="en-US" sz="2400" dirty="0"/>
+              <a:t>Can dispatch the request to the next handler or return a response and skip the rest of the pipeline.</a:t>
+            </a:r>
+          </a:p>
+          <a:p>
+            <a:endParaRPr lang="en-US" sz="2400" dirty="0"/>
           </a:p>
         </p:txBody>
       </p:sp>
     </p:spTree>
     <p:extLst>
       <p:ext uri="{BB962C8B-B14F-4D97-AF65-F5344CB8AC3E}">
-        <p14:creationId xmlns:p14="http://schemas.microsoft.com/office/powerpoint/2010/main" val="83929552"/>
+        <p14:creationId xmlns:p14="http://schemas.microsoft.com/office/powerpoint/2010/main" val="85985960"/>
       </p:ext>
     </p:extLst>
   </p:cSld>
@@ -9491,37 +8790,1183 @@
       </p:grpSpPr>
       <p:sp>
         <p:nvSpPr>
-          <p:cNvPr id="4" name="Rectangle 3"/>
+          <p:cNvPr id="2" name="Title 1"/>
+          <p:cNvSpPr>
+            <a:spLocks noGrp="1"/>
+          </p:cNvSpPr>
+          <p:nvPr>
+            <p:ph type="title"/>
+          </p:nvPr>
+        </p:nvSpPr>
+        <p:spPr/>
+        <p:txBody>
+          <a:bodyPr/>
+          <a:lstStyle/>
+          <a:p>
+            <a:r>
+              <a:rPr lang="en-US" dirty="0"/>
+              <a:t> HTTP MESSAGE HANDLERS</a:t>
+            </a:r>
+          </a:p>
+        </p:txBody>
+      </p:sp>
+      <p:sp>
+        <p:nvSpPr>
+          <p:cNvPr id="6" name="Rectangle 5"/>
           <p:cNvSpPr/>
           <p:nvPr/>
         </p:nvSpPr>
         <p:spPr>
           <a:xfrm>
-            <a:off x="2633973" y="2641433"/>
-            <a:ext cx="8222957" cy="923330"/>
+            <a:off x="2914649" y="1262093"/>
+            <a:ext cx="7477126" cy="2800767"/>
+          </a:xfrm>
+          <a:prstGeom prst="rect">
+            <a:avLst/>
+          </a:prstGeom>
+          <a:solidFill>
+            <a:schemeClr val="tx1"/>
+          </a:solidFill>
+        </p:spPr>
+        <p:txBody>
+          <a:bodyPr wrap="square">
+            <a:spAutoFit/>
+          </a:bodyPr>
+          <a:lstStyle/>
+          <a:p>
+            <a:r>
+              <a:rPr lang="en-US" sz="1600" dirty="0">
+                <a:solidFill>
+                  <a:srgbClr val="569CD6"/>
+                </a:solidFill>
+                <a:latin typeface="Consolas" panose="020B0609020204030204" pitchFamily="49" charset="0"/>
+              </a:rPr>
+              <a:t>public</a:t>
+            </a:r>
+            <a:r>
+              <a:rPr lang="en-US" sz="1600" dirty="0">
+                <a:solidFill>
+                  <a:srgbClr val="D4D4D4"/>
+                </a:solidFill>
+                <a:latin typeface="Consolas" panose="020B0609020204030204" pitchFamily="49" charset="0"/>
+              </a:rPr>
+              <a:t> </a:t>
+            </a:r>
+            <a:r>
+              <a:rPr lang="en-US" sz="1600" dirty="0">
+                <a:solidFill>
+                  <a:srgbClr val="569CD6"/>
+                </a:solidFill>
+                <a:latin typeface="Consolas" panose="020B0609020204030204" pitchFamily="49" charset="0"/>
+              </a:rPr>
+              <a:t>abstract</a:t>
+            </a:r>
+            <a:r>
+              <a:rPr lang="en-US" sz="1600" dirty="0">
+                <a:solidFill>
+                  <a:srgbClr val="D4D4D4"/>
+                </a:solidFill>
+                <a:latin typeface="Consolas" panose="020B0609020204030204" pitchFamily="49" charset="0"/>
+              </a:rPr>
+              <a:t> </a:t>
+            </a:r>
+            <a:r>
+              <a:rPr lang="en-US" sz="1600" dirty="0">
+                <a:solidFill>
+                  <a:srgbClr val="569CD6"/>
+                </a:solidFill>
+                <a:latin typeface="Consolas" panose="020B0609020204030204" pitchFamily="49" charset="0"/>
+              </a:rPr>
+              <a:t>class</a:t>
+            </a:r>
+            <a:r>
+              <a:rPr lang="en-US" sz="1600" dirty="0">
+                <a:solidFill>
+                  <a:srgbClr val="D4D4D4"/>
+                </a:solidFill>
+                <a:latin typeface="Consolas" panose="020B0609020204030204" pitchFamily="49" charset="0"/>
+              </a:rPr>
+              <a:t> </a:t>
+            </a:r>
+            <a:r>
+              <a:rPr lang="en-US" sz="1600" dirty="0" err="1">
+                <a:solidFill>
+                  <a:srgbClr val="4EC9B0"/>
+                </a:solidFill>
+                <a:latin typeface="Consolas" panose="020B0609020204030204" pitchFamily="49" charset="0"/>
+              </a:rPr>
+              <a:t>DelegatingHandler</a:t>
+            </a:r>
+            <a:r>
+              <a:rPr lang="en-US" sz="1600" dirty="0">
+                <a:solidFill>
+                  <a:srgbClr val="D4D4D4"/>
+                </a:solidFill>
+                <a:latin typeface="Consolas" panose="020B0609020204030204" pitchFamily="49" charset="0"/>
+              </a:rPr>
+              <a:t> : </a:t>
+            </a:r>
+            <a:r>
+              <a:rPr lang="en-US" sz="1600" dirty="0" err="1">
+                <a:solidFill>
+                  <a:srgbClr val="4EC9B0"/>
+                </a:solidFill>
+                <a:latin typeface="Consolas" panose="020B0609020204030204" pitchFamily="49" charset="0"/>
+              </a:rPr>
+              <a:t>HttpMessageHandler</a:t>
+            </a:r>
+            <a:endParaRPr lang="en-US" sz="1600" dirty="0">
+              <a:solidFill>
+                <a:srgbClr val="D4D4D4"/>
+              </a:solidFill>
+              <a:latin typeface="Consolas" panose="020B0609020204030204" pitchFamily="49" charset="0"/>
+            </a:endParaRPr>
+          </a:p>
+          <a:p>
+            <a:r>
+              <a:rPr lang="en-US" sz="1600" dirty="0">
+                <a:solidFill>
+                  <a:srgbClr val="D4D4D4"/>
+                </a:solidFill>
+                <a:latin typeface="Consolas" panose="020B0609020204030204" pitchFamily="49" charset="0"/>
+              </a:rPr>
+              <a:t>{</a:t>
+            </a:r>
+          </a:p>
+          <a:p>
+            <a:r>
+              <a:rPr lang="en-US" sz="1600" dirty="0">
+                <a:solidFill>
+                  <a:srgbClr val="569CD6"/>
+                </a:solidFill>
+                <a:latin typeface="Consolas" panose="020B0609020204030204" pitchFamily="49" charset="0"/>
+              </a:rPr>
+              <a:t>protected</a:t>
+            </a:r>
+            <a:r>
+              <a:rPr lang="en-US" sz="1600" dirty="0">
+                <a:solidFill>
+                  <a:srgbClr val="D4D4D4"/>
+                </a:solidFill>
+                <a:latin typeface="Consolas" panose="020B0609020204030204" pitchFamily="49" charset="0"/>
+              </a:rPr>
+              <a:t> </a:t>
+            </a:r>
+            <a:r>
+              <a:rPr lang="en-US" sz="1600" dirty="0" err="1">
+                <a:solidFill>
+                  <a:srgbClr val="DCDCAA"/>
+                </a:solidFill>
+                <a:latin typeface="Consolas" panose="020B0609020204030204" pitchFamily="49" charset="0"/>
+              </a:rPr>
+              <a:t>DelegatingHandler</a:t>
+            </a:r>
+            <a:r>
+              <a:rPr lang="en-US" sz="1600" dirty="0">
+                <a:solidFill>
+                  <a:srgbClr val="D4D4D4"/>
+                </a:solidFill>
+                <a:latin typeface="Consolas" panose="020B0609020204030204" pitchFamily="49" charset="0"/>
+              </a:rPr>
+              <a:t>();</a:t>
+            </a:r>
+          </a:p>
+          <a:p>
+            <a:r>
+              <a:rPr lang="en-US" sz="1600" dirty="0">
+                <a:solidFill>
+                  <a:srgbClr val="569CD6"/>
+                </a:solidFill>
+                <a:latin typeface="Consolas" panose="020B0609020204030204" pitchFamily="49" charset="0"/>
+              </a:rPr>
+              <a:t>protected</a:t>
+            </a:r>
+            <a:r>
+              <a:rPr lang="en-US" sz="1600" dirty="0">
+                <a:solidFill>
+                  <a:srgbClr val="D4D4D4"/>
+                </a:solidFill>
+                <a:latin typeface="Consolas" panose="020B0609020204030204" pitchFamily="49" charset="0"/>
+              </a:rPr>
+              <a:t> </a:t>
+            </a:r>
+            <a:r>
+              <a:rPr lang="en-US" sz="1600" dirty="0" err="1">
+                <a:solidFill>
+                  <a:srgbClr val="DCDCAA"/>
+                </a:solidFill>
+                <a:latin typeface="Consolas" panose="020B0609020204030204" pitchFamily="49" charset="0"/>
+              </a:rPr>
+              <a:t>DelegatingHandler</a:t>
+            </a:r>
+            <a:r>
+              <a:rPr lang="en-US" sz="1600" dirty="0">
+                <a:solidFill>
+                  <a:srgbClr val="D4D4D4"/>
+                </a:solidFill>
+                <a:latin typeface="Consolas" panose="020B0609020204030204" pitchFamily="49" charset="0"/>
+              </a:rPr>
+              <a:t>(</a:t>
+            </a:r>
+            <a:r>
+              <a:rPr lang="en-US" sz="1600" dirty="0" err="1">
+                <a:solidFill>
+                  <a:srgbClr val="4EC9B0"/>
+                </a:solidFill>
+                <a:latin typeface="Consolas" panose="020B0609020204030204" pitchFamily="49" charset="0"/>
+              </a:rPr>
+              <a:t>HttpMessageHandler</a:t>
+            </a:r>
+            <a:r>
+              <a:rPr lang="en-US" sz="1600" dirty="0">
+                <a:solidFill>
+                  <a:srgbClr val="D4D4D4"/>
+                </a:solidFill>
+                <a:latin typeface="Consolas" panose="020B0609020204030204" pitchFamily="49" charset="0"/>
+              </a:rPr>
+              <a:t> </a:t>
+            </a:r>
+            <a:r>
+              <a:rPr lang="en-US" sz="1600" dirty="0" err="1">
+                <a:solidFill>
+                  <a:srgbClr val="D4D4D4"/>
+                </a:solidFill>
+                <a:latin typeface="Consolas" panose="020B0609020204030204" pitchFamily="49" charset="0"/>
+              </a:rPr>
+              <a:t>innerHandler</a:t>
+            </a:r>
+            <a:r>
+              <a:rPr lang="en-US" sz="1600" dirty="0">
+                <a:solidFill>
+                  <a:srgbClr val="D4D4D4"/>
+                </a:solidFill>
+                <a:latin typeface="Consolas" panose="020B0609020204030204" pitchFamily="49" charset="0"/>
+              </a:rPr>
+              <a:t>); </a:t>
+            </a:r>
+          </a:p>
+          <a:p>
+            <a:r>
+              <a:rPr lang="en-US" sz="1600" dirty="0">
+                <a:solidFill>
+                  <a:srgbClr val="569CD6"/>
+                </a:solidFill>
+                <a:latin typeface="Consolas" panose="020B0609020204030204" pitchFamily="49" charset="0"/>
+              </a:rPr>
+              <a:t>public</a:t>
+            </a:r>
+            <a:r>
+              <a:rPr lang="en-US" sz="1600" dirty="0">
+                <a:solidFill>
+                  <a:srgbClr val="D4D4D4"/>
+                </a:solidFill>
+                <a:latin typeface="Consolas" panose="020B0609020204030204" pitchFamily="49" charset="0"/>
+              </a:rPr>
+              <a:t> </a:t>
+            </a:r>
+            <a:r>
+              <a:rPr lang="en-US" sz="1600" dirty="0" err="1">
+                <a:solidFill>
+                  <a:srgbClr val="4EC9B0"/>
+                </a:solidFill>
+                <a:latin typeface="Consolas" panose="020B0609020204030204" pitchFamily="49" charset="0"/>
+              </a:rPr>
+              <a:t>HttpMessageHandler</a:t>
+            </a:r>
+            <a:r>
+              <a:rPr lang="en-US" sz="1600" dirty="0">
+                <a:solidFill>
+                  <a:srgbClr val="D4D4D4"/>
+                </a:solidFill>
+                <a:latin typeface="Consolas" panose="020B0609020204030204" pitchFamily="49" charset="0"/>
+              </a:rPr>
+              <a:t> </a:t>
+            </a:r>
+            <a:r>
+              <a:rPr lang="en-US" sz="1600" dirty="0" err="1">
+                <a:solidFill>
+                  <a:srgbClr val="D4D4D4"/>
+                </a:solidFill>
+                <a:latin typeface="Consolas" panose="020B0609020204030204" pitchFamily="49" charset="0"/>
+              </a:rPr>
+              <a:t>InnerHandler</a:t>
+            </a:r>
+            <a:r>
+              <a:rPr lang="en-US" sz="1600" dirty="0">
+                <a:solidFill>
+                  <a:srgbClr val="D4D4D4"/>
+                </a:solidFill>
+                <a:latin typeface="Consolas" panose="020B0609020204030204" pitchFamily="49" charset="0"/>
+              </a:rPr>
+              <a:t> { </a:t>
+            </a:r>
+            <a:r>
+              <a:rPr lang="en-US" sz="1600" dirty="0">
+                <a:solidFill>
+                  <a:srgbClr val="569CD6"/>
+                </a:solidFill>
+                <a:latin typeface="Consolas" panose="020B0609020204030204" pitchFamily="49" charset="0"/>
+              </a:rPr>
+              <a:t>get</a:t>
+            </a:r>
+            <a:r>
+              <a:rPr lang="en-US" sz="1600" dirty="0">
+                <a:solidFill>
+                  <a:srgbClr val="D4D4D4"/>
+                </a:solidFill>
+                <a:latin typeface="Consolas" panose="020B0609020204030204" pitchFamily="49" charset="0"/>
+              </a:rPr>
+              <a:t>; </a:t>
+            </a:r>
+            <a:r>
+              <a:rPr lang="en-US" sz="1600" dirty="0">
+                <a:solidFill>
+                  <a:srgbClr val="569CD6"/>
+                </a:solidFill>
+                <a:latin typeface="Consolas" panose="020B0609020204030204" pitchFamily="49" charset="0"/>
+              </a:rPr>
+              <a:t>set</a:t>
+            </a:r>
+            <a:r>
+              <a:rPr lang="en-US" sz="1600" dirty="0">
+                <a:solidFill>
+                  <a:srgbClr val="D4D4D4"/>
+                </a:solidFill>
+                <a:latin typeface="Consolas" panose="020B0609020204030204" pitchFamily="49" charset="0"/>
+              </a:rPr>
+              <a:t>; } </a:t>
+            </a:r>
+          </a:p>
+          <a:p>
+            <a:r>
+              <a:rPr lang="en-US" sz="1600" dirty="0">
+                <a:solidFill>
+                  <a:srgbClr val="569CD6"/>
+                </a:solidFill>
+                <a:latin typeface="Consolas" panose="020B0609020204030204" pitchFamily="49" charset="0"/>
+              </a:rPr>
+              <a:t>protected</a:t>
+            </a:r>
+            <a:r>
+              <a:rPr lang="en-US" sz="1600" dirty="0">
+                <a:solidFill>
+                  <a:srgbClr val="D4D4D4"/>
+                </a:solidFill>
+                <a:latin typeface="Consolas" panose="020B0609020204030204" pitchFamily="49" charset="0"/>
+              </a:rPr>
+              <a:t> </a:t>
+            </a:r>
+            <a:r>
+              <a:rPr lang="en-US" sz="1600" dirty="0">
+                <a:solidFill>
+                  <a:srgbClr val="569CD6"/>
+                </a:solidFill>
+                <a:latin typeface="Consolas" panose="020B0609020204030204" pitchFamily="49" charset="0"/>
+              </a:rPr>
+              <a:t>override</a:t>
+            </a:r>
+            <a:r>
+              <a:rPr lang="en-US" sz="1600" dirty="0">
+                <a:solidFill>
+                  <a:srgbClr val="D4D4D4"/>
+                </a:solidFill>
+                <a:latin typeface="Consolas" panose="020B0609020204030204" pitchFamily="49" charset="0"/>
+              </a:rPr>
+              <a:t> </a:t>
+            </a:r>
+            <a:r>
+              <a:rPr lang="en-US" sz="1600" dirty="0">
+                <a:solidFill>
+                  <a:srgbClr val="569CD6"/>
+                </a:solidFill>
+                <a:latin typeface="Consolas" panose="020B0609020204030204" pitchFamily="49" charset="0"/>
+              </a:rPr>
+              <a:t>void</a:t>
+            </a:r>
+            <a:r>
+              <a:rPr lang="en-US" sz="1600" dirty="0">
+                <a:solidFill>
+                  <a:srgbClr val="D4D4D4"/>
+                </a:solidFill>
+                <a:latin typeface="Consolas" panose="020B0609020204030204" pitchFamily="49" charset="0"/>
+              </a:rPr>
+              <a:t> </a:t>
+            </a:r>
+            <a:r>
+              <a:rPr lang="en-US" sz="1600" dirty="0">
+                <a:solidFill>
+                  <a:srgbClr val="DCDCAA"/>
+                </a:solidFill>
+                <a:latin typeface="Consolas" panose="020B0609020204030204" pitchFamily="49" charset="0"/>
+              </a:rPr>
+              <a:t>Dispose</a:t>
+            </a:r>
+            <a:r>
+              <a:rPr lang="en-US" sz="1600" dirty="0">
+                <a:solidFill>
+                  <a:srgbClr val="D4D4D4"/>
+                </a:solidFill>
+                <a:latin typeface="Consolas" panose="020B0609020204030204" pitchFamily="49" charset="0"/>
+              </a:rPr>
+              <a:t>(</a:t>
+            </a:r>
+            <a:r>
+              <a:rPr lang="en-US" sz="1600" dirty="0">
+                <a:solidFill>
+                  <a:srgbClr val="569CD6"/>
+                </a:solidFill>
+                <a:latin typeface="Consolas" panose="020B0609020204030204" pitchFamily="49" charset="0"/>
+              </a:rPr>
+              <a:t>bool</a:t>
+            </a:r>
+            <a:r>
+              <a:rPr lang="en-US" sz="1600" dirty="0">
+                <a:solidFill>
+                  <a:srgbClr val="D4D4D4"/>
+                </a:solidFill>
+                <a:latin typeface="Consolas" panose="020B0609020204030204" pitchFamily="49" charset="0"/>
+              </a:rPr>
+              <a:t> disposing); </a:t>
+            </a:r>
+          </a:p>
+          <a:p>
+            <a:r>
+              <a:rPr lang="en-US" sz="1600" dirty="0">
+                <a:solidFill>
+                  <a:srgbClr val="569CD6"/>
+                </a:solidFill>
+                <a:latin typeface="Consolas" panose="020B0609020204030204" pitchFamily="49" charset="0"/>
+              </a:rPr>
+              <a:t>protected</a:t>
+            </a:r>
+            <a:r>
+              <a:rPr lang="en-US" sz="1600" dirty="0">
+                <a:solidFill>
+                  <a:srgbClr val="D4D4D4"/>
+                </a:solidFill>
+                <a:latin typeface="Consolas" panose="020B0609020204030204" pitchFamily="49" charset="0"/>
+              </a:rPr>
+              <a:t> </a:t>
+            </a:r>
+            <a:r>
+              <a:rPr lang="en-US" sz="1600" dirty="0">
+                <a:solidFill>
+                  <a:srgbClr val="569CD6"/>
+                </a:solidFill>
+                <a:latin typeface="Consolas" panose="020B0609020204030204" pitchFamily="49" charset="0"/>
+              </a:rPr>
+              <a:t>internal</a:t>
+            </a:r>
+            <a:r>
+              <a:rPr lang="en-US" sz="1600" dirty="0">
+                <a:solidFill>
+                  <a:srgbClr val="D4D4D4"/>
+                </a:solidFill>
+                <a:latin typeface="Consolas" panose="020B0609020204030204" pitchFamily="49" charset="0"/>
+              </a:rPr>
+              <a:t> </a:t>
+            </a:r>
+            <a:r>
+              <a:rPr lang="en-US" sz="1600" dirty="0">
+                <a:solidFill>
+                  <a:srgbClr val="569CD6"/>
+                </a:solidFill>
+                <a:latin typeface="Consolas" panose="020B0609020204030204" pitchFamily="49" charset="0"/>
+              </a:rPr>
+              <a:t>override</a:t>
+            </a:r>
+            <a:r>
+              <a:rPr lang="en-US" sz="1600" dirty="0">
+                <a:solidFill>
+                  <a:srgbClr val="D4D4D4"/>
+                </a:solidFill>
+                <a:latin typeface="Consolas" panose="020B0609020204030204" pitchFamily="49" charset="0"/>
+              </a:rPr>
+              <a:t> </a:t>
+            </a:r>
+            <a:r>
+              <a:rPr lang="en-US" sz="1600" dirty="0">
+                <a:solidFill>
+                  <a:srgbClr val="4EC9B0"/>
+                </a:solidFill>
+                <a:latin typeface="Consolas" panose="020B0609020204030204" pitchFamily="49" charset="0"/>
+              </a:rPr>
+              <a:t>Task</a:t>
+            </a:r>
+            <a:r>
+              <a:rPr lang="en-US" sz="1600" dirty="0">
+                <a:solidFill>
+                  <a:srgbClr val="D4D4D4"/>
+                </a:solidFill>
+                <a:latin typeface="Consolas" panose="020B0609020204030204" pitchFamily="49" charset="0"/>
+              </a:rPr>
+              <a:t>&lt;</a:t>
+            </a:r>
+            <a:r>
+              <a:rPr lang="en-US" sz="1600" dirty="0" err="1">
+                <a:solidFill>
+                  <a:srgbClr val="4EC9B0"/>
+                </a:solidFill>
+                <a:latin typeface="Consolas" panose="020B0609020204030204" pitchFamily="49" charset="0"/>
+              </a:rPr>
+              <a:t>HttpResponseMessage</a:t>
+            </a:r>
+            <a:r>
+              <a:rPr lang="en-US" sz="1600" dirty="0">
+                <a:solidFill>
+                  <a:srgbClr val="D4D4D4"/>
+                </a:solidFill>
+                <a:latin typeface="Consolas" panose="020B0609020204030204" pitchFamily="49" charset="0"/>
+              </a:rPr>
+              <a:t>&gt; </a:t>
+            </a:r>
+            <a:r>
+              <a:rPr lang="en-US" sz="1600" dirty="0" err="1">
+                <a:solidFill>
+                  <a:srgbClr val="DCDCAA"/>
+                </a:solidFill>
+                <a:latin typeface="Consolas" panose="020B0609020204030204" pitchFamily="49" charset="0"/>
+              </a:rPr>
+              <a:t>SendAsync</a:t>
+            </a:r>
+            <a:r>
+              <a:rPr lang="en-US" sz="1600" dirty="0">
+                <a:solidFill>
+                  <a:srgbClr val="D4D4D4"/>
+                </a:solidFill>
+                <a:latin typeface="Consolas" panose="020B0609020204030204" pitchFamily="49" charset="0"/>
+              </a:rPr>
+              <a:t>(</a:t>
+            </a:r>
+          </a:p>
+          <a:p>
+            <a:r>
+              <a:rPr lang="en-US" sz="1600" dirty="0" err="1">
+                <a:solidFill>
+                  <a:srgbClr val="4EC9B0"/>
+                </a:solidFill>
+                <a:latin typeface="Consolas" panose="020B0609020204030204" pitchFamily="49" charset="0"/>
+              </a:rPr>
+              <a:t>HttpRequestMessage</a:t>
+            </a:r>
+            <a:r>
+              <a:rPr lang="en-US" sz="1600" dirty="0">
+                <a:solidFill>
+                  <a:srgbClr val="D4D4D4"/>
+                </a:solidFill>
+                <a:latin typeface="Consolas" panose="020B0609020204030204" pitchFamily="49" charset="0"/>
+              </a:rPr>
+              <a:t> request, </a:t>
+            </a:r>
+          </a:p>
+          <a:p>
+            <a:r>
+              <a:rPr lang="en-US" sz="1600" dirty="0" err="1">
+                <a:solidFill>
+                  <a:srgbClr val="4EC9B0"/>
+                </a:solidFill>
+                <a:latin typeface="Consolas" panose="020B0609020204030204" pitchFamily="49" charset="0"/>
+              </a:rPr>
+              <a:t>CancellationToken</a:t>
+            </a:r>
+            <a:r>
+              <a:rPr lang="en-US" sz="1600" dirty="0">
+                <a:solidFill>
+                  <a:srgbClr val="D4D4D4"/>
+                </a:solidFill>
+                <a:latin typeface="Consolas" panose="020B0609020204030204" pitchFamily="49" charset="0"/>
+              </a:rPr>
+              <a:t> </a:t>
+            </a:r>
+            <a:r>
+              <a:rPr lang="en-US" sz="1600" dirty="0" err="1">
+                <a:solidFill>
+                  <a:srgbClr val="D4D4D4"/>
+                </a:solidFill>
+                <a:latin typeface="Consolas" panose="020B0609020204030204" pitchFamily="49" charset="0"/>
+              </a:rPr>
+              <a:t>cancellationToken</a:t>
+            </a:r>
+            <a:r>
+              <a:rPr lang="en-US" sz="1600" dirty="0">
+                <a:solidFill>
+                  <a:srgbClr val="D4D4D4"/>
+                </a:solidFill>
+                <a:latin typeface="Consolas" panose="020B0609020204030204" pitchFamily="49" charset="0"/>
+              </a:rPr>
+              <a:t>);</a:t>
+            </a:r>
+          </a:p>
+          <a:p>
+            <a:r>
+              <a:rPr lang="en-US" sz="1600" dirty="0">
+                <a:solidFill>
+                  <a:srgbClr val="D4D4D4"/>
+                </a:solidFill>
+                <a:latin typeface="Consolas" panose="020B0609020204030204" pitchFamily="49" charset="0"/>
+              </a:rPr>
+              <a:t>}</a:t>
+            </a:r>
+          </a:p>
+          <a:p>
+            <a:endParaRPr lang="en-US" sz="1600" dirty="0">
+              <a:solidFill>
+                <a:srgbClr val="569CD6"/>
+              </a:solidFill>
+              <a:latin typeface="Consolas" panose="020B0609020204030204" pitchFamily="49" charset="0"/>
+            </a:endParaRPr>
+          </a:p>
+        </p:txBody>
+      </p:sp>
+      <p:sp>
+        <p:nvSpPr>
+          <p:cNvPr id="7" name="Rectangle 6"/>
+          <p:cNvSpPr/>
+          <p:nvPr/>
+        </p:nvSpPr>
+        <p:spPr>
+          <a:xfrm>
+            <a:off x="2914649" y="4155341"/>
+            <a:ext cx="7477126" cy="2554545"/>
+          </a:xfrm>
+          <a:prstGeom prst="rect">
+            <a:avLst/>
+          </a:prstGeom>
+          <a:solidFill>
+            <a:schemeClr val="tx1"/>
+          </a:solidFill>
+        </p:spPr>
+        <p:txBody>
+          <a:bodyPr wrap="square">
+            <a:spAutoFit/>
+          </a:bodyPr>
+          <a:lstStyle/>
+          <a:p>
+            <a:r>
+              <a:rPr lang="en-US" sz="1600" dirty="0">
+                <a:solidFill>
+                  <a:srgbClr val="569CD6"/>
+                </a:solidFill>
+                <a:latin typeface="Consolas" panose="020B0609020204030204" pitchFamily="49" charset="0"/>
+              </a:rPr>
+              <a:t>public</a:t>
+            </a:r>
+            <a:r>
+              <a:rPr lang="en-US" sz="1600" dirty="0">
+                <a:solidFill>
+                  <a:srgbClr val="D4D4D4"/>
+                </a:solidFill>
+                <a:latin typeface="Consolas" panose="020B0609020204030204" pitchFamily="49" charset="0"/>
+              </a:rPr>
+              <a:t> </a:t>
+            </a:r>
+            <a:r>
+              <a:rPr lang="en-US" sz="1600" dirty="0">
+                <a:solidFill>
+                  <a:srgbClr val="569CD6"/>
+                </a:solidFill>
+                <a:latin typeface="Consolas" panose="020B0609020204030204" pitchFamily="49" charset="0"/>
+              </a:rPr>
+              <a:t>abstract</a:t>
+            </a:r>
+            <a:r>
+              <a:rPr lang="en-US" sz="1600" dirty="0">
+                <a:solidFill>
+                  <a:srgbClr val="D4D4D4"/>
+                </a:solidFill>
+                <a:latin typeface="Consolas" panose="020B0609020204030204" pitchFamily="49" charset="0"/>
+              </a:rPr>
+              <a:t> </a:t>
+            </a:r>
+            <a:r>
+              <a:rPr lang="en-US" sz="1600" dirty="0">
+                <a:solidFill>
+                  <a:srgbClr val="569CD6"/>
+                </a:solidFill>
+                <a:latin typeface="Consolas" panose="020B0609020204030204" pitchFamily="49" charset="0"/>
+              </a:rPr>
+              <a:t>class</a:t>
+            </a:r>
+            <a:r>
+              <a:rPr lang="en-US" sz="1600" dirty="0">
+                <a:solidFill>
+                  <a:srgbClr val="D4D4D4"/>
+                </a:solidFill>
+                <a:latin typeface="Consolas" panose="020B0609020204030204" pitchFamily="49" charset="0"/>
+              </a:rPr>
+              <a:t> </a:t>
+            </a:r>
+            <a:r>
+              <a:rPr lang="en-US" sz="1600" dirty="0" err="1">
+                <a:solidFill>
+                  <a:srgbClr val="4EC9B0"/>
+                </a:solidFill>
+                <a:latin typeface="Consolas" panose="020B0609020204030204" pitchFamily="49" charset="0"/>
+              </a:rPr>
+              <a:t>HttpMessageHandler</a:t>
+            </a:r>
+            <a:r>
+              <a:rPr lang="en-US" sz="1600" dirty="0">
+                <a:solidFill>
+                  <a:srgbClr val="D4D4D4"/>
+                </a:solidFill>
+                <a:latin typeface="Consolas" panose="020B0609020204030204" pitchFamily="49" charset="0"/>
+              </a:rPr>
+              <a:t> : </a:t>
+            </a:r>
+            <a:r>
+              <a:rPr lang="en-US" sz="1600" dirty="0" err="1">
+                <a:solidFill>
+                  <a:srgbClr val="4EC9B0"/>
+                </a:solidFill>
+                <a:latin typeface="Consolas" panose="020B0609020204030204" pitchFamily="49" charset="0"/>
+              </a:rPr>
+              <a:t>IDisposable</a:t>
+            </a:r>
+            <a:endParaRPr lang="en-US" sz="1600" dirty="0">
+              <a:solidFill>
+                <a:srgbClr val="D4D4D4"/>
+              </a:solidFill>
+              <a:latin typeface="Consolas" panose="020B0609020204030204" pitchFamily="49" charset="0"/>
+            </a:endParaRPr>
+          </a:p>
+          <a:p>
+            <a:r>
+              <a:rPr lang="en-US" sz="1600" dirty="0">
+                <a:solidFill>
+                  <a:srgbClr val="D4D4D4"/>
+                </a:solidFill>
+                <a:latin typeface="Consolas" panose="020B0609020204030204" pitchFamily="49" charset="0"/>
+              </a:rPr>
+              <a:t>{</a:t>
+            </a:r>
+          </a:p>
+          <a:p>
+            <a:r>
+              <a:rPr lang="en-US" sz="1600" dirty="0">
+                <a:solidFill>
+                  <a:srgbClr val="569CD6"/>
+                </a:solidFill>
+                <a:latin typeface="Consolas" panose="020B0609020204030204" pitchFamily="49" charset="0"/>
+              </a:rPr>
+              <a:t>protected</a:t>
+            </a:r>
+            <a:r>
+              <a:rPr lang="en-US" sz="1600" dirty="0">
+                <a:solidFill>
+                  <a:srgbClr val="D4D4D4"/>
+                </a:solidFill>
+                <a:latin typeface="Consolas" panose="020B0609020204030204" pitchFamily="49" charset="0"/>
+              </a:rPr>
+              <a:t> </a:t>
+            </a:r>
+            <a:r>
+              <a:rPr lang="en-US" sz="1600" dirty="0" err="1">
+                <a:solidFill>
+                  <a:srgbClr val="DCDCAA"/>
+                </a:solidFill>
+                <a:latin typeface="Consolas" panose="020B0609020204030204" pitchFamily="49" charset="0"/>
+              </a:rPr>
+              <a:t>HttpMessageHandler</a:t>
+            </a:r>
+            <a:r>
+              <a:rPr lang="en-US" sz="1600" dirty="0">
+                <a:solidFill>
+                  <a:srgbClr val="D4D4D4"/>
+                </a:solidFill>
+                <a:latin typeface="Consolas" panose="020B0609020204030204" pitchFamily="49" charset="0"/>
+              </a:rPr>
+              <a:t>();</a:t>
+            </a:r>
+            <a:br>
+              <a:rPr lang="en-US" sz="1600" dirty="0">
+                <a:solidFill>
+                  <a:srgbClr val="D4D4D4"/>
+                </a:solidFill>
+                <a:latin typeface="Consolas" panose="020B0609020204030204" pitchFamily="49" charset="0"/>
+              </a:rPr>
+            </a:br>
+            <a:r>
+              <a:rPr lang="en-US" sz="1600" dirty="0">
+                <a:solidFill>
+                  <a:srgbClr val="569CD6"/>
+                </a:solidFill>
+                <a:latin typeface="Consolas" panose="020B0609020204030204" pitchFamily="49" charset="0"/>
+              </a:rPr>
+              <a:t>public</a:t>
+            </a:r>
+            <a:r>
+              <a:rPr lang="en-US" sz="1600" dirty="0">
+                <a:solidFill>
+                  <a:srgbClr val="D4D4D4"/>
+                </a:solidFill>
+                <a:latin typeface="Consolas" panose="020B0609020204030204" pitchFamily="49" charset="0"/>
+              </a:rPr>
+              <a:t> </a:t>
+            </a:r>
+            <a:r>
+              <a:rPr lang="en-US" sz="1600" dirty="0">
+                <a:solidFill>
+                  <a:srgbClr val="569CD6"/>
+                </a:solidFill>
+                <a:latin typeface="Consolas" panose="020B0609020204030204" pitchFamily="49" charset="0"/>
+              </a:rPr>
+              <a:t>void</a:t>
+            </a:r>
+            <a:r>
+              <a:rPr lang="en-US" sz="1600" dirty="0">
+                <a:solidFill>
+                  <a:srgbClr val="D4D4D4"/>
+                </a:solidFill>
+                <a:latin typeface="Consolas" panose="020B0609020204030204" pitchFamily="49" charset="0"/>
+              </a:rPr>
+              <a:t> </a:t>
+            </a:r>
+            <a:r>
+              <a:rPr lang="en-US" sz="1600" dirty="0">
+                <a:solidFill>
+                  <a:srgbClr val="DCDCAA"/>
+                </a:solidFill>
+                <a:latin typeface="Consolas" panose="020B0609020204030204" pitchFamily="49" charset="0"/>
+              </a:rPr>
+              <a:t>Dispose</a:t>
+            </a:r>
+            <a:r>
+              <a:rPr lang="en-US" sz="1600" dirty="0">
+                <a:solidFill>
+                  <a:srgbClr val="D4D4D4"/>
+                </a:solidFill>
+                <a:latin typeface="Consolas" panose="020B0609020204030204" pitchFamily="49" charset="0"/>
+              </a:rPr>
+              <a:t>();</a:t>
+            </a:r>
+            <a:br>
+              <a:rPr lang="en-US" sz="1600" dirty="0">
+                <a:solidFill>
+                  <a:srgbClr val="D4D4D4"/>
+                </a:solidFill>
+                <a:latin typeface="Consolas" panose="020B0609020204030204" pitchFamily="49" charset="0"/>
+              </a:rPr>
+            </a:br>
+            <a:r>
+              <a:rPr lang="en-US" sz="1600" dirty="0">
+                <a:solidFill>
+                  <a:srgbClr val="569CD6"/>
+                </a:solidFill>
+                <a:latin typeface="Consolas" panose="020B0609020204030204" pitchFamily="49" charset="0"/>
+              </a:rPr>
+              <a:t>protected</a:t>
+            </a:r>
+            <a:r>
+              <a:rPr lang="en-US" sz="1600" dirty="0">
+                <a:solidFill>
+                  <a:srgbClr val="D4D4D4"/>
+                </a:solidFill>
+                <a:latin typeface="Consolas" panose="020B0609020204030204" pitchFamily="49" charset="0"/>
+              </a:rPr>
+              <a:t> </a:t>
+            </a:r>
+            <a:r>
+              <a:rPr lang="en-US" sz="1600" dirty="0">
+                <a:solidFill>
+                  <a:srgbClr val="569CD6"/>
+                </a:solidFill>
+                <a:latin typeface="Consolas" panose="020B0609020204030204" pitchFamily="49" charset="0"/>
+              </a:rPr>
+              <a:t>virtual</a:t>
+            </a:r>
+            <a:r>
+              <a:rPr lang="en-US" sz="1600" dirty="0">
+                <a:solidFill>
+                  <a:srgbClr val="D4D4D4"/>
+                </a:solidFill>
+                <a:latin typeface="Consolas" panose="020B0609020204030204" pitchFamily="49" charset="0"/>
+              </a:rPr>
+              <a:t> </a:t>
+            </a:r>
+            <a:r>
+              <a:rPr lang="en-US" sz="1600" dirty="0">
+                <a:solidFill>
+                  <a:srgbClr val="569CD6"/>
+                </a:solidFill>
+                <a:latin typeface="Consolas" panose="020B0609020204030204" pitchFamily="49" charset="0"/>
+              </a:rPr>
+              <a:t>void</a:t>
+            </a:r>
+            <a:r>
+              <a:rPr lang="en-US" sz="1600" dirty="0">
+                <a:solidFill>
+                  <a:srgbClr val="D4D4D4"/>
+                </a:solidFill>
+                <a:latin typeface="Consolas" panose="020B0609020204030204" pitchFamily="49" charset="0"/>
+              </a:rPr>
+              <a:t> </a:t>
+            </a:r>
+            <a:r>
+              <a:rPr lang="en-US" sz="1600" dirty="0">
+                <a:solidFill>
+                  <a:srgbClr val="DCDCAA"/>
+                </a:solidFill>
+                <a:latin typeface="Consolas" panose="020B0609020204030204" pitchFamily="49" charset="0"/>
+              </a:rPr>
+              <a:t>Dispose</a:t>
+            </a:r>
+            <a:r>
+              <a:rPr lang="en-US" sz="1600" dirty="0">
+                <a:solidFill>
+                  <a:srgbClr val="D4D4D4"/>
+                </a:solidFill>
+                <a:latin typeface="Consolas" panose="020B0609020204030204" pitchFamily="49" charset="0"/>
+              </a:rPr>
+              <a:t>(</a:t>
+            </a:r>
+            <a:r>
+              <a:rPr lang="en-US" sz="1600" dirty="0">
+                <a:solidFill>
+                  <a:srgbClr val="569CD6"/>
+                </a:solidFill>
+                <a:latin typeface="Consolas" panose="020B0609020204030204" pitchFamily="49" charset="0"/>
+              </a:rPr>
+              <a:t>bool</a:t>
+            </a:r>
+            <a:r>
+              <a:rPr lang="en-US" sz="1600" dirty="0">
+                <a:solidFill>
+                  <a:srgbClr val="D4D4D4"/>
+                </a:solidFill>
+                <a:latin typeface="Consolas" panose="020B0609020204030204" pitchFamily="49" charset="0"/>
+              </a:rPr>
+              <a:t> disposing);</a:t>
+            </a:r>
+          </a:p>
+          <a:p>
+            <a:br>
+              <a:rPr lang="en-US" sz="1600" dirty="0">
+                <a:solidFill>
+                  <a:srgbClr val="D4D4D4"/>
+                </a:solidFill>
+                <a:latin typeface="Consolas" panose="020B0609020204030204" pitchFamily="49" charset="0"/>
+              </a:rPr>
+            </a:br>
+            <a:r>
+              <a:rPr lang="en-US" sz="1600" dirty="0">
+                <a:solidFill>
+                  <a:srgbClr val="569CD6"/>
+                </a:solidFill>
+                <a:latin typeface="Consolas" panose="020B0609020204030204" pitchFamily="49" charset="0"/>
+              </a:rPr>
+              <a:t>protected</a:t>
+            </a:r>
+            <a:r>
+              <a:rPr lang="en-US" sz="1600" dirty="0">
+                <a:solidFill>
+                  <a:srgbClr val="D4D4D4"/>
+                </a:solidFill>
+                <a:latin typeface="Consolas" panose="020B0609020204030204" pitchFamily="49" charset="0"/>
+              </a:rPr>
+              <a:t> </a:t>
+            </a:r>
+            <a:r>
+              <a:rPr lang="en-US" sz="1600" dirty="0">
+                <a:solidFill>
+                  <a:srgbClr val="569CD6"/>
+                </a:solidFill>
+                <a:latin typeface="Consolas" panose="020B0609020204030204" pitchFamily="49" charset="0"/>
+              </a:rPr>
+              <a:t>internal</a:t>
+            </a:r>
+            <a:r>
+              <a:rPr lang="en-US" sz="1600" dirty="0">
+                <a:solidFill>
+                  <a:srgbClr val="D4D4D4"/>
+                </a:solidFill>
+                <a:latin typeface="Consolas" panose="020B0609020204030204" pitchFamily="49" charset="0"/>
+              </a:rPr>
+              <a:t> </a:t>
+            </a:r>
+            <a:r>
+              <a:rPr lang="en-US" sz="1600" dirty="0">
+                <a:solidFill>
+                  <a:srgbClr val="569CD6"/>
+                </a:solidFill>
+                <a:latin typeface="Consolas" panose="020B0609020204030204" pitchFamily="49" charset="0"/>
+              </a:rPr>
+              <a:t>abstract</a:t>
+            </a:r>
+            <a:r>
+              <a:rPr lang="en-US" sz="1600" dirty="0">
+                <a:solidFill>
+                  <a:srgbClr val="D4D4D4"/>
+                </a:solidFill>
+                <a:latin typeface="Consolas" panose="020B0609020204030204" pitchFamily="49" charset="0"/>
+              </a:rPr>
+              <a:t> </a:t>
+            </a:r>
+            <a:r>
+              <a:rPr lang="en-US" sz="1600" dirty="0">
+                <a:solidFill>
+                  <a:srgbClr val="4EC9B0"/>
+                </a:solidFill>
+                <a:latin typeface="Consolas" panose="020B0609020204030204" pitchFamily="49" charset="0"/>
+              </a:rPr>
+              <a:t>Task</a:t>
+            </a:r>
+            <a:r>
+              <a:rPr lang="en-US" sz="1600" dirty="0">
+                <a:solidFill>
+                  <a:srgbClr val="D4D4D4"/>
+                </a:solidFill>
+                <a:latin typeface="Consolas" panose="020B0609020204030204" pitchFamily="49" charset="0"/>
+              </a:rPr>
+              <a:t>&lt;</a:t>
+            </a:r>
+            <a:r>
+              <a:rPr lang="en-US" sz="1600" dirty="0" err="1">
+                <a:solidFill>
+                  <a:srgbClr val="4EC9B0"/>
+                </a:solidFill>
+                <a:latin typeface="Consolas" panose="020B0609020204030204" pitchFamily="49" charset="0"/>
+              </a:rPr>
+              <a:t>HttpResponseMessage</a:t>
+            </a:r>
+            <a:r>
+              <a:rPr lang="en-US" sz="1600" dirty="0">
+                <a:solidFill>
+                  <a:srgbClr val="D4D4D4"/>
+                </a:solidFill>
+                <a:latin typeface="Consolas" panose="020B0609020204030204" pitchFamily="49" charset="0"/>
+              </a:rPr>
+              <a:t>&gt; </a:t>
+            </a:r>
+            <a:r>
+              <a:rPr lang="en-US" sz="1600" dirty="0" err="1">
+                <a:solidFill>
+                  <a:srgbClr val="DCDCAA"/>
+                </a:solidFill>
+                <a:latin typeface="Consolas" panose="020B0609020204030204" pitchFamily="49" charset="0"/>
+              </a:rPr>
+              <a:t>SendAsync</a:t>
+            </a:r>
+            <a:r>
+              <a:rPr lang="en-US" sz="1600" dirty="0">
+                <a:solidFill>
+                  <a:srgbClr val="D4D4D4"/>
+                </a:solidFill>
+                <a:latin typeface="Consolas" panose="020B0609020204030204" pitchFamily="49" charset="0"/>
+              </a:rPr>
+              <a:t>(</a:t>
+            </a:r>
+          </a:p>
+          <a:p>
+            <a:r>
+              <a:rPr lang="en-US" sz="1600" dirty="0" err="1">
+                <a:solidFill>
+                  <a:srgbClr val="4EC9B0"/>
+                </a:solidFill>
+                <a:latin typeface="Consolas" panose="020B0609020204030204" pitchFamily="49" charset="0"/>
+              </a:rPr>
+              <a:t>HttpRequestMessage</a:t>
+            </a:r>
+            <a:r>
+              <a:rPr lang="en-US" sz="1600" dirty="0">
+                <a:solidFill>
+                  <a:srgbClr val="D4D4D4"/>
+                </a:solidFill>
+                <a:latin typeface="Consolas" panose="020B0609020204030204" pitchFamily="49" charset="0"/>
+              </a:rPr>
+              <a:t> request, </a:t>
+            </a:r>
+          </a:p>
+          <a:p>
+            <a:r>
+              <a:rPr lang="en-US" sz="1600" dirty="0" err="1">
+                <a:solidFill>
+                  <a:srgbClr val="4EC9B0"/>
+                </a:solidFill>
+                <a:latin typeface="Consolas" panose="020B0609020204030204" pitchFamily="49" charset="0"/>
+              </a:rPr>
+              <a:t>CancellationToken</a:t>
+            </a:r>
+            <a:r>
+              <a:rPr lang="en-US" sz="1600" dirty="0">
+                <a:solidFill>
+                  <a:srgbClr val="D4D4D4"/>
+                </a:solidFill>
+                <a:latin typeface="Consolas" panose="020B0609020204030204" pitchFamily="49" charset="0"/>
+              </a:rPr>
+              <a:t> </a:t>
+            </a:r>
+            <a:r>
+              <a:rPr lang="en-US" sz="1600" dirty="0" err="1">
+                <a:solidFill>
+                  <a:srgbClr val="D4D4D4"/>
+                </a:solidFill>
+                <a:latin typeface="Consolas" panose="020B0609020204030204" pitchFamily="49" charset="0"/>
+              </a:rPr>
+              <a:t>cancellationToken</a:t>
+            </a:r>
+            <a:r>
+              <a:rPr lang="en-US" sz="1600" dirty="0">
+                <a:solidFill>
+                  <a:srgbClr val="D4D4D4"/>
+                </a:solidFill>
+                <a:latin typeface="Consolas" panose="020B0609020204030204" pitchFamily="49" charset="0"/>
+              </a:rPr>
+              <a:t>);</a:t>
+            </a:r>
+          </a:p>
+          <a:p>
+            <a:r>
+              <a:rPr lang="en-US" sz="1600" dirty="0">
+                <a:solidFill>
+                  <a:srgbClr val="D4D4D4"/>
+                </a:solidFill>
+                <a:latin typeface="Consolas" panose="020B0609020204030204" pitchFamily="49" charset="0"/>
+              </a:rPr>
+              <a:t>}</a:t>
+            </a:r>
+            <a:endParaRPr lang="en-US" sz="1600" b="0" dirty="0">
+              <a:solidFill>
+                <a:srgbClr val="D4D4D4"/>
+              </a:solidFill>
+              <a:effectLst/>
+              <a:latin typeface="Consolas" panose="020B0609020204030204" pitchFamily="49" charset="0"/>
+            </a:endParaRPr>
+          </a:p>
+        </p:txBody>
+      </p:sp>
+      <p:sp>
+        <p:nvSpPr>
+          <p:cNvPr id="3" name="Rectangle 2"/>
+          <p:cNvSpPr/>
+          <p:nvPr/>
+        </p:nvSpPr>
+        <p:spPr>
+          <a:xfrm>
+            <a:off x="1521656" y="707735"/>
+            <a:ext cx="5564943" cy="523220"/>
           </a:xfrm>
           <a:prstGeom prst="rect">
             <a:avLst/>
           </a:prstGeom>
         </p:spPr>
         <p:txBody>
-          <a:bodyPr wrap="none">
+          <a:bodyPr wrap="square">
             <a:spAutoFit/>
           </a:bodyPr>
           <a:lstStyle/>
           <a:p>
             <a:r>
-              <a:rPr lang="en-US" sz="5400" b="1" dirty="0"/>
-              <a:t>HTTP ROUTING DISPATCHER</a:t>
-            </a:r>
-            <a:endParaRPr lang="en-US" sz="5400" dirty="0"/>
+              <a:rPr lang="en-US" sz="2800" b="1" dirty="0"/>
+              <a:t>A look inside.</a:t>
+            </a:r>
           </a:p>
         </p:txBody>
       </p:sp>
     </p:spTree>
     <p:extLst>
       <p:ext uri="{BB962C8B-B14F-4D97-AF65-F5344CB8AC3E}">
-        <p14:creationId xmlns:p14="http://schemas.microsoft.com/office/powerpoint/2010/main" val="1838976627"/>
+        <p14:creationId xmlns:p14="http://schemas.microsoft.com/office/powerpoint/2010/main" val="83929552"/>
       </p:ext>
     </p:extLst>
   </p:cSld>
@@ -9550,186 +9995,37 @@
       </p:grpSpPr>
       <p:sp>
         <p:nvSpPr>
-          <p:cNvPr id="2" name="Title 1"/>
-          <p:cNvSpPr>
-            <a:spLocks noGrp="1"/>
-          </p:cNvSpPr>
-          <p:nvPr>
-            <p:ph type="title"/>
-          </p:nvPr>
-        </p:nvSpPr>
-        <p:spPr/>
-        <p:txBody>
-          <a:bodyPr/>
-          <a:lstStyle/>
-          <a:p>
-            <a:r>
-              <a:rPr lang="en-US" dirty="0"/>
-              <a:t> </a:t>
-            </a:r>
-            <a:r>
-              <a:rPr lang="en-US" dirty="0"/>
-              <a:t>HTTP MESSAGE HANDLERS</a:t>
-            </a:r>
-            <a:endParaRPr lang="en-US" dirty="0"/>
-          </a:p>
-        </p:txBody>
-      </p:sp>
-      <p:sp>
-        <p:nvSpPr>
-          <p:cNvPr id="5" name="TextBox 4"/>
-          <p:cNvSpPr txBox="1"/>
+          <p:cNvPr id="4" name="Rectangle 3"/>
+          <p:cNvSpPr/>
           <p:nvPr/>
         </p:nvSpPr>
         <p:spPr>
           <a:xfrm>
-            <a:off x="1455438" y="694159"/>
-            <a:ext cx="10510576" cy="4585871"/>
+            <a:off x="2633973" y="2641433"/>
+            <a:ext cx="8222957" cy="923330"/>
           </a:xfrm>
           <a:prstGeom prst="rect">
             <a:avLst/>
           </a:prstGeom>
-          <a:noFill/>
         </p:spPr>
         <p:txBody>
-          <a:bodyPr wrap="square" rtlCol="0">
+          <a:bodyPr wrap="none">
             <a:spAutoFit/>
           </a:bodyPr>
           <a:lstStyle/>
           <a:p>
             <a:r>
-              <a:rPr lang="en-US" sz="2800" b="1" dirty="0"/>
-              <a:t>What we have to know?</a:t>
-            </a:r>
-          </a:p>
-          <a:p>
-            <a:pPr marL="342900" indent="-342900">
-              <a:buAutoNum type="arabicPeriod"/>
-            </a:pPr>
-            <a:endParaRPr lang="en-US" sz="2400" dirty="0"/>
-          </a:p>
-          <a:p>
-            <a:pPr marL="342900" indent="-342900">
-              <a:buAutoNum type="arabicPeriod"/>
-            </a:pPr>
-            <a:endParaRPr lang="en-US" sz="2400" dirty="0"/>
-          </a:p>
-          <a:p>
-            <a:pPr marL="342900" indent="-342900">
-              <a:buAutoNum type="arabicPeriod"/>
-            </a:pPr>
-            <a:r>
-              <a:rPr lang="en-US" sz="2400" dirty="0"/>
-              <a:t>It is a </a:t>
-            </a:r>
-            <a:r>
-              <a:rPr lang="en-US" sz="2400" dirty="0" err="1"/>
-              <a:t>MessageHandler</a:t>
-            </a:r>
-            <a:r>
-              <a:rPr lang="en-US" sz="2400" dirty="0"/>
-              <a:t>.</a:t>
-            </a:r>
-          </a:p>
-          <a:p>
-            <a:pPr marL="342900" indent="-342900">
-              <a:buAutoNum type="arabicPeriod"/>
-            </a:pPr>
-            <a:endParaRPr lang="en-US" sz="2400" dirty="0"/>
-          </a:p>
-          <a:p>
-            <a:pPr marL="342900" indent="-342900">
-              <a:buAutoNum type="arabicPeriod"/>
-            </a:pPr>
-            <a:r>
-              <a:rPr lang="en-US" sz="2400" dirty="0"/>
-              <a:t>It loops through all </a:t>
-            </a:r>
-            <a:r>
-              <a:rPr lang="en-US" sz="2400" dirty="0" err="1"/>
-              <a:t>IHttpRoute</a:t>
-            </a:r>
-            <a:r>
-              <a:rPr lang="en-US" sz="2400" dirty="0"/>
-              <a:t> instances and attaches to the </a:t>
-            </a:r>
-            <a:r>
-              <a:rPr lang="en-US" sz="2400" dirty="0" err="1"/>
-              <a:t>HttpRequestMessage.Properties</a:t>
-            </a:r>
-            <a:r>
-              <a:rPr lang="en-US" sz="2400" dirty="0"/>
-              <a:t> Dictionary the first matching </a:t>
-            </a:r>
-            <a:r>
-              <a:rPr lang="en-US" sz="2400" dirty="0" err="1"/>
-              <a:t>IHttpRoute</a:t>
-            </a:r>
-            <a:r>
-              <a:rPr lang="en-US" sz="2400" dirty="0"/>
-              <a:t>.</a:t>
-            </a:r>
-          </a:p>
-          <a:p>
-            <a:pPr marL="342900" indent="-342900">
-              <a:buAutoNum type="arabicPeriod"/>
-            </a:pPr>
-            <a:endParaRPr lang="en-US" sz="2400" dirty="0"/>
-          </a:p>
-          <a:p>
-            <a:pPr marL="342900" indent="-342900">
-              <a:buAutoNum type="arabicPeriod"/>
-            </a:pPr>
-            <a:r>
-              <a:rPr lang="en-US" sz="2400" dirty="0"/>
-              <a:t>Use the </a:t>
-            </a:r>
-            <a:r>
-              <a:rPr lang="en-US" sz="2400" dirty="0" err="1"/>
-              <a:t>config.Routes.MapHttpRoute</a:t>
-            </a:r>
-            <a:r>
-              <a:rPr lang="en-US" sz="2400" dirty="0"/>
-              <a:t> extension method if possible.</a:t>
-            </a:r>
-          </a:p>
-          <a:p>
-            <a:pPr marL="342900" indent="-342900">
-              <a:buAutoNum type="arabicPeriod"/>
-            </a:pPr>
-            <a:endParaRPr lang="en-US" sz="2400" dirty="0"/>
-          </a:p>
-          <a:p>
-            <a:pPr marL="342900" indent="-342900">
-              <a:buAutoNum type="arabicPeriod"/>
-            </a:pPr>
-            <a:r>
-              <a:rPr lang="en-US" sz="2400" dirty="0"/>
-              <a:t>It calls the message handler of the </a:t>
-            </a:r>
-            <a:r>
-              <a:rPr lang="en-US" sz="2400" dirty="0" err="1"/>
-              <a:t>IHttpRoute</a:t>
-            </a:r>
-            <a:r>
-              <a:rPr lang="en-US" sz="2400" dirty="0"/>
-              <a:t>. If the handler is null it calls the </a:t>
-            </a:r>
-            <a:r>
-              <a:rPr lang="en-US" sz="2400" dirty="0" err="1"/>
-              <a:t>HttpControllerDispatcher</a:t>
-            </a:r>
-            <a:r>
-              <a:rPr lang="en-US" sz="2400" dirty="0"/>
-              <a:t>.</a:t>
-            </a:r>
+              <a:rPr lang="en-US" sz="5400" b="1" dirty="0"/>
+              <a:t>HTTP ROUTING DISPATCHER</a:t>
+            </a:r>
+            <a:endParaRPr lang="en-US" sz="5400" dirty="0"/>
           </a:p>
         </p:txBody>
       </p:sp>
     </p:spTree>
     <p:extLst>
       <p:ext uri="{BB962C8B-B14F-4D97-AF65-F5344CB8AC3E}">
-        <p14:creationId xmlns:p14="http://schemas.microsoft.com/office/powerpoint/2010/main" val="4003318264"/>
+        <p14:creationId xmlns:p14="http://schemas.microsoft.com/office/powerpoint/2010/main" val="1838976627"/>
       </p:ext>
     </p:extLst>
   </p:cSld>
@@ -9758,37 +10054,181 @@
       </p:grpSpPr>
       <p:sp>
         <p:nvSpPr>
-          <p:cNvPr id="4" name="Rectangle 3"/>
-          <p:cNvSpPr/>
+          <p:cNvPr id="2" name="Title 1"/>
+          <p:cNvSpPr>
+            <a:spLocks noGrp="1"/>
+          </p:cNvSpPr>
+          <p:nvPr>
+            <p:ph type="title"/>
+          </p:nvPr>
+        </p:nvSpPr>
+        <p:spPr/>
+        <p:txBody>
+          <a:bodyPr/>
+          <a:lstStyle/>
+          <a:p>
+            <a:r>
+              <a:rPr lang="en-US" dirty="0"/>
+              <a:t> HTTP MESSAGE HANDLERS</a:t>
+            </a:r>
+          </a:p>
+        </p:txBody>
+      </p:sp>
+      <p:sp>
+        <p:nvSpPr>
+          <p:cNvPr id="5" name="TextBox 4"/>
+          <p:cNvSpPr txBox="1"/>
           <p:nvPr/>
         </p:nvSpPr>
         <p:spPr>
           <a:xfrm>
-            <a:off x="2633973" y="2641433"/>
-            <a:ext cx="7433382" cy="923330"/>
+            <a:off x="1455438" y="694159"/>
+            <a:ext cx="10510576" cy="4585871"/>
           </a:xfrm>
           <a:prstGeom prst="rect">
             <a:avLst/>
           </a:prstGeom>
+          <a:noFill/>
         </p:spPr>
         <p:txBody>
-          <a:bodyPr wrap="none">
+          <a:bodyPr wrap="square" rtlCol="0">
             <a:spAutoFit/>
           </a:bodyPr>
           <a:lstStyle/>
           <a:p>
             <a:r>
-              <a:rPr lang="en-US" sz="5400" b="1" dirty="0" err="1"/>
+              <a:rPr lang="en-US" sz="2800" b="1" dirty="0"/>
+              <a:t>What do we have to know?</a:t>
+            </a:r>
+          </a:p>
+          <a:p>
+            <a:pPr marL="342900" indent="-342900">
+              <a:buAutoNum type="arabicPeriod"/>
+            </a:pPr>
+            <a:endParaRPr lang="en-US" sz="2400" dirty="0"/>
+          </a:p>
+          <a:p>
+            <a:pPr marL="342900" indent="-342900">
+              <a:buAutoNum type="arabicPeriod"/>
+            </a:pPr>
+            <a:endParaRPr lang="en-US" sz="2400" dirty="0"/>
+          </a:p>
+          <a:p>
+            <a:pPr marL="342900" indent="-342900">
+              <a:buAutoNum type="arabicPeriod"/>
+            </a:pPr>
+            <a:r>
+              <a:rPr lang="en-US" sz="2400" dirty="0"/>
+              <a:t>It is a </a:t>
+            </a:r>
+            <a:r>
+              <a:rPr lang="en-US" sz="2400" dirty="0" err="1"/>
+              <a:t>MessageHandler</a:t>
+            </a:r>
+            <a:r>
+              <a:rPr lang="en-US" sz="2400" dirty="0"/>
+              <a:t>.</a:t>
+            </a:r>
+          </a:p>
+          <a:p>
+            <a:pPr marL="342900" indent="-342900">
+              <a:buAutoNum type="arabicPeriod"/>
+            </a:pPr>
+            <a:endParaRPr lang="en-US" sz="2400" dirty="0"/>
+          </a:p>
+          <a:p>
+            <a:pPr marL="342900" indent="-342900">
+              <a:buAutoNum type="arabicPeriod"/>
+            </a:pPr>
+            <a:r>
+              <a:rPr lang="en-US" sz="2400" dirty="0"/>
+              <a:t>It loops through all </a:t>
+            </a:r>
+            <a:r>
+              <a:rPr lang="en-US" sz="2400" dirty="0" err="1"/>
+              <a:t>IHttpRoute</a:t>
+            </a:r>
+            <a:r>
+              <a:rPr lang="en-US" sz="2400" dirty="0"/>
+              <a:t> instances and attaches to the </a:t>
+            </a:r>
+            <a:r>
+              <a:rPr lang="en-US" sz="2400" dirty="0" err="1"/>
+              <a:t>HttpRequestMessage.Properties</a:t>
+            </a:r>
+            <a:r>
+              <a:rPr lang="en-US" sz="2400" dirty="0"/>
+              <a:t> Dictionary the first matching </a:t>
+            </a:r>
+            <a:r>
+              <a:rPr lang="en-US" sz="2400" dirty="0" err="1"/>
+              <a:t>IHttpRoute</a:t>
+            </a:r>
+            <a:r>
+              <a:rPr lang="en-US" sz="2400" dirty="0"/>
+              <a:t>.</a:t>
+            </a:r>
+          </a:p>
+          <a:p>
+            <a:pPr marL="342900" indent="-342900">
+              <a:buAutoNum type="arabicPeriod"/>
+            </a:pPr>
+            <a:endParaRPr lang="en-US" sz="2400" dirty="0"/>
+          </a:p>
+          <a:p>
+            <a:pPr marL="342900" indent="-342900">
+              <a:buAutoNum type="arabicPeriod"/>
+            </a:pPr>
+            <a:r>
+              <a:rPr lang="en-US" sz="2400" dirty="0"/>
+              <a:t>Use the </a:t>
+            </a:r>
+            <a:r>
+              <a:rPr lang="en-US" sz="2400" dirty="0" err="1"/>
+              <a:t>config.Routes.MapHttpRoute</a:t>
+            </a:r>
+            <a:r>
+              <a:rPr lang="en-US" sz="2400" dirty="0"/>
+              <a:t> extension method if possible.</a:t>
+            </a:r>
+          </a:p>
+          <a:p>
+            <a:pPr marL="342900" indent="-342900">
+              <a:buAutoNum type="arabicPeriod"/>
+            </a:pPr>
+            <a:endParaRPr lang="en-US" sz="2400" dirty="0"/>
+          </a:p>
+          <a:p>
+            <a:pPr marL="342900" indent="-342900">
+              <a:buAutoNum type="arabicPeriod"/>
+            </a:pPr>
+            <a:r>
+              <a:rPr lang="en-US" sz="2400" dirty="0"/>
+              <a:t>It calls the message handler of the </a:t>
+            </a:r>
+            <a:r>
+              <a:rPr lang="en-US" sz="2400" dirty="0" err="1"/>
+              <a:t>IHttpRoute</a:t>
+            </a:r>
+            <a:r>
+              <a:rPr lang="en-US" sz="2400" dirty="0"/>
+              <a:t>. If the handler is null it calls the </a:t>
+            </a:r>
+            <a:r>
+              <a:rPr lang="en-US" sz="2400" dirty="0" err="1"/>
               <a:t>HttpControllerDispatcher</a:t>
             </a:r>
-            <a:endParaRPr lang="en-US" sz="5400" dirty="0"/>
+            <a:r>
+              <a:rPr lang="en-US" sz="2400" dirty="0"/>
+              <a:t>.</a:t>
+            </a:r>
           </a:p>
         </p:txBody>
       </p:sp>
     </p:spTree>
     <p:extLst>
       <p:ext uri="{BB962C8B-B14F-4D97-AF65-F5344CB8AC3E}">
-        <p14:creationId xmlns:p14="http://schemas.microsoft.com/office/powerpoint/2010/main" val="3223094567"/>
+        <p14:creationId xmlns:p14="http://schemas.microsoft.com/office/powerpoint/2010/main" val="4003318264"/>
       </p:ext>
     </p:extLst>
   </p:cSld>
@@ -9817,296 +10257,37 @@
       </p:grpSpPr>
       <p:sp>
         <p:nvSpPr>
-          <p:cNvPr id="2" name="Title 1"/>
-          <p:cNvSpPr>
-            <a:spLocks noGrp="1"/>
-          </p:cNvSpPr>
-          <p:nvPr>
-            <p:ph type="title"/>
-          </p:nvPr>
-        </p:nvSpPr>
-        <p:spPr/>
-        <p:txBody>
-          <a:bodyPr/>
-          <a:lstStyle/>
-          <a:p>
-            <a:r>
-              <a:rPr lang="en-US" dirty="0"/>
-              <a:t> </a:t>
-            </a:r>
-            <a:r>
-              <a:rPr lang="en-US" dirty="0"/>
-              <a:t>HTTP MESSAGE HANDLERS</a:t>
-            </a:r>
-            <a:endParaRPr lang="en-US" dirty="0"/>
-          </a:p>
-        </p:txBody>
-      </p:sp>
-      <p:sp>
-        <p:nvSpPr>
-          <p:cNvPr id="5" name="TextBox 4"/>
-          <p:cNvSpPr txBox="1"/>
+          <p:cNvPr id="4" name="Rectangle 3"/>
+          <p:cNvSpPr/>
           <p:nvPr/>
         </p:nvSpPr>
         <p:spPr>
           <a:xfrm>
-            <a:off x="1455438" y="694159"/>
-            <a:ext cx="10510576" cy="6063198"/>
+            <a:off x="2633973" y="2641433"/>
+            <a:ext cx="7433382" cy="923330"/>
           </a:xfrm>
           <a:prstGeom prst="rect">
             <a:avLst/>
           </a:prstGeom>
-          <a:noFill/>
         </p:spPr>
         <p:txBody>
-          <a:bodyPr wrap="square" rtlCol="0">
+          <a:bodyPr wrap="none">
             <a:spAutoFit/>
           </a:bodyPr>
           <a:lstStyle/>
           <a:p>
             <a:r>
-              <a:rPr lang="en-US" sz="2800" b="1" dirty="0"/>
-              <a:t>What we have to know?</a:t>
-            </a:r>
-          </a:p>
-          <a:p>
-            <a:pPr marL="342900" indent="-342900">
-              <a:buAutoNum type="arabicPeriod"/>
-            </a:pPr>
-            <a:endParaRPr lang="en-US" sz="2400" dirty="0"/>
-          </a:p>
-          <a:p>
-            <a:pPr marL="342900" indent="-342900">
-              <a:buAutoNum type="arabicPeriod"/>
-            </a:pPr>
-            <a:r>
-              <a:rPr lang="en-US" sz="2400" dirty="0"/>
-              <a:t>It is a message handler.</a:t>
-            </a:r>
-          </a:p>
-          <a:p>
-            <a:pPr marL="342900" indent="-342900">
-              <a:buAutoNum type="arabicPeriod"/>
-            </a:pPr>
-            <a:endParaRPr lang="en-US" sz="2400" dirty="0"/>
-          </a:p>
-          <a:p>
-            <a:pPr marL="342900" indent="-342900">
-              <a:buFontTx/>
-              <a:buAutoNum type="arabicPeriod"/>
-            </a:pPr>
-            <a:r>
-              <a:rPr lang="en-US" sz="2400" dirty="0"/>
-              <a:t>It selects the appropriate controller based on the request.</a:t>
-            </a:r>
-          </a:p>
-          <a:p>
-            <a:pPr marL="342900" indent="-342900">
-              <a:buFontTx/>
-              <a:buAutoNum type="arabicPeriod"/>
-            </a:pPr>
-            <a:endParaRPr lang="en-US" sz="2400" dirty="0"/>
-          </a:p>
-          <a:p>
-            <a:pPr marL="342900" indent="-342900">
-              <a:buFontTx/>
-              <a:buAutoNum type="arabicPeriod"/>
-            </a:pPr>
-            <a:r>
-              <a:rPr lang="en-US" sz="2400" dirty="0"/>
-              <a:t>How the </a:t>
-            </a:r>
-            <a:r>
-              <a:rPr lang="en-US" sz="2400" dirty="0" err="1"/>
-              <a:t>ControllerDispatcher</a:t>
-            </a:r>
-            <a:r>
-              <a:rPr lang="en-US" sz="2400" dirty="0"/>
-              <a:t> modules are connected?</a:t>
-            </a:r>
-          </a:p>
-          <a:p>
-            <a:pPr marL="800100" lvl="1" indent="-342900">
-              <a:buFont typeface="Arial" panose="020B0604020202020204" pitchFamily="34" charset="0"/>
-              <a:buChar char="•"/>
-            </a:pPr>
-            <a:r>
-              <a:rPr lang="en-US" sz="2400" dirty="0"/>
-              <a:t>It uses the configured </a:t>
-            </a:r>
-            <a:r>
-              <a:rPr lang="en-US" sz="2400" dirty="0" err="1"/>
-              <a:t>ControllerSelector</a:t>
-            </a:r>
-            <a:r>
-              <a:rPr lang="en-US" sz="2400" dirty="0"/>
-              <a:t> to get </a:t>
-            </a:r>
-            <a:r>
-              <a:rPr lang="en-US" sz="2400" dirty="0" err="1"/>
-              <a:t>HttpControllerDesriptor</a:t>
-            </a:r>
-            <a:r>
-              <a:rPr lang="en-US" sz="2400" dirty="0"/>
-              <a:t>. </a:t>
-            </a:r>
-          </a:p>
-          <a:p>
-            <a:pPr marL="800100" lvl="1" indent="-342900">
-              <a:buFont typeface="Arial" panose="020B0604020202020204" pitchFamily="34" charset="0"/>
-              <a:buChar char="•"/>
-            </a:pPr>
-            <a:r>
-              <a:rPr lang="en-US" sz="2400" dirty="0"/>
-              <a:t>The </a:t>
-            </a:r>
-            <a:r>
-              <a:rPr lang="en-US" sz="2400" dirty="0" err="1"/>
-              <a:t>ControllerSelector</a:t>
-            </a:r>
-            <a:r>
-              <a:rPr lang="en-US" sz="2400" dirty="0"/>
-              <a:t> selects the controller using the </a:t>
-            </a:r>
-            <a:r>
-              <a:rPr lang="en-US" sz="2400" dirty="0" err="1"/>
-              <a:t>HttpControllerTypeCache</a:t>
-            </a:r>
-            <a:r>
-              <a:rPr lang="en-US" sz="2400" dirty="0"/>
-              <a:t>. </a:t>
-            </a:r>
-          </a:p>
-          <a:p>
-            <a:pPr marL="800100" lvl="1" indent="-342900">
-              <a:buFont typeface="Arial" panose="020B0604020202020204" pitchFamily="34" charset="0"/>
-              <a:buChar char="•"/>
-            </a:pPr>
-            <a:r>
-              <a:rPr lang="en-US" sz="2400" dirty="0"/>
-              <a:t>The </a:t>
-            </a:r>
-            <a:r>
-              <a:rPr lang="en-US" sz="2400" dirty="0" err="1"/>
-              <a:t>HttpControllerTypeCache</a:t>
-            </a:r>
-            <a:r>
-              <a:rPr lang="en-US" sz="2400" dirty="0"/>
-              <a:t> uses the </a:t>
-            </a:r>
-            <a:r>
-              <a:rPr lang="en-US" sz="2400" dirty="0" err="1"/>
-              <a:t>IAssembliesResolver</a:t>
-            </a:r>
-            <a:r>
-              <a:rPr lang="en-US" sz="2400" dirty="0"/>
-              <a:t>  and the </a:t>
-            </a:r>
-            <a:r>
-              <a:rPr lang="en-US" sz="2400" dirty="0" err="1"/>
-              <a:t>IHttpControllerTypeResolver</a:t>
-            </a:r>
-            <a:r>
-              <a:rPr lang="en-US" sz="2400" dirty="0"/>
-              <a:t> to get the appropriate controller Type.</a:t>
-            </a:r>
-          </a:p>
-          <a:p>
-            <a:pPr marL="800100" lvl="1" indent="-342900">
-              <a:buFont typeface="Arial" panose="020B0604020202020204" pitchFamily="34" charset="0"/>
-              <a:buChar char="•"/>
-            </a:pPr>
-            <a:r>
-              <a:rPr lang="en-US" sz="2400" dirty="0"/>
-              <a:t>Once the </a:t>
-            </a:r>
-            <a:r>
-              <a:rPr lang="en-US" sz="2400" dirty="0" err="1"/>
-              <a:t>ControllerDescriptor</a:t>
-            </a:r>
-            <a:r>
-              <a:rPr lang="en-US" sz="2400" dirty="0"/>
-              <a:t> is built, it (the </a:t>
-            </a:r>
-            <a:r>
-              <a:rPr lang="en-US" sz="2400" dirty="0" err="1"/>
-              <a:t>ControllerDescriptor</a:t>
-            </a:r>
-            <a:r>
-              <a:rPr lang="en-US" sz="2400" dirty="0"/>
-              <a:t>) calls the Create() method of the configured </a:t>
-            </a:r>
-            <a:r>
-              <a:rPr lang="en-US" sz="2400" dirty="0" err="1"/>
-              <a:t>IHttpControllerActivator</a:t>
-            </a:r>
-            <a:r>
-              <a:rPr lang="en-US" sz="2400" dirty="0"/>
-              <a:t>.</a:t>
-            </a:r>
-          </a:p>
-          <a:p>
-            <a:pPr marL="800100" lvl="1" indent="-342900">
-              <a:buFont typeface="Arial" panose="020B0604020202020204" pitchFamily="34" charset="0"/>
-              <a:buChar char="•"/>
-            </a:pPr>
-            <a:r>
-              <a:rPr lang="en-US" sz="2400" dirty="0"/>
-              <a:t>As a result the </a:t>
-            </a:r>
-            <a:r>
-              <a:rPr lang="en-US" sz="2400" dirty="0" err="1"/>
-              <a:t>ControllerDispatcher</a:t>
-            </a:r>
-            <a:r>
-              <a:rPr lang="en-US" sz="2400" dirty="0"/>
-              <a:t> gets an </a:t>
-            </a:r>
-            <a:r>
-              <a:rPr lang="en-US" sz="2400" dirty="0" err="1"/>
-              <a:t>istance</a:t>
-            </a:r>
-            <a:r>
-              <a:rPr lang="en-US" sz="2400" dirty="0"/>
-              <a:t> of the </a:t>
-            </a:r>
-            <a:r>
-              <a:rPr lang="en-US" sz="2400" dirty="0" err="1"/>
-              <a:t>IHttpController</a:t>
-            </a:r>
-            <a:r>
-              <a:rPr lang="en-US" sz="2400" dirty="0"/>
-              <a:t>.</a:t>
-            </a:r>
-          </a:p>
-          <a:p>
-            <a:r>
-              <a:rPr lang="en-US" sz="2400" dirty="0"/>
-              <a:t>4. The Dispatcher calls the </a:t>
-            </a:r>
-            <a:r>
-              <a:rPr lang="en-US" sz="2400" dirty="0" err="1"/>
-              <a:t>ExecuteAsync</a:t>
-            </a:r>
-            <a:r>
-              <a:rPr lang="en-US" sz="2400" dirty="0"/>
-              <a:t>() method of the </a:t>
-            </a:r>
-            <a:r>
-              <a:rPr lang="en-US" sz="2400" dirty="0" err="1"/>
-              <a:t>IHttpController</a:t>
-            </a:r>
-            <a:r>
-              <a:rPr lang="en-US" sz="2400" dirty="0"/>
-              <a:t> instance.</a:t>
-            </a:r>
+              <a:rPr lang="en-US" sz="5400" b="1" dirty="0" err="1"/>
+              <a:t>HttpControllerDispatcher</a:t>
+            </a:r>
+            <a:endParaRPr lang="en-US" sz="5400" dirty="0"/>
           </a:p>
         </p:txBody>
       </p:sp>
     </p:spTree>
     <p:extLst>
       <p:ext uri="{BB962C8B-B14F-4D97-AF65-F5344CB8AC3E}">
-        <p14:creationId xmlns:p14="http://schemas.microsoft.com/office/powerpoint/2010/main" val="1580367739"/>
+        <p14:creationId xmlns:p14="http://schemas.microsoft.com/office/powerpoint/2010/main" val="3223094567"/>
       </p:ext>
     </p:extLst>
   </p:cSld>

--- a/ASP_ExtensionPoints/Presentation/WebAPI.pptx
+++ b/ASP_ExtensionPoints/Presentation/WebAPI.pptx
@@ -622,6 +622,14 @@
           <a:bodyPr/>
           <a:lstStyle/>
           <a:p>
+            <a:r>
+              <a:rPr lang="en-US" dirty="0"/>
+              <a:t>2. So no</a:t>
+            </a:r>
+            <a:r>
+              <a:rPr lang="en-US" baseline="0" dirty="0"/>
+              <a:t> exception can propagate to the lower levels.</a:t>
+            </a:r>
             <a:endParaRPr lang="en-US" dirty="0"/>
           </a:p>
         </p:txBody>
@@ -643,7 +651,7 @@
           <a:p>
             <a:fld id="{9650035D-E5EC-4F72-8410-D3F7E0B5F874}" type="slidenum">
               <a:rPr lang="en-US" smtClean="0"/>
-              <a:t>19</a:t>
+              <a:t>14</a:t>
             </a:fld>
             <a:endParaRPr lang="en-US"/>
           </a:p>
@@ -652,7 +660,7 @@
     </p:spTree>
     <p:extLst>
       <p:ext uri="{BB962C8B-B14F-4D97-AF65-F5344CB8AC3E}">
-        <p14:creationId xmlns:p14="http://schemas.microsoft.com/office/powerpoint/2010/main" val="4011454932"/>
+        <p14:creationId xmlns:p14="http://schemas.microsoft.com/office/powerpoint/2010/main" val="39322129"/>
       </p:ext>
     </p:extLst>
   </p:cSld>
@@ -719,7 +727,7 @@
                 <a:ea typeface="+mn-ea"/>
                 <a:cs typeface="+mn-cs"/>
               </a:rPr>
-              <a:t>The first version of ASP.NET Web API supports 3 types of action results. They are </a:t>
+              <a:t> it means that the model state is available to action filters. So instead to write in every action the </a:t>
             </a:r>
             <a:r>
               <a:rPr lang="en-US" sz="1200" b="0" i="0" kern="1200" dirty="0" err="1">
@@ -731,7 +739,7 @@
                 <a:ea typeface="+mn-ea"/>
                 <a:cs typeface="+mn-cs"/>
               </a:rPr>
-              <a:t>HttpResponseMessage</a:t>
+              <a:t>modelstate</a:t>
             </a:r>
             <a:r>
               <a:rPr lang="en-US" sz="1200" b="0" i="0" kern="1200" dirty="0">
@@ -743,10 +751,10 @@
                 <a:ea typeface="+mn-ea"/>
                 <a:cs typeface="+mn-cs"/>
               </a:rPr>
-              <a:t>, Void and Type of Entity or Model. But in WEB API 2, Microsoft had introduced another powerful Action result called </a:t>
-            </a:r>
-            <a:r>
-              <a:rPr lang="en-US" sz="1200" b="0" i="0" kern="1200" dirty="0" err="1">
+              <a:t> check it can be done in an</a:t>
+            </a:r>
+            <a:r>
+              <a:rPr lang="en-US" sz="1200" b="0" i="0" kern="1200" baseline="0" dirty="0">
                 <a:solidFill>
                   <a:schemeClr val="tx1"/>
                 </a:solidFill>
@@ -755,8 +763,13 @@
                 <a:ea typeface="+mn-ea"/>
                 <a:cs typeface="+mn-cs"/>
               </a:rPr>
-              <a:t>IhttpActionResult</a:t>
-            </a:r>
+              <a:t> action filter.</a:t>
+            </a:r>
+          </a:p>
+          <a:p>
+            <a:pPr marL="228600" indent="-228600">
+              <a:buAutoNum type="arabicPeriod"/>
+            </a:pPr>
             <a:r>
               <a:rPr lang="en-US" sz="1200" b="0" i="0" kern="1200" dirty="0">
                 <a:solidFill>
@@ -767,48 +780,13 @@
                 <a:ea typeface="+mn-ea"/>
                 <a:cs typeface="+mn-cs"/>
               </a:rPr>
-              <a:t>.</a:t>
+              <a:t>Model binding is the process of creating .NET objects using the data sent by the browser in an HTTP request.</a:t>
             </a:r>
           </a:p>
           <a:p>
             <a:pPr marL="228600" indent="-228600">
               <a:buAutoNum type="arabicPeriod"/>
             </a:pPr>
-            <a:endParaRPr lang="en-US" sz="1200" b="0" i="0" kern="1200" dirty="0">
-              <a:solidFill>
-                <a:schemeClr val="tx1"/>
-              </a:solidFill>
-              <a:effectLst/>
-              <a:latin typeface="+mn-lt"/>
-              <a:ea typeface="+mn-ea"/>
-              <a:cs typeface="+mn-cs"/>
-            </a:endParaRPr>
-          </a:p>
-          <a:p>
-            <a:r>
-              <a:rPr lang="en-US" dirty="0"/>
-              <a:t> </a:t>
-            </a:r>
-            <a:r>
-              <a:rPr lang="en-US" dirty="0" err="1"/>
-              <a:t>IContentNegotiator</a:t>
-            </a:r>
-            <a:r>
-              <a:rPr lang="en-US" dirty="0"/>
-              <a:t> selects</a:t>
-            </a:r>
-            <a:r>
-              <a:rPr lang="en-US" baseline="0" dirty="0"/>
-              <a:t> the appropriate </a:t>
-            </a:r>
-            <a:r>
-              <a:rPr lang="en-US" baseline="0" dirty="0" err="1"/>
-              <a:t>MediaTypeFormatter</a:t>
-            </a:r>
-            <a:r>
-              <a:rPr lang="en-US" baseline="0" dirty="0"/>
-              <a:t> </a:t>
-            </a:r>
             <a:r>
               <a:rPr lang="en-US" sz="1200" b="0" i="0" kern="1200" dirty="0">
                 <a:solidFill>
@@ -819,12 +797,15 @@
                 <a:ea typeface="+mn-ea"/>
                 <a:cs typeface="+mn-cs"/>
               </a:rPr>
-              <a:t>in compliance with header values in the request.</a:t>
-            </a:r>
-          </a:p>
-          <a:p>
-            <a:br>
-              <a:rPr lang="en-US" sz="1200" b="1" i="0" kern="1200" dirty="0">
+              <a:t> </a:t>
+            </a:r>
+          </a:p>
+          <a:p>
+            <a:pPr marL="228600" indent="-228600">
+              <a:buAutoNum type="arabicPeriod"/>
+            </a:pPr>
+            <a:r>
+              <a:rPr lang="en-US" sz="1200" b="0" i="0" kern="1200" dirty="0">
                 <a:solidFill>
                   <a:schemeClr val="tx1"/>
                 </a:solidFill>
@@ -833,8 +814,68 @@
                 <a:ea typeface="+mn-ea"/>
                 <a:cs typeface="+mn-cs"/>
               </a:rPr>
-            </a:br>
-            <a:endParaRPr lang="en-US" dirty="0"/>
+              <a:t>At most one parameter is allowed to read from the message body.</a:t>
+            </a:r>
+          </a:p>
+          <a:p>
+            <a:pPr marL="914400" lvl="2" indent="0">
+              <a:buNone/>
+            </a:pPr>
+            <a:r>
+              <a:rPr lang="en-US" dirty="0"/>
+              <a:t>// Caution: Will not work!    </a:t>
+            </a:r>
+          </a:p>
+          <a:p>
+            <a:pPr marL="0" indent="0">
+              <a:buNone/>
+            </a:pPr>
+            <a:r>
+              <a:rPr lang="en-US" dirty="0"/>
+              <a:t>	public </a:t>
+            </a:r>
+            <a:r>
+              <a:rPr lang="en-US" dirty="0" err="1"/>
+              <a:t>HttpResponseMessage</a:t>
+            </a:r>
+            <a:r>
+              <a:rPr lang="en-US" dirty="0"/>
+              <a:t> Post([</a:t>
+            </a:r>
+            <a:r>
+              <a:rPr lang="en-US" dirty="0" err="1"/>
+              <a:t>FromBody</a:t>
+            </a:r>
+            <a:r>
+              <a:rPr lang="en-US" dirty="0"/>
+              <a:t>] </a:t>
+            </a:r>
+            <a:r>
+              <a:rPr lang="en-US" dirty="0" err="1"/>
+              <a:t>int</a:t>
+            </a:r>
+            <a:r>
+              <a:rPr lang="en-US" dirty="0"/>
+              <a:t> id, [</a:t>
+            </a:r>
+            <a:r>
+              <a:rPr lang="en-US" dirty="0" err="1"/>
+              <a:t>FromBody</a:t>
+            </a:r>
+            <a:r>
+              <a:rPr lang="en-US" dirty="0"/>
+              <a:t>] string name) { ... }</a:t>
+            </a:r>
+          </a:p>
+          <a:p>
+            <a:pPr marL="228600" indent="-228600">
+              <a:buFont typeface="+mj-lt"/>
+              <a:buAutoNum type="arabicPeriod"/>
+            </a:pPr>
+            <a:r>
+              <a:rPr lang="en-US" dirty="0"/>
+              <a:t>	</a:t>
+            </a:r>
           </a:p>
         </p:txBody>
       </p:sp>
@@ -855,7 +896,7 @@
           <a:p>
             <a:fld id="{9650035D-E5EC-4F72-8410-D3F7E0B5F874}" type="slidenum">
               <a:rPr lang="en-US" smtClean="0"/>
-              <a:t>22</a:t>
+              <a:t>16</a:t>
             </a:fld>
             <a:endParaRPr lang="en-US"/>
           </a:p>
@@ -864,7 +905,7 @@
     </p:spTree>
     <p:extLst>
       <p:ext uri="{BB962C8B-B14F-4D97-AF65-F5344CB8AC3E}">
-        <p14:creationId xmlns:p14="http://schemas.microsoft.com/office/powerpoint/2010/main" val="2869793647"/>
+        <p14:creationId xmlns:p14="http://schemas.microsoft.com/office/powerpoint/2010/main" val="997226818"/>
       </p:ext>
     </p:extLst>
   </p:cSld>
@@ -939,6 +980,302 @@
           <a:p>
             <a:fld id="{9650035D-E5EC-4F72-8410-D3F7E0B5F874}" type="slidenum">
               <a:rPr lang="en-US" smtClean="0"/>
+              <a:t>19</a:t>
+            </a:fld>
+            <a:endParaRPr lang="en-US"/>
+          </a:p>
+        </p:txBody>
+      </p:sp>
+    </p:spTree>
+    <p:extLst>
+      <p:ext uri="{BB962C8B-B14F-4D97-AF65-F5344CB8AC3E}">
+        <p14:creationId xmlns:p14="http://schemas.microsoft.com/office/powerpoint/2010/main" val="4011454932"/>
+      </p:ext>
+    </p:extLst>
+  </p:cSld>
+  <p:clrMapOvr>
+    <a:masterClrMapping/>
+  </p:clrMapOvr>
+</p:notes>
+</file>
+
+<file path=ppt/notesSlides/notesSlide13.xml><?xml version="1.0" encoding="utf-8"?>
+<p:notes xmlns:a="http://schemas.openxmlformats.org/drawingml/2006/main" xmlns:r="http://schemas.openxmlformats.org/officeDocument/2006/relationships" xmlns:p="http://schemas.openxmlformats.org/presentationml/2006/main">
+  <p:cSld>
+    <p:spTree>
+      <p:nvGrpSpPr>
+        <p:cNvPr id="1" name=""/>
+        <p:cNvGrpSpPr/>
+        <p:nvPr/>
+      </p:nvGrpSpPr>
+      <p:grpSpPr>
+        <a:xfrm>
+          <a:off x="0" y="0"/>
+          <a:ext cx="0" cy="0"/>
+          <a:chOff x="0" y="0"/>
+          <a:chExt cx="0" cy="0"/>
+        </a:xfrm>
+      </p:grpSpPr>
+      <p:sp>
+        <p:nvSpPr>
+          <p:cNvPr id="2" name="Slide Image Placeholder 1"/>
+          <p:cNvSpPr>
+            <a:spLocks noGrp="1" noRot="1" noChangeAspect="1"/>
+          </p:cNvSpPr>
+          <p:nvPr>
+            <p:ph type="sldImg"/>
+          </p:nvPr>
+        </p:nvSpPr>
+        <p:spPr/>
+      </p:sp>
+      <p:sp>
+        <p:nvSpPr>
+          <p:cNvPr id="3" name="Notes Placeholder 2"/>
+          <p:cNvSpPr>
+            <a:spLocks noGrp="1"/>
+          </p:cNvSpPr>
+          <p:nvPr>
+            <p:ph type="body" idx="1"/>
+          </p:nvPr>
+        </p:nvSpPr>
+        <p:spPr/>
+        <p:txBody>
+          <a:bodyPr/>
+          <a:lstStyle/>
+          <a:p>
+            <a:pPr marL="228600" indent="-228600">
+              <a:buAutoNum type="arabicPeriod"/>
+            </a:pPr>
+            <a:r>
+              <a:rPr lang="en-US" sz="1200" b="0" i="0" kern="1200" dirty="0">
+                <a:solidFill>
+                  <a:schemeClr val="tx1"/>
+                </a:solidFill>
+                <a:effectLst/>
+                <a:latin typeface="+mn-lt"/>
+                <a:ea typeface="+mn-ea"/>
+                <a:cs typeface="+mn-cs"/>
+              </a:rPr>
+              <a:t>The first version of ASP.NET Web API supports 3 types of action results. They are </a:t>
+            </a:r>
+            <a:r>
+              <a:rPr lang="en-US" sz="1200" b="0" i="0" kern="1200" dirty="0" err="1">
+                <a:solidFill>
+                  <a:schemeClr val="tx1"/>
+                </a:solidFill>
+                <a:effectLst/>
+                <a:latin typeface="+mn-lt"/>
+                <a:ea typeface="+mn-ea"/>
+                <a:cs typeface="+mn-cs"/>
+              </a:rPr>
+              <a:t>HttpResponseMessage</a:t>
+            </a:r>
+            <a:r>
+              <a:rPr lang="en-US" sz="1200" b="0" i="0" kern="1200" dirty="0">
+                <a:solidFill>
+                  <a:schemeClr val="tx1"/>
+                </a:solidFill>
+                <a:effectLst/>
+                <a:latin typeface="+mn-lt"/>
+                <a:ea typeface="+mn-ea"/>
+                <a:cs typeface="+mn-cs"/>
+              </a:rPr>
+              <a:t>, Void and Type of Entity or Model. But in WEB API 2, Microsoft had introduced another powerful Action result called </a:t>
+            </a:r>
+            <a:r>
+              <a:rPr lang="en-US" sz="1200" b="0" i="0" kern="1200" dirty="0" err="1">
+                <a:solidFill>
+                  <a:schemeClr val="tx1"/>
+                </a:solidFill>
+                <a:effectLst/>
+                <a:latin typeface="+mn-lt"/>
+                <a:ea typeface="+mn-ea"/>
+                <a:cs typeface="+mn-cs"/>
+              </a:rPr>
+              <a:t>IhttpActionResult</a:t>
+            </a:r>
+            <a:r>
+              <a:rPr lang="en-US" sz="1200" b="0" i="0" kern="1200" dirty="0">
+                <a:solidFill>
+                  <a:schemeClr val="tx1"/>
+                </a:solidFill>
+                <a:effectLst/>
+                <a:latin typeface="+mn-lt"/>
+                <a:ea typeface="+mn-ea"/>
+                <a:cs typeface="+mn-cs"/>
+              </a:rPr>
+              <a:t>.</a:t>
+            </a:r>
+          </a:p>
+          <a:p>
+            <a:pPr marL="228600" indent="-228600">
+              <a:buAutoNum type="arabicPeriod"/>
+            </a:pPr>
+            <a:endParaRPr lang="en-US" sz="1200" b="0" i="0" kern="1200" dirty="0">
+              <a:solidFill>
+                <a:schemeClr val="tx1"/>
+              </a:solidFill>
+              <a:effectLst/>
+              <a:latin typeface="+mn-lt"/>
+              <a:ea typeface="+mn-ea"/>
+              <a:cs typeface="+mn-cs"/>
+            </a:endParaRPr>
+          </a:p>
+          <a:p>
+            <a:r>
+              <a:rPr lang="en-US" dirty="0"/>
+              <a:t> </a:t>
+            </a:r>
+            <a:r>
+              <a:rPr lang="en-US" dirty="0" err="1"/>
+              <a:t>IContentNegotiator</a:t>
+            </a:r>
+            <a:r>
+              <a:rPr lang="en-US" dirty="0"/>
+              <a:t> selects</a:t>
+            </a:r>
+            <a:r>
+              <a:rPr lang="en-US" baseline="0" dirty="0"/>
+              <a:t> the appropriate </a:t>
+            </a:r>
+            <a:r>
+              <a:rPr lang="en-US" baseline="0" dirty="0" err="1"/>
+              <a:t>MediaTypeFormatter</a:t>
+            </a:r>
+            <a:r>
+              <a:rPr lang="en-US" baseline="0" dirty="0"/>
+              <a:t> </a:t>
+            </a:r>
+            <a:r>
+              <a:rPr lang="en-US" sz="1200" b="0" i="0" kern="1200" dirty="0">
+                <a:solidFill>
+                  <a:schemeClr val="tx1"/>
+                </a:solidFill>
+                <a:effectLst/>
+                <a:latin typeface="+mn-lt"/>
+                <a:ea typeface="+mn-ea"/>
+                <a:cs typeface="+mn-cs"/>
+              </a:rPr>
+              <a:t>in compliance with header values in the request.</a:t>
+            </a:r>
+          </a:p>
+          <a:p>
+            <a:br>
+              <a:rPr lang="en-US" sz="1200" b="1" i="0" kern="1200" dirty="0">
+                <a:solidFill>
+                  <a:schemeClr val="tx1"/>
+                </a:solidFill>
+                <a:effectLst/>
+                <a:latin typeface="+mn-lt"/>
+                <a:ea typeface="+mn-ea"/>
+                <a:cs typeface="+mn-cs"/>
+              </a:rPr>
+            </a:br>
+            <a:endParaRPr lang="en-US" dirty="0"/>
+          </a:p>
+        </p:txBody>
+      </p:sp>
+      <p:sp>
+        <p:nvSpPr>
+          <p:cNvPr id="4" name="Slide Number Placeholder 3"/>
+          <p:cNvSpPr>
+            <a:spLocks noGrp="1"/>
+          </p:cNvSpPr>
+          <p:nvPr>
+            <p:ph type="sldNum" sz="quarter" idx="10"/>
+          </p:nvPr>
+        </p:nvSpPr>
+        <p:spPr/>
+        <p:txBody>
+          <a:bodyPr/>
+          <a:lstStyle/>
+          <a:p>
+            <a:fld id="{9650035D-E5EC-4F72-8410-D3F7E0B5F874}" type="slidenum">
+              <a:rPr lang="en-US" smtClean="0"/>
+              <a:t>22</a:t>
+            </a:fld>
+            <a:endParaRPr lang="en-US"/>
+          </a:p>
+        </p:txBody>
+      </p:sp>
+    </p:spTree>
+    <p:extLst>
+      <p:ext uri="{BB962C8B-B14F-4D97-AF65-F5344CB8AC3E}">
+        <p14:creationId xmlns:p14="http://schemas.microsoft.com/office/powerpoint/2010/main" val="2869793647"/>
+      </p:ext>
+    </p:extLst>
+  </p:cSld>
+  <p:clrMapOvr>
+    <a:masterClrMapping/>
+  </p:clrMapOvr>
+</p:notes>
+</file>
+
+<file path=ppt/notesSlides/notesSlide14.xml><?xml version="1.0" encoding="utf-8"?>
+<p:notes xmlns:a="http://schemas.openxmlformats.org/drawingml/2006/main" xmlns:r="http://schemas.openxmlformats.org/officeDocument/2006/relationships" xmlns:p="http://schemas.openxmlformats.org/presentationml/2006/main">
+  <p:cSld>
+    <p:spTree>
+      <p:nvGrpSpPr>
+        <p:cNvPr id="1" name=""/>
+        <p:cNvGrpSpPr/>
+        <p:nvPr/>
+      </p:nvGrpSpPr>
+      <p:grpSpPr>
+        <a:xfrm>
+          <a:off x="0" y="0"/>
+          <a:ext cx="0" cy="0"/>
+          <a:chOff x="0" y="0"/>
+          <a:chExt cx="0" cy="0"/>
+        </a:xfrm>
+      </p:grpSpPr>
+      <p:sp>
+        <p:nvSpPr>
+          <p:cNvPr id="2" name="Slide Image Placeholder 1"/>
+          <p:cNvSpPr>
+            <a:spLocks noGrp="1" noRot="1" noChangeAspect="1"/>
+          </p:cNvSpPr>
+          <p:nvPr>
+            <p:ph type="sldImg"/>
+          </p:nvPr>
+        </p:nvSpPr>
+        <p:spPr/>
+      </p:sp>
+      <p:sp>
+        <p:nvSpPr>
+          <p:cNvPr id="3" name="Notes Placeholder 2"/>
+          <p:cNvSpPr>
+            <a:spLocks noGrp="1"/>
+          </p:cNvSpPr>
+          <p:nvPr>
+            <p:ph type="body" idx="1"/>
+          </p:nvPr>
+        </p:nvSpPr>
+        <p:spPr/>
+        <p:txBody>
+          <a:bodyPr/>
+          <a:lstStyle/>
+          <a:p>
+            <a:endParaRPr lang="en-US" dirty="0"/>
+          </a:p>
+        </p:txBody>
+      </p:sp>
+      <p:sp>
+        <p:nvSpPr>
+          <p:cNvPr id="4" name="Slide Number Placeholder 3"/>
+          <p:cNvSpPr>
+            <a:spLocks noGrp="1"/>
+          </p:cNvSpPr>
+          <p:nvPr>
+            <p:ph type="sldNum" sz="quarter" idx="10"/>
+          </p:nvPr>
+        </p:nvSpPr>
+        <p:spPr/>
+        <p:txBody>
+          <a:bodyPr/>
+          <a:lstStyle/>
+          <a:p>
+            <a:fld id="{9650035D-E5EC-4F72-8410-D3F7E0B5F874}" type="slidenum">
+              <a:rPr lang="en-US" smtClean="0"/>
               <a:t>24</a:t>
             </a:fld>
             <a:endParaRPr lang="en-US"/>
@@ -958,7 +1295,7 @@
 </p:notes>
 </file>
 
-<file path=ppt/notesSlides/notesSlide13.xml><?xml version="1.0" encoding="utf-8"?>
+<file path=ppt/notesSlides/notesSlide15.xml><?xml version="1.0" encoding="utf-8"?>
 <p:notes xmlns:a="http://schemas.openxmlformats.org/drawingml/2006/main" xmlns:r="http://schemas.openxmlformats.org/officeDocument/2006/relationships" xmlns:p="http://schemas.openxmlformats.org/presentationml/2006/main">
   <p:cSld>
     <p:spTree>
@@ -1752,11 +2089,7 @@
             </a:r>
             <a:r>
               <a:rPr lang="en-US" baseline="0" dirty="0"/>
-              <a:t> in source code the </a:t>
-            </a:r>
-            <a:r>
-              <a:rPr lang="en-US" baseline="0"/>
-              <a:t>try/catch block</a:t>
+              <a:t> in source code the try/catch block</a:t>
             </a:r>
             <a:endParaRPr lang="en-US" dirty="0"/>
           </a:p>
@@ -1926,168 +2259,15 @@
           <a:bodyPr/>
           <a:lstStyle/>
           <a:p>
-            <a:pPr marL="228600" indent="-228600">
-              <a:buAutoNum type="arabicPeriod"/>
-            </a:pPr>
-            <a:r>
-              <a:rPr lang="en-US" sz="1200" b="0" i="0" kern="1200" dirty="0">
-                <a:solidFill>
-                  <a:schemeClr val="tx1"/>
-                </a:solidFill>
-                <a:effectLst/>
-                <a:latin typeface="+mn-lt"/>
-                <a:ea typeface="+mn-ea"/>
-                <a:cs typeface="+mn-cs"/>
-              </a:rPr>
-              <a:t> it means that the model state is available to action filters. So instead to write in every action the </a:t>
-            </a:r>
-            <a:r>
-              <a:rPr lang="en-US" sz="1200" b="0" i="0" kern="1200" dirty="0" err="1">
-                <a:solidFill>
-                  <a:schemeClr val="tx1"/>
-                </a:solidFill>
-                <a:effectLst/>
-                <a:latin typeface="+mn-lt"/>
-                <a:ea typeface="+mn-ea"/>
-                <a:cs typeface="+mn-cs"/>
-              </a:rPr>
-              <a:t>modelstate</a:t>
-            </a:r>
-            <a:r>
-              <a:rPr lang="en-US" sz="1200" b="0" i="0" kern="1200" dirty="0">
-                <a:solidFill>
-                  <a:schemeClr val="tx1"/>
-                </a:solidFill>
-                <a:effectLst/>
-                <a:latin typeface="+mn-lt"/>
-                <a:ea typeface="+mn-ea"/>
-                <a:cs typeface="+mn-cs"/>
-              </a:rPr>
-              <a:t> check it can be done in an</a:t>
-            </a:r>
-            <a:r>
-              <a:rPr lang="en-US" sz="1200" b="0" i="0" kern="1200" baseline="0" dirty="0">
-                <a:solidFill>
-                  <a:schemeClr val="tx1"/>
-                </a:solidFill>
-                <a:effectLst/>
-                <a:latin typeface="+mn-lt"/>
-                <a:ea typeface="+mn-ea"/>
-                <a:cs typeface="+mn-cs"/>
-              </a:rPr>
-              <a:t> action filter.</a:t>
-            </a:r>
-          </a:p>
-          <a:p>
-            <a:pPr marL="228600" indent="-228600">
-              <a:buAutoNum type="arabicPeriod"/>
-            </a:pPr>
-            <a:r>
-              <a:rPr lang="en-US" sz="1200" b="0" i="0" kern="1200" dirty="0">
-                <a:solidFill>
-                  <a:schemeClr val="tx1"/>
-                </a:solidFill>
-                <a:effectLst/>
-                <a:latin typeface="+mn-lt"/>
-                <a:ea typeface="+mn-ea"/>
-                <a:cs typeface="+mn-cs"/>
-              </a:rPr>
-              <a:t>Model binding is the process of creating .NET objects using the data sent by the browser in an HTTP request.</a:t>
-            </a:r>
-          </a:p>
-          <a:p>
-            <a:pPr marL="228600" indent="-228600">
-              <a:buAutoNum type="arabicPeriod"/>
-            </a:pPr>
-            <a:r>
-              <a:rPr lang="en-US" sz="1200" b="0" i="0" kern="1200" dirty="0">
-                <a:solidFill>
-                  <a:schemeClr val="tx1"/>
-                </a:solidFill>
-                <a:effectLst/>
-                <a:latin typeface="+mn-lt"/>
-                <a:ea typeface="+mn-ea"/>
-                <a:cs typeface="+mn-cs"/>
-              </a:rPr>
-              <a:t> </a:t>
-            </a:r>
-          </a:p>
-          <a:p>
-            <a:pPr marL="228600" indent="-228600">
-              <a:buAutoNum type="arabicPeriod"/>
-            </a:pPr>
-            <a:r>
-              <a:rPr lang="en-US" sz="1200" b="0" i="0" kern="1200" dirty="0">
-                <a:solidFill>
-                  <a:schemeClr val="tx1"/>
-                </a:solidFill>
-                <a:effectLst/>
-                <a:latin typeface="+mn-lt"/>
-                <a:ea typeface="+mn-ea"/>
-                <a:cs typeface="+mn-cs"/>
-              </a:rPr>
-              <a:t>At most one parameter is allowed to read from the message body.</a:t>
-            </a:r>
-          </a:p>
-          <a:p>
-            <a:pPr marL="914400" lvl="2" indent="0">
-              <a:buNone/>
-            </a:pPr>
             <a:r>
               <a:rPr lang="en-US" dirty="0"/>
-              <a:t>// Caution: Will not work!    </a:t>
-            </a:r>
-          </a:p>
-          <a:p>
-            <a:pPr marL="0" indent="0">
-              <a:buNone/>
-            </a:pPr>
-            <a:r>
-              <a:rPr lang="en-US" dirty="0"/>
-              <a:t>	public </a:t>
-            </a:r>
-            <a:r>
-              <a:rPr lang="en-US" dirty="0" err="1"/>
-              <a:t>HttpResponseMessage</a:t>
-            </a:r>
-            <a:r>
-              <a:rPr lang="en-US" dirty="0"/>
-              <a:t> Post([</a:t>
-            </a:r>
-            <a:r>
-              <a:rPr lang="en-US" dirty="0" err="1"/>
-              <a:t>FromBody</a:t>
-            </a:r>
-            <a:r>
-              <a:rPr lang="en-US" dirty="0"/>
-              <a:t>] </a:t>
-            </a:r>
-            <a:r>
-              <a:rPr lang="en-US" dirty="0" err="1"/>
-              <a:t>int</a:t>
-            </a:r>
-            <a:r>
-              <a:rPr lang="en-US" dirty="0"/>
-              <a:t> id, [</a:t>
-            </a:r>
-            <a:r>
-              <a:rPr lang="en-US" dirty="0" err="1"/>
-              <a:t>FromBody</a:t>
-            </a:r>
-            <a:r>
-              <a:rPr lang="en-US" dirty="0"/>
-              <a:t>] string name) { ... }</a:t>
-            </a:r>
-          </a:p>
-          <a:p>
-            <a:pPr marL="228600" indent="-228600">
-              <a:buFont typeface="+mj-lt"/>
-              <a:buAutoNum type="arabicPeriod"/>
-            </a:pPr>
-            <a:r>
-              <a:rPr lang="en-US" dirty="0"/>
-              <a:t>	</a:t>
-            </a:r>
+              <a:t># Mention about</a:t>
+            </a:r>
+            <a:r>
+              <a:rPr lang="en-US" baseline="0" dirty="0"/>
+              <a:t> action overload. Works good with simple types. Hard to implement with complex types.</a:t>
+            </a:r>
+            <a:endParaRPr lang="en-US" dirty="0"/>
           </a:p>
         </p:txBody>
       </p:sp>
@@ -2108,7 +2288,7 @@
           <a:p>
             <a:fld id="{9650035D-E5EC-4F72-8410-D3F7E0B5F874}" type="slidenum">
               <a:rPr lang="en-US" smtClean="0"/>
-              <a:t>16</a:t>
+              <a:t>13</a:t>
             </a:fld>
             <a:endParaRPr lang="en-US"/>
           </a:p>
@@ -2117,7 +2297,7 @@
     </p:spTree>
     <p:extLst>
       <p:ext uri="{BB962C8B-B14F-4D97-AF65-F5344CB8AC3E}">
-        <p14:creationId xmlns:p14="http://schemas.microsoft.com/office/powerpoint/2010/main" val="997226818"/>
+        <p14:creationId xmlns:p14="http://schemas.microsoft.com/office/powerpoint/2010/main" val="1576145956"/>
       </p:ext>
     </p:extLst>
   </p:cSld>
@@ -5968,7 +6148,7 @@
         <p:spPr>
           <a:xfrm>
             <a:off x="1455438" y="694159"/>
-            <a:ext cx="10510576" cy="3477875"/>
+            <a:ext cx="10510576" cy="3847207"/>
           </a:xfrm>
           <a:prstGeom prst="rect">
             <a:avLst/>
@@ -6059,6 +6239,13 @@
               <a:rPr lang="en-US" sz="2400" dirty="0"/>
               <a:t>The parameters of the actions on the controller.</a:t>
             </a:r>
+          </a:p>
+          <a:p>
+            <a:pPr marL="800100" lvl="1" indent="-342900">
+              <a:buFont typeface="Arial" panose="020B0604020202020204" pitchFamily="34" charset="0"/>
+              <a:buChar char="•"/>
+            </a:pPr>
+            <a:endParaRPr lang="en-US" sz="2400" dirty="0"/>
           </a:p>
         </p:txBody>
       </p:sp>
@@ -6123,7 +6310,7 @@
         <p:spPr>
           <a:xfrm>
             <a:off x="1455438" y="694159"/>
-            <a:ext cx="10510576" cy="892552"/>
+            <a:ext cx="10510576" cy="4339650"/>
           </a:xfrm>
           <a:prstGeom prst="rect">
             <a:avLst/>
@@ -6140,6 +6327,53 @@
               <a:rPr lang="en-US" sz="2800" b="1" dirty="0"/>
               <a:t>Action Invoker</a:t>
             </a:r>
+          </a:p>
+          <a:p>
+            <a:endParaRPr lang="en-US" sz="2800" b="1" dirty="0"/>
+          </a:p>
+          <a:p>
+            <a:pPr marL="514350" indent="-514350">
+              <a:buAutoNum type="arabicPeriod"/>
+            </a:pPr>
+            <a:r>
+              <a:rPr lang="en-US" sz="2800" dirty="0"/>
+              <a:t>Executes the action.</a:t>
+            </a:r>
+          </a:p>
+          <a:p>
+            <a:pPr marL="514350" indent="-514350">
+              <a:buAutoNum type="arabicPeriod"/>
+            </a:pPr>
+            <a:endParaRPr lang="en-US" sz="2800" dirty="0"/>
+          </a:p>
+          <a:p>
+            <a:pPr marL="514350" indent="-514350">
+              <a:buAutoNum type="arabicPeriod"/>
+            </a:pPr>
+            <a:r>
+              <a:rPr lang="en-US" sz="2800" dirty="0"/>
+              <a:t>In case of exception the Action Invoker catches the exception and wraps it in an Error Response Message.</a:t>
+            </a:r>
+          </a:p>
+          <a:p>
+            <a:pPr marL="514350" indent="-514350">
+              <a:buAutoNum type="arabicPeriod"/>
+            </a:pPr>
+            <a:endParaRPr lang="en-US" sz="2800" dirty="0"/>
+          </a:p>
+          <a:p>
+            <a:pPr marL="514350" indent="-514350">
+              <a:buAutoNum type="arabicPeriod"/>
+            </a:pPr>
+            <a:r>
+              <a:rPr lang="en-US" sz="2800" dirty="0"/>
+              <a:t>Very useful for global exception handling. Can handle </a:t>
+            </a:r>
+            <a:r>
+              <a:rPr lang="en-US" sz="2800" dirty="0"/>
+              <a:t>Http Response Exceptions which don’t hit the exception filter.</a:t>
+            </a:r>
+            <a:endParaRPr lang="en-US" sz="2800" dirty="0"/>
           </a:p>
           <a:p>
             <a:pPr marL="342900" indent="-342900">

--- a/ASP_ExtensionPoints/Presentation/WebAPI.pptx
+++ b/ASP_ExtensionPoints/Presentation/WebAPI.pptx
@@ -5,7 +5,7 @@
     <p:sldMasterId id="2147483660" r:id="rId1"/>
   </p:sldMasterIdLst>
   <p:notesMasterIdLst>
-    <p:notesMasterId r:id="rId33"/>
+    <p:notesMasterId r:id="rId26"/>
   </p:notesMasterIdLst>
   <p:sldIdLst>
     <p:sldId id="256" r:id="rId2"/>
@@ -24,21 +24,14 @@
     <p:sldId id="297" r:id="rId15"/>
     <p:sldId id="290" r:id="rId16"/>
     <p:sldId id="296" r:id="rId17"/>
-    <p:sldId id="277" r:id="rId18"/>
-    <p:sldId id="294" r:id="rId19"/>
-    <p:sldId id="291" r:id="rId20"/>
-    <p:sldId id="295" r:id="rId21"/>
-    <p:sldId id="298" r:id="rId22"/>
-    <p:sldId id="299" r:id="rId23"/>
-    <p:sldId id="279" r:id="rId24"/>
-    <p:sldId id="292" r:id="rId25"/>
-    <p:sldId id="293" r:id="rId26"/>
-    <p:sldId id="280" r:id="rId27"/>
-    <p:sldId id="281" r:id="rId28"/>
-    <p:sldId id="275" r:id="rId29"/>
-    <p:sldId id="272" r:id="rId30"/>
-    <p:sldId id="273" r:id="rId31"/>
-    <p:sldId id="262" r:id="rId32"/>
+    <p:sldId id="294" r:id="rId18"/>
+    <p:sldId id="291" r:id="rId19"/>
+    <p:sldId id="295" r:id="rId20"/>
+    <p:sldId id="298" r:id="rId21"/>
+    <p:sldId id="299" r:id="rId22"/>
+    <p:sldId id="293" r:id="rId23"/>
+    <p:sldId id="273" r:id="rId24"/>
+    <p:sldId id="302" r:id="rId25"/>
   </p:sldIdLst>
   <p:sldSz cx="12192000" cy="6858000"/>
   <p:notesSz cx="6858000" cy="9144000"/>
@@ -980,7 +973,7 @@
           <a:p>
             <a:fld id="{9650035D-E5EC-4F72-8410-D3F7E0B5F874}" type="slidenum">
               <a:rPr lang="en-US" smtClean="0"/>
-              <a:t>19</a:t>
+              <a:t>18</a:t>
             </a:fld>
             <a:endParaRPr lang="en-US"/>
           </a:p>
@@ -1192,7 +1185,7 @@
           <a:p>
             <a:fld id="{9650035D-E5EC-4F72-8410-D3F7E0B5F874}" type="slidenum">
               <a:rPr lang="en-US" smtClean="0"/>
-              <a:t>22</a:t>
+              <a:t>21</a:t>
             </a:fld>
             <a:endParaRPr lang="en-US"/>
           </a:p>
@@ -1276,91 +1269,7 @@
           <a:p>
             <a:fld id="{9650035D-E5EC-4F72-8410-D3F7E0B5F874}" type="slidenum">
               <a:rPr lang="en-US" smtClean="0"/>
-              <a:t>24</a:t>
-            </a:fld>
-            <a:endParaRPr lang="en-US"/>
-          </a:p>
-        </p:txBody>
-      </p:sp>
-    </p:spTree>
-    <p:extLst>
-      <p:ext uri="{BB962C8B-B14F-4D97-AF65-F5344CB8AC3E}">
-        <p14:creationId xmlns:p14="http://schemas.microsoft.com/office/powerpoint/2010/main" val="984001669"/>
-      </p:ext>
-    </p:extLst>
-  </p:cSld>
-  <p:clrMapOvr>
-    <a:masterClrMapping/>
-  </p:clrMapOvr>
-</p:notes>
-</file>
-
-<file path=ppt/notesSlides/notesSlide15.xml><?xml version="1.0" encoding="utf-8"?>
-<p:notes xmlns:a="http://schemas.openxmlformats.org/drawingml/2006/main" xmlns:r="http://schemas.openxmlformats.org/officeDocument/2006/relationships" xmlns:p="http://schemas.openxmlformats.org/presentationml/2006/main">
-  <p:cSld>
-    <p:spTree>
-      <p:nvGrpSpPr>
-        <p:cNvPr id="1" name=""/>
-        <p:cNvGrpSpPr/>
-        <p:nvPr/>
-      </p:nvGrpSpPr>
-      <p:grpSpPr>
-        <a:xfrm>
-          <a:off x="0" y="0"/>
-          <a:ext cx="0" cy="0"/>
-          <a:chOff x="0" y="0"/>
-          <a:chExt cx="0" cy="0"/>
-        </a:xfrm>
-      </p:grpSpPr>
-      <p:sp>
-        <p:nvSpPr>
-          <p:cNvPr id="2" name="Slide Image Placeholder 1"/>
-          <p:cNvSpPr>
-            <a:spLocks noGrp="1" noRot="1" noChangeAspect="1"/>
-          </p:cNvSpPr>
-          <p:nvPr>
-            <p:ph type="sldImg"/>
-          </p:nvPr>
-        </p:nvSpPr>
-        <p:spPr/>
-      </p:sp>
-      <p:sp>
-        <p:nvSpPr>
-          <p:cNvPr id="3" name="Notes Placeholder 2"/>
-          <p:cNvSpPr>
-            <a:spLocks noGrp="1"/>
-          </p:cNvSpPr>
-          <p:nvPr>
-            <p:ph type="body" idx="1"/>
-          </p:nvPr>
-        </p:nvSpPr>
-        <p:spPr/>
-        <p:txBody>
-          <a:bodyPr/>
-          <a:lstStyle/>
-          <a:p>
-            <a:endParaRPr lang="en-US" dirty="0"/>
-          </a:p>
-        </p:txBody>
-      </p:sp>
-      <p:sp>
-        <p:nvSpPr>
-          <p:cNvPr id="4" name="Slide Number Placeholder 3"/>
-          <p:cNvSpPr>
-            <a:spLocks noGrp="1"/>
-          </p:cNvSpPr>
-          <p:nvPr>
-            <p:ph type="sldNum" sz="quarter" idx="10"/>
-          </p:nvPr>
-        </p:nvSpPr>
-        <p:spPr/>
-        <p:txBody>
-          <a:bodyPr/>
-          <a:lstStyle/>
-          <a:p>
-            <a:fld id="{9650035D-E5EC-4F72-8410-D3F7E0B5F874}" type="slidenum">
-              <a:rPr lang="en-US" smtClean="0"/>
-              <a:t>25</a:t>
+              <a:t>22</a:t>
             </a:fld>
             <a:endParaRPr lang="en-US"/>
           </a:p>
@@ -5567,9 +5476,10 @@
           <a:lstStyle/>
           <a:p>
             <a:r>
-              <a:rPr lang="en-US" dirty="0"/>
-              <a:t> HTTP MESSAGE HANDLERS</a:t>
-            </a:r>
+              <a:rPr lang="en-US" dirty="0" err="1"/>
+              <a:t>HttpControllerDispatcher</a:t>
+            </a:r>
+            <a:endParaRPr lang="en-US" dirty="0"/>
           </a:p>
         </p:txBody>
       </p:sp>
@@ -5940,7 +5850,7 @@
           <a:p>
             <a:r>
               <a:rPr lang="en-US" dirty="0"/>
-              <a:t> HTTP MESSAGE HANDLERS</a:t>
+              <a:t>Action Selector and Action Invoker</a:t>
             </a:r>
           </a:p>
         </p:txBody>
@@ -6134,7 +6044,7 @@
           <a:p>
             <a:r>
               <a:rPr lang="en-US" dirty="0"/>
-              <a:t> HTTP MESSAGE LIFECYLE</a:t>
+              <a:t>Action Selector and Action Invoker</a:t>
             </a:r>
           </a:p>
         </p:txBody>
@@ -6291,13 +6201,23 @@
         </p:nvSpPr>
         <p:spPr/>
         <p:txBody>
-          <a:bodyPr/>
+          <a:bodyPr>
+            <a:normAutofit fontScale="90000"/>
+          </a:bodyPr>
           <a:lstStyle/>
           <a:p>
             <a:r>
               <a:rPr lang="en-US" dirty="0"/>
-              <a:t> HTTP MESSAGE LIFECYLE</a:t>
-            </a:r>
+              <a:t> HTTP </a:t>
+            </a:r>
+            <a:r>
+              <a:rPr lang="en-US" dirty="0"/>
+              <a:t>Action Selector and Action Invoker</a:t>
+            </a:r>
+            <a:br>
+              <a:rPr lang="en-US" dirty="0"/>
+            </a:br>
+            <a:endParaRPr lang="en-US" dirty="0"/>
           </a:p>
         </p:txBody>
       </p:sp>
@@ -6492,6 +6412,7 @@
               <a:rPr lang="en-US" dirty="0"/>
               <a:t> Filters</a:t>
             </a:r>
+            <a:endParaRPr lang="en-US" dirty="0"/>
           </a:p>
         </p:txBody>
       </p:sp>
@@ -6663,58 +6584,6 @@
       </p:grpSpPr>
       <p:sp>
         <p:nvSpPr>
-          <p:cNvPr id="2" name="Title 1"/>
-          <p:cNvSpPr>
-            <a:spLocks noGrp="1"/>
-          </p:cNvSpPr>
-          <p:nvPr>
-            <p:ph type="title"/>
-          </p:nvPr>
-        </p:nvSpPr>
-        <p:spPr/>
-        <p:txBody>
-          <a:bodyPr/>
-          <a:lstStyle/>
-          <a:p>
-            <a:r>
-              <a:rPr lang="en-US" dirty="0"/>
-              <a:t>Filters</a:t>
-            </a:r>
-          </a:p>
-        </p:txBody>
-      </p:sp>
-    </p:spTree>
-    <p:extLst>
-      <p:ext uri="{BB962C8B-B14F-4D97-AF65-F5344CB8AC3E}">
-        <p14:creationId xmlns:p14="http://schemas.microsoft.com/office/powerpoint/2010/main" val="1436290697"/>
-      </p:ext>
-    </p:extLst>
-  </p:cSld>
-  <p:clrMapOvr>
-    <a:masterClrMapping/>
-  </p:clrMapOvr>
-</p:sld>
-</file>
-
-<file path=ppt/slides/slide18.xml><?xml version="1.0" encoding="utf-8"?>
-<p:sld xmlns:a="http://schemas.openxmlformats.org/drawingml/2006/main" xmlns:r="http://schemas.openxmlformats.org/officeDocument/2006/relationships" xmlns:p="http://schemas.openxmlformats.org/presentationml/2006/main">
-  <p:cSld>
-    <p:spTree>
-      <p:nvGrpSpPr>
-        <p:cNvPr id="1" name=""/>
-        <p:cNvGrpSpPr/>
-        <p:nvPr/>
-      </p:nvGrpSpPr>
-      <p:grpSpPr>
-        <a:xfrm>
-          <a:off x="0" y="0"/>
-          <a:ext cx="0" cy="0"/>
-          <a:chOff x="0" y="0"/>
-          <a:chExt cx="0" cy="0"/>
-        </a:xfrm>
-      </p:grpSpPr>
-      <p:sp>
-        <p:nvSpPr>
           <p:cNvPr id="4" name="Rectangle 3"/>
           <p:cNvSpPr/>
           <p:nvPr/>
@@ -6755,7 +6624,7 @@
 </p:sld>
 </file>
 
-<file path=ppt/slides/slide19.xml><?xml version="1.0" encoding="utf-8"?>
+<file path=ppt/slides/slide18.xml><?xml version="1.0" encoding="utf-8"?>
 <p:sld xmlns:a="http://schemas.openxmlformats.org/drawingml/2006/main" xmlns:r="http://schemas.openxmlformats.org/officeDocument/2006/relationships" xmlns:p="http://schemas.openxmlformats.org/presentationml/2006/main">
   <p:cSld>
     <p:spTree>
@@ -6896,6 +6765,238 @@
 </p:sld>
 </file>
 
+<file path=ppt/slides/slide19.xml><?xml version="1.0" encoding="utf-8"?>
+<p:sld xmlns:a="http://schemas.openxmlformats.org/drawingml/2006/main" xmlns:r="http://schemas.openxmlformats.org/officeDocument/2006/relationships" xmlns:p="http://schemas.openxmlformats.org/presentationml/2006/main">
+  <p:cSld>
+    <p:spTree>
+      <p:nvGrpSpPr>
+        <p:cNvPr id="1" name=""/>
+        <p:cNvGrpSpPr/>
+        <p:nvPr/>
+      </p:nvGrpSpPr>
+      <p:grpSpPr>
+        <a:xfrm>
+          <a:off x="0" y="0"/>
+          <a:ext cx="0" cy="0"/>
+          <a:chOff x="0" y="0"/>
+          <a:chExt cx="0" cy="0"/>
+        </a:xfrm>
+      </p:grpSpPr>
+      <p:sp>
+        <p:nvSpPr>
+          <p:cNvPr id="2" name="Title 1"/>
+          <p:cNvSpPr>
+            <a:spLocks noGrp="1"/>
+          </p:cNvSpPr>
+          <p:nvPr>
+            <p:ph type="title"/>
+          </p:nvPr>
+        </p:nvSpPr>
+        <p:spPr/>
+        <p:txBody>
+          <a:bodyPr/>
+          <a:lstStyle/>
+          <a:p>
+            <a:r>
+              <a:rPr lang="en-US" dirty="0"/>
+              <a:t>Filters</a:t>
+            </a:r>
+          </a:p>
+        </p:txBody>
+      </p:sp>
+      <p:sp>
+        <p:nvSpPr>
+          <p:cNvPr id="5" name="Rectangle 4"/>
+          <p:cNvSpPr/>
+          <p:nvPr/>
+        </p:nvSpPr>
+        <p:spPr>
+          <a:xfrm>
+            <a:off x="1524000" y="744271"/>
+            <a:ext cx="10195652" cy="5262979"/>
+          </a:xfrm>
+          <a:prstGeom prst="rect">
+            <a:avLst/>
+          </a:prstGeom>
+        </p:spPr>
+        <p:txBody>
+          <a:bodyPr wrap="square">
+            <a:spAutoFit/>
+          </a:bodyPr>
+          <a:lstStyle/>
+          <a:p>
+            <a:pPr marL="457200" indent="-457200">
+              <a:buFont typeface="+mj-lt"/>
+              <a:buAutoNum type="arabicPeriod" startAt="3"/>
+            </a:pPr>
+            <a:r>
+              <a:rPr lang="en-US" sz="2400" dirty="0"/>
+              <a:t>Can be created by inheriting the appropriate interface (</a:t>
+            </a:r>
+            <a:r>
+              <a:rPr lang="en-US" sz="2400" dirty="0" err="1"/>
+              <a:t>IAuthenticationFilter</a:t>
+            </a:r>
+            <a:r>
+              <a:rPr lang="en-US" sz="2400" dirty="0"/>
+              <a:t>, </a:t>
+            </a:r>
+            <a:r>
+              <a:rPr lang="en-US" sz="2400" dirty="0" err="1"/>
+              <a:t>IAuthorizationFilter</a:t>
+            </a:r>
+            <a:r>
+              <a:rPr lang="en-US" sz="2400" dirty="0"/>
+              <a:t>, </a:t>
+            </a:r>
+            <a:r>
+              <a:rPr lang="en-US" sz="2400" dirty="0" err="1"/>
+              <a:t>IActionFilter</a:t>
+            </a:r>
+            <a:r>
+              <a:rPr lang="en-US" sz="2400" dirty="0"/>
+              <a:t>, </a:t>
+            </a:r>
+            <a:r>
+              <a:rPr lang="en-US" sz="2400" dirty="0" err="1"/>
+              <a:t>IExceptionFilter</a:t>
+            </a:r>
+            <a:r>
+              <a:rPr lang="en-US" sz="2400" dirty="0"/>
+              <a:t>) or the default implementation (</a:t>
+            </a:r>
+            <a:r>
+              <a:rPr lang="en-US" sz="2400" dirty="0" err="1"/>
+              <a:t>AuthorizationFilterAttribute</a:t>
+            </a:r>
+            <a:r>
+              <a:rPr lang="en-US" sz="2400" dirty="0"/>
+              <a:t>, </a:t>
+            </a:r>
+            <a:r>
+              <a:rPr lang="en-US" sz="2400" dirty="0" err="1"/>
+              <a:t>ActionFilterAttribute</a:t>
+            </a:r>
+            <a:r>
+              <a:rPr lang="en-US" sz="2400" dirty="0"/>
+              <a:t>, </a:t>
+            </a:r>
+            <a:r>
+              <a:rPr lang="en-US" sz="2400" dirty="0" err="1"/>
+              <a:t>ExceptionFilterAttribute</a:t>
+            </a:r>
+            <a:r>
+              <a:rPr lang="en-US" sz="2400" dirty="0"/>
+              <a:t>)</a:t>
+            </a:r>
+          </a:p>
+          <a:p>
+            <a:pPr marL="342900" indent="-342900">
+              <a:buAutoNum type="arabicPeriod" startAt="3"/>
+            </a:pPr>
+            <a:endParaRPr lang="en-US" sz="2400" dirty="0"/>
+          </a:p>
+          <a:p>
+            <a:pPr marL="342900" indent="-342900">
+              <a:buAutoNum type="arabicPeriod" startAt="3"/>
+            </a:pPr>
+            <a:r>
+              <a:rPr lang="en-US" sz="2400" dirty="0"/>
+              <a:t>Can be applied globally, at the controller level or at the action level.</a:t>
+            </a:r>
+          </a:p>
+          <a:p>
+            <a:pPr marL="342900" indent="-342900">
+              <a:buAutoNum type="arabicPeriod" startAt="3"/>
+            </a:pPr>
+            <a:endParaRPr lang="en-US" sz="2400" dirty="0"/>
+          </a:p>
+          <a:p>
+            <a:pPr marL="342900" indent="-342900">
+              <a:buAutoNum type="arabicPeriod" startAt="3"/>
+            </a:pPr>
+            <a:r>
+              <a:rPr lang="en-US" sz="2400" dirty="0"/>
+              <a:t>Filters are executed in the following order:</a:t>
+            </a:r>
+          </a:p>
+          <a:p>
+            <a:pPr marL="800100" lvl="1" indent="-342900">
+              <a:buFont typeface="Arial" panose="020B0604020202020204" pitchFamily="34" charset="0"/>
+              <a:buChar char="•"/>
+            </a:pPr>
+            <a:r>
+              <a:rPr lang="en-US" sz="2400" dirty="0"/>
+              <a:t>Authentication -&gt; Authorization -&gt; Action -&gt; (Exception)</a:t>
+            </a:r>
+          </a:p>
+          <a:p>
+            <a:pPr marL="800100" lvl="1" indent="-342900">
+              <a:buFont typeface="Arial" panose="020B0604020202020204" pitchFamily="34" charset="0"/>
+              <a:buChar char="•"/>
+            </a:pPr>
+            <a:r>
+              <a:rPr lang="en-US" sz="2400" dirty="0"/>
+              <a:t>Global -&gt; Controller -&gt; Action</a:t>
+            </a:r>
+          </a:p>
+          <a:p>
+            <a:pPr marL="800100" lvl="1" indent="-342900">
+              <a:buFont typeface="Arial" panose="020B0604020202020204" pitchFamily="34" charset="0"/>
+              <a:buChar char="•"/>
+            </a:pPr>
+            <a:r>
+              <a:rPr lang="en-US" sz="2400" dirty="0"/>
+              <a:t>The order of registration</a:t>
+            </a:r>
+          </a:p>
+          <a:p>
+            <a:pPr marL="800100" lvl="1" indent="-342900">
+              <a:buFont typeface="Arial" panose="020B0604020202020204" pitchFamily="34" charset="0"/>
+              <a:buChar char="•"/>
+            </a:pPr>
+            <a:endParaRPr lang="en-US" sz="2400" dirty="0"/>
+          </a:p>
+          <a:p>
+            <a:pPr marL="457200" indent="-457200">
+              <a:buFont typeface="+mj-lt"/>
+              <a:buAutoNum type="arabicPeriod" startAt="3"/>
+            </a:pPr>
+            <a:r>
+              <a:rPr lang="en-US" sz="2400" dirty="0"/>
+              <a:t>The </a:t>
+            </a:r>
+            <a:r>
+              <a:rPr lang="en-US" sz="2400" dirty="0" err="1"/>
+              <a:t>IFilterProvider</a:t>
+            </a:r>
+            <a:r>
+              <a:rPr lang="en-US" sz="2400" dirty="0"/>
+              <a:t> is responsible for executing the appropriate filters.</a:t>
+            </a:r>
+          </a:p>
+          <a:p>
+            <a:pPr marL="457200" indent="-457200">
+              <a:buFont typeface="+mj-lt"/>
+              <a:buAutoNum type="arabicPeriod" startAt="3"/>
+            </a:pPr>
+            <a:endParaRPr lang="en-US" sz="2400" dirty="0"/>
+          </a:p>
+        </p:txBody>
+      </p:sp>
+    </p:spTree>
+    <p:extLst>
+      <p:ext uri="{BB962C8B-B14F-4D97-AF65-F5344CB8AC3E}">
+        <p14:creationId xmlns:p14="http://schemas.microsoft.com/office/powerpoint/2010/main" val="2506317761"/>
+      </p:ext>
+    </p:extLst>
+  </p:cSld>
+  <p:clrMapOvr>
+    <a:masterClrMapping/>
+  </p:clrMapOvr>
+</p:sld>
+</file>
+
 <file path=ppt/slides/slide2.xml><?xml version="1.0" encoding="utf-8"?>
 <p:sld xmlns:a="http://schemas.openxmlformats.org/drawingml/2006/main" xmlns:r="http://schemas.openxmlformats.org/officeDocument/2006/relationships" xmlns:p="http://schemas.openxmlformats.org/presentationml/2006/main">
   <p:cSld>
@@ -6925,13 +7026,20 @@
         </p:nvSpPr>
         <p:spPr/>
         <p:txBody>
-          <a:bodyPr/>
+          <a:bodyPr>
+            <a:normAutofit/>
+          </a:bodyPr>
           <a:lstStyle/>
           <a:p>
             <a:r>
               <a:rPr lang="en-US" dirty="0"/>
-              <a:t> HTTP MESSAGE HANDLERS</a:t>
-            </a:r>
+              <a:t> </a:t>
+            </a:r>
+            <a:r>
+              <a:rPr lang="en-US" dirty="0"/>
+              <a:t>What is extensibility point?</a:t>
+            </a:r>
+            <a:endParaRPr lang="en-US" dirty="0"/>
           </a:p>
         </p:txBody>
       </p:sp>
@@ -7032,36 +7140,14 @@
       </p:grpSpPr>
       <p:sp>
         <p:nvSpPr>
-          <p:cNvPr id="2" name="Title 1"/>
-          <p:cNvSpPr>
-            <a:spLocks noGrp="1"/>
-          </p:cNvSpPr>
-          <p:nvPr>
-            <p:ph type="title"/>
-          </p:nvPr>
-        </p:nvSpPr>
-        <p:spPr/>
-        <p:txBody>
-          <a:bodyPr/>
-          <a:lstStyle/>
-          <a:p>
-            <a:r>
-              <a:rPr lang="en-US" dirty="0"/>
-              <a:t>Filters</a:t>
-            </a:r>
-          </a:p>
-        </p:txBody>
-      </p:sp>
-      <p:sp>
-        <p:nvSpPr>
-          <p:cNvPr id="5" name="Rectangle 4"/>
+          <p:cNvPr id="4" name="Rectangle 3"/>
           <p:cNvSpPr/>
           <p:nvPr/>
         </p:nvSpPr>
         <p:spPr>
           <a:xfrm>
-            <a:off x="1524000" y="744271"/>
-            <a:ext cx="10195652" cy="5262979"/>
+            <a:off x="1512711" y="2641433"/>
+            <a:ext cx="10295467" cy="923330"/>
           </a:xfrm>
           <a:prstGeom prst="rect">
             <a:avLst/>
@@ -7073,169 +7159,19 @@
           </a:bodyPr>
           <a:lstStyle/>
           <a:p>
-            <a:pPr marL="457200" indent="-457200">
-              <a:buFont typeface="+mj-lt"/>
-              <a:buAutoNum type="arabicPeriod" startAt="3"/>
-            </a:pPr>
-            <a:r>
-              <a:rPr lang="en-US" sz="2400" dirty="0"/>
-              <a:t>Can be created by inheriting the appropriate interface (</a:t>
-            </a:r>
-            <a:r>
-              <a:rPr lang="en-US" sz="2400" dirty="0" err="1"/>
-              <a:t>IAuthenticationFilter</a:t>
-            </a:r>
-            <a:r>
-              <a:rPr lang="en-US" sz="2400" dirty="0"/>
-              <a:t>, </a:t>
-            </a:r>
-            <a:r>
-              <a:rPr lang="en-US" sz="2400" dirty="0" err="1"/>
-              <a:t>IAuthorizationFilter</a:t>
-            </a:r>
-            <a:r>
-              <a:rPr lang="en-US" sz="2400" dirty="0"/>
-              <a:t>, </a:t>
-            </a:r>
-            <a:r>
-              <a:rPr lang="en-US" sz="2400" dirty="0" err="1"/>
-              <a:t>IActionFilter</a:t>
-            </a:r>
-            <a:r>
-              <a:rPr lang="en-US" sz="2400" dirty="0"/>
-              <a:t>, </a:t>
-            </a:r>
-            <a:r>
-              <a:rPr lang="en-US" sz="2400" dirty="0" err="1"/>
-              <a:t>IExceptionFilter</a:t>
-            </a:r>
-            <a:r>
-              <a:rPr lang="en-US" sz="2400" dirty="0"/>
-              <a:t>) or the default implementation (</a:t>
-            </a:r>
-            <a:r>
-              <a:rPr lang="en-US" sz="2400" dirty="0" err="1"/>
-              <a:t>AuthorizationFilterAttribute</a:t>
-            </a:r>
-            <a:r>
-              <a:rPr lang="en-US" sz="2400" dirty="0"/>
-              <a:t>, </a:t>
-            </a:r>
-            <a:r>
-              <a:rPr lang="en-US" sz="2400" dirty="0" err="1"/>
-              <a:t>ActionFilterAttribute</a:t>
-            </a:r>
-            <a:r>
-              <a:rPr lang="en-US" sz="2400" dirty="0"/>
-              <a:t>, </a:t>
-            </a:r>
-            <a:r>
-              <a:rPr lang="en-US" sz="2400" dirty="0" err="1"/>
-              <a:t>ExceptionFilterAttribute</a:t>
-            </a:r>
-            <a:r>
-              <a:rPr lang="en-US" sz="2400" dirty="0"/>
-              <a:t>)</a:t>
-            </a:r>
-          </a:p>
-          <a:p>
-            <a:pPr marL="342900" indent="-342900">
-              <a:buAutoNum type="arabicPeriod" startAt="3"/>
-            </a:pPr>
-            <a:endParaRPr lang="en-US" sz="2400" dirty="0"/>
-          </a:p>
-          <a:p>
-            <a:pPr marL="342900" indent="-342900">
-              <a:buAutoNum type="arabicPeriod" startAt="3"/>
-            </a:pPr>
-            <a:r>
-              <a:rPr lang="en-US" sz="2400" dirty="0"/>
-              <a:t>Can be applied globally, at the controller level or at the action level.</a:t>
-            </a:r>
-          </a:p>
-          <a:p>
-            <a:pPr marL="342900" indent="-342900">
-              <a:buAutoNum type="arabicPeriod" startAt="3"/>
-            </a:pPr>
-            <a:endParaRPr lang="en-US" sz="2400" dirty="0"/>
-          </a:p>
-          <a:p>
-            <a:pPr marL="342900" indent="-342900">
-              <a:buAutoNum type="arabicPeriod" startAt="3"/>
-            </a:pPr>
-            <a:r>
-              <a:rPr lang="en-US" sz="2400" dirty="0"/>
-              <a:t>Filters are executed in the following order:</a:t>
-            </a:r>
-          </a:p>
-          <a:p>
-            <a:pPr marL="800100" lvl="1" indent="-342900">
-              <a:buFont typeface="Arial" panose="020B0604020202020204" pitchFamily="34" charset="0"/>
-              <a:buChar char="•"/>
-            </a:pPr>
-            <a:r>
-              <a:rPr lang="en-US" sz="2400" dirty="0"/>
-              <a:t>Authentication -&gt; Authorization -&gt; Action -&gt; (Exception)</a:t>
-            </a:r>
-          </a:p>
-          <a:p>
-            <a:pPr marL="800100" lvl="1" indent="-342900">
-              <a:buFont typeface="Arial" panose="020B0604020202020204" pitchFamily="34" charset="0"/>
-              <a:buChar char="•"/>
-            </a:pPr>
-            <a:r>
-              <a:rPr lang="en-US" sz="2400" dirty="0"/>
-              <a:t>Global -&gt; Controller -&gt; Action</a:t>
-            </a:r>
-          </a:p>
-          <a:p>
-            <a:pPr marL="800100" lvl="1" indent="-342900">
-              <a:buFont typeface="Arial" panose="020B0604020202020204" pitchFamily="34" charset="0"/>
-              <a:buChar char="•"/>
-            </a:pPr>
-            <a:r>
-              <a:rPr lang="en-US" sz="2400" dirty="0"/>
-              <a:t>The order of registration</a:t>
-            </a:r>
-          </a:p>
-          <a:p>
-            <a:pPr marL="800100" lvl="1" indent="-342900">
-              <a:buFont typeface="Arial" panose="020B0604020202020204" pitchFamily="34" charset="0"/>
-              <a:buChar char="•"/>
-            </a:pPr>
-            <a:endParaRPr lang="en-US" sz="2400" dirty="0"/>
-          </a:p>
-          <a:p>
-            <a:pPr marL="457200" indent="-457200">
-              <a:buFont typeface="+mj-lt"/>
-              <a:buAutoNum type="arabicPeriod" startAt="3"/>
-            </a:pPr>
-            <a:r>
-              <a:rPr lang="en-US" sz="2400" dirty="0"/>
-              <a:t>The </a:t>
-            </a:r>
-            <a:r>
-              <a:rPr lang="en-US" sz="2400" dirty="0" err="1"/>
-              <a:t>IFilterProvider</a:t>
-            </a:r>
-            <a:r>
-              <a:rPr lang="en-US" sz="2400" dirty="0"/>
-              <a:t> is responsible for executing the appropriate filters.</a:t>
-            </a:r>
-          </a:p>
-          <a:p>
-            <a:pPr marL="457200" indent="-457200">
-              <a:buFont typeface="+mj-lt"/>
-              <a:buAutoNum type="arabicPeriod" startAt="3"/>
-            </a:pPr>
-            <a:endParaRPr lang="en-US" sz="2400" dirty="0"/>
+            <a:pPr algn="ctr"/>
+            <a:r>
+              <a:rPr lang="en-US" sz="5400" b="1" dirty="0"/>
+              <a:t>Action Result</a:t>
+            </a:r>
+            <a:endParaRPr lang="en-US" sz="5400" dirty="0"/>
           </a:p>
         </p:txBody>
       </p:sp>
     </p:spTree>
     <p:extLst>
       <p:ext uri="{BB962C8B-B14F-4D97-AF65-F5344CB8AC3E}">
-        <p14:creationId xmlns:p14="http://schemas.microsoft.com/office/powerpoint/2010/main" val="2506317761"/>
+        <p14:creationId xmlns:p14="http://schemas.microsoft.com/office/powerpoint/2010/main" val="3766461906"/>
       </p:ext>
     </p:extLst>
   </p:cSld>
@@ -7264,38 +7200,178 @@
       </p:grpSpPr>
       <p:sp>
         <p:nvSpPr>
-          <p:cNvPr id="4" name="Rectangle 3"/>
-          <p:cNvSpPr/>
+          <p:cNvPr id="2" name="Title 1"/>
+          <p:cNvSpPr>
+            <a:spLocks noGrp="1"/>
+          </p:cNvSpPr>
+          <p:nvPr>
+            <p:ph type="title"/>
+          </p:nvPr>
+        </p:nvSpPr>
+        <p:spPr/>
+        <p:txBody>
+          <a:bodyPr>
+            <a:normAutofit/>
+          </a:bodyPr>
+          <a:lstStyle/>
+          <a:p>
+            <a:r>
+              <a:rPr lang="en-US" dirty="0"/>
+              <a:t> </a:t>
+            </a:r>
+            <a:r>
+              <a:rPr lang="en-US" dirty="0"/>
+              <a:t>Action Result</a:t>
+            </a:r>
+            <a:endParaRPr lang="en-US" dirty="0"/>
+          </a:p>
+        </p:txBody>
+      </p:sp>
+      <p:sp>
+        <p:nvSpPr>
+          <p:cNvPr id="5" name="TextBox 4"/>
+          <p:cNvSpPr txBox="1"/>
           <p:nvPr/>
         </p:nvSpPr>
         <p:spPr>
           <a:xfrm>
-            <a:off x="1512711" y="2641433"/>
-            <a:ext cx="10295467" cy="923330"/>
+            <a:off x="1455438" y="694159"/>
+            <a:ext cx="10510576" cy="3847207"/>
           </a:xfrm>
           <a:prstGeom prst="rect">
             <a:avLst/>
           </a:prstGeom>
+          <a:noFill/>
         </p:spPr>
         <p:txBody>
-          <a:bodyPr wrap="square">
+          <a:bodyPr wrap="square" rtlCol="0">
             <a:spAutoFit/>
           </a:bodyPr>
           <a:lstStyle/>
           <a:p>
-            <a:pPr algn="ctr"/>
-            <a:r>
-              <a:rPr lang="en-US" sz="5400" b="1" dirty="0"/>
-              <a:t>Action Result</a:t>
-            </a:r>
-            <a:endParaRPr lang="en-US" sz="5400" dirty="0"/>
+            <a:r>
+              <a:rPr lang="en-US" sz="2800" b="1" dirty="0"/>
+              <a:t>What we have to know?</a:t>
+            </a:r>
+          </a:p>
+          <a:p>
+            <a:pPr marL="342900" indent="-342900">
+              <a:buAutoNum type="arabicPeriod"/>
+            </a:pPr>
+            <a:endParaRPr lang="en-US" sz="2400" dirty="0"/>
+          </a:p>
+          <a:p>
+            <a:pPr marL="342900" indent="-342900">
+              <a:buAutoNum type="arabicPeriod"/>
+            </a:pPr>
+            <a:r>
+              <a:rPr lang="en-US" sz="2400" dirty="0" err="1"/>
+              <a:t>IHttpActionResult</a:t>
+            </a:r>
+            <a:r>
+              <a:rPr lang="en-US" sz="2400" dirty="0"/>
+              <a:t> interface acts as a factory for </a:t>
+            </a:r>
+            <a:r>
+              <a:rPr lang="en-US" sz="2400" dirty="0" err="1"/>
+              <a:t>HttpResponseMessage</a:t>
+            </a:r>
+            <a:r>
+              <a:rPr lang="en-US" sz="2400" dirty="0"/>
+              <a:t>.</a:t>
+            </a:r>
+          </a:p>
+          <a:p>
+            <a:pPr marL="342900" indent="-342900">
+              <a:buAutoNum type="arabicPeriod"/>
+            </a:pPr>
+            <a:endParaRPr lang="en-US" sz="2400" dirty="0"/>
+          </a:p>
+          <a:p>
+            <a:pPr marL="342900" indent="-342900">
+              <a:buAutoNum type="arabicPeriod"/>
+            </a:pPr>
+            <a:r>
+              <a:rPr lang="en-US" sz="2400" dirty="0"/>
+              <a:t>The result conversion strategy is selected based on the return type of the Action.</a:t>
+            </a:r>
+          </a:p>
+          <a:p>
+            <a:pPr marL="342900" indent="-342900">
+              <a:buAutoNum type="arabicPeriod"/>
+            </a:pPr>
+            <a:endParaRPr lang="en-US" sz="2400" dirty="0"/>
+          </a:p>
+          <a:p>
+            <a:pPr marL="342900" indent="-342900">
+              <a:buAutoNum type="arabicPeriod"/>
+            </a:pPr>
+            <a:r>
+              <a:rPr lang="en-US" sz="2400" dirty="0"/>
+              <a:t>There are some predefined </a:t>
+            </a:r>
+            <a:r>
+              <a:rPr lang="en-US" sz="2400" dirty="0" err="1"/>
+              <a:t>IHttpActionResult</a:t>
+            </a:r>
+            <a:r>
+              <a:rPr lang="en-US" sz="2400" dirty="0"/>
+              <a:t> classes: </a:t>
+            </a:r>
+            <a:r>
+              <a:rPr lang="en-US" sz="2400" dirty="0" err="1"/>
+              <a:t>OkResult</a:t>
+            </a:r>
+            <a:r>
+              <a:rPr lang="en-US" sz="2400" dirty="0"/>
+              <a:t>, </a:t>
+            </a:r>
+            <a:r>
+              <a:rPr lang="en-US" sz="2400" dirty="0" err="1"/>
+              <a:t>BadRequestResult</a:t>
+            </a:r>
+            <a:r>
+              <a:rPr lang="en-US" sz="2400" dirty="0"/>
+              <a:t>, </a:t>
+            </a:r>
+            <a:r>
+              <a:rPr lang="en-US" sz="2400" dirty="0" err="1"/>
+              <a:t>JsonResult</a:t>
+            </a:r>
+            <a:r>
+              <a:rPr lang="en-US" sz="2400" dirty="0"/>
+              <a:t>&lt;T&gt;</a:t>
+            </a:r>
+          </a:p>
+          <a:p>
+            <a:pPr marL="342900" indent="-342900">
+              <a:buAutoNum type="arabicPeriod"/>
+            </a:pPr>
+            <a:endParaRPr lang="en-US" sz="2400" dirty="0"/>
+          </a:p>
+          <a:p>
+            <a:pPr marL="342900" indent="-342900">
+              <a:buAutoNum type="arabicPeriod"/>
+            </a:pPr>
+            <a:r>
+              <a:rPr lang="en-US" sz="2400" dirty="0"/>
+              <a:t>Custom implementations of the </a:t>
+            </a:r>
+            <a:r>
+              <a:rPr lang="en-US" sz="2400" dirty="0" err="1"/>
+              <a:t>IHttpActionResult</a:t>
+            </a:r>
+            <a:r>
+              <a:rPr lang="en-US" sz="2400" dirty="0"/>
+              <a:t> may be used.</a:t>
+            </a:r>
           </a:p>
         </p:txBody>
       </p:sp>
     </p:spTree>
     <p:extLst>
       <p:ext uri="{BB962C8B-B14F-4D97-AF65-F5344CB8AC3E}">
-        <p14:creationId xmlns:p14="http://schemas.microsoft.com/office/powerpoint/2010/main" val="3766461906"/>
+        <p14:creationId xmlns:p14="http://schemas.microsoft.com/office/powerpoint/2010/main" val="3560141662"/>
       </p:ext>
     </p:extLst>
   </p:cSld>
@@ -7339,7 +7415,7 @@
           <a:p>
             <a:r>
               <a:rPr lang="en-US" dirty="0"/>
-              <a:t> Filters</a:t>
+              <a:t> HTTP MESSAGE HANDLERS</a:t>
             </a:r>
           </a:p>
         </p:txBody>
@@ -7353,7 +7429,7 @@
         <p:spPr>
           <a:xfrm>
             <a:off x="1455438" y="694159"/>
-            <a:ext cx="10510576" cy="3847207"/>
+            <a:ext cx="10510576" cy="4524315"/>
           </a:xfrm>
           <a:prstGeom prst="rect">
             <a:avLst/>
@@ -7367,128 +7443,92 @@
           <a:lstStyle/>
           <a:p>
             <a:r>
-              <a:rPr lang="en-US" sz="2800" b="1" dirty="0"/>
-              <a:t>What we have to know?</a:t>
-            </a:r>
-          </a:p>
-          <a:p>
-            <a:pPr marL="342900" indent="-342900">
+              <a:rPr lang="en-US" sz="2400" b="1" dirty="0"/>
+              <a:t>References</a:t>
+            </a:r>
+          </a:p>
+          <a:p>
+            <a:endParaRPr lang="en-US" sz="2400" b="1" dirty="0"/>
+          </a:p>
+          <a:p>
+            <a:pPr marL="514350" indent="-514350">
+              <a:buFontTx/>
               <a:buAutoNum type="arabicPeriod"/>
             </a:pPr>
+            <a:r>
+              <a:rPr lang="en-US" sz="2400" dirty="0">
+                <a:hlinkClick r:id="rId3"/>
+              </a:rPr>
+              <a:t>https://github.com/OData/WebApi/blob/v3.2-rtm</a:t>
+            </a:r>
+            <a:endParaRPr lang="en-US" sz="2400" b="1" dirty="0"/>
+          </a:p>
+          <a:p>
+            <a:pPr marL="514350" indent="-514350">
+              <a:buAutoNum type="arabicPeriod"/>
+            </a:pPr>
+            <a:r>
+              <a:rPr lang="en-US" sz="2400" dirty="0">
+                <a:hlinkClick r:id="rId4"/>
+              </a:rPr>
+              <a:t>https://www.exceptionnotfound.net/the-asp-net-web-api-2-http-message-lifecycle-in-43-easy-steps-2/</a:t>
+            </a:r>
             <a:endParaRPr lang="en-US" sz="2400" dirty="0"/>
           </a:p>
           <a:p>
-            <a:pPr marL="342900" indent="-342900">
+            <a:pPr marL="514350" indent="-514350">
               <a:buAutoNum type="arabicPeriod"/>
             </a:pPr>
             <a:r>
-              <a:rPr lang="en-US" sz="2400" dirty="0" err="1"/>
-              <a:t>IHttpActionResult</a:t>
-            </a:r>
-            <a:r>
-              <a:rPr lang="en-US" sz="2400" dirty="0"/>
-              <a:t> interface acts as a factory for </a:t>
-            </a:r>
-            <a:r>
-              <a:rPr lang="en-US" sz="2400" dirty="0" err="1"/>
-              <a:t>HttpResponseMessage</a:t>
-            </a:r>
-            <a:r>
-              <a:rPr lang="en-US" sz="2400" dirty="0"/>
-              <a:t>.</a:t>
-            </a:r>
-          </a:p>
-          <a:p>
-            <a:pPr marL="342900" indent="-342900">
+              <a:rPr lang="en-US" sz="2400" dirty="0">
+                <a:hlinkClick r:id="rId5"/>
+              </a:rPr>
+              <a:t>https://www.asp.net/media/4071077/aspnet-web-api-poster.pdf</a:t>
+            </a:r>
+            <a:endParaRPr lang="en-US" sz="2400" dirty="0"/>
+          </a:p>
+          <a:p>
+            <a:pPr marL="514350" indent="-514350">
               <a:buAutoNum type="arabicPeriod"/>
             </a:pPr>
+            <a:r>
+              <a:rPr lang="en-US" sz="2400" dirty="0">
+                <a:hlinkClick r:id="rId6"/>
+              </a:rPr>
+              <a:t>http://chimera.labs.oreilly.com/books/1234000001708/ch12.html#_apicontroller_processing_model</a:t>
+            </a:r>
             <a:endParaRPr lang="en-US" sz="2400" dirty="0"/>
           </a:p>
           <a:p>
-            <a:pPr marL="342900" indent="-342900">
+            <a:pPr marL="514350" indent="-514350">
               <a:buAutoNum type="arabicPeriod"/>
             </a:pPr>
-            <a:r>
-              <a:rPr lang="en-US" sz="2400" dirty="0"/>
-              <a:t>The result conversion strategy is selected based on the return type of the Action.</a:t>
-            </a:r>
-          </a:p>
-          <a:p>
-            <a:pPr marL="342900" indent="-342900">
+            <a:endParaRPr lang="en-US" sz="2400" dirty="0"/>
+          </a:p>
+          <a:p>
+            <a:pPr marL="514350" indent="-514350">
               <a:buAutoNum type="arabicPeriod"/>
             </a:pPr>
             <a:endParaRPr lang="en-US" sz="2400" dirty="0"/>
           </a:p>
           <a:p>
-            <a:pPr marL="342900" indent="-342900">
+            <a:pPr marL="514350" indent="-514350">
               <a:buAutoNum type="arabicPeriod"/>
             </a:pPr>
-            <a:r>
-              <a:rPr lang="en-US" sz="2400" dirty="0"/>
-              <a:t>There are some predefined </a:t>
-            </a:r>
-            <a:r>
-              <a:rPr lang="en-US" sz="2400" dirty="0" err="1"/>
-              <a:t>IHttpActionResult</a:t>
-            </a:r>
-            <a:r>
-              <a:rPr lang="en-US" sz="2400" dirty="0"/>
-              <a:t> classes: </a:t>
-            </a:r>
-            <a:r>
-              <a:rPr lang="en-US" sz="2400" dirty="0" err="1"/>
-              <a:t>OkResult</a:t>
-            </a:r>
-            <a:r>
-              <a:rPr lang="en-US" sz="2400" dirty="0"/>
-              <a:t>, </a:t>
-            </a:r>
-            <a:r>
-              <a:rPr lang="en-US" sz="2400" dirty="0" err="1"/>
-              <a:t>BadRequestResult</a:t>
-            </a:r>
-            <a:r>
-              <a:rPr lang="en-US" sz="2400" dirty="0"/>
-              <a:t>, </a:t>
-            </a:r>
-            <a:r>
-              <a:rPr lang="en-US" sz="2400" dirty="0" err="1"/>
-              <a:t>JsonResult</a:t>
-            </a:r>
-            <a:r>
-              <a:rPr lang="en-US" sz="2400" dirty="0"/>
-              <a:t>&lt;T&gt;</a:t>
-            </a:r>
-          </a:p>
-          <a:p>
-            <a:pPr marL="342900" indent="-342900">
+            <a:endParaRPr lang="en-US" sz="2400" dirty="0"/>
+          </a:p>
+          <a:p>
+            <a:pPr marL="514350" indent="-514350">
               <a:buAutoNum type="arabicPeriod"/>
             </a:pPr>
-            <a:endParaRPr lang="en-US" sz="2400" dirty="0"/>
-          </a:p>
-          <a:p>
-            <a:pPr marL="342900" indent="-342900">
-              <a:buAutoNum type="arabicPeriod"/>
-            </a:pPr>
-            <a:r>
-              <a:rPr lang="en-US" sz="2400" dirty="0"/>
-              <a:t>Custom implementations of the </a:t>
-            </a:r>
-            <a:r>
-              <a:rPr lang="en-US" sz="2400" dirty="0" err="1"/>
-              <a:t>IHttpActionResult</a:t>
-            </a:r>
-            <a:r>
-              <a:rPr lang="en-US" sz="2400" dirty="0"/>
-              <a:t> may be used.</a:t>
-            </a:r>
+            <a:endParaRPr lang="en-US" sz="2400" b="1" dirty="0"/>
           </a:p>
         </p:txBody>
       </p:sp>
     </p:spTree>
     <p:extLst>
       <p:ext uri="{BB962C8B-B14F-4D97-AF65-F5344CB8AC3E}">
-        <p14:creationId xmlns:p14="http://schemas.microsoft.com/office/powerpoint/2010/main" val="3560141662"/>
+        <p14:creationId xmlns:p14="http://schemas.microsoft.com/office/powerpoint/2010/main" val="483422304"/>
       </p:ext>
     </p:extLst>
   </p:cSld>
@@ -7532,15 +7572,386 @@
           <a:p>
             <a:r>
               <a:rPr lang="en-US" dirty="0"/>
-              <a:t> HTTP MESSAGE LIFECYLE</a:t>
-            </a:r>
+              <a:t>Media Type Formatters</a:t>
+            </a:r>
+          </a:p>
+        </p:txBody>
+      </p:sp>
+      <p:sp>
+        <p:nvSpPr>
+          <p:cNvPr id="3" name="Rectangle 1"/>
+          <p:cNvSpPr>
+            <a:spLocks noChangeArrowheads="1"/>
+          </p:cNvSpPr>
+          <p:nvPr/>
+        </p:nvSpPr>
+        <p:spPr bwMode="auto">
+          <a:xfrm>
+            <a:off x="1595335" y="891699"/>
+            <a:ext cx="10124317" cy="1400383"/>
+          </a:xfrm>
+          <a:prstGeom prst="rect">
+            <a:avLst/>
+          </a:prstGeom>
+          <a:solidFill>
+            <a:srgbClr val="FFFFFF"/>
+          </a:solidFill>
+          <a:ln>
+            <a:noFill/>
+          </a:ln>
+          <a:effectLst/>
+          <a:extLst>
+            <a:ext uri="{91240B29-F687-4F45-9708-019B960494DF}">
+              <a14:hiddenLine xmlns:a14="http://schemas.microsoft.com/office/drawing/2010/main" w="9525">
+                <a:solidFill>
+                  <a:schemeClr val="tx1"/>
+                </a:solidFill>
+                <a:miter lim="800000"/>
+                <a:headEnd/>
+                <a:tailEnd/>
+              </a14:hiddenLine>
+            </a:ext>
+            <a:ext uri="{AF507438-7753-43E0-B8FC-AC1667EBCBE1}">
+              <a14:hiddenEffects xmlns:a14="http://schemas.microsoft.com/office/drawing/2010/main">
+                <a:effectLst>
+                  <a:outerShdw dist="35921" dir="2700000" algn="ctr" rotWithShape="0">
+                    <a:schemeClr val="bg2"/>
+                  </a:outerShdw>
+                </a:effectLst>
+              </a14:hiddenEffects>
+            </a:ext>
+          </a:extLst>
+        </p:spPr>
+        <p:txBody>
+          <a:bodyPr vert="horz" wrap="square" lIns="0" tIns="0" rIns="0" bIns="0" numCol="1" anchor="ctr" anchorCtr="0" compatLnSpc="1">
+            <a:prstTxWarp prst="textNoShape">
+              <a:avLst/>
+            </a:prstTxWarp>
+            <a:spAutoFit/>
+          </a:bodyPr>
+          <a:lstStyle/>
+          <a:p>
+            <a:pPr marL="0" marR="0" lvl="0" indent="0" algn="l" defTabSz="914400" rtl="0" eaLnBrk="0" fontAlgn="base" latinLnBrk="0" hangingPunct="0">
+              <a:lnSpc>
+                <a:spcPct val="100000"/>
+              </a:lnSpc>
+              <a:spcBef>
+                <a:spcPct val="0"/>
+              </a:spcBef>
+              <a:spcAft>
+                <a:spcPct val="0"/>
+              </a:spcAft>
+              <a:buClrTx/>
+              <a:buSzTx/>
+              <a:buFontTx/>
+              <a:buNone/>
+              <a:tabLst/>
+            </a:pPr>
+            <a:r>
+              <a:rPr kumimoji="0" lang="en-US" altLang="en-US" sz="1100" b="0" i="0" u="none" strike="noStrike" cap="none" normalizeH="0" baseline="0" dirty="0">
+                <a:ln>
+                  <a:noFill/>
+                </a:ln>
+                <a:solidFill>
+                  <a:srgbClr val="242729"/>
+                </a:solidFill>
+                <a:effectLst/>
+                <a:latin typeface="inherit"/>
+                <a:cs typeface="Arial" panose="020B0604020202020204" pitchFamily="34" charset="0"/>
+              </a:rPr>
+              <a:t>There isn't specifically a per-route way of having formatters, but there is a </a:t>
+            </a:r>
+            <a:r>
+              <a:rPr kumimoji="0" lang="en-US" altLang="en-US" sz="900" b="0" i="0" u="none" strike="noStrike" cap="none" normalizeH="0" baseline="0" dirty="0">
+                <a:ln>
+                  <a:noFill/>
+                </a:ln>
+                <a:solidFill>
+                  <a:srgbClr val="242729"/>
+                </a:solidFill>
+                <a:effectLst/>
+                <a:latin typeface="Consolas" panose="020B0609020204030204" pitchFamily="49" charset="0"/>
+                <a:cs typeface="Arial" panose="020B0604020202020204" pitchFamily="34" charset="0"/>
+              </a:rPr>
+              <a:t>per-controller configuration</a:t>
+            </a:r>
+            <a:r>
+              <a:rPr kumimoji="0" lang="en-US" altLang="en-US" sz="1100" b="0" i="0" u="none" strike="noStrike" cap="none" normalizeH="0" baseline="0" dirty="0">
+                <a:ln>
+                  <a:noFill/>
+                </a:ln>
+                <a:solidFill>
+                  <a:srgbClr val="242729"/>
+                </a:solidFill>
+                <a:effectLst/>
+                <a:latin typeface="inherit"/>
+                <a:cs typeface="Arial" panose="020B0604020202020204" pitchFamily="34" charset="0"/>
+              </a:rPr>
+              <a:t> which you can use to have specific formatters. For example, in your scenario you could have a common base controller for certain set of controllers and decorate that base controller with the per-controller configuration attribute.</a:t>
+            </a:r>
+            <a:endParaRPr kumimoji="0" lang="en-US" altLang="en-US" sz="1100" b="0" i="0" u="none" strike="noStrike" cap="none" normalizeH="0" baseline="0" dirty="0">
+              <a:ln>
+                <a:noFill/>
+              </a:ln>
+              <a:solidFill>
+                <a:srgbClr val="242729"/>
+              </a:solidFill>
+              <a:effectLst/>
+              <a:latin typeface="Arial" panose="020B0604020202020204" pitchFamily="34" charset="0"/>
+              <a:cs typeface="Arial" panose="020B0604020202020204" pitchFamily="34" charset="0"/>
+            </a:endParaRPr>
+          </a:p>
+          <a:p>
+            <a:pPr marL="0" marR="0" lvl="0" indent="0" algn="l" defTabSz="914400" rtl="0" eaLnBrk="0" fontAlgn="base" latinLnBrk="0" hangingPunct="0">
+              <a:lnSpc>
+                <a:spcPct val="100000"/>
+              </a:lnSpc>
+              <a:spcBef>
+                <a:spcPct val="0"/>
+              </a:spcBef>
+              <a:spcAft>
+                <a:spcPct val="0"/>
+              </a:spcAft>
+              <a:buClrTx/>
+              <a:buSzTx/>
+              <a:buFontTx/>
+              <a:buNone/>
+              <a:tabLst/>
+            </a:pPr>
+            <a:r>
+              <a:rPr kumimoji="0" lang="en-US" altLang="en-US" sz="1100" b="0" i="0" u="none" strike="noStrike" cap="none" normalizeH="0" baseline="0" dirty="0">
+                <a:ln>
+                  <a:noFill/>
+                </a:ln>
+                <a:solidFill>
+                  <a:srgbClr val="242729"/>
+                </a:solidFill>
+                <a:effectLst/>
+                <a:latin typeface="inherit"/>
+                <a:cs typeface="Arial" panose="020B0604020202020204" pitchFamily="34" charset="0"/>
+              </a:rPr>
+              <a:t>Web API Sample for creating a per-controller </a:t>
+            </a:r>
+            <a:r>
+              <a:rPr kumimoji="0" lang="en-US" altLang="en-US" sz="1100" b="0" i="0" u="none" strike="noStrike" cap="none" normalizeH="0" baseline="0" dirty="0" err="1">
+                <a:ln>
+                  <a:noFill/>
+                </a:ln>
+                <a:solidFill>
+                  <a:srgbClr val="242729"/>
+                </a:solidFill>
+                <a:effectLst/>
+                <a:latin typeface="inherit"/>
+                <a:cs typeface="Arial" panose="020B0604020202020204" pitchFamily="34" charset="0"/>
+              </a:rPr>
+              <a:t>configuration:</a:t>
+            </a:r>
+            <a:r>
+              <a:rPr kumimoji="0" lang="en-US" altLang="en-US" sz="1100" b="0" i="0" u="none" strike="noStrike" cap="none" normalizeH="0" baseline="0" dirty="0" err="1">
+                <a:ln>
+                  <a:noFill/>
+                </a:ln>
+                <a:solidFill>
+                  <a:srgbClr val="005999"/>
+                </a:solidFill>
+                <a:effectLst/>
+                <a:latin typeface="inherit"/>
+                <a:cs typeface="Arial" panose="020B0604020202020204" pitchFamily="34" charset="0"/>
+                <a:hlinkClick r:id="rId2"/>
+              </a:rPr>
+              <a:t>http</a:t>
+            </a:r>
+            <a:r>
+              <a:rPr kumimoji="0" lang="en-US" altLang="en-US" sz="1100" b="0" i="0" u="none" strike="noStrike" cap="none" normalizeH="0" baseline="0" dirty="0">
+                <a:ln>
+                  <a:noFill/>
+                </a:ln>
+                <a:solidFill>
+                  <a:srgbClr val="005999"/>
+                </a:solidFill>
+                <a:effectLst/>
+                <a:latin typeface="inherit"/>
+                <a:cs typeface="Arial" panose="020B0604020202020204" pitchFamily="34" charset="0"/>
+                <a:hlinkClick r:id="rId2"/>
+              </a:rPr>
+              <a:t>://aspnet.codeplex.com/</a:t>
+            </a:r>
+            <a:r>
+              <a:rPr kumimoji="0" lang="en-US" altLang="en-US" sz="1100" b="0" i="0" u="none" strike="noStrike" cap="none" normalizeH="0" baseline="0" dirty="0" err="1">
+                <a:ln>
+                  <a:noFill/>
+                </a:ln>
+                <a:solidFill>
+                  <a:srgbClr val="005999"/>
+                </a:solidFill>
+                <a:effectLst/>
+                <a:latin typeface="inherit"/>
+                <a:cs typeface="Arial" panose="020B0604020202020204" pitchFamily="34" charset="0"/>
+                <a:hlinkClick r:id="rId2"/>
+              </a:rPr>
+              <a:t>SourceControl</a:t>
+            </a:r>
+            <a:r>
+              <a:rPr kumimoji="0" lang="en-US" altLang="en-US" sz="1100" b="0" i="0" u="none" strike="noStrike" cap="none" normalizeH="0" baseline="0" dirty="0">
+                <a:ln>
+                  <a:noFill/>
+                </a:ln>
+                <a:solidFill>
+                  <a:srgbClr val="005999"/>
+                </a:solidFill>
+                <a:effectLst/>
+                <a:latin typeface="inherit"/>
+                <a:cs typeface="Arial" panose="020B0604020202020204" pitchFamily="34" charset="0"/>
+                <a:hlinkClick r:id="rId2"/>
+              </a:rPr>
+              <a:t>/</a:t>
+            </a:r>
+            <a:r>
+              <a:rPr kumimoji="0" lang="en-US" altLang="en-US" sz="1100" b="0" i="0" u="none" strike="noStrike" cap="none" normalizeH="0" baseline="0" dirty="0" err="1">
+                <a:ln>
+                  <a:noFill/>
+                </a:ln>
+                <a:solidFill>
+                  <a:srgbClr val="005999"/>
+                </a:solidFill>
+                <a:effectLst/>
+                <a:latin typeface="inherit"/>
+                <a:cs typeface="Arial" panose="020B0604020202020204" pitchFamily="34" charset="0"/>
+                <a:hlinkClick r:id="rId2"/>
+              </a:rPr>
+              <a:t>latest#Samples</a:t>
+            </a:r>
+            <a:r>
+              <a:rPr kumimoji="0" lang="en-US" altLang="en-US" sz="1100" b="0" i="0" u="none" strike="noStrike" cap="none" normalizeH="0" baseline="0" dirty="0">
+                <a:ln>
+                  <a:noFill/>
+                </a:ln>
+                <a:solidFill>
+                  <a:srgbClr val="005999"/>
+                </a:solidFill>
+                <a:effectLst/>
+                <a:latin typeface="inherit"/>
+                <a:cs typeface="Arial" panose="020B0604020202020204" pitchFamily="34" charset="0"/>
+                <a:hlinkClick r:id="rId2"/>
+              </a:rPr>
+              <a:t>/</a:t>
+            </a:r>
+            <a:r>
+              <a:rPr kumimoji="0" lang="en-US" altLang="en-US" sz="1100" b="0" i="0" u="none" strike="noStrike" cap="none" normalizeH="0" baseline="0" dirty="0" err="1">
+                <a:ln>
+                  <a:noFill/>
+                </a:ln>
+                <a:solidFill>
+                  <a:srgbClr val="005999"/>
+                </a:solidFill>
+                <a:effectLst/>
+                <a:latin typeface="inherit"/>
+                <a:cs typeface="Arial" panose="020B0604020202020204" pitchFamily="34" charset="0"/>
+                <a:hlinkClick r:id="rId2"/>
+              </a:rPr>
+              <a:t>WebApi</a:t>
+            </a:r>
+            <a:r>
+              <a:rPr kumimoji="0" lang="en-US" altLang="en-US" sz="1100" b="0" i="0" u="none" strike="noStrike" cap="none" normalizeH="0" baseline="0" dirty="0">
+                <a:ln>
+                  <a:noFill/>
+                </a:ln>
+                <a:solidFill>
+                  <a:srgbClr val="005999"/>
+                </a:solidFill>
+                <a:effectLst/>
+                <a:latin typeface="inherit"/>
+                <a:cs typeface="Arial" panose="020B0604020202020204" pitchFamily="34" charset="0"/>
+                <a:hlinkClick r:id="rId2"/>
+              </a:rPr>
+              <a:t>/</a:t>
+            </a:r>
+            <a:r>
+              <a:rPr kumimoji="0" lang="en-US" altLang="en-US" sz="1100" b="0" i="0" u="none" strike="noStrike" cap="none" normalizeH="0" baseline="0" dirty="0" err="1">
+                <a:ln>
+                  <a:noFill/>
+                </a:ln>
+                <a:solidFill>
+                  <a:srgbClr val="005999"/>
+                </a:solidFill>
+                <a:effectLst/>
+                <a:latin typeface="inherit"/>
+                <a:cs typeface="Arial" panose="020B0604020202020204" pitchFamily="34" charset="0"/>
+                <a:hlinkClick r:id="rId2"/>
+              </a:rPr>
+              <a:t>ControllerSpecificConfigSample</a:t>
+            </a:r>
+            <a:r>
+              <a:rPr kumimoji="0" lang="en-US" altLang="en-US" sz="1100" b="0" i="0" u="none" strike="noStrike" cap="none" normalizeH="0" baseline="0" dirty="0">
+                <a:ln>
+                  <a:noFill/>
+                </a:ln>
+                <a:solidFill>
+                  <a:srgbClr val="005999"/>
+                </a:solidFill>
+                <a:effectLst/>
+                <a:latin typeface="inherit"/>
+                <a:cs typeface="Arial" panose="020B0604020202020204" pitchFamily="34" charset="0"/>
+                <a:hlinkClick r:id="rId2"/>
+              </a:rPr>
+              <a:t>/ReadMe.txt</a:t>
+            </a:r>
+            <a:endParaRPr kumimoji="0" lang="en-US" altLang="en-US" sz="800" b="0" i="0" u="none" strike="noStrike" cap="none" normalizeH="0" baseline="0" dirty="0">
+              <a:ln>
+                <a:noFill/>
+              </a:ln>
+              <a:solidFill>
+                <a:schemeClr val="tx1"/>
+              </a:solidFill>
+              <a:effectLst/>
+            </a:endParaRPr>
+          </a:p>
+          <a:p>
+            <a:pPr marL="0" marR="0" lvl="0" indent="0" algn="l" defTabSz="914400" rtl="0" eaLnBrk="0" fontAlgn="base" latinLnBrk="0" hangingPunct="0">
+              <a:lnSpc>
+                <a:spcPct val="100000"/>
+              </a:lnSpc>
+              <a:spcBef>
+                <a:spcPct val="0"/>
+              </a:spcBef>
+              <a:spcAft>
+                <a:spcPct val="0"/>
+              </a:spcAft>
+              <a:buClrTx/>
+              <a:buSzTx/>
+              <a:buFontTx/>
+              <a:buNone/>
+              <a:tabLst/>
+            </a:pPr>
+            <a:br>
+              <a:rPr kumimoji="0" lang="en-US" altLang="en-US" sz="1800" b="0" i="0" u="none" strike="noStrike" cap="none" normalizeH="0" baseline="0" dirty="0">
+                <a:ln>
+                  <a:noFill/>
+                </a:ln>
+                <a:solidFill>
+                  <a:schemeClr val="tx1"/>
+                </a:solidFill>
+                <a:effectLst/>
+                <a:latin typeface="Arial" panose="020B0604020202020204" pitchFamily="34" charset="0"/>
+              </a:rPr>
+            </a:br>
+            <a:endParaRPr kumimoji="0" lang="en-US" altLang="en-US" sz="1800" b="0" i="0" u="none" strike="noStrike" cap="none" normalizeH="0" baseline="0" dirty="0">
+              <a:ln>
+                <a:noFill/>
+              </a:ln>
+              <a:solidFill>
+                <a:schemeClr val="tx1"/>
+              </a:solidFill>
+              <a:effectLst/>
+              <a:latin typeface="Arial" panose="020B0604020202020204" pitchFamily="34" charset="0"/>
+            </a:endParaRPr>
           </a:p>
         </p:txBody>
       </p:sp>
     </p:spTree>
     <p:extLst>
       <p:ext uri="{BB962C8B-B14F-4D97-AF65-F5344CB8AC3E}">
-        <p14:creationId xmlns:p14="http://schemas.microsoft.com/office/powerpoint/2010/main" val="4106787523"/>
+        <p14:creationId xmlns:p14="http://schemas.microsoft.com/office/powerpoint/2010/main" val="1773433"/>
       </p:ext>
     </p:extLst>
   </p:cSld>
@@ -7584,478 +7995,15 @@
           <a:p>
             <a:r>
               <a:rPr lang="en-US" dirty="0"/>
-              <a:t> HTTP MESSAGE HANDLERS</a:t>
-            </a:r>
-          </a:p>
-        </p:txBody>
-      </p:sp>
-      <p:sp>
-        <p:nvSpPr>
-          <p:cNvPr id="5" name="TextBox 4"/>
-          <p:cNvSpPr txBox="1"/>
-          <p:nvPr/>
-        </p:nvSpPr>
-        <p:spPr>
-          <a:xfrm>
-            <a:off x="1455438" y="694159"/>
-            <a:ext cx="10510576" cy="892552"/>
-          </a:xfrm>
-          <a:prstGeom prst="rect">
-            <a:avLst/>
-          </a:prstGeom>
-          <a:noFill/>
-        </p:spPr>
-        <p:txBody>
-          <a:bodyPr wrap="square" rtlCol="0">
-            <a:spAutoFit/>
-          </a:bodyPr>
-          <a:lstStyle/>
-          <a:p>
-            <a:r>
-              <a:rPr lang="en-US" sz="2800" b="1" dirty="0"/>
-              <a:t>References</a:t>
-            </a:r>
-          </a:p>
-          <a:p>
-            <a:pPr marL="342900" indent="-342900">
-              <a:buAutoNum type="arabicPeriod"/>
-            </a:pPr>
-            <a:endParaRPr lang="en-US" sz="2400" dirty="0"/>
+              <a:t>Media Type Formatters</a:t>
+            </a:r>
           </a:p>
         </p:txBody>
       </p:sp>
     </p:spTree>
     <p:extLst>
       <p:ext uri="{BB962C8B-B14F-4D97-AF65-F5344CB8AC3E}">
-        <p14:creationId xmlns:p14="http://schemas.microsoft.com/office/powerpoint/2010/main" val="3427512919"/>
-      </p:ext>
-    </p:extLst>
-  </p:cSld>
-  <p:clrMapOvr>
-    <a:masterClrMapping/>
-  </p:clrMapOvr>
-</p:sld>
-</file>
-
-<file path=ppt/slides/slide25.xml><?xml version="1.0" encoding="utf-8"?>
-<p:sld xmlns:a="http://schemas.openxmlformats.org/drawingml/2006/main" xmlns:r="http://schemas.openxmlformats.org/officeDocument/2006/relationships" xmlns:p="http://schemas.openxmlformats.org/presentationml/2006/main">
-  <p:cSld>
-    <p:spTree>
-      <p:nvGrpSpPr>
-        <p:cNvPr id="1" name=""/>
-        <p:cNvGrpSpPr/>
-        <p:nvPr/>
-      </p:nvGrpSpPr>
-      <p:grpSpPr>
-        <a:xfrm>
-          <a:off x="0" y="0"/>
-          <a:ext cx="0" cy="0"/>
-          <a:chOff x="0" y="0"/>
-          <a:chExt cx="0" cy="0"/>
-        </a:xfrm>
-      </p:grpSpPr>
-      <p:sp>
-        <p:nvSpPr>
-          <p:cNvPr id="2" name="Title 1"/>
-          <p:cNvSpPr>
-            <a:spLocks noGrp="1"/>
-          </p:cNvSpPr>
-          <p:nvPr>
-            <p:ph type="title"/>
-          </p:nvPr>
-        </p:nvSpPr>
-        <p:spPr/>
-        <p:txBody>
-          <a:bodyPr/>
-          <a:lstStyle/>
-          <a:p>
-            <a:r>
-              <a:rPr lang="en-US" dirty="0"/>
-              <a:t> HTTP MESSAGE HANDLERS</a:t>
-            </a:r>
-          </a:p>
-        </p:txBody>
-      </p:sp>
-      <p:sp>
-        <p:nvSpPr>
-          <p:cNvPr id="5" name="TextBox 4"/>
-          <p:cNvSpPr txBox="1"/>
-          <p:nvPr/>
-        </p:nvSpPr>
-        <p:spPr>
-          <a:xfrm>
-            <a:off x="1455438" y="694159"/>
-            <a:ext cx="10510576" cy="4524315"/>
-          </a:xfrm>
-          <a:prstGeom prst="rect">
-            <a:avLst/>
-          </a:prstGeom>
-          <a:noFill/>
-        </p:spPr>
-        <p:txBody>
-          <a:bodyPr wrap="square" rtlCol="0">
-            <a:spAutoFit/>
-          </a:bodyPr>
-          <a:lstStyle/>
-          <a:p>
-            <a:r>
-              <a:rPr lang="en-US" sz="2400" b="1" dirty="0"/>
-              <a:t>References</a:t>
-            </a:r>
-          </a:p>
-          <a:p>
-            <a:endParaRPr lang="en-US" sz="2400" b="1" dirty="0"/>
-          </a:p>
-          <a:p>
-            <a:pPr marL="514350" indent="-514350">
-              <a:buFontTx/>
-              <a:buAutoNum type="arabicPeriod"/>
-            </a:pPr>
-            <a:r>
-              <a:rPr lang="en-US" sz="2400" dirty="0">
-                <a:hlinkClick r:id="rId3"/>
-              </a:rPr>
-              <a:t>https://github.com/OData/WebApi/blob/v3.2-rtm</a:t>
-            </a:r>
-            <a:endParaRPr lang="en-US" sz="2400" b="1" dirty="0"/>
-          </a:p>
-          <a:p>
-            <a:pPr marL="514350" indent="-514350">
-              <a:buAutoNum type="arabicPeriod"/>
-            </a:pPr>
-            <a:r>
-              <a:rPr lang="en-US" sz="2400" dirty="0">
-                <a:hlinkClick r:id="rId4"/>
-              </a:rPr>
-              <a:t>https://www.exceptionnotfound.net/the-asp-net-web-api-2-http-message-lifecycle-in-43-easy-steps-2/</a:t>
-            </a:r>
-            <a:endParaRPr lang="en-US" sz="2400" dirty="0"/>
-          </a:p>
-          <a:p>
-            <a:pPr marL="514350" indent="-514350">
-              <a:buAutoNum type="arabicPeriod"/>
-            </a:pPr>
-            <a:r>
-              <a:rPr lang="en-US" sz="2400" dirty="0">
-                <a:hlinkClick r:id="rId5"/>
-              </a:rPr>
-              <a:t>https://www.asp.net/media/4071077/aspnet-web-api-poster.pdf</a:t>
-            </a:r>
-            <a:endParaRPr lang="en-US" sz="2400" dirty="0"/>
-          </a:p>
-          <a:p>
-            <a:pPr marL="514350" indent="-514350">
-              <a:buAutoNum type="arabicPeriod"/>
-            </a:pPr>
-            <a:r>
-              <a:rPr lang="en-US" sz="2400" dirty="0">
-                <a:hlinkClick r:id="rId6"/>
-              </a:rPr>
-              <a:t>http://chimera.labs.oreilly.com/books/1234000001708/ch12.html#_apicontroller_processing_model</a:t>
-            </a:r>
-            <a:endParaRPr lang="en-US" sz="2400" dirty="0"/>
-          </a:p>
-          <a:p>
-            <a:pPr marL="514350" indent="-514350">
-              <a:buAutoNum type="arabicPeriod"/>
-            </a:pPr>
-            <a:endParaRPr lang="en-US" sz="2400" dirty="0"/>
-          </a:p>
-          <a:p>
-            <a:pPr marL="514350" indent="-514350">
-              <a:buAutoNum type="arabicPeriod"/>
-            </a:pPr>
-            <a:endParaRPr lang="en-US" sz="2400" dirty="0"/>
-          </a:p>
-          <a:p>
-            <a:pPr marL="514350" indent="-514350">
-              <a:buAutoNum type="arabicPeriod"/>
-            </a:pPr>
-            <a:endParaRPr lang="en-US" sz="2400" dirty="0"/>
-          </a:p>
-          <a:p>
-            <a:pPr marL="514350" indent="-514350">
-              <a:buAutoNum type="arabicPeriod"/>
-            </a:pPr>
-            <a:endParaRPr lang="en-US" sz="2400" b="1" dirty="0"/>
-          </a:p>
-        </p:txBody>
-      </p:sp>
-    </p:spTree>
-    <p:extLst>
-      <p:ext uri="{BB962C8B-B14F-4D97-AF65-F5344CB8AC3E}">
-        <p14:creationId xmlns:p14="http://schemas.microsoft.com/office/powerpoint/2010/main" val="483422304"/>
-      </p:ext>
-    </p:extLst>
-  </p:cSld>
-  <p:clrMapOvr>
-    <a:masterClrMapping/>
-  </p:clrMapOvr>
-</p:sld>
-</file>
-
-<file path=ppt/slides/slide26.xml><?xml version="1.0" encoding="utf-8"?>
-<p:sld xmlns:a="http://schemas.openxmlformats.org/drawingml/2006/main" xmlns:r="http://schemas.openxmlformats.org/officeDocument/2006/relationships" xmlns:p="http://schemas.openxmlformats.org/presentationml/2006/main">
-  <p:cSld>
-    <p:spTree>
-      <p:nvGrpSpPr>
-        <p:cNvPr id="1" name=""/>
-        <p:cNvGrpSpPr/>
-        <p:nvPr/>
-      </p:nvGrpSpPr>
-      <p:grpSpPr>
-        <a:xfrm>
-          <a:off x="0" y="0"/>
-          <a:ext cx="0" cy="0"/>
-          <a:chOff x="0" y="0"/>
-          <a:chExt cx="0" cy="0"/>
-        </a:xfrm>
-      </p:grpSpPr>
-      <p:sp>
-        <p:nvSpPr>
-          <p:cNvPr id="2" name="Title 1"/>
-          <p:cNvSpPr>
-            <a:spLocks noGrp="1"/>
-          </p:cNvSpPr>
-          <p:nvPr>
-            <p:ph type="title"/>
-          </p:nvPr>
-        </p:nvSpPr>
-        <p:spPr/>
-        <p:txBody>
-          <a:bodyPr/>
-          <a:lstStyle/>
-          <a:p>
-            <a:r>
-              <a:rPr lang="en-US" dirty="0"/>
-              <a:t> HTTP MESSAGE LIFECYLE</a:t>
-            </a:r>
-          </a:p>
-        </p:txBody>
-      </p:sp>
-    </p:spTree>
-    <p:extLst>
-      <p:ext uri="{BB962C8B-B14F-4D97-AF65-F5344CB8AC3E}">
-        <p14:creationId xmlns:p14="http://schemas.microsoft.com/office/powerpoint/2010/main" val="3107908798"/>
-      </p:ext>
-    </p:extLst>
-  </p:cSld>
-  <p:clrMapOvr>
-    <a:masterClrMapping/>
-  </p:clrMapOvr>
-</p:sld>
-</file>
-
-<file path=ppt/slides/slide27.xml><?xml version="1.0" encoding="utf-8"?>
-<p:sld xmlns:a="http://schemas.openxmlformats.org/drawingml/2006/main" xmlns:r="http://schemas.openxmlformats.org/officeDocument/2006/relationships" xmlns:p="http://schemas.openxmlformats.org/presentationml/2006/main">
-  <p:cSld>
-    <p:spTree>
-      <p:nvGrpSpPr>
-        <p:cNvPr id="1" name=""/>
-        <p:cNvGrpSpPr/>
-        <p:nvPr/>
-      </p:nvGrpSpPr>
-      <p:grpSpPr>
-        <a:xfrm>
-          <a:off x="0" y="0"/>
-          <a:ext cx="0" cy="0"/>
-          <a:chOff x="0" y="0"/>
-          <a:chExt cx="0" cy="0"/>
-        </a:xfrm>
-      </p:grpSpPr>
-      <p:sp>
-        <p:nvSpPr>
-          <p:cNvPr id="2" name="Title 1"/>
-          <p:cNvSpPr>
-            <a:spLocks noGrp="1"/>
-          </p:cNvSpPr>
-          <p:nvPr>
-            <p:ph type="title"/>
-          </p:nvPr>
-        </p:nvSpPr>
-        <p:spPr/>
-        <p:txBody>
-          <a:bodyPr/>
-          <a:lstStyle/>
-          <a:p>
-            <a:r>
-              <a:rPr lang="en-US" dirty="0"/>
-              <a:t> HTTP MESSAGE LIFECYLE</a:t>
-            </a:r>
-          </a:p>
-        </p:txBody>
-      </p:sp>
-    </p:spTree>
-    <p:extLst>
-      <p:ext uri="{BB962C8B-B14F-4D97-AF65-F5344CB8AC3E}">
-        <p14:creationId xmlns:p14="http://schemas.microsoft.com/office/powerpoint/2010/main" val="3549025819"/>
-      </p:ext>
-    </p:extLst>
-  </p:cSld>
-  <p:clrMapOvr>
-    <a:masterClrMapping/>
-  </p:clrMapOvr>
-</p:sld>
-</file>
-
-<file path=ppt/slides/slide28.xml><?xml version="1.0" encoding="utf-8"?>
-<p:sld xmlns:a="http://schemas.openxmlformats.org/drawingml/2006/main" xmlns:r="http://schemas.openxmlformats.org/officeDocument/2006/relationships" xmlns:p="http://schemas.openxmlformats.org/presentationml/2006/main">
-  <p:cSld>
-    <p:spTree>
-      <p:nvGrpSpPr>
-        <p:cNvPr id="1" name=""/>
-        <p:cNvGrpSpPr/>
-        <p:nvPr/>
-      </p:nvGrpSpPr>
-      <p:grpSpPr>
-        <a:xfrm>
-          <a:off x="0" y="0"/>
-          <a:ext cx="0" cy="0"/>
-          <a:chOff x="0" y="0"/>
-          <a:chExt cx="0" cy="0"/>
-        </a:xfrm>
-      </p:grpSpPr>
-      <p:sp>
-        <p:nvSpPr>
-          <p:cNvPr id="2" name="Title 1"/>
-          <p:cNvSpPr>
-            <a:spLocks noGrp="1"/>
-          </p:cNvSpPr>
-          <p:nvPr>
-            <p:ph type="title"/>
-          </p:nvPr>
-        </p:nvSpPr>
-        <p:spPr/>
-        <p:txBody>
-          <a:bodyPr/>
-          <a:lstStyle/>
-          <a:p>
-            <a:r>
-              <a:rPr lang="en-US" dirty="0"/>
-              <a:t>Filter Provider</a:t>
-            </a:r>
-          </a:p>
-        </p:txBody>
-      </p:sp>
-      <p:sp>
-        <p:nvSpPr>
-          <p:cNvPr id="3" name="TextBox 2"/>
-          <p:cNvSpPr txBox="1"/>
-          <p:nvPr/>
-        </p:nvSpPr>
-        <p:spPr>
-          <a:xfrm>
-            <a:off x="1609725" y="762000"/>
-            <a:ext cx="10109927" cy="369332"/>
-          </a:xfrm>
-          <a:prstGeom prst="rect">
-            <a:avLst/>
-          </a:prstGeom>
-          <a:noFill/>
-        </p:spPr>
-        <p:txBody>
-          <a:bodyPr wrap="square" rtlCol="0">
-            <a:spAutoFit/>
-          </a:bodyPr>
-          <a:lstStyle/>
-          <a:p>
-            <a:pPr marL="285750" indent="-285750">
-              <a:buFont typeface="Arial" panose="020B0604020202020204" pitchFamily="34" charset="0"/>
-              <a:buChar char="•"/>
-            </a:pPr>
-            <a:r>
-              <a:rPr lang="en-US" dirty="0"/>
-              <a:t>Only selects the filters to be executed. The execution order will still depend on the Scope</a:t>
-            </a:r>
-          </a:p>
-        </p:txBody>
-      </p:sp>
-    </p:spTree>
-    <p:extLst>
-      <p:ext uri="{BB962C8B-B14F-4D97-AF65-F5344CB8AC3E}">
-        <p14:creationId xmlns:p14="http://schemas.microsoft.com/office/powerpoint/2010/main" val="684075879"/>
-      </p:ext>
-    </p:extLst>
-  </p:cSld>
-  <p:clrMapOvr>
-    <a:masterClrMapping/>
-  </p:clrMapOvr>
-</p:sld>
-</file>
-
-<file path=ppt/slides/slide29.xml><?xml version="1.0" encoding="utf-8"?>
-<p:sld xmlns:a="http://schemas.openxmlformats.org/drawingml/2006/main" xmlns:r="http://schemas.openxmlformats.org/officeDocument/2006/relationships" xmlns:p="http://schemas.openxmlformats.org/presentationml/2006/main">
-  <p:cSld>
-    <p:spTree>
-      <p:nvGrpSpPr>
-        <p:cNvPr id="1" name=""/>
-        <p:cNvGrpSpPr/>
-        <p:nvPr/>
-      </p:nvGrpSpPr>
-      <p:grpSpPr>
-        <a:xfrm>
-          <a:off x="0" y="0"/>
-          <a:ext cx="0" cy="0"/>
-          <a:chOff x="0" y="0"/>
-          <a:chExt cx="0" cy="0"/>
-        </a:xfrm>
-      </p:grpSpPr>
-      <p:sp>
-        <p:nvSpPr>
-          <p:cNvPr id="2" name="Title 1"/>
-          <p:cNvSpPr>
-            <a:spLocks noGrp="1"/>
-          </p:cNvSpPr>
-          <p:nvPr>
-            <p:ph type="title"/>
-          </p:nvPr>
-        </p:nvSpPr>
-        <p:spPr/>
-        <p:txBody>
-          <a:bodyPr/>
-          <a:lstStyle/>
-          <a:p>
-            <a:r>
-              <a:rPr lang="en-US" dirty="0" err="1"/>
-              <a:t>ActionFilter</a:t>
-            </a:r>
-            <a:endParaRPr lang="en-US" dirty="0"/>
-          </a:p>
-        </p:txBody>
-      </p:sp>
-      <p:sp>
-        <p:nvSpPr>
-          <p:cNvPr id="3" name="TextBox 2"/>
-          <p:cNvSpPr txBox="1"/>
-          <p:nvPr/>
-        </p:nvSpPr>
-        <p:spPr>
-          <a:xfrm>
-            <a:off x="1701800" y="884255"/>
-            <a:ext cx="10017852" cy="369332"/>
-          </a:xfrm>
-          <a:prstGeom prst="rect">
-            <a:avLst/>
-          </a:prstGeom>
-          <a:noFill/>
-        </p:spPr>
-        <p:txBody>
-          <a:bodyPr wrap="square" rtlCol="0">
-            <a:spAutoFit/>
-          </a:bodyPr>
-          <a:lstStyle/>
-          <a:p>
-            <a:r>
-              <a:rPr lang="en-US" dirty="0"/>
-              <a:t>If a response is create inside a filter the controller action is not executed.</a:t>
-            </a:r>
-          </a:p>
-        </p:txBody>
-      </p:sp>
-    </p:spTree>
-    <p:extLst>
-      <p:ext uri="{BB962C8B-B14F-4D97-AF65-F5344CB8AC3E}">
-        <p14:creationId xmlns:p14="http://schemas.microsoft.com/office/powerpoint/2010/main" val="4283269876"/>
+        <p14:creationId xmlns:p14="http://schemas.microsoft.com/office/powerpoint/2010/main" val="3229387270"/>
       </p:ext>
     </p:extLst>
   </p:cSld>
@@ -8197,527 +8145,6 @@
 </p:sld>
 </file>
 
-<file path=ppt/slides/slide30.xml><?xml version="1.0" encoding="utf-8"?>
-<p:sld xmlns:a="http://schemas.openxmlformats.org/drawingml/2006/main" xmlns:r="http://schemas.openxmlformats.org/officeDocument/2006/relationships" xmlns:p="http://schemas.openxmlformats.org/presentationml/2006/main">
-  <p:cSld>
-    <p:spTree>
-      <p:nvGrpSpPr>
-        <p:cNvPr id="1" name=""/>
-        <p:cNvGrpSpPr/>
-        <p:nvPr/>
-      </p:nvGrpSpPr>
-      <p:grpSpPr>
-        <a:xfrm>
-          <a:off x="0" y="0"/>
-          <a:ext cx="0" cy="0"/>
-          <a:chOff x="0" y="0"/>
-          <a:chExt cx="0" cy="0"/>
-        </a:xfrm>
-      </p:grpSpPr>
-      <p:sp>
-        <p:nvSpPr>
-          <p:cNvPr id="2" name="Title 1"/>
-          <p:cNvSpPr>
-            <a:spLocks noGrp="1"/>
-          </p:cNvSpPr>
-          <p:nvPr>
-            <p:ph type="title"/>
-          </p:nvPr>
-        </p:nvSpPr>
-        <p:spPr/>
-        <p:txBody>
-          <a:bodyPr/>
-          <a:lstStyle/>
-          <a:p>
-            <a:r>
-              <a:rPr lang="en-US" dirty="0"/>
-              <a:t>Media Type Formatters</a:t>
-            </a:r>
-          </a:p>
-        </p:txBody>
-      </p:sp>
-      <p:sp>
-        <p:nvSpPr>
-          <p:cNvPr id="3" name="Rectangle 1"/>
-          <p:cNvSpPr>
-            <a:spLocks noChangeArrowheads="1"/>
-          </p:cNvSpPr>
-          <p:nvPr/>
-        </p:nvSpPr>
-        <p:spPr bwMode="auto">
-          <a:xfrm>
-            <a:off x="1595335" y="891699"/>
-            <a:ext cx="10124317" cy="1400383"/>
-          </a:xfrm>
-          <a:prstGeom prst="rect">
-            <a:avLst/>
-          </a:prstGeom>
-          <a:solidFill>
-            <a:srgbClr val="FFFFFF"/>
-          </a:solidFill>
-          <a:ln>
-            <a:noFill/>
-          </a:ln>
-          <a:effectLst/>
-          <a:extLst>
-            <a:ext uri="{91240B29-F687-4F45-9708-019B960494DF}">
-              <a14:hiddenLine xmlns:a14="http://schemas.microsoft.com/office/drawing/2010/main" w="9525">
-                <a:solidFill>
-                  <a:schemeClr val="tx1"/>
-                </a:solidFill>
-                <a:miter lim="800000"/>
-                <a:headEnd/>
-                <a:tailEnd/>
-              </a14:hiddenLine>
-            </a:ext>
-            <a:ext uri="{AF507438-7753-43E0-B8FC-AC1667EBCBE1}">
-              <a14:hiddenEffects xmlns:a14="http://schemas.microsoft.com/office/drawing/2010/main">
-                <a:effectLst>
-                  <a:outerShdw dist="35921" dir="2700000" algn="ctr" rotWithShape="0">
-                    <a:schemeClr val="bg2"/>
-                  </a:outerShdw>
-                </a:effectLst>
-              </a14:hiddenEffects>
-            </a:ext>
-          </a:extLst>
-        </p:spPr>
-        <p:txBody>
-          <a:bodyPr vert="horz" wrap="square" lIns="0" tIns="0" rIns="0" bIns="0" numCol="1" anchor="ctr" anchorCtr="0" compatLnSpc="1">
-            <a:prstTxWarp prst="textNoShape">
-              <a:avLst/>
-            </a:prstTxWarp>
-            <a:spAutoFit/>
-          </a:bodyPr>
-          <a:lstStyle/>
-          <a:p>
-            <a:pPr marL="0" marR="0" lvl="0" indent="0" algn="l" defTabSz="914400" rtl="0" eaLnBrk="0" fontAlgn="base" latinLnBrk="0" hangingPunct="0">
-              <a:lnSpc>
-                <a:spcPct val="100000"/>
-              </a:lnSpc>
-              <a:spcBef>
-                <a:spcPct val="0"/>
-              </a:spcBef>
-              <a:spcAft>
-                <a:spcPct val="0"/>
-              </a:spcAft>
-              <a:buClrTx/>
-              <a:buSzTx/>
-              <a:buFontTx/>
-              <a:buNone/>
-              <a:tabLst/>
-            </a:pPr>
-            <a:r>
-              <a:rPr kumimoji="0" lang="en-US" altLang="en-US" sz="1100" b="0" i="0" u="none" strike="noStrike" cap="none" normalizeH="0" baseline="0" dirty="0">
-                <a:ln>
-                  <a:noFill/>
-                </a:ln>
-                <a:solidFill>
-                  <a:srgbClr val="242729"/>
-                </a:solidFill>
-                <a:effectLst/>
-                <a:latin typeface="inherit"/>
-                <a:cs typeface="Arial" panose="020B0604020202020204" pitchFamily="34" charset="0"/>
-              </a:rPr>
-              <a:t>There isn't specifically a per-route way of having formatters, but there is a </a:t>
-            </a:r>
-            <a:r>
-              <a:rPr kumimoji="0" lang="en-US" altLang="en-US" sz="900" b="0" i="0" u="none" strike="noStrike" cap="none" normalizeH="0" baseline="0" dirty="0">
-                <a:ln>
-                  <a:noFill/>
-                </a:ln>
-                <a:solidFill>
-                  <a:srgbClr val="242729"/>
-                </a:solidFill>
-                <a:effectLst/>
-                <a:latin typeface="Consolas" panose="020B0609020204030204" pitchFamily="49" charset="0"/>
-                <a:cs typeface="Arial" panose="020B0604020202020204" pitchFamily="34" charset="0"/>
-              </a:rPr>
-              <a:t>per-controller configuration</a:t>
-            </a:r>
-            <a:r>
-              <a:rPr kumimoji="0" lang="en-US" altLang="en-US" sz="1100" b="0" i="0" u="none" strike="noStrike" cap="none" normalizeH="0" baseline="0" dirty="0">
-                <a:ln>
-                  <a:noFill/>
-                </a:ln>
-                <a:solidFill>
-                  <a:srgbClr val="242729"/>
-                </a:solidFill>
-                <a:effectLst/>
-                <a:latin typeface="inherit"/>
-                <a:cs typeface="Arial" panose="020B0604020202020204" pitchFamily="34" charset="0"/>
-              </a:rPr>
-              <a:t> which you can use to have specific formatters. For example, in your scenario you could have a common base controller for certain set of controllers and decorate that base controller with the per-controller configuration attribute.</a:t>
-            </a:r>
-            <a:endParaRPr kumimoji="0" lang="en-US" altLang="en-US" sz="1100" b="0" i="0" u="none" strike="noStrike" cap="none" normalizeH="0" baseline="0" dirty="0">
-              <a:ln>
-                <a:noFill/>
-              </a:ln>
-              <a:solidFill>
-                <a:srgbClr val="242729"/>
-              </a:solidFill>
-              <a:effectLst/>
-              <a:latin typeface="Arial" panose="020B0604020202020204" pitchFamily="34" charset="0"/>
-              <a:cs typeface="Arial" panose="020B0604020202020204" pitchFamily="34" charset="0"/>
-            </a:endParaRPr>
-          </a:p>
-          <a:p>
-            <a:pPr marL="0" marR="0" lvl="0" indent="0" algn="l" defTabSz="914400" rtl="0" eaLnBrk="0" fontAlgn="base" latinLnBrk="0" hangingPunct="0">
-              <a:lnSpc>
-                <a:spcPct val="100000"/>
-              </a:lnSpc>
-              <a:spcBef>
-                <a:spcPct val="0"/>
-              </a:spcBef>
-              <a:spcAft>
-                <a:spcPct val="0"/>
-              </a:spcAft>
-              <a:buClrTx/>
-              <a:buSzTx/>
-              <a:buFontTx/>
-              <a:buNone/>
-              <a:tabLst/>
-            </a:pPr>
-            <a:r>
-              <a:rPr kumimoji="0" lang="en-US" altLang="en-US" sz="1100" b="0" i="0" u="none" strike="noStrike" cap="none" normalizeH="0" baseline="0" dirty="0">
-                <a:ln>
-                  <a:noFill/>
-                </a:ln>
-                <a:solidFill>
-                  <a:srgbClr val="242729"/>
-                </a:solidFill>
-                <a:effectLst/>
-                <a:latin typeface="inherit"/>
-                <a:cs typeface="Arial" panose="020B0604020202020204" pitchFamily="34" charset="0"/>
-              </a:rPr>
-              <a:t>Web API Sample for creating a per-controller </a:t>
-            </a:r>
-            <a:r>
-              <a:rPr kumimoji="0" lang="en-US" altLang="en-US" sz="1100" b="0" i="0" u="none" strike="noStrike" cap="none" normalizeH="0" baseline="0" dirty="0" err="1">
-                <a:ln>
-                  <a:noFill/>
-                </a:ln>
-                <a:solidFill>
-                  <a:srgbClr val="242729"/>
-                </a:solidFill>
-                <a:effectLst/>
-                <a:latin typeface="inherit"/>
-                <a:cs typeface="Arial" panose="020B0604020202020204" pitchFamily="34" charset="0"/>
-              </a:rPr>
-              <a:t>configuration:</a:t>
-            </a:r>
-            <a:r>
-              <a:rPr kumimoji="0" lang="en-US" altLang="en-US" sz="1100" b="0" i="0" u="none" strike="noStrike" cap="none" normalizeH="0" baseline="0" dirty="0" err="1">
-                <a:ln>
-                  <a:noFill/>
-                </a:ln>
-                <a:solidFill>
-                  <a:srgbClr val="005999"/>
-                </a:solidFill>
-                <a:effectLst/>
-                <a:latin typeface="inherit"/>
-                <a:cs typeface="Arial" panose="020B0604020202020204" pitchFamily="34" charset="0"/>
-                <a:hlinkClick r:id="rId2"/>
-              </a:rPr>
-              <a:t>http</a:t>
-            </a:r>
-            <a:r>
-              <a:rPr kumimoji="0" lang="en-US" altLang="en-US" sz="1100" b="0" i="0" u="none" strike="noStrike" cap="none" normalizeH="0" baseline="0" dirty="0">
-                <a:ln>
-                  <a:noFill/>
-                </a:ln>
-                <a:solidFill>
-                  <a:srgbClr val="005999"/>
-                </a:solidFill>
-                <a:effectLst/>
-                <a:latin typeface="inherit"/>
-                <a:cs typeface="Arial" panose="020B0604020202020204" pitchFamily="34" charset="0"/>
-                <a:hlinkClick r:id="rId2"/>
-              </a:rPr>
-              <a:t>://aspnet.codeplex.com/</a:t>
-            </a:r>
-            <a:r>
-              <a:rPr kumimoji="0" lang="en-US" altLang="en-US" sz="1100" b="0" i="0" u="none" strike="noStrike" cap="none" normalizeH="0" baseline="0" dirty="0" err="1">
-                <a:ln>
-                  <a:noFill/>
-                </a:ln>
-                <a:solidFill>
-                  <a:srgbClr val="005999"/>
-                </a:solidFill>
-                <a:effectLst/>
-                <a:latin typeface="inherit"/>
-                <a:cs typeface="Arial" panose="020B0604020202020204" pitchFamily="34" charset="0"/>
-                <a:hlinkClick r:id="rId2"/>
-              </a:rPr>
-              <a:t>SourceControl</a:t>
-            </a:r>
-            <a:r>
-              <a:rPr kumimoji="0" lang="en-US" altLang="en-US" sz="1100" b="0" i="0" u="none" strike="noStrike" cap="none" normalizeH="0" baseline="0" dirty="0">
-                <a:ln>
-                  <a:noFill/>
-                </a:ln>
-                <a:solidFill>
-                  <a:srgbClr val="005999"/>
-                </a:solidFill>
-                <a:effectLst/>
-                <a:latin typeface="inherit"/>
-                <a:cs typeface="Arial" panose="020B0604020202020204" pitchFamily="34" charset="0"/>
-                <a:hlinkClick r:id="rId2"/>
-              </a:rPr>
-              <a:t>/</a:t>
-            </a:r>
-            <a:r>
-              <a:rPr kumimoji="0" lang="en-US" altLang="en-US" sz="1100" b="0" i="0" u="none" strike="noStrike" cap="none" normalizeH="0" baseline="0" dirty="0" err="1">
-                <a:ln>
-                  <a:noFill/>
-                </a:ln>
-                <a:solidFill>
-                  <a:srgbClr val="005999"/>
-                </a:solidFill>
-                <a:effectLst/>
-                <a:latin typeface="inherit"/>
-                <a:cs typeface="Arial" panose="020B0604020202020204" pitchFamily="34" charset="0"/>
-                <a:hlinkClick r:id="rId2"/>
-              </a:rPr>
-              <a:t>latest#Samples</a:t>
-            </a:r>
-            <a:r>
-              <a:rPr kumimoji="0" lang="en-US" altLang="en-US" sz="1100" b="0" i="0" u="none" strike="noStrike" cap="none" normalizeH="0" baseline="0" dirty="0">
-                <a:ln>
-                  <a:noFill/>
-                </a:ln>
-                <a:solidFill>
-                  <a:srgbClr val="005999"/>
-                </a:solidFill>
-                <a:effectLst/>
-                <a:latin typeface="inherit"/>
-                <a:cs typeface="Arial" panose="020B0604020202020204" pitchFamily="34" charset="0"/>
-                <a:hlinkClick r:id="rId2"/>
-              </a:rPr>
-              <a:t>/</a:t>
-            </a:r>
-            <a:r>
-              <a:rPr kumimoji="0" lang="en-US" altLang="en-US" sz="1100" b="0" i="0" u="none" strike="noStrike" cap="none" normalizeH="0" baseline="0" dirty="0" err="1">
-                <a:ln>
-                  <a:noFill/>
-                </a:ln>
-                <a:solidFill>
-                  <a:srgbClr val="005999"/>
-                </a:solidFill>
-                <a:effectLst/>
-                <a:latin typeface="inherit"/>
-                <a:cs typeface="Arial" panose="020B0604020202020204" pitchFamily="34" charset="0"/>
-                <a:hlinkClick r:id="rId2"/>
-              </a:rPr>
-              <a:t>WebApi</a:t>
-            </a:r>
-            <a:r>
-              <a:rPr kumimoji="0" lang="en-US" altLang="en-US" sz="1100" b="0" i="0" u="none" strike="noStrike" cap="none" normalizeH="0" baseline="0" dirty="0">
-                <a:ln>
-                  <a:noFill/>
-                </a:ln>
-                <a:solidFill>
-                  <a:srgbClr val="005999"/>
-                </a:solidFill>
-                <a:effectLst/>
-                <a:latin typeface="inherit"/>
-                <a:cs typeface="Arial" panose="020B0604020202020204" pitchFamily="34" charset="0"/>
-                <a:hlinkClick r:id="rId2"/>
-              </a:rPr>
-              <a:t>/</a:t>
-            </a:r>
-            <a:r>
-              <a:rPr kumimoji="0" lang="en-US" altLang="en-US" sz="1100" b="0" i="0" u="none" strike="noStrike" cap="none" normalizeH="0" baseline="0" dirty="0" err="1">
-                <a:ln>
-                  <a:noFill/>
-                </a:ln>
-                <a:solidFill>
-                  <a:srgbClr val="005999"/>
-                </a:solidFill>
-                <a:effectLst/>
-                <a:latin typeface="inherit"/>
-                <a:cs typeface="Arial" panose="020B0604020202020204" pitchFamily="34" charset="0"/>
-                <a:hlinkClick r:id="rId2"/>
-              </a:rPr>
-              <a:t>ControllerSpecificConfigSample</a:t>
-            </a:r>
-            <a:r>
-              <a:rPr kumimoji="0" lang="en-US" altLang="en-US" sz="1100" b="0" i="0" u="none" strike="noStrike" cap="none" normalizeH="0" baseline="0" dirty="0">
-                <a:ln>
-                  <a:noFill/>
-                </a:ln>
-                <a:solidFill>
-                  <a:srgbClr val="005999"/>
-                </a:solidFill>
-                <a:effectLst/>
-                <a:latin typeface="inherit"/>
-                <a:cs typeface="Arial" panose="020B0604020202020204" pitchFamily="34" charset="0"/>
-                <a:hlinkClick r:id="rId2"/>
-              </a:rPr>
-              <a:t>/ReadMe.txt</a:t>
-            </a:r>
-            <a:endParaRPr kumimoji="0" lang="en-US" altLang="en-US" sz="800" b="0" i="0" u="none" strike="noStrike" cap="none" normalizeH="0" baseline="0" dirty="0">
-              <a:ln>
-                <a:noFill/>
-              </a:ln>
-              <a:solidFill>
-                <a:schemeClr val="tx1"/>
-              </a:solidFill>
-              <a:effectLst/>
-            </a:endParaRPr>
-          </a:p>
-          <a:p>
-            <a:pPr marL="0" marR="0" lvl="0" indent="0" algn="l" defTabSz="914400" rtl="0" eaLnBrk="0" fontAlgn="base" latinLnBrk="0" hangingPunct="0">
-              <a:lnSpc>
-                <a:spcPct val="100000"/>
-              </a:lnSpc>
-              <a:spcBef>
-                <a:spcPct val="0"/>
-              </a:spcBef>
-              <a:spcAft>
-                <a:spcPct val="0"/>
-              </a:spcAft>
-              <a:buClrTx/>
-              <a:buSzTx/>
-              <a:buFontTx/>
-              <a:buNone/>
-              <a:tabLst/>
-            </a:pPr>
-            <a:br>
-              <a:rPr kumimoji="0" lang="en-US" altLang="en-US" sz="1800" b="0" i="0" u="none" strike="noStrike" cap="none" normalizeH="0" baseline="0" dirty="0">
-                <a:ln>
-                  <a:noFill/>
-                </a:ln>
-                <a:solidFill>
-                  <a:schemeClr val="tx1"/>
-                </a:solidFill>
-                <a:effectLst/>
-                <a:latin typeface="Arial" panose="020B0604020202020204" pitchFamily="34" charset="0"/>
-              </a:rPr>
-            </a:br>
-            <a:endParaRPr kumimoji="0" lang="en-US" altLang="en-US" sz="1800" b="0" i="0" u="none" strike="noStrike" cap="none" normalizeH="0" baseline="0" dirty="0">
-              <a:ln>
-                <a:noFill/>
-              </a:ln>
-              <a:solidFill>
-                <a:schemeClr val="tx1"/>
-              </a:solidFill>
-              <a:effectLst/>
-              <a:latin typeface="Arial" panose="020B0604020202020204" pitchFamily="34" charset="0"/>
-            </a:endParaRPr>
-          </a:p>
-        </p:txBody>
-      </p:sp>
-    </p:spTree>
-    <p:extLst>
-      <p:ext uri="{BB962C8B-B14F-4D97-AF65-F5344CB8AC3E}">
-        <p14:creationId xmlns:p14="http://schemas.microsoft.com/office/powerpoint/2010/main" val="1773433"/>
-      </p:ext>
-    </p:extLst>
-  </p:cSld>
-  <p:clrMapOvr>
-    <a:masterClrMapping/>
-  </p:clrMapOvr>
-</p:sld>
-</file>
-
-<file path=ppt/slides/slide31.xml><?xml version="1.0" encoding="utf-8"?>
-<p:sld xmlns:a="http://schemas.openxmlformats.org/drawingml/2006/main" xmlns:r="http://schemas.openxmlformats.org/officeDocument/2006/relationships" xmlns:p="http://schemas.openxmlformats.org/presentationml/2006/main">
-  <p:cSld>
-    <p:spTree>
-      <p:nvGrpSpPr>
-        <p:cNvPr id="1" name=""/>
-        <p:cNvGrpSpPr/>
-        <p:nvPr/>
-      </p:nvGrpSpPr>
-      <p:grpSpPr>
-        <a:xfrm>
-          <a:off x="0" y="0"/>
-          <a:ext cx="0" cy="0"/>
-          <a:chOff x="0" y="0"/>
-          <a:chExt cx="0" cy="0"/>
-        </a:xfrm>
-      </p:grpSpPr>
-      <p:sp>
-        <p:nvSpPr>
-          <p:cNvPr id="2" name="Title 1"/>
-          <p:cNvSpPr>
-            <a:spLocks noGrp="1"/>
-          </p:cNvSpPr>
-          <p:nvPr>
-            <p:ph type="title"/>
-          </p:nvPr>
-        </p:nvSpPr>
-        <p:spPr/>
-        <p:txBody>
-          <a:bodyPr/>
-          <a:lstStyle/>
-          <a:p>
-            <a:r>
-              <a:rPr lang="en-US" dirty="0"/>
-              <a:t>Purpose of this talk</a:t>
-            </a:r>
-          </a:p>
-        </p:txBody>
-      </p:sp>
-      <p:sp>
-        <p:nvSpPr>
-          <p:cNvPr id="4" name="Content Placeholder 3"/>
-          <p:cNvSpPr>
-            <a:spLocks noGrp="1"/>
-          </p:cNvSpPr>
-          <p:nvPr>
-            <p:ph idx="1"/>
-          </p:nvPr>
-        </p:nvSpPr>
-        <p:spPr/>
-        <p:txBody>
-          <a:bodyPr/>
-          <a:lstStyle/>
-          <a:p>
-            <a:r>
-              <a:rPr lang="en-US" dirty="0"/>
-              <a:t>Resources</a:t>
-            </a:r>
-          </a:p>
-          <a:p>
-            <a:r>
-              <a:rPr lang="en-US" dirty="0">
-                <a:hlinkClick r:id="rId2"/>
-              </a:rPr>
-              <a:t>https://www.simple-talk.com/dotnet/net-framework/an-introduction-to-asp-net-mvc-extensibility/</a:t>
-            </a:r>
-            <a:endParaRPr lang="en-US" dirty="0"/>
-          </a:p>
-          <a:p>
-            <a:r>
-              <a:rPr lang="en-US" dirty="0">
-                <a:hlinkClick r:id="rId3"/>
-              </a:rPr>
-              <a:t>https://www.simple-talk.com/wp-content/uploads/imported/1358-ASP.NET%20MVC%20Pipeline.pdf</a:t>
-            </a:r>
-            <a:endParaRPr lang="en-US" dirty="0"/>
-          </a:p>
-          <a:p>
-            <a:endParaRPr lang="en-US" dirty="0"/>
-          </a:p>
-          <a:p>
-            <a:endParaRPr lang="en-US" dirty="0"/>
-          </a:p>
-        </p:txBody>
-      </p:sp>
-    </p:spTree>
-    <p:extLst>
-      <p:ext uri="{BB962C8B-B14F-4D97-AF65-F5344CB8AC3E}">
-        <p14:creationId xmlns:p14="http://schemas.microsoft.com/office/powerpoint/2010/main" val="3073367794"/>
-      </p:ext>
-    </p:extLst>
-  </p:cSld>
-  <p:clrMapOvr>
-    <a:masterClrMapping/>
-  </p:clrMapOvr>
-</p:sld>
-</file>
-
 <file path=ppt/slides/slide4.xml><?xml version="1.0" encoding="utf-8"?>
 <p:sld xmlns:a="http://schemas.openxmlformats.org/drawingml/2006/main" xmlns:r="http://schemas.openxmlformats.org/officeDocument/2006/relationships" xmlns:p="http://schemas.openxmlformats.org/presentationml/2006/main">
   <p:cSld>
@@ -10303,7 +9730,7 @@
           <a:p>
             <a:r>
               <a:rPr lang="en-US" dirty="0"/>
-              <a:t> HTTP MESSAGE HANDLERS</a:t>
+              <a:t>HTTP ROUTING DISPATCHER</a:t>
             </a:r>
           </a:p>
         </p:txBody>

--- a/ASP_ExtensionPoints/Presentation/WebAPI.pptx
+++ b/ASP_ExtensionPoints/Presentation/WebAPI.pptx
@@ -220,7 +220,7 @@
           <a:p>
             <a:fld id="{C32DDFF6-00E2-4044-B5FA-FDADC32BD187}" type="datetimeFigureOut">
               <a:rPr lang="en-US" smtClean="0"/>
-              <a:t>6/3/2017</a:t>
+              <a:t>6/9/2017</a:t>
             </a:fld>
             <a:endParaRPr lang="en-US"/>
           </a:p>
@@ -1992,13 +1992,96 @@
           <a:bodyPr/>
           <a:lstStyle/>
           <a:p>
+            <a:pPr marL="228600" indent="-228600">
+              <a:buAutoNum type="arabicPeriod"/>
+            </a:pPr>
             <a:r>
               <a:rPr lang="en-US" dirty="0"/>
-              <a:t>1. Show</a:t>
+              <a:t>Show</a:t>
             </a:r>
             <a:r>
               <a:rPr lang="en-US" baseline="0" dirty="0"/>
               <a:t> in source code the try/catch block</a:t>
+            </a:r>
+          </a:p>
+          <a:p>
+            <a:pPr marL="228600" indent="-228600">
+              <a:buAutoNum type="arabicPeriod"/>
+            </a:pPr>
+            <a:endParaRPr lang="en-US" baseline="0" dirty="0"/>
+          </a:p>
+          <a:p>
+            <a:pPr marL="228600" indent="-228600">
+              <a:buAutoNum type="arabicPeriod"/>
+            </a:pPr>
+            <a:r>
+              <a:rPr lang="en-US" baseline="0" dirty="0"/>
+              <a:t>Inside the </a:t>
+            </a:r>
+            <a:r>
+              <a:rPr lang="en-US" baseline="0" dirty="0" err="1"/>
+              <a:t>ExecuteAsyn</a:t>
+            </a:r>
+            <a:r>
+              <a:rPr lang="en-US" baseline="0" dirty="0"/>
+              <a:t>() the </a:t>
+            </a:r>
+            <a:r>
+              <a:rPr lang="en-US" baseline="0" dirty="0" err="1"/>
+              <a:t>ActionSelector</a:t>
+            </a:r>
+            <a:r>
+              <a:rPr lang="en-US" baseline="0" dirty="0"/>
+              <a:t> is called to get the action descriptor, filters are executed and finally the action is executed. The result is </a:t>
+            </a:r>
+            <a:r>
+              <a:rPr lang="en-US" sz="1200" kern="1200" dirty="0">
+                <a:solidFill>
+                  <a:schemeClr val="tx1"/>
+                </a:solidFill>
+                <a:effectLst/>
+                <a:latin typeface="+mn-lt"/>
+                <a:ea typeface="+mn-ea"/>
+                <a:cs typeface="+mn-cs"/>
+              </a:rPr>
+              <a:t>Task</a:t>
+            </a:r>
+            <a:r>
+              <a:rPr lang="en-US" dirty="0"/>
+              <a:t>&lt;</a:t>
+            </a:r>
+            <a:r>
+              <a:rPr lang="en-US" sz="1200" kern="1200" dirty="0" err="1">
+                <a:solidFill>
+                  <a:schemeClr val="tx1"/>
+                </a:solidFill>
+                <a:effectLst/>
+                <a:latin typeface="+mn-lt"/>
+                <a:ea typeface="+mn-ea"/>
+                <a:cs typeface="+mn-cs"/>
+              </a:rPr>
+              <a:t>HttpResponseMessage</a:t>
+            </a:r>
+            <a:r>
+              <a:rPr lang="en-US" dirty="0"/>
+              <a:t>&gt;.</a:t>
+            </a:r>
+          </a:p>
+          <a:p>
+            <a:pPr marL="228600" indent="-228600">
+              <a:buAutoNum type="arabicPeriod"/>
+            </a:pPr>
+            <a:r>
+              <a:rPr lang="en-US" dirty="0"/>
+              <a:t>There</a:t>
+            </a:r>
+            <a:r>
+              <a:rPr lang="en-US" baseline="0" dirty="0"/>
+              <a:t> is a try/catch block around the </a:t>
+            </a:r>
+            <a:r>
+              <a:rPr lang="en-US" baseline="0"/>
+              <a:t>action invocation.</a:t>
             </a:r>
             <a:endParaRPr lang="en-US" dirty="0"/>
           </a:p>
@@ -2624,7 +2707,7 @@
           <a:p>
             <a:fld id="{030305CC-77D9-43C1-9487-C134B9231D54}" type="datetimeFigureOut">
               <a:rPr lang="en-US" smtClean="0"/>
-              <a:t>6/3/2017</a:t>
+              <a:t>6/9/2017</a:t>
             </a:fld>
             <a:endParaRPr lang="en-US"/>
           </a:p>
@@ -2802,7 +2885,7 @@
           <a:p>
             <a:fld id="{030305CC-77D9-43C1-9487-C134B9231D54}" type="datetimeFigureOut">
               <a:rPr lang="en-US" smtClean="0"/>
-              <a:t>6/3/2017</a:t>
+              <a:t>6/9/2017</a:t>
             </a:fld>
             <a:endParaRPr lang="en-US"/>
           </a:p>
@@ -2970,7 +3053,7 @@
           <a:p>
             <a:fld id="{030305CC-77D9-43C1-9487-C134B9231D54}" type="datetimeFigureOut">
               <a:rPr lang="en-US" smtClean="0"/>
-              <a:t>6/3/2017</a:t>
+              <a:t>6/9/2017</a:t>
             </a:fld>
             <a:endParaRPr lang="en-US"/>
           </a:p>
@@ -3427,7 +3510,7 @@
           <a:p>
             <a:fld id="{030305CC-77D9-43C1-9487-C134B9231D54}" type="datetimeFigureOut">
               <a:rPr lang="en-US" smtClean="0"/>
-              <a:t>6/3/2017</a:t>
+              <a:t>6/9/2017</a:t>
             </a:fld>
             <a:endParaRPr lang="en-US"/>
           </a:p>
@@ -3656,7 +3739,7 @@
           <a:p>
             <a:fld id="{030305CC-77D9-43C1-9487-C134B9231D54}" type="datetimeFigureOut">
               <a:rPr lang="en-US" smtClean="0"/>
-              <a:t>6/3/2017</a:t>
+              <a:t>6/9/2017</a:t>
             </a:fld>
             <a:endParaRPr lang="en-US"/>
           </a:p>
@@ -4020,7 +4103,7 @@
           <a:p>
             <a:fld id="{030305CC-77D9-43C1-9487-C134B9231D54}" type="datetimeFigureOut">
               <a:rPr lang="en-US" smtClean="0"/>
-              <a:t>6/3/2017</a:t>
+              <a:t>6/9/2017</a:t>
             </a:fld>
             <a:endParaRPr lang="en-US"/>
           </a:p>
@@ -4137,7 +4220,7 @@
           <a:p>
             <a:fld id="{030305CC-77D9-43C1-9487-C134B9231D54}" type="datetimeFigureOut">
               <a:rPr lang="en-US" smtClean="0"/>
-              <a:t>6/3/2017</a:t>
+              <a:t>6/9/2017</a:t>
             </a:fld>
             <a:endParaRPr lang="en-US"/>
           </a:p>
@@ -4232,7 +4315,7 @@
           <a:p>
             <a:fld id="{030305CC-77D9-43C1-9487-C134B9231D54}" type="datetimeFigureOut">
               <a:rPr lang="en-US" smtClean="0"/>
-              <a:t>6/3/2017</a:t>
+              <a:t>6/9/2017</a:t>
             </a:fld>
             <a:endParaRPr lang="en-US"/>
           </a:p>
@@ -4507,7 +4590,7 @@
           <a:p>
             <a:fld id="{030305CC-77D9-43C1-9487-C134B9231D54}" type="datetimeFigureOut">
               <a:rPr lang="en-US" smtClean="0"/>
-              <a:t>6/3/2017</a:t>
+              <a:t>6/9/2017</a:t>
             </a:fld>
             <a:endParaRPr lang="en-US"/>
           </a:p>
@@ -4762,7 +4845,7 @@
           <a:p>
             <a:fld id="{030305CC-77D9-43C1-9487-C134B9231D54}" type="datetimeFigureOut">
               <a:rPr lang="en-US" smtClean="0"/>
-              <a:t>6/3/2017</a:t>
+              <a:t>6/9/2017</a:t>
             </a:fld>
             <a:endParaRPr lang="en-US"/>
           </a:p>
@@ -4974,7 +5057,7 @@
           <a:p>
             <a:fld id="{030305CC-77D9-43C1-9487-C134B9231D54}" type="datetimeFigureOut">
               <a:rPr lang="en-US" smtClean="0"/>
-              <a:t>6/3/2017</a:t>
+              <a:t>6/9/2017</a:t>
             </a:fld>
             <a:endParaRPr lang="en-US"/>
           </a:p>
@@ -5507,8 +5590,9 @@
           <a:p>
             <a:r>
               <a:rPr lang="en-US" sz="2800" b="1" dirty="0"/>
-              <a:t>What we have to know?</a:t>
-            </a:r>
+              <a:t>Information</a:t>
+            </a:r>
+            <a:endParaRPr lang="en-US" sz="2800" b="1" dirty="0"/>
           </a:p>
           <a:p>
             <a:pPr marL="342900" indent="-342900">
@@ -6208,11 +6292,7 @@
           <a:p>
             <a:r>
               <a:rPr lang="en-US" dirty="0"/>
-              <a:t> HTTP </a:t>
-            </a:r>
-            <a:r>
-              <a:rPr lang="en-US" dirty="0"/>
-              <a:t>Action Selector and Action Invoker</a:t>
+              <a:t> HTTP Action Selector and Action Invoker</a:t>
             </a:r>
             <a:br>
               <a:rPr lang="en-US" dirty="0"/>
@@ -6287,13 +6367,8 @@
             </a:pPr>
             <a:r>
               <a:rPr lang="en-US" sz="2800" dirty="0"/>
-              <a:t>Very useful for global exception handling. Can handle </a:t>
-            </a:r>
-            <a:r>
-              <a:rPr lang="en-US" sz="2800" dirty="0"/>
-              <a:t>Http Response Exceptions which don’t hit the exception filter.</a:t>
-            </a:r>
-            <a:endParaRPr lang="en-US" sz="2800" dirty="0"/>
+              <a:t>Very useful for global exception handling. Can handle Http Response Exceptions which don’t hit the exception filter.</a:t>
+            </a:r>
           </a:p>
           <a:p>
             <a:pPr marL="342900" indent="-342900">
@@ -6412,7 +6487,6 @@
               <a:rPr lang="en-US" dirty="0"/>
               <a:t> Filters</a:t>
             </a:r>
-            <a:endParaRPr lang="en-US" dirty="0"/>
           </a:p>
         </p:txBody>
       </p:sp>
@@ -7033,13 +7107,8 @@
           <a:p>
             <a:r>
               <a:rPr lang="en-US" dirty="0"/>
-              <a:t> </a:t>
-            </a:r>
-            <a:r>
-              <a:rPr lang="en-US" dirty="0"/>
-              <a:t>What is extensibility point?</a:t>
-            </a:r>
-            <a:endParaRPr lang="en-US" dirty="0"/>
+              <a:t> What is extensibility point?</a:t>
+            </a:r>
           </a:p>
         </p:txBody>
       </p:sp>
@@ -7217,13 +7286,8 @@
           <a:p>
             <a:r>
               <a:rPr lang="en-US" dirty="0"/>
-              <a:t> </a:t>
-            </a:r>
-            <a:r>
-              <a:rPr lang="en-US" dirty="0"/>
-              <a:t>Action Result</a:t>
-            </a:r>
-            <a:endParaRPr lang="en-US" dirty="0"/>
+              <a:t> Action Result</a:t>
+            </a:r>
           </a:p>
         </p:txBody>
       </p:sp>
@@ -8267,7 +8331,7 @@
           <a:p>
             <a:r>
               <a:rPr lang="en-US" sz="2800" b="1" dirty="0"/>
-              <a:t>What we have to know?</a:t>
+              <a:t>Information</a:t>
             </a:r>
           </a:p>
           <a:p>
@@ -8318,29 +8382,13 @@
             </a:pPr>
             <a:r>
               <a:rPr lang="en-US" sz="2400" dirty="0"/>
-              <a:t>To create </a:t>
-            </a:r>
-            <a:r>
-              <a:rPr lang="en-US" sz="2400" dirty="0">
+              <a:t>To create Custom Message Handler derive from </a:t>
+            </a:r>
+            <a:r>
+              <a:rPr lang="en-US" sz="2400" dirty="0" err="1">
                 <a:solidFill>
                   <a:schemeClr val="accent1">
-                    <a:lumMod val="60000"/>
-                    <a:lumOff val="40000"/>
-                  </a:schemeClr>
-                </a:solidFill>
-              </a:rPr>
-              <a:t>Custom Message Handler</a:t>
-            </a:r>
-            <a:r>
-              <a:rPr lang="en-US" sz="2400" dirty="0"/>
-              <a:t> derive from </a:t>
-            </a:r>
-            <a:r>
-              <a:rPr lang="en-US" sz="2400" dirty="0" err="1">
-                <a:solidFill>
-                  <a:schemeClr val="accent1">
-                    <a:lumMod val="60000"/>
-                    <a:lumOff val="40000"/>
+                    <a:lumMod val="75000"/>
                   </a:schemeClr>
                 </a:solidFill>
                 <a:latin typeface="Consolas" panose="020B0609020204030204" pitchFamily="49" charset="0"/>
@@ -8361,8 +8409,7 @@
               <a:rPr lang="en-US" sz="2400" dirty="0" err="1">
                 <a:solidFill>
                   <a:schemeClr val="accent1">
-                    <a:lumMod val="60000"/>
-                    <a:lumOff val="40000"/>
+                    <a:lumMod val="75000"/>
                   </a:schemeClr>
                 </a:solidFill>
                 <a:latin typeface="Consolas" panose="020B0609020204030204" pitchFamily="49" charset="0"/>
@@ -9759,13 +9806,10 @@
           <a:p>
             <a:r>
               <a:rPr lang="en-US" sz="2800" b="1" dirty="0"/>
-              <a:t>What do we have to know?</a:t>
-            </a:r>
-          </a:p>
-          <a:p>
-            <a:pPr marL="342900" indent="-342900">
-              <a:buAutoNum type="arabicPeriod"/>
-            </a:pPr>
+              <a:t>Information</a:t>
+            </a:r>
+          </a:p>
+          <a:p>
             <a:endParaRPr lang="en-US" sz="2400" dirty="0"/>
           </a:p>
           <a:p>

--- a/ASP_ExtensionPoints/Presentation/WebAPI.pptx
+++ b/ASP_ExtensionPoints/Presentation/WebAPI.pptx
@@ -220,7 +220,7 @@
           <a:p>
             <a:fld id="{C32DDFF6-00E2-4044-B5FA-FDADC32BD187}" type="datetimeFigureOut">
               <a:rPr lang="en-US" smtClean="0"/>
-              <a:t>6/9/2017</a:t>
+              <a:t>6/12/2017</a:t>
             </a:fld>
             <a:endParaRPr lang="en-US"/>
           </a:p>
@@ -617,7 +617,7 @@
           <a:p>
             <a:r>
               <a:rPr lang="en-US" dirty="0"/>
-              <a:t>2. So no</a:t>
+              <a:t>3. So no</a:t>
             </a:r>
             <a:r>
               <a:rPr lang="en-US" baseline="0" dirty="0"/>
@@ -720,10 +720,29 @@
                 <a:ea typeface="+mn-ea"/>
                 <a:cs typeface="+mn-cs"/>
               </a:rPr>
-              <a:t> it means that the model state is available to action filters. So instead to write in every action the </a:t>
-            </a:r>
-            <a:r>
-              <a:rPr lang="en-US" sz="1200" b="0" i="0" kern="1200" dirty="0" err="1">
+              <a:t> Model binding is the process of creating .NET objects using the data sent by the browser in an HTTP request.</a:t>
+            </a:r>
+          </a:p>
+          <a:p>
+            <a:pPr marL="228600" marR="0" lvl="0" indent="-228600" algn="l" defTabSz="914400" rtl="0" eaLnBrk="1" fontAlgn="auto" latinLnBrk="0" hangingPunct="1">
+              <a:lnSpc>
+                <a:spcPct val="100000"/>
+              </a:lnSpc>
+              <a:spcBef>
+                <a:spcPts val="0"/>
+              </a:spcBef>
+              <a:spcAft>
+                <a:spcPts val="0"/>
+              </a:spcAft>
+              <a:buClrTx/>
+              <a:buSzTx/>
+              <a:buFontTx/>
+              <a:buAutoNum type="arabicPeriod"/>
+              <a:tabLst/>
+              <a:defRPr/>
+            </a:pPr>
+            <a:r>
+              <a:rPr lang="en-US" sz="1200" b="0" i="0" kern="1200" dirty="0">
                 <a:solidFill>
                   <a:schemeClr val="tx1"/>
                 </a:solidFill>
@@ -732,10 +751,10 @@
                 <a:ea typeface="+mn-ea"/>
                 <a:cs typeface="+mn-cs"/>
               </a:rPr>
-              <a:t>modelstate</a:t>
-            </a:r>
-            <a:r>
-              <a:rPr lang="en-US" sz="1200" b="0" i="0" kern="1200" dirty="0">
+              <a:t>it means that the model state is available to action filters. So instead to write in every action the </a:t>
+            </a:r>
+            <a:r>
+              <a:rPr lang="en-US" sz="1200" b="0" i="0" kern="1200" dirty="0" err="1">
                 <a:solidFill>
                   <a:schemeClr val="tx1"/>
                 </a:solidFill>
@@ -744,10 +763,10 @@
                 <a:ea typeface="+mn-ea"/>
                 <a:cs typeface="+mn-cs"/>
               </a:rPr>
-              <a:t> check it can be done in an</a:t>
-            </a:r>
-            <a:r>
-              <a:rPr lang="en-US" sz="1200" b="0" i="0" kern="1200" baseline="0" dirty="0">
+              <a:t>modelstate</a:t>
+            </a:r>
+            <a:r>
+              <a:rPr lang="en-US" sz="1200" b="0" i="0" kern="1200" dirty="0">
                 <a:solidFill>
                   <a:schemeClr val="tx1"/>
                 </a:solidFill>
@@ -756,15 +775,10 @@
                 <a:ea typeface="+mn-ea"/>
                 <a:cs typeface="+mn-cs"/>
               </a:rPr>
-              <a:t> action filter.</a:t>
-            </a:r>
-          </a:p>
-          <a:p>
-            <a:pPr marL="228600" indent="-228600">
-              <a:buAutoNum type="arabicPeriod"/>
-            </a:pPr>
-            <a:r>
-              <a:rPr lang="en-US" sz="1200" b="0" i="0" kern="1200" dirty="0">
+              <a:t> check it can be done in an</a:t>
+            </a:r>
+            <a:r>
+              <a:rPr lang="en-US" sz="1200" b="0" i="0" kern="1200" baseline="0" dirty="0">
                 <a:solidFill>
                   <a:schemeClr val="tx1"/>
                 </a:solidFill>
@@ -773,8 +787,17 @@
                 <a:ea typeface="+mn-ea"/>
                 <a:cs typeface="+mn-cs"/>
               </a:rPr>
-              <a:t>Model binding is the process of creating .NET objects using the data sent by the browser in an HTTP request.</a:t>
-            </a:r>
+              <a:t> action filter.</a:t>
+            </a:r>
+            <a:endParaRPr lang="en-US" sz="1200" b="0" i="0" kern="1200" dirty="0">
+              <a:solidFill>
+                <a:schemeClr val="tx1"/>
+              </a:solidFill>
+              <a:effectLst/>
+              <a:latin typeface="+mn-lt"/>
+              <a:ea typeface="+mn-ea"/>
+              <a:cs typeface="+mn-cs"/>
+            </a:endParaRPr>
           </a:p>
           <a:p>
             <a:pPr marL="228600" indent="-228600">
@@ -1436,6 +1459,66 @@
               </a:rPr>
               <a:t>lower-level message handler pipeline</a:t>
             </a:r>
+          </a:p>
+          <a:p>
+            <a:r>
+              <a:rPr lang="en-US" sz="1200" b="0" i="0" kern="1200" dirty="0">
+                <a:solidFill>
+                  <a:schemeClr val="tx1"/>
+                </a:solidFill>
+                <a:effectLst/>
+                <a:latin typeface="+mn-lt"/>
+                <a:ea typeface="+mn-ea"/>
+                <a:cs typeface="+mn-cs"/>
+              </a:rPr>
+              <a:t>The components that rely only on the core HTTP message context form the lower-level “message handler” pipeline. These components receive an </a:t>
+            </a:r>
+            <a:r>
+              <a:rPr lang="en-US" dirty="0" err="1"/>
+              <a:t>HttpRequestMessage</a:t>
+            </a:r>
+            <a:r>
+              <a:rPr lang="en-US" sz="1200" b="0" i="0" kern="1200" dirty="0">
+                <a:solidFill>
+                  <a:schemeClr val="tx1"/>
+                </a:solidFill>
+                <a:effectLst/>
+                <a:latin typeface="+mn-lt"/>
+                <a:ea typeface="+mn-ea"/>
+                <a:cs typeface="+mn-cs"/>
+              </a:rPr>
+              <a:t> object from the hosting abstraction and are ultimately responsible for returning an </a:t>
+            </a:r>
+            <a:r>
+              <a:rPr lang="en-US" dirty="0" err="1"/>
+              <a:t>HttpResponseMessage</a:t>
+            </a:r>
+            <a:r>
+              <a:rPr lang="en-US" sz="1200" b="0" i="0" kern="1200" dirty="0">
+                <a:solidFill>
+                  <a:schemeClr val="tx1"/>
+                </a:solidFill>
+                <a:effectLst/>
+                <a:latin typeface="+mn-lt"/>
+                <a:ea typeface="+mn-ea"/>
+                <a:cs typeface="+mn-cs"/>
+              </a:rPr>
+              <a:t> object.</a:t>
+            </a:r>
+          </a:p>
+          <a:p>
+            <a:r>
+              <a:rPr lang="en-US" sz="1200" b="0" i="0" kern="1200" dirty="0">
+                <a:solidFill>
+                  <a:schemeClr val="tx1"/>
+                </a:solidFill>
+                <a:effectLst/>
+                <a:latin typeface="+mn-lt"/>
+                <a:ea typeface="+mn-ea"/>
+                <a:cs typeface="+mn-cs"/>
+              </a:rPr>
+              <a:t>By contrast, components that rely on the higher-level programming model have visibility into and are able to take advantage of programming framework abstractions, such as the controller and action methods as well as the parameters that map to the various elements of the HTTP request.</a:t>
+            </a:r>
             <a:endParaRPr lang="en-US" dirty="0"/>
           </a:p>
         </p:txBody>
@@ -2077,11 +2160,7 @@
             </a:r>
             <a:r>
               <a:rPr lang="en-US" baseline="0" dirty="0"/>
-              <a:t> is a try/catch block around the </a:t>
-            </a:r>
-            <a:r>
-              <a:rPr lang="en-US" baseline="0"/>
-              <a:t>action invocation.</a:t>
+              <a:t> is a try/catch block around the action invocation.</a:t>
             </a:r>
             <a:endParaRPr lang="en-US" dirty="0"/>
           </a:p>
@@ -2707,7 +2786,7 @@
           <a:p>
             <a:fld id="{030305CC-77D9-43C1-9487-C134B9231D54}" type="datetimeFigureOut">
               <a:rPr lang="en-US" smtClean="0"/>
-              <a:t>6/9/2017</a:t>
+              <a:t>6/12/2017</a:t>
             </a:fld>
             <a:endParaRPr lang="en-US"/>
           </a:p>
@@ -2885,7 +2964,7 @@
           <a:p>
             <a:fld id="{030305CC-77D9-43C1-9487-C134B9231D54}" type="datetimeFigureOut">
               <a:rPr lang="en-US" smtClean="0"/>
-              <a:t>6/9/2017</a:t>
+              <a:t>6/12/2017</a:t>
             </a:fld>
             <a:endParaRPr lang="en-US"/>
           </a:p>
@@ -3053,7 +3132,7 @@
           <a:p>
             <a:fld id="{030305CC-77D9-43C1-9487-C134B9231D54}" type="datetimeFigureOut">
               <a:rPr lang="en-US" smtClean="0"/>
-              <a:t>6/9/2017</a:t>
+              <a:t>6/12/2017</a:t>
             </a:fld>
             <a:endParaRPr lang="en-US"/>
           </a:p>
@@ -3510,7 +3589,7 @@
           <a:p>
             <a:fld id="{030305CC-77D9-43C1-9487-C134B9231D54}" type="datetimeFigureOut">
               <a:rPr lang="en-US" smtClean="0"/>
-              <a:t>6/9/2017</a:t>
+              <a:t>6/12/2017</a:t>
             </a:fld>
             <a:endParaRPr lang="en-US"/>
           </a:p>
@@ -3739,7 +3818,7 @@
           <a:p>
             <a:fld id="{030305CC-77D9-43C1-9487-C134B9231D54}" type="datetimeFigureOut">
               <a:rPr lang="en-US" smtClean="0"/>
-              <a:t>6/9/2017</a:t>
+              <a:t>6/12/2017</a:t>
             </a:fld>
             <a:endParaRPr lang="en-US"/>
           </a:p>
@@ -4103,7 +4182,7 @@
           <a:p>
             <a:fld id="{030305CC-77D9-43C1-9487-C134B9231D54}" type="datetimeFigureOut">
               <a:rPr lang="en-US" smtClean="0"/>
-              <a:t>6/9/2017</a:t>
+              <a:t>6/12/2017</a:t>
             </a:fld>
             <a:endParaRPr lang="en-US"/>
           </a:p>
@@ -4220,7 +4299,7 @@
           <a:p>
             <a:fld id="{030305CC-77D9-43C1-9487-C134B9231D54}" type="datetimeFigureOut">
               <a:rPr lang="en-US" smtClean="0"/>
-              <a:t>6/9/2017</a:t>
+              <a:t>6/12/2017</a:t>
             </a:fld>
             <a:endParaRPr lang="en-US"/>
           </a:p>
@@ -4315,7 +4394,7 @@
           <a:p>
             <a:fld id="{030305CC-77D9-43C1-9487-C134B9231D54}" type="datetimeFigureOut">
               <a:rPr lang="en-US" smtClean="0"/>
-              <a:t>6/9/2017</a:t>
+              <a:t>6/12/2017</a:t>
             </a:fld>
             <a:endParaRPr lang="en-US"/>
           </a:p>
@@ -4590,7 +4669,7 @@
           <a:p>
             <a:fld id="{030305CC-77D9-43C1-9487-C134B9231D54}" type="datetimeFigureOut">
               <a:rPr lang="en-US" smtClean="0"/>
-              <a:t>6/9/2017</a:t>
+              <a:t>6/12/2017</a:t>
             </a:fld>
             <a:endParaRPr lang="en-US"/>
           </a:p>
@@ -4845,7 +4924,7 @@
           <a:p>
             <a:fld id="{030305CC-77D9-43C1-9487-C134B9231D54}" type="datetimeFigureOut">
               <a:rPr lang="en-US" smtClean="0"/>
-              <a:t>6/9/2017</a:t>
+              <a:t>6/12/2017</a:t>
             </a:fld>
             <a:endParaRPr lang="en-US"/>
           </a:p>
@@ -5057,7 +5136,7 @@
           <a:p>
             <a:fld id="{030305CC-77D9-43C1-9487-C134B9231D54}" type="datetimeFigureOut">
               <a:rPr lang="en-US" smtClean="0"/>
-              <a:t>6/9/2017</a:t>
+              <a:t>6/12/2017</a:t>
             </a:fld>
             <a:endParaRPr lang="en-US"/>
           </a:p>
@@ -5592,7 +5671,6 @@
               <a:rPr lang="en-US" sz="2800" b="1" dirty="0"/>
               <a:t>Information</a:t>
             </a:r>
-            <a:endParaRPr lang="en-US" sz="2800" b="1" dirty="0"/>
           </a:p>
           <a:p>
             <a:pPr marL="342900" indent="-342900">
@@ -5948,7 +6026,7 @@
         <p:spPr>
           <a:xfrm>
             <a:off x="1455438" y="694159"/>
-            <a:ext cx="10510576" cy="4585871"/>
+            <a:ext cx="10510576" cy="4955203"/>
           </a:xfrm>
           <a:prstGeom prst="rect">
             <a:avLst/>
@@ -5963,7 +6041,7 @@
           <a:p>
             <a:r>
               <a:rPr lang="en-US" sz="2800" b="1" dirty="0"/>
-              <a:t>What we have to know?</a:t>
+              <a:t>Information</a:t>
             </a:r>
           </a:p>
           <a:p>
@@ -6012,7 +6090,7 @@
             </a:r>
             <a:r>
               <a:rPr lang="en-US" sz="2400" dirty="0"/>
-              <a:t> is asked to return the </a:t>
+              <a:t> is called to return the </a:t>
             </a:r>
             <a:r>
               <a:rPr lang="en-US" sz="2400" dirty="0" err="1"/>
@@ -6048,7 +6126,7 @@
             </a:pPr>
             <a:r>
               <a:rPr lang="en-US" sz="2400" dirty="0"/>
-              <a:t>The filter are executed.</a:t>
+              <a:t>The authentication and authorization filters are executed.</a:t>
             </a:r>
           </a:p>
           <a:p>
@@ -6059,6 +6137,16 @@
             <a:r>
               <a:rPr lang="en-US" sz="2400" dirty="0"/>
               <a:t>The binding is executed.</a:t>
+            </a:r>
+          </a:p>
+          <a:p>
+            <a:pPr marL="800100" lvl="1" indent="-342900">
+              <a:buFont typeface="Arial" panose="020B0604020202020204" pitchFamily="34" charset="0"/>
+              <a:buChar char="•"/>
+            </a:pPr>
+            <a:r>
+              <a:rPr lang="en-US" sz="2400" dirty="0"/>
+              <a:t>The action filters are executed.</a:t>
             </a:r>
           </a:p>
           <a:p>
@@ -6310,7 +6398,7 @@
         <p:spPr>
           <a:xfrm>
             <a:off x="1455438" y="694159"/>
-            <a:ext cx="10510576" cy="4339650"/>
+            <a:ext cx="10510576" cy="5201424"/>
           </a:xfrm>
           <a:prstGeom prst="rect">
             <a:avLst/>
@@ -6338,6 +6426,35 @@
             <a:r>
               <a:rPr lang="en-US" sz="2800" dirty="0"/>
               <a:t>Executes the action.</a:t>
+            </a:r>
+          </a:p>
+          <a:p>
+            <a:pPr marL="514350" indent="-514350">
+              <a:buAutoNum type="arabicPeriod"/>
+            </a:pPr>
+            <a:endParaRPr lang="en-US" sz="2800" dirty="0"/>
+          </a:p>
+          <a:p>
+            <a:pPr marL="514350" indent="-514350">
+              <a:buAutoNum type="arabicPeriod"/>
+            </a:pPr>
+            <a:r>
+              <a:rPr lang="en-US" sz="2800" dirty="0"/>
+              <a:t>The default implementation is </a:t>
+            </a:r>
+            <a:r>
+              <a:rPr lang="en-US" sz="2800" dirty="0" err="1">
+                <a:solidFill>
+                  <a:schemeClr val="accent1">
+                    <a:lumMod val="75000"/>
+                  </a:schemeClr>
+                </a:solidFill>
+              </a:rPr>
+              <a:t>ApiControllerActionInvoker</a:t>
+            </a:r>
+            <a:r>
+              <a:rPr lang="en-US" sz="2800" dirty="0"/>
+              <a:t>.</a:t>
             </a:r>
           </a:p>
           <a:p>
@@ -6514,37 +6631,7 @@
           <a:p>
             <a:r>
               <a:rPr lang="en-US" sz="2800" b="1" dirty="0"/>
-              <a:t>What we have to know?</a:t>
-            </a:r>
-          </a:p>
-          <a:p>
-            <a:pPr marL="342900" indent="-342900">
-              <a:buAutoNum type="arabicPeriod"/>
-            </a:pPr>
-            <a:endParaRPr lang="en-US" sz="2400" dirty="0"/>
-          </a:p>
-          <a:p>
-            <a:pPr marL="342900" indent="-342900">
-              <a:buAutoNum type="arabicPeriod"/>
-            </a:pPr>
-            <a:r>
-              <a:rPr lang="en-US" sz="2400" dirty="0"/>
-              <a:t>Model binding occurs just before the execution of the action filters.</a:t>
-            </a:r>
-          </a:p>
-          <a:p>
-            <a:pPr marL="342900" indent="-342900">
-              <a:buAutoNum type="arabicPeriod"/>
-            </a:pPr>
-            <a:endParaRPr lang="en-US" sz="2400" dirty="0"/>
-          </a:p>
-          <a:p>
-            <a:pPr marL="342900" indent="-342900">
-              <a:buAutoNum type="arabicPeriod"/>
-            </a:pPr>
-            <a:r>
-              <a:rPr lang="en-US" sz="2400" dirty="0"/>
-              <a:t>Model binding uses the request to create values for the parameters of the action.</a:t>
+              <a:t>Information</a:t>
             </a:r>
           </a:p>
           <a:p>
@@ -6560,6 +6647,37 @@
             </a:pPr>
             <a:r>
               <a:rPr lang="en-US" sz="2400" dirty="0"/>
+              <a:t>Model binding uses the request to create values for the parameters of the action.</a:t>
+            </a:r>
+          </a:p>
+          <a:p>
+            <a:pPr marL="342900" indent="-342900">
+              <a:buAutoNum type="arabicPeriod"/>
+            </a:pPr>
+            <a:endParaRPr lang="en-US" sz="2400" dirty="0"/>
+          </a:p>
+          <a:p>
+            <a:pPr marL="342900" indent="-342900">
+              <a:buAutoNum type="arabicPeriod"/>
+            </a:pPr>
+            <a:r>
+              <a:rPr lang="en-US" sz="2400" dirty="0"/>
+              <a:t>Model binding occurs just before the execution of the action filters.</a:t>
+            </a:r>
+          </a:p>
+          <a:p>
+            <a:pPr marL="342900" indent="-342900">
+              <a:buAutoNum type="arabicPeriod"/>
+            </a:pPr>
+            <a:endParaRPr lang="en-US" sz="2400" dirty="0"/>
+          </a:p>
+          <a:p>
+            <a:pPr marL="342900" indent="-342900">
+              <a:buFontTx/>
+              <a:buAutoNum type="arabicPeriod"/>
+            </a:pPr>
+            <a:r>
+              <a:rPr lang="en-US" sz="2400" dirty="0"/>
               <a:t>Web </a:t>
             </a:r>
             <a:r>
@@ -6568,7 +6686,7 @@
             </a:r>
             <a:r>
               <a:rPr lang="en-US" sz="2400" dirty="0"/>
-              <a:t> uses 2 techniques for binding parameters: Model Binding and Formatters. </a:t>
+              <a:t> uses 2 techniques for binding parameters: Model Binders and Formatters. </a:t>
             </a:r>
           </a:p>
           <a:p>
@@ -6761,7 +6879,7 @@
           <a:p>
             <a:r>
               <a:rPr lang="en-US" sz="2800" b="1" dirty="0"/>
-              <a:t>What we have to know?</a:t>
+              <a:t>Information</a:t>
             </a:r>
           </a:p>
           <a:p>
@@ -8094,80 +8212,6 @@
           <a:chExt cx="0" cy="0"/>
         </a:xfrm>
       </p:grpSpPr>
-      <p:pic>
-        <p:nvPicPr>
-          <p:cNvPr id="11266" name="Picture 2" descr="Резултат с изображение за webapi request lifecycle"/>
-          <p:cNvPicPr>
-            <a:picLocks noChangeAspect="1" noChangeArrowheads="1"/>
-          </p:cNvPicPr>
-          <p:nvPr/>
-        </p:nvPicPr>
-        <p:blipFill>
-          <a:blip r:embed="rId3">
-            <a:clrChange>
-              <a:clrFrom>
-                <a:srgbClr val="FFFFFF"/>
-              </a:clrFrom>
-              <a:clrTo>
-                <a:srgbClr val="FFFFFF">
-                  <a:alpha val="0"/>
-                </a:srgbClr>
-              </a:clrTo>
-            </a:clrChange>
-            <a:extLst>
-              <a:ext uri="{28A0092B-C50C-407E-A947-70E740481C1C}">
-                <a14:useLocalDpi xmlns:a14="http://schemas.microsoft.com/office/drawing/2010/main" val="0"/>
-              </a:ext>
-            </a:extLst>
-          </a:blip>
-          <a:srcRect/>
-          <a:stretch>
-            <a:fillRect/>
-          </a:stretch>
-        </p:blipFill>
-        <p:spPr bwMode="auto">
-          <a:xfrm>
-            <a:off x="2197513" y="891894"/>
-            <a:ext cx="9244208" cy="6157835"/>
-          </a:xfrm>
-          <a:prstGeom prst="rect">
-            <a:avLst/>
-          </a:prstGeom>
-          <a:solidFill>
-            <a:srgbClr val="FFFFFF">
-              <a:shade val="85000"/>
-            </a:srgbClr>
-          </a:solidFill>
-          <a:ln w="101600" cap="sq">
-            <a:solidFill>
-              <a:srgbClr val="FDFDFD"/>
-            </a:solidFill>
-            <a:miter lim="800000"/>
-          </a:ln>
-          <a:effectLst>
-            <a:outerShdw blurRad="57150" dist="37500" dir="7560000" sy="98000" kx="110000" ky="200000" algn="tl" rotWithShape="0">
-              <a:srgbClr val="000000">
-                <a:alpha val="20000"/>
-              </a:srgbClr>
-            </a:outerShdw>
-          </a:effectLst>
-          <a:scene3d>
-            <a:camera prst="perspectiveRelaxed">
-              <a:rot lat="18960000" lon="0" rev="0"/>
-            </a:camera>
-            <a:lightRig rig="twoPt" dir="t">
-              <a:rot lat="0" lon="0" rev="7200000"/>
-            </a:lightRig>
-          </a:scene3d>
-          <a:sp3d prstMaterial="matte">
-            <a:bevelT w="22860" h="12700"/>
-            <a:contourClr>
-              <a:srgbClr val="FFFFFF"/>
-            </a:contourClr>
-          </a:sp3d>
-          <a:extLst/>
-        </p:spPr>
-      </p:pic>
       <p:sp>
         <p:nvSpPr>
           <p:cNvPr id="4" name="Rectangle 3"/>

--- a/ASP_ExtensionPoints/Presentation/WebAPI.pptx
+++ b/ASP_ExtensionPoints/Presentation/WebAPI.pptx
@@ -220,7 +220,7 @@
           <a:p>
             <a:fld id="{C32DDFF6-00E2-4044-B5FA-FDADC32BD187}" type="datetimeFigureOut">
               <a:rPr lang="en-US" smtClean="0"/>
-              <a:t>6/12/2017</a:t>
+              <a:t>12-Aug-17</a:t>
             </a:fld>
             <a:endParaRPr lang="en-US"/>
           </a:p>
@@ -617,11 +617,168 @@
           <a:p>
             <a:r>
               <a:rPr lang="en-US" dirty="0"/>
-              <a:t>3. So no</a:t>
+              <a:t>1.</a:t>
             </a:r>
             <a:r>
               <a:rPr lang="en-US" baseline="0" dirty="0"/>
-              <a:t> exception can propagate to the lower levels.</a:t>
+              <a:t> Show the </a:t>
+            </a:r>
+            <a:r>
+              <a:rPr lang="en-US" sz="1200" kern="1200" dirty="0" err="1">
+                <a:solidFill>
+                  <a:schemeClr val="tx1"/>
+                </a:solidFill>
+                <a:effectLst/>
+                <a:latin typeface="+mn-lt"/>
+                <a:ea typeface="+mn-ea"/>
+                <a:cs typeface="+mn-cs"/>
+              </a:rPr>
+              <a:t>ApiControllerActionInvoker</a:t>
+            </a:r>
+            <a:r>
+              <a:rPr lang="en-US" sz="1200" kern="1200" dirty="0">
+                <a:solidFill>
+                  <a:schemeClr val="tx1"/>
+                </a:solidFill>
+                <a:effectLst/>
+                <a:latin typeface="+mn-lt"/>
+                <a:ea typeface="+mn-ea"/>
+                <a:cs typeface="+mn-cs"/>
+              </a:rPr>
+              <a:t>.</a:t>
+            </a:r>
+            <a:r>
+              <a:rPr lang="en-US" sz="1200" kern="1200" dirty="0">
+                <a:solidFill>
+                  <a:schemeClr val="tx1"/>
+                </a:solidFill>
+                <a:latin typeface="+mn-lt"/>
+                <a:ea typeface="+mn-ea"/>
+                <a:cs typeface="+mn-cs"/>
+              </a:rPr>
+              <a:t> </a:t>
+            </a:r>
+            <a:r>
+              <a:rPr lang="en-US" sz="1200" kern="1200" dirty="0" err="1">
+                <a:solidFill>
+                  <a:schemeClr val="tx1"/>
+                </a:solidFill>
+                <a:latin typeface="+mn-lt"/>
+                <a:ea typeface="+mn-ea"/>
+                <a:cs typeface="+mn-cs"/>
+              </a:rPr>
+              <a:t>InvokeActionAsync</a:t>
+            </a:r>
+            <a:r>
+              <a:rPr lang="en-US" sz="1200" kern="1200" dirty="0">
+                <a:solidFill>
+                  <a:schemeClr val="tx1"/>
+                </a:solidFill>
+                <a:latin typeface="+mn-lt"/>
+                <a:ea typeface="+mn-ea"/>
+                <a:cs typeface="+mn-cs"/>
+              </a:rPr>
+              <a:t> method</a:t>
+            </a:r>
+            <a:r>
+              <a:rPr lang="en-US" sz="1200" kern="1200" baseline="0" dirty="0">
+                <a:solidFill>
+                  <a:schemeClr val="tx1"/>
+                </a:solidFill>
+                <a:latin typeface="+mn-lt"/>
+                <a:ea typeface="+mn-ea"/>
+                <a:cs typeface="+mn-cs"/>
+              </a:rPr>
+              <a:t> inside the source code.</a:t>
+            </a:r>
+            <a:endParaRPr lang="en-US" dirty="0"/>
+          </a:p>
+          <a:p>
+            <a:r>
+              <a:rPr lang="en-US" dirty="0"/>
+              <a:t>Show</a:t>
+            </a:r>
+            <a:r>
+              <a:rPr lang="en-US" baseline="0" dirty="0"/>
+              <a:t> the try catch; Show how </a:t>
+            </a:r>
+            <a:r>
+              <a:rPr lang="en-US" sz="1200" kern="1200" dirty="0" err="1">
+                <a:solidFill>
+                  <a:schemeClr val="tx1"/>
+                </a:solidFill>
+                <a:effectLst/>
+                <a:latin typeface="+mn-lt"/>
+                <a:ea typeface="+mn-ea"/>
+                <a:cs typeface="+mn-cs"/>
+              </a:rPr>
+              <a:t>HttpResponseException</a:t>
+            </a:r>
+            <a:r>
+              <a:rPr lang="en-US" dirty="0"/>
+              <a:t>  are handled</a:t>
+            </a:r>
+            <a:r>
+              <a:rPr lang="en-US" baseline="0" dirty="0"/>
+              <a:t> inside the catch block. </a:t>
+            </a:r>
+          </a:p>
+          <a:p>
+            <a:endParaRPr lang="en-US" baseline="0" dirty="0"/>
+          </a:p>
+          <a:p>
+            <a:r>
+              <a:rPr lang="en-US" baseline="0" dirty="0"/>
+              <a:t>No </a:t>
+            </a:r>
+            <a:r>
+              <a:rPr lang="en-US" sz="1200" kern="1200" dirty="0" err="1">
+                <a:solidFill>
+                  <a:schemeClr val="tx1"/>
+                </a:solidFill>
+                <a:effectLst/>
+                <a:latin typeface="+mn-lt"/>
+                <a:ea typeface="+mn-ea"/>
+                <a:cs typeface="+mn-cs"/>
+              </a:rPr>
+              <a:t>HttpResponseException</a:t>
+            </a:r>
+            <a:r>
+              <a:rPr lang="en-US" dirty="0"/>
+              <a:t> can propagate above the </a:t>
+            </a:r>
+            <a:r>
+              <a:rPr lang="en-US" dirty="0" err="1"/>
+              <a:t>ActionInvoker</a:t>
+            </a:r>
+            <a:r>
+              <a:rPr lang="en-US" dirty="0"/>
+              <a:t>!!!</a:t>
+            </a:r>
+          </a:p>
+          <a:p>
+            <a:endParaRPr lang="en-US" dirty="0"/>
+          </a:p>
+          <a:p>
+            <a:r>
+              <a:rPr lang="en-US" dirty="0"/>
+              <a:t>2. See inside the try block that if</a:t>
+            </a:r>
+            <a:r>
+              <a:rPr lang="en-US" baseline="0" dirty="0"/>
+              <a:t> return type is </a:t>
+            </a:r>
+            <a:r>
+              <a:rPr lang="en-US" dirty="0" err="1"/>
+              <a:t>IHttpActionResult</a:t>
+            </a:r>
+            <a:r>
+              <a:rPr lang="en-US" dirty="0"/>
+              <a:t> or object are</a:t>
+            </a:r>
+            <a:r>
+              <a:rPr lang="en-US" baseline="0" dirty="0"/>
+              <a:t> handled in one way. All other return types are handled through a converter.</a:t>
             </a:r>
             <a:endParaRPr lang="en-US" dirty="0"/>
           </a:p>
@@ -1687,6 +1844,68 @@
           <a:bodyPr/>
           <a:lstStyle/>
           <a:p>
+            <a:pPr marL="171450" indent="-171450">
+              <a:buFont typeface="Arial" panose="020B0604020202020204" pitchFamily="34" charset="0"/>
+              <a:buChar char="•"/>
+            </a:pPr>
+            <a:r>
+              <a:rPr lang="en-US" sz="1200" dirty="0" err="1">
+                <a:solidFill>
+                  <a:srgbClr val="4EC9B0"/>
+                </a:solidFill>
+                <a:latin typeface="Consolas" panose="020B0609020204030204" pitchFamily="49" charset="0"/>
+              </a:rPr>
+              <a:t>DelegatingHandler</a:t>
+            </a:r>
+            <a:r>
+              <a:rPr lang="en-US" sz="1200" dirty="0">
+                <a:solidFill>
+                  <a:srgbClr val="4EC9B0"/>
+                </a:solidFill>
+                <a:latin typeface="Consolas" panose="020B0609020204030204" pitchFamily="49" charset="0"/>
+              </a:rPr>
+              <a:t> </a:t>
+            </a:r>
+            <a:r>
+              <a:rPr lang="en-US" dirty="0"/>
+              <a:t>has </a:t>
+            </a:r>
+            <a:r>
+              <a:rPr lang="en-US" sz="1200" dirty="0" err="1">
+                <a:solidFill>
+                  <a:srgbClr val="D4D4D4"/>
+                </a:solidFill>
+                <a:latin typeface="Consolas" panose="020B0609020204030204" pitchFamily="49" charset="0"/>
+              </a:rPr>
+              <a:t>InnerHandler</a:t>
+            </a:r>
+            <a:r>
+              <a:rPr lang="en-US" sz="1200" dirty="0">
+                <a:solidFill>
+                  <a:srgbClr val="D4D4D4"/>
+                </a:solidFill>
+                <a:latin typeface="Consolas" panose="020B0609020204030204" pitchFamily="49" charset="0"/>
+              </a:rPr>
+              <a:t> while </a:t>
+            </a:r>
+            <a:r>
+              <a:rPr lang="en-US" sz="1200" dirty="0" err="1">
+                <a:solidFill>
+                  <a:srgbClr val="4EC9B0"/>
+                </a:solidFill>
+                <a:latin typeface="Consolas" panose="020B0609020204030204" pitchFamily="49" charset="0"/>
+              </a:rPr>
+              <a:t>HttpMessageHandler</a:t>
+            </a:r>
+            <a:r>
+              <a:rPr lang="en-US" sz="1200" dirty="0">
+                <a:solidFill>
+                  <a:srgbClr val="4EC9B0"/>
+                </a:solidFill>
+                <a:latin typeface="Consolas" panose="020B0609020204030204" pitchFamily="49" charset="0"/>
+              </a:rPr>
+              <a:t> does not.</a:t>
+            </a:r>
             <a:endParaRPr lang="en-US" dirty="0"/>
           </a:p>
         </p:txBody>
@@ -1775,10 +1994,6 @@
               <a:buAutoNum type="arabicPeriod"/>
             </a:pPr>
             <a:r>
-              <a:rPr lang="en-US" dirty="0"/>
-              <a:t>3. </a:t>
-            </a:r>
-            <a:r>
               <a:rPr lang="en-US" sz="1200" dirty="0"/>
               <a:t>Use the </a:t>
             </a:r>
@@ -1988,9 +2203,84 @@
               </a:rPr>
               <a:t>.</a:t>
             </a:r>
+          </a:p>
+          <a:p>
             <a:endParaRPr lang="en-US" sz="1200" dirty="0"/>
           </a:p>
           <a:p>
+            <a:r>
+              <a:rPr lang="en-US" dirty="0"/>
+              <a:t>2. There</a:t>
+            </a:r>
+            <a:r>
+              <a:rPr lang="en-US" baseline="0" dirty="0"/>
+              <a:t> are plenty of </a:t>
+            </a:r>
+            <a:r>
+              <a:rPr lang="en-US" baseline="0" dirty="0" err="1"/>
+              <a:t>exctension</a:t>
+            </a:r>
+            <a:r>
+              <a:rPr lang="en-US" baseline="0" dirty="0"/>
+              <a:t> methods for </a:t>
+            </a:r>
+            <a:r>
+              <a:rPr lang="en-US" sz="1200" kern="1200" dirty="0" err="1">
+                <a:solidFill>
+                  <a:schemeClr val="tx1"/>
+                </a:solidFill>
+                <a:effectLst/>
+                <a:latin typeface="+mn-lt"/>
+                <a:ea typeface="+mn-ea"/>
+                <a:cs typeface="+mn-cs"/>
+              </a:rPr>
+              <a:t>HttpRouteCollection</a:t>
+            </a:r>
+            <a:r>
+              <a:rPr lang="en-US" dirty="0"/>
+              <a:t>  which will work</a:t>
+            </a:r>
+            <a:r>
+              <a:rPr lang="en-US" baseline="0" dirty="0"/>
+              <a:t> in most of the time. (</a:t>
+            </a:r>
+            <a:r>
+              <a:rPr lang="en-US" sz="1200" kern="1200" dirty="0" err="1">
+                <a:solidFill>
+                  <a:schemeClr val="tx1"/>
+                </a:solidFill>
+                <a:latin typeface="+mn-lt"/>
+                <a:ea typeface="+mn-ea"/>
+                <a:cs typeface="+mn-cs"/>
+              </a:rPr>
+              <a:t>IgnoreRoute</a:t>
+            </a:r>
+            <a:r>
+              <a:rPr lang="en-US" sz="1200" kern="1200" dirty="0">
+                <a:solidFill>
+                  <a:schemeClr val="tx1"/>
+                </a:solidFill>
+                <a:latin typeface="+mn-lt"/>
+                <a:ea typeface="+mn-ea"/>
+                <a:cs typeface="+mn-cs"/>
+              </a:rPr>
+              <a:t>, </a:t>
+            </a:r>
+            <a:r>
+              <a:rPr lang="en-US" sz="1200" kern="1200" dirty="0" err="1">
+                <a:solidFill>
+                  <a:schemeClr val="tx1"/>
+                </a:solidFill>
+                <a:latin typeface="+mn-lt"/>
+                <a:ea typeface="+mn-ea"/>
+                <a:cs typeface="+mn-cs"/>
+              </a:rPr>
+              <a:t>MapHttpRoute</a:t>
+            </a:r>
+            <a:r>
+              <a:rPr lang="en-US" baseline="0" dirty="0"/>
+              <a:t>).</a:t>
+            </a:r>
             <a:endParaRPr lang="en-US" dirty="0"/>
           </a:p>
         </p:txBody>
@@ -2160,7 +2450,40 @@
             </a:r>
             <a:r>
               <a:rPr lang="en-US" baseline="0" dirty="0"/>
-              <a:t> is a try/catch block around the action invocation.</a:t>
+              <a:t> is a try/catch block in the </a:t>
+            </a:r>
+            <a:r>
+              <a:rPr lang="en-US" sz="1200" kern="1200" dirty="0" err="1">
+                <a:solidFill>
+                  <a:schemeClr val="tx1"/>
+                </a:solidFill>
+                <a:latin typeface="+mn-lt"/>
+                <a:ea typeface="+mn-ea"/>
+                <a:cs typeface="+mn-cs"/>
+              </a:rPr>
+              <a:t>SendAsync</a:t>
+            </a:r>
+            <a:r>
+              <a:rPr lang="en-US" sz="1200" kern="1200" dirty="0">
+                <a:solidFill>
+                  <a:schemeClr val="tx1"/>
+                </a:solidFill>
+                <a:latin typeface="+mn-lt"/>
+                <a:ea typeface="+mn-ea"/>
+                <a:cs typeface="+mn-cs"/>
+              </a:rPr>
+              <a:t> method of the </a:t>
+            </a:r>
+            <a:r>
+              <a:rPr lang="en-US" sz="1200" kern="1200" dirty="0" err="1">
+                <a:solidFill>
+                  <a:schemeClr val="tx1"/>
+                </a:solidFill>
+                <a:latin typeface="+mn-lt"/>
+                <a:ea typeface="+mn-ea"/>
+                <a:cs typeface="+mn-cs"/>
+              </a:rPr>
+              <a:t>HttpControllerDispatcher</a:t>
             </a:r>
             <a:endParaRPr lang="en-US" dirty="0"/>
           </a:p>
@@ -2786,7 +3109,7 @@
           <a:p>
             <a:fld id="{030305CC-77D9-43C1-9487-C134B9231D54}" type="datetimeFigureOut">
               <a:rPr lang="en-US" smtClean="0"/>
-              <a:t>6/12/2017</a:t>
+              <a:t>12-Aug-17</a:t>
             </a:fld>
             <a:endParaRPr lang="en-US"/>
           </a:p>
@@ -2964,7 +3287,7 @@
           <a:p>
             <a:fld id="{030305CC-77D9-43C1-9487-C134B9231D54}" type="datetimeFigureOut">
               <a:rPr lang="en-US" smtClean="0"/>
-              <a:t>6/12/2017</a:t>
+              <a:t>12-Aug-17</a:t>
             </a:fld>
             <a:endParaRPr lang="en-US"/>
           </a:p>
@@ -3132,7 +3455,7 @@
           <a:p>
             <a:fld id="{030305CC-77D9-43C1-9487-C134B9231D54}" type="datetimeFigureOut">
               <a:rPr lang="en-US" smtClean="0"/>
-              <a:t>6/12/2017</a:t>
+              <a:t>12-Aug-17</a:t>
             </a:fld>
             <a:endParaRPr lang="en-US"/>
           </a:p>
@@ -3589,7 +3912,7 @@
           <a:p>
             <a:fld id="{030305CC-77D9-43C1-9487-C134B9231D54}" type="datetimeFigureOut">
               <a:rPr lang="en-US" smtClean="0"/>
-              <a:t>6/12/2017</a:t>
+              <a:t>12-Aug-17</a:t>
             </a:fld>
             <a:endParaRPr lang="en-US"/>
           </a:p>
@@ -3818,7 +4141,7 @@
           <a:p>
             <a:fld id="{030305CC-77D9-43C1-9487-C134B9231D54}" type="datetimeFigureOut">
               <a:rPr lang="en-US" smtClean="0"/>
-              <a:t>6/12/2017</a:t>
+              <a:t>12-Aug-17</a:t>
             </a:fld>
             <a:endParaRPr lang="en-US"/>
           </a:p>
@@ -4182,7 +4505,7 @@
           <a:p>
             <a:fld id="{030305CC-77D9-43C1-9487-C134B9231D54}" type="datetimeFigureOut">
               <a:rPr lang="en-US" smtClean="0"/>
-              <a:t>6/12/2017</a:t>
+              <a:t>12-Aug-17</a:t>
             </a:fld>
             <a:endParaRPr lang="en-US"/>
           </a:p>
@@ -4299,7 +4622,7 @@
           <a:p>
             <a:fld id="{030305CC-77D9-43C1-9487-C134B9231D54}" type="datetimeFigureOut">
               <a:rPr lang="en-US" smtClean="0"/>
-              <a:t>6/12/2017</a:t>
+              <a:t>12-Aug-17</a:t>
             </a:fld>
             <a:endParaRPr lang="en-US"/>
           </a:p>
@@ -4394,7 +4717,7 @@
           <a:p>
             <a:fld id="{030305CC-77D9-43C1-9487-C134B9231D54}" type="datetimeFigureOut">
               <a:rPr lang="en-US" smtClean="0"/>
-              <a:t>6/12/2017</a:t>
+              <a:t>12-Aug-17</a:t>
             </a:fld>
             <a:endParaRPr lang="en-US"/>
           </a:p>
@@ -4669,7 +4992,7 @@
           <a:p>
             <a:fld id="{030305CC-77D9-43C1-9487-C134B9231D54}" type="datetimeFigureOut">
               <a:rPr lang="en-US" smtClean="0"/>
-              <a:t>6/12/2017</a:t>
+              <a:t>12-Aug-17</a:t>
             </a:fld>
             <a:endParaRPr lang="en-US"/>
           </a:p>
@@ -4924,7 +5247,7 @@
           <a:p>
             <a:fld id="{030305CC-77D9-43C1-9487-C134B9231D54}" type="datetimeFigureOut">
               <a:rPr lang="en-US" smtClean="0"/>
-              <a:t>6/12/2017</a:t>
+              <a:t>12-Aug-17</a:t>
             </a:fld>
             <a:endParaRPr lang="en-US"/>
           </a:p>
@@ -5136,7 +5459,7 @@
           <a:p>
             <a:fld id="{030305CC-77D9-43C1-9487-C134B9231D54}" type="datetimeFigureOut">
               <a:rPr lang="en-US" smtClean="0"/>
-              <a:t>6/12/2017</a:t>
+              <a:t>12-Aug-17</a:t>
             </a:fld>
             <a:endParaRPr lang="en-US"/>
           </a:p>
@@ -5559,7 +5882,7 @@
         </p:spPr>
         <p:txBody>
           <a:bodyPr>
-            <a:normAutofit fontScale="90000"/>
+            <a:normAutofit/>
           </a:bodyPr>
           <a:lstStyle/>
           <a:p>
@@ -6136,7 +6459,7 @@
             </a:pPr>
             <a:r>
               <a:rPr lang="en-US" sz="2400" dirty="0"/>
-              <a:t>The binding is executed.</a:t>
+              <a:t>The model binding is executed.</a:t>
             </a:r>
           </a:p>
           <a:p>
@@ -7611,7 +7934,7 @@
         <p:spPr>
           <a:xfrm>
             <a:off x="1455438" y="694159"/>
-            <a:ext cx="10510576" cy="4524315"/>
+            <a:ext cx="10510576" cy="5262979"/>
           </a:xfrm>
           <a:prstGeom prst="rect">
             <a:avLst/>
@@ -7641,7 +7964,7 @@
               <a:rPr lang="en-US" sz="2400" dirty="0">
                 <a:hlinkClick r:id="rId3"/>
               </a:rPr>
-              <a:t>https://github.com/OData/WebApi/blob/v3.2-rtm</a:t>
+              <a:t>https://github.com/aspnet/AspNetWebStack</a:t>
             </a:r>
             <a:endParaRPr lang="en-US" sz="2400" b="1" dirty="0"/>
           </a:p>
@@ -7678,6 +8001,18 @@
                 <a:hlinkClick r:id="rId6"/>
               </a:rPr>
               <a:t>http://chimera.labs.oreilly.com/books/1234000001708/ch12.html#_apicontroller_processing_model</a:t>
+            </a:r>
+            <a:endParaRPr lang="en-US" sz="2400" dirty="0"/>
+          </a:p>
+          <a:p>
+            <a:pPr marL="514350" indent="-514350">
+              <a:buAutoNum type="arabicPeriod"/>
+            </a:pPr>
+            <a:r>
+              <a:rPr lang="en-US" sz="2400" dirty="0">
+                <a:hlinkClick r:id="rId7"/>
+              </a:rPr>
+              <a:t>https://docs.microsoft.com/en-us/aspnet/web-api/overview/error-handling/exception-handling</a:t>
             </a:r>
             <a:endParaRPr lang="en-US" sz="2400" dirty="0"/>
           </a:p>
@@ -9835,7 +10170,7 @@
         <p:spPr>
           <a:xfrm>
             <a:off x="1455438" y="694159"/>
-            <a:ext cx="10510576" cy="4585871"/>
+            <a:ext cx="10510576" cy="4955203"/>
           </a:xfrm>
           <a:prstGeom prst="rect">
             <a:avLst/>
@@ -9930,7 +10265,15 @@
             </a:pPr>
             <a:r>
               <a:rPr lang="en-US" sz="2400" dirty="0"/>
-              <a:t>Use the </a:t>
+              <a:t>When creating a new </a:t>
+            </a:r>
+            <a:r>
+              <a:rPr lang="en-US" sz="2400" dirty="0" err="1"/>
+              <a:t>IHttpRoute</a:t>
+            </a:r>
+            <a:r>
+              <a:rPr lang="en-US" sz="2400" dirty="0"/>
+              <a:t> use the </a:t>
             </a:r>
             <a:r>
               <a:rPr lang="en-US" sz="2400" dirty="0" err="1"/>
@@ -9938,7 +10281,7 @@
             </a:r>
             <a:r>
               <a:rPr lang="en-US" sz="2400" dirty="0"/>
-              <a:t> extension method if possible.</a:t>
+              <a:t>( … ) extension method if possible.</a:t>
             </a:r>
           </a:p>
           <a:p>

--- a/ASP_ExtensionPoints/Presentation/WebAPI.pptx
+++ b/ASP_ExtensionPoints/Presentation/WebAPI.pptx
@@ -220,7 +220,7 @@
           <a:p>
             <a:fld id="{C32DDFF6-00E2-4044-B5FA-FDADC32BD187}" type="datetimeFigureOut">
               <a:rPr lang="en-US" smtClean="0"/>
-              <a:t>12-Aug-17</a:t>
+              <a:t>15-Aug-17</a:t>
             </a:fld>
             <a:endParaRPr lang="en-US"/>
           </a:p>
@@ -970,15 +970,10 @@
                 <a:ea typeface="+mn-ea"/>
                 <a:cs typeface="+mn-cs"/>
               </a:rPr>
-              <a:t> </a:t>
-            </a:r>
-          </a:p>
-          <a:p>
-            <a:pPr marL="228600" indent="-228600">
-              <a:buAutoNum type="arabicPeriod"/>
-            </a:pPr>
-            <a:r>
-              <a:rPr lang="en-US" sz="1200" b="0" i="0" kern="1200" dirty="0">
+              <a:t> Default</a:t>
+            </a:r>
+            <a:r>
+              <a:rPr lang="en-US" sz="1200" b="0" i="0" kern="1200" baseline="0" dirty="0">
                 <a:solidFill>
                   <a:schemeClr val="tx1"/>
                 </a:solidFill>
@@ -987,7 +982,137 @@
                 <a:ea typeface="+mn-ea"/>
                 <a:cs typeface="+mn-cs"/>
               </a:rPr>
-              <a:t>At most one parameter is allowed to read from the message body.</a:t>
+              <a:t> Media Type Formatters: </a:t>
+            </a:r>
+            <a:r>
+              <a:rPr lang="en-US" sz="1200" b="0" i="0" kern="1200" baseline="0" dirty="0" err="1">
+                <a:solidFill>
+                  <a:schemeClr val="tx1"/>
+                </a:solidFill>
+                <a:effectLst/>
+                <a:latin typeface="+mn-lt"/>
+                <a:ea typeface="+mn-ea"/>
+                <a:cs typeface="+mn-cs"/>
+              </a:rPr>
+              <a:t>JsonMediaTypeFormatter</a:t>
+            </a:r>
+            <a:r>
+              <a:rPr lang="en-US" sz="1200" b="0" i="0" kern="1200" baseline="0" dirty="0">
+                <a:solidFill>
+                  <a:schemeClr val="tx1"/>
+                </a:solidFill>
+                <a:effectLst/>
+                <a:latin typeface="+mn-lt"/>
+                <a:ea typeface="+mn-ea"/>
+                <a:cs typeface="+mn-cs"/>
+              </a:rPr>
+              <a:t>, </a:t>
+            </a:r>
+            <a:r>
+              <a:rPr lang="en-US" sz="1200" b="0" i="0" kern="1200" baseline="0" dirty="0" err="1">
+                <a:solidFill>
+                  <a:schemeClr val="tx1"/>
+                </a:solidFill>
+                <a:effectLst/>
+                <a:latin typeface="+mn-lt"/>
+                <a:ea typeface="+mn-ea"/>
+                <a:cs typeface="+mn-cs"/>
+              </a:rPr>
+              <a:t>XmlMediaTypeFormatter</a:t>
+            </a:r>
+            <a:r>
+              <a:rPr lang="en-US" sz="1200" b="0" i="0" kern="1200" baseline="0" dirty="0">
+                <a:solidFill>
+                  <a:schemeClr val="tx1"/>
+                </a:solidFill>
+                <a:effectLst/>
+                <a:latin typeface="+mn-lt"/>
+                <a:ea typeface="+mn-ea"/>
+                <a:cs typeface="+mn-cs"/>
+              </a:rPr>
+              <a:t>, </a:t>
+            </a:r>
+            <a:r>
+              <a:rPr lang="en-US" sz="1200" b="0" i="0" kern="1200" baseline="0" dirty="0" err="1">
+                <a:solidFill>
+                  <a:schemeClr val="tx1"/>
+                </a:solidFill>
+                <a:effectLst/>
+                <a:latin typeface="+mn-lt"/>
+                <a:ea typeface="+mn-ea"/>
+                <a:cs typeface="+mn-cs"/>
+              </a:rPr>
+              <a:t>FormUrlEncodedMediaTypeFormatter</a:t>
+            </a:r>
+            <a:r>
+              <a:rPr lang="en-US" sz="1200" b="0" i="0" kern="1200" baseline="0" dirty="0">
+                <a:solidFill>
+                  <a:schemeClr val="tx1"/>
+                </a:solidFill>
+                <a:effectLst/>
+                <a:latin typeface="+mn-lt"/>
+                <a:ea typeface="+mn-ea"/>
+                <a:cs typeface="+mn-cs"/>
+              </a:rPr>
+              <a:t>, </a:t>
+            </a:r>
+            <a:r>
+              <a:rPr lang="en-US" sz="1200" b="0" i="0" kern="1200" baseline="0" dirty="0" err="1">
+                <a:solidFill>
+                  <a:schemeClr val="tx1"/>
+                </a:solidFill>
+                <a:effectLst/>
+                <a:latin typeface="+mn-lt"/>
+                <a:ea typeface="+mn-ea"/>
+                <a:cs typeface="+mn-cs"/>
+              </a:rPr>
+              <a:t>JQueryMvcFormUrlEncodedFormatter</a:t>
+            </a:r>
+            <a:r>
+              <a:rPr lang="en-US" sz="1200" b="0" i="0" kern="1200" baseline="0" dirty="0">
+                <a:solidFill>
+                  <a:schemeClr val="tx1"/>
+                </a:solidFill>
+                <a:effectLst/>
+                <a:latin typeface="+mn-lt"/>
+                <a:ea typeface="+mn-ea"/>
+                <a:cs typeface="+mn-cs"/>
+              </a:rPr>
+              <a:t>;</a:t>
+            </a:r>
+          </a:p>
+          <a:p>
+            <a:pPr marL="0" indent="0">
+              <a:buNone/>
+            </a:pPr>
+            <a:r>
+              <a:rPr lang="en-US" sz="1200" b="0" i="0" kern="1200" dirty="0">
+                <a:solidFill>
+                  <a:schemeClr val="tx1"/>
+                </a:solidFill>
+                <a:effectLst/>
+                <a:latin typeface="+mn-lt"/>
+                <a:ea typeface="+mn-ea"/>
+                <a:cs typeface="+mn-cs"/>
+              </a:rPr>
+              <a:t>       Default Model Binders:</a:t>
+            </a:r>
+          </a:p>
+          <a:p>
+            <a:pPr marL="0" indent="0">
+              <a:buNone/>
+            </a:pPr>
+            <a:r>
+              <a:rPr lang="en-US" sz="1200" b="0" i="0" kern="1200" dirty="0">
+                <a:solidFill>
+                  <a:schemeClr val="tx1"/>
+                </a:solidFill>
+                <a:effectLst/>
+                <a:latin typeface="+mn-lt"/>
+                <a:ea typeface="+mn-ea"/>
+                <a:cs typeface="+mn-cs"/>
+              </a:rPr>
+              <a:t>4.    At most one parameter is allowed to read from the message body.</a:t>
             </a:r>
           </a:p>
           <a:p>
@@ -3109,7 +3234,7 @@
           <a:p>
             <a:fld id="{030305CC-77D9-43C1-9487-C134B9231D54}" type="datetimeFigureOut">
               <a:rPr lang="en-US" smtClean="0"/>
-              <a:t>12-Aug-17</a:t>
+              <a:t>15-Aug-17</a:t>
             </a:fld>
             <a:endParaRPr lang="en-US"/>
           </a:p>
@@ -3287,7 +3412,7 @@
           <a:p>
             <a:fld id="{030305CC-77D9-43C1-9487-C134B9231D54}" type="datetimeFigureOut">
               <a:rPr lang="en-US" smtClean="0"/>
-              <a:t>12-Aug-17</a:t>
+              <a:t>15-Aug-17</a:t>
             </a:fld>
             <a:endParaRPr lang="en-US"/>
           </a:p>
@@ -3455,7 +3580,7 @@
           <a:p>
             <a:fld id="{030305CC-77D9-43C1-9487-C134B9231D54}" type="datetimeFigureOut">
               <a:rPr lang="en-US" smtClean="0"/>
-              <a:t>12-Aug-17</a:t>
+              <a:t>15-Aug-17</a:t>
             </a:fld>
             <a:endParaRPr lang="en-US"/>
           </a:p>
@@ -3912,7 +4037,7 @@
           <a:p>
             <a:fld id="{030305CC-77D9-43C1-9487-C134B9231D54}" type="datetimeFigureOut">
               <a:rPr lang="en-US" smtClean="0"/>
-              <a:t>12-Aug-17</a:t>
+              <a:t>15-Aug-17</a:t>
             </a:fld>
             <a:endParaRPr lang="en-US"/>
           </a:p>
@@ -4141,7 +4266,7 @@
           <a:p>
             <a:fld id="{030305CC-77D9-43C1-9487-C134B9231D54}" type="datetimeFigureOut">
               <a:rPr lang="en-US" smtClean="0"/>
-              <a:t>12-Aug-17</a:t>
+              <a:t>15-Aug-17</a:t>
             </a:fld>
             <a:endParaRPr lang="en-US"/>
           </a:p>
@@ -4505,7 +4630,7 @@
           <a:p>
             <a:fld id="{030305CC-77D9-43C1-9487-C134B9231D54}" type="datetimeFigureOut">
               <a:rPr lang="en-US" smtClean="0"/>
-              <a:t>12-Aug-17</a:t>
+              <a:t>15-Aug-17</a:t>
             </a:fld>
             <a:endParaRPr lang="en-US"/>
           </a:p>
@@ -4622,7 +4747,7 @@
           <a:p>
             <a:fld id="{030305CC-77D9-43C1-9487-C134B9231D54}" type="datetimeFigureOut">
               <a:rPr lang="en-US" smtClean="0"/>
-              <a:t>12-Aug-17</a:t>
+              <a:t>15-Aug-17</a:t>
             </a:fld>
             <a:endParaRPr lang="en-US"/>
           </a:p>
@@ -4717,7 +4842,7 @@
           <a:p>
             <a:fld id="{030305CC-77D9-43C1-9487-C134B9231D54}" type="datetimeFigureOut">
               <a:rPr lang="en-US" smtClean="0"/>
-              <a:t>12-Aug-17</a:t>
+              <a:t>15-Aug-17</a:t>
             </a:fld>
             <a:endParaRPr lang="en-US"/>
           </a:p>
@@ -4992,7 +5117,7 @@
           <a:p>
             <a:fld id="{030305CC-77D9-43C1-9487-C134B9231D54}" type="datetimeFigureOut">
               <a:rPr lang="en-US" smtClean="0"/>
-              <a:t>12-Aug-17</a:t>
+              <a:t>15-Aug-17</a:t>
             </a:fld>
             <a:endParaRPr lang="en-US"/>
           </a:p>
@@ -5247,7 +5372,7 @@
           <a:p>
             <a:fld id="{030305CC-77D9-43C1-9487-C134B9231D54}" type="datetimeFigureOut">
               <a:rPr lang="en-US" smtClean="0"/>
-              <a:t>12-Aug-17</a:t>
+              <a:t>15-Aug-17</a:t>
             </a:fld>
             <a:endParaRPr lang="en-US"/>
           </a:p>
@@ -5459,7 +5584,7 @@
           <a:p>
             <a:fld id="{030305CC-77D9-43C1-9487-C134B9231D54}" type="datetimeFigureOut">
               <a:rPr lang="en-US" smtClean="0"/>
-              <a:t>12-Aug-17</a:t>
+              <a:t>15-Aug-17</a:t>
             </a:fld>
             <a:endParaRPr lang="en-US"/>
           </a:p>
@@ -5976,7 +6101,7 @@
         </p:nvSpPr>
         <p:spPr>
           <a:xfrm>
-            <a:off x="1455438" y="694159"/>
+            <a:off x="1455438" y="652594"/>
             <a:ext cx="10510576" cy="6063198"/>
           </a:xfrm>
           <a:prstGeom prst="rect">
@@ -7024,15 +7149,7 @@
             </a:pPr>
             <a:r>
               <a:rPr lang="en-US" sz="2400" dirty="0"/>
-              <a:t>By default the “simple” types are read from the URI and “complex” types from the body. This </a:t>
-            </a:r>
-            <a:r>
-              <a:rPr lang="en-US" sz="2400" dirty="0" err="1"/>
-              <a:t>behaveour</a:t>
-            </a:r>
-            <a:r>
-              <a:rPr lang="en-US" sz="2400" dirty="0"/>
-              <a:t> can be override by attributes [</a:t>
+              <a:t>By default the “simple” types are read from the URI and “complex” types from the body. This behavior can be overridden by the attributes [</a:t>
             </a:r>
             <a:r>
               <a:rPr lang="en-US" sz="2400" dirty="0" err="1"/>
@@ -7934,7 +8051,7 @@
         <p:spPr>
           <a:xfrm>
             <a:off x="1455438" y="694159"/>
-            <a:ext cx="10510576" cy="5262979"/>
+            <a:ext cx="10510576" cy="6740307"/>
           </a:xfrm>
           <a:prstGeom prst="rect">
             <a:avLst/>
@@ -8013,6 +8130,30 @@
                 <a:hlinkClick r:id="rId7"/>
               </a:rPr>
               <a:t>https://docs.microsoft.com/en-us/aspnet/web-api/overview/error-handling/exception-handling</a:t>
+            </a:r>
+            <a:endParaRPr lang="en-US" sz="2400" dirty="0"/>
+          </a:p>
+          <a:p>
+            <a:pPr marL="514350" indent="-514350">
+              <a:buAutoNum type="arabicPeriod"/>
+            </a:pPr>
+            <a:r>
+              <a:rPr lang="en-US" sz="2400" dirty="0">
+                <a:hlinkClick r:id="rId8"/>
+              </a:rPr>
+              <a:t>http://chimera.labs.oreilly.com/books/1234000001708/ch13.html#_how_model_binding_works</a:t>
+            </a:r>
+            <a:endParaRPr lang="en-US" sz="2400" dirty="0"/>
+          </a:p>
+          <a:p>
+            <a:pPr marL="514350" indent="-514350">
+              <a:buAutoNum type="arabicPeriod"/>
+            </a:pPr>
+            <a:r>
+              <a:rPr lang="en-US" sz="2400" dirty="0">
+                <a:hlinkClick r:id="rId9"/>
+              </a:rPr>
+              <a:t>https://blogs.msdn.microsoft.com/jmstall/2012/04/16/how-webapi-does-parameter-binding/</a:t>
             </a:r>
             <a:endParaRPr lang="en-US" sz="2400" dirty="0"/>
           </a:p>
@@ -8104,8 +8245,8 @@
         </p:nvSpPr>
         <p:spPr bwMode="auto">
           <a:xfrm>
-            <a:off x="1595335" y="891699"/>
-            <a:ext cx="10124317" cy="1400383"/>
+            <a:off x="1701800" y="417879"/>
+            <a:ext cx="10124317" cy="3262432"/>
           </a:xfrm>
           <a:prstGeom prst="rect">
             <a:avLst/>
@@ -8165,7 +8306,7 @@
               <a:tabLst/>
             </a:pPr>
             <a:r>
-              <a:rPr kumimoji="0" lang="en-US" altLang="en-US" sz="1100" b="0" i="0" u="none" strike="noStrike" cap="none" normalizeH="0" baseline="0" dirty="0">
+              <a:rPr kumimoji="0" lang="en-US" altLang="en-US" sz="2000" b="0" i="0" u="none" strike="noStrike" cap="none" normalizeH="0" baseline="0" dirty="0">
                 <a:ln>
                   <a:noFill/>
                 </a:ln>
@@ -8179,7 +8320,7 @@
               <a:t>There isn't specifically a per-route way of having formatters, but there is a </a:t>
             </a:r>
             <a:r>
-              <a:rPr kumimoji="0" lang="en-US" altLang="en-US" sz="900" b="0" i="0" u="none" strike="noStrike" cap="none" normalizeH="0" baseline="0" dirty="0">
+              <a:rPr kumimoji="0" lang="en-US" altLang="en-US" sz="1400" b="0" i="0" u="none" strike="noStrike" cap="none" normalizeH="0" baseline="0" dirty="0">
                 <a:ln>
                   <a:noFill/>
                 </a:ln>
@@ -8193,7 +8334,7 @@
               <a:t>per-controller configuration</a:t>
             </a:r>
             <a:r>
-              <a:rPr kumimoji="0" lang="en-US" altLang="en-US" sz="1100" b="0" i="0" u="none" strike="noStrike" cap="none" normalizeH="0" baseline="0" dirty="0">
+              <a:rPr kumimoji="0" lang="en-US" altLang="en-US" sz="2000" b="0" i="0" u="none" strike="noStrike" cap="none" normalizeH="0" baseline="0" dirty="0">
                 <a:ln>
                   <a:noFill/>
                 </a:ln>
@@ -8206,7 +8347,7 @@
               </a:rPr>
               <a:t> which you can use to have specific formatters. For example, in your scenario you could have a common base controller for certain set of controllers and decorate that base controller with the per-controller configuration attribute.</a:t>
             </a:r>
-            <a:endParaRPr kumimoji="0" lang="en-US" altLang="en-US" sz="1100" b="0" i="0" u="none" strike="noStrike" cap="none" normalizeH="0" baseline="0" dirty="0">
+            <a:endParaRPr kumimoji="0" lang="en-US" altLang="en-US" sz="2000" b="0" i="0" u="none" strike="noStrike" cap="none" normalizeH="0" baseline="0" dirty="0">
               <a:ln>
                 <a:noFill/>
               </a:ln>
@@ -8236,7 +8377,7 @@
               <a:tabLst/>
             </a:pPr>
             <a:r>
-              <a:rPr kumimoji="0" lang="en-US" altLang="en-US" sz="1100" b="0" i="0" u="none" strike="noStrike" cap="none" normalizeH="0" baseline="0" dirty="0">
+              <a:rPr kumimoji="0" lang="en-US" altLang="en-US" sz="2000" b="0" i="0" u="none" strike="noStrike" cap="none" normalizeH="0" baseline="0" dirty="0">
                 <a:ln>
                   <a:noFill/>
                 </a:ln>
@@ -8250,7 +8391,7 @@
               <a:t>Web API Sample for creating a per-controller </a:t>
             </a:r>
             <a:r>
-              <a:rPr kumimoji="0" lang="en-US" altLang="en-US" sz="1100" b="0" i="0" u="none" strike="noStrike" cap="none" normalizeH="0" baseline="0" dirty="0" err="1">
+              <a:rPr kumimoji="0" lang="en-US" altLang="en-US" sz="2000" b="0" i="0" u="none" strike="noStrike" cap="none" normalizeH="0" baseline="0" dirty="0" err="1">
                 <a:ln>
                   <a:noFill/>
                 </a:ln>
@@ -8264,7 +8405,7 @@
               <a:t>configuration:</a:t>
             </a:r>
             <a:r>
-              <a:rPr kumimoji="0" lang="en-US" altLang="en-US" sz="1100" b="0" i="0" u="none" strike="noStrike" cap="none" normalizeH="0" baseline="0" dirty="0" err="1">
+              <a:rPr kumimoji="0" lang="en-US" altLang="en-US" sz="2000" b="0" i="0" u="none" strike="noStrike" cap="none" normalizeH="0" baseline="0" dirty="0" err="1">
                 <a:ln>
                   <a:noFill/>
                 </a:ln>
@@ -8279,7 +8420,7 @@
               <a:t>http</a:t>
             </a:r>
             <a:r>
-              <a:rPr kumimoji="0" lang="en-US" altLang="en-US" sz="1100" b="0" i="0" u="none" strike="noStrike" cap="none" normalizeH="0" baseline="0" dirty="0">
+              <a:rPr kumimoji="0" lang="en-US" altLang="en-US" sz="2000" b="0" i="0" u="none" strike="noStrike" cap="none" normalizeH="0" baseline="0" dirty="0">
                 <a:ln>
                   <a:noFill/>
                 </a:ln>
@@ -8294,7 +8435,7 @@
               <a:t>://aspnet.codeplex.com/</a:t>
             </a:r>
             <a:r>
-              <a:rPr kumimoji="0" lang="en-US" altLang="en-US" sz="1100" b="0" i="0" u="none" strike="noStrike" cap="none" normalizeH="0" baseline="0" dirty="0" err="1">
+              <a:rPr kumimoji="0" lang="en-US" altLang="en-US" sz="2000" b="0" i="0" u="none" strike="noStrike" cap="none" normalizeH="0" baseline="0" dirty="0" err="1">
                 <a:ln>
                   <a:noFill/>
                 </a:ln>
@@ -8309,7 +8450,7 @@
               <a:t>SourceControl</a:t>
             </a:r>
             <a:r>
-              <a:rPr kumimoji="0" lang="en-US" altLang="en-US" sz="1100" b="0" i="0" u="none" strike="noStrike" cap="none" normalizeH="0" baseline="0" dirty="0">
+              <a:rPr kumimoji="0" lang="en-US" altLang="en-US" sz="2000" b="0" i="0" u="none" strike="noStrike" cap="none" normalizeH="0" baseline="0" dirty="0">
                 <a:ln>
                   <a:noFill/>
                 </a:ln>
@@ -8324,7 +8465,7 @@
               <a:t>/</a:t>
             </a:r>
             <a:r>
-              <a:rPr kumimoji="0" lang="en-US" altLang="en-US" sz="1100" b="0" i="0" u="none" strike="noStrike" cap="none" normalizeH="0" baseline="0" dirty="0" err="1">
+              <a:rPr kumimoji="0" lang="en-US" altLang="en-US" sz="2000" b="0" i="0" u="none" strike="noStrike" cap="none" normalizeH="0" baseline="0" dirty="0" err="1">
                 <a:ln>
                   <a:noFill/>
                 </a:ln>
@@ -8339,7 +8480,7 @@
               <a:t>latest#Samples</a:t>
             </a:r>
             <a:r>
-              <a:rPr kumimoji="0" lang="en-US" altLang="en-US" sz="1100" b="0" i="0" u="none" strike="noStrike" cap="none" normalizeH="0" baseline="0" dirty="0">
+              <a:rPr kumimoji="0" lang="en-US" altLang="en-US" sz="2000" b="0" i="0" u="none" strike="noStrike" cap="none" normalizeH="0" baseline="0" dirty="0">
                 <a:ln>
                   <a:noFill/>
                 </a:ln>
@@ -8354,7 +8495,7 @@
               <a:t>/</a:t>
             </a:r>
             <a:r>
-              <a:rPr kumimoji="0" lang="en-US" altLang="en-US" sz="1100" b="0" i="0" u="none" strike="noStrike" cap="none" normalizeH="0" baseline="0" dirty="0" err="1">
+              <a:rPr kumimoji="0" lang="en-US" altLang="en-US" sz="2000" b="0" i="0" u="none" strike="noStrike" cap="none" normalizeH="0" baseline="0" dirty="0" err="1">
                 <a:ln>
                   <a:noFill/>
                 </a:ln>
@@ -8369,7 +8510,7 @@
               <a:t>WebApi</a:t>
             </a:r>
             <a:r>
-              <a:rPr kumimoji="0" lang="en-US" altLang="en-US" sz="1100" b="0" i="0" u="none" strike="noStrike" cap="none" normalizeH="0" baseline="0" dirty="0">
+              <a:rPr kumimoji="0" lang="en-US" altLang="en-US" sz="2000" b="0" i="0" u="none" strike="noStrike" cap="none" normalizeH="0" baseline="0" dirty="0">
                 <a:ln>
                   <a:noFill/>
                 </a:ln>
@@ -8384,7 +8525,7 @@
               <a:t>/</a:t>
             </a:r>
             <a:r>
-              <a:rPr kumimoji="0" lang="en-US" altLang="en-US" sz="1100" b="0" i="0" u="none" strike="noStrike" cap="none" normalizeH="0" baseline="0" dirty="0" err="1">
+              <a:rPr kumimoji="0" lang="en-US" altLang="en-US" sz="2000" b="0" i="0" u="none" strike="noStrike" cap="none" normalizeH="0" baseline="0" dirty="0" err="1">
                 <a:ln>
                   <a:noFill/>
                 </a:ln>
@@ -8399,7 +8540,7 @@
               <a:t>ControllerSpecificConfigSample</a:t>
             </a:r>
             <a:r>
-              <a:rPr kumimoji="0" lang="en-US" altLang="en-US" sz="1100" b="0" i="0" u="none" strike="noStrike" cap="none" normalizeH="0" baseline="0" dirty="0">
+              <a:rPr kumimoji="0" lang="en-US" altLang="en-US" sz="2000" b="0" i="0" u="none" strike="noStrike" cap="none" normalizeH="0" baseline="0" dirty="0">
                 <a:ln>
                   <a:noFill/>
                 </a:ln>
@@ -8413,7 +8554,7 @@
               </a:rPr>
               <a:t>/ReadMe.txt</a:t>
             </a:r>
-            <a:endParaRPr kumimoji="0" lang="en-US" altLang="en-US" sz="800" b="0" i="0" u="none" strike="noStrike" cap="none" normalizeH="0" baseline="0" dirty="0">
+            <a:endParaRPr kumimoji="0" lang="en-US" altLang="en-US" sz="1200" b="0" i="0" u="none" strike="noStrike" cap="none" normalizeH="0" baseline="0" dirty="0">
               <a:ln>
                 <a:noFill/>
               </a:ln>
@@ -8441,7 +8582,7 @@
               <a:tabLst/>
             </a:pPr>
             <a:br>
-              <a:rPr kumimoji="0" lang="en-US" altLang="en-US" sz="1800" b="0" i="0" u="none" strike="noStrike" cap="none" normalizeH="0" baseline="0" dirty="0">
+              <a:rPr kumimoji="0" lang="en-US" altLang="en-US" sz="3600" b="0" i="0" u="none" strike="noStrike" cap="none" normalizeH="0" baseline="0" dirty="0">
                 <a:ln>
                   <a:noFill/>
                 </a:ln>
@@ -8452,7 +8593,7 @@
                 <a:latin typeface="Arial" panose="020B0604020202020204" pitchFamily="34" charset="0"/>
               </a:rPr>
             </a:br>
-            <a:endParaRPr kumimoji="0" lang="en-US" altLang="en-US" sz="1800" b="0" i="0" u="none" strike="noStrike" cap="none" normalizeH="0" baseline="0" dirty="0">
+            <a:endParaRPr kumimoji="0" lang="en-US" altLang="en-US" sz="3600" b="0" i="0" u="none" strike="noStrike" cap="none" normalizeH="0" baseline="0" dirty="0">
               <a:ln>
                 <a:noFill/>
               </a:ln>
